--- a/Presentation Fire.pptx
+++ b/Presentation Fire.pptx
@@ -1,33 +1,33 @@
 
 <file path=ppt/presentation.xml><?xml version="1.0" encoding="utf-8"?>
-<p:presentation xmlns:a="http://schemas.openxmlformats.org/drawingml/2006/main" xmlns:r="http://schemas.openxmlformats.org/officeDocument/2006/relationships" xmlns:p="http://schemas.openxmlformats.org/presentationml/2006/main" xmlns:m="http://schemas.openxmlformats.org/officeDocument/2006/math" xmlns:a14="http://schemas.microsoft.com/office/drawing/2010/main">
+<p:presentation xmlns:a="http://schemas.openxmlformats.org/drawingml/2006/main" xmlns:r="http://schemas.openxmlformats.org/officeDocument/2006/relationships" xmlns:p="http://schemas.openxmlformats.org/presentationml/2006/main">
   <p:sldMasterIdLst>
-    <p:sldMasterId id="2147483648" r:id="rId5"/>
+    <p:sldMasterId id="2147483648" r:id="rId4"/>
   </p:sldMasterIdLst>
   <p:notesMasterIdLst>
-    <p:notesMasterId r:id="rId7"/>
+    <p:notesMasterId r:id="rId25"/>
   </p:notesMasterIdLst>
   <p:sldIdLst>
-    <p:sldId id="256" r:id="rId8"/>
-    <p:sldId id="257" r:id="rId9"/>
-    <p:sldId id="258" r:id="rId10"/>
-    <p:sldId id="259" r:id="rId11"/>
-    <p:sldId id="260" r:id="rId12"/>
-    <p:sldId id="261" r:id="rId13"/>
-    <p:sldId id="262" r:id="rId14"/>
-    <p:sldId id="263" r:id="rId15"/>
-    <p:sldId id="264" r:id="rId16"/>
-    <p:sldId id="265" r:id="rId17"/>
-    <p:sldId id="266" r:id="rId18"/>
-    <p:sldId id="267" r:id="rId19"/>
-    <p:sldId id="268" r:id="rId20"/>
-    <p:sldId id="269" r:id="rId21"/>
-    <p:sldId id="270" r:id="rId22"/>
-    <p:sldId id="271" r:id="rId23"/>
-    <p:sldId id="272" r:id="rId24"/>
-    <p:sldId id="273" r:id="rId25"/>
-    <p:sldId id="274" r:id="rId26"/>
-    <p:sldId id="275" r:id="rId27"/>
+    <p:sldId id="256" r:id="rId5"/>
+    <p:sldId id="257" r:id="rId6"/>
+    <p:sldId id="258" r:id="rId7"/>
+    <p:sldId id="259" r:id="rId8"/>
+    <p:sldId id="260" r:id="rId9"/>
+    <p:sldId id="261" r:id="rId10"/>
+    <p:sldId id="262" r:id="rId11"/>
+    <p:sldId id="263" r:id="rId12"/>
+    <p:sldId id="264" r:id="rId13"/>
+    <p:sldId id="265" r:id="rId14"/>
+    <p:sldId id="266" r:id="rId15"/>
+    <p:sldId id="267" r:id="rId16"/>
+    <p:sldId id="268" r:id="rId17"/>
+    <p:sldId id="269" r:id="rId18"/>
+    <p:sldId id="270" r:id="rId19"/>
+    <p:sldId id="271" r:id="rId20"/>
+    <p:sldId id="272" r:id="rId21"/>
+    <p:sldId id="273" r:id="rId22"/>
+    <p:sldId id="274" r:id="rId23"/>
+    <p:sldId id="275" r:id="rId24"/>
   </p:sldIdLst>
   <p:sldSz cx="12192000" cy="6858000"/>
   <p:notesSz cx="6858000" cy="9144000"/>
@@ -47,7 +47,7 @@
       <a:buFontTx/>
       <a:buNone/>
       <a:tabLst/>
-      <a:defRPr b="0" baseline="0" cap="none" i="0" spc="0" strike="noStrike" sz="1800" u="none" kumimoji="0" normalizeH="0">
+      <a:defRPr kumimoji="0" sz="1800" b="0" i="0" u="none" strike="noStrike" cap="none" spc="0" normalizeH="0" baseline="0">
         <a:ln>
           <a:noFill/>
         </a:ln>
@@ -73,7 +73,7 @@
       <a:buFontTx/>
       <a:buNone/>
       <a:tabLst/>
-      <a:defRPr b="0" baseline="0" cap="none" i="0" spc="0" strike="noStrike" sz="1800" u="none" kumimoji="0" normalizeH="0">
+      <a:defRPr kumimoji="0" sz="1800" b="0" i="0" u="none" strike="noStrike" cap="none" spc="0" normalizeH="0" baseline="0">
         <a:ln>
           <a:noFill/>
         </a:ln>
@@ -103,7 +103,7 @@
       <a:buFontTx/>
       <a:buNone/>
       <a:tabLst/>
-      <a:defRPr b="0" baseline="0" cap="none" i="0" spc="0" strike="noStrike" sz="1800" u="none" kumimoji="0" normalizeH="0">
+      <a:defRPr kumimoji="0" sz="1800" b="0" i="0" u="none" strike="noStrike" cap="none" spc="0" normalizeH="0" baseline="0">
         <a:ln>
           <a:noFill/>
         </a:ln>
@@ -133,7 +133,7 @@
       <a:buFontTx/>
       <a:buNone/>
       <a:tabLst/>
-      <a:defRPr b="0" baseline="0" cap="none" i="0" spc="0" strike="noStrike" sz="1800" u="none" kumimoji="0" normalizeH="0">
+      <a:defRPr kumimoji="0" sz="1800" b="0" i="0" u="none" strike="noStrike" cap="none" spc="0" normalizeH="0" baseline="0">
         <a:ln>
           <a:noFill/>
         </a:ln>
@@ -163,7 +163,7 @@
       <a:buFontTx/>
       <a:buNone/>
       <a:tabLst/>
-      <a:defRPr b="0" baseline="0" cap="none" i="0" spc="0" strike="noStrike" sz="1800" u="none" kumimoji="0" normalizeH="0">
+      <a:defRPr kumimoji="0" sz="1800" b="0" i="0" u="none" strike="noStrike" cap="none" spc="0" normalizeH="0" baseline="0">
         <a:ln>
           <a:noFill/>
         </a:ln>
@@ -193,7 +193,7 @@
       <a:buFontTx/>
       <a:buNone/>
       <a:tabLst/>
-      <a:defRPr b="0" baseline="0" cap="none" i="0" spc="0" strike="noStrike" sz="1800" u="none" kumimoji="0" normalizeH="0">
+      <a:defRPr kumimoji="0" sz="1800" b="0" i="0" u="none" strike="noStrike" cap="none" spc="0" normalizeH="0" baseline="0">
         <a:ln>
           <a:noFill/>
         </a:ln>
@@ -223,7 +223,7 @@
       <a:buFontTx/>
       <a:buNone/>
       <a:tabLst/>
-      <a:defRPr b="0" baseline="0" cap="none" i="0" spc="0" strike="noStrike" sz="1800" u="none" kumimoji="0" normalizeH="0">
+      <a:defRPr kumimoji="0" sz="1800" b="0" i="0" u="none" strike="noStrike" cap="none" spc="0" normalizeH="0" baseline="0">
         <a:ln>
           <a:noFill/>
         </a:ln>
@@ -253,7 +253,7 @@
       <a:buFontTx/>
       <a:buNone/>
       <a:tabLst/>
-      <a:defRPr b="0" baseline="0" cap="none" i="0" spc="0" strike="noStrike" sz="1800" u="none" kumimoji="0" normalizeH="0">
+      <a:defRPr kumimoji="0" sz="1800" b="0" i="0" u="none" strike="noStrike" cap="none" spc="0" normalizeH="0" baseline="0">
         <a:ln>
           <a:noFill/>
         </a:ln>
@@ -283,7 +283,7 @@
       <a:buFontTx/>
       <a:buNone/>
       <a:tabLst/>
-      <a:defRPr b="0" baseline="0" cap="none" i="0" spc="0" strike="noStrike" sz="1800" u="none" kumimoji="0" normalizeH="0">
+      <a:defRPr kumimoji="0" sz="1800" b="0" i="0" u="none" strike="noStrike" cap="none" spc="0" normalizeH="0" baseline="0">
         <a:ln>
           <a:noFill/>
         </a:ln>
@@ -313,7 +313,7 @@
       <a:buFontTx/>
       <a:buNone/>
       <a:tabLst/>
-      <a:defRPr b="0" baseline="0" cap="none" i="0" spc="0" strike="noStrike" sz="1800" u="none" kumimoji="0" normalizeH="0">
+      <a:defRPr kumimoji="0" sz="1800" b="0" i="0" u="none" strike="noStrike" cap="none" spc="0" normalizeH="0" baseline="0">
         <a:ln>
           <a:noFill/>
         </a:ln>
@@ -332,13 +332,14 @@
 </p:presentation>
 </file>
 
-<file path=ppt/commentAuthors.xml><?xml version="1.0" encoding="utf-8"?>
-<p:cmAuthorLst xmlns:a="http://schemas.openxmlformats.org/drawingml/2006/main" xmlns:r="http://schemas.openxmlformats.org/officeDocument/2006/relationships" xmlns:p="http://schemas.openxmlformats.org/presentationml/2006/main" xmlns:m="http://schemas.openxmlformats.org/officeDocument/2006/math" xmlns:a14="http://schemas.microsoft.com/office/drawing/2010/main"/>
-</file>
-
 <file path=ppt/notesMasters/notesMaster1.xml><?xml version="1.0" encoding="utf-8"?>
-<p:notesMaster xmlns:a="http://schemas.openxmlformats.org/drawingml/2006/main" xmlns:r="http://schemas.openxmlformats.org/officeDocument/2006/relationships" xmlns:p="http://schemas.openxmlformats.org/presentationml/2006/main" xmlns:m="http://schemas.openxmlformats.org/officeDocument/2006/math" xmlns:a14="http://schemas.microsoft.com/office/drawing/2010/main">
+<p:notesMaster xmlns:a="http://schemas.openxmlformats.org/drawingml/2006/main" xmlns:r="http://schemas.openxmlformats.org/officeDocument/2006/relationships" xmlns:p="http://schemas.openxmlformats.org/presentationml/2006/main">
   <p:cSld>
+    <p:bg>
+      <p:bgRef idx="1001">
+        <a:schemeClr val="bg1"/>
+      </p:bgRef>
+    </p:bg>
     <p:spTree>
       <p:nvGrpSpPr>
         <p:cNvPr id="1" name=""/>
@@ -356,7 +357,9 @@
       <p:sp>
         <p:nvSpPr>
           <p:cNvPr id="91" name="Shape 91"/>
-          <p:cNvSpPr/>
+          <p:cNvSpPr>
+            <a:spLocks noGrp="1" noRot="1" noChangeAspect="1"/>
+          </p:cNvSpPr>
           <p:nvPr>
             <p:ph type="sldImg"/>
           </p:nvPr>
@@ -374,14 +377,16 @@
           <a:bodyPr/>
           <a:lstStyle/>
           <a:p>
-            <a:pPr/>
+            <a:endParaRPr/>
           </a:p>
         </p:txBody>
       </p:sp>
       <p:sp>
         <p:nvSpPr>
           <p:cNvPr id="92" name="Shape 92"/>
-          <p:cNvSpPr/>
+          <p:cNvSpPr>
+            <a:spLocks noGrp="1"/>
+          </p:cNvSpPr>
           <p:nvPr>
             <p:ph type="body" sz="quarter" idx="1"/>
           </p:nvPr>
@@ -399,7 +404,7 @@
           <a:bodyPr/>
           <a:lstStyle/>
           <a:p>
-            <a:pPr/>
+            <a:endParaRPr/>
           </a:p>
         </p:txBody>
       </p:sp>
@@ -484,7 +489,7 @@
 </file>
 
 <file path=ppt/slideLayouts/slideLayout1.xml><?xml version="1.0" encoding="utf-8"?>
-<p:sldLayout xmlns:a="http://schemas.openxmlformats.org/drawingml/2006/main" xmlns:r="http://schemas.openxmlformats.org/officeDocument/2006/relationships" xmlns:p="http://schemas.openxmlformats.org/presentationml/2006/main" xmlns:m="http://schemas.openxmlformats.org/officeDocument/2006/math" xmlns:a14="http://schemas.microsoft.com/office/drawing/2010/main" type="title" showMasterSp="1" showMasterPhAnim="1">
+<p:sldLayout xmlns:a="http://schemas.openxmlformats.org/drawingml/2006/main" xmlns:r="http://schemas.openxmlformats.org/officeDocument/2006/relationships" xmlns:p="http://schemas.openxmlformats.org/presentationml/2006/main" type="title">
   <p:cSld name="Titelfolie">
     <p:spTree>
       <p:nvGrpSpPr>
@@ -503,7 +508,9 @@
       <p:sp>
         <p:nvSpPr>
           <p:cNvPr id="11" name="Titeltext"/>
-          <p:cNvSpPr txBox="1"/>
+          <p:cNvSpPr txBox="1">
+            <a:spLocks noGrp="1"/>
+          </p:cNvSpPr>
           <p:nvPr>
             <p:ph type="title"/>
           </p:nvPr>
@@ -525,7 +532,6 @@
             </a:lvl1pPr>
           </a:lstStyle>
           <a:p>
-            <a:pPr/>
             <a:r>
               <a:t>Titeltext</a:t>
             </a:r>
@@ -535,7 +541,9 @@
       <p:sp>
         <p:nvSpPr>
           <p:cNvPr id="12" name="Textebene 1…"/>
-          <p:cNvSpPr txBox="1"/>
+          <p:cNvSpPr txBox="1">
+            <a:spLocks noGrp="1"/>
+          </p:cNvSpPr>
           <p:nvPr>
             <p:ph type="body" sz="quarter" idx="1"/>
           </p:nvPr>
@@ -584,7 +592,6 @@
             </a:lvl5pPr>
           </a:lstStyle>
           <a:p>
-            <a:pPr/>
             <a:r>
               <a:t>Textebene 1</a:t>
             </a:r>
@@ -618,7 +625,9 @@
       <p:sp>
         <p:nvSpPr>
           <p:cNvPr id="13" name="Foliennummer"/>
-          <p:cNvSpPr txBox="1"/>
+          <p:cNvSpPr txBox="1">
+            <a:spLocks noGrp="1"/>
+          </p:cNvSpPr>
           <p:nvPr>
             <p:ph type="sldNum" sz="quarter" idx="2"/>
           </p:nvPr>
@@ -632,8 +641,10 @@
           <a:bodyPr/>
           <a:lstStyle/>
           <a:p>
-            <a:pPr/>
-            <a:fld id="{86CB4B4D-7CA3-9044-876B-883B54F8677D}" type="slidenum"/>
+            <a:fld id="{86CB4B4D-7CA3-9044-876B-883B54F8677D}" type="slidenum">
+              <a:t>‹Nr.›</a:t>
+            </a:fld>
+            <a:endParaRPr/>
           </a:p>
         </p:txBody>
       </p:sp>
@@ -642,12 +653,12 @@
   <p:clrMapOvr>
     <a:masterClrMapping/>
   </p:clrMapOvr>
-  <p:transition xmlns:p14="http://schemas.microsoft.com/office/powerpoint/2010/main" spd="med" advClick="1"/>
+  <p:transition spd="med"/>
 </p:sldLayout>
 </file>
 
 <file path=ppt/slideLayouts/slideLayout2.xml><?xml version="1.0" encoding="utf-8"?>
-<p:sldLayout xmlns:a="http://schemas.openxmlformats.org/drawingml/2006/main" xmlns:r="http://schemas.openxmlformats.org/officeDocument/2006/relationships" xmlns:p="http://schemas.openxmlformats.org/presentationml/2006/main" xmlns:m="http://schemas.openxmlformats.org/officeDocument/2006/math" xmlns:a14="http://schemas.microsoft.com/office/drawing/2010/main" type="tx" showMasterSp="1" showMasterPhAnim="1">
+<p:sldLayout xmlns:a="http://schemas.openxmlformats.org/drawingml/2006/main" xmlns:r="http://schemas.openxmlformats.org/officeDocument/2006/relationships" xmlns:p="http://schemas.openxmlformats.org/presentationml/2006/main" type="tx">
   <p:cSld name="Titel und Inhalt">
     <p:spTree>
       <p:nvGrpSpPr>
@@ -666,7 +677,9 @@
       <p:sp>
         <p:nvSpPr>
           <p:cNvPr id="20" name="Titeltext"/>
-          <p:cNvSpPr txBox="1"/>
+          <p:cNvSpPr txBox="1">
+            <a:spLocks noGrp="1"/>
+          </p:cNvSpPr>
           <p:nvPr>
             <p:ph type="title"/>
           </p:nvPr>
@@ -680,7 +693,6 @@
           <a:bodyPr/>
           <a:lstStyle/>
           <a:p>
-            <a:pPr/>
             <a:r>
               <a:t>Titeltext</a:t>
             </a:r>
@@ -690,7 +702,9 @@
       <p:sp>
         <p:nvSpPr>
           <p:cNvPr id="21" name="Textebene 1…"/>
-          <p:cNvSpPr txBox="1"/>
+          <p:cNvSpPr txBox="1">
+            <a:spLocks noGrp="1"/>
+          </p:cNvSpPr>
           <p:nvPr>
             <p:ph type="body" idx="1"/>
           </p:nvPr>
@@ -704,7 +718,6 @@
           <a:bodyPr/>
           <a:lstStyle/>
           <a:p>
-            <a:pPr/>
             <a:r>
               <a:t>Textebene 1</a:t>
             </a:r>
@@ -738,7 +751,9 @@
       <p:sp>
         <p:nvSpPr>
           <p:cNvPr id="22" name="Foliennummer"/>
-          <p:cNvSpPr txBox="1"/>
+          <p:cNvSpPr txBox="1">
+            <a:spLocks noGrp="1"/>
+          </p:cNvSpPr>
           <p:nvPr>
             <p:ph type="sldNum" sz="quarter" idx="2"/>
           </p:nvPr>
@@ -752,8 +767,10 @@
           <a:bodyPr/>
           <a:lstStyle/>
           <a:p>
-            <a:pPr/>
-            <a:fld id="{86CB4B4D-7CA3-9044-876B-883B54F8677D}" type="slidenum"/>
+            <a:fld id="{86CB4B4D-7CA3-9044-876B-883B54F8677D}" type="slidenum">
+              <a:t>‹Nr.›</a:t>
+            </a:fld>
+            <a:endParaRPr/>
           </a:p>
         </p:txBody>
       </p:sp>
@@ -762,12 +779,12 @@
   <p:clrMapOvr>
     <a:masterClrMapping/>
   </p:clrMapOvr>
-  <p:transition xmlns:p14="http://schemas.microsoft.com/office/powerpoint/2010/main" spd="med" advClick="1"/>
+  <p:transition spd="med"/>
 </p:sldLayout>
 </file>
 
 <file path=ppt/slideLayouts/slideLayout3.xml><?xml version="1.0" encoding="utf-8"?>
-<p:sldLayout xmlns:a="http://schemas.openxmlformats.org/drawingml/2006/main" xmlns:r="http://schemas.openxmlformats.org/officeDocument/2006/relationships" xmlns:p="http://schemas.openxmlformats.org/presentationml/2006/main" xmlns:m="http://schemas.openxmlformats.org/officeDocument/2006/math" xmlns:a14="http://schemas.microsoft.com/office/drawing/2010/main" type="tx" showMasterSp="1" showMasterPhAnim="1">
+<p:sldLayout xmlns:a="http://schemas.openxmlformats.org/drawingml/2006/main" xmlns:r="http://schemas.openxmlformats.org/officeDocument/2006/relationships" xmlns:p="http://schemas.openxmlformats.org/presentationml/2006/main" type="tx">
   <p:cSld name="Abschnitts-&#10;überschrift">
     <p:spTree>
       <p:nvGrpSpPr>
@@ -786,7 +803,9 @@
       <p:sp>
         <p:nvSpPr>
           <p:cNvPr id="29" name="Titeltext"/>
-          <p:cNvSpPr txBox="1"/>
+          <p:cNvSpPr txBox="1">
+            <a:spLocks noGrp="1"/>
+          </p:cNvSpPr>
           <p:nvPr>
             <p:ph type="title"/>
           </p:nvPr>
@@ -808,7 +827,6 @@
             </a:lvl1pPr>
           </a:lstStyle>
           <a:p>
-            <a:pPr/>
             <a:r>
               <a:t>Titeltext</a:t>
             </a:r>
@@ -818,7 +836,9 @@
       <p:sp>
         <p:nvSpPr>
           <p:cNvPr id="30" name="Textebene 1…"/>
-          <p:cNvSpPr txBox="1"/>
+          <p:cNvSpPr txBox="1">
+            <a:spLocks noGrp="1"/>
+          </p:cNvSpPr>
           <p:nvPr>
             <p:ph type="body" sz="quarter" idx="1"/>
           </p:nvPr>
@@ -887,7 +907,6 @@
             </a:lvl5pPr>
           </a:lstStyle>
           <a:p>
-            <a:pPr/>
             <a:r>
               <a:t>Textebene 1</a:t>
             </a:r>
@@ -921,7 +940,9 @@
       <p:sp>
         <p:nvSpPr>
           <p:cNvPr id="31" name="Foliennummer"/>
-          <p:cNvSpPr txBox="1"/>
+          <p:cNvSpPr txBox="1">
+            <a:spLocks noGrp="1"/>
+          </p:cNvSpPr>
           <p:nvPr>
             <p:ph type="sldNum" sz="quarter" idx="2"/>
           </p:nvPr>
@@ -935,8 +956,10 @@
           <a:bodyPr/>
           <a:lstStyle/>
           <a:p>
-            <a:pPr/>
-            <a:fld id="{86CB4B4D-7CA3-9044-876B-883B54F8677D}" type="slidenum"/>
+            <a:fld id="{86CB4B4D-7CA3-9044-876B-883B54F8677D}" type="slidenum">
+              <a:t>‹Nr.›</a:t>
+            </a:fld>
+            <a:endParaRPr/>
           </a:p>
         </p:txBody>
       </p:sp>
@@ -945,12 +968,12 @@
   <p:clrMapOvr>
     <a:masterClrMapping/>
   </p:clrMapOvr>
-  <p:transition xmlns:p14="http://schemas.microsoft.com/office/powerpoint/2010/main" spd="med" advClick="1"/>
+  <p:transition spd="med"/>
 </p:sldLayout>
 </file>
 
 <file path=ppt/slideLayouts/slideLayout4.xml><?xml version="1.0" encoding="utf-8"?>
-<p:sldLayout xmlns:a="http://schemas.openxmlformats.org/drawingml/2006/main" xmlns:r="http://schemas.openxmlformats.org/officeDocument/2006/relationships" xmlns:p="http://schemas.openxmlformats.org/presentationml/2006/main" xmlns:m="http://schemas.openxmlformats.org/officeDocument/2006/math" xmlns:a14="http://schemas.microsoft.com/office/drawing/2010/main" type="tx" showMasterSp="1" showMasterPhAnim="1">
+<p:sldLayout xmlns:a="http://schemas.openxmlformats.org/drawingml/2006/main" xmlns:r="http://schemas.openxmlformats.org/officeDocument/2006/relationships" xmlns:p="http://schemas.openxmlformats.org/presentationml/2006/main" type="tx">
   <p:cSld name="Zwei Inhalte">
     <p:spTree>
       <p:nvGrpSpPr>
@@ -969,7 +992,9 @@
       <p:sp>
         <p:nvSpPr>
           <p:cNvPr id="38" name="Titeltext"/>
-          <p:cNvSpPr txBox="1"/>
+          <p:cNvSpPr txBox="1">
+            <a:spLocks noGrp="1"/>
+          </p:cNvSpPr>
           <p:nvPr>
             <p:ph type="title"/>
           </p:nvPr>
@@ -983,7 +1008,6 @@
           <a:bodyPr/>
           <a:lstStyle/>
           <a:p>
-            <a:pPr/>
             <a:r>
               <a:t>Titeltext</a:t>
             </a:r>
@@ -993,7 +1017,9 @@
       <p:sp>
         <p:nvSpPr>
           <p:cNvPr id="39" name="Textebene 1…"/>
-          <p:cNvSpPr txBox="1"/>
+          <p:cNvSpPr txBox="1">
+            <a:spLocks noGrp="1"/>
+          </p:cNvSpPr>
           <p:nvPr>
             <p:ph type="body" sz="half" idx="1"/>
           </p:nvPr>
@@ -1011,7 +1037,6 @@
           <a:bodyPr/>
           <a:lstStyle/>
           <a:p>
-            <a:pPr/>
             <a:r>
               <a:t>Textebene 1</a:t>
             </a:r>
@@ -1045,7 +1070,9 @@
       <p:sp>
         <p:nvSpPr>
           <p:cNvPr id="40" name="Foliennummer"/>
-          <p:cNvSpPr txBox="1"/>
+          <p:cNvSpPr txBox="1">
+            <a:spLocks noGrp="1"/>
+          </p:cNvSpPr>
           <p:nvPr>
             <p:ph type="sldNum" sz="quarter" idx="2"/>
           </p:nvPr>
@@ -1059,8 +1086,10 @@
           <a:bodyPr/>
           <a:lstStyle/>
           <a:p>
-            <a:pPr/>
-            <a:fld id="{86CB4B4D-7CA3-9044-876B-883B54F8677D}" type="slidenum"/>
+            <a:fld id="{86CB4B4D-7CA3-9044-876B-883B54F8677D}" type="slidenum">
+              <a:t>‹Nr.›</a:t>
+            </a:fld>
+            <a:endParaRPr/>
           </a:p>
         </p:txBody>
       </p:sp>
@@ -1069,12 +1098,12 @@
   <p:clrMapOvr>
     <a:masterClrMapping/>
   </p:clrMapOvr>
-  <p:transition xmlns:p14="http://schemas.microsoft.com/office/powerpoint/2010/main" spd="med" advClick="1"/>
+  <p:transition spd="med"/>
 </p:sldLayout>
 </file>
 
 <file path=ppt/slideLayouts/slideLayout5.xml><?xml version="1.0" encoding="utf-8"?>
-<p:sldLayout xmlns:a="http://schemas.openxmlformats.org/drawingml/2006/main" xmlns:r="http://schemas.openxmlformats.org/officeDocument/2006/relationships" xmlns:p="http://schemas.openxmlformats.org/presentationml/2006/main" xmlns:m="http://schemas.openxmlformats.org/officeDocument/2006/math" xmlns:a14="http://schemas.microsoft.com/office/drawing/2010/main" type="tx" showMasterSp="1" showMasterPhAnim="1">
+<p:sldLayout xmlns:a="http://schemas.openxmlformats.org/drawingml/2006/main" xmlns:r="http://schemas.openxmlformats.org/officeDocument/2006/relationships" xmlns:p="http://schemas.openxmlformats.org/presentationml/2006/main" type="tx">
   <p:cSld name="Vergleich">
     <p:spTree>
       <p:nvGrpSpPr>
@@ -1093,7 +1122,9 @@
       <p:sp>
         <p:nvSpPr>
           <p:cNvPr id="47" name="Titeltext"/>
-          <p:cNvSpPr txBox="1"/>
+          <p:cNvSpPr txBox="1">
+            <a:spLocks noGrp="1"/>
+          </p:cNvSpPr>
           <p:nvPr>
             <p:ph type="title"/>
           </p:nvPr>
@@ -1111,7 +1142,6 @@
           <a:bodyPr/>
           <a:lstStyle/>
           <a:p>
-            <a:pPr/>
             <a:r>
               <a:t>Titeltext</a:t>
             </a:r>
@@ -1121,7 +1151,9 @@
       <p:sp>
         <p:nvSpPr>
           <p:cNvPr id="48" name="Textebene 1…"/>
-          <p:cNvSpPr txBox="1"/>
+          <p:cNvSpPr txBox="1">
+            <a:spLocks noGrp="1"/>
+          </p:cNvSpPr>
           <p:nvPr>
             <p:ph type="body" sz="quarter" idx="1"/>
           </p:nvPr>
@@ -1142,35 +1174,34 @@
               <a:buSzTx/>
               <a:buFontTx/>
               <a:buNone/>
-              <a:defRPr b="1" sz="2400"/>
+              <a:defRPr sz="2400" b="1"/>
             </a:lvl1pPr>
             <a:lvl2pPr marL="0" indent="457200">
               <a:buSzTx/>
               <a:buFontTx/>
               <a:buNone/>
-              <a:defRPr b="1" sz="2400"/>
+              <a:defRPr sz="2400" b="1"/>
             </a:lvl2pPr>
             <a:lvl3pPr marL="0" indent="914400">
               <a:buSzTx/>
               <a:buFontTx/>
               <a:buNone/>
-              <a:defRPr b="1" sz="2400"/>
+              <a:defRPr sz="2400" b="1"/>
             </a:lvl3pPr>
             <a:lvl4pPr marL="0" indent="1371600">
               <a:buSzTx/>
               <a:buFontTx/>
               <a:buNone/>
-              <a:defRPr b="1" sz="2400"/>
+              <a:defRPr sz="2400" b="1"/>
             </a:lvl4pPr>
             <a:lvl5pPr marL="0" indent="1828800">
               <a:buSzTx/>
               <a:buFontTx/>
               <a:buNone/>
-              <a:defRPr b="1" sz="2400"/>
+              <a:defRPr sz="2400" b="1"/>
             </a:lvl5pPr>
           </a:lstStyle>
           <a:p>
-            <a:pPr/>
             <a:r>
               <a:t>Textebene 1</a:t>
             </a:r>
@@ -1204,7 +1235,9 @@
       <p:sp>
         <p:nvSpPr>
           <p:cNvPr id="49" name="Textplatzhalter 4"/>
-          <p:cNvSpPr/>
+          <p:cNvSpPr>
+            <a:spLocks noGrp="1"/>
+          </p:cNvSpPr>
           <p:nvPr>
             <p:ph type="body" sz="quarter" idx="13"/>
           </p:nvPr>
@@ -1226,15 +1259,18 @@
               <a:buSzTx/>
               <a:buFontTx/>
               <a:buNone/>
-              <a:defRPr b="1" sz="2400"/>
+              <a:defRPr sz="2400" b="1"/>
             </a:pPr>
+            <a:endParaRPr/>
           </a:p>
         </p:txBody>
       </p:sp>
       <p:sp>
         <p:nvSpPr>
           <p:cNvPr id="50" name="Foliennummer"/>
-          <p:cNvSpPr txBox="1"/>
+          <p:cNvSpPr txBox="1">
+            <a:spLocks noGrp="1"/>
+          </p:cNvSpPr>
           <p:nvPr>
             <p:ph type="sldNum" sz="quarter" idx="2"/>
           </p:nvPr>
@@ -1248,8 +1284,10 @@
           <a:bodyPr/>
           <a:lstStyle/>
           <a:p>
-            <a:pPr/>
-            <a:fld id="{86CB4B4D-7CA3-9044-876B-883B54F8677D}" type="slidenum"/>
+            <a:fld id="{86CB4B4D-7CA3-9044-876B-883B54F8677D}" type="slidenum">
+              <a:t>‹Nr.›</a:t>
+            </a:fld>
+            <a:endParaRPr/>
           </a:p>
         </p:txBody>
       </p:sp>
@@ -1258,12 +1296,12 @@
   <p:clrMapOvr>
     <a:masterClrMapping/>
   </p:clrMapOvr>
-  <p:transition xmlns:p14="http://schemas.microsoft.com/office/powerpoint/2010/main" spd="med" advClick="1"/>
+  <p:transition spd="med"/>
 </p:sldLayout>
 </file>
 
 <file path=ppt/slideLayouts/slideLayout6.xml><?xml version="1.0" encoding="utf-8"?>
-<p:sldLayout xmlns:a="http://schemas.openxmlformats.org/drawingml/2006/main" xmlns:r="http://schemas.openxmlformats.org/officeDocument/2006/relationships" xmlns:p="http://schemas.openxmlformats.org/presentationml/2006/main" xmlns:m="http://schemas.openxmlformats.org/officeDocument/2006/math" xmlns:a14="http://schemas.microsoft.com/office/drawing/2010/main" type="tx" showMasterSp="1" showMasterPhAnim="1">
+<p:sldLayout xmlns:a="http://schemas.openxmlformats.org/drawingml/2006/main" xmlns:r="http://schemas.openxmlformats.org/officeDocument/2006/relationships" xmlns:p="http://schemas.openxmlformats.org/presentationml/2006/main" type="tx">
   <p:cSld name="Nur Titel">
     <p:spTree>
       <p:nvGrpSpPr>
@@ -1282,7 +1320,9 @@
       <p:sp>
         <p:nvSpPr>
           <p:cNvPr id="57" name="Titeltext"/>
-          <p:cNvSpPr txBox="1"/>
+          <p:cNvSpPr txBox="1">
+            <a:spLocks noGrp="1"/>
+          </p:cNvSpPr>
           <p:nvPr>
             <p:ph type="title"/>
           </p:nvPr>
@@ -1296,7 +1336,6 @@
           <a:bodyPr/>
           <a:lstStyle/>
           <a:p>
-            <a:pPr/>
             <a:r>
               <a:t>Titeltext</a:t>
             </a:r>
@@ -1306,7 +1345,9 @@
       <p:sp>
         <p:nvSpPr>
           <p:cNvPr id="58" name="Foliennummer"/>
-          <p:cNvSpPr txBox="1"/>
+          <p:cNvSpPr txBox="1">
+            <a:spLocks noGrp="1"/>
+          </p:cNvSpPr>
           <p:nvPr>
             <p:ph type="sldNum" sz="quarter" idx="2"/>
           </p:nvPr>
@@ -1320,8 +1361,10 @@
           <a:bodyPr/>
           <a:lstStyle/>
           <a:p>
-            <a:pPr/>
-            <a:fld id="{86CB4B4D-7CA3-9044-876B-883B54F8677D}" type="slidenum"/>
+            <a:fld id="{86CB4B4D-7CA3-9044-876B-883B54F8677D}" type="slidenum">
+              <a:t>‹Nr.›</a:t>
+            </a:fld>
+            <a:endParaRPr/>
           </a:p>
         </p:txBody>
       </p:sp>
@@ -1330,12 +1373,12 @@
   <p:clrMapOvr>
     <a:masterClrMapping/>
   </p:clrMapOvr>
-  <p:transition xmlns:p14="http://schemas.microsoft.com/office/powerpoint/2010/main" spd="med" advClick="1"/>
+  <p:transition spd="med"/>
 </p:sldLayout>
 </file>
 
 <file path=ppt/slideLayouts/slideLayout7.xml><?xml version="1.0" encoding="utf-8"?>
-<p:sldLayout xmlns:a="http://schemas.openxmlformats.org/drawingml/2006/main" xmlns:r="http://schemas.openxmlformats.org/officeDocument/2006/relationships" xmlns:p="http://schemas.openxmlformats.org/presentationml/2006/main" xmlns:m="http://schemas.openxmlformats.org/officeDocument/2006/math" xmlns:a14="http://schemas.microsoft.com/office/drawing/2010/main" type="tx" showMasterSp="1" showMasterPhAnim="1">
+<p:sldLayout xmlns:a="http://schemas.openxmlformats.org/drawingml/2006/main" xmlns:r="http://schemas.openxmlformats.org/officeDocument/2006/relationships" xmlns:p="http://schemas.openxmlformats.org/presentationml/2006/main" type="tx">
   <p:cSld name="Leer">
     <p:spTree>
       <p:nvGrpSpPr>
@@ -1354,7 +1397,9 @@
       <p:sp>
         <p:nvSpPr>
           <p:cNvPr id="65" name="Foliennummer"/>
-          <p:cNvSpPr txBox="1"/>
+          <p:cNvSpPr txBox="1">
+            <a:spLocks noGrp="1"/>
+          </p:cNvSpPr>
           <p:nvPr>
             <p:ph type="sldNum" sz="quarter" idx="2"/>
           </p:nvPr>
@@ -1368,8 +1413,10 @@
           <a:bodyPr/>
           <a:lstStyle/>
           <a:p>
-            <a:pPr/>
-            <a:fld id="{86CB4B4D-7CA3-9044-876B-883B54F8677D}" type="slidenum"/>
+            <a:fld id="{86CB4B4D-7CA3-9044-876B-883B54F8677D}" type="slidenum">
+              <a:t>‹Nr.›</a:t>
+            </a:fld>
+            <a:endParaRPr/>
           </a:p>
         </p:txBody>
       </p:sp>
@@ -1378,12 +1425,12 @@
   <p:clrMapOvr>
     <a:masterClrMapping/>
   </p:clrMapOvr>
-  <p:transition xmlns:p14="http://schemas.microsoft.com/office/powerpoint/2010/main" spd="med" advClick="1"/>
+  <p:transition spd="med"/>
 </p:sldLayout>
 </file>
 
 <file path=ppt/slideLayouts/slideLayout8.xml><?xml version="1.0" encoding="utf-8"?>
-<p:sldLayout xmlns:a="http://schemas.openxmlformats.org/drawingml/2006/main" xmlns:r="http://schemas.openxmlformats.org/officeDocument/2006/relationships" xmlns:p="http://schemas.openxmlformats.org/presentationml/2006/main" xmlns:m="http://schemas.openxmlformats.org/officeDocument/2006/math" xmlns:a14="http://schemas.microsoft.com/office/drawing/2010/main" type="tx" showMasterSp="1" showMasterPhAnim="1">
+<p:sldLayout xmlns:a="http://schemas.openxmlformats.org/drawingml/2006/main" xmlns:r="http://schemas.openxmlformats.org/officeDocument/2006/relationships" xmlns:p="http://schemas.openxmlformats.org/presentationml/2006/main" type="tx">
   <p:cSld name="Inhalt mit Überschrift">
     <p:spTree>
       <p:nvGrpSpPr>
@@ -1402,7 +1449,9 @@
       <p:sp>
         <p:nvSpPr>
           <p:cNvPr id="72" name="Titeltext"/>
-          <p:cNvSpPr txBox="1"/>
+          <p:cNvSpPr txBox="1">
+            <a:spLocks noGrp="1"/>
+          </p:cNvSpPr>
           <p:nvPr>
             <p:ph type="title"/>
           </p:nvPr>
@@ -1424,7 +1473,6 @@
             </a:lvl1pPr>
           </a:lstStyle>
           <a:p>
-            <a:pPr/>
             <a:r>
               <a:t>Titeltext</a:t>
             </a:r>
@@ -1434,7 +1482,9 @@
       <p:sp>
         <p:nvSpPr>
           <p:cNvPr id="73" name="Textebene 1…"/>
-          <p:cNvSpPr txBox="1"/>
+          <p:cNvSpPr txBox="1">
+            <a:spLocks noGrp="1"/>
+          </p:cNvSpPr>
           <p:nvPr>
             <p:ph type="body" sz="half" idx="1"/>
           </p:nvPr>
@@ -1468,7 +1518,6 @@
             </a:lvl5pPr>
           </a:lstStyle>
           <a:p>
-            <a:pPr/>
             <a:r>
               <a:t>Textebene 1</a:t>
             </a:r>
@@ -1502,7 +1551,9 @@
       <p:sp>
         <p:nvSpPr>
           <p:cNvPr id="74" name="Textplatzhalter 3"/>
-          <p:cNvSpPr/>
+          <p:cNvSpPr>
+            <a:spLocks noGrp="1"/>
+          </p:cNvSpPr>
           <p:nvPr>
             <p:ph type="body" sz="quarter" idx="13"/>
           </p:nvPr>
@@ -1526,13 +1577,16 @@
               <a:buNone/>
               <a:defRPr sz="1600"/>
             </a:pPr>
+            <a:endParaRPr/>
           </a:p>
         </p:txBody>
       </p:sp>
       <p:sp>
         <p:nvSpPr>
           <p:cNvPr id="75" name="Foliennummer"/>
-          <p:cNvSpPr txBox="1"/>
+          <p:cNvSpPr txBox="1">
+            <a:spLocks noGrp="1"/>
+          </p:cNvSpPr>
           <p:nvPr>
             <p:ph type="sldNum" sz="quarter" idx="2"/>
           </p:nvPr>
@@ -1546,8 +1600,10 @@
           <a:bodyPr/>
           <a:lstStyle/>
           <a:p>
-            <a:pPr/>
-            <a:fld id="{86CB4B4D-7CA3-9044-876B-883B54F8677D}" type="slidenum"/>
+            <a:fld id="{86CB4B4D-7CA3-9044-876B-883B54F8677D}" type="slidenum">
+              <a:t>‹Nr.›</a:t>
+            </a:fld>
+            <a:endParaRPr/>
           </a:p>
         </p:txBody>
       </p:sp>
@@ -1556,12 +1612,12 @@
   <p:clrMapOvr>
     <a:masterClrMapping/>
   </p:clrMapOvr>
-  <p:transition xmlns:p14="http://schemas.microsoft.com/office/powerpoint/2010/main" spd="med" advClick="1"/>
+  <p:transition spd="med"/>
 </p:sldLayout>
 </file>
 
 <file path=ppt/slideLayouts/slideLayout9.xml><?xml version="1.0" encoding="utf-8"?>
-<p:sldLayout xmlns:a="http://schemas.openxmlformats.org/drawingml/2006/main" xmlns:r="http://schemas.openxmlformats.org/officeDocument/2006/relationships" xmlns:p="http://schemas.openxmlformats.org/presentationml/2006/main" xmlns:m="http://schemas.openxmlformats.org/officeDocument/2006/math" xmlns:a14="http://schemas.microsoft.com/office/drawing/2010/main" type="tx" showMasterSp="1" showMasterPhAnim="1">
+<p:sldLayout xmlns:a="http://schemas.openxmlformats.org/drawingml/2006/main" xmlns:r="http://schemas.openxmlformats.org/officeDocument/2006/relationships" xmlns:p="http://schemas.openxmlformats.org/presentationml/2006/main" type="tx">
   <p:cSld name="Bild mit Überschrift">
     <p:spTree>
       <p:nvGrpSpPr>
@@ -1580,7 +1636,9 @@
       <p:sp>
         <p:nvSpPr>
           <p:cNvPr id="82" name="Titeltext"/>
-          <p:cNvSpPr txBox="1"/>
+          <p:cNvSpPr txBox="1">
+            <a:spLocks noGrp="1"/>
+          </p:cNvSpPr>
           <p:nvPr>
             <p:ph type="title"/>
           </p:nvPr>
@@ -1602,7 +1660,6 @@
             </a:lvl1pPr>
           </a:lstStyle>
           <a:p>
-            <a:pPr/>
             <a:r>
               <a:t>Titeltext</a:t>
             </a:r>
@@ -1612,7 +1669,9 @@
       <p:sp>
         <p:nvSpPr>
           <p:cNvPr id="83" name="Bildplatzhalter 2"/>
-          <p:cNvSpPr/>
+          <p:cNvSpPr>
+            <a:spLocks noGrp="1"/>
+          </p:cNvSpPr>
           <p:nvPr>
             <p:ph type="pic" sz="half" idx="13"/>
           </p:nvPr>
@@ -1632,14 +1691,16 @@
           </a:bodyPr>
           <a:lstStyle/>
           <a:p>
-            <a:pPr/>
+            <a:endParaRPr/>
           </a:p>
         </p:txBody>
       </p:sp>
       <p:sp>
         <p:nvSpPr>
           <p:cNvPr id="84" name="Textebene 1…"/>
-          <p:cNvSpPr txBox="1"/>
+          <p:cNvSpPr txBox="1">
+            <a:spLocks noGrp="1"/>
+          </p:cNvSpPr>
           <p:nvPr>
             <p:ph type="body" sz="quarter" idx="1"/>
           </p:nvPr>
@@ -1688,7 +1749,6 @@
             </a:lvl5pPr>
           </a:lstStyle>
           <a:p>
-            <a:pPr/>
             <a:r>
               <a:t>Textebene 1</a:t>
             </a:r>
@@ -1722,7 +1782,9 @@
       <p:sp>
         <p:nvSpPr>
           <p:cNvPr id="85" name="Foliennummer"/>
-          <p:cNvSpPr txBox="1"/>
+          <p:cNvSpPr txBox="1">
+            <a:spLocks noGrp="1"/>
+          </p:cNvSpPr>
           <p:nvPr>
             <p:ph type="sldNum" sz="quarter" idx="2"/>
           </p:nvPr>
@@ -1736,8 +1798,10 @@
           <a:bodyPr/>
           <a:lstStyle/>
           <a:p>
-            <a:pPr/>
-            <a:fld id="{86CB4B4D-7CA3-9044-876B-883B54F8677D}" type="slidenum"/>
+            <a:fld id="{86CB4B4D-7CA3-9044-876B-883B54F8677D}" type="slidenum">
+              <a:t>‹Nr.›</a:t>
+            </a:fld>
+            <a:endParaRPr/>
           </a:p>
         </p:txBody>
       </p:sp>
@@ -1746,18 +1810,19 @@
   <p:clrMapOvr>
     <a:masterClrMapping/>
   </p:clrMapOvr>
-  <p:transition xmlns:p14="http://schemas.microsoft.com/office/powerpoint/2010/main" spd="med" advClick="1"/>
+  <p:transition spd="med"/>
 </p:sldLayout>
 </file>
 
 <file path=ppt/slideMasters/slideMaster1.xml><?xml version="1.0" encoding="utf-8"?>
-<p:sldMaster xmlns:a="http://schemas.openxmlformats.org/drawingml/2006/main" xmlns:r="http://schemas.openxmlformats.org/officeDocument/2006/relationships" xmlns:p="http://schemas.openxmlformats.org/presentationml/2006/main" xmlns:m="http://schemas.openxmlformats.org/officeDocument/2006/math" xmlns:a14="http://schemas.microsoft.com/office/drawing/2010/main">
+<p:sldMaster xmlns:a="http://schemas.openxmlformats.org/drawingml/2006/main" xmlns:r="http://schemas.openxmlformats.org/officeDocument/2006/relationships" xmlns:p="http://schemas.openxmlformats.org/presentationml/2006/main">
   <p:cSld>
     <p:bg>
       <p:bgPr>
         <a:solidFill>
           <a:srgbClr val="FFFFFF"/>
         </a:solidFill>
+        <a:effectLst/>
       </p:bgPr>
     </p:bg>
     <p:spTree>
@@ -1777,7 +1842,9 @@
       <p:sp>
         <p:nvSpPr>
           <p:cNvPr id="2" name="Titeltext"/>
-          <p:cNvSpPr txBox="1"/>
+          <p:cNvSpPr txBox="1">
+            <a:spLocks noGrp="1"/>
+          </p:cNvSpPr>
           <p:nvPr>
             <p:ph type="title"/>
           </p:nvPr>
@@ -1795,17 +1862,16 @@
           </a:ln>
           <a:extLst>
             <a:ext uri="{C572A759-6A51-4108-AA02-DFA0A04FC94B}">
-              <ma14:wrappingTextBoxFlag xmlns:ma14="http://schemas.microsoft.com/office/mac/drawingml/2011/main" val="1"/>
+              <ma14:wrappingTextBoxFlag xmlns:ma14="http://schemas.microsoft.com/office/mac/drawingml/2011/main" xmlns:a14="http://schemas.microsoft.com/office/drawing/2010/main" xmlns:m="http://schemas.openxmlformats.org/officeDocument/2006/math" xmlns="" val="1"/>
             </a:ext>
           </a:extLst>
         </p:spPr>
         <p:txBody>
           <a:bodyPr lIns="45719" rIns="45719" anchor="ctr">
-            <a:normAutofit fontScale="100000" lnSpcReduction="0"/>
+            <a:normAutofit/>
           </a:bodyPr>
           <a:lstStyle/>
           <a:p>
-            <a:pPr/>
             <a:r>
               <a:t>Titeltext</a:t>
             </a:r>
@@ -1815,7 +1881,9 @@
       <p:sp>
         <p:nvSpPr>
           <p:cNvPr id="3" name="Textebene 1…"/>
-          <p:cNvSpPr txBox="1"/>
+          <p:cNvSpPr txBox="1">
+            <a:spLocks noGrp="1"/>
+          </p:cNvSpPr>
           <p:nvPr>
             <p:ph type="body" idx="1"/>
           </p:nvPr>
@@ -1833,17 +1901,16 @@
           </a:ln>
           <a:extLst>
             <a:ext uri="{C572A759-6A51-4108-AA02-DFA0A04FC94B}">
-              <ma14:wrappingTextBoxFlag xmlns:ma14="http://schemas.microsoft.com/office/mac/drawingml/2011/main" val="1"/>
+              <ma14:wrappingTextBoxFlag xmlns:ma14="http://schemas.microsoft.com/office/mac/drawingml/2011/main" xmlns:a14="http://schemas.microsoft.com/office/drawing/2010/main" xmlns:m="http://schemas.openxmlformats.org/officeDocument/2006/math" xmlns="" val="1"/>
             </a:ext>
           </a:extLst>
         </p:spPr>
         <p:txBody>
           <a:bodyPr lIns="45719" rIns="45719">
-            <a:normAutofit fontScale="100000" lnSpcReduction="0"/>
+            <a:normAutofit/>
           </a:bodyPr>
           <a:lstStyle/>
           <a:p>
-            <a:pPr/>
             <a:r>
               <a:t>Textebene 1</a:t>
             </a:r>
@@ -1877,7 +1944,9 @@
       <p:sp>
         <p:nvSpPr>
           <p:cNvPr id="4" name="Foliennummer"/>
-          <p:cNvSpPr txBox="1"/>
+          <p:cNvSpPr txBox="1">
+            <a:spLocks noGrp="1"/>
+          </p:cNvSpPr>
           <p:nvPr>
             <p:ph type="sldNum" sz="quarter" idx="2"/>
           </p:nvPr>
@@ -1908,8 +1977,10 @@
             </a:lvl1pPr>
           </a:lstStyle>
           <a:p>
-            <a:pPr/>
-            <a:fld id="{86CB4B4D-7CA3-9044-876B-883B54F8677D}" type="slidenum"/>
+            <a:fld id="{86CB4B4D-7CA3-9044-876B-883B54F8677D}" type="slidenum">
+              <a:t>‹Nr.›</a:t>
+            </a:fld>
+            <a:endParaRPr/>
           </a:p>
         </p:txBody>
       </p:sp>
@@ -1917,17 +1988,17 @@
   </p:cSld>
   <p:clrMap bg1="lt1" tx1="dk1" bg2="lt2" tx2="dk2" accent1="accent1" accent2="accent2" accent3="accent3" accent4="accent4" accent5="accent5" accent6="accent6" hlink="hlink" folHlink="folHlink"/>
   <p:sldLayoutIdLst>
-    <p:sldLayoutId id="2147483649" r:id="rId2"/>
-    <p:sldLayoutId id="2147483650" r:id="rId3"/>
-    <p:sldLayoutId id="2147483651" r:id="rId4"/>
-    <p:sldLayoutId id="2147483652" r:id="rId5"/>
-    <p:sldLayoutId id="2147483653" r:id="rId6"/>
-    <p:sldLayoutId id="2147483654" r:id="rId7"/>
-    <p:sldLayoutId id="2147483655" r:id="rId8"/>
-    <p:sldLayoutId id="2147483656" r:id="rId9"/>
-    <p:sldLayoutId id="2147483657" r:id="rId10"/>
+    <p:sldLayoutId id="2147483649" r:id="rId1"/>
+    <p:sldLayoutId id="2147483650" r:id="rId2"/>
+    <p:sldLayoutId id="2147483651" r:id="rId3"/>
+    <p:sldLayoutId id="2147483652" r:id="rId4"/>
+    <p:sldLayoutId id="2147483653" r:id="rId5"/>
+    <p:sldLayoutId id="2147483654" r:id="rId6"/>
+    <p:sldLayoutId id="2147483655" r:id="rId7"/>
+    <p:sldLayoutId id="2147483656" r:id="rId8"/>
+    <p:sldLayoutId id="2147483657" r:id="rId9"/>
   </p:sldLayoutIdLst>
-  <p:transition xmlns:p14="http://schemas.microsoft.com/office/powerpoint/2010/main" spd="med" advClick="1"/>
+  <p:transition spd="med"/>
   <p:txStyles>
     <p:titleStyle>
       <a:lvl1pPr marL="0" marR="0" indent="0" algn="l" defTabSz="914400" rtl="0" latinLnBrk="0">
@@ -1945,7 +2016,7 @@
         <a:buFontTx/>
         <a:buNone/>
         <a:tabLst/>
-        <a:defRPr b="0" baseline="0" cap="none" i="0" spc="0" strike="noStrike" sz="4400" u="none">
+        <a:defRPr sz="4400" b="0" i="0" u="none" strike="noStrike" cap="none" spc="0" baseline="0">
           <a:solidFill>
             <a:srgbClr val="000000"/>
           </a:solidFill>
@@ -1971,7 +2042,7 @@
         <a:buFontTx/>
         <a:buNone/>
         <a:tabLst/>
-        <a:defRPr b="0" baseline="0" cap="none" i="0" spc="0" strike="noStrike" sz="4400" u="none">
+        <a:defRPr sz="4400" b="0" i="0" u="none" strike="noStrike" cap="none" spc="0" baseline="0">
           <a:solidFill>
             <a:srgbClr val="000000"/>
           </a:solidFill>
@@ -1997,7 +2068,7 @@
         <a:buFontTx/>
         <a:buNone/>
         <a:tabLst/>
-        <a:defRPr b="0" baseline="0" cap="none" i="0" spc="0" strike="noStrike" sz="4400" u="none">
+        <a:defRPr sz="4400" b="0" i="0" u="none" strike="noStrike" cap="none" spc="0" baseline="0">
           <a:solidFill>
             <a:srgbClr val="000000"/>
           </a:solidFill>
@@ -2023,7 +2094,7 @@
         <a:buFontTx/>
         <a:buNone/>
         <a:tabLst/>
-        <a:defRPr b="0" baseline="0" cap="none" i="0" spc="0" strike="noStrike" sz="4400" u="none">
+        <a:defRPr sz="4400" b="0" i="0" u="none" strike="noStrike" cap="none" spc="0" baseline="0">
           <a:solidFill>
             <a:srgbClr val="000000"/>
           </a:solidFill>
@@ -2049,7 +2120,7 @@
         <a:buFontTx/>
         <a:buNone/>
         <a:tabLst/>
-        <a:defRPr b="0" baseline="0" cap="none" i="0" spc="0" strike="noStrike" sz="4400" u="none">
+        <a:defRPr sz="4400" b="0" i="0" u="none" strike="noStrike" cap="none" spc="0" baseline="0">
           <a:solidFill>
             <a:srgbClr val="000000"/>
           </a:solidFill>
@@ -2075,7 +2146,7 @@
         <a:buFontTx/>
         <a:buNone/>
         <a:tabLst/>
-        <a:defRPr b="0" baseline="0" cap="none" i="0" spc="0" strike="noStrike" sz="4400" u="none">
+        <a:defRPr sz="4400" b="0" i="0" u="none" strike="noStrike" cap="none" spc="0" baseline="0">
           <a:solidFill>
             <a:srgbClr val="000000"/>
           </a:solidFill>
@@ -2101,7 +2172,7 @@
         <a:buFontTx/>
         <a:buNone/>
         <a:tabLst/>
-        <a:defRPr b="0" baseline="0" cap="none" i="0" spc="0" strike="noStrike" sz="4400" u="none">
+        <a:defRPr sz="4400" b="0" i="0" u="none" strike="noStrike" cap="none" spc="0" baseline="0">
           <a:solidFill>
             <a:srgbClr val="000000"/>
           </a:solidFill>
@@ -2127,7 +2198,7 @@
         <a:buFontTx/>
         <a:buNone/>
         <a:tabLst/>
-        <a:defRPr b="0" baseline="0" cap="none" i="0" spc="0" strike="noStrike" sz="4400" u="none">
+        <a:defRPr sz="4400" b="0" i="0" u="none" strike="noStrike" cap="none" spc="0" baseline="0">
           <a:solidFill>
             <a:srgbClr val="000000"/>
           </a:solidFill>
@@ -2153,7 +2224,7 @@
         <a:buFontTx/>
         <a:buNone/>
         <a:tabLst/>
-        <a:defRPr b="0" baseline="0" cap="none" i="0" spc="0" strike="noStrike" sz="4400" u="none">
+        <a:defRPr sz="4400" b="0" i="0" u="none" strike="noStrike" cap="none" spc="0" baseline="0">
           <a:solidFill>
             <a:srgbClr val="000000"/>
           </a:solidFill>
@@ -2181,7 +2252,7 @@
         <a:buFont typeface="Arial"/>
         <a:buChar char="•"/>
         <a:tabLst/>
-        <a:defRPr b="0" baseline="0" cap="none" i="0" spc="0" strike="noStrike" sz="2800" u="none">
+        <a:defRPr sz="2800" b="0" i="0" u="none" strike="noStrike" cap="none" spc="0" baseline="0">
           <a:solidFill>
             <a:srgbClr val="000000"/>
           </a:solidFill>
@@ -2207,7 +2278,7 @@
         <a:buFont typeface="Arial"/>
         <a:buChar char="•"/>
         <a:tabLst/>
-        <a:defRPr b="0" baseline="0" cap="none" i="0" spc="0" strike="noStrike" sz="2800" u="none">
+        <a:defRPr sz="2800" b="0" i="0" u="none" strike="noStrike" cap="none" spc="0" baseline="0">
           <a:solidFill>
             <a:srgbClr val="000000"/>
           </a:solidFill>
@@ -2233,7 +2304,7 @@
         <a:buFont typeface="Arial"/>
         <a:buChar char="•"/>
         <a:tabLst/>
-        <a:defRPr b="0" baseline="0" cap="none" i="0" spc="0" strike="noStrike" sz="2800" u="none">
+        <a:defRPr sz="2800" b="0" i="0" u="none" strike="noStrike" cap="none" spc="0" baseline="0">
           <a:solidFill>
             <a:srgbClr val="000000"/>
           </a:solidFill>
@@ -2259,7 +2330,7 @@
         <a:buFont typeface="Arial"/>
         <a:buChar char="•"/>
         <a:tabLst/>
-        <a:defRPr b="0" baseline="0" cap="none" i="0" spc="0" strike="noStrike" sz="2800" u="none">
+        <a:defRPr sz="2800" b="0" i="0" u="none" strike="noStrike" cap="none" spc="0" baseline="0">
           <a:solidFill>
             <a:srgbClr val="000000"/>
           </a:solidFill>
@@ -2285,7 +2356,7 @@
         <a:buFont typeface="Arial"/>
         <a:buChar char="•"/>
         <a:tabLst/>
-        <a:defRPr b="0" baseline="0" cap="none" i="0" spc="0" strike="noStrike" sz="2800" u="none">
+        <a:defRPr sz="2800" b="0" i="0" u="none" strike="noStrike" cap="none" spc="0" baseline="0">
           <a:solidFill>
             <a:srgbClr val="000000"/>
           </a:solidFill>
@@ -2311,7 +2382,7 @@
         <a:buFont typeface="Arial"/>
         <a:buChar char="•"/>
         <a:tabLst/>
-        <a:defRPr b="0" baseline="0" cap="none" i="0" spc="0" strike="noStrike" sz="2800" u="none">
+        <a:defRPr sz="2800" b="0" i="0" u="none" strike="noStrike" cap="none" spc="0" baseline="0">
           <a:solidFill>
             <a:srgbClr val="000000"/>
           </a:solidFill>
@@ -2337,7 +2408,7 @@
         <a:buFont typeface="Arial"/>
         <a:buChar char="•"/>
         <a:tabLst/>
-        <a:defRPr b="0" baseline="0" cap="none" i="0" spc="0" strike="noStrike" sz="2800" u="none">
+        <a:defRPr sz="2800" b="0" i="0" u="none" strike="noStrike" cap="none" spc="0" baseline="0">
           <a:solidFill>
             <a:srgbClr val="000000"/>
           </a:solidFill>
@@ -2363,7 +2434,7 @@
         <a:buFont typeface="Arial"/>
         <a:buChar char="•"/>
         <a:tabLst/>
-        <a:defRPr b="0" baseline="0" cap="none" i="0" spc="0" strike="noStrike" sz="2800" u="none">
+        <a:defRPr sz="2800" b="0" i="0" u="none" strike="noStrike" cap="none" spc="0" baseline="0">
           <a:solidFill>
             <a:srgbClr val="000000"/>
           </a:solidFill>
@@ -2389,7 +2460,7 @@
         <a:buFont typeface="Arial"/>
         <a:buChar char="•"/>
         <a:tabLst/>
-        <a:defRPr b="0" baseline="0" cap="none" i="0" spc="0" strike="noStrike" sz="2800" u="none">
+        <a:defRPr sz="2800" b="0" i="0" u="none" strike="noStrike" cap="none" spc="0" baseline="0">
           <a:solidFill>
             <a:srgbClr val="000000"/>
           </a:solidFill>
@@ -2417,7 +2488,7 @@
         <a:buFontTx/>
         <a:buNone/>
         <a:tabLst/>
-        <a:defRPr b="0" baseline="0" cap="none" i="0" spc="0" strike="noStrike" sz="1200" u="none">
+        <a:defRPr sz="1200" b="0" i="0" u="none" strike="noStrike" cap="none" spc="0" baseline="0">
           <a:solidFill>
             <a:schemeClr val="tx1"/>
           </a:solidFill>
@@ -2443,7 +2514,7 @@
         <a:buFontTx/>
         <a:buNone/>
         <a:tabLst/>
-        <a:defRPr b="0" baseline="0" cap="none" i="0" spc="0" strike="noStrike" sz="1200" u="none">
+        <a:defRPr sz="1200" b="0" i="0" u="none" strike="noStrike" cap="none" spc="0" baseline="0">
           <a:solidFill>
             <a:schemeClr val="tx1"/>
           </a:solidFill>
@@ -2469,7 +2540,7 @@
         <a:buFontTx/>
         <a:buNone/>
         <a:tabLst/>
-        <a:defRPr b="0" baseline="0" cap="none" i="0" spc="0" strike="noStrike" sz="1200" u="none">
+        <a:defRPr sz="1200" b="0" i="0" u="none" strike="noStrike" cap="none" spc="0" baseline="0">
           <a:solidFill>
             <a:schemeClr val="tx1"/>
           </a:solidFill>
@@ -2495,7 +2566,7 @@
         <a:buFontTx/>
         <a:buNone/>
         <a:tabLst/>
-        <a:defRPr b="0" baseline="0" cap="none" i="0" spc="0" strike="noStrike" sz="1200" u="none">
+        <a:defRPr sz="1200" b="0" i="0" u="none" strike="noStrike" cap="none" spc="0" baseline="0">
           <a:solidFill>
             <a:schemeClr val="tx1"/>
           </a:solidFill>
@@ -2521,7 +2592,7 @@
         <a:buFontTx/>
         <a:buNone/>
         <a:tabLst/>
-        <a:defRPr b="0" baseline="0" cap="none" i="0" spc="0" strike="noStrike" sz="1200" u="none">
+        <a:defRPr sz="1200" b="0" i="0" u="none" strike="noStrike" cap="none" spc="0" baseline="0">
           <a:solidFill>
             <a:schemeClr val="tx1"/>
           </a:solidFill>
@@ -2547,7 +2618,7 @@
         <a:buFontTx/>
         <a:buNone/>
         <a:tabLst/>
-        <a:defRPr b="0" baseline="0" cap="none" i="0" spc="0" strike="noStrike" sz="1200" u="none">
+        <a:defRPr sz="1200" b="0" i="0" u="none" strike="noStrike" cap="none" spc="0" baseline="0">
           <a:solidFill>
             <a:schemeClr val="tx1"/>
           </a:solidFill>
@@ -2573,7 +2644,7 @@
         <a:buFontTx/>
         <a:buNone/>
         <a:tabLst/>
-        <a:defRPr b="0" baseline="0" cap="none" i="0" spc="0" strike="noStrike" sz="1200" u="none">
+        <a:defRPr sz="1200" b="0" i="0" u="none" strike="noStrike" cap="none" spc="0" baseline="0">
           <a:solidFill>
             <a:schemeClr val="tx1"/>
           </a:solidFill>
@@ -2599,7 +2670,7 @@
         <a:buFontTx/>
         <a:buNone/>
         <a:tabLst/>
-        <a:defRPr b="0" baseline="0" cap="none" i="0" spc="0" strike="noStrike" sz="1200" u="none">
+        <a:defRPr sz="1200" b="0" i="0" u="none" strike="noStrike" cap="none" spc="0" baseline="0">
           <a:solidFill>
             <a:schemeClr val="tx1"/>
           </a:solidFill>
@@ -2625,7 +2696,7 @@
         <a:buFontTx/>
         <a:buNone/>
         <a:tabLst/>
-        <a:defRPr b="0" baseline="0" cap="none" i="0" spc="0" strike="noStrike" sz="1200" u="none">
+        <a:defRPr sz="1200" b="0" i="0" u="none" strike="noStrike" cap="none" spc="0" baseline="0">
           <a:solidFill>
             <a:schemeClr val="tx1"/>
           </a:solidFill>
@@ -2642,7 +2713,7 @@
 </file>
 
 <file path=ppt/slides/slide1.xml><?xml version="1.0" encoding="utf-8"?>
-<p:sld xmlns:a="http://schemas.openxmlformats.org/drawingml/2006/main" xmlns:r="http://schemas.openxmlformats.org/officeDocument/2006/relationships" xmlns:p="http://schemas.openxmlformats.org/presentationml/2006/main" xmlns:m="http://schemas.openxmlformats.org/officeDocument/2006/math" xmlns:a14="http://schemas.microsoft.com/office/drawing/2010/main" showMasterSp="1" showMasterPhAnim="1">
+<p:sld xmlns:a="http://schemas.openxmlformats.org/drawingml/2006/main" xmlns:r="http://schemas.openxmlformats.org/officeDocument/2006/relationships" xmlns:p="http://schemas.openxmlformats.org/presentationml/2006/main">
   <p:cSld>
     <p:spTree>
       <p:nvGrpSpPr>
@@ -2661,7 +2732,9 @@
       <p:sp>
         <p:nvSpPr>
           <p:cNvPr id="94" name="Titel 1"/>
-          <p:cNvSpPr txBox="1"/>
+          <p:cNvSpPr txBox="1">
+            <a:spLocks noGrp="1"/>
+          </p:cNvSpPr>
           <p:nvPr>
             <p:ph type="ctrTitle"/>
           </p:nvPr>
@@ -2679,7 +2752,7 @@
           <a:bodyPr/>
           <a:lstStyle>
             <a:lvl1pPr defTabSz="758951">
-              <a:defRPr b="1" sz="7968">
+              <a:defRPr sz="7968" b="1">
                 <a:solidFill>
                   <a:srgbClr val="FF0000"/>
                 </a:solidFill>
@@ -2691,7 +2764,6 @@
             </a:lvl1pPr>
           </a:lstStyle>
           <a:p>
-            <a:pPr/>
             <a:r>
               <a:t>Twitter Disaster Detection</a:t>
             </a:r>
@@ -2701,7 +2773,9 @@
       <p:sp>
         <p:nvSpPr>
           <p:cNvPr id="95" name="Untertitel 2"/>
-          <p:cNvSpPr txBox="1"/>
+          <p:cNvSpPr txBox="1">
+            <a:spLocks noGrp="1"/>
+          </p:cNvSpPr>
           <p:nvPr>
             <p:ph type="subTitle" sz="half" idx="1"/>
           </p:nvPr>
@@ -2719,34 +2793,29 @@
           <a:bodyPr/>
           <a:lstStyle/>
           <a:p>
-            <a:pPr/>
             <a:r>
               <a:t>The warning app </a:t>
             </a:r>
           </a:p>
           <a:p>
-            <a:pPr/>
-          </a:p>
-          <a:p>
-            <a:pPr/>
+            <a:endParaRPr/>
+          </a:p>
+          <a:p>
             <a:r>
               <a:t>by </a:t>
             </a:r>
           </a:p>
           <a:p>
-            <a:pPr/>
             <a:r>
               <a:t>Julia</a:t>
             </a:r>
           </a:p>
           <a:p>
-            <a:pPr/>
             <a:r>
               <a:t>Markus</a:t>
             </a:r>
           </a:p>
           <a:p>
-            <a:pPr/>
             <a:r>
               <a:t>Peter</a:t>
             </a:r>
@@ -2758,12 +2827,12 @@
   <p:clrMapOvr>
     <a:masterClrMapping/>
   </p:clrMapOvr>
-  <p:transition xmlns:p14="http://schemas.microsoft.com/office/powerpoint/2010/main" spd="med" advClick="1"/>
+  <p:transition spd="med"/>
 </p:sld>
 </file>
 
 <file path=ppt/slides/slide10.xml><?xml version="1.0" encoding="utf-8"?>
-<p:sld xmlns:a="http://schemas.openxmlformats.org/drawingml/2006/main" xmlns:r="http://schemas.openxmlformats.org/officeDocument/2006/relationships" xmlns:p="http://schemas.openxmlformats.org/presentationml/2006/main" xmlns:m="http://schemas.openxmlformats.org/officeDocument/2006/math" xmlns:a14="http://schemas.microsoft.com/office/drawing/2010/main" showMasterSp="1" showMasterPhAnim="1">
+<p:sld xmlns:a="http://schemas.openxmlformats.org/drawingml/2006/main" xmlns:r="http://schemas.openxmlformats.org/officeDocument/2006/relationships" xmlns:p="http://schemas.openxmlformats.org/presentationml/2006/main">
   <p:cSld>
     <p:spTree>
       <p:nvGrpSpPr>
@@ -2782,7 +2851,9 @@
       <p:sp>
         <p:nvSpPr>
           <p:cNvPr id="130" name="Titel 1"/>
-          <p:cNvSpPr txBox="1"/>
+          <p:cNvSpPr txBox="1">
+            <a:spLocks noGrp="1"/>
+          </p:cNvSpPr>
           <p:nvPr>
             <p:ph type="title"/>
           </p:nvPr>
@@ -2796,7 +2867,6 @@
           <a:bodyPr/>
           <a:lstStyle/>
           <a:p>
-            <a:pPr/>
             <a:r>
               <a:t>Workbench</a:t>
             </a:r>
@@ -2822,7 +2892,7 @@
           </a:ln>
           <a:extLst>
             <a:ext uri="{C572A759-6A51-4108-AA02-DFA0A04FC94B}">
-              <ma14:wrappingTextBoxFlag xmlns:ma14="http://schemas.microsoft.com/office/mac/drawingml/2011/main" val="1"/>
+              <ma14:wrappingTextBoxFlag xmlns:ma14="http://schemas.microsoft.com/office/mac/drawingml/2011/main" xmlns:a14="http://schemas.microsoft.com/office/drawing/2010/main" xmlns:m="http://schemas.openxmlformats.org/officeDocument/2006/math" xmlns="" val="1"/>
             </a:ext>
           </a:extLst>
         </p:spPr>
@@ -2884,6 +2954,7 @@
                 <a:sym typeface="Menlo Regular"/>
               </a:defRPr>
             </a:pPr>
+            <a:endParaRPr/>
           </a:p>
           <a:p>
             <a:pPr defTabSz="457200">
@@ -2900,6 +2971,7 @@
                 <a:sym typeface="Menlo Regular"/>
               </a:defRPr>
             </a:pPr>
+            <a:endParaRPr/>
           </a:p>
           <a:p>
             <a:pPr defTabSz="457200">
@@ -2916,6 +2988,7 @@
                 <a:sym typeface="Menlo Regular"/>
               </a:defRPr>
             </a:pPr>
+            <a:endParaRPr/>
           </a:p>
           <a:p>
             <a:pPr defTabSz="457200">
@@ -2953,6 +3026,11 @@
                 <a:sym typeface="Menlo Regular"/>
               </a:defRPr>
             </a:pPr>
+            <a:endParaRPr>
+              <a:solidFill>
+                <a:srgbClr val="000000"/>
+              </a:solidFill>
+            </a:endParaRPr>
           </a:p>
           <a:p>
             <a:pPr defTabSz="457200">
@@ -2986,9 +3064,7 @@
           <p:nvPr/>
         </p:nvPicPr>
         <p:blipFill>
-          <a:blip r:embed="rId2">
-            <a:extLst/>
-          </a:blip>
+          <a:blip r:embed="rId2"/>
           <a:stretch>
             <a:fillRect/>
           </a:stretch>
@@ -3011,12 +3087,12 @@
   <p:clrMapOvr>
     <a:masterClrMapping/>
   </p:clrMapOvr>
-  <p:transition xmlns:p14="http://schemas.microsoft.com/office/powerpoint/2010/main" spd="med" advClick="1"/>
+  <p:transition spd="med"/>
 </p:sld>
 </file>
 
 <file path=ppt/slides/slide11.xml><?xml version="1.0" encoding="utf-8"?>
-<p:sld xmlns:a="http://schemas.openxmlformats.org/drawingml/2006/main" xmlns:r="http://schemas.openxmlformats.org/officeDocument/2006/relationships" xmlns:p="http://schemas.openxmlformats.org/presentationml/2006/main" xmlns:m="http://schemas.openxmlformats.org/officeDocument/2006/math" xmlns:a14="http://schemas.microsoft.com/office/drawing/2010/main" showMasterSp="1" showMasterPhAnim="1">
+<p:sld xmlns:a="http://schemas.openxmlformats.org/drawingml/2006/main" xmlns:r="http://schemas.openxmlformats.org/officeDocument/2006/relationships" xmlns:p="http://schemas.openxmlformats.org/presentationml/2006/main">
   <p:cSld>
     <p:spTree>
       <p:nvGrpSpPr>
@@ -3035,7 +3111,9 @@
       <p:sp>
         <p:nvSpPr>
           <p:cNvPr id="134" name="Titel 1"/>
-          <p:cNvSpPr txBox="1"/>
+          <p:cNvSpPr txBox="1">
+            <a:spLocks noGrp="1"/>
+          </p:cNvSpPr>
           <p:nvPr>
             <p:ph type="title"/>
           </p:nvPr>
@@ -3049,7 +3127,6 @@
           <a:bodyPr/>
           <a:lstStyle/>
           <a:p>
-            <a:pPr/>
             <a:r>
               <a:t>Finde den Fehler</a:t>
             </a:r>
@@ -3075,7 +3152,7 @@
           </a:ln>
           <a:extLst>
             <a:ext uri="{C572A759-6A51-4108-AA02-DFA0A04FC94B}">
-              <ma14:wrappingTextBoxFlag xmlns:ma14="http://schemas.microsoft.com/office/mac/drawingml/2011/main" val="1"/>
+              <ma14:wrappingTextBoxFlag xmlns:ma14="http://schemas.microsoft.com/office/mac/drawingml/2011/main" xmlns:a14="http://schemas.microsoft.com/office/drawing/2010/main" xmlns:m="http://schemas.openxmlformats.org/officeDocument/2006/math" xmlns="" val="1"/>
             </a:ext>
           </a:extLst>
         </p:spPr>
@@ -3137,6 +3214,7 @@
                 <a:sym typeface="Menlo Regular"/>
               </a:defRPr>
             </a:pPr>
+            <a:endParaRPr/>
           </a:p>
           <a:p>
             <a:pPr defTabSz="457200">
@@ -3153,6 +3231,7 @@
                 <a:sym typeface="Menlo Regular"/>
               </a:defRPr>
             </a:pPr>
+            <a:endParaRPr/>
           </a:p>
           <a:p>
             <a:pPr defTabSz="457200">
@@ -3169,6 +3248,7 @@
                 <a:sym typeface="Menlo Regular"/>
               </a:defRPr>
             </a:pPr>
+            <a:endParaRPr/>
           </a:p>
           <a:p>
             <a:pPr defTabSz="457200">
@@ -3206,6 +3286,11 @@
                 <a:sym typeface="Menlo Regular"/>
               </a:defRPr>
             </a:pPr>
+            <a:endParaRPr>
+              <a:solidFill>
+                <a:srgbClr val="000000"/>
+              </a:solidFill>
+            </a:endParaRPr>
           </a:p>
           <a:p>
             <a:pPr defTabSz="457200">
@@ -3239,9 +3324,7 @@
           <p:nvPr/>
         </p:nvPicPr>
         <p:blipFill>
-          <a:blip r:embed="rId2">
-            <a:extLst/>
-          </a:blip>
+          <a:blip r:embed="rId2"/>
           <a:stretch>
             <a:fillRect/>
           </a:stretch>
@@ -3268,10 +3351,8 @@
           <p:nvPr/>
         </p:nvPicPr>
         <p:blipFill>
-          <a:blip r:embed="rId3">
-            <a:extLst/>
-          </a:blip>
-          <a:srcRect l="0" t="6577" r="0" b="8666"/>
+          <a:blip r:embed="rId3"/>
+          <a:srcRect t="6577" b="8666"/>
           <a:stretch>
             <a:fillRect/>
           </a:stretch>
@@ -3298,9 +3379,7 @@
           <p:nvPr/>
         </p:nvPicPr>
         <p:blipFill>
-          <a:blip r:embed="rId4">
-            <a:extLst/>
-          </a:blip>
+          <a:blip r:embed="rId4"/>
           <a:stretch>
             <a:fillRect/>
           </a:stretch>
@@ -3323,12 +3402,12 @@
   <p:clrMapOvr>
     <a:masterClrMapping/>
   </p:clrMapOvr>
-  <p:transition xmlns:p14="http://schemas.microsoft.com/office/powerpoint/2010/main" spd="med" advClick="1"/>
+  <p:transition spd="med"/>
 </p:sld>
 </file>
 
 <file path=ppt/slides/slide12.xml><?xml version="1.0" encoding="utf-8"?>
-<p:sld xmlns:a="http://schemas.openxmlformats.org/drawingml/2006/main" xmlns:r="http://schemas.openxmlformats.org/officeDocument/2006/relationships" xmlns:p="http://schemas.openxmlformats.org/presentationml/2006/main" xmlns:m="http://schemas.openxmlformats.org/officeDocument/2006/math" xmlns:a14="http://schemas.microsoft.com/office/drawing/2010/main" showMasterSp="1" showMasterPhAnim="1">
+<p:sld xmlns:a="http://schemas.openxmlformats.org/drawingml/2006/main" xmlns:r="http://schemas.openxmlformats.org/officeDocument/2006/relationships" xmlns:p="http://schemas.openxmlformats.org/presentationml/2006/main">
   <p:cSld>
     <p:spTree>
       <p:nvGrpSpPr>
@@ -3347,7 +3426,9 @@
       <p:sp>
         <p:nvSpPr>
           <p:cNvPr id="140" name="Titel 1"/>
-          <p:cNvSpPr txBox="1"/>
+          <p:cNvSpPr txBox="1">
+            <a:spLocks noGrp="1"/>
+          </p:cNvSpPr>
           <p:nvPr>
             <p:ph type="title"/>
           </p:nvPr>
@@ -3361,7 +3442,6 @@
           <a:bodyPr/>
           <a:lstStyle/>
           <a:p>
-            <a:pPr/>
             <a:r>
               <a:t>Finde in Stadtliste</a:t>
             </a:r>
@@ -3387,7 +3467,7 @@
           </a:ln>
           <a:extLst>
             <a:ext uri="{C572A759-6A51-4108-AA02-DFA0A04FC94B}">
-              <ma14:wrappingTextBoxFlag xmlns:ma14="http://schemas.microsoft.com/office/mac/drawingml/2011/main" val="1"/>
+              <ma14:wrappingTextBoxFlag xmlns:ma14="http://schemas.microsoft.com/office/mac/drawingml/2011/main" xmlns:a14="http://schemas.microsoft.com/office/drawing/2010/main" xmlns:m="http://schemas.openxmlformats.org/officeDocument/2006/math" xmlns="" val="1"/>
             </a:ext>
           </a:extLst>
         </p:spPr>
@@ -3397,7 +3477,6 @@
           </a:bodyPr>
           <a:lstStyle/>
           <a:p>
-            <a:pPr/>
             <a:r>
               <a:t>https://www.mithrilandmages.com/utilities/CityBrowse.php</a:t>
             </a:r>
@@ -3423,7 +3502,7 @@
           </a:ln>
           <a:extLst>
             <a:ext uri="{C572A759-6A51-4108-AA02-DFA0A04FC94B}">
-              <ma14:wrappingTextBoxFlag xmlns:ma14="http://schemas.microsoft.com/office/mac/drawingml/2011/main" val="1"/>
+              <ma14:wrappingTextBoxFlag xmlns:ma14="http://schemas.microsoft.com/office/mac/drawingml/2011/main" xmlns:a14="http://schemas.microsoft.com/office/drawing/2010/main" xmlns:m="http://schemas.openxmlformats.org/officeDocument/2006/math" xmlns="" val="1"/>
             </a:ext>
           </a:extLst>
         </p:spPr>
@@ -3489,9 +3568,7 @@
           <p:nvPr/>
         </p:nvPicPr>
         <p:blipFill>
-          <a:blip r:embed="rId2">
-            <a:extLst/>
-          </a:blip>
+          <a:blip r:embed="rId2"/>
           <a:stretch>
             <a:fillRect/>
           </a:stretch>
@@ -3517,17 +3594,29 @@
         </p:nvGraphicFramePr>
         <p:xfrm>
           <a:off x="903393" y="2240265"/>
-          <a:ext cx="5075289" cy="3523346"/>
+          <a:ext cx="5231518" cy="3510645"/>
         </p:xfrm>
-        <a:graphic xmlns:a="http://schemas.openxmlformats.org/drawingml/2006/main">
+        <a:graphic>
           <a:graphicData uri="http://schemas.openxmlformats.org/drawingml/2006/table">
             <a:tbl>
-              <a:tblPr firstCol="1" firstRow="1" lastCol="0" lastRow="0" bandCol="0" bandRow="1" rtl="0">
+              <a:tblPr firstRow="1" firstCol="1" bandRow="1">
                 <a:tableStyleId>{4C3C2611-4C71-4FC5-86AE-919BDF0F9419}</a:tableStyleId>
               </a:tblPr>
               <a:tblGrid>
-                <a:gridCol w="4459309"/>
-                <a:gridCol w="772209"/>
+                <a:gridCol w="4459309">
+                  <a:extLst>
+                    <a:ext uri="{9D8B030D-6E8A-4147-A177-3AD203B41FA5}">
+                      <a16:colId xmlns:a16="http://schemas.microsoft.com/office/drawing/2014/main" val="20000"/>
+                    </a:ext>
+                  </a:extLst>
+                </a:gridCol>
+                <a:gridCol w="772209">
+                  <a:extLst>
+                    <a:ext uri="{9D8B030D-6E8A-4147-A177-3AD203B41FA5}">
+                      <a16:colId xmlns:a16="http://schemas.microsoft.com/office/drawing/2014/main" val="20001"/>
+                    </a:ext>
+                  </a:extLst>
+                </a:gridCol>
               </a:tblGrid>
               <a:tr h="702129">
                 <a:tc>
@@ -3539,7 +3628,7 @@
                         <a:lnSpc>
                           <a:spcPct val="90000"/>
                         </a:lnSpc>
-                        <a:defRPr b="0" sz="1800">
+                        <a:defRPr sz="1800" b="0">
                           <a:solidFill>
                             <a:srgbClr val="000000"/>
                           </a:solidFill>
@@ -3555,7 +3644,7 @@
                       </a:r>
                     </a:p>
                   </a:txBody>
-                  <a:tcPr marL="0" marR="0" marT="0" marB="0" anchor="t" anchorCtr="0" horzOverflow="overflow"/>
+                  <a:tcPr marL="0" marR="0" marT="0" marB="0" horzOverflow="overflow"/>
                 </a:tc>
                 <a:tc>
                   <a:txBody>
@@ -3565,10 +3654,16 @@
                       <a:pPr algn="l">
                         <a:defRPr sz="1800"/>
                       </a:pPr>
+                      <a:endParaRPr/>
                     </a:p>
                   </a:txBody>
-                  <a:tcPr marL="0" marR="0" marT="0" marB="0" anchor="t" anchorCtr="0" horzOverflow="overflow"/>
+                  <a:tcPr marL="0" marR="0" marT="0" marB="0" horzOverflow="overflow"/>
                 </a:tc>
+                <a:extLst>
+                  <a:ext uri="{0D108BD9-81ED-4DB2-BD59-A6C34878D82A}">
+                    <a16:rowId xmlns:a16="http://schemas.microsoft.com/office/drawing/2014/main" val="10000"/>
+                  </a:ext>
+                </a:extLst>
               </a:tr>
               <a:tr h="702129">
                 <a:tc>
@@ -3579,9 +3674,10 @@
                       <a:pPr algn="l">
                         <a:defRPr sz="1800"/>
                       </a:pPr>
+                      <a:endParaRPr/>
                     </a:p>
                   </a:txBody>
-                  <a:tcPr marL="0" marR="0" marT="0" marB="0" anchor="t" anchorCtr="0" horzOverflow="overflow"/>
+                  <a:tcPr marL="0" marR="0" marT="0" marB="0" horzOverflow="overflow"/>
                 </a:tc>
                 <a:tc>
                   <a:txBody>
@@ -3591,10 +3687,16 @@
                       <a:pPr algn="l">
                         <a:defRPr sz="1800"/>
                       </a:pPr>
+                      <a:endParaRPr/>
                     </a:p>
                   </a:txBody>
-                  <a:tcPr marL="0" marR="0" marT="0" marB="0" anchor="t" anchorCtr="0" horzOverflow="overflow"/>
+                  <a:tcPr marL="0" marR="0" marT="0" marB="0" horzOverflow="overflow"/>
                 </a:tc>
+                <a:extLst>
+                  <a:ext uri="{0D108BD9-81ED-4DB2-BD59-A6C34878D82A}">
+                    <a16:rowId xmlns:a16="http://schemas.microsoft.com/office/drawing/2014/main" val="10001"/>
+                  </a:ext>
+                </a:extLst>
               </a:tr>
               <a:tr h="702129">
                 <a:tc>
@@ -3605,9 +3707,10 @@
                       <a:pPr algn="l">
                         <a:defRPr sz="1800"/>
                       </a:pPr>
+                      <a:endParaRPr/>
                     </a:p>
                   </a:txBody>
-                  <a:tcPr marL="0" marR="0" marT="0" marB="0" anchor="t" anchorCtr="0" horzOverflow="overflow"/>
+                  <a:tcPr marL="0" marR="0" marT="0" marB="0" horzOverflow="overflow"/>
                 </a:tc>
                 <a:tc>
                   <a:txBody>
@@ -3617,10 +3720,16 @@
                       <a:pPr algn="l">
                         <a:defRPr sz="1800"/>
                       </a:pPr>
+                      <a:endParaRPr/>
                     </a:p>
                   </a:txBody>
-                  <a:tcPr marL="0" marR="0" marT="0" marB="0" anchor="t" anchorCtr="0" horzOverflow="overflow"/>
+                  <a:tcPr marL="0" marR="0" marT="0" marB="0" horzOverflow="overflow"/>
                 </a:tc>
+                <a:extLst>
+                  <a:ext uri="{0D108BD9-81ED-4DB2-BD59-A6C34878D82A}">
+                    <a16:rowId xmlns:a16="http://schemas.microsoft.com/office/drawing/2014/main" val="10002"/>
+                  </a:ext>
+                </a:extLst>
               </a:tr>
               <a:tr h="702129">
                 <a:tc>
@@ -3631,9 +3740,10 @@
                       <a:pPr algn="l">
                         <a:defRPr sz="1800"/>
                       </a:pPr>
+                      <a:endParaRPr/>
                     </a:p>
                   </a:txBody>
-                  <a:tcPr marL="0" marR="0" marT="0" marB="0" anchor="t" anchorCtr="0" horzOverflow="overflow"/>
+                  <a:tcPr marL="0" marR="0" marT="0" marB="0" horzOverflow="overflow"/>
                 </a:tc>
                 <a:tc>
                   <a:txBody>
@@ -3643,10 +3753,16 @@
                       <a:pPr algn="l">
                         <a:defRPr sz="1800"/>
                       </a:pPr>
+                      <a:endParaRPr/>
                     </a:p>
                   </a:txBody>
-                  <a:tcPr marL="0" marR="0" marT="0" marB="0" anchor="t" anchorCtr="0" horzOverflow="overflow"/>
+                  <a:tcPr marL="0" marR="0" marT="0" marB="0" horzOverflow="overflow"/>
                 </a:tc>
+                <a:extLst>
+                  <a:ext uri="{0D108BD9-81ED-4DB2-BD59-A6C34878D82A}">
+                    <a16:rowId xmlns:a16="http://schemas.microsoft.com/office/drawing/2014/main" val="10003"/>
+                  </a:ext>
+                </a:extLst>
               </a:tr>
               <a:tr h="702129">
                 <a:tc>
@@ -3657,9 +3773,10 @@
                       <a:pPr algn="l">
                         <a:defRPr sz="1800"/>
                       </a:pPr>
+                      <a:endParaRPr/>
                     </a:p>
                   </a:txBody>
-                  <a:tcPr marL="0" marR="0" marT="0" marB="0" anchor="t" anchorCtr="0" horzOverflow="overflow"/>
+                  <a:tcPr marL="0" marR="0" marT="0" marB="0" horzOverflow="overflow"/>
                 </a:tc>
                 <a:tc>
                   <a:txBody>
@@ -3669,10 +3786,16 @@
                       <a:pPr algn="l">
                         <a:defRPr sz="1800"/>
                       </a:pPr>
+                      <a:endParaRPr/>
                     </a:p>
                   </a:txBody>
-                  <a:tcPr marL="0" marR="0" marT="0" marB="0" anchor="t" anchorCtr="0" horzOverflow="overflow"/>
+                  <a:tcPr marL="0" marR="0" marT="0" marB="0" horzOverflow="overflow"/>
                 </a:tc>
+                <a:extLst>
+                  <a:ext uri="{0D108BD9-81ED-4DB2-BD59-A6C34878D82A}">
+                    <a16:rowId xmlns:a16="http://schemas.microsoft.com/office/drawing/2014/main" val="10004"/>
+                  </a:ext>
+                </a:extLst>
               </a:tr>
             </a:tbl>
           </a:graphicData>
@@ -3697,7 +3820,7 @@
           </a:ln>
           <a:extLst>
             <a:ext uri="{C572A759-6A51-4108-AA02-DFA0A04FC94B}">
-              <ma14:wrappingTextBoxFlag xmlns:ma14="http://schemas.microsoft.com/office/mac/drawingml/2011/main" val="1"/>
+              <ma14:wrappingTextBoxFlag xmlns:ma14="http://schemas.microsoft.com/office/mac/drawingml/2011/main" xmlns:a14="http://schemas.microsoft.com/office/drawing/2010/main" xmlns:m="http://schemas.openxmlformats.org/officeDocument/2006/math" xmlns="" val="1"/>
             </a:ext>
           </a:extLst>
         </p:spPr>
@@ -3722,7 +3845,6 @@
             </a:lvl1pPr>
           </a:lstStyle>
           <a:p>
-            <a:pPr/>
             <a:r>
               <a:t>Original Data:</a:t>
             </a:r>
@@ -3748,7 +3870,7 @@
           </a:ln>
           <a:extLst>
             <a:ext uri="{C572A759-6A51-4108-AA02-DFA0A04FC94B}">
-              <ma14:wrappingTextBoxFlag xmlns:ma14="http://schemas.microsoft.com/office/mac/drawingml/2011/main" val="1"/>
+              <ma14:wrappingTextBoxFlag xmlns:ma14="http://schemas.microsoft.com/office/mac/drawingml/2011/main" xmlns:a14="http://schemas.microsoft.com/office/drawing/2010/main" xmlns:m="http://schemas.openxmlformats.org/officeDocument/2006/math" xmlns="" val="1"/>
             </a:ext>
           </a:extLst>
         </p:spPr>
@@ -3773,7 +3895,6 @@
             </a:lvl1pPr>
           </a:lstStyle>
           <a:p>
-            <a:pPr/>
             <a:r>
               <a:t>5080</a:t>
             </a:r>
@@ -3799,7 +3920,7 @@
           </a:ln>
           <a:extLst>
             <a:ext uri="{C572A759-6A51-4108-AA02-DFA0A04FC94B}">
-              <ma14:wrappingTextBoxFlag xmlns:ma14="http://schemas.microsoft.com/office/mac/drawingml/2011/main" val="1"/>
+              <ma14:wrappingTextBoxFlag xmlns:ma14="http://schemas.microsoft.com/office/mac/drawingml/2011/main" xmlns:a14="http://schemas.microsoft.com/office/drawing/2010/main" xmlns:m="http://schemas.openxmlformats.org/officeDocument/2006/math" xmlns="" val="1"/>
             </a:ext>
           </a:extLst>
         </p:spPr>
@@ -3824,7 +3945,6 @@
             </a:lvl1pPr>
           </a:lstStyle>
           <a:p>
-            <a:pPr/>
             <a:r>
               <a:t>Number of locations with True Alert (1)</a:t>
             </a:r>
@@ -3850,7 +3970,7 @@
           </a:ln>
           <a:extLst>
             <a:ext uri="{C572A759-6A51-4108-AA02-DFA0A04FC94B}">
-              <ma14:wrappingTextBoxFlag xmlns:ma14="http://schemas.microsoft.com/office/mac/drawingml/2011/main" val="1"/>
+              <ma14:wrappingTextBoxFlag xmlns:ma14="http://schemas.microsoft.com/office/mac/drawingml/2011/main" xmlns:a14="http://schemas.microsoft.com/office/drawing/2010/main" xmlns:m="http://schemas.openxmlformats.org/officeDocument/2006/math" xmlns="" val="1"/>
             </a:ext>
           </a:extLst>
         </p:spPr>
@@ -3875,7 +3995,6 @@
             </a:lvl1pPr>
           </a:lstStyle>
           <a:p>
-            <a:pPr/>
             <a:r>
               <a:t>Number of locations with False Alert (0)</a:t>
             </a:r>
@@ -3901,7 +4020,7 @@
           </a:ln>
           <a:extLst>
             <a:ext uri="{C572A759-6A51-4108-AA02-DFA0A04FC94B}">
-              <ma14:wrappingTextBoxFlag xmlns:ma14="http://schemas.microsoft.com/office/mac/drawingml/2011/main" val="1"/>
+              <ma14:wrappingTextBoxFlag xmlns:ma14="http://schemas.microsoft.com/office/mac/drawingml/2011/main" xmlns:a14="http://schemas.microsoft.com/office/drawing/2010/main" xmlns:m="http://schemas.openxmlformats.org/officeDocument/2006/math" xmlns="" val="1"/>
             </a:ext>
           </a:extLst>
         </p:spPr>
@@ -3926,7 +4045,6 @@
             </a:lvl1pPr>
           </a:lstStyle>
           <a:p>
-            <a:pPr/>
             <a:r>
               <a:t>1328</a:t>
             </a:r>
@@ -3952,7 +4070,7 @@
           </a:ln>
           <a:extLst>
             <a:ext uri="{C572A759-6A51-4108-AA02-DFA0A04FC94B}">
-              <ma14:wrappingTextBoxFlag xmlns:ma14="http://schemas.microsoft.com/office/mac/drawingml/2011/main" val="1"/>
+              <ma14:wrappingTextBoxFlag xmlns:ma14="http://schemas.microsoft.com/office/mac/drawingml/2011/main" xmlns:a14="http://schemas.microsoft.com/office/drawing/2010/main" xmlns:m="http://schemas.openxmlformats.org/officeDocument/2006/math" xmlns="" val="1"/>
             </a:ext>
           </a:extLst>
         </p:spPr>
@@ -3977,7 +4095,6 @@
             </a:lvl1pPr>
           </a:lstStyle>
           <a:p>
-            <a:pPr/>
             <a:r>
               <a:t>2895</a:t>
             </a:r>
@@ -4003,7 +4120,7 @@
           </a:ln>
           <a:extLst>
             <a:ext uri="{C572A759-6A51-4108-AA02-DFA0A04FC94B}">
-              <ma14:wrappingTextBoxFlag xmlns:ma14="http://schemas.microsoft.com/office/mac/drawingml/2011/main" val="1"/>
+              <ma14:wrappingTextBoxFlag xmlns:ma14="http://schemas.microsoft.com/office/mac/drawingml/2011/main" xmlns:a14="http://schemas.microsoft.com/office/drawing/2010/main" xmlns:m="http://schemas.openxmlformats.org/officeDocument/2006/math" xmlns="" val="1"/>
             </a:ext>
           </a:extLst>
         </p:spPr>
@@ -4028,7 +4145,6 @@
             </a:lvl1pPr>
           </a:lstStyle>
           <a:p>
-            <a:pPr/>
             <a:r>
               <a:t>1898</a:t>
             </a:r>
@@ -4054,7 +4170,7 @@
           </a:ln>
           <a:extLst>
             <a:ext uri="{C572A759-6A51-4108-AA02-DFA0A04FC94B}">
-              <ma14:wrappingTextBoxFlag xmlns:ma14="http://schemas.microsoft.com/office/mac/drawingml/2011/main" val="1"/>
+              <ma14:wrappingTextBoxFlag xmlns:ma14="http://schemas.microsoft.com/office/mac/drawingml/2011/main" xmlns:a14="http://schemas.microsoft.com/office/drawing/2010/main" xmlns:m="http://schemas.openxmlformats.org/officeDocument/2006/math" xmlns="" val="1"/>
             </a:ext>
           </a:extLst>
         </p:spPr>
@@ -4079,7 +4195,6 @@
             </a:lvl1pPr>
           </a:lstStyle>
           <a:p>
-            <a:pPr/>
             <a:r>
               <a:t>All data with a locations</a:t>
             </a:r>
@@ -4091,12 +4206,12 @@
   <p:clrMapOvr>
     <a:masterClrMapping/>
   </p:clrMapOvr>
-  <p:transition xmlns:p14="http://schemas.microsoft.com/office/powerpoint/2010/main" spd="med" advClick="1"/>
+  <p:transition spd="med"/>
 </p:sld>
 </file>
 
 <file path=ppt/slides/slide13.xml><?xml version="1.0" encoding="utf-8"?>
-<p:sld xmlns:a="http://schemas.openxmlformats.org/drawingml/2006/main" xmlns:r="http://schemas.openxmlformats.org/officeDocument/2006/relationships" xmlns:p="http://schemas.openxmlformats.org/presentationml/2006/main" xmlns:m="http://schemas.openxmlformats.org/officeDocument/2006/math" xmlns:a14="http://schemas.microsoft.com/office/drawing/2010/main" showMasterSp="1" showMasterPhAnim="1">
+<p:sld xmlns:a="http://schemas.openxmlformats.org/drawingml/2006/main" xmlns:r="http://schemas.openxmlformats.org/officeDocument/2006/relationships" xmlns:p="http://schemas.openxmlformats.org/presentationml/2006/main">
   <p:cSld>
     <p:spTree>
       <p:nvGrpSpPr>
@@ -4115,7 +4230,9 @@
       <p:sp>
         <p:nvSpPr>
           <p:cNvPr id="154" name="Titel 1"/>
-          <p:cNvSpPr txBox="1"/>
+          <p:cNvSpPr txBox="1">
+            <a:spLocks noGrp="1"/>
+          </p:cNvSpPr>
           <p:nvPr>
             <p:ph type="title"/>
           </p:nvPr>
@@ -4129,7 +4246,6 @@
           <a:bodyPr/>
           <a:lstStyle/>
           <a:p>
-            <a:pPr/>
             <a:r>
               <a:t>Führt zu sauberen Listen - only</a:t>
             </a:r>
@@ -4145,9 +4261,7 @@
           <p:nvPr/>
         </p:nvPicPr>
         <p:blipFill>
-          <a:blip r:embed="rId2">
-            <a:extLst/>
-          </a:blip>
+          <a:blip r:embed="rId2"/>
           <a:stretch>
             <a:fillRect/>
           </a:stretch>
@@ -4174,9 +4288,7 @@
           <p:nvPr/>
         </p:nvPicPr>
         <p:blipFill>
-          <a:blip r:embed="rId3">
-            <a:extLst/>
-          </a:blip>
+          <a:blip r:embed="rId3"/>
           <a:stretch>
             <a:fillRect/>
           </a:stretch>
@@ -4199,12 +4311,12 @@
   <p:clrMapOvr>
     <a:masterClrMapping/>
   </p:clrMapOvr>
-  <p:transition xmlns:p14="http://schemas.microsoft.com/office/powerpoint/2010/main" spd="med" advClick="1"/>
+  <p:transition spd="med"/>
 </p:sld>
 </file>
 
 <file path=ppt/slides/slide14.xml><?xml version="1.0" encoding="utf-8"?>
-<p:sld xmlns:a="http://schemas.openxmlformats.org/drawingml/2006/main" xmlns:r="http://schemas.openxmlformats.org/officeDocument/2006/relationships" xmlns:p="http://schemas.openxmlformats.org/presentationml/2006/main" xmlns:m="http://schemas.openxmlformats.org/officeDocument/2006/math" xmlns:a14="http://schemas.microsoft.com/office/drawing/2010/main" showMasterSp="1" showMasterPhAnim="1">
+<p:sld xmlns:a="http://schemas.openxmlformats.org/drawingml/2006/main" xmlns:r="http://schemas.openxmlformats.org/officeDocument/2006/relationships" xmlns:p="http://schemas.openxmlformats.org/presentationml/2006/main">
   <p:cSld>
     <p:spTree>
       <p:nvGrpSpPr>
@@ -4223,7 +4335,9 @@
       <p:sp>
         <p:nvSpPr>
           <p:cNvPr id="158" name="Eins - sortiert"/>
-          <p:cNvSpPr txBox="1"/>
+          <p:cNvSpPr txBox="1">
+            <a:spLocks noGrp="1"/>
+          </p:cNvSpPr>
           <p:nvPr>
             <p:ph type="title"/>
           </p:nvPr>
@@ -4237,7 +4351,6 @@
           <a:bodyPr/>
           <a:lstStyle/>
           <a:p>
-            <a:pPr/>
             <a:r>
               <a:t>Eins - sortiert</a:t>
             </a:r>
@@ -4253,9 +4366,7 @@
           <p:nvPr/>
         </p:nvPicPr>
         <p:blipFill>
-          <a:blip r:embed="rId2">
-            <a:extLst/>
-          </a:blip>
+          <a:blip r:embed="rId2"/>
           <a:stretch>
             <a:fillRect/>
           </a:stretch>
@@ -4282,9 +4393,7 @@
           <p:nvPr/>
         </p:nvPicPr>
         <p:blipFill>
-          <a:blip r:embed="rId3">
-            <a:extLst/>
-          </a:blip>
+          <a:blip r:embed="rId3"/>
           <a:stretch>
             <a:fillRect/>
           </a:stretch>
@@ -4311,9 +4420,7 @@
           <p:nvPr/>
         </p:nvPicPr>
         <p:blipFill>
-          <a:blip r:embed="rId4">
-            <a:extLst/>
-          </a:blip>
+          <a:blip r:embed="rId4"/>
           <a:stretch>
             <a:fillRect/>
           </a:stretch>
@@ -4350,7 +4457,7 @@
           </a:ln>
           <a:extLst>
             <a:ext uri="{C572A759-6A51-4108-AA02-DFA0A04FC94B}">
-              <ma14:wrappingTextBoxFlag xmlns:ma14="http://schemas.microsoft.com/office/mac/drawingml/2011/main" val="1"/>
+              <ma14:wrappingTextBoxFlag xmlns:ma14="http://schemas.microsoft.com/office/mac/drawingml/2011/main" xmlns:a14="http://schemas.microsoft.com/office/drawing/2010/main" xmlns:m="http://schemas.openxmlformats.org/officeDocument/2006/math" xmlns="" val="1"/>
             </a:ext>
           </a:extLst>
         </p:spPr>
@@ -4358,7 +4465,6 @@
           <a:bodyPr lIns="45719" rIns="45719" numCol="2" spcCol="258361"/>
           <a:lstStyle/>
           <a:p>
-            <a:pPr/>
             <a:r>
               <a:t>0. No Value (79/100)</a:t>
             </a:r>
@@ -4366,7 +4472,7 @@
           <a:p>
             <a:pPr marL="240631" indent="-240631">
               <a:buSzPct val="100000"/>
-              <a:buAutoNum type="arabicPeriod" startAt="1"/>
+              <a:buAutoNum type="arabicPeriod"/>
             </a:pPr>
             <a:r>
               <a:t>USA (67/38)</a:t>
@@ -4375,7 +4481,7 @@
           <a:p>
             <a:pPr marL="240631" indent="-240631">
               <a:buSzPct val="100000"/>
-              <a:buAutoNum type="arabicPeriod" startAt="1"/>
+              <a:buAutoNum type="arabicPeriod"/>
             </a:pPr>
             <a:r>
               <a:t>Nigeria (28/8)</a:t>
@@ -4384,7 +4490,7 @@
           <a:p>
             <a:pPr marL="240631" indent="-240631">
               <a:buSzPct val="100000"/>
-              <a:buAutoNum type="arabicPeriod" startAt="1"/>
+              <a:buAutoNum type="arabicPeriod"/>
             </a:pPr>
             <a:r>
               <a:t>United States (27/23)</a:t>
@@ -4393,7 +4499,7 @@
           <a:p>
             <a:pPr marL="240631" indent="-240631">
               <a:buSzPct val="100000"/>
-              <a:buAutoNum type="arabicPeriod" startAt="1"/>
+              <a:buAutoNum type="arabicPeriod"/>
             </a:pPr>
             <a:r>
               <a:t>india (22/6)</a:t>
@@ -4402,7 +4508,7 @@
           <a:p>
             <a:pPr marL="240631" indent="-240631">
               <a:buSzPct val="100000"/>
-              <a:buAutoNum type="arabicPeriod" startAt="1"/>
+              <a:buAutoNum type="arabicPeriod"/>
             </a:pPr>
             <a:r>
               <a:t>new York (19/60)</a:t>
@@ -4441,7 +4547,7 @@
             </a:cxnLst>
             <a:rect l="0" t="0" r="r" b="b"/>
             <a:pathLst>
-              <a:path w="21030" h="21599" fill="norm" stroke="1" extrusionOk="0">
+              <a:path w="21030" h="21599" extrusionOk="0">
                 <a:moveTo>
                   <a:pt x="8533" y="0"/>
                 </a:moveTo>
@@ -4546,7 +4652,7 @@
           <a:bodyPr lIns="45719" rIns="45719" anchor="ctr"/>
           <a:lstStyle/>
           <a:p>
-            <a:pPr/>
+            <a:endParaRPr/>
           </a:p>
         </p:txBody>
       </p:sp>
@@ -4555,12 +4661,12 @@
   <p:clrMapOvr>
     <a:masterClrMapping/>
   </p:clrMapOvr>
-  <p:transition xmlns:p14="http://schemas.microsoft.com/office/powerpoint/2010/main" spd="med" advClick="1"/>
+  <p:transition spd="med"/>
 </p:sld>
 </file>
 
 <file path=ppt/slides/slide15.xml><?xml version="1.0" encoding="utf-8"?>
-<p:sld xmlns:a="http://schemas.openxmlformats.org/drawingml/2006/main" xmlns:r="http://schemas.openxmlformats.org/officeDocument/2006/relationships" xmlns:p="http://schemas.openxmlformats.org/presentationml/2006/main" xmlns:m="http://schemas.openxmlformats.org/officeDocument/2006/math" xmlns:a14="http://schemas.microsoft.com/office/drawing/2010/main" showMasterSp="1" showMasterPhAnim="1">
+<p:sld xmlns:a="http://schemas.openxmlformats.org/drawingml/2006/main" xmlns:r="http://schemas.openxmlformats.org/officeDocument/2006/relationships" xmlns:p="http://schemas.openxmlformats.org/presentationml/2006/main">
   <p:cSld>
     <p:spTree>
       <p:nvGrpSpPr>
@@ -4579,7 +4685,9 @@
       <p:sp>
         <p:nvSpPr>
           <p:cNvPr id="165" name="Prediction"/>
-          <p:cNvSpPr txBox="1"/>
+          <p:cNvSpPr txBox="1">
+            <a:spLocks noGrp="1"/>
+          </p:cNvSpPr>
           <p:nvPr>
             <p:ph type="title"/>
           </p:nvPr>
@@ -4593,7 +4701,6 @@
           <a:bodyPr/>
           <a:lstStyle/>
           <a:p>
-            <a:pPr/>
             <a:r>
               <a:t>Prediction</a:t>
             </a:r>
@@ -4609,9 +4716,7 @@
           <p:nvPr/>
         </p:nvPicPr>
         <p:blipFill>
-          <a:blip r:embed="rId2">
-            <a:extLst/>
-          </a:blip>
+          <a:blip r:embed="rId2"/>
           <a:stretch>
             <a:fillRect/>
           </a:stretch>
@@ -4636,7 +4741,7 @@
           <p:nvPr/>
         </p:nvSpPr>
         <p:spPr>
-          <a:xfrm flipH="1" rot="10800000">
+          <a:xfrm rot="10800000" flipH="1">
             <a:off x="10127887" y="354316"/>
             <a:ext cx="1209119" cy="1325536"/>
           </a:xfrm>
@@ -4660,7 +4765,7 @@
             </a:cxnLst>
             <a:rect l="0" t="0" r="r" b="b"/>
             <a:pathLst>
-              <a:path w="21030" h="21599" fill="norm" stroke="1" extrusionOk="0">
+              <a:path w="21030" h="21599" extrusionOk="0">
                 <a:moveTo>
                   <a:pt x="8533" y="0"/>
                 </a:moveTo>
@@ -4765,7 +4870,7 @@
           <a:bodyPr lIns="45719" rIns="45719" anchor="ctr"/>
           <a:lstStyle/>
           <a:p>
-            <a:pPr/>
+            <a:endParaRPr/>
           </a:p>
         </p:txBody>
       </p:sp>
@@ -4788,7 +4893,7 @@
           </a:ln>
           <a:extLst>
             <a:ext uri="{C572A759-6A51-4108-AA02-DFA0A04FC94B}">
-              <ma14:wrappingTextBoxFlag xmlns:ma14="http://schemas.microsoft.com/office/mac/drawingml/2011/main" val="1"/>
+              <ma14:wrappingTextBoxFlag xmlns:ma14="http://schemas.microsoft.com/office/mac/drawingml/2011/main" xmlns:a14="http://schemas.microsoft.com/office/drawing/2010/main" xmlns:m="http://schemas.openxmlformats.org/officeDocument/2006/math" xmlns="" val="1"/>
             </a:ext>
           </a:extLst>
         </p:spPr>
@@ -4850,6 +4955,7 @@
                 <a:sym typeface="Courier"/>
               </a:defRPr>
             </a:pPr>
+            <a:endParaRPr/>
           </a:p>
           <a:p>
             <a:pPr defTabSz="457200">
@@ -4928,6 +5034,7 @@
                 <a:sym typeface="Menlo Regular"/>
               </a:defRPr>
             </a:pPr>
+            <a:endParaRPr/>
           </a:p>
         </p:txBody>
       </p:sp>
@@ -4936,12 +5043,12 @@
   <p:clrMapOvr>
     <a:masterClrMapping/>
   </p:clrMapOvr>
-  <p:transition xmlns:p14="http://schemas.microsoft.com/office/powerpoint/2010/main" spd="med" advClick="1"/>
+  <p:transition spd="med"/>
 </p:sld>
 </file>
 
 <file path=ppt/slides/slide16.xml><?xml version="1.0" encoding="utf-8"?>
-<p:sld xmlns:a="http://schemas.openxmlformats.org/drawingml/2006/main" xmlns:r="http://schemas.openxmlformats.org/officeDocument/2006/relationships" xmlns:p="http://schemas.openxmlformats.org/presentationml/2006/main" xmlns:m="http://schemas.openxmlformats.org/officeDocument/2006/math" xmlns:a14="http://schemas.microsoft.com/office/drawing/2010/main" showMasterSp="1" showMasterPhAnim="1">
+<p:sld xmlns:a="http://schemas.openxmlformats.org/drawingml/2006/main" xmlns:r="http://schemas.openxmlformats.org/officeDocument/2006/relationships" xmlns:p="http://schemas.openxmlformats.org/presentationml/2006/main">
   <p:cSld>
     <p:spTree>
       <p:nvGrpSpPr>
@@ -4960,7 +5067,9 @@
       <p:sp>
         <p:nvSpPr>
           <p:cNvPr id="170" name="Titel 1"/>
-          <p:cNvSpPr txBox="1"/>
+          <p:cNvSpPr txBox="1">
+            <a:spLocks noGrp="1"/>
+          </p:cNvSpPr>
           <p:nvPr>
             <p:ph type="title"/>
           </p:nvPr>
@@ -4978,7 +5087,6 @@
           <a:bodyPr/>
           <a:lstStyle/>
           <a:p>
-            <a:pPr/>
             <a:r>
               <a:t>Progress</a:t>
             </a:r>
@@ -4988,7 +5096,9 @@
       <p:sp>
         <p:nvSpPr>
           <p:cNvPr id="171" name="Inhaltsplatzhalter 2"/>
-          <p:cNvSpPr txBox="1"/>
+          <p:cNvSpPr txBox="1">
+            <a:spLocks noGrp="1"/>
+          </p:cNvSpPr>
           <p:nvPr>
             <p:ph type="body" idx="1"/>
           </p:nvPr>
@@ -5034,9 +5144,7 @@
           <p:nvPr/>
         </p:nvPicPr>
         <p:blipFill>
-          <a:blip r:embed="rId2">
-            <a:extLst/>
-          </a:blip>
+          <a:blip r:embed="rId2"/>
           <a:stretch>
             <a:fillRect/>
           </a:stretch>
@@ -5073,7 +5181,7 @@
           </a:ln>
           <a:extLst>
             <a:ext uri="{C572A759-6A51-4108-AA02-DFA0A04FC94B}">
-              <ma14:wrappingTextBoxFlag xmlns:ma14="http://schemas.microsoft.com/office/mac/drawingml/2011/main" val="1"/>
+              <ma14:wrappingTextBoxFlag xmlns:ma14="http://schemas.microsoft.com/office/mac/drawingml/2011/main" xmlns:a14="http://schemas.microsoft.com/office/drawing/2010/main" xmlns:m="http://schemas.openxmlformats.org/officeDocument/2006/math" xmlns="" val="1"/>
             </a:ext>
           </a:extLst>
         </p:spPr>
@@ -5083,7 +5191,6 @@
           </a:bodyPr>
           <a:lstStyle/>
           <a:p>
-            <a:pPr/>
             <a:r>
               <a:t>0.7898193760262726</a:t>
             </a:r>
@@ -5109,7 +5216,7 @@
           </a:ln>
           <a:extLst>
             <a:ext uri="{C572A759-6A51-4108-AA02-DFA0A04FC94B}">
-              <ma14:wrappingTextBoxFlag xmlns:ma14="http://schemas.microsoft.com/office/mac/drawingml/2011/main" val="1"/>
+              <ma14:wrappingTextBoxFlag xmlns:ma14="http://schemas.microsoft.com/office/mac/drawingml/2011/main" xmlns:a14="http://schemas.microsoft.com/office/drawing/2010/main" xmlns:m="http://schemas.openxmlformats.org/officeDocument/2006/math" xmlns="" val="1"/>
             </a:ext>
           </a:extLst>
         </p:spPr>
@@ -5119,7 +5226,6 @@
           </a:bodyPr>
           <a:lstStyle/>
           <a:p>
-            <a:pPr/>
             <a:r>
               <a:t>Score                     Confusion Matrix</a:t>
             </a:r>
@@ -5145,7 +5251,7 @@
           </a:ln>
           <a:extLst>
             <a:ext uri="{C572A759-6A51-4108-AA02-DFA0A04FC94B}">
-              <ma14:wrappingTextBoxFlag xmlns:ma14="http://schemas.microsoft.com/office/mac/drawingml/2011/main" val="1"/>
+              <ma14:wrappingTextBoxFlag xmlns:ma14="http://schemas.microsoft.com/office/mac/drawingml/2011/main" xmlns:a14="http://schemas.microsoft.com/office/drawing/2010/main" xmlns:m="http://schemas.openxmlformats.org/officeDocument/2006/math" xmlns="" val="1"/>
             </a:ext>
           </a:extLst>
         </p:spPr>
@@ -5155,7 +5261,6 @@
           </a:bodyPr>
           <a:lstStyle/>
           <a:p>
-            <a:pPr/>
             <a:r>
               <a:t>Tfidf + LogReg Classifier</a:t>
             </a:r>
@@ -5181,7 +5286,7 @@
           </a:ln>
           <a:extLst>
             <a:ext uri="{C572A759-6A51-4108-AA02-DFA0A04FC94B}">
-              <ma14:wrappingTextBoxFlag xmlns:ma14="http://schemas.microsoft.com/office/mac/drawingml/2011/main" val="1"/>
+              <ma14:wrappingTextBoxFlag xmlns:ma14="http://schemas.microsoft.com/office/mac/drawingml/2011/main" xmlns:a14="http://schemas.microsoft.com/office/drawing/2010/main" xmlns:m="http://schemas.openxmlformats.org/officeDocument/2006/math" xmlns="" val="1"/>
             </a:ext>
           </a:extLst>
         </p:spPr>
@@ -5191,13 +5296,11 @@
           </a:bodyPr>
           <a:lstStyle/>
           <a:p>
-            <a:pPr/>
             <a:r>
               <a:t>stacking approach:</a:t>
             </a:r>
           </a:p>
           <a:p>
-            <a:pPr/>
             <a:r>
               <a:t>LogReg, KNN, Naive Bayes</a:t>
             </a:r>
@@ -5223,7 +5326,7 @@
           </a:ln>
           <a:extLst>
             <a:ext uri="{C572A759-6A51-4108-AA02-DFA0A04FC94B}">
-              <ma14:wrappingTextBoxFlag xmlns:ma14="http://schemas.microsoft.com/office/mac/drawingml/2011/main" val="1"/>
+              <ma14:wrappingTextBoxFlag xmlns:ma14="http://schemas.microsoft.com/office/mac/drawingml/2011/main" xmlns:a14="http://schemas.microsoft.com/office/drawing/2010/main" xmlns:m="http://schemas.openxmlformats.org/officeDocument/2006/math" xmlns="" val="1"/>
             </a:ext>
           </a:extLst>
         </p:spPr>
@@ -5233,7 +5336,6 @@
           </a:bodyPr>
           <a:lstStyle/>
           <a:p>
-            <a:pPr/>
             <a:r>
               <a:t>0.8260013131976363</a:t>
             </a:r>
@@ -5249,9 +5351,7 @@
           <p:nvPr/>
         </p:nvPicPr>
         <p:blipFill>
-          <a:blip r:embed="rId3">
-            <a:extLst/>
-          </a:blip>
+          <a:blip r:embed="rId3"/>
           <a:stretch>
             <a:fillRect/>
           </a:stretch>
@@ -5274,12 +5374,12 @@
   <p:clrMapOvr>
     <a:masterClrMapping/>
   </p:clrMapOvr>
-  <p:transition xmlns:p14="http://schemas.microsoft.com/office/powerpoint/2010/main" spd="med" advClick="1"/>
+  <p:transition spd="med"/>
 </p:sld>
 </file>
 
 <file path=ppt/slides/slide17.xml><?xml version="1.0" encoding="utf-8"?>
-<p:sld xmlns:a="http://schemas.openxmlformats.org/drawingml/2006/main" xmlns:r="http://schemas.openxmlformats.org/officeDocument/2006/relationships" xmlns:p="http://schemas.openxmlformats.org/presentationml/2006/main" xmlns:m="http://schemas.openxmlformats.org/officeDocument/2006/math" xmlns:a14="http://schemas.microsoft.com/office/drawing/2010/main" showMasterSp="1" showMasterPhAnim="1">
+<p:sld xmlns:a="http://schemas.openxmlformats.org/drawingml/2006/main" xmlns:r="http://schemas.openxmlformats.org/officeDocument/2006/relationships" xmlns:p="http://schemas.openxmlformats.org/presentationml/2006/main">
   <p:cSld>
     <p:spTree>
       <p:nvGrpSpPr>
@@ -5298,7 +5398,9 @@
       <p:sp>
         <p:nvSpPr>
           <p:cNvPr id="180" name="Titel 1"/>
-          <p:cNvSpPr txBox="1"/>
+          <p:cNvSpPr txBox="1">
+            <a:spLocks noGrp="1"/>
+          </p:cNvSpPr>
           <p:nvPr>
             <p:ph type="title"/>
           </p:nvPr>
@@ -5316,7 +5418,6 @@
           <a:bodyPr/>
           <a:lstStyle/>
           <a:p>
-            <a:pPr/>
             <a:r>
               <a:t>Product</a:t>
             </a:r>
@@ -5326,7 +5427,9 @@
       <p:sp>
         <p:nvSpPr>
           <p:cNvPr id="181" name="Inhaltsplatzhalter 2"/>
-          <p:cNvSpPr txBox="1"/>
+          <p:cNvSpPr txBox="1">
+            <a:spLocks noGrp="1"/>
+          </p:cNvSpPr>
           <p:nvPr>
             <p:ph type="body" idx="1"/>
           </p:nvPr>
@@ -5344,7 +5447,6 @@
           <a:bodyPr/>
           <a:lstStyle/>
           <a:p>
-            <a:pPr/>
             <a:r>
               <a:t>Warning App: </a:t>
             </a:r>
@@ -5358,79 +5460,9 @@
                     <a:srgbClr val="0563C1"/>
                   </a:solidFill>
                 </a:uFill>
-                <a:hlinkClick r:id="rId2" invalidUrl="" action="" tgtFrame="" tooltip="" history="1" highlightClick="0" endSnd="0"/>
+                <a:hlinkClick r:id="rId2"/>
               </a:rPr>
-              <a:t>https://</a:t>
-            </a:r>
-            <a:r>
-              <a:rPr sz="1600" u="sng">
-                <a:solidFill>
-                  <a:srgbClr val="0563C1"/>
-                </a:solidFill>
-                <a:uFill>
-                  <a:solidFill>
-                    <a:srgbClr val="0563C1"/>
-                  </a:solidFill>
-                </a:uFill>
-                <a:hlinkClick r:id="rId2" invalidUrl="" action="" tgtFrame="" tooltip="" history="1" highlightClick="0" endSnd="0"/>
-              </a:rPr>
-              <a:t>x.thunkable.com</a:t>
-            </a:r>
-            <a:r>
-              <a:rPr sz="1600" u="sng">
-                <a:solidFill>
-                  <a:srgbClr val="0563C1"/>
-                </a:solidFill>
-                <a:uFill>
-                  <a:solidFill>
-                    <a:srgbClr val="0563C1"/>
-                  </a:solidFill>
-                </a:uFill>
-                <a:hlinkClick r:id="rId2" invalidUrl="" action="" tgtFrame="" tooltip="" history="1" highlightClick="0" endSnd="0"/>
-              </a:rPr>
-              <a:t>/</a:t>
-            </a:r>
-            <a:r>
-              <a:rPr sz="1600" u="sng">
-                <a:solidFill>
-                  <a:srgbClr val="0563C1"/>
-                </a:solidFill>
-                <a:uFill>
-                  <a:solidFill>
-                    <a:srgbClr val="0563C1"/>
-                  </a:solidFill>
-                </a:uFill>
-                <a:hlinkClick r:id="rId2" invalidUrl="" action="" tgtFrame="" tooltip="" history="1" highlightClick="0" endSnd="0"/>
-              </a:rPr>
-              <a:t>copy</a:t>
-            </a:r>
-            <a:r>
-              <a:rPr sz="1600" u="sng">
-                <a:solidFill>
-                  <a:srgbClr val="0563C1"/>
-                </a:solidFill>
-                <a:uFill>
-                  <a:solidFill>
-                    <a:srgbClr val="0563C1"/>
-                  </a:solidFill>
-                </a:uFill>
-                <a:hlinkClick r:id="rId2" invalidUrl="" action="" tgtFrame="" tooltip="" history="1" highlightClick="0" endSnd="0"/>
-              </a:rPr>
-              <a:t>/</a:t>
-            </a:r>
-            <a:r>
-              <a:rPr sz="1600" u="sng">
-                <a:solidFill>
-                  <a:srgbClr val="0563C1"/>
-                </a:solidFill>
-                <a:uFill>
-                  <a:solidFill>
-                    <a:srgbClr val="0563C1"/>
-                  </a:solidFill>
-                </a:uFill>
-                <a:hlinkClick r:id="rId2" invalidUrl="" action="" tgtFrame="" tooltip="" history="1" highlightClick="0" endSnd="0"/>
-              </a:rPr>
-              <a:t>57989626327f283cca1815d081083498</a:t>
+              <a:t>https://x.thunkable.com/copy/57989626327f283cca1815d081083498</a:t>
             </a:r>
           </a:p>
         </p:txBody>
@@ -5440,12 +5472,12 @@
   <p:clrMapOvr>
     <a:masterClrMapping/>
   </p:clrMapOvr>
-  <p:transition xmlns:p14="http://schemas.microsoft.com/office/powerpoint/2010/main" spd="med" advClick="1"/>
+  <p:transition spd="med"/>
 </p:sld>
 </file>
 
 <file path=ppt/slides/slide18.xml><?xml version="1.0" encoding="utf-8"?>
-<p:sld xmlns:a="http://schemas.openxmlformats.org/drawingml/2006/main" xmlns:r="http://schemas.openxmlformats.org/officeDocument/2006/relationships" xmlns:p="http://schemas.openxmlformats.org/presentationml/2006/main" xmlns:m="http://schemas.openxmlformats.org/officeDocument/2006/math" xmlns:a14="http://schemas.microsoft.com/office/drawing/2010/main" showMasterSp="1" showMasterPhAnim="1">
+<p:sld xmlns:a="http://schemas.openxmlformats.org/drawingml/2006/main" xmlns:r="http://schemas.openxmlformats.org/officeDocument/2006/relationships" xmlns:p="http://schemas.openxmlformats.org/presentationml/2006/main">
   <p:cSld>
     <p:spTree>
       <p:nvGrpSpPr>
@@ -5464,7 +5496,9 @@
       <p:sp>
         <p:nvSpPr>
           <p:cNvPr id="183" name="Titel 1"/>
-          <p:cNvSpPr txBox="1"/>
+          <p:cNvSpPr txBox="1">
+            <a:spLocks noGrp="1"/>
+          </p:cNvSpPr>
           <p:nvPr>
             <p:ph type="title"/>
           </p:nvPr>
@@ -5482,7 +5516,6 @@
           <a:bodyPr/>
           <a:lstStyle/>
           <a:p>
-            <a:pPr/>
             <a:r>
               <a:t>Backup</a:t>
             </a:r>
@@ -5492,7 +5525,9 @@
       <p:sp>
         <p:nvSpPr>
           <p:cNvPr id="184" name="Inhaltsplatzhalter 2"/>
-          <p:cNvSpPr txBox="1"/>
+          <p:cNvSpPr txBox="1">
+            <a:spLocks noGrp="1"/>
+          </p:cNvSpPr>
           <p:nvPr>
             <p:ph type="body" idx="1"/>
           </p:nvPr>
@@ -5510,7 +5545,7 @@
           <a:bodyPr/>
           <a:lstStyle/>
           <a:p>
-            <a:pPr/>
+            <a:endParaRPr/>
           </a:p>
         </p:txBody>
       </p:sp>
@@ -5519,12 +5554,12 @@
   <p:clrMapOvr>
     <a:masterClrMapping/>
   </p:clrMapOvr>
-  <p:transition xmlns:p14="http://schemas.microsoft.com/office/powerpoint/2010/main" spd="med" advClick="1"/>
+  <p:transition spd="med"/>
 </p:sld>
 </file>
 
 <file path=ppt/slides/slide19.xml><?xml version="1.0" encoding="utf-8"?>
-<p:sld xmlns:a="http://schemas.openxmlformats.org/drawingml/2006/main" xmlns:r="http://schemas.openxmlformats.org/officeDocument/2006/relationships" xmlns:p="http://schemas.openxmlformats.org/presentationml/2006/main" xmlns:m="http://schemas.openxmlformats.org/officeDocument/2006/math" xmlns:a14="http://schemas.microsoft.com/office/drawing/2010/main" showMasterSp="1" showMasterPhAnim="1">
+<p:sld xmlns:a="http://schemas.openxmlformats.org/drawingml/2006/main" xmlns:r="http://schemas.openxmlformats.org/officeDocument/2006/relationships" xmlns:p="http://schemas.openxmlformats.org/presentationml/2006/main">
   <p:cSld>
     <p:spTree>
       <p:nvGrpSpPr>
@@ -5543,7 +5578,9 @@
       <p:sp>
         <p:nvSpPr>
           <p:cNvPr id="186" name="Titel 1"/>
-          <p:cNvSpPr txBox="1"/>
+          <p:cNvSpPr txBox="1">
+            <a:spLocks noGrp="1"/>
+          </p:cNvSpPr>
           <p:nvPr>
             <p:ph type="title"/>
           </p:nvPr>
@@ -5561,7 +5598,6 @@
           <a:bodyPr/>
           <a:lstStyle/>
           <a:p>
-            <a:pPr/>
             <a:r>
               <a:t>Useful graphs</a:t>
             </a:r>
@@ -5577,9 +5613,7 @@
           <p:nvPr/>
         </p:nvPicPr>
         <p:blipFill>
-          <a:blip r:embed="rId2">
-            <a:extLst/>
-          </a:blip>
+          <a:blip r:embed="rId2"/>
           <a:stretch>
             <a:fillRect/>
           </a:stretch>
@@ -5606,9 +5640,7 @@
           <p:nvPr/>
         </p:nvPicPr>
         <p:blipFill>
-          <a:blip r:embed="rId3">
-            <a:extLst/>
-          </a:blip>
+          <a:blip r:embed="rId3"/>
           <a:stretch>
             <a:fillRect/>
           </a:stretch>
@@ -5631,12 +5663,12 @@
   <p:clrMapOvr>
     <a:masterClrMapping/>
   </p:clrMapOvr>
-  <p:transition xmlns:p14="http://schemas.microsoft.com/office/powerpoint/2010/main" spd="med" advClick="1"/>
+  <p:transition spd="med"/>
 </p:sld>
 </file>
 
 <file path=ppt/slides/slide2.xml><?xml version="1.0" encoding="utf-8"?>
-<p:sld xmlns:a="http://schemas.openxmlformats.org/drawingml/2006/main" xmlns:r="http://schemas.openxmlformats.org/officeDocument/2006/relationships" xmlns:p="http://schemas.openxmlformats.org/presentationml/2006/main" xmlns:m="http://schemas.openxmlformats.org/officeDocument/2006/math" xmlns:a14="http://schemas.microsoft.com/office/drawing/2010/main" showMasterSp="1" showMasterPhAnim="1">
+<p:sld xmlns:a="http://schemas.openxmlformats.org/drawingml/2006/main" xmlns:r="http://schemas.openxmlformats.org/officeDocument/2006/relationships" xmlns:p="http://schemas.openxmlformats.org/presentationml/2006/main">
   <p:cSld>
     <p:spTree>
       <p:nvGrpSpPr>
@@ -5655,7 +5687,9 @@
       <p:sp>
         <p:nvSpPr>
           <p:cNvPr id="97" name="Titel 1"/>
-          <p:cNvSpPr txBox="1"/>
+          <p:cNvSpPr txBox="1">
+            <a:spLocks noGrp="1"/>
+          </p:cNvSpPr>
           <p:nvPr>
             <p:ph type="title"/>
           </p:nvPr>
@@ -5673,7 +5707,6 @@
           <a:bodyPr/>
           <a:lstStyle/>
           <a:p>
-            <a:pPr/>
             <a:r>
               <a:t>Task</a:t>
             </a:r>
@@ -5683,7 +5716,9 @@
       <p:sp>
         <p:nvSpPr>
           <p:cNvPr id="98" name="Inhaltsplatzhalter 2"/>
-          <p:cNvSpPr txBox="1"/>
+          <p:cNvSpPr txBox="1">
+            <a:spLocks noGrp="1"/>
+          </p:cNvSpPr>
           <p:nvPr>
             <p:ph type="body" sz="half" idx="1"/>
           </p:nvPr>
@@ -5706,7 +5741,6 @@
             </a:lvl1pPr>
           </a:lstStyle>
           <a:p>
-            <a:pPr/>
             <a:r>
               <a:t>Build a model which is capable of correctly classify tweets as either disaster tweets or false alerts</a:t>
             </a:r>
@@ -5722,9 +5756,7 @@
           <p:nvPr/>
         </p:nvPicPr>
         <p:blipFill>
-          <a:blip r:embed="rId2">
-            <a:extLst/>
-          </a:blip>
+          <a:blip r:embed="rId2"/>
           <a:stretch>
             <a:fillRect/>
           </a:stretch>
@@ -5747,12 +5779,12 @@
   <p:clrMapOvr>
     <a:masterClrMapping/>
   </p:clrMapOvr>
-  <p:transition xmlns:p14="http://schemas.microsoft.com/office/powerpoint/2010/main" spd="med" advClick="1"/>
+  <p:transition spd="med"/>
 </p:sld>
 </file>
 
 <file path=ppt/slides/slide20.xml><?xml version="1.0" encoding="utf-8"?>
-<p:sld xmlns:a="http://schemas.openxmlformats.org/drawingml/2006/main" xmlns:r="http://schemas.openxmlformats.org/officeDocument/2006/relationships" xmlns:p="http://schemas.openxmlformats.org/presentationml/2006/main" xmlns:m="http://schemas.openxmlformats.org/officeDocument/2006/math" xmlns:a14="http://schemas.microsoft.com/office/drawing/2010/main" showMasterSp="1" showMasterPhAnim="1">
+<p:sld xmlns:a="http://schemas.openxmlformats.org/drawingml/2006/main" xmlns:r="http://schemas.openxmlformats.org/officeDocument/2006/relationships" xmlns:p="http://schemas.openxmlformats.org/presentationml/2006/main">
   <p:cSld>
     <p:spTree>
       <p:nvGrpSpPr>
@@ -5771,7 +5803,9 @@
       <p:sp>
         <p:nvSpPr>
           <p:cNvPr id="190" name="Titel 1"/>
-          <p:cNvSpPr txBox="1"/>
+          <p:cNvSpPr txBox="1">
+            <a:spLocks noGrp="1"/>
+          </p:cNvSpPr>
           <p:nvPr>
             <p:ph type="title"/>
           </p:nvPr>
@@ -5789,7 +5823,6 @@
           <a:bodyPr/>
           <a:lstStyle/>
           <a:p>
-            <a:pPr/>
             <a:r>
               <a:t>Used techniques</a:t>
             </a:r>
@@ -5799,7 +5832,9 @@
       <p:sp>
         <p:nvSpPr>
           <p:cNvPr id="191" name="Inhaltsplatzhalter 2"/>
-          <p:cNvSpPr txBox="1"/>
+          <p:cNvSpPr txBox="1">
+            <a:spLocks noGrp="1"/>
+          </p:cNvSpPr>
           <p:nvPr>
             <p:ph type="body" idx="1"/>
           </p:nvPr>
@@ -5831,7 +5866,7 @@
             </a:r>
           </a:p>
           <a:p>
-            <a:pPr lvl="1" marL="665226" indent="-221742" defTabSz="886968">
+            <a:pPr marL="665226" lvl="1" indent="-221742" defTabSz="886968">
               <a:lnSpc>
                 <a:spcPct val="81000"/>
               </a:lnSpc>
@@ -5845,7 +5880,7 @@
             </a:r>
           </a:p>
           <a:p>
-            <a:pPr lvl="1" marL="665226" indent="-221742" defTabSz="886968">
+            <a:pPr marL="665226" lvl="1" indent="-221742" defTabSz="886968">
               <a:lnSpc>
                 <a:spcPct val="81000"/>
               </a:lnSpc>
@@ -5859,7 +5894,7 @@
             </a:r>
           </a:p>
           <a:p>
-            <a:pPr lvl="1" marL="665226" indent="-221742" defTabSz="886968">
+            <a:pPr marL="665226" lvl="1" indent="-221742" defTabSz="886968">
               <a:lnSpc>
                 <a:spcPct val="81000"/>
               </a:lnSpc>
@@ -5887,7 +5922,7 @@
             </a:r>
           </a:p>
           <a:p>
-            <a:pPr lvl="1" marL="665226" indent="-221742" defTabSz="886968">
+            <a:pPr marL="665226" lvl="1" indent="-221742" defTabSz="886968">
               <a:lnSpc>
                 <a:spcPct val="81000"/>
               </a:lnSpc>
@@ -5901,7 +5936,7 @@
             </a:r>
           </a:p>
           <a:p>
-            <a:pPr lvl="1" marL="665226" indent="-221742" defTabSz="886968">
+            <a:pPr marL="665226" lvl="1" indent="-221742" defTabSz="886968">
               <a:lnSpc>
                 <a:spcPct val="81000"/>
               </a:lnSpc>
@@ -5915,7 +5950,7 @@
             </a:r>
           </a:p>
           <a:p>
-            <a:pPr lvl="1" marL="665226" indent="-221742" defTabSz="886968">
+            <a:pPr marL="665226" lvl="1" indent="-221742" defTabSz="886968">
               <a:lnSpc>
                 <a:spcPct val="81000"/>
               </a:lnSpc>
@@ -5929,7 +5964,7 @@
             </a:r>
           </a:p>
           <a:p>
-            <a:pPr lvl="1" marL="665226" indent="-221742" defTabSz="886968">
+            <a:pPr marL="665226" lvl="1" indent="-221742" defTabSz="886968">
               <a:lnSpc>
                 <a:spcPct val="81000"/>
               </a:lnSpc>
@@ -5943,7 +5978,7 @@
             </a:r>
           </a:p>
           <a:p>
-            <a:pPr lvl="1" marL="665226" indent="-221742" defTabSz="886968">
+            <a:pPr marL="665226" lvl="1" indent="-221742" defTabSz="886968">
               <a:lnSpc>
                 <a:spcPct val="81000"/>
               </a:lnSpc>
@@ -5971,7 +6006,7 @@
             </a:r>
           </a:p>
           <a:p>
-            <a:pPr lvl="1" marL="665226" indent="-221742" defTabSz="886968">
+            <a:pPr marL="665226" lvl="1" indent="-221742" defTabSz="886968">
               <a:lnSpc>
                 <a:spcPct val="81000"/>
               </a:lnSpc>
@@ -5991,12 +6026,12 @@
   <p:clrMapOvr>
     <a:masterClrMapping/>
   </p:clrMapOvr>
-  <p:transition xmlns:p14="http://schemas.microsoft.com/office/powerpoint/2010/main" spd="med" advClick="1"/>
+  <p:transition spd="med"/>
 </p:sld>
 </file>
 
 <file path=ppt/slides/slide3.xml><?xml version="1.0" encoding="utf-8"?>
-<p:sld xmlns:a="http://schemas.openxmlformats.org/drawingml/2006/main" xmlns:r="http://schemas.openxmlformats.org/officeDocument/2006/relationships" xmlns:p="http://schemas.openxmlformats.org/presentationml/2006/main" xmlns:m="http://schemas.openxmlformats.org/officeDocument/2006/math" xmlns:a14="http://schemas.microsoft.com/office/drawing/2010/main" showMasterSp="1" showMasterPhAnim="1">
+<p:sld xmlns:a="http://schemas.openxmlformats.org/drawingml/2006/main" xmlns:r="http://schemas.openxmlformats.org/officeDocument/2006/relationships" xmlns:p="http://schemas.openxmlformats.org/presentationml/2006/main">
   <p:cSld>
     <p:spTree>
       <p:nvGrpSpPr>
@@ -6015,7 +6050,9 @@
       <p:sp>
         <p:nvSpPr>
           <p:cNvPr id="101" name="Titel 1"/>
-          <p:cNvSpPr txBox="1"/>
+          <p:cNvSpPr txBox="1">
+            <a:spLocks noGrp="1"/>
+          </p:cNvSpPr>
           <p:nvPr>
             <p:ph type="title"/>
           </p:nvPr>
@@ -6033,7 +6070,6 @@
           <a:bodyPr/>
           <a:lstStyle/>
           <a:p>
-            <a:pPr/>
             <a:r>
               <a:t>Strategy</a:t>
             </a:r>
@@ -6043,7 +6079,9 @@
       <p:sp>
         <p:nvSpPr>
           <p:cNvPr id="102" name="Inhaltsplatzhalter 2"/>
-          <p:cNvSpPr txBox="1"/>
+          <p:cNvSpPr txBox="1">
+            <a:spLocks noGrp="1"/>
+          </p:cNvSpPr>
           <p:nvPr>
             <p:ph type="body" idx="1"/>
           </p:nvPr>
@@ -6061,31 +6099,26 @@
           <a:bodyPr/>
           <a:lstStyle/>
           <a:p>
-            <a:pPr/>
             <a:r>
               <a:t>data exploration</a:t>
             </a:r>
           </a:p>
           <a:p>
-            <a:pPr/>
             <a:r>
               <a:t>clean keywords</a:t>
             </a:r>
           </a:p>
           <a:p>
-            <a:pPr/>
             <a:r>
               <a:t>transform text via NLP techniques</a:t>
             </a:r>
           </a:p>
           <a:p>
-            <a:pPr/>
             <a:r>
               <a:t>perform different ML approaches to find best differentiator model</a:t>
             </a:r>
           </a:p>
           <a:p>
-            <a:pPr/>
             <a:r>
               <a:t>build app using a ML pipeline to predict alert situations</a:t>
             </a:r>
@@ -6097,12 +6130,12 @@
   <p:clrMapOvr>
     <a:masterClrMapping/>
   </p:clrMapOvr>
-  <p:transition xmlns:p14="http://schemas.microsoft.com/office/powerpoint/2010/main" spd="med" advClick="1"/>
+  <p:transition spd="med"/>
 </p:sld>
 </file>
 
 <file path=ppt/slides/slide4.xml><?xml version="1.0" encoding="utf-8"?>
-<p:sld xmlns:a="http://schemas.openxmlformats.org/drawingml/2006/main" xmlns:r="http://schemas.openxmlformats.org/officeDocument/2006/relationships" xmlns:p="http://schemas.openxmlformats.org/presentationml/2006/main" xmlns:m="http://schemas.openxmlformats.org/officeDocument/2006/math" xmlns:a14="http://schemas.microsoft.com/office/drawing/2010/main" showMasterSp="1" showMasterPhAnim="1">
+<p:sld xmlns:a="http://schemas.openxmlformats.org/drawingml/2006/main" xmlns:r="http://schemas.openxmlformats.org/officeDocument/2006/relationships" xmlns:p="http://schemas.openxmlformats.org/presentationml/2006/main">
   <p:cSld>
     <p:spTree>
       <p:nvGrpSpPr>
@@ -6121,7 +6154,9 @@
       <p:sp>
         <p:nvSpPr>
           <p:cNvPr id="104" name="Titel 1"/>
-          <p:cNvSpPr txBox="1"/>
+          <p:cNvSpPr txBox="1">
+            <a:spLocks noGrp="1"/>
+          </p:cNvSpPr>
           <p:nvPr>
             <p:ph type="title"/>
           </p:nvPr>
@@ -6139,7 +6174,6 @@
           <a:bodyPr/>
           <a:lstStyle/>
           <a:p>
-            <a:pPr/>
             <a:r>
               <a:t>Workbench</a:t>
             </a:r>
@@ -6149,7 +6183,9 @@
       <p:sp>
         <p:nvSpPr>
           <p:cNvPr id="105" name="Inhaltsplatzhalter 2"/>
-          <p:cNvSpPr txBox="1"/>
+          <p:cNvSpPr txBox="1">
+            <a:spLocks noGrp="1"/>
+          </p:cNvSpPr>
           <p:nvPr>
             <p:ph type="body" idx="1"/>
           </p:nvPr>
@@ -6167,13 +6203,12 @@
           <a:bodyPr/>
           <a:lstStyle/>
           <a:p>
-            <a:pPr/>
             <a:r>
               <a:t>Day 1: </a:t>
             </a:r>
           </a:p>
           <a:p>
-            <a:pPr lvl="1" marL="685800" indent="-228600">
+            <a:pPr marL="685800" lvl="1" indent="-228600">
               <a:spcBef>
                 <a:spcPts val="500"/>
               </a:spcBef>
@@ -6184,7 +6219,7 @@
             </a:r>
           </a:p>
           <a:p>
-            <a:pPr lvl="1" marL="685800" indent="-228600">
+            <a:pPr marL="685800" lvl="1" indent="-228600">
               <a:spcBef>
                 <a:spcPts val="500"/>
               </a:spcBef>
@@ -6195,7 +6230,7 @@
             </a:r>
           </a:p>
           <a:p>
-            <a:pPr lvl="1" marL="685800" indent="-228600">
+            <a:pPr marL="685800" lvl="1" indent="-228600">
               <a:spcBef>
                 <a:spcPts val="500"/>
               </a:spcBef>
@@ -6206,7 +6241,7 @@
             </a:r>
           </a:p>
           <a:p>
-            <a:pPr lvl="1" marL="685800" indent="-228600">
+            <a:pPr marL="685800" lvl="1" indent="-228600">
               <a:spcBef>
                 <a:spcPts val="500"/>
               </a:spcBef>
@@ -6220,31 +6255,49 @@
       </p:sp>
       <p:pic>
         <p:nvPicPr>
-          <p:cNvPr id="106" name="Bildschirmfoto 2020-10-08 um 21.18.55.png" descr="Bildschirmfoto 2020-10-08 um 21.18.55.png"/>
+          <p:cNvPr id="1028" name="Picture 4">
+            <a:extLst>
+              <a:ext uri="{FF2B5EF4-FFF2-40B4-BE49-F238E27FC236}">
+                <a16:creationId xmlns:a16="http://schemas.microsoft.com/office/drawing/2014/main" id="{6FD41E5C-9E5F-4AEE-B529-59BB4371FC39}"/>
+              </a:ext>
+            </a:extLst>
+          </p:cNvPr>
           <p:cNvPicPr>
-            <a:picLocks noChangeAspect="1"/>
+            <a:picLocks noChangeAspect="1" noChangeArrowheads="1"/>
           </p:cNvPicPr>
           <p:nvPr/>
         </p:nvPicPr>
         <p:blipFill>
           <a:blip r:embed="rId2">
-            <a:extLst/>
+            <a:extLst>
+              <a:ext uri="{28A0092B-C50C-407E-A947-70E740481C1C}">
+                <a14:useLocalDpi xmlns:a14="http://schemas.microsoft.com/office/drawing/2010/main" val="0"/>
+              </a:ext>
+            </a:extLst>
           </a:blip>
+          <a:srcRect/>
           <a:stretch>
             <a:fillRect/>
           </a:stretch>
         </p:blipFill>
-        <p:spPr>
+        <p:spPr bwMode="auto">
           <a:xfrm>
-            <a:off x="5448574" y="2919988"/>
-            <a:ext cx="6261442" cy="3189792"/>
+            <a:off x="6788781" y="2893512"/>
+            <a:ext cx="4633748" cy="2788215"/>
           </a:xfrm>
           <a:prstGeom prst="rect">
             <a:avLst/>
           </a:prstGeom>
-          <a:ln w="12700">
-            <a:miter lim="400000"/>
-          </a:ln>
+          <a:noFill/>
+          <a:extLst>
+            <a:ext uri="{909E8E84-426E-40DD-AFC4-6F175D3DCCD1}">
+              <a14:hiddenFill xmlns:a14="http://schemas.microsoft.com/office/drawing/2010/main">
+                <a:solidFill>
+                  <a:srgbClr val="FFFFFF"/>
+                </a:solidFill>
+              </a14:hiddenFill>
+            </a:ext>
+          </a:extLst>
         </p:spPr>
       </p:pic>
     </p:spTree>
@@ -6252,12 +6305,12 @@
   <p:clrMapOvr>
     <a:masterClrMapping/>
   </p:clrMapOvr>
-  <p:transition xmlns:p14="http://schemas.microsoft.com/office/powerpoint/2010/main" spd="med" advClick="1"/>
+  <p:transition spd="med"/>
 </p:sld>
 </file>
 
 <file path=ppt/slides/slide5.xml><?xml version="1.0" encoding="utf-8"?>
-<p:sld xmlns:a="http://schemas.openxmlformats.org/drawingml/2006/main" xmlns:r="http://schemas.openxmlformats.org/officeDocument/2006/relationships" xmlns:p="http://schemas.openxmlformats.org/presentationml/2006/main" xmlns:m="http://schemas.openxmlformats.org/officeDocument/2006/math" xmlns:a14="http://schemas.microsoft.com/office/drawing/2010/main" showMasterSp="1" showMasterPhAnim="1">
+<p:sld xmlns:a="http://schemas.openxmlformats.org/drawingml/2006/main" xmlns:r="http://schemas.openxmlformats.org/officeDocument/2006/relationships" xmlns:p="http://schemas.openxmlformats.org/presentationml/2006/main">
   <p:cSld>
     <p:spTree>
       <p:nvGrpSpPr>
@@ -6276,7 +6329,9 @@
       <p:sp>
         <p:nvSpPr>
           <p:cNvPr id="108" name="Titel 1"/>
-          <p:cNvSpPr txBox="1"/>
+          <p:cNvSpPr txBox="1">
+            <a:spLocks noGrp="1"/>
+          </p:cNvSpPr>
           <p:nvPr>
             <p:ph type="title"/>
           </p:nvPr>
@@ -6294,7 +6349,6 @@
           <a:bodyPr/>
           <a:lstStyle/>
           <a:p>
-            <a:pPr/>
             <a:r>
               <a:t>Workbench</a:t>
             </a:r>
@@ -6304,7 +6358,9 @@
       <p:sp>
         <p:nvSpPr>
           <p:cNvPr id="109" name="Inhaltsplatzhalter 2"/>
-          <p:cNvSpPr txBox="1"/>
+          <p:cNvSpPr txBox="1">
+            <a:spLocks noGrp="1"/>
+          </p:cNvSpPr>
           <p:nvPr>
             <p:ph type="body" idx="1"/>
           </p:nvPr>
@@ -6312,7 +6368,7 @@
         <p:spPr>
           <a:xfrm>
             <a:off x="838200" y="1825625"/>
-            <a:ext cx="10515600" cy="4351338"/>
+            <a:ext cx="4998929" cy="4351338"/>
           </a:xfrm>
           <a:prstGeom prst="rect">
             <a:avLst/>
@@ -6322,65 +6378,64 @@
           <a:bodyPr/>
           <a:lstStyle/>
           <a:p>
-            <a:pPr/>
-            <a:r>
+            <a:r>
+              <a:rPr dirty="0"/>
               <a:t>Day 2:</a:t>
             </a:r>
           </a:p>
           <a:p>
-            <a:pPr lvl="1" marL="685800" indent="-228600">
+            <a:pPr marL="685800" lvl="1" indent="-228600">
               <a:spcBef>
                 <a:spcPts val="500"/>
               </a:spcBef>
               <a:defRPr sz="2400"/>
             </a:pPr>
             <a:r>
+              <a:rPr dirty="0"/>
               <a:t>find best pipe to predict real and false alerts (individual)</a:t>
             </a:r>
           </a:p>
           <a:p>
-            <a:pPr lvl="1" marL="685800" indent="-228600">
+            <a:pPr marL="685800" lvl="1" indent="-228600">
               <a:spcBef>
                 <a:spcPts val="500"/>
               </a:spcBef>
               <a:defRPr sz="2400"/>
             </a:pPr>
             <a:r>
+              <a:rPr dirty="0"/>
               <a:t>visualize keyword distribution depending on alert state (individual)</a:t>
             </a:r>
           </a:p>
           <a:p>
-            <a:pPr lvl="1" marL="685800" indent="-228600">
+            <a:pPr marL="685800" lvl="1" indent="-228600">
               <a:spcBef>
                 <a:spcPts val="500"/>
               </a:spcBef>
               <a:defRPr sz="2400"/>
             </a:pPr>
             <a:r>
+              <a:rPr dirty="0"/>
               <a:t>programming warning app for users (individual) </a:t>
             </a:r>
           </a:p>
           <a:p>
-            <a:pPr lvl="1" marL="685800" indent="-228600">
+            <a:pPr marL="685800" lvl="1" indent="-228600">
               <a:spcBef>
                 <a:spcPts val="500"/>
               </a:spcBef>
               <a:defRPr sz="2400"/>
             </a:pPr>
-          </a:p>
-          <a:p>
-            <a:pPr lvl="1" marL="685800" indent="-228600">
+            <a:endParaRPr dirty="0"/>
+          </a:p>
+          <a:p>
+            <a:pPr marL="685800" lvl="1" indent="-228600">
               <a:spcBef>
                 <a:spcPts val="500"/>
               </a:spcBef>
               <a:defRPr sz="2400"/>
             </a:pPr>
-          </a:p>
-          <a:p>
-            <a:pPr/>
-            <a:r>
-              <a:t>Beispiel: Keywords analytics by Peter</a:t>
-            </a:r>
+            <a:endParaRPr dirty="0"/>
           </a:p>
         </p:txBody>
       </p:sp>
@@ -6393,17 +6448,15 @@
           <p:nvPr/>
         </p:nvPicPr>
         <p:blipFill>
-          <a:blip r:embed="rId2">
-            <a:extLst/>
-          </a:blip>
+          <a:blip r:embed="rId2"/>
           <a:stretch>
             <a:fillRect/>
           </a:stretch>
         </p:blipFill>
         <p:spPr>
           <a:xfrm>
-            <a:off x="1051560" y="4714238"/>
-            <a:ext cx="3571876" cy="2409826"/>
+            <a:off x="6096000" y="1825625"/>
+            <a:ext cx="5314587" cy="3585575"/>
           </a:xfrm>
           <a:prstGeom prst="rect">
             <a:avLst/>
@@ -6418,12 +6471,12 @@
   <p:clrMapOvr>
     <a:masterClrMapping/>
   </p:clrMapOvr>
-  <p:transition xmlns:p14="http://schemas.microsoft.com/office/powerpoint/2010/main" spd="med" advClick="1"/>
+  <p:transition spd="med"/>
 </p:sld>
 </file>
 
 <file path=ppt/slides/slide6.xml><?xml version="1.0" encoding="utf-8"?>
-<p:sld xmlns:a="http://schemas.openxmlformats.org/drawingml/2006/main" xmlns:r="http://schemas.openxmlformats.org/officeDocument/2006/relationships" xmlns:p="http://schemas.openxmlformats.org/presentationml/2006/main" xmlns:m="http://schemas.openxmlformats.org/officeDocument/2006/math" xmlns:a14="http://schemas.microsoft.com/office/drawing/2010/main" showMasterSp="1" showMasterPhAnim="1">
+<p:sld xmlns:a="http://schemas.openxmlformats.org/drawingml/2006/main" xmlns:r="http://schemas.openxmlformats.org/officeDocument/2006/relationships" xmlns:p="http://schemas.openxmlformats.org/presentationml/2006/main">
   <p:cSld>
     <p:spTree>
       <p:nvGrpSpPr>
@@ -6442,7 +6495,9 @@
       <p:sp>
         <p:nvSpPr>
           <p:cNvPr id="112" name="Titel 1"/>
-          <p:cNvSpPr txBox="1"/>
+          <p:cNvSpPr txBox="1">
+            <a:spLocks noGrp="1"/>
+          </p:cNvSpPr>
           <p:nvPr>
             <p:ph type="title"/>
           </p:nvPr>
@@ -6460,7 +6515,6 @@
           <a:bodyPr/>
           <a:lstStyle/>
           <a:p>
-            <a:pPr/>
             <a:r>
               <a:t>Workbench</a:t>
             </a:r>
@@ -6470,7 +6524,9 @@
       <p:sp>
         <p:nvSpPr>
           <p:cNvPr id="113" name="Inhaltsplatzhalter 2"/>
-          <p:cNvSpPr txBox="1"/>
+          <p:cNvSpPr txBox="1">
+            <a:spLocks noGrp="1"/>
+          </p:cNvSpPr>
           <p:nvPr>
             <p:ph type="body" idx="1"/>
           </p:nvPr>
@@ -6488,13 +6544,12 @@
           <a:bodyPr/>
           <a:lstStyle/>
           <a:p>
-            <a:pPr/>
             <a:r>
               <a:t>Day 3: </a:t>
             </a:r>
           </a:p>
           <a:p>
-            <a:pPr lvl="1" marL="685800" indent="-228600">
+            <a:pPr marL="685800" lvl="1" indent="-228600">
               <a:spcBef>
                 <a:spcPts val="500"/>
               </a:spcBef>
@@ -6505,7 +6560,7 @@
             </a:r>
           </a:p>
           <a:p>
-            <a:pPr lvl="1" marL="685800" indent="-228600">
+            <a:pPr marL="685800" lvl="1" indent="-228600">
               <a:spcBef>
                 <a:spcPts val="500"/>
               </a:spcBef>
@@ -6516,7 +6571,7 @@
             </a:r>
           </a:p>
           <a:p>
-            <a:pPr lvl="1" marL="685800" indent="-228600">
+            <a:pPr marL="685800" lvl="1" indent="-228600">
               <a:spcBef>
                 <a:spcPts val="500"/>
               </a:spcBef>
@@ -6527,23 +6582,24 @@
             </a:r>
           </a:p>
           <a:p>
-            <a:pPr lvl="1" marL="685800" indent="-228600">
+            <a:pPr marL="685800" lvl="1" indent="-228600">
               <a:spcBef>
                 <a:spcPts val="500"/>
               </a:spcBef>
               <a:defRPr sz="2400"/>
             </a:pPr>
-          </a:p>
-          <a:p>
-            <a:pPr lvl="1" marL="685800" indent="-228600">
+            <a:endParaRPr/>
+          </a:p>
+          <a:p>
+            <a:pPr marL="685800" lvl="1" indent="-228600">
               <a:spcBef>
                 <a:spcPts val="500"/>
               </a:spcBef>
               <a:defRPr sz="2400"/>
             </a:pPr>
-          </a:p>
-          <a:p>
-            <a:pPr/>
+            <a:endParaRPr/>
+          </a:p>
+          <a:p>
             <a:r>
               <a:t>Markus mit großen Tabellen + einer Live Prediction</a:t>
             </a:r>
@@ -6555,12 +6611,12 @@
   <p:clrMapOvr>
     <a:masterClrMapping/>
   </p:clrMapOvr>
-  <p:transition xmlns:p14="http://schemas.microsoft.com/office/powerpoint/2010/main" spd="med" advClick="1"/>
+  <p:transition spd="med"/>
 </p:sld>
 </file>
 
 <file path=ppt/slides/slide7.xml><?xml version="1.0" encoding="utf-8"?>
-<p:sld xmlns:a="http://schemas.openxmlformats.org/drawingml/2006/main" xmlns:r="http://schemas.openxmlformats.org/officeDocument/2006/relationships" xmlns:p="http://schemas.openxmlformats.org/presentationml/2006/main" xmlns:m="http://schemas.openxmlformats.org/officeDocument/2006/math" xmlns:a14="http://schemas.microsoft.com/office/drawing/2010/main" showMasterSp="1" showMasterPhAnim="1">
+<p:sld xmlns:a="http://schemas.openxmlformats.org/drawingml/2006/main" xmlns:r="http://schemas.openxmlformats.org/officeDocument/2006/relationships" xmlns:p="http://schemas.openxmlformats.org/presentationml/2006/main">
   <p:cSld>
     <p:spTree>
       <p:nvGrpSpPr>
@@ -6579,7 +6635,9 @@
       <p:sp>
         <p:nvSpPr>
           <p:cNvPr id="115" name="Titel 1"/>
-          <p:cNvSpPr txBox="1"/>
+          <p:cNvSpPr txBox="1">
+            <a:spLocks noGrp="1"/>
+          </p:cNvSpPr>
           <p:nvPr>
             <p:ph type="title"/>
           </p:nvPr>
@@ -6597,7 +6655,6 @@
           <a:bodyPr/>
           <a:lstStyle/>
           <a:p>
-            <a:pPr/>
             <a:r>
               <a:t>Workbench</a:t>
             </a:r>
@@ -6607,7 +6664,9 @@
       <p:sp>
         <p:nvSpPr>
           <p:cNvPr id="116" name="Inhaltsplatzhalter 2"/>
-          <p:cNvSpPr txBox="1"/>
+          <p:cNvSpPr txBox="1">
+            <a:spLocks noGrp="1"/>
+          </p:cNvSpPr>
           <p:nvPr>
             <p:ph type="body" idx="1"/>
           </p:nvPr>
@@ -6625,7 +6684,6 @@
           <a:bodyPr/>
           <a:lstStyle/>
           <a:p>
-            <a:pPr/>
             <a:r>
               <a:t>Day 4:   df['location_clean']</a:t>
             </a:r>
@@ -6641,9 +6699,7 @@
           <p:nvPr/>
         </p:nvPicPr>
         <p:blipFill>
-          <a:blip r:embed="rId2">
-            <a:extLst/>
-          </a:blip>
+          <a:blip r:embed="rId2"/>
           <a:stretch>
             <a:fillRect/>
           </a:stretch>
@@ -6670,10 +6726,8 @@
           <p:nvPr/>
         </p:nvPicPr>
         <p:blipFill>
-          <a:blip r:embed="rId3">
-            <a:extLst/>
-          </a:blip>
-          <a:srcRect l="0" t="0" r="0" b="0"/>
+          <a:blip r:embed="rId3"/>
+          <a:srcRect/>
           <a:stretch>
             <a:fillRect/>
           </a:stretch>
@@ -6710,7 +6764,7 @@
           </a:ln>
           <a:extLst>
             <a:ext uri="{C572A759-6A51-4108-AA02-DFA0A04FC94B}">
-              <ma14:wrappingTextBoxFlag xmlns:ma14="http://schemas.microsoft.com/office/mac/drawingml/2011/main" val="1"/>
+              <ma14:wrappingTextBoxFlag xmlns:ma14="http://schemas.microsoft.com/office/mac/drawingml/2011/main" xmlns:a14="http://schemas.microsoft.com/office/drawing/2010/main" xmlns:m="http://schemas.openxmlformats.org/officeDocument/2006/math" xmlns="" val="1"/>
             </a:ext>
           </a:extLst>
         </p:spPr>
@@ -6724,7 +6778,6 @@
             </a:lvl1pPr>
           </a:lstStyle>
           <a:p>
-            <a:pPr/>
             <a:r>
               <a:t>No Value</a:t>
             </a:r>
@@ -6736,12 +6789,12 @@
   <p:clrMapOvr>
     <a:masterClrMapping/>
   </p:clrMapOvr>
-  <p:transition xmlns:p14="http://schemas.microsoft.com/office/powerpoint/2010/main" spd="med" advClick="1"/>
+  <p:transition spd="med"/>
 </p:sld>
 </file>
 
 <file path=ppt/slides/slide8.xml><?xml version="1.0" encoding="utf-8"?>
-<p:sld xmlns:a="http://schemas.openxmlformats.org/drawingml/2006/main" xmlns:r="http://schemas.openxmlformats.org/officeDocument/2006/relationships" xmlns:p="http://schemas.openxmlformats.org/presentationml/2006/main" xmlns:m="http://schemas.openxmlformats.org/officeDocument/2006/math" xmlns:a14="http://schemas.microsoft.com/office/drawing/2010/main" showMasterSp="1" showMasterPhAnim="1">
+<p:sld xmlns:a="http://schemas.openxmlformats.org/drawingml/2006/main" xmlns:r="http://schemas.openxmlformats.org/officeDocument/2006/relationships" xmlns:p="http://schemas.openxmlformats.org/presentationml/2006/main">
   <p:cSld>
     <p:spTree>
       <p:nvGrpSpPr>
@@ -6760,7 +6813,9 @@
       <p:sp>
         <p:nvSpPr>
           <p:cNvPr id="121" name="Titel 1"/>
-          <p:cNvSpPr txBox="1"/>
+          <p:cNvSpPr txBox="1">
+            <a:spLocks noGrp="1"/>
+          </p:cNvSpPr>
           <p:nvPr>
             <p:ph type="title"/>
           </p:nvPr>
@@ -6774,7 +6829,6 @@
           <a:bodyPr/>
           <a:lstStyle/>
           <a:p>
-            <a:pPr/>
             <a:r>
               <a:t>Workbench</a:t>
             </a:r>
@@ -6800,7 +6854,7 @@
           </a:ln>
           <a:extLst>
             <a:ext uri="{C572A759-6A51-4108-AA02-DFA0A04FC94B}">
-              <ma14:wrappingTextBoxFlag xmlns:ma14="http://schemas.microsoft.com/office/mac/drawingml/2011/main" val="1"/>
+              <ma14:wrappingTextBoxFlag xmlns:ma14="http://schemas.microsoft.com/office/mac/drawingml/2011/main" xmlns:a14="http://schemas.microsoft.com/office/drawing/2010/main" xmlns:m="http://schemas.openxmlformats.org/officeDocument/2006/math" xmlns="" val="1"/>
             </a:ext>
           </a:extLst>
         </p:spPr>
@@ -6843,6 +6897,7 @@
                 <a:sym typeface="Menlo Regular"/>
               </a:defRPr>
             </a:pPr>
+            <a:endParaRPr/>
           </a:p>
           <a:p>
             <a:pPr defTabSz="457200">
@@ -6859,6 +6914,7 @@
                 <a:sym typeface="Menlo Regular"/>
               </a:defRPr>
             </a:pPr>
+            <a:endParaRPr/>
           </a:p>
           <a:p>
             <a:pPr defTabSz="457200">
@@ -6875,6 +6931,7 @@
                 <a:sym typeface="Menlo Regular"/>
               </a:defRPr>
             </a:pPr>
+            <a:endParaRPr/>
           </a:p>
           <a:p>
             <a:pPr defTabSz="457200">
@@ -6912,6 +6969,11 @@
                 <a:sym typeface="Menlo Regular"/>
               </a:defRPr>
             </a:pPr>
+            <a:endParaRPr>
+              <a:solidFill>
+                <a:srgbClr val="000000"/>
+              </a:solidFill>
+            </a:endParaRPr>
           </a:p>
           <a:p>
             <a:pPr defTabSz="457200">
@@ -6945,9 +7007,7 @@
           <p:nvPr/>
         </p:nvPicPr>
         <p:blipFill>
-          <a:blip r:embed="rId2">
-            <a:extLst/>
-          </a:blip>
+          <a:blip r:embed="rId2"/>
           <a:stretch>
             <a:fillRect/>
           </a:stretch>
@@ -6970,12 +7030,12 @@
   <p:clrMapOvr>
     <a:masterClrMapping/>
   </p:clrMapOvr>
-  <p:transition xmlns:p14="http://schemas.microsoft.com/office/powerpoint/2010/main" spd="med" advClick="1"/>
+  <p:transition spd="med"/>
 </p:sld>
 </file>
 
 <file path=ppt/slides/slide9.xml><?xml version="1.0" encoding="utf-8"?>
-<p:sld xmlns:a="http://schemas.openxmlformats.org/drawingml/2006/main" xmlns:r="http://schemas.openxmlformats.org/officeDocument/2006/relationships" xmlns:p="http://schemas.openxmlformats.org/presentationml/2006/main" xmlns:m="http://schemas.openxmlformats.org/officeDocument/2006/math" xmlns:a14="http://schemas.microsoft.com/office/drawing/2010/main" showMasterSp="1" showMasterPhAnim="1">
+<p:sld xmlns:a="http://schemas.openxmlformats.org/drawingml/2006/main" xmlns:r="http://schemas.openxmlformats.org/officeDocument/2006/relationships" xmlns:p="http://schemas.openxmlformats.org/presentationml/2006/main">
   <p:cSld>
     <p:spTree>
       <p:nvGrpSpPr>
@@ -6994,7 +7054,9 @@
       <p:sp>
         <p:nvSpPr>
           <p:cNvPr id="125" name="Titel 1"/>
-          <p:cNvSpPr txBox="1"/>
+          <p:cNvSpPr txBox="1">
+            <a:spLocks noGrp="1"/>
+          </p:cNvSpPr>
           <p:nvPr>
             <p:ph type="title"/>
           </p:nvPr>
@@ -7008,7 +7070,6 @@
           <a:bodyPr/>
           <a:lstStyle/>
           <a:p>
-            <a:pPr/>
             <a:r>
               <a:t>Workbench</a:t>
             </a:r>
@@ -7034,7 +7095,7 @@
           </a:ln>
           <a:extLst>
             <a:ext uri="{C572A759-6A51-4108-AA02-DFA0A04FC94B}">
-              <ma14:wrappingTextBoxFlag xmlns:ma14="http://schemas.microsoft.com/office/mac/drawingml/2011/main" val="1"/>
+              <ma14:wrappingTextBoxFlag xmlns:ma14="http://schemas.microsoft.com/office/mac/drawingml/2011/main" xmlns:a14="http://schemas.microsoft.com/office/drawing/2010/main" xmlns:m="http://schemas.openxmlformats.org/officeDocument/2006/math" xmlns="" val="1"/>
             </a:ext>
           </a:extLst>
         </p:spPr>
@@ -7077,6 +7138,7 @@
                 <a:sym typeface="Menlo Regular"/>
               </a:defRPr>
             </a:pPr>
+            <a:endParaRPr/>
           </a:p>
           <a:p>
             <a:pPr defTabSz="457200">
@@ -7093,6 +7155,7 @@
                 <a:sym typeface="Menlo Regular"/>
               </a:defRPr>
             </a:pPr>
+            <a:endParaRPr/>
           </a:p>
           <a:p>
             <a:pPr defTabSz="457200">
@@ -7109,6 +7172,7 @@
                 <a:sym typeface="Menlo Regular"/>
               </a:defRPr>
             </a:pPr>
+            <a:endParaRPr/>
           </a:p>
           <a:p>
             <a:pPr defTabSz="457200">
@@ -7146,6 +7210,11 @@
                 <a:sym typeface="Menlo Regular"/>
               </a:defRPr>
             </a:pPr>
+            <a:endParaRPr>
+              <a:solidFill>
+                <a:srgbClr val="000000"/>
+              </a:solidFill>
+            </a:endParaRPr>
           </a:p>
           <a:p>
             <a:pPr defTabSz="457200">
@@ -7179,9 +7248,7 @@
           <p:nvPr/>
         </p:nvPicPr>
         <p:blipFill>
-          <a:blip r:embed="rId2">
-            <a:extLst/>
-          </a:blip>
+          <a:blip r:embed="rId2"/>
           <a:stretch>
             <a:fillRect/>
           </a:stretch>
@@ -7218,13 +7285,13 @@
           </a:ln>
           <a:extLst>
             <a:ext uri="{C572A759-6A51-4108-AA02-DFA0A04FC94B}">
-              <ma14:wrappingTextBoxFlag xmlns:ma14="http://schemas.microsoft.com/office/mac/drawingml/2011/main" val="1"/>
+              <ma14:wrappingTextBoxFlag xmlns:ma14="http://schemas.microsoft.com/office/mac/drawingml/2011/main" xmlns:a14="http://schemas.microsoft.com/office/drawing/2010/main" xmlns:m="http://schemas.openxmlformats.org/officeDocument/2006/math" xmlns="" val="1"/>
             </a:ext>
           </a:extLst>
         </p:spPr>
         <p:txBody>
           <a:bodyPr lIns="45719" rIns="45719" anchor="ctr">
-            <a:normAutofit fontScale="100000" lnSpcReduction="0"/>
+            <a:normAutofit fontScale="25000" lnSpcReduction="20000"/>
           </a:bodyPr>
           <a:lstStyle/>
           <a:p>
@@ -7757,12 +7824,12 @@
   <p:clrMapOvr>
     <a:masterClrMapping/>
   </p:clrMapOvr>
-  <p:transition xmlns:p14="http://schemas.microsoft.com/office/powerpoint/2010/main" spd="med" advClick="1"/>
+  <p:transition spd="med"/>
 </p:sld>
 </file>
 
 <file path=ppt/theme/theme1.xml><?xml version="1.0" encoding="utf-8"?>
-<a:theme xmlns:a="http://schemas.openxmlformats.org/drawingml/2006/main" xmlns:r="http://schemas.openxmlformats.org/officeDocument/2006/relationships" name="Office">
+<a:theme xmlns:a="http://schemas.openxmlformats.org/drawingml/2006/main" name="Office">
   <a:themeElements>
     <a:clrScheme name="Office">
       <a:dk1>
@@ -7964,7 +8031,7 @@
         <a:effectLst/>
         <a:sp3d/>
       </a:spPr>
-      <a:bodyPr rot="0" spcFirstLastPara="1" vertOverflow="overflow" horzOverflow="overflow" vert="horz" wrap="square" lIns="45719" tIns="45719" rIns="45719" bIns="45719" numCol="1" spcCol="38100" rtlCol="0" anchor="ctr" upright="0">
+      <a:bodyPr rot="0" spcFirstLastPara="1" vertOverflow="overflow" horzOverflow="overflow" vert="horz" wrap="square" lIns="45719" tIns="45719" rIns="45719" bIns="45719" numCol="1" spcCol="38100" rtlCol="0" anchor="ctr">
         <a:spAutoFit/>
       </a:bodyPr>
       <a:lstStyle>
@@ -7983,7 +8050,7 @@
           <a:buFontTx/>
           <a:buNone/>
           <a:tabLst/>
-          <a:defRPr b="0" baseline="0" cap="none" i="0" spc="0" strike="noStrike" sz="1800" u="none" kumimoji="0" normalizeH="0">
+          <a:defRPr kumimoji="0" sz="1800" b="0" i="0" u="none" strike="noStrike" cap="none" spc="0" normalizeH="0" baseline="0">
             <a:ln>
               <a:noFill/>
             </a:ln>
@@ -8013,7 +8080,7 @@
           <a:buFontTx/>
           <a:buNone/>
           <a:tabLst/>
-          <a:defRPr b="0" baseline="0" cap="none" i="0" spc="0" strike="noStrike" sz="1800" u="none" kumimoji="0" normalizeH="0">
+          <a:defRPr kumimoji="0" sz="1800" b="0" i="0" u="none" strike="noStrike" cap="none" spc="0" normalizeH="0" baseline="0">
             <a:ln>
               <a:noFill/>
             </a:ln>
@@ -8039,7 +8106,7 @@
           <a:buFontTx/>
           <a:buNone/>
           <a:tabLst/>
-          <a:defRPr b="0" baseline="0" cap="none" i="0" spc="0" strike="noStrike" sz="1800" u="none" kumimoji="0" normalizeH="0">
+          <a:defRPr kumimoji="0" sz="1800" b="0" i="0" u="none" strike="noStrike" cap="none" spc="0" normalizeH="0" baseline="0">
             <a:ln>
               <a:noFill/>
             </a:ln>
@@ -8065,7 +8132,7 @@
           <a:buFontTx/>
           <a:buNone/>
           <a:tabLst/>
-          <a:defRPr b="0" baseline="0" cap="none" i="0" spc="0" strike="noStrike" sz="1800" u="none" kumimoji="0" normalizeH="0">
+          <a:defRPr kumimoji="0" sz="1800" b="0" i="0" u="none" strike="noStrike" cap="none" spc="0" normalizeH="0" baseline="0">
             <a:ln>
               <a:noFill/>
             </a:ln>
@@ -8091,7 +8158,7 @@
           <a:buFontTx/>
           <a:buNone/>
           <a:tabLst/>
-          <a:defRPr b="0" baseline="0" cap="none" i="0" spc="0" strike="noStrike" sz="1800" u="none" kumimoji="0" normalizeH="0">
+          <a:defRPr kumimoji="0" sz="1800" b="0" i="0" u="none" strike="noStrike" cap="none" spc="0" normalizeH="0" baseline="0">
             <a:ln>
               <a:noFill/>
             </a:ln>
@@ -8117,7 +8184,7 @@
           <a:buFontTx/>
           <a:buNone/>
           <a:tabLst/>
-          <a:defRPr b="0" baseline="0" cap="none" i="0" spc="0" strike="noStrike" sz="1800" u="none" kumimoji="0" normalizeH="0">
+          <a:defRPr kumimoji="0" sz="1800" b="0" i="0" u="none" strike="noStrike" cap="none" spc="0" normalizeH="0" baseline="0">
             <a:ln>
               <a:noFill/>
             </a:ln>
@@ -8143,7 +8210,7 @@
           <a:buFontTx/>
           <a:buNone/>
           <a:tabLst/>
-          <a:defRPr b="0" baseline="0" cap="none" i="0" spc="0" strike="noStrike" sz="1800" u="none" kumimoji="0" normalizeH="0">
+          <a:defRPr kumimoji="0" sz="1800" b="0" i="0" u="none" strike="noStrike" cap="none" spc="0" normalizeH="0" baseline="0">
             <a:ln>
               <a:noFill/>
             </a:ln>
@@ -8169,7 +8236,7 @@
           <a:buFontTx/>
           <a:buNone/>
           <a:tabLst/>
-          <a:defRPr b="0" baseline="0" cap="none" i="0" spc="0" strike="noStrike" sz="1800" u="none" kumimoji="0" normalizeH="0">
+          <a:defRPr kumimoji="0" sz="1800" b="0" i="0" u="none" strike="noStrike" cap="none" spc="0" normalizeH="0" baseline="0">
             <a:ln>
               <a:noFill/>
             </a:ln>
@@ -8195,7 +8262,7 @@
           <a:buFontTx/>
           <a:buNone/>
           <a:tabLst/>
-          <a:defRPr b="0" baseline="0" cap="none" i="0" spc="0" strike="noStrike" sz="1800" u="none" kumimoji="0" normalizeH="0">
+          <a:defRPr kumimoji="0" sz="1800" b="0" i="0" u="none" strike="noStrike" cap="none" spc="0" normalizeH="0" baseline="0">
             <a:ln>
               <a:noFill/>
             </a:ln>
@@ -8221,7 +8288,7 @@
           <a:buFontTx/>
           <a:buNone/>
           <a:tabLst/>
-          <a:defRPr b="0" baseline="0" cap="none" i="0" spc="0" strike="noStrike" sz="1800" u="none" kumimoji="0" normalizeH="0">
+          <a:defRPr kumimoji="0" sz="1800" b="0" i="0" u="none" strike="noStrike" cap="none" spc="0" normalizeH="0" baseline="0">
             <a:ln>
               <a:noFill/>
             </a:ln>
@@ -8234,9 +8301,15 @@
         </a:lvl9pPr>
       </a:lstStyle>
       <a:style>
-        <a:lnRef idx="0"/>
-        <a:fillRef idx="0"/>
-        <a:effectRef idx="0"/>
+        <a:lnRef idx="0">
+          <a:scrgbClr r="0" g="0" b="0"/>
+        </a:lnRef>
+        <a:fillRef idx="0">
+          <a:scrgbClr r="0" g="0" b="0"/>
+        </a:fillRef>
+        <a:effectRef idx="0">
+          <a:scrgbClr r="0" g="0" b="0"/>
+        </a:effectRef>
         <a:fontRef idx="none"/>
       </a:style>
     </a:spDef>
@@ -8253,7 +8326,7 @@
         <a:effectLst/>
         <a:sp3d/>
       </a:spPr>
-      <a:bodyPr rot="0" spcFirstLastPara="1" vertOverflow="overflow" horzOverflow="overflow" vert="horz" wrap="square" lIns="91439" tIns="45719" rIns="91439" bIns="45719" numCol="1" spcCol="38100" rtlCol="0" anchor="t" upright="0">
+      <a:bodyPr rot="0" spcFirstLastPara="1" vertOverflow="overflow" horzOverflow="overflow" vert="horz" wrap="square" lIns="91439" tIns="45719" rIns="91439" bIns="45719" numCol="1" spcCol="38100" rtlCol="0" anchor="t">
         <a:noAutofit/>
       </a:bodyPr>
       <a:lstStyle>
@@ -8272,7 +8345,7 @@
           <a:buFontTx/>
           <a:buNone/>
           <a:tabLst/>
-          <a:defRPr b="0" baseline="0" cap="none" i="0" spc="0" strike="noStrike" sz="1800" u="none" kumimoji="0" normalizeH="0">
+          <a:defRPr kumimoji="0" sz="1800" b="0" i="0" u="none" strike="noStrike" cap="none" spc="0" normalizeH="0" baseline="0">
             <a:ln>
               <a:noFill/>
             </a:ln>
@@ -8298,7 +8371,7 @@
           <a:buFontTx/>
           <a:buNone/>
           <a:tabLst/>
-          <a:defRPr b="0" baseline="0" cap="none" i="0" spc="0" strike="noStrike" sz="1800" u="none" kumimoji="0" normalizeH="0">
+          <a:defRPr kumimoji="0" sz="1800" b="0" i="0" u="none" strike="noStrike" cap="none" spc="0" normalizeH="0" baseline="0">
             <a:ln>
               <a:noFill/>
             </a:ln>
@@ -8324,7 +8397,7 @@
           <a:buFontTx/>
           <a:buNone/>
           <a:tabLst/>
-          <a:defRPr b="0" baseline="0" cap="none" i="0" spc="0" strike="noStrike" sz="1800" u="none" kumimoji="0" normalizeH="0">
+          <a:defRPr kumimoji="0" sz="1800" b="0" i="0" u="none" strike="noStrike" cap="none" spc="0" normalizeH="0" baseline="0">
             <a:ln>
               <a:noFill/>
             </a:ln>
@@ -8350,7 +8423,7 @@
           <a:buFontTx/>
           <a:buNone/>
           <a:tabLst/>
-          <a:defRPr b="0" baseline="0" cap="none" i="0" spc="0" strike="noStrike" sz="1800" u="none" kumimoji="0" normalizeH="0">
+          <a:defRPr kumimoji="0" sz="1800" b="0" i="0" u="none" strike="noStrike" cap="none" spc="0" normalizeH="0" baseline="0">
             <a:ln>
               <a:noFill/>
             </a:ln>
@@ -8376,7 +8449,7 @@
           <a:buFontTx/>
           <a:buNone/>
           <a:tabLst/>
-          <a:defRPr b="0" baseline="0" cap="none" i="0" spc="0" strike="noStrike" sz="1800" u="none" kumimoji="0" normalizeH="0">
+          <a:defRPr kumimoji="0" sz="1800" b="0" i="0" u="none" strike="noStrike" cap="none" spc="0" normalizeH="0" baseline="0">
             <a:ln>
               <a:noFill/>
             </a:ln>
@@ -8402,7 +8475,7 @@
           <a:buFontTx/>
           <a:buNone/>
           <a:tabLst/>
-          <a:defRPr b="0" baseline="0" cap="none" i="0" spc="0" strike="noStrike" sz="1800" u="none" kumimoji="0" normalizeH="0">
+          <a:defRPr kumimoji="0" sz="1800" b="0" i="0" u="none" strike="noStrike" cap="none" spc="0" normalizeH="0" baseline="0">
             <a:ln>
               <a:noFill/>
             </a:ln>
@@ -8428,7 +8501,7 @@
           <a:buFontTx/>
           <a:buNone/>
           <a:tabLst/>
-          <a:defRPr b="0" baseline="0" cap="none" i="0" spc="0" strike="noStrike" sz="1800" u="none" kumimoji="0" normalizeH="0">
+          <a:defRPr kumimoji="0" sz="1800" b="0" i="0" u="none" strike="noStrike" cap="none" spc="0" normalizeH="0" baseline="0">
             <a:ln>
               <a:noFill/>
             </a:ln>
@@ -8454,7 +8527,7 @@
           <a:buFontTx/>
           <a:buNone/>
           <a:tabLst/>
-          <a:defRPr b="0" baseline="0" cap="none" i="0" spc="0" strike="noStrike" sz="1800" u="none" kumimoji="0" normalizeH="0">
+          <a:defRPr kumimoji="0" sz="1800" b="0" i="0" u="none" strike="noStrike" cap="none" spc="0" normalizeH="0" baseline="0">
             <a:ln>
               <a:noFill/>
             </a:ln>
@@ -8480,7 +8553,7 @@
           <a:buFontTx/>
           <a:buNone/>
           <a:tabLst/>
-          <a:defRPr b="0" baseline="0" cap="none" i="0" spc="0" strike="noStrike" sz="1800" u="none" kumimoji="0" normalizeH="0">
+          <a:defRPr kumimoji="0" sz="1800" b="0" i="0" u="none" strike="noStrike" cap="none" spc="0" normalizeH="0" baseline="0">
             <a:ln>
               <a:noFill/>
             </a:ln>
@@ -8506,7 +8579,7 @@
           <a:buFontTx/>
           <a:buNone/>
           <a:tabLst/>
-          <a:defRPr b="0" baseline="0" cap="none" i="0" spc="0" strike="noStrike" sz="1800" u="none" kumimoji="0" normalizeH="0">
+          <a:defRPr kumimoji="0" sz="1800" b="0" i="0" u="none" strike="noStrike" cap="none" spc="0" normalizeH="0" baseline="0">
             <a:ln>
               <a:noFill/>
             </a:ln>
@@ -8519,9 +8592,15 @@
         </a:lvl9pPr>
       </a:lstStyle>
       <a:style>
-        <a:lnRef idx="0"/>
-        <a:fillRef idx="0"/>
-        <a:effectRef idx="0"/>
+        <a:lnRef idx="0">
+          <a:scrgbClr r="0" g="0" b="0"/>
+        </a:lnRef>
+        <a:fillRef idx="0">
+          <a:scrgbClr r="0" g="0" b="0"/>
+        </a:fillRef>
+        <a:effectRef idx="0">
+          <a:scrgbClr r="0" g="0" b="0"/>
+        </a:effectRef>
         <a:fontRef idx="none"/>
       </a:style>
     </a:lnDef>
@@ -8535,7 +8614,7 @@
         <a:effectLst/>
         <a:sp3d/>
       </a:spPr>
-      <a:bodyPr rot="0" spcFirstLastPara="1" vertOverflow="overflow" horzOverflow="overflow" vert="horz" wrap="square" lIns="45719" tIns="45719" rIns="45719" bIns="45719" numCol="1" spcCol="38100" rtlCol="0" anchor="t" upright="0">
+      <a:bodyPr rot="0" spcFirstLastPara="1" vertOverflow="overflow" horzOverflow="overflow" vert="horz" wrap="square" lIns="45719" tIns="45719" rIns="45719" bIns="45719" numCol="1" spcCol="38100" rtlCol="0" anchor="t">
         <a:spAutoFit/>
       </a:bodyPr>
       <a:lstStyle>
@@ -8554,7 +8633,7 @@
           <a:buFontTx/>
           <a:buNone/>
           <a:tabLst/>
-          <a:defRPr b="0" baseline="0" cap="none" i="0" spc="0" strike="noStrike" sz="1800" u="none" kumimoji="0" normalizeH="0">
+          <a:defRPr kumimoji="0" sz="1800" b="0" i="0" u="none" strike="noStrike" cap="none" spc="0" normalizeH="0" baseline="0">
             <a:ln>
               <a:noFill/>
             </a:ln>
@@ -8584,7 +8663,7 @@
           <a:buFontTx/>
           <a:buNone/>
           <a:tabLst/>
-          <a:defRPr b="0" baseline="0" cap="none" i="0" spc="0" strike="noStrike" sz="1800" u="none" kumimoji="0" normalizeH="0">
+          <a:defRPr kumimoji="0" sz="1800" b="0" i="0" u="none" strike="noStrike" cap="none" spc="0" normalizeH="0" baseline="0">
             <a:ln>
               <a:noFill/>
             </a:ln>
@@ -8610,7 +8689,7 @@
           <a:buFontTx/>
           <a:buNone/>
           <a:tabLst/>
-          <a:defRPr b="0" baseline="0" cap="none" i="0" spc="0" strike="noStrike" sz="1800" u="none" kumimoji="0" normalizeH="0">
+          <a:defRPr kumimoji="0" sz="1800" b="0" i="0" u="none" strike="noStrike" cap="none" spc="0" normalizeH="0" baseline="0">
             <a:ln>
               <a:noFill/>
             </a:ln>
@@ -8636,7 +8715,7 @@
           <a:buFontTx/>
           <a:buNone/>
           <a:tabLst/>
-          <a:defRPr b="0" baseline="0" cap="none" i="0" spc="0" strike="noStrike" sz="1800" u="none" kumimoji="0" normalizeH="0">
+          <a:defRPr kumimoji="0" sz="1800" b="0" i="0" u="none" strike="noStrike" cap="none" spc="0" normalizeH="0" baseline="0">
             <a:ln>
               <a:noFill/>
             </a:ln>
@@ -8662,7 +8741,7 @@
           <a:buFontTx/>
           <a:buNone/>
           <a:tabLst/>
-          <a:defRPr b="0" baseline="0" cap="none" i="0" spc="0" strike="noStrike" sz="1800" u="none" kumimoji="0" normalizeH="0">
+          <a:defRPr kumimoji="0" sz="1800" b="0" i="0" u="none" strike="noStrike" cap="none" spc="0" normalizeH="0" baseline="0">
             <a:ln>
               <a:noFill/>
             </a:ln>
@@ -8688,7 +8767,7 @@
           <a:buFontTx/>
           <a:buNone/>
           <a:tabLst/>
-          <a:defRPr b="0" baseline="0" cap="none" i="0" spc="0" strike="noStrike" sz="1800" u="none" kumimoji="0" normalizeH="0">
+          <a:defRPr kumimoji="0" sz="1800" b="0" i="0" u="none" strike="noStrike" cap="none" spc="0" normalizeH="0" baseline="0">
             <a:ln>
               <a:noFill/>
             </a:ln>
@@ -8714,7 +8793,7 @@
           <a:buFontTx/>
           <a:buNone/>
           <a:tabLst/>
-          <a:defRPr b="0" baseline="0" cap="none" i="0" spc="0" strike="noStrike" sz="1800" u="none" kumimoji="0" normalizeH="0">
+          <a:defRPr kumimoji="0" sz="1800" b="0" i="0" u="none" strike="noStrike" cap="none" spc="0" normalizeH="0" baseline="0">
             <a:ln>
               <a:noFill/>
             </a:ln>
@@ -8740,7 +8819,7 @@
           <a:buFontTx/>
           <a:buNone/>
           <a:tabLst/>
-          <a:defRPr b="0" baseline="0" cap="none" i="0" spc="0" strike="noStrike" sz="1800" u="none" kumimoji="0" normalizeH="0">
+          <a:defRPr kumimoji="0" sz="1800" b="0" i="0" u="none" strike="noStrike" cap="none" spc="0" normalizeH="0" baseline="0">
             <a:ln>
               <a:noFill/>
             </a:ln>
@@ -8766,7 +8845,7 @@
           <a:buFontTx/>
           <a:buNone/>
           <a:tabLst/>
-          <a:defRPr b="0" baseline="0" cap="none" i="0" spc="0" strike="noStrike" sz="1800" u="none" kumimoji="0" normalizeH="0">
+          <a:defRPr kumimoji="0" sz="1800" b="0" i="0" u="none" strike="noStrike" cap="none" spc="0" normalizeH="0" baseline="0">
             <a:ln>
               <a:noFill/>
             </a:ln>
@@ -8792,7 +8871,7 @@
           <a:buFontTx/>
           <a:buNone/>
           <a:tabLst/>
-          <a:defRPr b="0" baseline="0" cap="none" i="0" spc="0" strike="noStrike" sz="1800" u="none" kumimoji="0" normalizeH="0">
+          <a:defRPr kumimoji="0" sz="1800" b="0" i="0" u="none" strike="noStrike" cap="none" spc="0" normalizeH="0" baseline="0">
             <a:ln>
               <a:noFill/>
             </a:ln>
@@ -8805,18 +8884,25 @@
         </a:lvl9pPr>
       </a:lstStyle>
       <a:style>
-        <a:lnRef idx="0"/>
-        <a:fillRef idx="0"/>
-        <a:effectRef idx="0"/>
+        <a:lnRef idx="0">
+          <a:scrgbClr r="0" g="0" b="0"/>
+        </a:lnRef>
+        <a:fillRef idx="0">
+          <a:scrgbClr r="0" g="0" b="0"/>
+        </a:fillRef>
+        <a:effectRef idx="0">
+          <a:scrgbClr r="0" g="0" b="0"/>
+        </a:effectRef>
         <a:fontRef idx="none"/>
       </a:style>
     </a:txDef>
   </a:objectDefaults>
+  <a:extraClrSchemeLst/>
 </a:theme>
 </file>
 
 <file path=ppt/theme/theme2.xml><?xml version="1.0" encoding="utf-8"?>
-<a:theme xmlns:a="http://schemas.openxmlformats.org/drawingml/2006/main" xmlns:r="http://schemas.openxmlformats.org/officeDocument/2006/relationships" name="Office">
+<a:theme xmlns:a="http://schemas.openxmlformats.org/drawingml/2006/main" name="Office">
   <a:themeElements>
     <a:clrScheme name="Office">
       <a:dk1>
@@ -9018,7 +9104,7 @@
         <a:effectLst/>
         <a:sp3d/>
       </a:spPr>
-      <a:bodyPr rot="0" spcFirstLastPara="1" vertOverflow="overflow" horzOverflow="overflow" vert="horz" wrap="square" lIns="45719" tIns="45719" rIns="45719" bIns="45719" numCol="1" spcCol="38100" rtlCol="0" anchor="ctr" upright="0">
+      <a:bodyPr rot="0" spcFirstLastPara="1" vertOverflow="overflow" horzOverflow="overflow" vert="horz" wrap="square" lIns="45719" tIns="45719" rIns="45719" bIns="45719" numCol="1" spcCol="38100" rtlCol="0" anchor="ctr">
         <a:spAutoFit/>
       </a:bodyPr>
       <a:lstStyle>
@@ -9037,7 +9123,7 @@
           <a:buFontTx/>
           <a:buNone/>
           <a:tabLst/>
-          <a:defRPr b="0" baseline="0" cap="none" i="0" spc="0" strike="noStrike" sz="1800" u="none" kumimoji="0" normalizeH="0">
+          <a:defRPr kumimoji="0" sz="1800" b="0" i="0" u="none" strike="noStrike" cap="none" spc="0" normalizeH="0" baseline="0">
             <a:ln>
               <a:noFill/>
             </a:ln>
@@ -9067,7 +9153,7 @@
           <a:buFontTx/>
           <a:buNone/>
           <a:tabLst/>
-          <a:defRPr b="0" baseline="0" cap="none" i="0" spc="0" strike="noStrike" sz="1800" u="none" kumimoji="0" normalizeH="0">
+          <a:defRPr kumimoji="0" sz="1800" b="0" i="0" u="none" strike="noStrike" cap="none" spc="0" normalizeH="0" baseline="0">
             <a:ln>
               <a:noFill/>
             </a:ln>
@@ -9093,7 +9179,7 @@
           <a:buFontTx/>
           <a:buNone/>
           <a:tabLst/>
-          <a:defRPr b="0" baseline="0" cap="none" i="0" spc="0" strike="noStrike" sz="1800" u="none" kumimoji="0" normalizeH="0">
+          <a:defRPr kumimoji="0" sz="1800" b="0" i="0" u="none" strike="noStrike" cap="none" spc="0" normalizeH="0" baseline="0">
             <a:ln>
               <a:noFill/>
             </a:ln>
@@ -9119,7 +9205,7 @@
           <a:buFontTx/>
           <a:buNone/>
           <a:tabLst/>
-          <a:defRPr b="0" baseline="0" cap="none" i="0" spc="0" strike="noStrike" sz="1800" u="none" kumimoji="0" normalizeH="0">
+          <a:defRPr kumimoji="0" sz="1800" b="0" i="0" u="none" strike="noStrike" cap="none" spc="0" normalizeH="0" baseline="0">
             <a:ln>
               <a:noFill/>
             </a:ln>
@@ -9145,7 +9231,7 @@
           <a:buFontTx/>
           <a:buNone/>
           <a:tabLst/>
-          <a:defRPr b="0" baseline="0" cap="none" i="0" spc="0" strike="noStrike" sz="1800" u="none" kumimoji="0" normalizeH="0">
+          <a:defRPr kumimoji="0" sz="1800" b="0" i="0" u="none" strike="noStrike" cap="none" spc="0" normalizeH="0" baseline="0">
             <a:ln>
               <a:noFill/>
             </a:ln>
@@ -9171,7 +9257,7 @@
           <a:buFontTx/>
           <a:buNone/>
           <a:tabLst/>
-          <a:defRPr b="0" baseline="0" cap="none" i="0" spc="0" strike="noStrike" sz="1800" u="none" kumimoji="0" normalizeH="0">
+          <a:defRPr kumimoji="0" sz="1800" b="0" i="0" u="none" strike="noStrike" cap="none" spc="0" normalizeH="0" baseline="0">
             <a:ln>
               <a:noFill/>
             </a:ln>
@@ -9197,7 +9283,7 @@
           <a:buFontTx/>
           <a:buNone/>
           <a:tabLst/>
-          <a:defRPr b="0" baseline="0" cap="none" i="0" spc="0" strike="noStrike" sz="1800" u="none" kumimoji="0" normalizeH="0">
+          <a:defRPr kumimoji="0" sz="1800" b="0" i="0" u="none" strike="noStrike" cap="none" spc="0" normalizeH="0" baseline="0">
             <a:ln>
               <a:noFill/>
             </a:ln>
@@ -9223,7 +9309,7 @@
           <a:buFontTx/>
           <a:buNone/>
           <a:tabLst/>
-          <a:defRPr b="0" baseline="0" cap="none" i="0" spc="0" strike="noStrike" sz="1800" u="none" kumimoji="0" normalizeH="0">
+          <a:defRPr kumimoji="0" sz="1800" b="0" i="0" u="none" strike="noStrike" cap="none" spc="0" normalizeH="0" baseline="0">
             <a:ln>
               <a:noFill/>
             </a:ln>
@@ -9249,7 +9335,7 @@
           <a:buFontTx/>
           <a:buNone/>
           <a:tabLst/>
-          <a:defRPr b="0" baseline="0" cap="none" i="0" spc="0" strike="noStrike" sz="1800" u="none" kumimoji="0" normalizeH="0">
+          <a:defRPr kumimoji="0" sz="1800" b="0" i="0" u="none" strike="noStrike" cap="none" spc="0" normalizeH="0" baseline="0">
             <a:ln>
               <a:noFill/>
             </a:ln>
@@ -9275,7 +9361,7 @@
           <a:buFontTx/>
           <a:buNone/>
           <a:tabLst/>
-          <a:defRPr b="0" baseline="0" cap="none" i="0" spc="0" strike="noStrike" sz="1800" u="none" kumimoji="0" normalizeH="0">
+          <a:defRPr kumimoji="0" sz="1800" b="0" i="0" u="none" strike="noStrike" cap="none" spc="0" normalizeH="0" baseline="0">
             <a:ln>
               <a:noFill/>
             </a:ln>
@@ -9288,9 +9374,15 @@
         </a:lvl9pPr>
       </a:lstStyle>
       <a:style>
-        <a:lnRef idx="0"/>
-        <a:fillRef idx="0"/>
-        <a:effectRef idx="0"/>
+        <a:lnRef idx="0">
+          <a:scrgbClr r="0" g="0" b="0"/>
+        </a:lnRef>
+        <a:fillRef idx="0">
+          <a:scrgbClr r="0" g="0" b="0"/>
+        </a:fillRef>
+        <a:effectRef idx="0">
+          <a:scrgbClr r="0" g="0" b="0"/>
+        </a:effectRef>
         <a:fontRef idx="none"/>
       </a:style>
     </a:spDef>
@@ -9307,7 +9399,7 @@
         <a:effectLst/>
         <a:sp3d/>
       </a:spPr>
-      <a:bodyPr rot="0" spcFirstLastPara="1" vertOverflow="overflow" horzOverflow="overflow" vert="horz" wrap="square" lIns="91439" tIns="45719" rIns="91439" bIns="45719" numCol="1" spcCol="38100" rtlCol="0" anchor="t" upright="0">
+      <a:bodyPr rot="0" spcFirstLastPara="1" vertOverflow="overflow" horzOverflow="overflow" vert="horz" wrap="square" lIns="91439" tIns="45719" rIns="91439" bIns="45719" numCol="1" spcCol="38100" rtlCol="0" anchor="t">
         <a:noAutofit/>
       </a:bodyPr>
       <a:lstStyle>
@@ -9326,7 +9418,7 @@
           <a:buFontTx/>
           <a:buNone/>
           <a:tabLst/>
-          <a:defRPr b="0" baseline="0" cap="none" i="0" spc="0" strike="noStrike" sz="1800" u="none" kumimoji="0" normalizeH="0">
+          <a:defRPr kumimoji="0" sz="1800" b="0" i="0" u="none" strike="noStrike" cap="none" spc="0" normalizeH="0" baseline="0">
             <a:ln>
               <a:noFill/>
             </a:ln>
@@ -9352,7 +9444,7 @@
           <a:buFontTx/>
           <a:buNone/>
           <a:tabLst/>
-          <a:defRPr b="0" baseline="0" cap="none" i="0" spc="0" strike="noStrike" sz="1800" u="none" kumimoji="0" normalizeH="0">
+          <a:defRPr kumimoji="0" sz="1800" b="0" i="0" u="none" strike="noStrike" cap="none" spc="0" normalizeH="0" baseline="0">
             <a:ln>
               <a:noFill/>
             </a:ln>
@@ -9378,7 +9470,7 @@
           <a:buFontTx/>
           <a:buNone/>
           <a:tabLst/>
-          <a:defRPr b="0" baseline="0" cap="none" i="0" spc="0" strike="noStrike" sz="1800" u="none" kumimoji="0" normalizeH="0">
+          <a:defRPr kumimoji="0" sz="1800" b="0" i="0" u="none" strike="noStrike" cap="none" spc="0" normalizeH="0" baseline="0">
             <a:ln>
               <a:noFill/>
             </a:ln>
@@ -9404,7 +9496,7 @@
           <a:buFontTx/>
           <a:buNone/>
           <a:tabLst/>
-          <a:defRPr b="0" baseline="0" cap="none" i="0" spc="0" strike="noStrike" sz="1800" u="none" kumimoji="0" normalizeH="0">
+          <a:defRPr kumimoji="0" sz="1800" b="0" i="0" u="none" strike="noStrike" cap="none" spc="0" normalizeH="0" baseline="0">
             <a:ln>
               <a:noFill/>
             </a:ln>
@@ -9430,7 +9522,7 @@
           <a:buFontTx/>
           <a:buNone/>
           <a:tabLst/>
-          <a:defRPr b="0" baseline="0" cap="none" i="0" spc="0" strike="noStrike" sz="1800" u="none" kumimoji="0" normalizeH="0">
+          <a:defRPr kumimoji="0" sz="1800" b="0" i="0" u="none" strike="noStrike" cap="none" spc="0" normalizeH="0" baseline="0">
             <a:ln>
               <a:noFill/>
             </a:ln>
@@ -9456,7 +9548,7 @@
           <a:buFontTx/>
           <a:buNone/>
           <a:tabLst/>
-          <a:defRPr b="0" baseline="0" cap="none" i="0" spc="0" strike="noStrike" sz="1800" u="none" kumimoji="0" normalizeH="0">
+          <a:defRPr kumimoji="0" sz="1800" b="0" i="0" u="none" strike="noStrike" cap="none" spc="0" normalizeH="0" baseline="0">
             <a:ln>
               <a:noFill/>
             </a:ln>
@@ -9482,7 +9574,7 @@
           <a:buFontTx/>
           <a:buNone/>
           <a:tabLst/>
-          <a:defRPr b="0" baseline="0" cap="none" i="0" spc="0" strike="noStrike" sz="1800" u="none" kumimoji="0" normalizeH="0">
+          <a:defRPr kumimoji="0" sz="1800" b="0" i="0" u="none" strike="noStrike" cap="none" spc="0" normalizeH="0" baseline="0">
             <a:ln>
               <a:noFill/>
             </a:ln>
@@ -9508,7 +9600,7 @@
           <a:buFontTx/>
           <a:buNone/>
           <a:tabLst/>
-          <a:defRPr b="0" baseline="0" cap="none" i="0" spc="0" strike="noStrike" sz="1800" u="none" kumimoji="0" normalizeH="0">
+          <a:defRPr kumimoji="0" sz="1800" b="0" i="0" u="none" strike="noStrike" cap="none" spc="0" normalizeH="0" baseline="0">
             <a:ln>
               <a:noFill/>
             </a:ln>
@@ -9534,7 +9626,7 @@
           <a:buFontTx/>
           <a:buNone/>
           <a:tabLst/>
-          <a:defRPr b="0" baseline="0" cap="none" i="0" spc="0" strike="noStrike" sz="1800" u="none" kumimoji="0" normalizeH="0">
+          <a:defRPr kumimoji="0" sz="1800" b="0" i="0" u="none" strike="noStrike" cap="none" spc="0" normalizeH="0" baseline="0">
             <a:ln>
               <a:noFill/>
             </a:ln>
@@ -9560,7 +9652,7 @@
           <a:buFontTx/>
           <a:buNone/>
           <a:tabLst/>
-          <a:defRPr b="0" baseline="0" cap="none" i="0" spc="0" strike="noStrike" sz="1800" u="none" kumimoji="0" normalizeH="0">
+          <a:defRPr kumimoji="0" sz="1800" b="0" i="0" u="none" strike="noStrike" cap="none" spc="0" normalizeH="0" baseline="0">
             <a:ln>
               <a:noFill/>
             </a:ln>
@@ -9573,9 +9665,15 @@
         </a:lvl9pPr>
       </a:lstStyle>
       <a:style>
-        <a:lnRef idx="0"/>
-        <a:fillRef idx="0"/>
-        <a:effectRef idx="0"/>
+        <a:lnRef idx="0">
+          <a:scrgbClr r="0" g="0" b="0"/>
+        </a:lnRef>
+        <a:fillRef idx="0">
+          <a:scrgbClr r="0" g="0" b="0"/>
+        </a:fillRef>
+        <a:effectRef idx="0">
+          <a:scrgbClr r="0" g="0" b="0"/>
+        </a:effectRef>
         <a:fontRef idx="none"/>
       </a:style>
     </a:lnDef>
@@ -9589,7 +9687,7 @@
         <a:effectLst/>
         <a:sp3d/>
       </a:spPr>
-      <a:bodyPr rot="0" spcFirstLastPara="1" vertOverflow="overflow" horzOverflow="overflow" vert="horz" wrap="square" lIns="45719" tIns="45719" rIns="45719" bIns="45719" numCol="1" spcCol="38100" rtlCol="0" anchor="t" upright="0">
+      <a:bodyPr rot="0" spcFirstLastPara="1" vertOverflow="overflow" horzOverflow="overflow" vert="horz" wrap="square" lIns="45719" tIns="45719" rIns="45719" bIns="45719" numCol="1" spcCol="38100" rtlCol="0" anchor="t">
         <a:spAutoFit/>
       </a:bodyPr>
       <a:lstStyle>
@@ -9608,7 +9706,7 @@
           <a:buFontTx/>
           <a:buNone/>
           <a:tabLst/>
-          <a:defRPr b="0" baseline="0" cap="none" i="0" spc="0" strike="noStrike" sz="1800" u="none" kumimoji="0" normalizeH="0">
+          <a:defRPr kumimoji="0" sz="1800" b="0" i="0" u="none" strike="noStrike" cap="none" spc="0" normalizeH="0" baseline="0">
             <a:ln>
               <a:noFill/>
             </a:ln>
@@ -9638,7 +9736,7 @@
           <a:buFontTx/>
           <a:buNone/>
           <a:tabLst/>
-          <a:defRPr b="0" baseline="0" cap="none" i="0" spc="0" strike="noStrike" sz="1800" u="none" kumimoji="0" normalizeH="0">
+          <a:defRPr kumimoji="0" sz="1800" b="0" i="0" u="none" strike="noStrike" cap="none" spc="0" normalizeH="0" baseline="0">
             <a:ln>
               <a:noFill/>
             </a:ln>
@@ -9664,7 +9762,7 @@
           <a:buFontTx/>
           <a:buNone/>
           <a:tabLst/>
-          <a:defRPr b="0" baseline="0" cap="none" i="0" spc="0" strike="noStrike" sz="1800" u="none" kumimoji="0" normalizeH="0">
+          <a:defRPr kumimoji="0" sz="1800" b="0" i="0" u="none" strike="noStrike" cap="none" spc="0" normalizeH="0" baseline="0">
             <a:ln>
               <a:noFill/>
             </a:ln>
@@ -9690,7 +9788,7 @@
           <a:buFontTx/>
           <a:buNone/>
           <a:tabLst/>
-          <a:defRPr b="0" baseline="0" cap="none" i="0" spc="0" strike="noStrike" sz="1800" u="none" kumimoji="0" normalizeH="0">
+          <a:defRPr kumimoji="0" sz="1800" b="0" i="0" u="none" strike="noStrike" cap="none" spc="0" normalizeH="0" baseline="0">
             <a:ln>
               <a:noFill/>
             </a:ln>
@@ -9716,7 +9814,7 @@
           <a:buFontTx/>
           <a:buNone/>
           <a:tabLst/>
-          <a:defRPr b="0" baseline="0" cap="none" i="0" spc="0" strike="noStrike" sz="1800" u="none" kumimoji="0" normalizeH="0">
+          <a:defRPr kumimoji="0" sz="1800" b="0" i="0" u="none" strike="noStrike" cap="none" spc="0" normalizeH="0" baseline="0">
             <a:ln>
               <a:noFill/>
             </a:ln>
@@ -9742,7 +9840,7 @@
           <a:buFontTx/>
           <a:buNone/>
           <a:tabLst/>
-          <a:defRPr b="0" baseline="0" cap="none" i="0" spc="0" strike="noStrike" sz="1800" u="none" kumimoji="0" normalizeH="0">
+          <a:defRPr kumimoji="0" sz="1800" b="0" i="0" u="none" strike="noStrike" cap="none" spc="0" normalizeH="0" baseline="0">
             <a:ln>
               <a:noFill/>
             </a:ln>
@@ -9768,7 +9866,7 @@
           <a:buFontTx/>
           <a:buNone/>
           <a:tabLst/>
-          <a:defRPr b="0" baseline="0" cap="none" i="0" spc="0" strike="noStrike" sz="1800" u="none" kumimoji="0" normalizeH="0">
+          <a:defRPr kumimoji="0" sz="1800" b="0" i="0" u="none" strike="noStrike" cap="none" spc="0" normalizeH="0" baseline="0">
             <a:ln>
               <a:noFill/>
             </a:ln>
@@ -9794,7 +9892,7 @@
           <a:buFontTx/>
           <a:buNone/>
           <a:tabLst/>
-          <a:defRPr b="0" baseline="0" cap="none" i="0" spc="0" strike="noStrike" sz="1800" u="none" kumimoji="0" normalizeH="0">
+          <a:defRPr kumimoji="0" sz="1800" b="0" i="0" u="none" strike="noStrike" cap="none" spc="0" normalizeH="0" baseline="0">
             <a:ln>
               <a:noFill/>
             </a:ln>
@@ -9820,7 +9918,7 @@
           <a:buFontTx/>
           <a:buNone/>
           <a:tabLst/>
-          <a:defRPr b="0" baseline="0" cap="none" i="0" spc="0" strike="noStrike" sz="1800" u="none" kumimoji="0" normalizeH="0">
+          <a:defRPr kumimoji="0" sz="1800" b="0" i="0" u="none" strike="noStrike" cap="none" spc="0" normalizeH="0" baseline="0">
             <a:ln>
               <a:noFill/>
             </a:ln>
@@ -9846,7 +9944,7 @@
           <a:buFontTx/>
           <a:buNone/>
           <a:tabLst/>
-          <a:defRPr b="0" baseline="0" cap="none" i="0" spc="0" strike="noStrike" sz="1800" u="none" kumimoji="0" normalizeH="0">
+          <a:defRPr kumimoji="0" sz="1800" b="0" i="0" u="none" strike="noStrike" cap="none" spc="0" normalizeH="0" baseline="0">
             <a:ln>
               <a:noFill/>
             </a:ln>
@@ -9859,12 +9957,279 @@
         </a:lvl9pPr>
       </a:lstStyle>
       <a:style>
-        <a:lnRef idx="0"/>
-        <a:fillRef idx="0"/>
-        <a:effectRef idx="0"/>
+        <a:lnRef idx="0">
+          <a:scrgbClr r="0" g="0" b="0"/>
+        </a:lnRef>
+        <a:fillRef idx="0">
+          <a:scrgbClr r="0" g="0" b="0"/>
+        </a:fillRef>
+        <a:effectRef idx="0">
+          <a:scrgbClr r="0" g="0" b="0"/>
+        </a:effectRef>
         <a:fontRef idx="none"/>
       </a:style>
     </a:txDef>
   </a:objectDefaults>
+  <a:extraClrSchemeLst/>
 </a:theme>
+</file>
+
+<file path=customXml/item1.xml><?xml version="1.0" encoding="utf-8"?>
+<ct:contentTypeSchema xmlns:ct="http://schemas.microsoft.com/office/2006/metadata/contentType" xmlns:ma="http://schemas.microsoft.com/office/2006/metadata/properties/metaAttributes" ct:_="" ma:_="" ma:contentTypeName="Dokument" ma:contentTypeID="0x010100836DE33932D0F24E842C157F715B2E5B" ma:contentTypeVersion="11" ma:contentTypeDescription="Ein neues Dokument erstellen." ma:contentTypeScope="" ma:versionID="0ea148e3290cae58b3d07c829d945fc7">
+  <xsd:schema xmlns:xsd="http://www.w3.org/2001/XMLSchema" xmlns:xs="http://www.w3.org/2001/XMLSchema" xmlns:p="http://schemas.microsoft.com/office/2006/metadata/properties" xmlns:ns3="1d38b0a5-d74c-4591-80fb-34595252c191" xmlns:ns4="6675a1e4-0069-481f-b17b-d0695efb8776" targetNamespace="http://schemas.microsoft.com/office/2006/metadata/properties" ma:root="true" ma:fieldsID="d6e3cbd67c96037582d40ca955ae4e20" ns3:_="" ns4:_="">
+    <xsd:import namespace="1d38b0a5-d74c-4591-80fb-34595252c191"/>
+    <xsd:import namespace="6675a1e4-0069-481f-b17b-d0695efb8776"/>
+    <xsd:element name="properties">
+      <xsd:complexType>
+        <xsd:sequence>
+          <xsd:element name="documentManagement">
+            <xsd:complexType>
+              <xsd:all>
+                <xsd:element ref="ns3:MediaServiceMetadata" minOccurs="0"/>
+                <xsd:element ref="ns3:MediaServiceFastMetadata" minOccurs="0"/>
+                <xsd:element ref="ns3:MediaServiceDateTaken" minOccurs="0"/>
+                <xsd:element ref="ns3:MediaServiceAutoTags" minOccurs="0"/>
+                <xsd:element ref="ns4:SharedWithUsers" minOccurs="0"/>
+                <xsd:element ref="ns4:SharedWithDetails" minOccurs="0"/>
+                <xsd:element ref="ns4:SharingHintHash" minOccurs="0"/>
+                <xsd:element ref="ns3:MediaServiceLocation" minOccurs="0"/>
+                <xsd:element ref="ns3:MediaServiceOCR" minOccurs="0"/>
+                <xsd:element ref="ns3:MediaServiceEventHashCode" minOccurs="0"/>
+                <xsd:element ref="ns3:MediaServiceGenerationTime" minOccurs="0"/>
+              </xsd:all>
+            </xsd:complexType>
+          </xsd:element>
+        </xsd:sequence>
+      </xsd:complexType>
+    </xsd:element>
+  </xsd:schema>
+  <xsd:schema xmlns:xsd="http://www.w3.org/2001/XMLSchema" xmlns:xs="http://www.w3.org/2001/XMLSchema" xmlns:dms="http://schemas.microsoft.com/office/2006/documentManagement/types" xmlns:pc="http://schemas.microsoft.com/office/infopath/2007/PartnerControls" targetNamespace="1d38b0a5-d74c-4591-80fb-34595252c191" elementFormDefault="qualified">
+    <xsd:import namespace="http://schemas.microsoft.com/office/2006/documentManagement/types"/>
+    <xsd:import namespace="http://schemas.microsoft.com/office/infopath/2007/PartnerControls"/>
+    <xsd:element name="MediaServiceMetadata" ma:index="8" nillable="true" ma:displayName="MediaServiceMetadata" ma:description="" ma:hidden="true" ma:internalName="MediaServiceMetadata" ma:readOnly="true">
+      <xsd:simpleType>
+        <xsd:restriction base="dms:Note"/>
+      </xsd:simpleType>
+    </xsd:element>
+    <xsd:element name="MediaServiceFastMetadata" ma:index="9" nillable="true" ma:displayName="MediaServiceFastMetadata" ma:description="" ma:hidden="true" ma:internalName="MediaServiceFastMetadata" ma:readOnly="true">
+      <xsd:simpleType>
+        <xsd:restriction base="dms:Note"/>
+      </xsd:simpleType>
+    </xsd:element>
+    <xsd:element name="MediaServiceDateTaken" ma:index="10" nillable="true" ma:displayName="MediaServiceDateTaken" ma:description="" ma:hidden="true" ma:internalName="MediaServiceDateTaken" ma:readOnly="true">
+      <xsd:simpleType>
+        <xsd:restriction base="dms:Text"/>
+      </xsd:simpleType>
+    </xsd:element>
+    <xsd:element name="MediaServiceAutoTags" ma:index="11" nillable="true" ma:displayName="MediaServiceAutoTags" ma:description="" ma:internalName="MediaServiceAutoTags" ma:readOnly="true">
+      <xsd:simpleType>
+        <xsd:restriction base="dms:Text"/>
+      </xsd:simpleType>
+    </xsd:element>
+    <xsd:element name="MediaServiceLocation" ma:index="15" nillable="true" ma:displayName="MediaServiceLocation" ma:description="" ma:internalName="MediaServiceLocation" ma:readOnly="true">
+      <xsd:simpleType>
+        <xsd:restriction base="dms:Text"/>
+      </xsd:simpleType>
+    </xsd:element>
+    <xsd:element name="MediaServiceOCR" ma:index="16" nillable="true" ma:displayName="MediaServiceOCR" ma:internalName="MediaServiceOCR" ma:readOnly="true">
+      <xsd:simpleType>
+        <xsd:restriction base="dms:Note">
+          <xsd:maxLength value="255"/>
+        </xsd:restriction>
+      </xsd:simpleType>
+    </xsd:element>
+    <xsd:element name="MediaServiceEventHashCode" ma:index="17" nillable="true" ma:displayName="MediaServiceEventHashCode" ma:hidden="true" ma:internalName="MediaServiceEventHashCode" ma:readOnly="true">
+      <xsd:simpleType>
+        <xsd:restriction base="dms:Text"/>
+      </xsd:simpleType>
+    </xsd:element>
+    <xsd:element name="MediaServiceGenerationTime" ma:index="18" nillable="true" ma:displayName="MediaServiceGenerationTime" ma:hidden="true" ma:internalName="MediaServiceGenerationTime" ma:readOnly="true">
+      <xsd:simpleType>
+        <xsd:restriction base="dms:Text"/>
+      </xsd:simpleType>
+    </xsd:element>
+  </xsd:schema>
+  <xsd:schema xmlns:xsd="http://www.w3.org/2001/XMLSchema" xmlns:xs="http://www.w3.org/2001/XMLSchema" xmlns:dms="http://schemas.microsoft.com/office/2006/documentManagement/types" xmlns:pc="http://schemas.microsoft.com/office/infopath/2007/PartnerControls" targetNamespace="6675a1e4-0069-481f-b17b-d0695efb8776" elementFormDefault="qualified">
+    <xsd:import namespace="http://schemas.microsoft.com/office/2006/documentManagement/types"/>
+    <xsd:import namespace="http://schemas.microsoft.com/office/infopath/2007/PartnerControls"/>
+    <xsd:element name="SharedWithUsers" ma:index="12" nillable="true" ma:displayName="Freigegeben für" ma:description="" ma:internalName="SharedWithUsers" ma:readOnly="true">
+      <xsd:complexType>
+        <xsd:complexContent>
+          <xsd:extension base="dms:UserMulti">
+            <xsd:sequence>
+              <xsd:element name="UserInfo" minOccurs="0" maxOccurs="unbounded">
+                <xsd:complexType>
+                  <xsd:sequence>
+                    <xsd:element name="DisplayName" type="xsd:string" minOccurs="0"/>
+                    <xsd:element name="AccountId" type="dms:UserId" minOccurs="0" nillable="true"/>
+                    <xsd:element name="AccountType" type="xsd:string" minOccurs="0"/>
+                  </xsd:sequence>
+                </xsd:complexType>
+              </xsd:element>
+            </xsd:sequence>
+          </xsd:extension>
+        </xsd:complexContent>
+      </xsd:complexType>
+    </xsd:element>
+    <xsd:element name="SharedWithDetails" ma:index="13" nillable="true" ma:displayName="Freigegeben für - Details" ma:description="" ma:internalName="SharedWithDetails" ma:readOnly="true">
+      <xsd:simpleType>
+        <xsd:restriction base="dms:Note">
+          <xsd:maxLength value="255"/>
+        </xsd:restriction>
+      </xsd:simpleType>
+    </xsd:element>
+    <xsd:element name="SharingHintHash" ma:index="14" nillable="true" ma:displayName="Freigabehinweishash" ma:description="" ma:hidden="true" ma:internalName="SharingHintHash" ma:readOnly="true">
+      <xsd:simpleType>
+        <xsd:restriction base="dms:Text"/>
+      </xsd:simpleType>
+    </xsd:element>
+  </xsd:schema>
+  <xsd:schema xmlns="http://schemas.openxmlformats.org/package/2006/metadata/core-properties" xmlns:xsd="http://www.w3.org/2001/XMLSchema" xmlns:xsi="http://www.w3.org/2001/XMLSchema-instance" xmlns:dc="http://purl.org/dc/elements/1.1/" xmlns:dcterms="http://purl.org/dc/terms/" xmlns:odoc="http://schemas.microsoft.com/internal/obd" targetNamespace="http://schemas.openxmlformats.org/package/2006/metadata/core-properties" elementFormDefault="qualified" attributeFormDefault="unqualified" blockDefault="#all">
+    <xsd:import namespace="http://purl.org/dc/elements/1.1/" schemaLocation="http://dublincore.org/schemas/xmls/qdc/2003/04/02/dc.xsd"/>
+    <xsd:import namespace="http://purl.org/dc/terms/" schemaLocation="http://dublincore.org/schemas/xmls/qdc/2003/04/02/dcterms.xsd"/>
+    <xsd:element name="coreProperties" type="CT_coreProperties"/>
+    <xsd:complexType name="CT_coreProperties">
+      <xsd:all>
+        <xsd:element ref="dc:creator" minOccurs="0" maxOccurs="1"/>
+        <xsd:element ref="dcterms:created" minOccurs="0" maxOccurs="1"/>
+        <xsd:element ref="dc:identifier" minOccurs="0" maxOccurs="1"/>
+        <xsd:element name="contentType" minOccurs="0" maxOccurs="1" type="xsd:string" ma:index="0" ma:displayName="Inhaltstyp"/>
+        <xsd:element ref="dc:title" minOccurs="0" maxOccurs="1" ma:index="4" ma:displayName="Titel"/>
+        <xsd:element ref="dc:subject" minOccurs="0" maxOccurs="1"/>
+        <xsd:element ref="dc:description" minOccurs="0" maxOccurs="1"/>
+        <xsd:element name="keywords" minOccurs="0" maxOccurs="1" type="xsd:string"/>
+        <xsd:element ref="dc:language" minOccurs="0" maxOccurs="1"/>
+        <xsd:element name="category" minOccurs="0" maxOccurs="1" type="xsd:string"/>
+        <xsd:element name="version" minOccurs="0" maxOccurs="1" type="xsd:string"/>
+        <xsd:element name="revision" minOccurs="0" maxOccurs="1" type="xsd:string">
+          <xsd:annotation>
+            <xsd:documentation>
+                        This value indicates the number of saves or revisions. The application is responsible for updating this value after each revision.
+                    </xsd:documentation>
+          </xsd:annotation>
+        </xsd:element>
+        <xsd:element name="lastModifiedBy" minOccurs="0" maxOccurs="1" type="xsd:string"/>
+        <xsd:element ref="dcterms:modified" minOccurs="0" maxOccurs="1"/>
+        <xsd:element name="contentStatus" minOccurs="0" maxOccurs="1" type="xsd:string"/>
+      </xsd:all>
+    </xsd:complexType>
+  </xsd:schema>
+  <xs:schema xmlns:pc="http://schemas.microsoft.com/office/infopath/2007/PartnerControls" xmlns:xs="http://www.w3.org/2001/XMLSchema" targetNamespace="http://schemas.microsoft.com/office/infopath/2007/PartnerControls" elementFormDefault="qualified" attributeFormDefault="unqualified">
+    <xs:element name="Person">
+      <xs:complexType>
+        <xs:sequence>
+          <xs:element ref="pc:DisplayName" minOccurs="0"/>
+          <xs:element ref="pc:AccountId" minOccurs="0"/>
+          <xs:element ref="pc:AccountType" minOccurs="0"/>
+        </xs:sequence>
+      </xs:complexType>
+    </xs:element>
+    <xs:element name="DisplayName" type="xs:string"/>
+    <xs:element name="AccountId" type="xs:string"/>
+    <xs:element name="AccountType" type="xs:string"/>
+    <xs:element name="BDCAssociatedEntity">
+      <xs:complexType>
+        <xs:sequence>
+          <xs:element ref="pc:BDCEntity" minOccurs="0" maxOccurs="unbounded"/>
+        </xs:sequence>
+        <xs:attribute ref="pc:EntityNamespace"/>
+        <xs:attribute ref="pc:EntityName"/>
+        <xs:attribute ref="pc:SystemInstanceName"/>
+        <xs:attribute ref="pc:AssociationName"/>
+      </xs:complexType>
+    </xs:element>
+    <xs:attribute name="EntityNamespace" type="xs:string"/>
+    <xs:attribute name="EntityName" type="xs:string"/>
+    <xs:attribute name="SystemInstanceName" type="xs:string"/>
+    <xs:attribute name="AssociationName" type="xs:string"/>
+    <xs:element name="BDCEntity">
+      <xs:complexType>
+        <xs:sequence>
+          <xs:element ref="pc:EntityDisplayName" minOccurs="0"/>
+          <xs:element ref="pc:EntityInstanceReference" minOccurs="0"/>
+          <xs:element ref="pc:EntityId1" minOccurs="0"/>
+          <xs:element ref="pc:EntityId2" minOccurs="0"/>
+          <xs:element ref="pc:EntityId3" minOccurs="0"/>
+          <xs:element ref="pc:EntityId4" minOccurs="0"/>
+          <xs:element ref="pc:EntityId5" minOccurs="0"/>
+        </xs:sequence>
+      </xs:complexType>
+    </xs:element>
+    <xs:element name="EntityDisplayName" type="xs:string"/>
+    <xs:element name="EntityInstanceReference" type="xs:string"/>
+    <xs:element name="EntityId1" type="xs:string"/>
+    <xs:element name="EntityId2" type="xs:string"/>
+    <xs:element name="EntityId3" type="xs:string"/>
+    <xs:element name="EntityId4" type="xs:string"/>
+    <xs:element name="EntityId5" type="xs:string"/>
+    <xs:element name="Terms">
+      <xs:complexType>
+        <xs:sequence>
+          <xs:element ref="pc:TermInfo" minOccurs="0" maxOccurs="unbounded"/>
+        </xs:sequence>
+      </xs:complexType>
+    </xs:element>
+    <xs:element name="TermInfo">
+      <xs:complexType>
+        <xs:sequence>
+          <xs:element ref="pc:TermName" minOccurs="0"/>
+          <xs:element ref="pc:TermId" minOccurs="0"/>
+        </xs:sequence>
+      </xs:complexType>
+    </xs:element>
+    <xs:element name="TermName" type="xs:string"/>
+    <xs:element name="TermId" type="xs:string"/>
+  </xs:schema>
+</ct:contentTypeSchema>
+</file>
+
+<file path=customXml/item2.xml><?xml version="1.0" encoding="utf-8"?>
+<?mso-contentType ?>
+<FormTemplates xmlns="http://schemas.microsoft.com/sharepoint/v3/contenttype/forms">
+  <Display>DocumentLibraryForm</Display>
+  <Edit>DocumentLibraryForm</Edit>
+  <New>DocumentLibraryForm</New>
+</FormTemplates>
+</file>
+
+<file path=customXml/item3.xml><?xml version="1.0" encoding="utf-8"?>
+<p:properties xmlns:p="http://schemas.microsoft.com/office/2006/metadata/properties" xmlns:xsi="http://www.w3.org/2001/XMLSchema-instance" xmlns:pc="http://schemas.microsoft.com/office/infopath/2007/PartnerControls">
+  <documentManagement/>
+</p:properties>
+</file>
+
+<file path=customXml/itemProps1.xml><?xml version="1.0" encoding="utf-8"?>
+<ds:datastoreItem xmlns:ds="http://schemas.openxmlformats.org/officeDocument/2006/customXml" ds:itemID="{A2D8CB35-6A4B-4783-9E90-2407BE9F9B09}">
+  <ds:schemaRefs>
+    <ds:schemaRef ds:uri="http://schemas.microsoft.com/office/2006/metadata/contentType"/>
+    <ds:schemaRef ds:uri="http://schemas.microsoft.com/office/2006/metadata/properties/metaAttributes"/>
+    <ds:schemaRef ds:uri="http://www.w3.org/2001/XMLSchema"/>
+    <ds:schemaRef ds:uri="http://schemas.microsoft.com/office/2006/metadata/properties"/>
+    <ds:schemaRef ds:uri="1d38b0a5-d74c-4591-80fb-34595252c191"/>
+    <ds:schemaRef ds:uri="6675a1e4-0069-481f-b17b-d0695efb8776"/>
+    <ds:schemaRef ds:uri="http://schemas.microsoft.com/office/2006/documentManagement/types"/>
+    <ds:schemaRef ds:uri="http://schemas.microsoft.com/office/infopath/2007/PartnerControls"/>
+    <ds:schemaRef ds:uri="http://schemas.openxmlformats.org/package/2006/metadata/core-properties"/>
+    <ds:schemaRef ds:uri="http://purl.org/dc/elements/1.1/"/>
+    <ds:schemaRef ds:uri="http://purl.org/dc/terms/"/>
+    <ds:schemaRef ds:uri="http://schemas.microsoft.com/internal/obd"/>
+  </ds:schemaRefs>
+</ds:datastoreItem>
+</file>
+
+<file path=customXml/itemProps2.xml><?xml version="1.0" encoding="utf-8"?>
+<ds:datastoreItem xmlns:ds="http://schemas.openxmlformats.org/officeDocument/2006/customXml" ds:itemID="{61B2E154-4871-41CB-8D94-240291C5BBB4}">
+  <ds:schemaRefs>
+    <ds:schemaRef ds:uri="http://schemas.microsoft.com/sharepoint/v3/contenttype/forms"/>
+  </ds:schemaRefs>
+</ds:datastoreItem>
+</file>
+
+<file path=customXml/itemProps3.xml><?xml version="1.0" encoding="utf-8"?>
+<ds:datastoreItem xmlns:ds="http://schemas.openxmlformats.org/officeDocument/2006/customXml" ds:itemID="{FEE74C38-843A-48FA-BF0A-181E651591D1}">
+  <ds:schemaRefs>
+    <ds:schemaRef ds:uri="http://schemas.microsoft.com/office/2006/metadata/properties"/>
+    <ds:schemaRef ds:uri="http://schemas.microsoft.com/office/infopath/2007/PartnerControls"/>
+  </ds:schemaRefs>
+</ds:datastoreItem>
 </file>
--- a/Presentation Fire.pptx
+++ b/Presentation Fire.pptx
@@ -5,7 +5,7 @@
     <p:sldMasterId id="2147483648" r:id="rId4"/>
   </p:sldMasterIdLst>
   <p:notesMasterIdLst>
-    <p:notesMasterId r:id="rId25"/>
+    <p:notesMasterId r:id="rId24"/>
   </p:notesMasterIdLst>
   <p:sldIdLst>
     <p:sldId id="256" r:id="rId5"/>
@@ -15,22 +15,24 @@
     <p:sldId id="260" r:id="rId9"/>
     <p:sldId id="261" r:id="rId10"/>
     <p:sldId id="262" r:id="rId11"/>
-    <p:sldId id="263" r:id="rId12"/>
-    <p:sldId id="264" r:id="rId13"/>
-    <p:sldId id="265" r:id="rId14"/>
-    <p:sldId id="266" r:id="rId15"/>
-    <p:sldId id="267" r:id="rId16"/>
-    <p:sldId id="268" r:id="rId17"/>
-    <p:sldId id="269" r:id="rId18"/>
-    <p:sldId id="270" r:id="rId19"/>
-    <p:sldId id="271" r:id="rId20"/>
-    <p:sldId id="272" r:id="rId21"/>
-    <p:sldId id="273" r:id="rId22"/>
-    <p:sldId id="274" r:id="rId23"/>
-    <p:sldId id="275" r:id="rId24"/>
+    <p:sldId id="265" r:id="rId12"/>
+    <p:sldId id="266" r:id="rId13"/>
+    <p:sldId id="267" r:id="rId14"/>
+    <p:sldId id="268" r:id="rId15"/>
+    <p:sldId id="269" r:id="rId16"/>
+    <p:sldId id="270" r:id="rId17"/>
+    <p:sldId id="271" r:id="rId18"/>
+    <p:sldId id="272" r:id="rId19"/>
+    <p:sldId id="273" r:id="rId20"/>
+    <p:sldId id="274" r:id="rId21"/>
+    <p:sldId id="275" r:id="rId22"/>
+    <p:sldId id="263" r:id="rId23"/>
   </p:sldIdLst>
   <p:sldSz cx="12192000" cy="6858000"/>
   <p:notesSz cx="6858000" cy="9144000"/>
+  <p:custDataLst>
+    <p:tags r:id="rId25"/>
+  </p:custDataLst>
   <p:defaultTextStyle>
     <a:defPPr marL="0" marR="0" indent="0" algn="l" defTabSz="914400" rtl="0" fontAlgn="auto" latinLnBrk="1" hangingPunct="0">
       <a:lnSpc>
@@ -329,7 +331,296 @@
       </a:defRPr>
     </a:lvl9pPr>
   </p:defaultTextStyle>
+  <p:extLst>
+    <p:ext uri="{EFAFB233-063F-42B5-8137-9DF3F51BA10A}">
+      <p15:sldGuideLst xmlns:p15="http://schemas.microsoft.com/office/powerpoint/2012/main"/>
+    </p:ext>
+  </p:extLst>
 </p:presentation>
+</file>
+
+<file path=ppt/revisionInfo.xml><?xml version="1.0" encoding="utf-8"?>
+<p1510:revInfo xmlns:a="http://schemas.openxmlformats.org/drawingml/2006/main" xmlns:r="http://schemas.openxmlformats.org/officeDocument/2006/relationships" xmlns:p1510="http://schemas.microsoft.com/office/powerpoint/2015/10/main">
+  <p1510:revLst>
+    <p1510:client id="{832D3F30-ABDB-4B43-9A4F-FE75FCDEAE75}" v="55" dt="2020-10-09T07:32:44.191"/>
+  </p1510:revLst>
+</p1510:revInfo>
+</file>
+
+<file path=ppt/changesInfos/changesInfo1.xml><?xml version="1.0" encoding="utf-8"?>
+<pc:chgInfo xmlns:a="http://schemas.openxmlformats.org/drawingml/2006/main" xmlns:r="http://schemas.openxmlformats.org/officeDocument/2006/relationships" xmlns:ac="http://schemas.microsoft.com/office/drawing/2013/main/command" xmlns:pc="http://schemas.microsoft.com/office/powerpoint/2013/main/command">
+  <pc:docChgLst>
+    <pc:chgData name="Eckert, Peter" userId="04e50364-1ac6-468d-8340-c574f3737480" providerId="ADAL" clId="{832D3F30-ABDB-4B43-9A4F-FE75FCDEAE75}"/>
+    <pc:docChg chg="undo custSel addSld delSld modSld sldOrd modMainMaster">
+      <pc:chgData name="Eckert, Peter" userId="04e50364-1ac6-468d-8340-c574f3737480" providerId="ADAL" clId="{832D3F30-ABDB-4B43-9A4F-FE75FCDEAE75}" dt="2020-10-09T07:33:48.657" v="303" actId="1037"/>
+      <pc:docMkLst>
+        <pc:docMk/>
+      </pc:docMkLst>
+      <pc:sldChg chg="addSp modSp">
+        <pc:chgData name="Eckert, Peter" userId="04e50364-1ac6-468d-8340-c574f3737480" providerId="ADAL" clId="{832D3F30-ABDB-4B43-9A4F-FE75FCDEAE75}" dt="2020-10-09T07:13:05.958" v="36"/>
+        <pc:sldMkLst>
+          <pc:docMk/>
+          <pc:sldMk cId="0" sldId="256"/>
+        </pc:sldMkLst>
+        <pc:spChg chg="mod">
+          <ac:chgData name="Eckert, Peter" userId="04e50364-1ac6-468d-8340-c574f3737480" providerId="ADAL" clId="{832D3F30-ABDB-4B43-9A4F-FE75FCDEAE75}" dt="2020-10-09T07:13:05.444" v="34" actId="20577"/>
+          <ac:spMkLst>
+            <pc:docMk/>
+            <pc:sldMk cId="0" sldId="256"/>
+            <ac:spMk id="94" creationId="{00000000-0000-0000-0000-000000000000}"/>
+          </ac:spMkLst>
+        </pc:spChg>
+        <pc:graphicFrameChg chg="add mod ord modVis">
+          <ac:chgData name="Eckert, Peter" userId="04e50364-1ac6-468d-8340-c574f3737480" providerId="ADAL" clId="{832D3F30-ABDB-4B43-9A4F-FE75FCDEAE75}" dt="2020-10-09T07:13:05.958" v="36"/>
+          <ac:graphicFrameMkLst>
+            <pc:docMk/>
+            <pc:sldMk cId="0" sldId="256"/>
+            <ac:graphicFrameMk id="2" creationId="{57BF75AA-42D6-4753-8317-1EB6F22B938B}"/>
+          </ac:graphicFrameMkLst>
+        </pc:graphicFrameChg>
+      </pc:sldChg>
+      <pc:sldChg chg="modSp">
+        <pc:chgData name="Eckert, Peter" userId="04e50364-1ac6-468d-8340-c574f3737480" providerId="ADAL" clId="{832D3F30-ABDB-4B43-9A4F-FE75FCDEAE75}" dt="2020-10-09T07:19:54.543" v="50" actId="20577"/>
+        <pc:sldMkLst>
+          <pc:docMk/>
+          <pc:sldMk cId="0" sldId="261"/>
+        </pc:sldMkLst>
+        <pc:spChg chg="mod">
+          <ac:chgData name="Eckert, Peter" userId="04e50364-1ac6-468d-8340-c574f3737480" providerId="ADAL" clId="{832D3F30-ABDB-4B43-9A4F-FE75FCDEAE75}" dt="2020-10-09T07:19:54.543" v="50" actId="20577"/>
+          <ac:spMkLst>
+            <pc:docMk/>
+            <pc:sldMk cId="0" sldId="261"/>
+            <ac:spMk id="113" creationId="{00000000-0000-0000-0000-000000000000}"/>
+          </ac:spMkLst>
+        </pc:spChg>
+      </pc:sldChg>
+      <pc:sldChg chg="addSp delSp modSp">
+        <pc:chgData name="Eckert, Peter" userId="04e50364-1ac6-468d-8340-c574f3737480" providerId="ADAL" clId="{832D3F30-ABDB-4B43-9A4F-FE75FCDEAE75}" dt="2020-10-09T07:27:51.949" v="123" actId="478"/>
+        <pc:sldMkLst>
+          <pc:docMk/>
+          <pc:sldMk cId="0" sldId="262"/>
+        </pc:sldMkLst>
+        <pc:picChg chg="mod">
+          <ac:chgData name="Eckert, Peter" userId="04e50364-1ac6-468d-8340-c574f3737480" providerId="ADAL" clId="{832D3F30-ABDB-4B43-9A4F-FE75FCDEAE75}" dt="2020-10-09T07:27:38.134" v="122" actId="1038"/>
+          <ac:picMkLst>
+            <pc:docMk/>
+            <pc:sldMk cId="0" sldId="262"/>
+            <ac:picMk id="117" creationId="{00000000-0000-0000-0000-000000000000}"/>
+          </ac:picMkLst>
+        </pc:picChg>
+        <pc:cxnChg chg="add del">
+          <ac:chgData name="Eckert, Peter" userId="04e50364-1ac6-468d-8340-c574f3737480" providerId="ADAL" clId="{832D3F30-ABDB-4B43-9A4F-FE75FCDEAE75}" dt="2020-10-09T07:27:51.949" v="123" actId="478"/>
+          <ac:cxnSpMkLst>
+            <pc:docMk/>
+            <pc:sldMk cId="0" sldId="262"/>
+            <ac:cxnSpMk id="7" creationId="{C85F74D3-670D-4DD7-AC60-DB1B79C97EF9}"/>
+          </ac:cxnSpMkLst>
+        </pc:cxnChg>
+      </pc:sldChg>
+      <pc:sldChg chg="ord">
+        <pc:chgData name="Eckert, Peter" userId="04e50364-1ac6-468d-8340-c574f3737480" providerId="ADAL" clId="{832D3F30-ABDB-4B43-9A4F-FE75FCDEAE75}" dt="2020-10-09T07:32:44.191" v="207"/>
+        <pc:sldMkLst>
+          <pc:docMk/>
+          <pc:sldMk cId="0" sldId="263"/>
+        </pc:sldMkLst>
+      </pc:sldChg>
+      <pc:sldChg chg="addSp modSp del">
+        <pc:chgData name="Eckert, Peter" userId="04e50364-1ac6-468d-8340-c574f3737480" providerId="ADAL" clId="{832D3F30-ABDB-4B43-9A4F-FE75FCDEAE75}" dt="2020-10-09T07:30:47.313" v="152" actId="2696"/>
+        <pc:sldMkLst>
+          <pc:docMk/>
+          <pc:sldMk cId="0" sldId="264"/>
+        </pc:sldMkLst>
+        <pc:spChg chg="mod">
+          <ac:chgData name="Eckert, Peter" userId="04e50364-1ac6-468d-8340-c574f3737480" providerId="ADAL" clId="{832D3F30-ABDB-4B43-9A4F-FE75FCDEAE75}" dt="2020-10-09T07:29:19.346" v="148" actId="14100"/>
+          <ac:spMkLst>
+            <pc:docMk/>
+            <pc:sldMk cId="0" sldId="264"/>
+            <ac:spMk id="125" creationId="{00000000-0000-0000-0000-000000000000}"/>
+          </ac:spMkLst>
+        </pc:spChg>
+        <pc:spChg chg="mod">
+          <ac:chgData name="Eckert, Peter" userId="04e50364-1ac6-468d-8340-c574f3737480" providerId="ADAL" clId="{832D3F30-ABDB-4B43-9A4F-FE75FCDEAE75}" dt="2020-10-09T07:29:19.346" v="148" actId="14100"/>
+          <ac:spMkLst>
+            <pc:docMk/>
+            <pc:sldMk cId="0" sldId="264"/>
+            <ac:spMk id="128" creationId="{00000000-0000-0000-0000-000000000000}"/>
+          </ac:spMkLst>
+        </pc:spChg>
+        <pc:graphicFrameChg chg="add mod ord modVis">
+          <ac:chgData name="Eckert, Peter" userId="04e50364-1ac6-468d-8340-c574f3737480" providerId="ADAL" clId="{832D3F30-ABDB-4B43-9A4F-FE75FCDEAE75}" dt="2020-10-09T07:29:19.342" v="147" actId="14100"/>
+          <ac:graphicFrameMkLst>
+            <pc:docMk/>
+            <pc:sldMk cId="0" sldId="264"/>
+            <ac:graphicFrameMk id="3" creationId="{6FC69E77-1E93-46C0-BDF0-88A24E130F2A}"/>
+          </ac:graphicFrameMkLst>
+        </pc:graphicFrameChg>
+        <pc:picChg chg="mod">
+          <ac:chgData name="Eckert, Peter" userId="04e50364-1ac6-468d-8340-c574f3737480" providerId="ADAL" clId="{832D3F30-ABDB-4B43-9A4F-FE75FCDEAE75}" dt="2020-10-09T07:29:19.346" v="148" actId="14100"/>
+          <ac:picMkLst>
+            <pc:docMk/>
+            <pc:sldMk cId="0" sldId="264"/>
+            <ac:picMk id="127" creationId="{00000000-0000-0000-0000-000000000000}"/>
+          </ac:picMkLst>
+        </pc:picChg>
+        <pc:cxnChg chg="add mod">
+          <ac:chgData name="Eckert, Peter" userId="04e50364-1ac6-468d-8340-c574f3737480" providerId="ADAL" clId="{832D3F30-ABDB-4B43-9A4F-FE75FCDEAE75}" dt="2020-10-09T07:29:19.346" v="148" actId="14100"/>
+          <ac:cxnSpMkLst>
+            <pc:docMk/>
+            <pc:sldMk cId="0" sldId="264"/>
+            <ac:cxnSpMk id="6" creationId="{6F61344B-3D3E-4B03-A560-77DA1CA55420}"/>
+          </ac:cxnSpMkLst>
+        </pc:cxnChg>
+      </pc:sldChg>
+      <pc:sldChg chg="addSp delSp modSp">
+        <pc:chgData name="Eckert, Peter" userId="04e50364-1ac6-468d-8340-c574f3737480" providerId="ADAL" clId="{832D3F30-ABDB-4B43-9A4F-FE75FCDEAE75}" dt="2020-10-09T07:32:27.079" v="206" actId="14100"/>
+        <pc:sldMkLst>
+          <pc:docMk/>
+          <pc:sldMk cId="0" sldId="265"/>
+        </pc:sldMkLst>
+        <pc:spChg chg="mod ord">
+          <ac:chgData name="Eckert, Peter" userId="04e50364-1ac6-468d-8340-c574f3737480" providerId="ADAL" clId="{832D3F30-ABDB-4B43-9A4F-FE75FCDEAE75}" dt="2020-10-09T07:31:42.711" v="157"/>
+          <ac:spMkLst>
+            <pc:docMk/>
+            <pc:sldMk cId="0" sldId="265"/>
+            <ac:spMk id="130" creationId="{00000000-0000-0000-0000-000000000000}"/>
+          </ac:spMkLst>
+        </pc:spChg>
+        <pc:spChg chg="mod ord">
+          <ac:chgData name="Eckert, Peter" userId="04e50364-1ac6-468d-8340-c574f3737480" providerId="ADAL" clId="{832D3F30-ABDB-4B43-9A4F-FE75FCDEAE75}" dt="2020-10-09T07:31:42.712" v="159"/>
+          <ac:spMkLst>
+            <pc:docMk/>
+            <pc:sldMk cId="0" sldId="265"/>
+            <ac:spMk id="131" creationId="{00000000-0000-0000-0000-000000000000}"/>
+          </ac:spMkLst>
+        </pc:spChg>
+        <pc:graphicFrameChg chg="add mod ord modVis">
+          <ac:chgData name="Eckert, Peter" userId="04e50364-1ac6-468d-8340-c574f3737480" providerId="ADAL" clId="{832D3F30-ABDB-4B43-9A4F-FE75FCDEAE75}" dt="2020-10-09T07:31:42.740" v="176"/>
+          <ac:graphicFrameMkLst>
+            <pc:docMk/>
+            <pc:sldMk cId="0" sldId="265"/>
+            <ac:graphicFrameMk id="4" creationId="{7A1D2B31-C9F3-4A8B-853F-10A60A05D20D}"/>
+          </ac:graphicFrameMkLst>
+        </pc:graphicFrameChg>
+        <pc:picChg chg="add mod ord">
+          <ac:chgData name="Eckert, Peter" userId="04e50364-1ac6-468d-8340-c574f3737480" providerId="ADAL" clId="{832D3F30-ABDB-4B43-9A4F-FE75FCDEAE75}" dt="2020-10-09T07:32:27.079" v="206" actId="14100"/>
+          <ac:picMkLst>
+            <pc:docMk/>
+            <pc:sldMk cId="0" sldId="265"/>
+            <ac:picMk id="7" creationId="{F6EC72AC-55A5-4151-8359-96791C382B0E}"/>
+          </ac:picMkLst>
+        </pc:picChg>
+        <pc:picChg chg="mod ord">
+          <ac:chgData name="Eckert, Peter" userId="04e50364-1ac6-468d-8340-c574f3737480" providerId="ADAL" clId="{832D3F30-ABDB-4B43-9A4F-FE75FCDEAE75}" dt="2020-10-09T07:31:42.712" v="161"/>
+          <ac:picMkLst>
+            <pc:docMk/>
+            <pc:sldMk cId="0" sldId="265"/>
+            <ac:picMk id="132" creationId="{00000000-0000-0000-0000-000000000000}"/>
+          </ac:picMkLst>
+        </pc:picChg>
+        <pc:cxnChg chg="add del mod">
+          <ac:chgData name="Eckert, Peter" userId="04e50364-1ac6-468d-8340-c574f3737480" providerId="ADAL" clId="{832D3F30-ABDB-4B43-9A4F-FE75FCDEAE75}" dt="2020-10-09T07:26:43.390" v="59"/>
+          <ac:cxnSpMkLst>
+            <pc:docMk/>
+            <pc:sldMk cId="0" sldId="265"/>
+            <ac:cxnSpMk id="3" creationId="{E1A3832A-CB0D-4B09-BC5B-36C4C0D183EE}"/>
+          </ac:cxnSpMkLst>
+        </pc:cxnChg>
+      </pc:sldChg>
+      <pc:sldChg chg="addSp delSp">
+        <pc:chgData name="Eckert, Peter" userId="04e50364-1ac6-468d-8340-c574f3737480" providerId="ADAL" clId="{832D3F30-ABDB-4B43-9A4F-FE75FCDEAE75}" dt="2020-10-09T07:26:53.746" v="61"/>
+        <pc:sldMkLst>
+          <pc:docMk/>
+          <pc:sldMk cId="0" sldId="266"/>
+        </pc:sldMkLst>
+        <pc:cxnChg chg="add del">
+          <ac:chgData name="Eckert, Peter" userId="04e50364-1ac6-468d-8340-c574f3737480" providerId="ADAL" clId="{832D3F30-ABDB-4B43-9A4F-FE75FCDEAE75}" dt="2020-10-09T07:26:53.746" v="61"/>
+          <ac:cxnSpMkLst>
+            <pc:docMk/>
+            <pc:sldMk cId="0" sldId="266"/>
+            <ac:cxnSpMk id="7" creationId="{5A9F46F5-8700-4927-A228-09CBE96914EE}"/>
+          </ac:cxnSpMkLst>
+        </pc:cxnChg>
+      </pc:sldChg>
+      <pc:sldChg chg="modSp">
+        <pc:chgData name="Eckert, Peter" userId="04e50364-1ac6-468d-8340-c574f3737480" providerId="ADAL" clId="{832D3F30-ABDB-4B43-9A4F-FE75FCDEAE75}" dt="2020-10-09T07:33:48.657" v="303" actId="1037"/>
+        <pc:sldMkLst>
+          <pc:docMk/>
+          <pc:sldMk cId="0" sldId="267"/>
+        </pc:sldMkLst>
+        <pc:picChg chg="mod">
+          <ac:chgData name="Eckert, Peter" userId="04e50364-1ac6-468d-8340-c574f3737480" providerId="ADAL" clId="{832D3F30-ABDB-4B43-9A4F-FE75FCDEAE75}" dt="2020-10-09T07:33:48.657" v="303" actId="1037"/>
+          <ac:picMkLst>
+            <pc:docMk/>
+            <pc:sldMk cId="0" sldId="267"/>
+            <ac:picMk id="143" creationId="{00000000-0000-0000-0000-000000000000}"/>
+          </ac:picMkLst>
+        </pc:picChg>
+      </pc:sldChg>
+      <pc:sldChg chg="addSp delSp add del">
+        <pc:chgData name="Eckert, Peter" userId="04e50364-1ac6-468d-8340-c574f3737480" providerId="ADAL" clId="{832D3F30-ABDB-4B43-9A4F-FE75FCDEAE75}" dt="2020-10-09T07:32:03.551" v="177" actId="2696"/>
+        <pc:sldMkLst>
+          <pc:docMk/>
+          <pc:sldMk cId="3264541" sldId="276"/>
+        </pc:sldMkLst>
+        <pc:spChg chg="add del">
+          <ac:chgData name="Eckert, Peter" userId="04e50364-1ac6-468d-8340-c574f3737480" providerId="ADAL" clId="{832D3F30-ABDB-4B43-9A4F-FE75FCDEAE75}" dt="2020-10-09T07:30:31.383" v="151" actId="478"/>
+          <ac:spMkLst>
+            <pc:docMk/>
+            <pc:sldMk cId="3264541" sldId="276"/>
+            <ac:spMk id="4" creationId="{C2F4ACDC-7D21-483F-9591-CD53091DF52B}"/>
+          </ac:spMkLst>
+        </pc:spChg>
+        <pc:spChg chg="add del">
+          <ac:chgData name="Eckert, Peter" userId="04e50364-1ac6-468d-8340-c574f3737480" providerId="ADAL" clId="{832D3F30-ABDB-4B43-9A4F-FE75FCDEAE75}" dt="2020-10-09T07:30:31.383" v="151" actId="478"/>
+          <ac:spMkLst>
+            <pc:docMk/>
+            <pc:sldMk cId="3264541" sldId="276"/>
+            <ac:spMk id="5" creationId="{727E11A8-E9B0-4AC1-8188-8C58B5C7365D}"/>
+          </ac:spMkLst>
+        </pc:spChg>
+        <pc:spChg chg="add del">
+          <ac:chgData name="Eckert, Peter" userId="04e50364-1ac6-468d-8340-c574f3737480" providerId="ADAL" clId="{832D3F30-ABDB-4B43-9A4F-FE75FCDEAE75}" dt="2020-10-09T07:30:31.383" v="151" actId="478"/>
+          <ac:spMkLst>
+            <pc:docMk/>
+            <pc:sldMk cId="3264541" sldId="276"/>
+            <ac:spMk id="7" creationId="{0FCE9AF5-4CF5-47DA-911F-78396653DE3A}"/>
+          </ac:spMkLst>
+        </pc:spChg>
+        <pc:picChg chg="add del">
+          <ac:chgData name="Eckert, Peter" userId="04e50364-1ac6-468d-8340-c574f3737480" providerId="ADAL" clId="{832D3F30-ABDB-4B43-9A4F-FE75FCDEAE75}" dt="2020-10-09T07:30:31.383" v="151" actId="478"/>
+          <ac:picMkLst>
+            <pc:docMk/>
+            <pc:sldMk cId="3264541" sldId="276"/>
+            <ac:picMk id="6" creationId="{3B658A35-0356-4197-9A75-D296D09BBC13}"/>
+          </ac:picMkLst>
+        </pc:picChg>
+        <pc:cxnChg chg="add del">
+          <ac:chgData name="Eckert, Peter" userId="04e50364-1ac6-468d-8340-c574f3737480" providerId="ADAL" clId="{832D3F30-ABDB-4B43-9A4F-FE75FCDEAE75}" dt="2020-10-09T07:30:31.383" v="151" actId="478"/>
+          <ac:cxnSpMkLst>
+            <pc:docMk/>
+            <pc:sldMk cId="3264541" sldId="276"/>
+            <ac:cxnSpMk id="8" creationId="{D2A67827-F597-4743-BDC7-D6C5DEDC0048}"/>
+          </ac:cxnSpMkLst>
+        </pc:cxnChg>
+      </pc:sldChg>
+      <pc:sldMasterChg chg="addSp modSp">
+        <pc:chgData name="Eckert, Peter" userId="04e50364-1ac6-468d-8340-c574f3737480" providerId="ADAL" clId="{832D3F30-ABDB-4B43-9A4F-FE75FCDEAE75}" dt="2020-10-09T07:13:03.904" v="15"/>
+        <pc:sldMasterMkLst>
+          <pc:docMk/>
+          <pc:sldMasterMk cId="0" sldId="2147483648"/>
+        </pc:sldMasterMkLst>
+        <pc:graphicFrameChg chg="add mod ord modVis">
+          <ac:chgData name="Eckert, Peter" userId="04e50364-1ac6-468d-8340-c574f3737480" providerId="ADAL" clId="{832D3F30-ABDB-4B43-9A4F-FE75FCDEAE75}" dt="2020-10-09T07:13:03.904" v="15"/>
+          <ac:graphicFrameMkLst>
+            <pc:docMk/>
+            <pc:sldMasterMk cId="0" sldId="2147483648"/>
+            <ac:graphicFrameMk id="5" creationId="{650EF0E1-701A-4223-A3DE-3B7DF93EC1D5}"/>
+          </ac:graphicFrameMkLst>
+        </pc:graphicFrameChg>
+      </pc:sldMasterChg>
+    </pc:docChg>
+  </pc:docChgLst>
+</pc:chgInfo>
 </file>
 
 <file path=ppt/notesMasters/notesMaster1.xml><?xml version="1.0" encoding="utf-8"?>
@@ -1839,6 +2130,78 @@
           <a:chExt cx="0" cy="0"/>
         </a:xfrm>
       </p:grpSpPr>
+      <p:graphicFrame>
+        <p:nvGraphicFramePr>
+          <p:cNvPr id="5" name="Objekt 4" hidden="1">
+            <a:extLst>
+              <a:ext uri="{FF2B5EF4-FFF2-40B4-BE49-F238E27FC236}">
+                <a16:creationId xmlns:a16="http://schemas.microsoft.com/office/drawing/2014/main" id="{650EF0E1-701A-4223-A3DE-3B7DF93EC1D5}"/>
+              </a:ext>
+            </a:extLst>
+          </p:cNvPr>
+          <p:cNvGraphicFramePr>
+            <a:graphicFrameLocks noChangeAspect="1"/>
+          </p:cNvGraphicFramePr>
+          <p:nvPr userDrawn="1">
+            <p:custDataLst>
+              <p:tags r:id="rId12"/>
+            </p:custDataLst>
+            <p:extLst>
+              <p:ext uri="{D42A27DB-BD31-4B8C-83A1-F6EECF244321}">
+                <p14:modId xmlns:p14="http://schemas.microsoft.com/office/powerpoint/2010/main" val="720451696"/>
+              </p:ext>
+            </p:extLst>
+          </p:nvPr>
+        </p:nvGraphicFramePr>
+        <p:xfrm>
+          <a:off x="1588" y="1588"/>
+          <a:ext cx="1588" cy="1588"/>
+        </p:xfrm>
+        <a:graphic>
+          <a:graphicData uri="http://schemas.openxmlformats.org/presentationml/2006/ole">
+            <mc:AlternateContent xmlns:mc="http://schemas.openxmlformats.org/markup-compatibility/2006">
+              <mc:Choice xmlns:v="urn:schemas-microsoft-com:vml" Requires="v">
+                <p:oleObj spid="_x0000_s1026" name="think-cell Folie" r:id="rId13" imgW="499" imgH="499" progId="TCLayout.ActiveDocument.1">
+                  <p:embed/>
+                </p:oleObj>
+              </mc:Choice>
+              <mc:Fallback>
+                <p:oleObj name="think-cell Folie" r:id="rId13" imgW="499" imgH="499" progId="TCLayout.ActiveDocument.1">
+                  <p:embed/>
+                  <p:pic>
+                    <p:nvPicPr>
+                      <p:cNvPr id="5" name="Objekt 4" hidden="1">
+                        <a:extLst>
+                          <a:ext uri="{FF2B5EF4-FFF2-40B4-BE49-F238E27FC236}">
+                            <a16:creationId xmlns:a16="http://schemas.microsoft.com/office/drawing/2014/main" id="{650EF0E1-701A-4223-A3DE-3B7DF93EC1D5}"/>
+                          </a:ext>
+                        </a:extLst>
+                      </p:cNvPr>
+                      <p:cNvPicPr/>
+                      <p:nvPr/>
+                    </p:nvPicPr>
+                    <p:blipFill>
+                      <a:blip r:embed="rId14"/>
+                      <a:stretch>
+                        <a:fillRect/>
+                      </a:stretch>
+                    </p:blipFill>
+                    <p:spPr>
+                      <a:xfrm>
+                        <a:off x="1588" y="1588"/>
+                        <a:ext cx="1588" cy="1588"/>
+                      </a:xfrm>
+                      <a:prstGeom prst="rect">
+                        <a:avLst/>
+                      </a:prstGeom>
+                    </p:spPr>
+                  </p:pic>
+                </p:oleObj>
+              </mc:Fallback>
+            </mc:AlternateContent>
+          </a:graphicData>
+        </a:graphic>
+      </p:graphicFrame>
       <p:sp>
         <p:nvSpPr>
           <p:cNvPr id="2" name="Titeltext"/>
@@ -1862,7 +2225,7 @@
           </a:ln>
           <a:extLst>
             <a:ext uri="{C572A759-6A51-4108-AA02-DFA0A04FC94B}">
-              <ma14:wrappingTextBoxFlag xmlns:ma14="http://schemas.microsoft.com/office/mac/drawingml/2011/main" xmlns:a14="http://schemas.microsoft.com/office/drawing/2010/main" xmlns:m="http://schemas.openxmlformats.org/officeDocument/2006/math" xmlns="" val="1"/>
+              <ma14:wrappingTextBoxFlag xmlns="" xmlns:m="http://schemas.openxmlformats.org/officeDocument/2006/math" xmlns:a14="http://schemas.microsoft.com/office/drawing/2010/main" xmlns:ma14="http://schemas.microsoft.com/office/mac/drawingml/2011/main" val="1"/>
             </a:ext>
           </a:extLst>
         </p:spPr>
@@ -1901,7 +2264,7 @@
           </a:ln>
           <a:extLst>
             <a:ext uri="{C572A759-6A51-4108-AA02-DFA0A04FC94B}">
-              <ma14:wrappingTextBoxFlag xmlns:ma14="http://schemas.microsoft.com/office/mac/drawingml/2011/main" xmlns:a14="http://schemas.microsoft.com/office/drawing/2010/main" xmlns:m="http://schemas.openxmlformats.org/officeDocument/2006/math" xmlns="" val="1"/>
+              <ma14:wrappingTextBoxFlag xmlns="" xmlns:m="http://schemas.openxmlformats.org/officeDocument/2006/math" xmlns:a14="http://schemas.microsoft.com/office/drawing/2010/main" xmlns:ma14="http://schemas.microsoft.com/office/mac/drawingml/2011/main" val="1"/>
             </a:ext>
           </a:extLst>
         </p:spPr>
@@ -2729,6 +3092,78 @@
           <a:chExt cx="0" cy="0"/>
         </a:xfrm>
       </p:grpSpPr>
+      <p:graphicFrame>
+        <p:nvGraphicFramePr>
+          <p:cNvPr id="2" name="Objekt 1" hidden="1">
+            <a:extLst>
+              <a:ext uri="{FF2B5EF4-FFF2-40B4-BE49-F238E27FC236}">
+                <a16:creationId xmlns:a16="http://schemas.microsoft.com/office/drawing/2014/main" id="{57BF75AA-42D6-4753-8317-1EB6F22B938B}"/>
+              </a:ext>
+            </a:extLst>
+          </p:cNvPr>
+          <p:cNvGraphicFramePr>
+            <a:graphicFrameLocks noChangeAspect="1"/>
+          </p:cNvGraphicFramePr>
+          <p:nvPr>
+            <p:custDataLst>
+              <p:tags r:id="rId2"/>
+            </p:custDataLst>
+            <p:extLst>
+              <p:ext uri="{D42A27DB-BD31-4B8C-83A1-F6EECF244321}">
+                <p14:modId xmlns:p14="http://schemas.microsoft.com/office/powerpoint/2010/main" val="1954721024"/>
+              </p:ext>
+            </p:extLst>
+          </p:nvPr>
+        </p:nvGraphicFramePr>
+        <p:xfrm>
+          <a:off x="1588" y="1588"/>
+          <a:ext cx="1588" cy="1588"/>
+        </p:xfrm>
+        <a:graphic>
+          <a:graphicData uri="http://schemas.openxmlformats.org/presentationml/2006/ole">
+            <mc:AlternateContent xmlns:mc="http://schemas.openxmlformats.org/markup-compatibility/2006">
+              <mc:Choice xmlns:v="urn:schemas-microsoft-com:vml" Requires="v">
+                <p:oleObj spid="_x0000_s2050" name="think-cell Folie" r:id="rId4" imgW="499" imgH="499" progId="TCLayout.ActiveDocument.1">
+                  <p:embed/>
+                </p:oleObj>
+              </mc:Choice>
+              <mc:Fallback>
+                <p:oleObj name="think-cell Folie" r:id="rId4" imgW="499" imgH="499" progId="TCLayout.ActiveDocument.1">
+                  <p:embed/>
+                  <p:pic>
+                    <p:nvPicPr>
+                      <p:cNvPr id="2" name="Objekt 1" hidden="1">
+                        <a:extLst>
+                          <a:ext uri="{FF2B5EF4-FFF2-40B4-BE49-F238E27FC236}">
+                            <a16:creationId xmlns:a16="http://schemas.microsoft.com/office/drawing/2014/main" id="{57BF75AA-42D6-4753-8317-1EB6F22B938B}"/>
+                          </a:ext>
+                        </a:extLst>
+                      </p:cNvPr>
+                      <p:cNvPicPr/>
+                      <p:nvPr/>
+                    </p:nvPicPr>
+                    <p:blipFill>
+                      <a:blip r:embed="rId5"/>
+                      <a:stretch>
+                        <a:fillRect/>
+                      </a:stretch>
+                    </p:blipFill>
+                    <p:spPr>
+                      <a:xfrm>
+                        <a:off x="1588" y="1588"/>
+                        <a:ext cx="1588" cy="1588"/>
+                      </a:xfrm>
+                      <a:prstGeom prst="rect">
+                        <a:avLst/>
+                      </a:prstGeom>
+                    </p:spPr>
+                  </p:pic>
+                </p:oleObj>
+              </mc:Fallback>
+            </mc:AlternateContent>
+          </a:graphicData>
+        </a:graphic>
+      </p:graphicFrame>
       <p:sp>
         <p:nvSpPr>
           <p:cNvPr id="94" name="Titel 1"/>
@@ -2765,8 +3200,10 @@
           </a:lstStyle>
           <a:p>
             <a:r>
-              <a:t>Twitter Disaster Detection</a:t>
-            </a:r>
+              <a:rPr lang="de-DE" dirty="0"/>
+              <a:t>Alert</a:t>
+            </a:r>
+            <a:endParaRPr dirty="0"/>
           </a:p>
         </p:txBody>
       </p:sp>
@@ -2794,29 +3231,34 @@
           <a:lstStyle/>
           <a:p>
             <a:r>
+              <a:rPr dirty="0"/>
               <a:t>The warning app </a:t>
             </a:r>
           </a:p>
           <a:p>
-            <a:endParaRPr/>
-          </a:p>
-          <a:p>
-            <a:r>
+            <a:endParaRPr dirty="0"/>
+          </a:p>
+          <a:p>
+            <a:r>
+              <a:rPr dirty="0"/>
               <a:t>by </a:t>
             </a:r>
           </a:p>
           <a:p>
             <a:r>
+              <a:rPr dirty="0"/>
               <a:t>Julia</a:t>
             </a:r>
           </a:p>
           <a:p>
             <a:r>
+              <a:rPr dirty="0"/>
               <a:t>Markus</a:t>
             </a:r>
           </a:p>
           <a:p>
             <a:r>
+              <a:rPr dirty="0"/>
               <a:t>Peter</a:t>
             </a:r>
           </a:p>
@@ -2850,581 +3292,6 @@
       </p:grpSpPr>
       <p:sp>
         <p:nvSpPr>
-          <p:cNvPr id="130" name="Titel 1"/>
-          <p:cNvSpPr txBox="1">
-            <a:spLocks noGrp="1"/>
-          </p:cNvSpPr>
-          <p:nvPr>
-            <p:ph type="title"/>
-          </p:nvPr>
-        </p:nvSpPr>
-        <p:spPr>
-          <a:prstGeom prst="rect">
-            <a:avLst/>
-          </a:prstGeom>
-        </p:spPr>
-        <p:txBody>
-          <a:bodyPr/>
-          <a:lstStyle/>
-          <a:p>
-            <a:r>
-              <a:t>Workbench</a:t>
-            </a:r>
-          </a:p>
-        </p:txBody>
-      </p:sp>
-      <p:sp>
-        <p:nvSpPr>
-          <p:cNvPr id="131" name="doc_loc =df['location_clean'].apply( lambda satz: nlp(satz) )"/>
-          <p:cNvSpPr txBox="1"/>
-          <p:nvPr/>
-        </p:nvSpPr>
-        <p:spPr>
-          <a:xfrm>
-            <a:off x="-4952" y="6311900"/>
-            <a:ext cx="6633863" cy="1983740"/>
-          </a:xfrm>
-          <a:prstGeom prst="rect">
-            <a:avLst/>
-          </a:prstGeom>
-          <a:ln w="12700">
-            <a:miter lim="400000"/>
-          </a:ln>
-          <a:extLst>
-            <a:ext uri="{C572A759-6A51-4108-AA02-DFA0A04FC94B}">
-              <ma14:wrappingTextBoxFlag xmlns:ma14="http://schemas.microsoft.com/office/mac/drawingml/2011/main" xmlns:a14="http://schemas.microsoft.com/office/drawing/2010/main" xmlns:m="http://schemas.openxmlformats.org/officeDocument/2006/math" xmlns="" val="1"/>
-            </a:ext>
-          </a:extLst>
-        </p:spPr>
-        <p:txBody>
-          <a:bodyPr wrap="none" lIns="45719" rIns="45719">
-            <a:spAutoFit/>
-          </a:bodyPr>
-          <a:lstStyle/>
-          <a:p>
-            <a:pPr defTabSz="457200">
-              <a:lnSpc>
-                <a:spcPts val="3500"/>
-              </a:lnSpc>
-              <a:defRPr sz="1400">
-                <a:latin typeface="Menlo Regular"/>
-                <a:ea typeface="Menlo Regular"/>
-                <a:cs typeface="Menlo Regular"/>
-                <a:sym typeface="Menlo Regular"/>
-              </a:defRPr>
-            </a:pPr>
-            <a:r>
-              <a:t>doc_loc =df[</a:t>
-            </a:r>
-            <a:r>
-              <a:rPr>
-                <a:solidFill>
-                  <a:srgbClr val="A31515"/>
-                </a:solidFill>
-              </a:rPr>
-              <a:t>'location_clean'</a:t>
-            </a:r>
-            <a:r>
-              <a:t>].apply( </a:t>
-            </a:r>
-            <a:r>
-              <a:rPr>
-                <a:solidFill>
-                  <a:srgbClr val="0000FF"/>
-                </a:solidFill>
-              </a:rPr>
-              <a:t>lambda</a:t>
-            </a:r>
-            <a:r>
-              <a:t> satz: nlp(satz) )</a:t>
-            </a:r>
-          </a:p>
-          <a:p>
-            <a:pPr defTabSz="457200">
-              <a:lnSpc>
-                <a:spcPts val="3500"/>
-              </a:lnSpc>
-              <a:defRPr sz="1400">
-                <a:solidFill>
-                  <a:srgbClr val="008000"/>
-                </a:solidFill>
-                <a:latin typeface="Menlo Regular"/>
-                <a:ea typeface="Menlo Regular"/>
-                <a:cs typeface="Menlo Regular"/>
-                <a:sym typeface="Menlo Regular"/>
-              </a:defRPr>
-            </a:pPr>
-            <a:endParaRPr/>
-          </a:p>
-          <a:p>
-            <a:pPr defTabSz="457200">
-              <a:lnSpc>
-                <a:spcPts val="3500"/>
-              </a:lnSpc>
-              <a:defRPr sz="1400">
-                <a:solidFill>
-                  <a:srgbClr val="008000"/>
-                </a:solidFill>
-                <a:latin typeface="Menlo Regular"/>
-                <a:ea typeface="Menlo Regular"/>
-                <a:cs typeface="Menlo Regular"/>
-                <a:sym typeface="Menlo Regular"/>
-              </a:defRPr>
-            </a:pPr>
-            <a:endParaRPr/>
-          </a:p>
-          <a:p>
-            <a:pPr defTabSz="457200">
-              <a:lnSpc>
-                <a:spcPts val="3500"/>
-              </a:lnSpc>
-              <a:defRPr sz="1400">
-                <a:solidFill>
-                  <a:srgbClr val="008000"/>
-                </a:solidFill>
-                <a:latin typeface="Menlo Regular"/>
-                <a:ea typeface="Menlo Regular"/>
-                <a:cs typeface="Menlo Regular"/>
-                <a:sym typeface="Menlo Regular"/>
-              </a:defRPr>
-            </a:pPr>
-            <a:endParaRPr/>
-          </a:p>
-          <a:p>
-            <a:pPr defTabSz="457200">
-              <a:lnSpc>
-                <a:spcPts val="3500"/>
-              </a:lnSpc>
-              <a:defRPr sz="1400">
-                <a:solidFill>
-                  <a:srgbClr val="008000"/>
-                </a:solidFill>
-                <a:latin typeface="Menlo Regular"/>
-                <a:ea typeface="Menlo Regular"/>
-                <a:cs typeface="Menlo Regular"/>
-                <a:sym typeface="Menlo Regular"/>
-              </a:defRPr>
-            </a:pPr>
-            <a:endParaRPr>
-              <a:solidFill>
-                <a:srgbClr val="000000"/>
-              </a:solidFill>
-            </a:endParaRPr>
-          </a:p>
-          <a:p>
-            <a:pPr defTabSz="457200">
-              <a:lnSpc>
-                <a:spcPts val="3500"/>
-              </a:lnSpc>
-              <a:defRPr sz="1400">
-                <a:solidFill>
-                  <a:srgbClr val="008000"/>
-                </a:solidFill>
-                <a:latin typeface="Menlo Regular"/>
-                <a:ea typeface="Menlo Regular"/>
-                <a:cs typeface="Menlo Regular"/>
-                <a:sym typeface="Menlo Regular"/>
-              </a:defRPr>
-            </a:pPr>
-            <a:endParaRPr>
-              <a:solidFill>
-                <a:srgbClr val="000000"/>
-              </a:solidFill>
-            </a:endParaRPr>
-          </a:p>
-          <a:p>
-            <a:pPr defTabSz="457200">
-              <a:lnSpc>
-                <a:spcPts val="3500"/>
-              </a:lnSpc>
-              <a:defRPr sz="1400">
-                <a:solidFill>
-                  <a:srgbClr val="008000"/>
-                </a:solidFill>
-                <a:latin typeface="Menlo Regular"/>
-                <a:ea typeface="Menlo Regular"/>
-                <a:cs typeface="Menlo Regular"/>
-                <a:sym typeface="Menlo Regular"/>
-              </a:defRPr>
-            </a:pPr>
-            <a:endParaRPr>
-              <a:solidFill>
-                <a:srgbClr val="000000"/>
-              </a:solidFill>
-            </a:endParaRPr>
-          </a:p>
-        </p:txBody>
-      </p:sp>
-      <p:pic>
-        <p:nvPicPr>
-          <p:cNvPr id="132" name="Bildschirmfoto 2020-10-08 um 22.38.22.png" descr="Bildschirmfoto 2020-10-08 um 22.38.22.png"/>
-          <p:cNvPicPr>
-            <a:picLocks noChangeAspect="1"/>
-          </p:cNvPicPr>
-          <p:nvPr/>
-        </p:nvPicPr>
-        <p:blipFill>
-          <a:blip r:embed="rId2"/>
-          <a:stretch>
-            <a:fillRect/>
-          </a:stretch>
-        </p:blipFill>
-        <p:spPr>
-          <a:xfrm>
-            <a:off x="5984632" y="609599"/>
-            <a:ext cx="6197601" cy="5638801"/>
-          </a:xfrm>
-          <a:prstGeom prst="rect">
-            <a:avLst/>
-          </a:prstGeom>
-          <a:ln w="12700">
-            <a:miter lim="400000"/>
-          </a:ln>
-        </p:spPr>
-      </p:pic>
-    </p:spTree>
-  </p:cSld>
-  <p:clrMapOvr>
-    <a:masterClrMapping/>
-  </p:clrMapOvr>
-  <p:transition spd="med"/>
-</p:sld>
-</file>
-
-<file path=ppt/slides/slide11.xml><?xml version="1.0" encoding="utf-8"?>
-<p:sld xmlns:a="http://schemas.openxmlformats.org/drawingml/2006/main" xmlns:r="http://schemas.openxmlformats.org/officeDocument/2006/relationships" xmlns:p="http://schemas.openxmlformats.org/presentationml/2006/main">
-  <p:cSld>
-    <p:spTree>
-      <p:nvGrpSpPr>
-        <p:cNvPr id="1" name=""/>
-        <p:cNvGrpSpPr/>
-        <p:nvPr/>
-      </p:nvGrpSpPr>
-      <p:grpSpPr>
-        <a:xfrm>
-          <a:off x="0" y="0"/>
-          <a:ext cx="0" cy="0"/>
-          <a:chOff x="0" y="0"/>
-          <a:chExt cx="0" cy="0"/>
-        </a:xfrm>
-      </p:grpSpPr>
-      <p:sp>
-        <p:nvSpPr>
-          <p:cNvPr id="134" name="Titel 1"/>
-          <p:cNvSpPr txBox="1">
-            <a:spLocks noGrp="1"/>
-          </p:cNvSpPr>
-          <p:nvPr>
-            <p:ph type="title"/>
-          </p:nvPr>
-        </p:nvSpPr>
-        <p:spPr>
-          <a:prstGeom prst="rect">
-            <a:avLst/>
-          </a:prstGeom>
-        </p:spPr>
-        <p:txBody>
-          <a:bodyPr/>
-          <a:lstStyle/>
-          <a:p>
-            <a:r>
-              <a:t>Finde den Fehler</a:t>
-            </a:r>
-          </a:p>
-        </p:txBody>
-      </p:sp>
-      <p:sp>
-        <p:nvSpPr>
-          <p:cNvPr id="135" name="displacy.render(doc_loc, style=&quot;ent&quot;, jupyter=True)"/>
-          <p:cNvSpPr txBox="1"/>
-          <p:nvPr/>
-        </p:nvSpPr>
-        <p:spPr>
-          <a:xfrm>
-            <a:off x="-4952" y="6311900"/>
-            <a:ext cx="5563417" cy="1983740"/>
-          </a:xfrm>
-          <a:prstGeom prst="rect">
-            <a:avLst/>
-          </a:prstGeom>
-          <a:ln w="12700">
-            <a:miter lim="400000"/>
-          </a:ln>
-          <a:extLst>
-            <a:ext uri="{C572A759-6A51-4108-AA02-DFA0A04FC94B}">
-              <ma14:wrappingTextBoxFlag xmlns:ma14="http://schemas.microsoft.com/office/mac/drawingml/2011/main" xmlns:a14="http://schemas.microsoft.com/office/drawing/2010/main" xmlns:m="http://schemas.openxmlformats.org/officeDocument/2006/math" xmlns="" val="1"/>
-            </a:ext>
-          </a:extLst>
-        </p:spPr>
-        <p:txBody>
-          <a:bodyPr wrap="none" lIns="45719" rIns="45719">
-            <a:spAutoFit/>
-          </a:bodyPr>
-          <a:lstStyle/>
-          <a:p>
-            <a:pPr defTabSz="457200">
-              <a:lnSpc>
-                <a:spcPts val="3500"/>
-              </a:lnSpc>
-              <a:defRPr sz="1400">
-                <a:latin typeface="Menlo Regular"/>
-                <a:ea typeface="Menlo Regular"/>
-                <a:cs typeface="Menlo Regular"/>
-                <a:sym typeface="Menlo Regular"/>
-              </a:defRPr>
-            </a:pPr>
-            <a:r>
-              <a:t>displacy.render(doc_loc, style=</a:t>
-            </a:r>
-            <a:r>
-              <a:rPr>
-                <a:solidFill>
-                  <a:srgbClr val="A31515"/>
-                </a:solidFill>
-              </a:rPr>
-              <a:t>"ent"</a:t>
-            </a:r>
-            <a:r>
-              <a:t>, jupyter=</a:t>
-            </a:r>
-            <a:r>
-              <a:rPr>
-                <a:solidFill>
-                  <a:srgbClr val="0000FF"/>
-                </a:solidFill>
-              </a:rPr>
-              <a:t>True</a:t>
-            </a:r>
-            <a:r>
-              <a:t>)</a:t>
-            </a:r>
-          </a:p>
-          <a:p>
-            <a:pPr defTabSz="457200">
-              <a:lnSpc>
-                <a:spcPts val="3500"/>
-              </a:lnSpc>
-              <a:defRPr sz="1400">
-                <a:solidFill>
-                  <a:srgbClr val="008000"/>
-                </a:solidFill>
-                <a:latin typeface="Menlo Regular"/>
-                <a:ea typeface="Menlo Regular"/>
-                <a:cs typeface="Menlo Regular"/>
-                <a:sym typeface="Menlo Regular"/>
-              </a:defRPr>
-            </a:pPr>
-            <a:endParaRPr/>
-          </a:p>
-          <a:p>
-            <a:pPr defTabSz="457200">
-              <a:lnSpc>
-                <a:spcPts val="3500"/>
-              </a:lnSpc>
-              <a:defRPr sz="1400">
-                <a:solidFill>
-                  <a:srgbClr val="008000"/>
-                </a:solidFill>
-                <a:latin typeface="Menlo Regular"/>
-                <a:ea typeface="Menlo Regular"/>
-                <a:cs typeface="Menlo Regular"/>
-                <a:sym typeface="Menlo Regular"/>
-              </a:defRPr>
-            </a:pPr>
-            <a:endParaRPr/>
-          </a:p>
-          <a:p>
-            <a:pPr defTabSz="457200">
-              <a:lnSpc>
-                <a:spcPts val="3500"/>
-              </a:lnSpc>
-              <a:defRPr sz="1400">
-                <a:solidFill>
-                  <a:srgbClr val="008000"/>
-                </a:solidFill>
-                <a:latin typeface="Menlo Regular"/>
-                <a:ea typeface="Menlo Regular"/>
-                <a:cs typeface="Menlo Regular"/>
-                <a:sym typeface="Menlo Regular"/>
-              </a:defRPr>
-            </a:pPr>
-            <a:endParaRPr/>
-          </a:p>
-          <a:p>
-            <a:pPr defTabSz="457200">
-              <a:lnSpc>
-                <a:spcPts val="3500"/>
-              </a:lnSpc>
-              <a:defRPr sz="1400">
-                <a:solidFill>
-                  <a:srgbClr val="008000"/>
-                </a:solidFill>
-                <a:latin typeface="Menlo Regular"/>
-                <a:ea typeface="Menlo Regular"/>
-                <a:cs typeface="Menlo Regular"/>
-                <a:sym typeface="Menlo Regular"/>
-              </a:defRPr>
-            </a:pPr>
-            <a:endParaRPr>
-              <a:solidFill>
-                <a:srgbClr val="000000"/>
-              </a:solidFill>
-            </a:endParaRPr>
-          </a:p>
-          <a:p>
-            <a:pPr defTabSz="457200">
-              <a:lnSpc>
-                <a:spcPts val="3500"/>
-              </a:lnSpc>
-              <a:defRPr sz="1400">
-                <a:solidFill>
-                  <a:srgbClr val="008000"/>
-                </a:solidFill>
-                <a:latin typeface="Menlo Regular"/>
-                <a:ea typeface="Menlo Regular"/>
-                <a:cs typeface="Menlo Regular"/>
-                <a:sym typeface="Menlo Regular"/>
-              </a:defRPr>
-            </a:pPr>
-            <a:endParaRPr>
-              <a:solidFill>
-                <a:srgbClr val="000000"/>
-              </a:solidFill>
-            </a:endParaRPr>
-          </a:p>
-          <a:p>
-            <a:pPr defTabSz="457200">
-              <a:lnSpc>
-                <a:spcPts val="3500"/>
-              </a:lnSpc>
-              <a:defRPr sz="1400">
-                <a:solidFill>
-                  <a:srgbClr val="008000"/>
-                </a:solidFill>
-                <a:latin typeface="Menlo Regular"/>
-                <a:ea typeface="Menlo Regular"/>
-                <a:cs typeface="Menlo Regular"/>
-                <a:sym typeface="Menlo Regular"/>
-              </a:defRPr>
-            </a:pPr>
-            <a:endParaRPr>
-              <a:solidFill>
-                <a:srgbClr val="000000"/>
-              </a:solidFill>
-            </a:endParaRPr>
-          </a:p>
-        </p:txBody>
-      </p:sp>
-      <p:pic>
-        <p:nvPicPr>
-          <p:cNvPr id="136" name="Bildschirmfoto 2020-10-08 um 22.38.22.png" descr="Bildschirmfoto 2020-10-08 um 22.38.22.png"/>
-          <p:cNvPicPr>
-            <a:picLocks noChangeAspect="1"/>
-          </p:cNvPicPr>
-          <p:nvPr/>
-        </p:nvPicPr>
-        <p:blipFill>
-          <a:blip r:embed="rId2"/>
-          <a:stretch>
-            <a:fillRect/>
-          </a:stretch>
-        </p:blipFill>
-        <p:spPr>
-          <a:xfrm>
-            <a:off x="5984632" y="609600"/>
-            <a:ext cx="6197601" cy="5638800"/>
-          </a:xfrm>
-          <a:prstGeom prst="rect">
-            <a:avLst/>
-          </a:prstGeom>
-          <a:ln w="12700">
-            <a:miter lim="400000"/>
-          </a:ln>
-        </p:spPr>
-      </p:pic>
-      <p:pic>
-        <p:nvPicPr>
-          <p:cNvPr id="137" name="Bildschirmfoto 2020-10-08 um 22.40.22.png" descr="Bildschirmfoto 2020-10-08 um 22.40.22.png"/>
-          <p:cNvPicPr>
-            <a:picLocks noChangeAspect="1"/>
-          </p:cNvPicPr>
-          <p:nvPr/>
-        </p:nvPicPr>
-        <p:blipFill>
-          <a:blip r:embed="rId3"/>
-          <a:srcRect t="6577" b="8666"/>
-          <a:stretch>
-            <a:fillRect/>
-          </a:stretch>
-        </p:blipFill>
-        <p:spPr>
-          <a:xfrm>
-            <a:off x="8329382" y="5953"/>
-            <a:ext cx="3879492" cy="6845904"/>
-          </a:xfrm>
-          <a:prstGeom prst="rect">
-            <a:avLst/>
-          </a:prstGeom>
-          <a:ln w="12700">
-            <a:miter lim="400000"/>
-          </a:ln>
-        </p:spPr>
-      </p:pic>
-      <p:pic>
-        <p:nvPicPr>
-          <p:cNvPr id="138" name="Bildschirmfoto 2020-10-08 um 22.56.04.png" descr="Bildschirmfoto 2020-10-08 um 22.56.04.png"/>
-          <p:cNvPicPr>
-            <a:picLocks noChangeAspect="1"/>
-          </p:cNvPicPr>
-          <p:nvPr/>
-        </p:nvPicPr>
-        <p:blipFill>
-          <a:blip r:embed="rId4"/>
-          <a:stretch>
-            <a:fillRect/>
-          </a:stretch>
-        </p:blipFill>
-        <p:spPr>
-          <a:xfrm>
-            <a:off x="704333" y="1517650"/>
-            <a:ext cx="3810001" cy="3822701"/>
-          </a:xfrm>
-          <a:prstGeom prst="rect">
-            <a:avLst/>
-          </a:prstGeom>
-          <a:ln w="12700">
-            <a:miter lim="400000"/>
-          </a:ln>
-        </p:spPr>
-      </p:pic>
-    </p:spTree>
-  </p:cSld>
-  <p:clrMapOvr>
-    <a:masterClrMapping/>
-  </p:clrMapOvr>
-  <p:transition spd="med"/>
-</p:sld>
-</file>
-
-<file path=ppt/slides/slide12.xml><?xml version="1.0" encoding="utf-8"?>
-<p:sld xmlns:a="http://schemas.openxmlformats.org/drawingml/2006/main" xmlns:r="http://schemas.openxmlformats.org/officeDocument/2006/relationships" xmlns:p="http://schemas.openxmlformats.org/presentationml/2006/main">
-  <p:cSld>
-    <p:spTree>
-      <p:nvGrpSpPr>
-        <p:cNvPr id="1" name=""/>
-        <p:cNvGrpSpPr/>
-        <p:nvPr/>
-      </p:nvGrpSpPr>
-      <p:grpSpPr>
-        <a:xfrm>
-          <a:off x="0" y="0"/>
-          <a:ext cx="0" cy="0"/>
-          <a:chOff x="0" y="0"/>
-          <a:chExt cx="0" cy="0"/>
-        </a:xfrm>
-      </p:grpSpPr>
-      <p:sp>
-        <p:nvSpPr>
           <p:cNvPr id="140" name="Titel 1"/>
           <p:cNvSpPr txBox="1">
             <a:spLocks noGrp="1"/>
@@ -3467,7 +3334,7 @@
           </a:ln>
           <a:extLst>
             <a:ext uri="{C572A759-6A51-4108-AA02-DFA0A04FC94B}">
-              <ma14:wrappingTextBoxFlag xmlns:ma14="http://schemas.microsoft.com/office/mac/drawingml/2011/main" xmlns:a14="http://schemas.microsoft.com/office/drawing/2010/main" xmlns:m="http://schemas.openxmlformats.org/officeDocument/2006/math" xmlns="" val="1"/>
+              <ma14:wrappingTextBoxFlag xmlns="" xmlns:m="http://schemas.openxmlformats.org/officeDocument/2006/math" xmlns:a14="http://schemas.microsoft.com/office/drawing/2010/main" xmlns:ma14="http://schemas.microsoft.com/office/mac/drawingml/2011/main" val="1"/>
             </a:ext>
           </a:extLst>
         </p:spPr>
@@ -3502,7 +3369,7 @@
           </a:ln>
           <a:extLst>
             <a:ext uri="{C572A759-6A51-4108-AA02-DFA0A04FC94B}">
-              <ma14:wrappingTextBoxFlag xmlns:ma14="http://schemas.microsoft.com/office/mac/drawingml/2011/main" xmlns:a14="http://schemas.microsoft.com/office/drawing/2010/main" xmlns:m="http://schemas.openxmlformats.org/officeDocument/2006/math" xmlns="" val="1"/>
+              <ma14:wrappingTextBoxFlag xmlns="" xmlns:m="http://schemas.openxmlformats.org/officeDocument/2006/math" xmlns:a14="http://schemas.microsoft.com/office/drawing/2010/main" xmlns:ma14="http://schemas.microsoft.com/office/mac/drawingml/2011/main" val="1"/>
             </a:ext>
           </a:extLst>
         </p:spPr>
@@ -3575,7 +3442,7 @@
         </p:blipFill>
         <p:spPr>
           <a:xfrm>
-            <a:off x="8483794" y="46345"/>
+            <a:off x="8453314" y="46345"/>
             <a:ext cx="2469412" cy="6765310"/>
           </a:xfrm>
           <a:prstGeom prst="rect">
@@ -3820,7 +3687,7 @@
           </a:ln>
           <a:extLst>
             <a:ext uri="{C572A759-6A51-4108-AA02-DFA0A04FC94B}">
-              <ma14:wrappingTextBoxFlag xmlns:ma14="http://schemas.microsoft.com/office/mac/drawingml/2011/main" xmlns:a14="http://schemas.microsoft.com/office/drawing/2010/main" xmlns:m="http://schemas.openxmlformats.org/officeDocument/2006/math" xmlns="" val="1"/>
+              <ma14:wrappingTextBoxFlag xmlns="" xmlns:m="http://schemas.openxmlformats.org/officeDocument/2006/math" xmlns:a14="http://schemas.microsoft.com/office/drawing/2010/main" xmlns:ma14="http://schemas.microsoft.com/office/mac/drawingml/2011/main" val="1"/>
             </a:ext>
           </a:extLst>
         </p:spPr>
@@ -3870,7 +3737,7 @@
           </a:ln>
           <a:extLst>
             <a:ext uri="{C572A759-6A51-4108-AA02-DFA0A04FC94B}">
-              <ma14:wrappingTextBoxFlag xmlns:ma14="http://schemas.microsoft.com/office/mac/drawingml/2011/main" xmlns:a14="http://schemas.microsoft.com/office/drawing/2010/main" xmlns:m="http://schemas.openxmlformats.org/officeDocument/2006/math" xmlns="" val="1"/>
+              <ma14:wrappingTextBoxFlag xmlns="" xmlns:m="http://schemas.openxmlformats.org/officeDocument/2006/math" xmlns:a14="http://schemas.microsoft.com/office/drawing/2010/main" xmlns:ma14="http://schemas.microsoft.com/office/mac/drawingml/2011/main" val="1"/>
             </a:ext>
           </a:extLst>
         </p:spPr>
@@ -3920,7 +3787,7 @@
           </a:ln>
           <a:extLst>
             <a:ext uri="{C572A759-6A51-4108-AA02-DFA0A04FC94B}">
-              <ma14:wrappingTextBoxFlag xmlns:ma14="http://schemas.microsoft.com/office/mac/drawingml/2011/main" xmlns:a14="http://schemas.microsoft.com/office/drawing/2010/main" xmlns:m="http://schemas.openxmlformats.org/officeDocument/2006/math" xmlns="" val="1"/>
+              <ma14:wrappingTextBoxFlag xmlns="" xmlns:m="http://schemas.openxmlformats.org/officeDocument/2006/math" xmlns:a14="http://schemas.microsoft.com/office/drawing/2010/main" xmlns:ma14="http://schemas.microsoft.com/office/mac/drawingml/2011/main" val="1"/>
             </a:ext>
           </a:extLst>
         </p:spPr>
@@ -3970,7 +3837,7 @@
           </a:ln>
           <a:extLst>
             <a:ext uri="{C572A759-6A51-4108-AA02-DFA0A04FC94B}">
-              <ma14:wrappingTextBoxFlag xmlns:ma14="http://schemas.microsoft.com/office/mac/drawingml/2011/main" xmlns:a14="http://schemas.microsoft.com/office/drawing/2010/main" xmlns:m="http://schemas.openxmlformats.org/officeDocument/2006/math" xmlns="" val="1"/>
+              <ma14:wrappingTextBoxFlag xmlns="" xmlns:m="http://schemas.openxmlformats.org/officeDocument/2006/math" xmlns:a14="http://schemas.microsoft.com/office/drawing/2010/main" xmlns:ma14="http://schemas.microsoft.com/office/mac/drawingml/2011/main" val="1"/>
             </a:ext>
           </a:extLst>
         </p:spPr>
@@ -4020,7 +3887,7 @@
           </a:ln>
           <a:extLst>
             <a:ext uri="{C572A759-6A51-4108-AA02-DFA0A04FC94B}">
-              <ma14:wrappingTextBoxFlag xmlns:ma14="http://schemas.microsoft.com/office/mac/drawingml/2011/main" xmlns:a14="http://schemas.microsoft.com/office/drawing/2010/main" xmlns:m="http://schemas.openxmlformats.org/officeDocument/2006/math" xmlns="" val="1"/>
+              <ma14:wrappingTextBoxFlag xmlns="" xmlns:m="http://schemas.openxmlformats.org/officeDocument/2006/math" xmlns:a14="http://schemas.microsoft.com/office/drawing/2010/main" xmlns:ma14="http://schemas.microsoft.com/office/mac/drawingml/2011/main" val="1"/>
             </a:ext>
           </a:extLst>
         </p:spPr>
@@ -4070,7 +3937,7 @@
           </a:ln>
           <a:extLst>
             <a:ext uri="{C572A759-6A51-4108-AA02-DFA0A04FC94B}">
-              <ma14:wrappingTextBoxFlag xmlns:ma14="http://schemas.microsoft.com/office/mac/drawingml/2011/main" xmlns:a14="http://schemas.microsoft.com/office/drawing/2010/main" xmlns:m="http://schemas.openxmlformats.org/officeDocument/2006/math" xmlns="" val="1"/>
+              <ma14:wrappingTextBoxFlag xmlns="" xmlns:m="http://schemas.openxmlformats.org/officeDocument/2006/math" xmlns:a14="http://schemas.microsoft.com/office/drawing/2010/main" xmlns:ma14="http://schemas.microsoft.com/office/mac/drawingml/2011/main" val="1"/>
             </a:ext>
           </a:extLst>
         </p:spPr>
@@ -4120,7 +3987,7 @@
           </a:ln>
           <a:extLst>
             <a:ext uri="{C572A759-6A51-4108-AA02-DFA0A04FC94B}">
-              <ma14:wrappingTextBoxFlag xmlns:ma14="http://schemas.microsoft.com/office/mac/drawingml/2011/main" xmlns:a14="http://schemas.microsoft.com/office/drawing/2010/main" xmlns:m="http://schemas.openxmlformats.org/officeDocument/2006/math" xmlns="" val="1"/>
+              <ma14:wrappingTextBoxFlag xmlns="" xmlns:m="http://schemas.openxmlformats.org/officeDocument/2006/math" xmlns:a14="http://schemas.microsoft.com/office/drawing/2010/main" xmlns:ma14="http://schemas.microsoft.com/office/mac/drawingml/2011/main" val="1"/>
             </a:ext>
           </a:extLst>
         </p:spPr>
@@ -4170,7 +4037,7 @@
           </a:ln>
           <a:extLst>
             <a:ext uri="{C572A759-6A51-4108-AA02-DFA0A04FC94B}">
-              <ma14:wrappingTextBoxFlag xmlns:ma14="http://schemas.microsoft.com/office/mac/drawingml/2011/main" xmlns:a14="http://schemas.microsoft.com/office/drawing/2010/main" xmlns:m="http://schemas.openxmlformats.org/officeDocument/2006/math" xmlns="" val="1"/>
+              <ma14:wrappingTextBoxFlag xmlns="" xmlns:m="http://schemas.openxmlformats.org/officeDocument/2006/math" xmlns:a14="http://schemas.microsoft.com/office/drawing/2010/main" xmlns:ma14="http://schemas.microsoft.com/office/mac/drawingml/2011/main" val="1"/>
             </a:ext>
           </a:extLst>
         </p:spPr>
@@ -4210,7 +4077,7 @@
 </p:sld>
 </file>
 
-<file path=ppt/slides/slide13.xml><?xml version="1.0" encoding="utf-8"?>
+<file path=ppt/slides/slide11.xml><?xml version="1.0" encoding="utf-8"?>
 <p:sld xmlns:a="http://schemas.openxmlformats.org/drawingml/2006/main" xmlns:r="http://schemas.openxmlformats.org/officeDocument/2006/relationships" xmlns:p="http://schemas.openxmlformats.org/presentationml/2006/main">
   <p:cSld>
     <p:spTree>
@@ -4315,7 +4182,7 @@
 </p:sld>
 </file>
 
-<file path=ppt/slides/slide14.xml><?xml version="1.0" encoding="utf-8"?>
+<file path=ppt/slides/slide12.xml><?xml version="1.0" encoding="utf-8"?>
 <p:sld xmlns:a="http://schemas.openxmlformats.org/drawingml/2006/main" xmlns:r="http://schemas.openxmlformats.org/officeDocument/2006/relationships" xmlns:p="http://schemas.openxmlformats.org/presentationml/2006/main">
   <p:cSld>
     <p:spTree>
@@ -4457,7 +4324,7 @@
           </a:ln>
           <a:extLst>
             <a:ext uri="{C572A759-6A51-4108-AA02-DFA0A04FC94B}">
-              <ma14:wrappingTextBoxFlag xmlns:ma14="http://schemas.microsoft.com/office/mac/drawingml/2011/main" xmlns:a14="http://schemas.microsoft.com/office/drawing/2010/main" xmlns:m="http://schemas.openxmlformats.org/officeDocument/2006/math" xmlns="" val="1"/>
+              <ma14:wrappingTextBoxFlag xmlns="" xmlns:m="http://schemas.openxmlformats.org/officeDocument/2006/math" xmlns:a14="http://schemas.microsoft.com/office/drawing/2010/main" xmlns:ma14="http://schemas.microsoft.com/office/mac/drawingml/2011/main" val="1"/>
             </a:ext>
           </a:extLst>
         </p:spPr>
@@ -4665,7 +4532,7 @@
 </p:sld>
 </file>
 
-<file path=ppt/slides/slide15.xml><?xml version="1.0" encoding="utf-8"?>
+<file path=ppt/slides/slide13.xml><?xml version="1.0" encoding="utf-8"?>
 <p:sld xmlns:a="http://schemas.openxmlformats.org/drawingml/2006/main" xmlns:r="http://schemas.openxmlformats.org/officeDocument/2006/relationships" xmlns:p="http://schemas.openxmlformats.org/presentationml/2006/main">
   <p:cSld>
     <p:spTree>
@@ -4893,7 +4760,7 @@
           </a:ln>
           <a:extLst>
             <a:ext uri="{C572A759-6A51-4108-AA02-DFA0A04FC94B}">
-              <ma14:wrappingTextBoxFlag xmlns:ma14="http://schemas.microsoft.com/office/mac/drawingml/2011/main" xmlns:a14="http://schemas.microsoft.com/office/drawing/2010/main" xmlns:m="http://schemas.openxmlformats.org/officeDocument/2006/math" xmlns="" val="1"/>
+              <ma14:wrappingTextBoxFlag xmlns="" xmlns:m="http://schemas.openxmlformats.org/officeDocument/2006/math" xmlns:a14="http://schemas.microsoft.com/office/drawing/2010/main" xmlns:ma14="http://schemas.microsoft.com/office/mac/drawingml/2011/main" val="1"/>
             </a:ext>
           </a:extLst>
         </p:spPr>
@@ -5035,6 +4902,435 @@
               </a:defRPr>
             </a:pPr>
             <a:endParaRPr/>
+          </a:p>
+        </p:txBody>
+      </p:sp>
+    </p:spTree>
+  </p:cSld>
+  <p:clrMapOvr>
+    <a:masterClrMapping/>
+  </p:clrMapOvr>
+  <p:transition spd="med"/>
+</p:sld>
+</file>
+
+<file path=ppt/slides/slide14.xml><?xml version="1.0" encoding="utf-8"?>
+<p:sld xmlns:a="http://schemas.openxmlformats.org/drawingml/2006/main" xmlns:r="http://schemas.openxmlformats.org/officeDocument/2006/relationships" xmlns:p="http://schemas.openxmlformats.org/presentationml/2006/main">
+  <p:cSld>
+    <p:spTree>
+      <p:nvGrpSpPr>
+        <p:cNvPr id="1" name=""/>
+        <p:cNvGrpSpPr/>
+        <p:nvPr/>
+      </p:nvGrpSpPr>
+      <p:grpSpPr>
+        <a:xfrm>
+          <a:off x="0" y="0"/>
+          <a:ext cx="0" cy="0"/>
+          <a:chOff x="0" y="0"/>
+          <a:chExt cx="0" cy="0"/>
+        </a:xfrm>
+      </p:grpSpPr>
+      <p:sp>
+        <p:nvSpPr>
+          <p:cNvPr id="170" name="Titel 1"/>
+          <p:cNvSpPr txBox="1">
+            <a:spLocks noGrp="1"/>
+          </p:cNvSpPr>
+          <p:nvPr>
+            <p:ph type="title"/>
+          </p:nvPr>
+        </p:nvSpPr>
+        <p:spPr>
+          <a:xfrm>
+            <a:off x="838200" y="365125"/>
+            <a:ext cx="10515600" cy="1325563"/>
+          </a:xfrm>
+          <a:prstGeom prst="rect">
+            <a:avLst/>
+          </a:prstGeom>
+        </p:spPr>
+        <p:txBody>
+          <a:bodyPr/>
+          <a:lstStyle/>
+          <a:p>
+            <a:r>
+              <a:t>Progress</a:t>
+            </a:r>
+          </a:p>
+        </p:txBody>
+      </p:sp>
+      <p:sp>
+        <p:nvSpPr>
+          <p:cNvPr id="171" name="Inhaltsplatzhalter 2"/>
+          <p:cNvSpPr txBox="1">
+            <a:spLocks noGrp="1"/>
+          </p:cNvSpPr>
+          <p:nvPr>
+            <p:ph type="body" idx="1"/>
+          </p:nvPr>
+        </p:nvSpPr>
+        <p:spPr>
+          <a:xfrm>
+            <a:off x="838200" y="1825625"/>
+            <a:ext cx="10515600" cy="4351338"/>
+          </a:xfrm>
+          <a:prstGeom prst="rect">
+            <a:avLst/>
+          </a:prstGeom>
+        </p:spPr>
+        <p:txBody>
+          <a:bodyPr/>
+          <a:lstStyle/>
+          <a:p>
+            <a:pPr marL="0" indent="0">
+              <a:buSzTx/>
+              <a:buNone/>
+            </a:pPr>
+            <a:r>
+              <a:t>Day 1:				Day 4:</a:t>
+            </a:r>
+          </a:p>
+          <a:p>
+            <a:pPr marL="0" indent="0">
+              <a:buSzTx/>
+              <a:buNone/>
+            </a:pPr>
+            <a:r>
+              <a:t> </a:t>
+            </a:r>
+          </a:p>
+        </p:txBody>
+      </p:sp>
+      <p:pic>
+        <p:nvPicPr>
+          <p:cNvPr id="172" name="Picture 2" descr="Picture 2"/>
+          <p:cNvPicPr>
+            <a:picLocks noChangeAspect="1"/>
+          </p:cNvPicPr>
+          <p:nvPr/>
+        </p:nvPicPr>
+        <p:blipFill>
+          <a:blip r:embed="rId2"/>
+          <a:stretch>
+            <a:fillRect/>
+          </a:stretch>
+        </p:blipFill>
+        <p:spPr>
+          <a:xfrm>
+            <a:off x="670952" y="2735244"/>
+            <a:ext cx="2943226" cy="2647951"/>
+          </a:xfrm>
+          <a:prstGeom prst="rect">
+            <a:avLst/>
+          </a:prstGeom>
+          <a:ln w="12700">
+            <a:miter lim="400000"/>
+          </a:ln>
+        </p:spPr>
+      </p:pic>
+      <p:sp>
+        <p:nvSpPr>
+          <p:cNvPr id="173" name="Rechteck 4"/>
+          <p:cNvSpPr txBox="1"/>
+          <p:nvPr/>
+        </p:nvSpPr>
+        <p:spPr>
+          <a:xfrm>
+            <a:off x="1072433" y="5681426"/>
+            <a:ext cx="2131514" cy="370841"/>
+          </a:xfrm>
+          <a:prstGeom prst="rect">
+            <a:avLst/>
+          </a:prstGeom>
+          <a:ln w="12700">
+            <a:miter lim="400000"/>
+          </a:ln>
+          <a:extLst>
+            <a:ext uri="{C572A759-6A51-4108-AA02-DFA0A04FC94B}">
+              <ma14:wrappingTextBoxFlag xmlns="" xmlns:m="http://schemas.openxmlformats.org/officeDocument/2006/math" xmlns:a14="http://schemas.microsoft.com/office/drawing/2010/main" xmlns:ma14="http://schemas.microsoft.com/office/mac/drawingml/2011/main" val="1"/>
+            </a:ext>
+          </a:extLst>
+        </p:spPr>
+        <p:txBody>
+          <a:bodyPr wrap="none" lIns="45719" rIns="45719">
+            <a:spAutoFit/>
+          </a:bodyPr>
+          <a:lstStyle/>
+          <a:p>
+            <a:r>
+              <a:t>0.7898193760262726</a:t>
+            </a:r>
+          </a:p>
+        </p:txBody>
+      </p:sp>
+      <p:sp>
+        <p:nvSpPr>
+          <p:cNvPr id="174" name="Textfeld 5"/>
+          <p:cNvSpPr txBox="1"/>
+          <p:nvPr/>
+        </p:nvSpPr>
+        <p:spPr>
+          <a:xfrm rot="16200000">
+            <a:off x="-1576247" y="3927582"/>
+            <a:ext cx="4127342" cy="370841"/>
+          </a:xfrm>
+          <a:prstGeom prst="rect">
+            <a:avLst/>
+          </a:prstGeom>
+          <a:ln w="12700">
+            <a:miter lim="400000"/>
+          </a:ln>
+          <a:extLst>
+            <a:ext uri="{C572A759-6A51-4108-AA02-DFA0A04FC94B}">
+              <ma14:wrappingTextBoxFlag xmlns="" xmlns:m="http://schemas.openxmlformats.org/officeDocument/2006/math" xmlns:a14="http://schemas.microsoft.com/office/drawing/2010/main" xmlns:ma14="http://schemas.microsoft.com/office/mac/drawingml/2011/main" val="1"/>
+            </a:ext>
+          </a:extLst>
+        </p:spPr>
+        <p:txBody>
+          <a:bodyPr lIns="45719" rIns="45719">
+            <a:spAutoFit/>
+          </a:bodyPr>
+          <a:lstStyle/>
+          <a:p>
+            <a:r>
+              <a:t>Score                     Confusion Matrix</a:t>
+            </a:r>
+          </a:p>
+        </p:txBody>
+      </p:sp>
+      <p:sp>
+        <p:nvSpPr>
+          <p:cNvPr id="175" name="Textfeld 6"/>
+          <p:cNvSpPr txBox="1"/>
+          <p:nvPr/>
+        </p:nvSpPr>
+        <p:spPr>
+          <a:xfrm>
+            <a:off x="883919" y="2183032"/>
+            <a:ext cx="2631442" cy="370841"/>
+          </a:xfrm>
+          <a:prstGeom prst="rect">
+            <a:avLst/>
+          </a:prstGeom>
+          <a:ln w="12700">
+            <a:miter lim="400000"/>
+          </a:ln>
+          <a:extLst>
+            <a:ext uri="{C572A759-6A51-4108-AA02-DFA0A04FC94B}">
+              <ma14:wrappingTextBoxFlag xmlns="" xmlns:m="http://schemas.openxmlformats.org/officeDocument/2006/math" xmlns:a14="http://schemas.microsoft.com/office/drawing/2010/main" xmlns:ma14="http://schemas.microsoft.com/office/mac/drawingml/2011/main" val="1"/>
+            </a:ext>
+          </a:extLst>
+        </p:spPr>
+        <p:txBody>
+          <a:bodyPr lIns="45719" rIns="45719">
+            <a:spAutoFit/>
+          </a:bodyPr>
+          <a:lstStyle/>
+          <a:p>
+            <a:r>
+              <a:t>Tfidf + LogReg Classifier</a:t>
+            </a:r>
+          </a:p>
+        </p:txBody>
+      </p:sp>
+      <p:sp>
+        <p:nvSpPr>
+          <p:cNvPr id="176" name="Textfeld 9"/>
+          <p:cNvSpPr txBox="1"/>
+          <p:nvPr/>
+        </p:nvSpPr>
+        <p:spPr>
+          <a:xfrm>
+            <a:off x="4599786" y="2187514"/>
+            <a:ext cx="2631442" cy="650241"/>
+          </a:xfrm>
+          <a:prstGeom prst="rect">
+            <a:avLst/>
+          </a:prstGeom>
+          <a:ln w="12700">
+            <a:miter lim="400000"/>
+          </a:ln>
+          <a:extLst>
+            <a:ext uri="{C572A759-6A51-4108-AA02-DFA0A04FC94B}">
+              <ma14:wrappingTextBoxFlag xmlns="" xmlns:m="http://schemas.openxmlformats.org/officeDocument/2006/math" xmlns:a14="http://schemas.microsoft.com/office/drawing/2010/main" xmlns:ma14="http://schemas.microsoft.com/office/mac/drawingml/2011/main" val="1"/>
+            </a:ext>
+          </a:extLst>
+        </p:spPr>
+        <p:txBody>
+          <a:bodyPr lIns="45719" rIns="45719">
+            <a:spAutoFit/>
+          </a:bodyPr>
+          <a:lstStyle/>
+          <a:p>
+            <a:r>
+              <a:t>stacking approach:</a:t>
+            </a:r>
+          </a:p>
+          <a:p>
+            <a:r>
+              <a:t>LogReg, KNN, Naive Bayes</a:t>
+            </a:r>
+          </a:p>
+        </p:txBody>
+      </p:sp>
+      <p:sp>
+        <p:nvSpPr>
+          <p:cNvPr id="177" name="Rechteck 10"/>
+          <p:cNvSpPr txBox="1"/>
+          <p:nvPr/>
+        </p:nvSpPr>
+        <p:spPr>
+          <a:xfrm>
+            <a:off x="4803738" y="5681426"/>
+            <a:ext cx="2131515" cy="370841"/>
+          </a:xfrm>
+          <a:prstGeom prst="rect">
+            <a:avLst/>
+          </a:prstGeom>
+          <a:ln w="12700">
+            <a:miter lim="400000"/>
+          </a:ln>
+          <a:extLst>
+            <a:ext uri="{C572A759-6A51-4108-AA02-DFA0A04FC94B}">
+              <ma14:wrappingTextBoxFlag xmlns="" xmlns:m="http://schemas.openxmlformats.org/officeDocument/2006/math" xmlns:a14="http://schemas.microsoft.com/office/drawing/2010/main" xmlns:ma14="http://schemas.microsoft.com/office/mac/drawingml/2011/main" val="1"/>
+            </a:ext>
+          </a:extLst>
+        </p:spPr>
+        <p:txBody>
+          <a:bodyPr wrap="none" lIns="45719" rIns="45719">
+            <a:spAutoFit/>
+          </a:bodyPr>
+          <a:lstStyle/>
+          <a:p>
+            <a:r>
+              <a:t>0.8260013131976363</a:t>
+            </a:r>
+          </a:p>
+        </p:txBody>
+      </p:sp>
+      <p:pic>
+        <p:nvPicPr>
+          <p:cNvPr id="178" name="Picture 6" descr="Picture 6"/>
+          <p:cNvPicPr>
+            <a:picLocks noChangeAspect="1"/>
+          </p:cNvPicPr>
+          <p:nvPr/>
+        </p:nvPicPr>
+        <p:blipFill>
+          <a:blip r:embed="rId3"/>
+          <a:stretch>
+            <a:fillRect/>
+          </a:stretch>
+        </p:blipFill>
+        <p:spPr>
+          <a:xfrm>
+            <a:off x="4422683" y="2907363"/>
+            <a:ext cx="2943226" cy="2495551"/>
+          </a:xfrm>
+          <a:prstGeom prst="rect">
+            <a:avLst/>
+          </a:prstGeom>
+          <a:ln w="12700">
+            <a:miter lim="400000"/>
+          </a:ln>
+        </p:spPr>
+      </p:pic>
+    </p:spTree>
+  </p:cSld>
+  <p:clrMapOvr>
+    <a:masterClrMapping/>
+  </p:clrMapOvr>
+  <p:transition spd="med"/>
+</p:sld>
+</file>
+
+<file path=ppt/slides/slide15.xml><?xml version="1.0" encoding="utf-8"?>
+<p:sld xmlns:a="http://schemas.openxmlformats.org/drawingml/2006/main" xmlns:r="http://schemas.openxmlformats.org/officeDocument/2006/relationships" xmlns:p="http://schemas.openxmlformats.org/presentationml/2006/main">
+  <p:cSld>
+    <p:spTree>
+      <p:nvGrpSpPr>
+        <p:cNvPr id="1" name=""/>
+        <p:cNvGrpSpPr/>
+        <p:nvPr/>
+      </p:nvGrpSpPr>
+      <p:grpSpPr>
+        <a:xfrm>
+          <a:off x="0" y="0"/>
+          <a:ext cx="0" cy="0"/>
+          <a:chOff x="0" y="0"/>
+          <a:chExt cx="0" cy="0"/>
+        </a:xfrm>
+      </p:grpSpPr>
+      <p:sp>
+        <p:nvSpPr>
+          <p:cNvPr id="180" name="Titel 1"/>
+          <p:cNvSpPr txBox="1">
+            <a:spLocks noGrp="1"/>
+          </p:cNvSpPr>
+          <p:nvPr>
+            <p:ph type="title"/>
+          </p:nvPr>
+        </p:nvSpPr>
+        <p:spPr>
+          <a:xfrm>
+            <a:off x="838200" y="365125"/>
+            <a:ext cx="10515600" cy="1325563"/>
+          </a:xfrm>
+          <a:prstGeom prst="rect">
+            <a:avLst/>
+          </a:prstGeom>
+        </p:spPr>
+        <p:txBody>
+          <a:bodyPr/>
+          <a:lstStyle/>
+          <a:p>
+            <a:r>
+              <a:t>Product</a:t>
+            </a:r>
+          </a:p>
+        </p:txBody>
+      </p:sp>
+      <p:sp>
+        <p:nvSpPr>
+          <p:cNvPr id="181" name="Inhaltsplatzhalter 2"/>
+          <p:cNvSpPr txBox="1">
+            <a:spLocks noGrp="1"/>
+          </p:cNvSpPr>
+          <p:nvPr>
+            <p:ph type="body" idx="1"/>
+          </p:nvPr>
+        </p:nvSpPr>
+        <p:spPr>
+          <a:xfrm>
+            <a:off x="838200" y="1825625"/>
+            <a:ext cx="10515600" cy="4351338"/>
+          </a:xfrm>
+          <a:prstGeom prst="rect">
+            <a:avLst/>
+          </a:prstGeom>
+        </p:spPr>
+        <p:txBody>
+          <a:bodyPr/>
+          <a:lstStyle/>
+          <a:p>
+            <a:r>
+              <a:t>Warning App: </a:t>
+            </a:r>
+            <a:r>
+              <a:rPr sz="1600" u="sng">
+                <a:solidFill>
+                  <a:srgbClr val="0563C1"/>
+                </a:solidFill>
+                <a:uFill>
+                  <a:solidFill>
+                    <a:srgbClr val="0563C1"/>
+                  </a:solidFill>
+                </a:uFill>
+                <a:hlinkClick r:id="rId2"/>
+              </a:rPr>
+              <a:t>https://x.thunkable.com/copy/57989626327f283cca1815d081083498</a:t>
+            </a:r>
           </a:p>
         </p:txBody>
       </p:sp>
@@ -5066,7 +5362,7 @@
       </p:grpSpPr>
       <p:sp>
         <p:nvSpPr>
-          <p:cNvPr id="170" name="Titel 1"/>
+          <p:cNvPr id="183" name="Titel 1"/>
           <p:cNvSpPr txBox="1">
             <a:spLocks noGrp="1"/>
           </p:cNvSpPr>
@@ -5088,14 +5384,14 @@
           <a:lstStyle/>
           <a:p>
             <a:r>
-              <a:t>Progress</a:t>
+              <a:t>Backup</a:t>
             </a:r>
           </a:p>
         </p:txBody>
       </p:sp>
       <p:sp>
         <p:nvSpPr>
-          <p:cNvPr id="171" name="Inhaltsplatzhalter 2"/>
+          <p:cNvPr id="184" name="Inhaltsplatzhalter 2"/>
           <p:cNvSpPr txBox="1">
             <a:spLocks noGrp="1"/>
           </p:cNvSpPr>
@@ -5116,259 +5412,10 @@
           <a:bodyPr/>
           <a:lstStyle/>
           <a:p>
-            <a:pPr marL="0" indent="0">
-              <a:buSzTx/>
-              <a:buNone/>
-            </a:pPr>
-            <a:r>
-              <a:t>Day 1:				Day 4:</a:t>
-            </a:r>
-          </a:p>
-          <a:p>
-            <a:pPr marL="0" indent="0">
-              <a:buSzTx/>
-              <a:buNone/>
-            </a:pPr>
-            <a:r>
-              <a:t> </a:t>
-            </a:r>
+            <a:endParaRPr/>
           </a:p>
         </p:txBody>
       </p:sp>
-      <p:pic>
-        <p:nvPicPr>
-          <p:cNvPr id="172" name="Picture 2" descr="Picture 2"/>
-          <p:cNvPicPr>
-            <a:picLocks noChangeAspect="1"/>
-          </p:cNvPicPr>
-          <p:nvPr/>
-        </p:nvPicPr>
-        <p:blipFill>
-          <a:blip r:embed="rId2"/>
-          <a:stretch>
-            <a:fillRect/>
-          </a:stretch>
-        </p:blipFill>
-        <p:spPr>
-          <a:xfrm>
-            <a:off x="670952" y="2735244"/>
-            <a:ext cx="2943226" cy="2647951"/>
-          </a:xfrm>
-          <a:prstGeom prst="rect">
-            <a:avLst/>
-          </a:prstGeom>
-          <a:ln w="12700">
-            <a:miter lim="400000"/>
-          </a:ln>
-        </p:spPr>
-      </p:pic>
-      <p:sp>
-        <p:nvSpPr>
-          <p:cNvPr id="173" name="Rechteck 4"/>
-          <p:cNvSpPr txBox="1"/>
-          <p:nvPr/>
-        </p:nvSpPr>
-        <p:spPr>
-          <a:xfrm>
-            <a:off x="1072433" y="5681426"/>
-            <a:ext cx="2131514" cy="370841"/>
-          </a:xfrm>
-          <a:prstGeom prst="rect">
-            <a:avLst/>
-          </a:prstGeom>
-          <a:ln w="12700">
-            <a:miter lim="400000"/>
-          </a:ln>
-          <a:extLst>
-            <a:ext uri="{C572A759-6A51-4108-AA02-DFA0A04FC94B}">
-              <ma14:wrappingTextBoxFlag xmlns:ma14="http://schemas.microsoft.com/office/mac/drawingml/2011/main" xmlns:a14="http://schemas.microsoft.com/office/drawing/2010/main" xmlns:m="http://schemas.openxmlformats.org/officeDocument/2006/math" xmlns="" val="1"/>
-            </a:ext>
-          </a:extLst>
-        </p:spPr>
-        <p:txBody>
-          <a:bodyPr wrap="none" lIns="45719" rIns="45719">
-            <a:spAutoFit/>
-          </a:bodyPr>
-          <a:lstStyle/>
-          <a:p>
-            <a:r>
-              <a:t>0.7898193760262726</a:t>
-            </a:r>
-          </a:p>
-        </p:txBody>
-      </p:sp>
-      <p:sp>
-        <p:nvSpPr>
-          <p:cNvPr id="174" name="Textfeld 5"/>
-          <p:cNvSpPr txBox="1"/>
-          <p:nvPr/>
-        </p:nvSpPr>
-        <p:spPr>
-          <a:xfrm rot="16200000">
-            <a:off x="-1576247" y="3927582"/>
-            <a:ext cx="4127342" cy="370841"/>
-          </a:xfrm>
-          <a:prstGeom prst="rect">
-            <a:avLst/>
-          </a:prstGeom>
-          <a:ln w="12700">
-            <a:miter lim="400000"/>
-          </a:ln>
-          <a:extLst>
-            <a:ext uri="{C572A759-6A51-4108-AA02-DFA0A04FC94B}">
-              <ma14:wrappingTextBoxFlag xmlns:ma14="http://schemas.microsoft.com/office/mac/drawingml/2011/main" xmlns:a14="http://schemas.microsoft.com/office/drawing/2010/main" xmlns:m="http://schemas.openxmlformats.org/officeDocument/2006/math" xmlns="" val="1"/>
-            </a:ext>
-          </a:extLst>
-        </p:spPr>
-        <p:txBody>
-          <a:bodyPr lIns="45719" rIns="45719">
-            <a:spAutoFit/>
-          </a:bodyPr>
-          <a:lstStyle/>
-          <a:p>
-            <a:r>
-              <a:t>Score                     Confusion Matrix</a:t>
-            </a:r>
-          </a:p>
-        </p:txBody>
-      </p:sp>
-      <p:sp>
-        <p:nvSpPr>
-          <p:cNvPr id="175" name="Textfeld 6"/>
-          <p:cNvSpPr txBox="1"/>
-          <p:nvPr/>
-        </p:nvSpPr>
-        <p:spPr>
-          <a:xfrm>
-            <a:off x="883919" y="2183032"/>
-            <a:ext cx="2631442" cy="370841"/>
-          </a:xfrm>
-          <a:prstGeom prst="rect">
-            <a:avLst/>
-          </a:prstGeom>
-          <a:ln w="12700">
-            <a:miter lim="400000"/>
-          </a:ln>
-          <a:extLst>
-            <a:ext uri="{C572A759-6A51-4108-AA02-DFA0A04FC94B}">
-              <ma14:wrappingTextBoxFlag xmlns:ma14="http://schemas.microsoft.com/office/mac/drawingml/2011/main" xmlns:a14="http://schemas.microsoft.com/office/drawing/2010/main" xmlns:m="http://schemas.openxmlformats.org/officeDocument/2006/math" xmlns="" val="1"/>
-            </a:ext>
-          </a:extLst>
-        </p:spPr>
-        <p:txBody>
-          <a:bodyPr lIns="45719" rIns="45719">
-            <a:spAutoFit/>
-          </a:bodyPr>
-          <a:lstStyle/>
-          <a:p>
-            <a:r>
-              <a:t>Tfidf + LogReg Classifier</a:t>
-            </a:r>
-          </a:p>
-        </p:txBody>
-      </p:sp>
-      <p:sp>
-        <p:nvSpPr>
-          <p:cNvPr id="176" name="Textfeld 9"/>
-          <p:cNvSpPr txBox="1"/>
-          <p:nvPr/>
-        </p:nvSpPr>
-        <p:spPr>
-          <a:xfrm>
-            <a:off x="4599786" y="2187514"/>
-            <a:ext cx="2631442" cy="650241"/>
-          </a:xfrm>
-          <a:prstGeom prst="rect">
-            <a:avLst/>
-          </a:prstGeom>
-          <a:ln w="12700">
-            <a:miter lim="400000"/>
-          </a:ln>
-          <a:extLst>
-            <a:ext uri="{C572A759-6A51-4108-AA02-DFA0A04FC94B}">
-              <ma14:wrappingTextBoxFlag xmlns:ma14="http://schemas.microsoft.com/office/mac/drawingml/2011/main" xmlns:a14="http://schemas.microsoft.com/office/drawing/2010/main" xmlns:m="http://schemas.openxmlformats.org/officeDocument/2006/math" xmlns="" val="1"/>
-            </a:ext>
-          </a:extLst>
-        </p:spPr>
-        <p:txBody>
-          <a:bodyPr lIns="45719" rIns="45719">
-            <a:spAutoFit/>
-          </a:bodyPr>
-          <a:lstStyle/>
-          <a:p>
-            <a:r>
-              <a:t>stacking approach:</a:t>
-            </a:r>
-          </a:p>
-          <a:p>
-            <a:r>
-              <a:t>LogReg, KNN, Naive Bayes</a:t>
-            </a:r>
-          </a:p>
-        </p:txBody>
-      </p:sp>
-      <p:sp>
-        <p:nvSpPr>
-          <p:cNvPr id="177" name="Rechteck 10"/>
-          <p:cNvSpPr txBox="1"/>
-          <p:nvPr/>
-        </p:nvSpPr>
-        <p:spPr>
-          <a:xfrm>
-            <a:off x="4803738" y="5681426"/>
-            <a:ext cx="2131515" cy="370841"/>
-          </a:xfrm>
-          <a:prstGeom prst="rect">
-            <a:avLst/>
-          </a:prstGeom>
-          <a:ln w="12700">
-            <a:miter lim="400000"/>
-          </a:ln>
-          <a:extLst>
-            <a:ext uri="{C572A759-6A51-4108-AA02-DFA0A04FC94B}">
-              <ma14:wrappingTextBoxFlag xmlns:ma14="http://schemas.microsoft.com/office/mac/drawingml/2011/main" xmlns:a14="http://schemas.microsoft.com/office/drawing/2010/main" xmlns:m="http://schemas.openxmlformats.org/officeDocument/2006/math" xmlns="" val="1"/>
-            </a:ext>
-          </a:extLst>
-        </p:spPr>
-        <p:txBody>
-          <a:bodyPr wrap="none" lIns="45719" rIns="45719">
-            <a:spAutoFit/>
-          </a:bodyPr>
-          <a:lstStyle/>
-          <a:p>
-            <a:r>
-              <a:t>0.8260013131976363</a:t>
-            </a:r>
-          </a:p>
-        </p:txBody>
-      </p:sp>
-      <p:pic>
-        <p:nvPicPr>
-          <p:cNvPr id="178" name="Picture 6" descr="Picture 6"/>
-          <p:cNvPicPr>
-            <a:picLocks noChangeAspect="1"/>
-          </p:cNvPicPr>
-          <p:nvPr/>
-        </p:nvPicPr>
-        <p:blipFill>
-          <a:blip r:embed="rId3"/>
-          <a:stretch>
-            <a:fillRect/>
-          </a:stretch>
-        </p:blipFill>
-        <p:spPr>
-          <a:xfrm>
-            <a:off x="4422683" y="2907363"/>
-            <a:ext cx="2943226" cy="2495551"/>
-          </a:xfrm>
-          <a:prstGeom prst="rect">
-            <a:avLst/>
-          </a:prstGeom>
-          <a:ln w="12700">
-            <a:miter lim="400000"/>
-          </a:ln>
-        </p:spPr>
-      </p:pic>
     </p:spTree>
   </p:cSld>
   <p:clrMapOvr>
@@ -5397,7 +5444,7 @@
       </p:grpSpPr>
       <p:sp>
         <p:nvSpPr>
-          <p:cNvPr id="180" name="Titel 1"/>
+          <p:cNvPr id="186" name="Titel 1"/>
           <p:cNvSpPr txBox="1">
             <a:spLocks noGrp="1"/>
           </p:cNvSpPr>
@@ -5419,54 +5466,65 @@
           <a:lstStyle/>
           <a:p>
             <a:r>
-              <a:t>Product</a:t>
+              <a:t>Useful graphs</a:t>
             </a:r>
           </a:p>
         </p:txBody>
       </p:sp>
-      <p:sp>
-        <p:nvSpPr>
-          <p:cNvPr id="181" name="Inhaltsplatzhalter 2"/>
-          <p:cNvSpPr txBox="1">
-            <a:spLocks noGrp="1"/>
-          </p:cNvSpPr>
-          <p:nvPr>
-            <p:ph type="body" idx="1"/>
-          </p:nvPr>
-        </p:nvSpPr>
+      <p:pic>
+        <p:nvPicPr>
+          <p:cNvPr id="187" name="Picture 2" descr="Picture 2"/>
+          <p:cNvPicPr>
+            <a:picLocks noChangeAspect="1"/>
+          </p:cNvPicPr>
+          <p:nvPr/>
+        </p:nvPicPr>
+        <p:blipFill>
+          <a:blip r:embed="rId2"/>
+          <a:stretch>
+            <a:fillRect/>
+          </a:stretch>
+        </p:blipFill>
         <p:spPr>
           <a:xfrm>
-            <a:off x="838200" y="1825625"/>
-            <a:ext cx="10515600" cy="4351338"/>
+            <a:off x="838200" y="4179887"/>
+            <a:ext cx="6370321" cy="2544811"/>
           </a:xfrm>
           <a:prstGeom prst="rect">
             <a:avLst/>
           </a:prstGeom>
-        </p:spPr>
-        <p:txBody>
-          <a:bodyPr/>
-          <a:lstStyle/>
-          <a:p>
-            <a:r>
-              <a:t>Warning App: </a:t>
-            </a:r>
-            <a:r>
-              <a:rPr sz="1600" u="sng">
-                <a:solidFill>
-                  <a:srgbClr val="0563C1"/>
-                </a:solidFill>
-                <a:uFill>
-                  <a:solidFill>
-                    <a:srgbClr val="0563C1"/>
-                  </a:solidFill>
-                </a:uFill>
-                <a:hlinkClick r:id="rId2"/>
-              </a:rPr>
-              <a:t>https://x.thunkable.com/copy/57989626327f283cca1815d081083498</a:t>
-            </a:r>
-          </a:p>
-        </p:txBody>
-      </p:sp>
+          <a:ln w="12700">
+            <a:miter lim="400000"/>
+          </a:ln>
+        </p:spPr>
+      </p:pic>
+      <p:pic>
+        <p:nvPicPr>
+          <p:cNvPr id="188" name="Picture 4" descr="Picture 4"/>
+          <p:cNvPicPr>
+            <a:picLocks noChangeAspect="1"/>
+          </p:cNvPicPr>
+          <p:nvPr/>
+        </p:nvPicPr>
+        <p:blipFill>
+          <a:blip r:embed="rId3"/>
+          <a:stretch>
+            <a:fillRect/>
+          </a:stretch>
+        </p:blipFill>
+        <p:spPr>
+          <a:xfrm>
+            <a:off x="838200" y="1473199"/>
+            <a:ext cx="3571875" cy="2409826"/>
+          </a:xfrm>
+          <a:prstGeom prst="rect">
+            <a:avLst/>
+          </a:prstGeom>
+          <a:ln w="12700">
+            <a:miter lim="400000"/>
+          </a:ln>
+        </p:spPr>
+      </p:pic>
     </p:spTree>
   </p:cSld>
   <p:clrMapOvr>
@@ -5495,7 +5553,7 @@
       </p:grpSpPr>
       <p:sp>
         <p:nvSpPr>
-          <p:cNvPr id="183" name="Titel 1"/>
+          <p:cNvPr id="190" name="Titel 1"/>
           <p:cNvSpPr txBox="1">
             <a:spLocks noGrp="1"/>
           </p:cNvSpPr>
@@ -5517,14 +5575,14 @@
           <a:lstStyle/>
           <a:p>
             <a:r>
-              <a:t>Backup</a:t>
+              <a:t>Used techniques</a:t>
             </a:r>
           </a:p>
         </p:txBody>
       </p:sp>
       <p:sp>
         <p:nvSpPr>
-          <p:cNvPr id="184" name="Inhaltsplatzhalter 2"/>
+          <p:cNvPr id="191" name="Inhaltsplatzhalter 2"/>
           <p:cNvSpPr txBox="1">
             <a:spLocks noGrp="1"/>
           </p:cNvSpPr>
@@ -5545,7 +5603,172 @@
           <a:bodyPr/>
           <a:lstStyle/>
           <a:p>
-            <a:endParaRPr/>
+            <a:pPr marL="221742" indent="-221742" defTabSz="886968">
+              <a:lnSpc>
+                <a:spcPct val="81000"/>
+              </a:lnSpc>
+              <a:spcBef>
+                <a:spcPts val="900"/>
+              </a:spcBef>
+              <a:defRPr sz="2425"/>
+            </a:pPr>
+            <a:r>
+              <a:t>Data wrangling</a:t>
+            </a:r>
+          </a:p>
+          <a:p>
+            <a:pPr marL="665226" lvl="1" indent="-221742" defTabSz="886968">
+              <a:lnSpc>
+                <a:spcPct val="81000"/>
+              </a:lnSpc>
+              <a:spcBef>
+                <a:spcPts val="400"/>
+              </a:spcBef>
+              <a:defRPr sz="2134"/>
+            </a:pPr>
+            <a:r>
+              <a:t>regex</a:t>
+            </a:r>
+          </a:p>
+          <a:p>
+            <a:pPr marL="665226" lvl="1" indent="-221742" defTabSz="886968">
+              <a:lnSpc>
+                <a:spcPct val="81000"/>
+              </a:lnSpc>
+              <a:spcBef>
+                <a:spcPts val="400"/>
+              </a:spcBef>
+              <a:defRPr sz="2134"/>
+            </a:pPr>
+            <a:r>
+              <a:t>replace by dict</a:t>
+            </a:r>
+          </a:p>
+          <a:p>
+            <a:pPr marL="665226" lvl="1" indent="-221742" defTabSz="886968">
+              <a:lnSpc>
+                <a:spcPct val="81000"/>
+              </a:lnSpc>
+              <a:spcBef>
+                <a:spcPts val="400"/>
+              </a:spcBef>
+              <a:defRPr sz="2134"/>
+            </a:pPr>
+            <a:r>
+              <a:t>POS / NER</a:t>
+            </a:r>
+          </a:p>
+          <a:p>
+            <a:pPr marL="221742" indent="-221742" defTabSz="886968">
+              <a:lnSpc>
+                <a:spcPct val="81000"/>
+              </a:lnSpc>
+              <a:spcBef>
+                <a:spcPts val="900"/>
+              </a:spcBef>
+              <a:defRPr sz="2425"/>
+            </a:pPr>
+            <a:r>
+              <a:t>ML</a:t>
+            </a:r>
+          </a:p>
+          <a:p>
+            <a:pPr marL="665226" lvl="1" indent="-221742" defTabSz="886968">
+              <a:lnSpc>
+                <a:spcPct val="81000"/>
+              </a:lnSpc>
+              <a:spcBef>
+                <a:spcPts val="400"/>
+              </a:spcBef>
+              <a:defRPr sz="2134"/>
+            </a:pPr>
+            <a:r>
+              <a:t>pipeline</a:t>
+            </a:r>
+          </a:p>
+          <a:p>
+            <a:pPr marL="665226" lvl="1" indent="-221742" defTabSz="886968">
+              <a:lnSpc>
+                <a:spcPct val="81000"/>
+              </a:lnSpc>
+              <a:spcBef>
+                <a:spcPts val="400"/>
+              </a:spcBef>
+              <a:defRPr sz="2134"/>
+            </a:pPr>
+            <a:r>
+              <a:t>Tfidf</a:t>
+            </a:r>
+          </a:p>
+          <a:p>
+            <a:pPr marL="665226" lvl="1" indent="-221742" defTabSz="886968">
+              <a:lnSpc>
+                <a:spcPct val="81000"/>
+              </a:lnSpc>
+              <a:spcBef>
+                <a:spcPts val="400"/>
+              </a:spcBef>
+              <a:defRPr sz="2134"/>
+            </a:pPr>
+            <a:r>
+              <a:t>CountVectorizer</a:t>
+            </a:r>
+          </a:p>
+          <a:p>
+            <a:pPr marL="665226" lvl="1" indent="-221742" defTabSz="886968">
+              <a:lnSpc>
+                <a:spcPct val="81000"/>
+              </a:lnSpc>
+              <a:spcBef>
+                <a:spcPts val="400"/>
+              </a:spcBef>
+              <a:defRPr sz="2134"/>
+            </a:pPr>
+            <a:r>
+              <a:t>XGBClassifier</a:t>
+            </a:r>
+          </a:p>
+          <a:p>
+            <a:pPr marL="665226" lvl="1" indent="-221742" defTabSz="886968">
+              <a:lnSpc>
+                <a:spcPct val="81000"/>
+              </a:lnSpc>
+              <a:spcBef>
+                <a:spcPts val="400"/>
+              </a:spcBef>
+              <a:defRPr sz="2134"/>
+            </a:pPr>
+            <a:r>
+              <a:t>stacking</a:t>
+            </a:r>
+          </a:p>
+          <a:p>
+            <a:pPr marL="221742" indent="-221742" defTabSz="886968">
+              <a:lnSpc>
+                <a:spcPct val="81000"/>
+              </a:lnSpc>
+              <a:spcBef>
+                <a:spcPts val="900"/>
+              </a:spcBef>
+              <a:defRPr sz="2425"/>
+            </a:pPr>
+            <a:r>
+              <a:t>App</a:t>
+            </a:r>
+          </a:p>
+          <a:p>
+            <a:pPr marL="665226" lvl="1" indent="-221742" defTabSz="886968">
+              <a:lnSpc>
+                <a:spcPct val="81000"/>
+              </a:lnSpc>
+              <a:spcBef>
+                <a:spcPts val="400"/>
+              </a:spcBef>
+              <a:defRPr sz="2134"/>
+            </a:pPr>
+            <a:r>
+              <a:t>thunkable</a:t>
+            </a:r>
           </a:p>
         </p:txBody>
       </p:sp>
@@ -5577,7 +5800,7 @@
       </p:grpSpPr>
       <p:sp>
         <p:nvSpPr>
-          <p:cNvPr id="186" name="Titel 1"/>
+          <p:cNvPr id="121" name="Titel 1"/>
           <p:cNvSpPr txBox="1">
             <a:spLocks noGrp="1"/>
           </p:cNvSpPr>
@@ -5586,10 +5809,6 @@
           </p:nvPr>
         </p:nvSpPr>
         <p:spPr>
-          <a:xfrm>
-            <a:off x="838200" y="365125"/>
-            <a:ext cx="10515600" cy="1325563"/>
-          </a:xfrm>
           <a:prstGeom prst="rect">
             <a:avLst/>
           </a:prstGeom>
@@ -5599,14 +5818,177 @@
           <a:lstStyle/>
           <a:p>
             <a:r>
-              <a:t>Useful graphs</a:t>
-            </a:r>
+              <a:t>Workbench</a:t>
+            </a:r>
+          </a:p>
+        </p:txBody>
+      </p:sp>
+      <p:sp>
+        <p:nvSpPr>
+          <p:cNvPr id="122" name="# cleaning: df.replace(&quot;[^a-zA-Z' ]“).split().lower().re.findall().stopwords."/>
+          <p:cNvSpPr txBox="1"/>
+          <p:nvPr/>
+        </p:nvSpPr>
+        <p:spPr>
+          <a:xfrm>
+            <a:off x="-4952" y="6311900"/>
+            <a:ext cx="8346577" cy="1983740"/>
+          </a:xfrm>
+          <a:prstGeom prst="rect">
+            <a:avLst/>
+          </a:prstGeom>
+          <a:ln w="12700">
+            <a:miter lim="400000"/>
+          </a:ln>
+          <a:extLst>
+            <a:ext uri="{C572A759-6A51-4108-AA02-DFA0A04FC94B}">
+              <ma14:wrappingTextBoxFlag xmlns="" xmlns:m="http://schemas.openxmlformats.org/officeDocument/2006/math" xmlns:a14="http://schemas.microsoft.com/office/drawing/2010/main" xmlns:ma14="http://schemas.microsoft.com/office/mac/drawingml/2011/main" val="1"/>
+            </a:ext>
+          </a:extLst>
+        </p:spPr>
+        <p:txBody>
+          <a:bodyPr wrap="none" lIns="45719" rIns="45719">
+            <a:spAutoFit/>
+          </a:bodyPr>
+          <a:lstStyle/>
+          <a:p>
+            <a:pPr defTabSz="457200">
+              <a:lnSpc>
+                <a:spcPts val="3500"/>
+              </a:lnSpc>
+              <a:defRPr sz="1400">
+                <a:solidFill>
+                  <a:srgbClr val="008000"/>
+                </a:solidFill>
+                <a:latin typeface="Menlo Regular"/>
+                <a:ea typeface="Menlo Regular"/>
+                <a:cs typeface="Menlo Regular"/>
+                <a:sym typeface="Menlo Regular"/>
+              </a:defRPr>
+            </a:pPr>
+            <a:r>
+              <a:t># cleaning: df.replace("[^a-zA-Z' ]“).split().lower().re.findall().stopwords.</a:t>
+            </a:r>
+          </a:p>
+          <a:p>
+            <a:pPr defTabSz="457200">
+              <a:lnSpc>
+                <a:spcPts val="3500"/>
+              </a:lnSpc>
+              <a:defRPr sz="1400">
+                <a:solidFill>
+                  <a:srgbClr val="008000"/>
+                </a:solidFill>
+                <a:latin typeface="Menlo Regular"/>
+                <a:ea typeface="Menlo Regular"/>
+                <a:cs typeface="Menlo Regular"/>
+                <a:sym typeface="Menlo Regular"/>
+              </a:defRPr>
+            </a:pPr>
+            <a:endParaRPr/>
+          </a:p>
+          <a:p>
+            <a:pPr defTabSz="457200">
+              <a:lnSpc>
+                <a:spcPts val="3500"/>
+              </a:lnSpc>
+              <a:defRPr sz="1400">
+                <a:solidFill>
+                  <a:srgbClr val="008000"/>
+                </a:solidFill>
+                <a:latin typeface="Menlo Regular"/>
+                <a:ea typeface="Menlo Regular"/>
+                <a:cs typeface="Menlo Regular"/>
+                <a:sym typeface="Menlo Regular"/>
+              </a:defRPr>
+            </a:pPr>
+            <a:endParaRPr/>
+          </a:p>
+          <a:p>
+            <a:pPr defTabSz="457200">
+              <a:lnSpc>
+                <a:spcPts val="3500"/>
+              </a:lnSpc>
+              <a:defRPr sz="1400">
+                <a:solidFill>
+                  <a:srgbClr val="008000"/>
+                </a:solidFill>
+                <a:latin typeface="Menlo Regular"/>
+                <a:ea typeface="Menlo Regular"/>
+                <a:cs typeface="Menlo Regular"/>
+                <a:sym typeface="Menlo Regular"/>
+              </a:defRPr>
+            </a:pPr>
+            <a:endParaRPr/>
+          </a:p>
+          <a:p>
+            <a:pPr defTabSz="457200">
+              <a:lnSpc>
+                <a:spcPts val="3500"/>
+              </a:lnSpc>
+              <a:defRPr sz="1400">
+                <a:solidFill>
+                  <a:srgbClr val="008000"/>
+                </a:solidFill>
+                <a:latin typeface="Menlo Regular"/>
+                <a:ea typeface="Menlo Regular"/>
+                <a:cs typeface="Menlo Regular"/>
+                <a:sym typeface="Menlo Regular"/>
+              </a:defRPr>
+            </a:pPr>
+            <a:endParaRPr>
+              <a:solidFill>
+                <a:srgbClr val="000000"/>
+              </a:solidFill>
+            </a:endParaRPr>
+          </a:p>
+          <a:p>
+            <a:pPr defTabSz="457200">
+              <a:lnSpc>
+                <a:spcPts val="3500"/>
+              </a:lnSpc>
+              <a:defRPr sz="1400">
+                <a:solidFill>
+                  <a:srgbClr val="008000"/>
+                </a:solidFill>
+                <a:latin typeface="Menlo Regular"/>
+                <a:ea typeface="Menlo Regular"/>
+                <a:cs typeface="Menlo Regular"/>
+                <a:sym typeface="Menlo Regular"/>
+              </a:defRPr>
+            </a:pPr>
+            <a:endParaRPr>
+              <a:solidFill>
+                <a:srgbClr val="000000"/>
+              </a:solidFill>
+            </a:endParaRPr>
+          </a:p>
+          <a:p>
+            <a:pPr defTabSz="457200">
+              <a:lnSpc>
+                <a:spcPts val="3500"/>
+              </a:lnSpc>
+              <a:defRPr sz="1400">
+                <a:solidFill>
+                  <a:srgbClr val="008000"/>
+                </a:solidFill>
+                <a:latin typeface="Menlo Regular"/>
+                <a:ea typeface="Menlo Regular"/>
+                <a:cs typeface="Menlo Regular"/>
+                <a:sym typeface="Menlo Regular"/>
+              </a:defRPr>
+            </a:pPr>
+            <a:endParaRPr>
+              <a:solidFill>
+                <a:srgbClr val="000000"/>
+              </a:solidFill>
+            </a:endParaRPr>
           </a:p>
         </p:txBody>
       </p:sp>
       <p:pic>
         <p:nvPicPr>
-          <p:cNvPr id="187" name="Picture 2" descr="Picture 2"/>
+          <p:cNvPr id="123" name="Bildschirmfoto 2020-10-08 um 22.25.11.png" descr="Bildschirmfoto 2020-10-08 um 22.25.11.png"/>
           <p:cNvPicPr>
             <a:picLocks noChangeAspect="1"/>
           </p:cNvPicPr>
@@ -5620,35 +6002,8 @@
         </p:blipFill>
         <p:spPr>
           <a:xfrm>
-            <a:off x="838200" y="4179887"/>
-            <a:ext cx="6370321" cy="2544811"/>
-          </a:xfrm>
-          <a:prstGeom prst="rect">
-            <a:avLst/>
-          </a:prstGeom>
-          <a:ln w="12700">
-            <a:miter lim="400000"/>
-          </a:ln>
-        </p:spPr>
-      </p:pic>
-      <p:pic>
-        <p:nvPicPr>
-          <p:cNvPr id="188" name="Picture 4" descr="Picture 4"/>
-          <p:cNvPicPr>
-            <a:picLocks noChangeAspect="1"/>
-          </p:cNvPicPr>
-          <p:nvPr/>
-        </p:nvPicPr>
-        <p:blipFill>
-          <a:blip r:embed="rId3"/>
-          <a:stretch>
-            <a:fillRect/>
-          </a:stretch>
-        </p:blipFill>
-        <p:spPr>
-          <a:xfrm>
-            <a:off x="838200" y="1473199"/>
-            <a:ext cx="3571875" cy="2409826"/>
+            <a:off x="1271016" y="1317318"/>
+            <a:ext cx="10515601" cy="4959677"/>
           </a:xfrm>
           <a:prstGeom prst="rect">
             <a:avLst/>
@@ -5774,253 +6129,6 @@
           </a:ln>
         </p:spPr>
       </p:pic>
-    </p:spTree>
-  </p:cSld>
-  <p:clrMapOvr>
-    <a:masterClrMapping/>
-  </p:clrMapOvr>
-  <p:transition spd="med"/>
-</p:sld>
-</file>
-
-<file path=ppt/slides/slide20.xml><?xml version="1.0" encoding="utf-8"?>
-<p:sld xmlns:a="http://schemas.openxmlformats.org/drawingml/2006/main" xmlns:r="http://schemas.openxmlformats.org/officeDocument/2006/relationships" xmlns:p="http://schemas.openxmlformats.org/presentationml/2006/main">
-  <p:cSld>
-    <p:spTree>
-      <p:nvGrpSpPr>
-        <p:cNvPr id="1" name=""/>
-        <p:cNvGrpSpPr/>
-        <p:nvPr/>
-      </p:nvGrpSpPr>
-      <p:grpSpPr>
-        <a:xfrm>
-          <a:off x="0" y="0"/>
-          <a:ext cx="0" cy="0"/>
-          <a:chOff x="0" y="0"/>
-          <a:chExt cx="0" cy="0"/>
-        </a:xfrm>
-      </p:grpSpPr>
-      <p:sp>
-        <p:nvSpPr>
-          <p:cNvPr id="190" name="Titel 1"/>
-          <p:cNvSpPr txBox="1">
-            <a:spLocks noGrp="1"/>
-          </p:cNvSpPr>
-          <p:nvPr>
-            <p:ph type="title"/>
-          </p:nvPr>
-        </p:nvSpPr>
-        <p:spPr>
-          <a:xfrm>
-            <a:off x="838200" y="365125"/>
-            <a:ext cx="10515600" cy="1325563"/>
-          </a:xfrm>
-          <a:prstGeom prst="rect">
-            <a:avLst/>
-          </a:prstGeom>
-        </p:spPr>
-        <p:txBody>
-          <a:bodyPr/>
-          <a:lstStyle/>
-          <a:p>
-            <a:r>
-              <a:t>Used techniques</a:t>
-            </a:r>
-          </a:p>
-        </p:txBody>
-      </p:sp>
-      <p:sp>
-        <p:nvSpPr>
-          <p:cNvPr id="191" name="Inhaltsplatzhalter 2"/>
-          <p:cNvSpPr txBox="1">
-            <a:spLocks noGrp="1"/>
-          </p:cNvSpPr>
-          <p:nvPr>
-            <p:ph type="body" idx="1"/>
-          </p:nvPr>
-        </p:nvSpPr>
-        <p:spPr>
-          <a:xfrm>
-            <a:off x="838200" y="1825625"/>
-            <a:ext cx="10515600" cy="4351338"/>
-          </a:xfrm>
-          <a:prstGeom prst="rect">
-            <a:avLst/>
-          </a:prstGeom>
-        </p:spPr>
-        <p:txBody>
-          <a:bodyPr/>
-          <a:lstStyle/>
-          <a:p>
-            <a:pPr marL="221742" indent="-221742" defTabSz="886968">
-              <a:lnSpc>
-                <a:spcPct val="81000"/>
-              </a:lnSpc>
-              <a:spcBef>
-                <a:spcPts val="900"/>
-              </a:spcBef>
-              <a:defRPr sz="2425"/>
-            </a:pPr>
-            <a:r>
-              <a:t>Data wrangling</a:t>
-            </a:r>
-          </a:p>
-          <a:p>
-            <a:pPr marL="665226" lvl="1" indent="-221742" defTabSz="886968">
-              <a:lnSpc>
-                <a:spcPct val="81000"/>
-              </a:lnSpc>
-              <a:spcBef>
-                <a:spcPts val="400"/>
-              </a:spcBef>
-              <a:defRPr sz="2134"/>
-            </a:pPr>
-            <a:r>
-              <a:t>regex</a:t>
-            </a:r>
-          </a:p>
-          <a:p>
-            <a:pPr marL="665226" lvl="1" indent="-221742" defTabSz="886968">
-              <a:lnSpc>
-                <a:spcPct val="81000"/>
-              </a:lnSpc>
-              <a:spcBef>
-                <a:spcPts val="400"/>
-              </a:spcBef>
-              <a:defRPr sz="2134"/>
-            </a:pPr>
-            <a:r>
-              <a:t>replace by dict</a:t>
-            </a:r>
-          </a:p>
-          <a:p>
-            <a:pPr marL="665226" lvl="1" indent="-221742" defTabSz="886968">
-              <a:lnSpc>
-                <a:spcPct val="81000"/>
-              </a:lnSpc>
-              <a:spcBef>
-                <a:spcPts val="400"/>
-              </a:spcBef>
-              <a:defRPr sz="2134"/>
-            </a:pPr>
-            <a:r>
-              <a:t>POS / NER</a:t>
-            </a:r>
-          </a:p>
-          <a:p>
-            <a:pPr marL="221742" indent="-221742" defTabSz="886968">
-              <a:lnSpc>
-                <a:spcPct val="81000"/>
-              </a:lnSpc>
-              <a:spcBef>
-                <a:spcPts val="900"/>
-              </a:spcBef>
-              <a:defRPr sz="2425"/>
-            </a:pPr>
-            <a:r>
-              <a:t>ML</a:t>
-            </a:r>
-          </a:p>
-          <a:p>
-            <a:pPr marL="665226" lvl="1" indent="-221742" defTabSz="886968">
-              <a:lnSpc>
-                <a:spcPct val="81000"/>
-              </a:lnSpc>
-              <a:spcBef>
-                <a:spcPts val="400"/>
-              </a:spcBef>
-              <a:defRPr sz="2134"/>
-            </a:pPr>
-            <a:r>
-              <a:t>pipeline</a:t>
-            </a:r>
-          </a:p>
-          <a:p>
-            <a:pPr marL="665226" lvl="1" indent="-221742" defTabSz="886968">
-              <a:lnSpc>
-                <a:spcPct val="81000"/>
-              </a:lnSpc>
-              <a:spcBef>
-                <a:spcPts val="400"/>
-              </a:spcBef>
-              <a:defRPr sz="2134"/>
-            </a:pPr>
-            <a:r>
-              <a:t>Tfidf</a:t>
-            </a:r>
-          </a:p>
-          <a:p>
-            <a:pPr marL="665226" lvl="1" indent="-221742" defTabSz="886968">
-              <a:lnSpc>
-                <a:spcPct val="81000"/>
-              </a:lnSpc>
-              <a:spcBef>
-                <a:spcPts val="400"/>
-              </a:spcBef>
-              <a:defRPr sz="2134"/>
-            </a:pPr>
-            <a:r>
-              <a:t>CountVectorizer</a:t>
-            </a:r>
-          </a:p>
-          <a:p>
-            <a:pPr marL="665226" lvl="1" indent="-221742" defTabSz="886968">
-              <a:lnSpc>
-                <a:spcPct val="81000"/>
-              </a:lnSpc>
-              <a:spcBef>
-                <a:spcPts val="400"/>
-              </a:spcBef>
-              <a:defRPr sz="2134"/>
-            </a:pPr>
-            <a:r>
-              <a:t>XGBClassifier</a:t>
-            </a:r>
-          </a:p>
-          <a:p>
-            <a:pPr marL="665226" lvl="1" indent="-221742" defTabSz="886968">
-              <a:lnSpc>
-                <a:spcPct val="81000"/>
-              </a:lnSpc>
-              <a:spcBef>
-                <a:spcPts val="400"/>
-              </a:spcBef>
-              <a:defRPr sz="2134"/>
-            </a:pPr>
-            <a:r>
-              <a:t>stacking</a:t>
-            </a:r>
-          </a:p>
-          <a:p>
-            <a:pPr marL="221742" indent="-221742" defTabSz="886968">
-              <a:lnSpc>
-                <a:spcPct val="81000"/>
-              </a:lnSpc>
-              <a:spcBef>
-                <a:spcPts val="900"/>
-              </a:spcBef>
-              <a:defRPr sz="2425"/>
-            </a:pPr>
-            <a:r>
-              <a:t>App</a:t>
-            </a:r>
-          </a:p>
-          <a:p>
-            <a:pPr marL="665226" lvl="1" indent="-221742" defTabSz="886968">
-              <a:lnSpc>
-                <a:spcPct val="81000"/>
-              </a:lnSpc>
-              <a:spcBef>
-                <a:spcPts val="400"/>
-              </a:spcBef>
-              <a:defRPr sz="2134"/>
-            </a:pPr>
-            <a:r>
-              <a:t>thunkable</a:t>
-            </a:r>
-          </a:p>
-        </p:txBody>
-      </p:sp>
     </p:spTree>
   </p:cSld>
   <p:clrMapOvr>
@@ -6545,6 +6653,7 @@
           <a:lstStyle/>
           <a:p>
             <a:r>
+              <a:rPr dirty="0"/>
               <a:t>Day 3: </a:t>
             </a:r>
           </a:p>
@@ -6556,6 +6665,7 @@
               <a:defRPr sz="2400"/>
             </a:pPr>
             <a:r>
+              <a:rPr dirty="0"/>
               <a:t>Git (group)</a:t>
             </a:r>
           </a:p>
@@ -6567,6 +6677,7 @@
               <a:defRPr sz="2400"/>
             </a:pPr>
             <a:r>
+              <a:rPr dirty="0"/>
               <a:t>different NLP and ML techniques ( group)</a:t>
             </a:r>
           </a:p>
@@ -6578,6 +6689,7 @@
               <a:defRPr sz="2400"/>
             </a:pPr>
             <a:r>
+              <a:rPr dirty="0"/>
               <a:t>many different models tested</a:t>
             </a:r>
           </a:p>
@@ -6588,7 +6700,7 @@
               </a:spcBef>
               <a:defRPr sz="2400"/>
             </a:pPr>
-            <a:endParaRPr/>
+            <a:endParaRPr dirty="0"/>
           </a:p>
           <a:p>
             <a:pPr marL="685800" lvl="1" indent="-228600">
@@ -6597,12 +6709,58 @@
               </a:spcBef>
               <a:defRPr sz="2400"/>
             </a:pPr>
-            <a:endParaRPr/>
-          </a:p>
-          <a:p>
-            <a:r>
-              <a:t>Markus mit großen Tabellen + einer Live Prediction</a:t>
-            </a:r>
+            <a:endParaRPr dirty="0"/>
+          </a:p>
+          <a:p>
+            <a:r>
+              <a:rPr dirty="0"/>
+              <a:t>Markus </a:t>
+            </a:r>
+            <a:r>
+              <a:rPr dirty="0" err="1"/>
+              <a:t>mit</a:t>
+            </a:r>
+            <a:r>
+              <a:rPr dirty="0"/>
+              <a:t> </a:t>
+            </a:r>
+            <a:r>
+              <a:rPr dirty="0" err="1"/>
+              <a:t>großen</a:t>
+            </a:r>
+            <a:r>
+              <a:rPr dirty="0"/>
+              <a:t> </a:t>
+            </a:r>
+            <a:r>
+              <a:rPr dirty="0" err="1"/>
+              <a:t>Tabellen</a:t>
+            </a:r>
+            <a:r>
+              <a:rPr dirty="0"/>
+              <a:t> + </a:t>
+            </a:r>
+            <a:r>
+              <a:rPr dirty="0" err="1"/>
+              <a:t>einer</a:t>
+            </a:r>
+            <a:r>
+              <a:rPr dirty="0"/>
+              <a:t> Live Prediction</a:t>
+            </a:r>
+            <a:r>
+              <a:rPr lang="de-DE" dirty="0"/>
+              <a:t> im </a:t>
+            </a:r>
+            <a:r>
+              <a:rPr lang="de-DE" dirty="0" err="1"/>
+              <a:t>colab</a:t>
+            </a:r>
+            <a:r>
+              <a:rPr lang="de-DE" dirty="0"/>
+              <a:t>!</a:t>
+            </a:r>
+            <a:endParaRPr dirty="0"/>
           </a:p>
         </p:txBody>
       </p:sp>
@@ -6706,8 +6864,8 @@
         </p:blipFill>
         <p:spPr>
           <a:xfrm>
-            <a:off x="8662901" y="-1"/>
-            <a:ext cx="3447338" cy="6858001"/>
+            <a:off x="6104246" y="-1"/>
+            <a:ext cx="3913585" cy="6858001"/>
           </a:xfrm>
           <a:prstGeom prst="rect">
             <a:avLst/>
@@ -6764,7 +6922,7 @@
           </a:ln>
           <a:extLst>
             <a:ext uri="{C572A759-6A51-4108-AA02-DFA0A04FC94B}">
-              <ma14:wrappingTextBoxFlag xmlns:ma14="http://schemas.microsoft.com/office/mac/drawingml/2011/main" xmlns:a14="http://schemas.microsoft.com/office/drawing/2010/main" xmlns:m="http://schemas.openxmlformats.org/officeDocument/2006/math" xmlns="" val="1"/>
+              <ma14:wrappingTextBoxFlag xmlns="" xmlns:m="http://schemas.openxmlformats.org/officeDocument/2006/math" xmlns:a14="http://schemas.microsoft.com/office/drawing/2010/main" xmlns:ma14="http://schemas.microsoft.com/office/mac/drawingml/2011/main" val="1"/>
             </a:ext>
           </a:extLst>
         </p:spPr>
@@ -6810,9 +6968,114 @@
           <a:chExt cx="0" cy="0"/>
         </a:xfrm>
       </p:grpSpPr>
+      <p:graphicFrame>
+        <p:nvGraphicFramePr>
+          <p:cNvPr id="4" name="Objekt 3" hidden="1">
+            <a:extLst>
+              <a:ext uri="{FF2B5EF4-FFF2-40B4-BE49-F238E27FC236}">
+                <a16:creationId xmlns:a16="http://schemas.microsoft.com/office/drawing/2014/main" id="{7A1D2B31-C9F3-4A8B-853F-10A60A05D20D}"/>
+              </a:ext>
+            </a:extLst>
+          </p:cNvPr>
+          <p:cNvGraphicFramePr>
+            <a:graphicFrameLocks noChangeAspect="1"/>
+          </p:cNvGraphicFramePr>
+          <p:nvPr>
+            <p:custDataLst>
+              <p:tags r:id="rId2"/>
+            </p:custDataLst>
+            <p:extLst>
+              <p:ext uri="{D42A27DB-BD31-4B8C-83A1-F6EECF244321}">
+                <p14:modId xmlns:p14="http://schemas.microsoft.com/office/powerpoint/2010/main" val="832421933"/>
+              </p:ext>
+            </p:extLst>
+          </p:nvPr>
+        </p:nvGraphicFramePr>
+        <p:xfrm>
+          <a:off x="1588" y="1588"/>
+          <a:ext cx="1588" cy="1588"/>
+        </p:xfrm>
+        <a:graphic>
+          <a:graphicData uri="http://schemas.openxmlformats.org/presentationml/2006/ole">
+            <mc:AlternateContent xmlns:mc="http://schemas.openxmlformats.org/markup-compatibility/2006">
+              <mc:Choice xmlns:v="urn:schemas-microsoft-com:vml" Requires="v">
+                <p:oleObj spid="_x0000_s3074" name="think-cell Folie" r:id="rId4" imgW="499" imgH="499" progId="TCLayout.ActiveDocument.1">
+                  <p:embed/>
+                </p:oleObj>
+              </mc:Choice>
+              <mc:Fallback>
+                <p:oleObj name="think-cell Folie" r:id="rId4" imgW="499" imgH="499" progId="TCLayout.ActiveDocument.1">
+                  <p:embed/>
+                  <p:pic>
+                    <p:nvPicPr>
+                      <p:cNvPr id="4" name="Objekt 3" hidden="1">
+                        <a:extLst>
+                          <a:ext uri="{FF2B5EF4-FFF2-40B4-BE49-F238E27FC236}">
+                            <a16:creationId xmlns:a16="http://schemas.microsoft.com/office/drawing/2014/main" id="{7A1D2B31-C9F3-4A8B-853F-10A60A05D20D}"/>
+                          </a:ext>
+                        </a:extLst>
+                      </p:cNvPr>
+                      <p:cNvPicPr/>
+                      <p:nvPr/>
+                    </p:nvPicPr>
+                    <p:blipFill>
+                      <a:blip r:embed="rId5"/>
+                      <a:stretch>
+                        <a:fillRect/>
+                      </a:stretch>
+                    </p:blipFill>
+                    <p:spPr>
+                      <a:xfrm>
+                        <a:off x="1588" y="1588"/>
+                        <a:ext cx="1588" cy="1588"/>
+                      </a:xfrm>
+                      <a:prstGeom prst="rect">
+                        <a:avLst/>
+                      </a:prstGeom>
+                    </p:spPr>
+                  </p:pic>
+                </p:oleObj>
+              </mc:Fallback>
+            </mc:AlternateContent>
+          </a:graphicData>
+        </a:graphic>
+      </p:graphicFrame>
+      <p:pic>
+        <p:nvPicPr>
+          <p:cNvPr id="7" name="Bildschirmfoto 2020-10-08 um 22.25.11.png" descr="Bildschirmfoto 2020-10-08 um 22.25.11.png">
+            <a:extLst>
+              <a:ext uri="{FF2B5EF4-FFF2-40B4-BE49-F238E27FC236}">
+                <a16:creationId xmlns:a16="http://schemas.microsoft.com/office/drawing/2014/main" id="{F6EC72AC-55A5-4151-8359-96791C382B0E}"/>
+              </a:ext>
+            </a:extLst>
+          </p:cNvPr>
+          <p:cNvPicPr>
+            <a:picLocks noChangeAspect="1"/>
+          </p:cNvPicPr>
+          <p:nvPr/>
+        </p:nvPicPr>
+        <p:blipFill>
+          <a:blip r:embed="rId6"/>
+          <a:stretch>
+            <a:fillRect/>
+          </a:stretch>
+        </p:blipFill>
+        <p:spPr>
+          <a:xfrm>
+            <a:off x="676657" y="1317318"/>
+            <a:ext cx="6633863" cy="4959677"/>
+          </a:xfrm>
+          <a:prstGeom prst="rect">
+            <a:avLst/>
+          </a:prstGeom>
+          <a:ln w="12700">
+            <a:miter lim="400000"/>
+          </a:ln>
+        </p:spPr>
+      </p:pic>
       <p:sp>
         <p:nvSpPr>
-          <p:cNvPr id="121" name="Titel 1"/>
+          <p:cNvPr id="130" name="Titel 1"/>
           <p:cNvSpPr txBox="1">
             <a:spLocks noGrp="1"/>
           </p:cNvSpPr>
@@ -6837,14 +7100,14 @@
       </p:sp>
       <p:sp>
         <p:nvSpPr>
-          <p:cNvPr id="122" name="# cleaning: df.replace(&quot;[^a-zA-Z' ]“).split().lower().re.findall().stopwords."/>
+          <p:cNvPr id="131" name="doc_loc =df['location_clean'].apply( lambda satz: nlp(satz) )"/>
           <p:cNvSpPr txBox="1"/>
           <p:nvPr/>
         </p:nvSpPr>
         <p:spPr>
           <a:xfrm>
             <a:off x="-4952" y="6311900"/>
-            <a:ext cx="8346577" cy="1983740"/>
+            <a:ext cx="6633863" cy="1983740"/>
           </a:xfrm>
           <a:prstGeom prst="rect">
             <a:avLst/>
@@ -6854,7 +7117,7 @@
           </a:ln>
           <a:extLst>
             <a:ext uri="{C572A759-6A51-4108-AA02-DFA0A04FC94B}">
-              <ma14:wrappingTextBoxFlag xmlns:ma14="http://schemas.microsoft.com/office/mac/drawingml/2011/main" xmlns:a14="http://schemas.microsoft.com/office/drawing/2010/main" xmlns:m="http://schemas.openxmlformats.org/officeDocument/2006/math" xmlns="" val="1"/>
+              <ma14:wrappingTextBoxFlag xmlns="" xmlns:m="http://schemas.openxmlformats.org/officeDocument/2006/math" xmlns:a14="http://schemas.microsoft.com/office/drawing/2010/main" xmlns:ma14="http://schemas.microsoft.com/office/mac/drawingml/2011/main" val="1"/>
             </a:ext>
           </a:extLst>
         </p:spPr>
@@ -6869,9 +7132,6 @@
                 <a:spcPts val="3500"/>
               </a:lnSpc>
               <a:defRPr sz="1400">
-                <a:solidFill>
-                  <a:srgbClr val="008000"/>
-                </a:solidFill>
                 <a:latin typeface="Menlo Regular"/>
                 <a:ea typeface="Menlo Regular"/>
                 <a:cs typeface="Menlo Regular"/>
@@ -6879,7 +7139,29 @@
               </a:defRPr>
             </a:pPr>
             <a:r>
-              <a:t># cleaning: df.replace("[^a-zA-Z' ]“).split().lower().re.findall().stopwords.</a:t>
+              <a:t>doc_loc =df[</a:t>
+            </a:r>
+            <a:r>
+              <a:rPr>
+                <a:solidFill>
+                  <a:srgbClr val="A31515"/>
+                </a:solidFill>
+              </a:rPr>
+              <a:t>'location_clean'</a:t>
+            </a:r>
+            <a:r>
+              <a:t>].apply( </a:t>
+            </a:r>
+            <a:r>
+              <a:rPr>
+                <a:solidFill>
+                  <a:srgbClr val="0000FF"/>
+                </a:solidFill>
+              </a:rPr>
+              <a:t>lambda</a:t>
+            </a:r>
+            <a:r>
+              <a:t> satz: nlp(satz) )</a:t>
             </a:r>
           </a:p>
           <a:p>
@@ -7000,22 +7282,22 @@
       </p:sp>
       <p:pic>
         <p:nvPicPr>
-          <p:cNvPr id="123" name="Bildschirmfoto 2020-10-08 um 22.25.11.png" descr="Bildschirmfoto 2020-10-08 um 22.25.11.png"/>
+          <p:cNvPr id="132" name="Bildschirmfoto 2020-10-08 um 22.38.22.png" descr="Bildschirmfoto 2020-10-08 um 22.38.22.png"/>
           <p:cNvPicPr>
             <a:picLocks noChangeAspect="1"/>
           </p:cNvPicPr>
           <p:nvPr/>
         </p:nvPicPr>
         <p:blipFill>
-          <a:blip r:embed="rId2"/>
+          <a:blip r:embed="rId7"/>
           <a:stretch>
             <a:fillRect/>
           </a:stretch>
         </p:blipFill>
         <p:spPr>
           <a:xfrm>
-            <a:off x="1271016" y="1317318"/>
-            <a:ext cx="10515601" cy="4959677"/>
+            <a:off x="5984632" y="609599"/>
+            <a:ext cx="6197601" cy="5638801"/>
           </a:xfrm>
           <a:prstGeom prst="rect">
             <a:avLst/>
@@ -7053,7 +7335,7 @@
       </p:grpSpPr>
       <p:sp>
         <p:nvSpPr>
-          <p:cNvPr id="125" name="Titel 1"/>
+          <p:cNvPr id="134" name="Titel 1"/>
           <p:cNvSpPr txBox="1">
             <a:spLocks noGrp="1"/>
           </p:cNvSpPr>
@@ -7071,21 +7353,21 @@
           <a:lstStyle/>
           <a:p>
             <a:r>
-              <a:t>Workbench</a:t>
+              <a:t>Finde den Fehler</a:t>
             </a:r>
           </a:p>
         </p:txBody>
       </p:sp>
       <p:sp>
         <p:nvSpPr>
-          <p:cNvPr id="126" name="# cleaning: df.replace(&quot;[^a-zA-Z' ]“).split().lower().re.findall().stopwords."/>
+          <p:cNvPr id="135" name="displacy.render(doc_loc, style=&quot;ent&quot;, jupyter=True)"/>
           <p:cNvSpPr txBox="1"/>
           <p:nvPr/>
         </p:nvSpPr>
         <p:spPr>
           <a:xfrm>
             <a:off x="-4952" y="6311900"/>
-            <a:ext cx="8346577" cy="1983740"/>
+            <a:ext cx="5563417" cy="1983740"/>
           </a:xfrm>
           <a:prstGeom prst="rect">
             <a:avLst/>
@@ -7095,7 +7377,7 @@
           </a:ln>
           <a:extLst>
             <a:ext uri="{C572A759-6A51-4108-AA02-DFA0A04FC94B}">
-              <ma14:wrappingTextBoxFlag xmlns:ma14="http://schemas.microsoft.com/office/mac/drawingml/2011/main" xmlns:a14="http://schemas.microsoft.com/office/drawing/2010/main" xmlns:m="http://schemas.openxmlformats.org/officeDocument/2006/math" xmlns="" val="1"/>
+              <ma14:wrappingTextBoxFlag xmlns="" xmlns:m="http://schemas.openxmlformats.org/officeDocument/2006/math" xmlns:a14="http://schemas.microsoft.com/office/drawing/2010/main" xmlns:ma14="http://schemas.microsoft.com/office/mac/drawingml/2011/main" val="1"/>
             </a:ext>
           </a:extLst>
         </p:spPr>
@@ -7110,9 +7392,6 @@
                 <a:spcPts val="3500"/>
               </a:lnSpc>
               <a:defRPr sz="1400">
-                <a:solidFill>
-                  <a:srgbClr val="008000"/>
-                </a:solidFill>
                 <a:latin typeface="Menlo Regular"/>
                 <a:ea typeface="Menlo Regular"/>
                 <a:cs typeface="Menlo Regular"/>
@@ -7120,7 +7399,29 @@
               </a:defRPr>
             </a:pPr>
             <a:r>
-              <a:t># cleaning: df.replace("[^a-zA-Z' ]“).split().lower().re.findall().stopwords.</a:t>
+              <a:t>displacy.render(doc_loc, style=</a:t>
+            </a:r>
+            <a:r>
+              <a:rPr>
+                <a:solidFill>
+                  <a:srgbClr val="A31515"/>
+                </a:solidFill>
+              </a:rPr>
+              <a:t>"ent"</a:t>
+            </a:r>
+            <a:r>
+              <a:t>, jupyter=</a:t>
+            </a:r>
+            <a:r>
+              <a:rPr>
+                <a:solidFill>
+                  <a:srgbClr val="0000FF"/>
+                </a:solidFill>
+              </a:rPr>
+              <a:t>True</a:t>
+            </a:r>
+            <a:r>
+              <a:t>)</a:t>
             </a:r>
           </a:p>
           <a:p>
@@ -7241,7 +7542,7 @@
       </p:sp>
       <p:pic>
         <p:nvPicPr>
-          <p:cNvPr id="127" name="Bildschirmfoto 2020-10-08 um 22.25.11.png" descr="Bildschirmfoto 2020-10-08 um 22.25.11.png"/>
+          <p:cNvPr id="136" name="Bildschirmfoto 2020-10-08 um 22.38.22.png" descr="Bildschirmfoto 2020-10-08 um 22.38.22.png"/>
           <p:cNvPicPr>
             <a:picLocks noChangeAspect="1"/>
           </p:cNvPicPr>
@@ -7255,8 +7556,8 @@
         </p:blipFill>
         <p:spPr>
           <a:xfrm>
-            <a:off x="1271016" y="1317318"/>
-            <a:ext cx="10515601" cy="4959677"/>
+            <a:off x="5984632" y="609600"/>
+            <a:ext cx="6197601" cy="5638800"/>
           </a:xfrm>
           <a:prstGeom prst="rect">
             <a:avLst/>
@@ -7266,16 +7567,25 @@
           </a:ln>
         </p:spPr>
       </p:pic>
-      <p:sp>
-        <p:nvSpPr>
-          <p:cNvPr id="128" name="Titel 1"/>
-          <p:cNvSpPr txBox="1"/>
+      <p:pic>
+        <p:nvPicPr>
+          <p:cNvPr id="137" name="Bildschirmfoto 2020-10-08 um 22.40.22.png" descr="Bildschirmfoto 2020-10-08 um 22.40.22.png"/>
+          <p:cNvPicPr>
+            <a:picLocks noChangeAspect="1"/>
+          </p:cNvPicPr>
           <p:nvPr/>
-        </p:nvSpPr>
+        </p:nvPicPr>
+        <p:blipFill>
+          <a:blip r:embed="rId3"/>
+          <a:srcRect t="6577" b="8666"/>
+          <a:stretch>
+            <a:fillRect/>
+          </a:stretch>
+        </p:blipFill>
         <p:spPr>
           <a:xfrm>
-            <a:off x="6782561" y="1472319"/>
-            <a:ext cx="4928390" cy="4649675"/>
+            <a:off x="8329382" y="5953"/>
+            <a:ext cx="3879492" cy="6845904"/>
           </a:xfrm>
           <a:prstGeom prst="rect">
             <a:avLst/>
@@ -7283,542 +7593,35 @@
           <a:ln w="12700">
             <a:miter lim="400000"/>
           </a:ln>
-          <a:extLst>
-            <a:ext uri="{C572A759-6A51-4108-AA02-DFA0A04FC94B}">
-              <ma14:wrappingTextBoxFlag xmlns:ma14="http://schemas.microsoft.com/office/mac/drawingml/2011/main" xmlns:a14="http://schemas.microsoft.com/office/drawing/2010/main" xmlns:m="http://schemas.openxmlformats.org/officeDocument/2006/math" xmlns="" val="1"/>
-            </a:ext>
-          </a:extLst>
-        </p:spPr>
-        <p:txBody>
-          <a:bodyPr lIns="45719" rIns="45719" anchor="ctr">
-            <a:normAutofit fontScale="25000" lnSpcReduction="20000"/>
-          </a:bodyPr>
-          <a:lstStyle/>
-          <a:p>
-            <a:pPr defTabSz="393192">
-              <a:lnSpc>
-                <a:spcPts val="3000"/>
-              </a:lnSpc>
-              <a:defRPr sz="1204">
-                <a:solidFill>
-                  <a:srgbClr val="A31515"/>
-                </a:solidFill>
-                <a:latin typeface="Menlo Regular"/>
-                <a:ea typeface="Menlo Regular"/>
-                <a:cs typeface="Menlo Regular"/>
-                <a:sym typeface="Menlo Regular"/>
-              </a:defRPr>
-            </a:pPr>
-            <a:r>
-              <a:t>2674                                      hkxfymhex</a:t>
-            </a:r>
-            <a:endParaRPr>
-              <a:solidFill>
-                <a:srgbClr val="000000"/>
-              </a:solidFill>
-            </a:endParaRPr>
-          </a:p>
-          <a:p>
-            <a:pPr defTabSz="393192">
-              <a:lnSpc>
-                <a:spcPts val="3000"/>
-              </a:lnSpc>
-              <a:defRPr sz="1204">
-                <a:solidFill>
-                  <a:srgbClr val="A31515"/>
-                </a:solidFill>
-                <a:latin typeface="Menlo Regular"/>
-                <a:ea typeface="Menlo Regular"/>
-                <a:cs typeface="Menlo Regular"/>
-                <a:sym typeface="Menlo Regular"/>
-              </a:defRPr>
-            </a:pPr>
-            <a:r>
-              <a:t>2675                             hamilton county in</a:t>
-            </a:r>
-            <a:endParaRPr>
-              <a:solidFill>
-                <a:srgbClr val="000000"/>
-              </a:solidFill>
-            </a:endParaRPr>
-          </a:p>
-          <a:p>
-            <a:pPr defTabSz="393192">
-              <a:lnSpc>
-                <a:spcPts val="3000"/>
-              </a:lnSpc>
-              <a:defRPr sz="1204">
-                <a:solidFill>
-                  <a:srgbClr val="A31515"/>
-                </a:solidFill>
-                <a:latin typeface="Menlo Regular"/>
-                <a:ea typeface="Menlo Regular"/>
-                <a:cs typeface="Menlo Regular"/>
-                <a:sym typeface="Menlo Regular"/>
-              </a:defRPr>
-            </a:pPr>
-            <a:r>
-              <a:t>2676                                          dakar</a:t>
-            </a:r>
-            <a:endParaRPr>
-              <a:solidFill>
-                <a:srgbClr val="000000"/>
-              </a:solidFill>
-            </a:endParaRPr>
-          </a:p>
-          <a:p>
-            <a:pPr defTabSz="393192">
-              <a:lnSpc>
-                <a:spcPts val="3000"/>
-              </a:lnSpc>
-              <a:defRPr sz="1204">
-                <a:solidFill>
-                  <a:srgbClr val="A31515"/>
-                </a:solidFill>
-                <a:latin typeface="Menlo Regular"/>
-                <a:ea typeface="Menlo Regular"/>
-                <a:cs typeface="Menlo Regular"/>
-                <a:sym typeface="Menlo Regular"/>
-              </a:defRPr>
-            </a:pPr>
-            <a:r>
-              <a:t>2677                                   in your head</a:t>
-            </a:r>
-            <a:endParaRPr>
-              <a:solidFill>
-                <a:srgbClr val="000000"/>
-              </a:solidFill>
-            </a:endParaRPr>
-          </a:p>
-          <a:p>
-            <a:pPr defTabSz="393192">
-              <a:lnSpc>
-                <a:spcPts val="3000"/>
-              </a:lnSpc>
-              <a:defRPr sz="1204">
-                <a:solidFill>
-                  <a:srgbClr val="A31515"/>
-                </a:solidFill>
-                <a:latin typeface="Menlo Regular"/>
-                <a:ea typeface="Menlo Regular"/>
-                <a:cs typeface="Menlo Regular"/>
-                <a:sym typeface="Menlo Regular"/>
-              </a:defRPr>
-            </a:pPr>
-            <a:r>
-              <a:t>2678                     the sanctuary network rome</a:t>
-            </a:r>
-            <a:endParaRPr>
-              <a:solidFill>
-                <a:srgbClr val="000000"/>
-              </a:solidFill>
-            </a:endParaRPr>
-          </a:p>
-          <a:p>
-            <a:pPr defTabSz="393192">
-              <a:lnSpc>
-                <a:spcPts val="3000"/>
-              </a:lnSpc>
-              <a:defRPr sz="1204">
-                <a:solidFill>
-                  <a:srgbClr val="A31515"/>
-                </a:solidFill>
-                <a:latin typeface="Menlo Regular"/>
-                <a:ea typeface="Menlo Regular"/>
-                <a:cs typeface="Menlo Regular"/>
-                <a:sym typeface="Menlo Regular"/>
-              </a:defRPr>
-            </a:pPr>
-            <a:r>
-              <a:t>2679                       tractor land aka bristol</a:t>
-            </a:r>
-            <a:endParaRPr>
-              <a:solidFill>
-                <a:srgbClr val="000000"/>
-              </a:solidFill>
-            </a:endParaRPr>
-          </a:p>
-          <a:p>
-            <a:pPr defTabSz="393192">
-              <a:lnSpc>
-                <a:spcPts val="3000"/>
-              </a:lnSpc>
-              <a:defRPr sz="1204">
-                <a:solidFill>
-                  <a:srgbClr val="A31515"/>
-                </a:solidFill>
-                <a:latin typeface="Menlo Regular"/>
-                <a:ea typeface="Menlo Regular"/>
-                <a:cs typeface="Menlo Regular"/>
-                <a:sym typeface="Menlo Regular"/>
-              </a:defRPr>
-            </a:pPr>
-            <a:r>
-              <a:t>2680                          adventuring in narnia</a:t>
-            </a:r>
-            <a:endParaRPr>
-              <a:solidFill>
-                <a:srgbClr val="000000"/>
-              </a:solidFill>
-            </a:endParaRPr>
-          </a:p>
-          <a:p>
-            <a:pPr defTabSz="393192">
-              <a:lnSpc>
-                <a:spcPts val="3000"/>
-              </a:lnSpc>
-              <a:defRPr sz="1204">
-                <a:solidFill>
-                  <a:srgbClr val="A31515"/>
-                </a:solidFill>
-                <a:latin typeface="Menlo Regular"/>
-                <a:ea typeface="Menlo Regular"/>
-                <a:cs typeface="Menlo Regular"/>
-                <a:sym typeface="Menlo Regular"/>
-              </a:defRPr>
-            </a:pPr>
-            <a:r>
-              <a:t>2681                                         asgard</a:t>
-            </a:r>
-            <a:endParaRPr>
-              <a:solidFill>
-                <a:srgbClr val="000000"/>
-              </a:solidFill>
-            </a:endParaRPr>
-          </a:p>
-          <a:p>
-            <a:pPr defTabSz="393192">
-              <a:lnSpc>
-                <a:spcPts val="3000"/>
-              </a:lnSpc>
-              <a:defRPr sz="1204">
-                <a:solidFill>
-                  <a:srgbClr val="A31515"/>
-                </a:solidFill>
-                <a:latin typeface="Menlo Regular"/>
-                <a:ea typeface="Menlo Regular"/>
-                <a:cs typeface="Menlo Regular"/>
-                <a:sym typeface="Menlo Regular"/>
-              </a:defRPr>
-            </a:pPr>
-            <a:r>
-              <a:t>2682                            unite bless wallahi</a:t>
-            </a:r>
-            <a:endParaRPr>
-              <a:solidFill>
-                <a:srgbClr val="000000"/>
-              </a:solidFill>
-            </a:endParaRPr>
-          </a:p>
-          <a:p>
-            <a:pPr defTabSz="393192">
-              <a:lnSpc>
-                <a:spcPts val="3000"/>
-              </a:lnSpc>
-              <a:defRPr sz="1204">
-                <a:solidFill>
-                  <a:srgbClr val="A31515"/>
-                </a:solidFill>
-                <a:latin typeface="Menlo Regular"/>
-                <a:ea typeface="Menlo Regular"/>
-                <a:cs typeface="Menlo Regular"/>
-                <a:sym typeface="Menlo Regular"/>
-              </a:defRPr>
-            </a:pPr>
-            <a:r>
-              <a:t>2683                   sneaking glances at thancred</a:t>
-            </a:r>
-            <a:endParaRPr>
-              <a:solidFill>
-                <a:srgbClr val="000000"/>
-              </a:solidFill>
-            </a:endParaRPr>
-          </a:p>
-          <a:p>
-            <a:pPr defTabSz="393192">
-              <a:lnSpc>
-                <a:spcPts val="3000"/>
-              </a:lnSpc>
-              <a:defRPr sz="1204">
-                <a:solidFill>
-                  <a:srgbClr val="A31515"/>
-                </a:solidFill>
-                <a:latin typeface="Menlo Regular"/>
-                <a:ea typeface="Menlo Regular"/>
-                <a:cs typeface="Menlo Regular"/>
-                <a:sym typeface="Menlo Regular"/>
-              </a:defRPr>
-            </a:pPr>
-            <a:r>
-              <a:t>2684                                            ljp</a:t>
-            </a:r>
-            <a:endParaRPr>
-              <a:solidFill>
-                <a:srgbClr val="000000"/>
-              </a:solidFill>
-            </a:endParaRPr>
-          </a:p>
-          <a:p>
-            <a:pPr defTabSz="393192">
-              <a:lnSpc>
-                <a:spcPts val="3000"/>
-              </a:lnSpc>
-              <a:defRPr sz="1204">
-                <a:solidFill>
-                  <a:srgbClr val="A31515"/>
-                </a:solidFill>
-                <a:latin typeface="Menlo Regular"/>
-                <a:ea typeface="Menlo Regular"/>
-                <a:cs typeface="Menlo Regular"/>
-                <a:sym typeface="Menlo Regular"/>
-              </a:defRPr>
-            </a:pPr>
-            <a:r>
-              <a:t>2685                       charlotte north carolina</a:t>
-            </a:r>
-            <a:endParaRPr>
-              <a:solidFill>
-                <a:srgbClr val="000000"/>
-              </a:solidFill>
-            </a:endParaRPr>
-          </a:p>
-          <a:p>
-            <a:pPr defTabSz="393192">
-              <a:lnSpc>
-                <a:spcPts val="3000"/>
-              </a:lnSpc>
-              <a:defRPr sz="1204">
-                <a:solidFill>
-                  <a:srgbClr val="A31515"/>
-                </a:solidFill>
-                <a:latin typeface="Menlo Regular"/>
-                <a:ea typeface="Menlo Regular"/>
-                <a:cs typeface="Menlo Regular"/>
-                <a:sym typeface="Menlo Regular"/>
-              </a:defRPr>
-            </a:pPr>
-            <a:r>
-              <a:t>2686                                        nirvana</a:t>
-            </a:r>
-            <a:endParaRPr>
-              <a:solidFill>
-                <a:srgbClr val="000000"/>
-              </a:solidFill>
-            </a:endParaRPr>
-          </a:p>
-          <a:p>
-            <a:pPr defTabSz="393192">
-              <a:lnSpc>
-                <a:spcPts val="3000"/>
-              </a:lnSpc>
-              <a:defRPr sz="1204">
-                <a:solidFill>
-                  <a:srgbClr val="A31515"/>
-                </a:solidFill>
-                <a:latin typeface="Menlo Regular"/>
-                <a:ea typeface="Menlo Regular"/>
-                <a:cs typeface="Menlo Regular"/>
-                <a:sym typeface="Menlo Regular"/>
-              </a:defRPr>
-            </a:pPr>
-            <a:r>
-              <a:t>2687                                             ny</a:t>
-            </a:r>
-            <a:endParaRPr>
-              <a:solidFill>
-                <a:srgbClr val="000000"/>
-              </a:solidFill>
-            </a:endParaRPr>
-          </a:p>
-          <a:p>
-            <a:pPr defTabSz="393192">
-              <a:lnSpc>
-                <a:spcPts val="3000"/>
-              </a:lnSpc>
-              <a:defRPr sz="1204">
-                <a:solidFill>
-                  <a:srgbClr val="A31515"/>
-                </a:solidFill>
-                <a:latin typeface="Menlo Regular"/>
-                <a:ea typeface="Menlo Regular"/>
-                <a:cs typeface="Menlo Regular"/>
-                <a:sym typeface="Menlo Regular"/>
-              </a:defRPr>
-            </a:pPr>
-            <a:r>
-              <a:t>2688                                      mentor oh</a:t>
-            </a:r>
-            <a:endParaRPr>
-              <a:solidFill>
-                <a:srgbClr val="000000"/>
-              </a:solidFill>
-            </a:endParaRPr>
-          </a:p>
-          <a:p>
-            <a:pPr defTabSz="393192">
-              <a:lnSpc>
-                <a:spcPts val="3000"/>
-              </a:lnSpc>
-              <a:defRPr sz="1204">
-                <a:solidFill>
-                  <a:srgbClr val="A31515"/>
-                </a:solidFill>
-                <a:latin typeface="Menlo Regular"/>
-                <a:ea typeface="Menlo Regular"/>
-                <a:cs typeface="Menlo Regular"/>
-                <a:sym typeface="Menlo Regular"/>
-              </a:defRPr>
-            </a:pPr>
-            <a:r>
-              <a:t>2689                               trumann arkansas</a:t>
-            </a:r>
-            <a:endParaRPr>
-              <a:solidFill>
-                <a:srgbClr val="000000"/>
-              </a:solidFill>
-            </a:endParaRPr>
-          </a:p>
-          <a:p>
-            <a:pPr defTabSz="393192">
-              <a:lnSpc>
-                <a:spcPts val="3000"/>
-              </a:lnSpc>
-              <a:defRPr sz="1204">
-                <a:solidFill>
-                  <a:srgbClr val="A31515"/>
-                </a:solidFill>
-                <a:latin typeface="Menlo Regular"/>
-                <a:ea typeface="Menlo Regular"/>
-                <a:cs typeface="Menlo Regular"/>
-                <a:sym typeface="Menlo Regular"/>
-              </a:defRPr>
-            </a:pPr>
-            <a:r>
-              <a:t>2690                                             cc</a:t>
-            </a:r>
-            <a:endParaRPr>
-              <a:solidFill>
-                <a:srgbClr val="000000"/>
-              </a:solidFill>
-            </a:endParaRPr>
-          </a:p>
-          <a:p>
-            <a:pPr defTabSz="393192">
-              <a:lnSpc>
-                <a:spcPts val="3000"/>
-              </a:lnSpc>
-              <a:defRPr sz="1204">
-                <a:solidFill>
-                  <a:srgbClr val="A31515"/>
-                </a:solidFill>
-                <a:latin typeface="Menlo Regular"/>
-                <a:ea typeface="Menlo Regular"/>
-                <a:cs typeface="Menlo Regular"/>
-                <a:sym typeface="Menlo Regular"/>
-              </a:defRPr>
-            </a:pPr>
-            <a:r>
-              <a:t>2691                                       d sos ag</a:t>
-            </a:r>
-            <a:endParaRPr>
-              <a:solidFill>
-                <a:srgbClr val="000000"/>
-              </a:solidFill>
-            </a:endParaRPr>
-          </a:p>
-          <a:p>
-            <a:pPr defTabSz="393192">
-              <a:lnSpc>
-                <a:spcPts val="3000"/>
-              </a:lnSpc>
-              <a:defRPr sz="1204">
-                <a:solidFill>
-                  <a:srgbClr val="A31515"/>
-                </a:solidFill>
-                <a:latin typeface="Menlo Regular"/>
-                <a:ea typeface="Menlo Regular"/>
-                <a:cs typeface="Menlo Regular"/>
-                <a:sym typeface="Menlo Regular"/>
-              </a:defRPr>
-            </a:pPr>
-            <a:r>
-              <a:t>2692                                         pa usa</a:t>
-            </a:r>
-            <a:endParaRPr>
-              <a:solidFill>
-                <a:srgbClr val="000000"/>
-              </a:solidFill>
-            </a:endParaRPr>
-          </a:p>
-          <a:p>
-            <a:pPr defTabSz="393192">
-              <a:lnSpc>
-                <a:spcPts val="3000"/>
-              </a:lnSpc>
-              <a:defRPr sz="1204">
-                <a:solidFill>
-                  <a:srgbClr val="A31515"/>
-                </a:solidFill>
-                <a:latin typeface="Menlo Regular"/>
-                <a:ea typeface="Menlo Regular"/>
-                <a:cs typeface="Menlo Regular"/>
-                <a:sym typeface="Menlo Regular"/>
-              </a:defRPr>
-            </a:pPr>
-            <a:r>
-              <a:t>2693                                        m k a d</a:t>
-            </a:r>
-            <a:endParaRPr>
-              <a:solidFill>
-                <a:srgbClr val="000000"/>
-              </a:solidFill>
-            </a:endParaRPr>
-          </a:p>
-          <a:p>
-            <a:pPr defTabSz="393192">
-              <a:lnSpc>
-                <a:spcPts val="3000"/>
-              </a:lnSpc>
-              <a:defRPr sz="1204">
-                <a:solidFill>
-                  <a:srgbClr val="A31515"/>
-                </a:solidFill>
-                <a:latin typeface="Menlo Regular"/>
-                <a:ea typeface="Menlo Regular"/>
-                <a:cs typeface="Menlo Regular"/>
-                <a:sym typeface="Menlo Regular"/>
-              </a:defRPr>
-            </a:pPr>
-            <a:r>
-              <a:t>2694                              pissing off antis</a:t>
-            </a:r>
-            <a:endParaRPr>
-              <a:solidFill>
-                <a:srgbClr val="000000"/>
-              </a:solidFill>
-            </a:endParaRPr>
-          </a:p>
-          <a:p>
-            <a:pPr defTabSz="393192">
-              <a:lnSpc>
-                <a:spcPts val="3000"/>
-              </a:lnSpc>
-              <a:defRPr sz="1204">
-                <a:solidFill>
-                  <a:srgbClr val="A31515"/>
-                </a:solidFill>
-                <a:latin typeface="Menlo Regular"/>
-                <a:ea typeface="Menlo Regular"/>
-                <a:cs typeface="Menlo Regular"/>
-                <a:sym typeface="Menlo Regular"/>
-              </a:defRPr>
-            </a:pPr>
-            <a:r>
-              <a:t>2695                              'san antoniooooo'</a:t>
-            </a:r>
-          </a:p>
-        </p:txBody>
-      </p:sp>
+        </p:spPr>
+      </p:pic>
+      <p:pic>
+        <p:nvPicPr>
+          <p:cNvPr id="138" name="Bildschirmfoto 2020-10-08 um 22.56.04.png" descr="Bildschirmfoto 2020-10-08 um 22.56.04.png"/>
+          <p:cNvPicPr>
+            <a:picLocks noChangeAspect="1"/>
+          </p:cNvPicPr>
+          <p:nvPr/>
+        </p:nvPicPr>
+        <p:blipFill>
+          <a:blip r:embed="rId4"/>
+          <a:stretch>
+            <a:fillRect/>
+          </a:stretch>
+        </p:blipFill>
+        <p:spPr>
+          <a:xfrm>
+            <a:off x="704333" y="1517650"/>
+            <a:ext cx="3810001" cy="3822701"/>
+          </a:xfrm>
+          <a:prstGeom prst="rect">
+            <a:avLst/>
+          </a:prstGeom>
+          <a:ln w="12700">
+            <a:miter lim="400000"/>
+          </a:ln>
+        </p:spPr>
+      </p:pic>
     </p:spTree>
   </p:cSld>
   <p:clrMapOvr>
@@ -7826,6 +7629,30 @@
   </p:clrMapOvr>
   <p:transition spd="med"/>
 </p:sld>
+</file>
+
+<file path=ppt/tags/tag1.xml><?xml version="1.0" encoding="utf-8"?>
+<p:tagLst xmlns:a="http://schemas.openxmlformats.org/drawingml/2006/main" xmlns:r="http://schemas.openxmlformats.org/officeDocument/2006/relationships" xmlns:p="http://schemas.openxmlformats.org/presentationml/2006/main">
+  <p:tag name="THINKCELLUNDODONOTDELETE" val="0"/>
+</p:tagLst>
+</file>
+
+<file path=ppt/tags/tag2.xml><?xml version="1.0" encoding="utf-8"?>
+<p:tagLst xmlns:a="http://schemas.openxmlformats.org/drawingml/2006/main" xmlns:r="http://schemas.openxmlformats.org/officeDocument/2006/relationships" xmlns:p="http://schemas.openxmlformats.org/presentationml/2006/main">
+  <p:tag name="THINKCELLSHAPEDONOTDELETE" val="thinkcellActiveDocDoNotDelete"/>
+</p:tagLst>
+</file>
+
+<file path=ppt/tags/tag3.xml><?xml version="1.0" encoding="utf-8"?>
+<p:tagLst xmlns:a="http://schemas.openxmlformats.org/drawingml/2006/main" xmlns:r="http://schemas.openxmlformats.org/officeDocument/2006/relationships" xmlns:p="http://schemas.openxmlformats.org/presentationml/2006/main">
+  <p:tag name="THINKCELLSHAPEDONOTDELETE" val="thinkcellActiveDocDoNotDelete"/>
+</p:tagLst>
+</file>
+
+<file path=ppt/tags/tag4.xml><?xml version="1.0" encoding="utf-8"?>
+<p:tagLst xmlns:a="http://schemas.openxmlformats.org/drawingml/2006/main" xmlns:r="http://schemas.openxmlformats.org/officeDocument/2006/relationships" xmlns:p="http://schemas.openxmlformats.org/presentationml/2006/main">
+  <p:tag name="THINKCELLSHAPEDONOTDELETE" val="thinkcellActiveDocDoNotDelete"/>
+</p:tagLst>
 </file>
 
 <file path=ppt/theme/theme1.xml><?xml version="1.0" encoding="utf-8"?>
@@ -9975,6 +9802,21 @@
 </file>
 
 <file path=customXml/item1.xml><?xml version="1.0" encoding="utf-8"?>
+<p:properties xmlns:p="http://schemas.microsoft.com/office/2006/metadata/properties" xmlns:xsi="http://www.w3.org/2001/XMLSchema-instance" xmlns:pc="http://schemas.microsoft.com/office/infopath/2007/PartnerControls">
+  <documentManagement/>
+</p:properties>
+</file>
+
+<file path=customXml/item2.xml><?xml version="1.0" encoding="utf-8"?>
+<?mso-contentType ?>
+<FormTemplates xmlns="http://schemas.microsoft.com/sharepoint/v3/contenttype/forms">
+  <Display>DocumentLibraryForm</Display>
+  <Edit>DocumentLibraryForm</Edit>
+  <New>DocumentLibraryForm</New>
+</FormTemplates>
+</file>
+
+<file path=customXml/item3.xml><?xml version="1.0" encoding="utf-8"?>
 <ct:contentTypeSchema xmlns:ct="http://schemas.microsoft.com/office/2006/metadata/contentType" xmlns:ma="http://schemas.microsoft.com/office/2006/metadata/properties/metaAttributes" ct:_="" ma:_="" ma:contentTypeName="Dokument" ma:contentTypeID="0x010100836DE33932D0F24E842C157F715B2E5B" ma:contentTypeVersion="11" ma:contentTypeDescription="Ein neues Dokument erstellen." ma:contentTypeScope="" ma:versionID="0ea148e3290cae58b3d07c829d945fc7">
   <xsd:schema xmlns:xsd="http://www.w3.org/2001/XMLSchema" xmlns:xs="http://www.w3.org/2001/XMLSchema" xmlns:p="http://schemas.microsoft.com/office/2006/metadata/properties" xmlns:ns3="1d38b0a5-d74c-4591-80fb-34595252c191" xmlns:ns4="6675a1e4-0069-481f-b17b-d0695efb8776" targetNamespace="http://schemas.microsoft.com/office/2006/metadata/properties" ma:root="true" ma:fieldsID="d6e3cbd67c96037582d40ca955ae4e20" ns3:_="" ns4:_="">
     <xsd:import namespace="1d38b0a5-d74c-4591-80fb-34595252c191"/>
@@ -10183,22 +10025,24 @@
 </ct:contentTypeSchema>
 </file>
 
-<file path=customXml/item2.xml><?xml version="1.0" encoding="utf-8"?>
-<?mso-contentType ?>
-<FormTemplates xmlns="http://schemas.microsoft.com/sharepoint/v3/contenttype/forms">
-  <Display>DocumentLibraryForm</Display>
-  <Edit>DocumentLibraryForm</Edit>
-  <New>DocumentLibraryForm</New>
-</FormTemplates>
+<file path=customXml/itemProps1.xml><?xml version="1.0" encoding="utf-8"?>
+<ds:datastoreItem xmlns:ds="http://schemas.openxmlformats.org/officeDocument/2006/customXml" ds:itemID="{FEE74C38-843A-48FA-BF0A-181E651591D1}">
+  <ds:schemaRefs>
+    <ds:schemaRef ds:uri="http://schemas.microsoft.com/office/2006/metadata/properties"/>
+    <ds:schemaRef ds:uri="http://schemas.microsoft.com/office/infopath/2007/PartnerControls"/>
+  </ds:schemaRefs>
+</ds:datastoreItem>
 </file>
 
-<file path=customXml/item3.xml><?xml version="1.0" encoding="utf-8"?>
-<p:properties xmlns:p="http://schemas.microsoft.com/office/2006/metadata/properties" xmlns:xsi="http://www.w3.org/2001/XMLSchema-instance" xmlns:pc="http://schemas.microsoft.com/office/infopath/2007/PartnerControls">
-  <documentManagement/>
-</p:properties>
+<file path=customXml/itemProps2.xml><?xml version="1.0" encoding="utf-8"?>
+<ds:datastoreItem xmlns:ds="http://schemas.openxmlformats.org/officeDocument/2006/customXml" ds:itemID="{61B2E154-4871-41CB-8D94-240291C5BBB4}">
+  <ds:schemaRefs>
+    <ds:schemaRef ds:uri="http://schemas.microsoft.com/sharepoint/v3/contenttype/forms"/>
+  </ds:schemaRefs>
+</ds:datastoreItem>
 </file>
 
-<file path=customXml/itemProps1.xml><?xml version="1.0" encoding="utf-8"?>
+<file path=customXml/itemProps3.xml><?xml version="1.0" encoding="utf-8"?>
 <ds:datastoreItem xmlns:ds="http://schemas.openxmlformats.org/officeDocument/2006/customXml" ds:itemID="{A2D8CB35-6A4B-4783-9E90-2407BE9F9B09}">
   <ds:schemaRefs>
     <ds:schemaRef ds:uri="http://schemas.microsoft.com/office/2006/metadata/contentType"/>
@@ -10215,21 +10059,4 @@
     <ds:schemaRef ds:uri="http://schemas.microsoft.com/internal/obd"/>
   </ds:schemaRefs>
 </ds:datastoreItem>
-</file>
-
-<file path=customXml/itemProps2.xml><?xml version="1.0" encoding="utf-8"?>
-<ds:datastoreItem xmlns:ds="http://schemas.openxmlformats.org/officeDocument/2006/customXml" ds:itemID="{61B2E154-4871-41CB-8D94-240291C5BBB4}">
-  <ds:schemaRefs>
-    <ds:schemaRef ds:uri="http://schemas.microsoft.com/sharepoint/v3/contenttype/forms"/>
-  </ds:schemaRefs>
-</ds:datastoreItem>
-</file>
-
-<file path=customXml/itemProps3.xml><?xml version="1.0" encoding="utf-8"?>
-<ds:datastoreItem xmlns:ds="http://schemas.openxmlformats.org/officeDocument/2006/customXml" ds:itemID="{FEE74C38-843A-48FA-BF0A-181E651591D1}">
-  <ds:schemaRefs>
-    <ds:schemaRef ds:uri="http://schemas.microsoft.com/office/2006/metadata/properties"/>
-    <ds:schemaRef ds:uri="http://schemas.microsoft.com/office/infopath/2007/PartnerControls"/>
-  </ds:schemaRefs>
-</ds:datastoreItem>
 </file>
--- a/Presentation Fire.pptx
+++ b/Presentation Fire.pptx
@@ -1,38 +1,38 @@
 
 <file path=ppt/presentation.xml><?xml version="1.0" encoding="utf-8"?>
-<p:presentation xmlns:a="http://schemas.openxmlformats.org/drawingml/2006/main" xmlns:r="http://schemas.openxmlformats.org/officeDocument/2006/relationships" xmlns:p="http://schemas.openxmlformats.org/presentationml/2006/main">
+<p:presentation xmlns:a="http://schemas.openxmlformats.org/drawingml/2006/main" xmlns:r="http://schemas.openxmlformats.org/officeDocument/2006/relationships" xmlns:p="http://schemas.openxmlformats.org/presentationml/2006/main" xmlns:m="http://schemas.openxmlformats.org/officeDocument/2006/math" xmlns:a14="http://schemas.microsoft.com/office/drawing/2010/main">
   <p:sldMasterIdLst>
-    <p:sldMasterId id="2147483648" r:id="rId4"/>
+    <p:sldMasterId id="2147483648" r:id="rId5"/>
   </p:sldMasterIdLst>
   <p:notesMasterIdLst>
-    <p:notesMasterId r:id="rId24"/>
+    <p:notesMasterId r:id="rId7"/>
   </p:notesMasterIdLst>
   <p:sldIdLst>
-    <p:sldId id="256" r:id="rId5"/>
-    <p:sldId id="257" r:id="rId6"/>
-    <p:sldId id="258" r:id="rId7"/>
-    <p:sldId id="259" r:id="rId8"/>
-    <p:sldId id="260" r:id="rId9"/>
-    <p:sldId id="261" r:id="rId10"/>
-    <p:sldId id="262" r:id="rId11"/>
-    <p:sldId id="265" r:id="rId12"/>
-    <p:sldId id="266" r:id="rId13"/>
-    <p:sldId id="267" r:id="rId14"/>
-    <p:sldId id="268" r:id="rId15"/>
-    <p:sldId id="269" r:id="rId16"/>
-    <p:sldId id="270" r:id="rId17"/>
-    <p:sldId id="271" r:id="rId18"/>
-    <p:sldId id="272" r:id="rId19"/>
-    <p:sldId id="273" r:id="rId20"/>
-    <p:sldId id="274" r:id="rId21"/>
-    <p:sldId id="275" r:id="rId22"/>
-    <p:sldId id="263" r:id="rId23"/>
+    <p:sldId id="256" r:id="rId8"/>
+    <p:sldId id="257" r:id="rId9"/>
+    <p:sldId id="258" r:id="rId10"/>
+    <p:sldId id="259" r:id="rId11"/>
+    <p:sldId id="260" r:id="rId12"/>
+    <p:sldId id="261" r:id="rId13"/>
+    <p:sldId id="262" r:id="rId14"/>
+    <p:sldId id="263" r:id="rId15"/>
+    <p:sldId id="264" r:id="rId16"/>
+    <p:sldId id="265" r:id="rId17"/>
+    <p:sldId id="266" r:id="rId18"/>
+    <p:sldId id="267" r:id="rId19"/>
+    <p:sldId id="268" r:id="rId20"/>
+    <p:sldId id="269" r:id="rId21"/>
+    <p:sldId id="270" r:id="rId22"/>
+    <p:sldId id="271" r:id="rId23"/>
+    <p:sldId id="272" r:id="rId24"/>
+    <p:sldId id="273" r:id="rId25"/>
+    <p:sldId id="274" r:id="rId26"/>
+    <p:sldId id="275" r:id="rId27"/>
+    <p:sldId id="276" r:id="rId28"/>
+    <p:sldId id="277" r:id="rId29"/>
   </p:sldIdLst>
   <p:sldSz cx="12192000" cy="6858000"/>
   <p:notesSz cx="6858000" cy="9144000"/>
-  <p:custDataLst>
-    <p:tags r:id="rId25"/>
-  </p:custDataLst>
   <p:defaultTextStyle>
     <a:defPPr marL="0" marR="0" indent="0" algn="l" defTabSz="914400" rtl="0" fontAlgn="auto" latinLnBrk="1" hangingPunct="0">
       <a:lnSpc>
@@ -49,7 +49,7 @@
       <a:buFontTx/>
       <a:buNone/>
       <a:tabLst/>
-      <a:defRPr kumimoji="0" sz="1800" b="0" i="0" u="none" strike="noStrike" cap="none" spc="0" normalizeH="0" baseline="0">
+      <a:defRPr b="0" baseline="0" cap="none" i="0" spc="0" strike="noStrike" sz="1800" u="none" kumimoji="0" normalizeH="0">
         <a:ln>
           <a:noFill/>
         </a:ln>
@@ -75,7 +75,7 @@
       <a:buFontTx/>
       <a:buNone/>
       <a:tabLst/>
-      <a:defRPr kumimoji="0" sz="1800" b="0" i="0" u="none" strike="noStrike" cap="none" spc="0" normalizeH="0" baseline="0">
+      <a:defRPr b="0" baseline="0" cap="none" i="0" spc="0" strike="noStrike" sz="1800" u="none" kumimoji="0" normalizeH="0">
         <a:ln>
           <a:noFill/>
         </a:ln>
@@ -84,13 +84,13 @@
         </a:solidFill>
         <a:effectLst/>
         <a:uFillTx/>
-        <a:latin typeface="+mn-lt"/>
-        <a:ea typeface="+mn-ea"/>
-        <a:cs typeface="+mn-cs"/>
+        <a:latin typeface="+mj-lt"/>
+        <a:ea typeface="+mj-ea"/>
+        <a:cs typeface="+mj-cs"/>
         <a:sym typeface="Calibri"/>
       </a:defRPr>
     </a:lvl1pPr>
-    <a:lvl2pPr marL="0" marR="0" indent="457200" algn="l" defTabSz="914400" rtl="0" fontAlgn="auto" latinLnBrk="0" hangingPunct="0">
+    <a:lvl2pPr marL="0" marR="0" indent="0" algn="l" defTabSz="914400" rtl="0" fontAlgn="auto" latinLnBrk="0" hangingPunct="0">
       <a:lnSpc>
         <a:spcPct val="100000"/>
       </a:lnSpc>
@@ -105,7 +105,7 @@
       <a:buFontTx/>
       <a:buNone/>
       <a:tabLst/>
-      <a:defRPr kumimoji="0" sz="1800" b="0" i="0" u="none" strike="noStrike" cap="none" spc="0" normalizeH="0" baseline="0">
+      <a:defRPr b="0" baseline="0" cap="none" i="0" spc="0" strike="noStrike" sz="1800" u="none" kumimoji="0" normalizeH="0">
         <a:ln>
           <a:noFill/>
         </a:ln>
@@ -114,13 +114,13 @@
         </a:solidFill>
         <a:effectLst/>
         <a:uFillTx/>
-        <a:latin typeface="+mn-lt"/>
-        <a:ea typeface="+mn-ea"/>
-        <a:cs typeface="+mn-cs"/>
+        <a:latin typeface="+mj-lt"/>
+        <a:ea typeface="+mj-ea"/>
+        <a:cs typeface="+mj-cs"/>
         <a:sym typeface="Calibri"/>
       </a:defRPr>
     </a:lvl2pPr>
-    <a:lvl3pPr marL="0" marR="0" indent="914400" algn="l" defTabSz="914400" rtl="0" fontAlgn="auto" latinLnBrk="0" hangingPunct="0">
+    <a:lvl3pPr marL="0" marR="0" indent="0" algn="l" defTabSz="914400" rtl="0" fontAlgn="auto" latinLnBrk="0" hangingPunct="0">
       <a:lnSpc>
         <a:spcPct val="100000"/>
       </a:lnSpc>
@@ -135,7 +135,7 @@
       <a:buFontTx/>
       <a:buNone/>
       <a:tabLst/>
-      <a:defRPr kumimoji="0" sz="1800" b="0" i="0" u="none" strike="noStrike" cap="none" spc="0" normalizeH="0" baseline="0">
+      <a:defRPr b="0" baseline="0" cap="none" i="0" spc="0" strike="noStrike" sz="1800" u="none" kumimoji="0" normalizeH="0">
         <a:ln>
           <a:noFill/>
         </a:ln>
@@ -144,13 +144,13 @@
         </a:solidFill>
         <a:effectLst/>
         <a:uFillTx/>
-        <a:latin typeface="+mn-lt"/>
-        <a:ea typeface="+mn-ea"/>
-        <a:cs typeface="+mn-cs"/>
+        <a:latin typeface="+mj-lt"/>
+        <a:ea typeface="+mj-ea"/>
+        <a:cs typeface="+mj-cs"/>
         <a:sym typeface="Calibri"/>
       </a:defRPr>
     </a:lvl3pPr>
-    <a:lvl4pPr marL="0" marR="0" indent="1371600" algn="l" defTabSz="914400" rtl="0" fontAlgn="auto" latinLnBrk="0" hangingPunct="0">
+    <a:lvl4pPr marL="0" marR="0" indent="0" algn="l" defTabSz="914400" rtl="0" fontAlgn="auto" latinLnBrk="0" hangingPunct="0">
       <a:lnSpc>
         <a:spcPct val="100000"/>
       </a:lnSpc>
@@ -165,7 +165,7 @@
       <a:buFontTx/>
       <a:buNone/>
       <a:tabLst/>
-      <a:defRPr kumimoji="0" sz="1800" b="0" i="0" u="none" strike="noStrike" cap="none" spc="0" normalizeH="0" baseline="0">
+      <a:defRPr b="0" baseline="0" cap="none" i="0" spc="0" strike="noStrike" sz="1800" u="none" kumimoji="0" normalizeH="0">
         <a:ln>
           <a:noFill/>
         </a:ln>
@@ -174,13 +174,13 @@
         </a:solidFill>
         <a:effectLst/>
         <a:uFillTx/>
-        <a:latin typeface="+mn-lt"/>
-        <a:ea typeface="+mn-ea"/>
-        <a:cs typeface="+mn-cs"/>
+        <a:latin typeface="+mj-lt"/>
+        <a:ea typeface="+mj-ea"/>
+        <a:cs typeface="+mj-cs"/>
         <a:sym typeface="Calibri"/>
       </a:defRPr>
     </a:lvl4pPr>
-    <a:lvl5pPr marL="0" marR="0" indent="1828800" algn="l" defTabSz="914400" rtl="0" fontAlgn="auto" latinLnBrk="0" hangingPunct="0">
+    <a:lvl5pPr marL="0" marR="0" indent="0" algn="l" defTabSz="914400" rtl="0" fontAlgn="auto" latinLnBrk="0" hangingPunct="0">
       <a:lnSpc>
         <a:spcPct val="100000"/>
       </a:lnSpc>
@@ -195,7 +195,7 @@
       <a:buFontTx/>
       <a:buNone/>
       <a:tabLst/>
-      <a:defRPr kumimoji="0" sz="1800" b="0" i="0" u="none" strike="noStrike" cap="none" spc="0" normalizeH="0" baseline="0">
+      <a:defRPr b="0" baseline="0" cap="none" i="0" spc="0" strike="noStrike" sz="1800" u="none" kumimoji="0" normalizeH="0">
         <a:ln>
           <a:noFill/>
         </a:ln>
@@ -204,13 +204,13 @@
         </a:solidFill>
         <a:effectLst/>
         <a:uFillTx/>
-        <a:latin typeface="+mn-lt"/>
-        <a:ea typeface="+mn-ea"/>
-        <a:cs typeface="+mn-cs"/>
+        <a:latin typeface="+mj-lt"/>
+        <a:ea typeface="+mj-ea"/>
+        <a:cs typeface="+mj-cs"/>
         <a:sym typeface="Calibri"/>
       </a:defRPr>
     </a:lvl5pPr>
-    <a:lvl6pPr marL="0" marR="0" indent="2286000" algn="l" defTabSz="914400" rtl="0" fontAlgn="auto" latinLnBrk="0" hangingPunct="0">
+    <a:lvl6pPr marL="0" marR="0" indent="0" algn="l" defTabSz="914400" rtl="0" fontAlgn="auto" latinLnBrk="0" hangingPunct="0">
       <a:lnSpc>
         <a:spcPct val="100000"/>
       </a:lnSpc>
@@ -225,7 +225,7 @@
       <a:buFontTx/>
       <a:buNone/>
       <a:tabLst/>
-      <a:defRPr kumimoji="0" sz="1800" b="0" i="0" u="none" strike="noStrike" cap="none" spc="0" normalizeH="0" baseline="0">
+      <a:defRPr b="0" baseline="0" cap="none" i="0" spc="0" strike="noStrike" sz="1800" u="none" kumimoji="0" normalizeH="0">
         <a:ln>
           <a:noFill/>
         </a:ln>
@@ -234,13 +234,13 @@
         </a:solidFill>
         <a:effectLst/>
         <a:uFillTx/>
-        <a:latin typeface="+mn-lt"/>
-        <a:ea typeface="+mn-ea"/>
-        <a:cs typeface="+mn-cs"/>
+        <a:latin typeface="+mj-lt"/>
+        <a:ea typeface="+mj-ea"/>
+        <a:cs typeface="+mj-cs"/>
         <a:sym typeface="Calibri"/>
       </a:defRPr>
     </a:lvl6pPr>
-    <a:lvl7pPr marL="0" marR="0" indent="2743200" algn="l" defTabSz="914400" rtl="0" fontAlgn="auto" latinLnBrk="0" hangingPunct="0">
+    <a:lvl7pPr marL="0" marR="0" indent="0" algn="l" defTabSz="914400" rtl="0" fontAlgn="auto" latinLnBrk="0" hangingPunct="0">
       <a:lnSpc>
         <a:spcPct val="100000"/>
       </a:lnSpc>
@@ -255,7 +255,7 @@
       <a:buFontTx/>
       <a:buNone/>
       <a:tabLst/>
-      <a:defRPr kumimoji="0" sz="1800" b="0" i="0" u="none" strike="noStrike" cap="none" spc="0" normalizeH="0" baseline="0">
+      <a:defRPr b="0" baseline="0" cap="none" i="0" spc="0" strike="noStrike" sz="1800" u="none" kumimoji="0" normalizeH="0">
         <a:ln>
           <a:noFill/>
         </a:ln>
@@ -264,13 +264,13 @@
         </a:solidFill>
         <a:effectLst/>
         <a:uFillTx/>
-        <a:latin typeface="+mn-lt"/>
-        <a:ea typeface="+mn-ea"/>
-        <a:cs typeface="+mn-cs"/>
+        <a:latin typeface="+mj-lt"/>
+        <a:ea typeface="+mj-ea"/>
+        <a:cs typeface="+mj-cs"/>
         <a:sym typeface="Calibri"/>
       </a:defRPr>
     </a:lvl7pPr>
-    <a:lvl8pPr marL="0" marR="0" indent="3200400" algn="l" defTabSz="914400" rtl="0" fontAlgn="auto" latinLnBrk="0" hangingPunct="0">
+    <a:lvl8pPr marL="0" marR="0" indent="0" algn="l" defTabSz="914400" rtl="0" fontAlgn="auto" latinLnBrk="0" hangingPunct="0">
       <a:lnSpc>
         <a:spcPct val="100000"/>
       </a:lnSpc>
@@ -285,7 +285,7 @@
       <a:buFontTx/>
       <a:buNone/>
       <a:tabLst/>
-      <a:defRPr kumimoji="0" sz="1800" b="0" i="0" u="none" strike="noStrike" cap="none" spc="0" normalizeH="0" baseline="0">
+      <a:defRPr b="0" baseline="0" cap="none" i="0" spc="0" strike="noStrike" sz="1800" u="none" kumimoji="0" normalizeH="0">
         <a:ln>
           <a:noFill/>
         </a:ln>
@@ -294,13 +294,13 @@
         </a:solidFill>
         <a:effectLst/>
         <a:uFillTx/>
-        <a:latin typeface="+mn-lt"/>
-        <a:ea typeface="+mn-ea"/>
-        <a:cs typeface="+mn-cs"/>
+        <a:latin typeface="+mj-lt"/>
+        <a:ea typeface="+mj-ea"/>
+        <a:cs typeface="+mj-cs"/>
         <a:sym typeface="Calibri"/>
       </a:defRPr>
     </a:lvl8pPr>
-    <a:lvl9pPr marL="0" marR="0" indent="3657600" algn="l" defTabSz="914400" rtl="0" fontAlgn="auto" latinLnBrk="0" hangingPunct="0">
+    <a:lvl9pPr marL="0" marR="0" indent="0" algn="l" defTabSz="914400" rtl="0" fontAlgn="auto" latinLnBrk="0" hangingPunct="0">
       <a:lnSpc>
         <a:spcPct val="100000"/>
       </a:lnSpc>
@@ -315,7 +315,7 @@
       <a:buFontTx/>
       <a:buNone/>
       <a:tabLst/>
-      <a:defRPr kumimoji="0" sz="1800" b="0" i="0" u="none" strike="noStrike" cap="none" spc="0" normalizeH="0" baseline="0">
+      <a:defRPr b="0" baseline="0" cap="none" i="0" spc="0" strike="noStrike" sz="1800" u="none" kumimoji="0" normalizeH="0">
         <a:ln>
           <a:noFill/>
         </a:ln>
@@ -324,313 +324,23 @@
         </a:solidFill>
         <a:effectLst/>
         <a:uFillTx/>
-        <a:latin typeface="+mn-lt"/>
-        <a:ea typeface="+mn-ea"/>
-        <a:cs typeface="+mn-cs"/>
+        <a:latin typeface="+mj-lt"/>
+        <a:ea typeface="+mj-ea"/>
+        <a:cs typeface="+mj-cs"/>
         <a:sym typeface="Calibri"/>
       </a:defRPr>
     </a:lvl9pPr>
   </p:defaultTextStyle>
-  <p:extLst>
-    <p:ext uri="{EFAFB233-063F-42B5-8137-9DF3F51BA10A}">
-      <p15:sldGuideLst xmlns:p15="http://schemas.microsoft.com/office/powerpoint/2012/main"/>
-    </p:ext>
-  </p:extLst>
 </p:presentation>
 </file>
 
-<file path=ppt/revisionInfo.xml><?xml version="1.0" encoding="utf-8"?>
-<p1510:revInfo xmlns:a="http://schemas.openxmlformats.org/drawingml/2006/main" xmlns:r="http://schemas.openxmlformats.org/officeDocument/2006/relationships" xmlns:p1510="http://schemas.microsoft.com/office/powerpoint/2015/10/main">
-  <p1510:revLst>
-    <p1510:client id="{832D3F30-ABDB-4B43-9A4F-FE75FCDEAE75}" v="55" dt="2020-10-09T07:32:44.191"/>
-  </p1510:revLst>
-</p1510:revInfo>
-</file>
-
-<file path=ppt/changesInfos/changesInfo1.xml><?xml version="1.0" encoding="utf-8"?>
-<pc:chgInfo xmlns:a="http://schemas.openxmlformats.org/drawingml/2006/main" xmlns:r="http://schemas.openxmlformats.org/officeDocument/2006/relationships" xmlns:ac="http://schemas.microsoft.com/office/drawing/2013/main/command" xmlns:pc="http://schemas.microsoft.com/office/powerpoint/2013/main/command">
-  <pc:docChgLst>
-    <pc:chgData name="Eckert, Peter" userId="04e50364-1ac6-468d-8340-c574f3737480" providerId="ADAL" clId="{832D3F30-ABDB-4B43-9A4F-FE75FCDEAE75}"/>
-    <pc:docChg chg="undo custSel addSld delSld modSld sldOrd modMainMaster">
-      <pc:chgData name="Eckert, Peter" userId="04e50364-1ac6-468d-8340-c574f3737480" providerId="ADAL" clId="{832D3F30-ABDB-4B43-9A4F-FE75FCDEAE75}" dt="2020-10-09T07:33:48.657" v="303" actId="1037"/>
-      <pc:docMkLst>
-        <pc:docMk/>
-      </pc:docMkLst>
-      <pc:sldChg chg="addSp modSp">
-        <pc:chgData name="Eckert, Peter" userId="04e50364-1ac6-468d-8340-c574f3737480" providerId="ADAL" clId="{832D3F30-ABDB-4B43-9A4F-FE75FCDEAE75}" dt="2020-10-09T07:13:05.958" v="36"/>
-        <pc:sldMkLst>
-          <pc:docMk/>
-          <pc:sldMk cId="0" sldId="256"/>
-        </pc:sldMkLst>
-        <pc:spChg chg="mod">
-          <ac:chgData name="Eckert, Peter" userId="04e50364-1ac6-468d-8340-c574f3737480" providerId="ADAL" clId="{832D3F30-ABDB-4B43-9A4F-FE75FCDEAE75}" dt="2020-10-09T07:13:05.444" v="34" actId="20577"/>
-          <ac:spMkLst>
-            <pc:docMk/>
-            <pc:sldMk cId="0" sldId="256"/>
-            <ac:spMk id="94" creationId="{00000000-0000-0000-0000-000000000000}"/>
-          </ac:spMkLst>
-        </pc:spChg>
-        <pc:graphicFrameChg chg="add mod ord modVis">
-          <ac:chgData name="Eckert, Peter" userId="04e50364-1ac6-468d-8340-c574f3737480" providerId="ADAL" clId="{832D3F30-ABDB-4B43-9A4F-FE75FCDEAE75}" dt="2020-10-09T07:13:05.958" v="36"/>
-          <ac:graphicFrameMkLst>
-            <pc:docMk/>
-            <pc:sldMk cId="0" sldId="256"/>
-            <ac:graphicFrameMk id="2" creationId="{57BF75AA-42D6-4753-8317-1EB6F22B938B}"/>
-          </ac:graphicFrameMkLst>
-        </pc:graphicFrameChg>
-      </pc:sldChg>
-      <pc:sldChg chg="modSp">
-        <pc:chgData name="Eckert, Peter" userId="04e50364-1ac6-468d-8340-c574f3737480" providerId="ADAL" clId="{832D3F30-ABDB-4B43-9A4F-FE75FCDEAE75}" dt="2020-10-09T07:19:54.543" v="50" actId="20577"/>
-        <pc:sldMkLst>
-          <pc:docMk/>
-          <pc:sldMk cId="0" sldId="261"/>
-        </pc:sldMkLst>
-        <pc:spChg chg="mod">
-          <ac:chgData name="Eckert, Peter" userId="04e50364-1ac6-468d-8340-c574f3737480" providerId="ADAL" clId="{832D3F30-ABDB-4B43-9A4F-FE75FCDEAE75}" dt="2020-10-09T07:19:54.543" v="50" actId="20577"/>
-          <ac:spMkLst>
-            <pc:docMk/>
-            <pc:sldMk cId="0" sldId="261"/>
-            <ac:spMk id="113" creationId="{00000000-0000-0000-0000-000000000000}"/>
-          </ac:spMkLst>
-        </pc:spChg>
-      </pc:sldChg>
-      <pc:sldChg chg="addSp delSp modSp">
-        <pc:chgData name="Eckert, Peter" userId="04e50364-1ac6-468d-8340-c574f3737480" providerId="ADAL" clId="{832D3F30-ABDB-4B43-9A4F-FE75FCDEAE75}" dt="2020-10-09T07:27:51.949" v="123" actId="478"/>
-        <pc:sldMkLst>
-          <pc:docMk/>
-          <pc:sldMk cId="0" sldId="262"/>
-        </pc:sldMkLst>
-        <pc:picChg chg="mod">
-          <ac:chgData name="Eckert, Peter" userId="04e50364-1ac6-468d-8340-c574f3737480" providerId="ADAL" clId="{832D3F30-ABDB-4B43-9A4F-FE75FCDEAE75}" dt="2020-10-09T07:27:38.134" v="122" actId="1038"/>
-          <ac:picMkLst>
-            <pc:docMk/>
-            <pc:sldMk cId="0" sldId="262"/>
-            <ac:picMk id="117" creationId="{00000000-0000-0000-0000-000000000000}"/>
-          </ac:picMkLst>
-        </pc:picChg>
-        <pc:cxnChg chg="add del">
-          <ac:chgData name="Eckert, Peter" userId="04e50364-1ac6-468d-8340-c574f3737480" providerId="ADAL" clId="{832D3F30-ABDB-4B43-9A4F-FE75FCDEAE75}" dt="2020-10-09T07:27:51.949" v="123" actId="478"/>
-          <ac:cxnSpMkLst>
-            <pc:docMk/>
-            <pc:sldMk cId="0" sldId="262"/>
-            <ac:cxnSpMk id="7" creationId="{C85F74D3-670D-4DD7-AC60-DB1B79C97EF9}"/>
-          </ac:cxnSpMkLst>
-        </pc:cxnChg>
-      </pc:sldChg>
-      <pc:sldChg chg="ord">
-        <pc:chgData name="Eckert, Peter" userId="04e50364-1ac6-468d-8340-c574f3737480" providerId="ADAL" clId="{832D3F30-ABDB-4B43-9A4F-FE75FCDEAE75}" dt="2020-10-09T07:32:44.191" v="207"/>
-        <pc:sldMkLst>
-          <pc:docMk/>
-          <pc:sldMk cId="0" sldId="263"/>
-        </pc:sldMkLst>
-      </pc:sldChg>
-      <pc:sldChg chg="addSp modSp del">
-        <pc:chgData name="Eckert, Peter" userId="04e50364-1ac6-468d-8340-c574f3737480" providerId="ADAL" clId="{832D3F30-ABDB-4B43-9A4F-FE75FCDEAE75}" dt="2020-10-09T07:30:47.313" v="152" actId="2696"/>
-        <pc:sldMkLst>
-          <pc:docMk/>
-          <pc:sldMk cId="0" sldId="264"/>
-        </pc:sldMkLst>
-        <pc:spChg chg="mod">
-          <ac:chgData name="Eckert, Peter" userId="04e50364-1ac6-468d-8340-c574f3737480" providerId="ADAL" clId="{832D3F30-ABDB-4B43-9A4F-FE75FCDEAE75}" dt="2020-10-09T07:29:19.346" v="148" actId="14100"/>
-          <ac:spMkLst>
-            <pc:docMk/>
-            <pc:sldMk cId="0" sldId="264"/>
-            <ac:spMk id="125" creationId="{00000000-0000-0000-0000-000000000000}"/>
-          </ac:spMkLst>
-        </pc:spChg>
-        <pc:spChg chg="mod">
-          <ac:chgData name="Eckert, Peter" userId="04e50364-1ac6-468d-8340-c574f3737480" providerId="ADAL" clId="{832D3F30-ABDB-4B43-9A4F-FE75FCDEAE75}" dt="2020-10-09T07:29:19.346" v="148" actId="14100"/>
-          <ac:spMkLst>
-            <pc:docMk/>
-            <pc:sldMk cId="0" sldId="264"/>
-            <ac:spMk id="128" creationId="{00000000-0000-0000-0000-000000000000}"/>
-          </ac:spMkLst>
-        </pc:spChg>
-        <pc:graphicFrameChg chg="add mod ord modVis">
-          <ac:chgData name="Eckert, Peter" userId="04e50364-1ac6-468d-8340-c574f3737480" providerId="ADAL" clId="{832D3F30-ABDB-4B43-9A4F-FE75FCDEAE75}" dt="2020-10-09T07:29:19.342" v="147" actId="14100"/>
-          <ac:graphicFrameMkLst>
-            <pc:docMk/>
-            <pc:sldMk cId="0" sldId="264"/>
-            <ac:graphicFrameMk id="3" creationId="{6FC69E77-1E93-46C0-BDF0-88A24E130F2A}"/>
-          </ac:graphicFrameMkLst>
-        </pc:graphicFrameChg>
-        <pc:picChg chg="mod">
-          <ac:chgData name="Eckert, Peter" userId="04e50364-1ac6-468d-8340-c574f3737480" providerId="ADAL" clId="{832D3F30-ABDB-4B43-9A4F-FE75FCDEAE75}" dt="2020-10-09T07:29:19.346" v="148" actId="14100"/>
-          <ac:picMkLst>
-            <pc:docMk/>
-            <pc:sldMk cId="0" sldId="264"/>
-            <ac:picMk id="127" creationId="{00000000-0000-0000-0000-000000000000}"/>
-          </ac:picMkLst>
-        </pc:picChg>
-        <pc:cxnChg chg="add mod">
-          <ac:chgData name="Eckert, Peter" userId="04e50364-1ac6-468d-8340-c574f3737480" providerId="ADAL" clId="{832D3F30-ABDB-4B43-9A4F-FE75FCDEAE75}" dt="2020-10-09T07:29:19.346" v="148" actId="14100"/>
-          <ac:cxnSpMkLst>
-            <pc:docMk/>
-            <pc:sldMk cId="0" sldId="264"/>
-            <ac:cxnSpMk id="6" creationId="{6F61344B-3D3E-4B03-A560-77DA1CA55420}"/>
-          </ac:cxnSpMkLst>
-        </pc:cxnChg>
-      </pc:sldChg>
-      <pc:sldChg chg="addSp delSp modSp">
-        <pc:chgData name="Eckert, Peter" userId="04e50364-1ac6-468d-8340-c574f3737480" providerId="ADAL" clId="{832D3F30-ABDB-4B43-9A4F-FE75FCDEAE75}" dt="2020-10-09T07:32:27.079" v="206" actId="14100"/>
-        <pc:sldMkLst>
-          <pc:docMk/>
-          <pc:sldMk cId="0" sldId="265"/>
-        </pc:sldMkLst>
-        <pc:spChg chg="mod ord">
-          <ac:chgData name="Eckert, Peter" userId="04e50364-1ac6-468d-8340-c574f3737480" providerId="ADAL" clId="{832D3F30-ABDB-4B43-9A4F-FE75FCDEAE75}" dt="2020-10-09T07:31:42.711" v="157"/>
-          <ac:spMkLst>
-            <pc:docMk/>
-            <pc:sldMk cId="0" sldId="265"/>
-            <ac:spMk id="130" creationId="{00000000-0000-0000-0000-000000000000}"/>
-          </ac:spMkLst>
-        </pc:spChg>
-        <pc:spChg chg="mod ord">
-          <ac:chgData name="Eckert, Peter" userId="04e50364-1ac6-468d-8340-c574f3737480" providerId="ADAL" clId="{832D3F30-ABDB-4B43-9A4F-FE75FCDEAE75}" dt="2020-10-09T07:31:42.712" v="159"/>
-          <ac:spMkLst>
-            <pc:docMk/>
-            <pc:sldMk cId="0" sldId="265"/>
-            <ac:spMk id="131" creationId="{00000000-0000-0000-0000-000000000000}"/>
-          </ac:spMkLst>
-        </pc:spChg>
-        <pc:graphicFrameChg chg="add mod ord modVis">
-          <ac:chgData name="Eckert, Peter" userId="04e50364-1ac6-468d-8340-c574f3737480" providerId="ADAL" clId="{832D3F30-ABDB-4B43-9A4F-FE75FCDEAE75}" dt="2020-10-09T07:31:42.740" v="176"/>
-          <ac:graphicFrameMkLst>
-            <pc:docMk/>
-            <pc:sldMk cId="0" sldId="265"/>
-            <ac:graphicFrameMk id="4" creationId="{7A1D2B31-C9F3-4A8B-853F-10A60A05D20D}"/>
-          </ac:graphicFrameMkLst>
-        </pc:graphicFrameChg>
-        <pc:picChg chg="add mod ord">
-          <ac:chgData name="Eckert, Peter" userId="04e50364-1ac6-468d-8340-c574f3737480" providerId="ADAL" clId="{832D3F30-ABDB-4B43-9A4F-FE75FCDEAE75}" dt="2020-10-09T07:32:27.079" v="206" actId="14100"/>
-          <ac:picMkLst>
-            <pc:docMk/>
-            <pc:sldMk cId="0" sldId="265"/>
-            <ac:picMk id="7" creationId="{F6EC72AC-55A5-4151-8359-96791C382B0E}"/>
-          </ac:picMkLst>
-        </pc:picChg>
-        <pc:picChg chg="mod ord">
-          <ac:chgData name="Eckert, Peter" userId="04e50364-1ac6-468d-8340-c574f3737480" providerId="ADAL" clId="{832D3F30-ABDB-4B43-9A4F-FE75FCDEAE75}" dt="2020-10-09T07:31:42.712" v="161"/>
-          <ac:picMkLst>
-            <pc:docMk/>
-            <pc:sldMk cId="0" sldId="265"/>
-            <ac:picMk id="132" creationId="{00000000-0000-0000-0000-000000000000}"/>
-          </ac:picMkLst>
-        </pc:picChg>
-        <pc:cxnChg chg="add del mod">
-          <ac:chgData name="Eckert, Peter" userId="04e50364-1ac6-468d-8340-c574f3737480" providerId="ADAL" clId="{832D3F30-ABDB-4B43-9A4F-FE75FCDEAE75}" dt="2020-10-09T07:26:43.390" v="59"/>
-          <ac:cxnSpMkLst>
-            <pc:docMk/>
-            <pc:sldMk cId="0" sldId="265"/>
-            <ac:cxnSpMk id="3" creationId="{E1A3832A-CB0D-4B09-BC5B-36C4C0D183EE}"/>
-          </ac:cxnSpMkLst>
-        </pc:cxnChg>
-      </pc:sldChg>
-      <pc:sldChg chg="addSp delSp">
-        <pc:chgData name="Eckert, Peter" userId="04e50364-1ac6-468d-8340-c574f3737480" providerId="ADAL" clId="{832D3F30-ABDB-4B43-9A4F-FE75FCDEAE75}" dt="2020-10-09T07:26:53.746" v="61"/>
-        <pc:sldMkLst>
-          <pc:docMk/>
-          <pc:sldMk cId="0" sldId="266"/>
-        </pc:sldMkLst>
-        <pc:cxnChg chg="add del">
-          <ac:chgData name="Eckert, Peter" userId="04e50364-1ac6-468d-8340-c574f3737480" providerId="ADAL" clId="{832D3F30-ABDB-4B43-9A4F-FE75FCDEAE75}" dt="2020-10-09T07:26:53.746" v="61"/>
-          <ac:cxnSpMkLst>
-            <pc:docMk/>
-            <pc:sldMk cId="0" sldId="266"/>
-            <ac:cxnSpMk id="7" creationId="{5A9F46F5-8700-4927-A228-09CBE96914EE}"/>
-          </ac:cxnSpMkLst>
-        </pc:cxnChg>
-      </pc:sldChg>
-      <pc:sldChg chg="modSp">
-        <pc:chgData name="Eckert, Peter" userId="04e50364-1ac6-468d-8340-c574f3737480" providerId="ADAL" clId="{832D3F30-ABDB-4B43-9A4F-FE75FCDEAE75}" dt="2020-10-09T07:33:48.657" v="303" actId="1037"/>
-        <pc:sldMkLst>
-          <pc:docMk/>
-          <pc:sldMk cId="0" sldId="267"/>
-        </pc:sldMkLst>
-        <pc:picChg chg="mod">
-          <ac:chgData name="Eckert, Peter" userId="04e50364-1ac6-468d-8340-c574f3737480" providerId="ADAL" clId="{832D3F30-ABDB-4B43-9A4F-FE75FCDEAE75}" dt="2020-10-09T07:33:48.657" v="303" actId="1037"/>
-          <ac:picMkLst>
-            <pc:docMk/>
-            <pc:sldMk cId="0" sldId="267"/>
-            <ac:picMk id="143" creationId="{00000000-0000-0000-0000-000000000000}"/>
-          </ac:picMkLst>
-        </pc:picChg>
-      </pc:sldChg>
-      <pc:sldChg chg="addSp delSp add del">
-        <pc:chgData name="Eckert, Peter" userId="04e50364-1ac6-468d-8340-c574f3737480" providerId="ADAL" clId="{832D3F30-ABDB-4B43-9A4F-FE75FCDEAE75}" dt="2020-10-09T07:32:03.551" v="177" actId="2696"/>
-        <pc:sldMkLst>
-          <pc:docMk/>
-          <pc:sldMk cId="3264541" sldId="276"/>
-        </pc:sldMkLst>
-        <pc:spChg chg="add del">
-          <ac:chgData name="Eckert, Peter" userId="04e50364-1ac6-468d-8340-c574f3737480" providerId="ADAL" clId="{832D3F30-ABDB-4B43-9A4F-FE75FCDEAE75}" dt="2020-10-09T07:30:31.383" v="151" actId="478"/>
-          <ac:spMkLst>
-            <pc:docMk/>
-            <pc:sldMk cId="3264541" sldId="276"/>
-            <ac:spMk id="4" creationId="{C2F4ACDC-7D21-483F-9591-CD53091DF52B}"/>
-          </ac:spMkLst>
-        </pc:spChg>
-        <pc:spChg chg="add del">
-          <ac:chgData name="Eckert, Peter" userId="04e50364-1ac6-468d-8340-c574f3737480" providerId="ADAL" clId="{832D3F30-ABDB-4B43-9A4F-FE75FCDEAE75}" dt="2020-10-09T07:30:31.383" v="151" actId="478"/>
-          <ac:spMkLst>
-            <pc:docMk/>
-            <pc:sldMk cId="3264541" sldId="276"/>
-            <ac:spMk id="5" creationId="{727E11A8-E9B0-4AC1-8188-8C58B5C7365D}"/>
-          </ac:spMkLst>
-        </pc:spChg>
-        <pc:spChg chg="add del">
-          <ac:chgData name="Eckert, Peter" userId="04e50364-1ac6-468d-8340-c574f3737480" providerId="ADAL" clId="{832D3F30-ABDB-4B43-9A4F-FE75FCDEAE75}" dt="2020-10-09T07:30:31.383" v="151" actId="478"/>
-          <ac:spMkLst>
-            <pc:docMk/>
-            <pc:sldMk cId="3264541" sldId="276"/>
-            <ac:spMk id="7" creationId="{0FCE9AF5-4CF5-47DA-911F-78396653DE3A}"/>
-          </ac:spMkLst>
-        </pc:spChg>
-        <pc:picChg chg="add del">
-          <ac:chgData name="Eckert, Peter" userId="04e50364-1ac6-468d-8340-c574f3737480" providerId="ADAL" clId="{832D3F30-ABDB-4B43-9A4F-FE75FCDEAE75}" dt="2020-10-09T07:30:31.383" v="151" actId="478"/>
-          <ac:picMkLst>
-            <pc:docMk/>
-            <pc:sldMk cId="3264541" sldId="276"/>
-            <ac:picMk id="6" creationId="{3B658A35-0356-4197-9A75-D296D09BBC13}"/>
-          </ac:picMkLst>
-        </pc:picChg>
-        <pc:cxnChg chg="add del">
-          <ac:chgData name="Eckert, Peter" userId="04e50364-1ac6-468d-8340-c574f3737480" providerId="ADAL" clId="{832D3F30-ABDB-4B43-9A4F-FE75FCDEAE75}" dt="2020-10-09T07:30:31.383" v="151" actId="478"/>
-          <ac:cxnSpMkLst>
-            <pc:docMk/>
-            <pc:sldMk cId="3264541" sldId="276"/>
-            <ac:cxnSpMk id="8" creationId="{D2A67827-F597-4743-BDC7-D6C5DEDC0048}"/>
-          </ac:cxnSpMkLst>
-        </pc:cxnChg>
-      </pc:sldChg>
-      <pc:sldMasterChg chg="addSp modSp">
-        <pc:chgData name="Eckert, Peter" userId="04e50364-1ac6-468d-8340-c574f3737480" providerId="ADAL" clId="{832D3F30-ABDB-4B43-9A4F-FE75FCDEAE75}" dt="2020-10-09T07:13:03.904" v="15"/>
-        <pc:sldMasterMkLst>
-          <pc:docMk/>
-          <pc:sldMasterMk cId="0" sldId="2147483648"/>
-        </pc:sldMasterMkLst>
-        <pc:graphicFrameChg chg="add mod ord modVis">
-          <ac:chgData name="Eckert, Peter" userId="04e50364-1ac6-468d-8340-c574f3737480" providerId="ADAL" clId="{832D3F30-ABDB-4B43-9A4F-FE75FCDEAE75}" dt="2020-10-09T07:13:03.904" v="15"/>
-          <ac:graphicFrameMkLst>
-            <pc:docMk/>
-            <pc:sldMasterMk cId="0" sldId="2147483648"/>
-            <ac:graphicFrameMk id="5" creationId="{650EF0E1-701A-4223-A3DE-3B7DF93EC1D5}"/>
-          </ac:graphicFrameMkLst>
-        </pc:graphicFrameChg>
-      </pc:sldMasterChg>
-    </pc:docChg>
-  </pc:docChgLst>
-</pc:chgInfo>
+<file path=ppt/commentAuthors.xml><?xml version="1.0" encoding="utf-8"?>
+<p:cmAuthorLst xmlns:a="http://schemas.openxmlformats.org/drawingml/2006/main" xmlns:r="http://schemas.openxmlformats.org/officeDocument/2006/relationships" xmlns:p="http://schemas.openxmlformats.org/presentationml/2006/main" xmlns:m="http://schemas.openxmlformats.org/officeDocument/2006/math" xmlns:a14="http://schemas.microsoft.com/office/drawing/2010/main"/>
 </file>
 
 <file path=ppt/notesMasters/notesMaster1.xml><?xml version="1.0" encoding="utf-8"?>
-<p:notesMaster xmlns:a="http://schemas.openxmlformats.org/drawingml/2006/main" xmlns:r="http://schemas.openxmlformats.org/officeDocument/2006/relationships" xmlns:p="http://schemas.openxmlformats.org/presentationml/2006/main">
+<p:notesMaster xmlns:a="http://schemas.openxmlformats.org/drawingml/2006/main" xmlns:r="http://schemas.openxmlformats.org/officeDocument/2006/relationships" xmlns:p="http://schemas.openxmlformats.org/presentationml/2006/main" xmlns:m="http://schemas.openxmlformats.org/officeDocument/2006/math" xmlns:a14="http://schemas.microsoft.com/office/drawing/2010/main">
   <p:cSld>
-    <p:bg>
-      <p:bgRef idx="1001">
-        <a:schemeClr val="bg1"/>
-      </p:bgRef>
-    </p:bg>
     <p:spTree>
       <p:nvGrpSpPr>
         <p:cNvPr id="1" name=""/>
@@ -648,9 +358,7 @@
       <p:sp>
         <p:nvSpPr>
           <p:cNvPr id="91" name="Shape 91"/>
-          <p:cNvSpPr>
-            <a:spLocks noGrp="1" noRot="1" noChangeAspect="1"/>
-          </p:cNvSpPr>
+          <p:cNvSpPr/>
           <p:nvPr>
             <p:ph type="sldImg"/>
           </p:nvPr>
@@ -668,16 +376,14 @@
           <a:bodyPr/>
           <a:lstStyle/>
           <a:p>
-            <a:endParaRPr/>
+            <a:pPr/>
           </a:p>
         </p:txBody>
       </p:sp>
       <p:sp>
         <p:nvSpPr>
           <p:cNvPr id="92" name="Shape 92"/>
-          <p:cNvSpPr>
-            <a:spLocks noGrp="1"/>
-          </p:cNvSpPr>
+          <p:cNvSpPr/>
           <p:nvPr>
             <p:ph type="body" sz="quarter" idx="1"/>
           </p:nvPr>
@@ -695,7 +401,7 @@
           <a:bodyPr/>
           <a:lstStyle/>
           <a:p>
-            <a:endParaRPr/>
+            <a:pPr/>
           </a:p>
         </p:txBody>
       </p:sp>
@@ -705,73 +411,73 @@
   <p:notesStyle>
     <a:lvl1pPr latinLnBrk="0">
       <a:defRPr sz="1200">
-        <a:latin typeface="+mn-lt"/>
-        <a:ea typeface="+mn-ea"/>
-        <a:cs typeface="+mn-cs"/>
+        <a:latin typeface="+mj-lt"/>
+        <a:ea typeface="+mj-ea"/>
+        <a:cs typeface="+mj-cs"/>
         <a:sym typeface="Calibri"/>
       </a:defRPr>
     </a:lvl1pPr>
     <a:lvl2pPr indent="228600" latinLnBrk="0">
       <a:defRPr sz="1200">
-        <a:latin typeface="+mn-lt"/>
-        <a:ea typeface="+mn-ea"/>
-        <a:cs typeface="+mn-cs"/>
+        <a:latin typeface="+mj-lt"/>
+        <a:ea typeface="+mj-ea"/>
+        <a:cs typeface="+mj-cs"/>
         <a:sym typeface="Calibri"/>
       </a:defRPr>
     </a:lvl2pPr>
     <a:lvl3pPr indent="457200" latinLnBrk="0">
       <a:defRPr sz="1200">
-        <a:latin typeface="+mn-lt"/>
-        <a:ea typeface="+mn-ea"/>
-        <a:cs typeface="+mn-cs"/>
+        <a:latin typeface="+mj-lt"/>
+        <a:ea typeface="+mj-ea"/>
+        <a:cs typeface="+mj-cs"/>
         <a:sym typeface="Calibri"/>
       </a:defRPr>
     </a:lvl3pPr>
     <a:lvl4pPr indent="685800" latinLnBrk="0">
       <a:defRPr sz="1200">
-        <a:latin typeface="+mn-lt"/>
-        <a:ea typeface="+mn-ea"/>
-        <a:cs typeface="+mn-cs"/>
+        <a:latin typeface="+mj-lt"/>
+        <a:ea typeface="+mj-ea"/>
+        <a:cs typeface="+mj-cs"/>
         <a:sym typeface="Calibri"/>
       </a:defRPr>
     </a:lvl4pPr>
     <a:lvl5pPr indent="914400" latinLnBrk="0">
       <a:defRPr sz="1200">
-        <a:latin typeface="+mn-lt"/>
-        <a:ea typeface="+mn-ea"/>
-        <a:cs typeface="+mn-cs"/>
+        <a:latin typeface="+mj-lt"/>
+        <a:ea typeface="+mj-ea"/>
+        <a:cs typeface="+mj-cs"/>
         <a:sym typeface="Calibri"/>
       </a:defRPr>
     </a:lvl5pPr>
     <a:lvl6pPr indent="1143000" latinLnBrk="0">
       <a:defRPr sz="1200">
-        <a:latin typeface="+mn-lt"/>
-        <a:ea typeface="+mn-ea"/>
-        <a:cs typeface="+mn-cs"/>
+        <a:latin typeface="+mj-lt"/>
+        <a:ea typeface="+mj-ea"/>
+        <a:cs typeface="+mj-cs"/>
         <a:sym typeface="Calibri"/>
       </a:defRPr>
     </a:lvl6pPr>
     <a:lvl7pPr indent="1371600" latinLnBrk="0">
       <a:defRPr sz="1200">
-        <a:latin typeface="+mn-lt"/>
-        <a:ea typeface="+mn-ea"/>
-        <a:cs typeface="+mn-cs"/>
+        <a:latin typeface="+mj-lt"/>
+        <a:ea typeface="+mj-ea"/>
+        <a:cs typeface="+mj-cs"/>
         <a:sym typeface="Calibri"/>
       </a:defRPr>
     </a:lvl7pPr>
     <a:lvl8pPr indent="1600200" latinLnBrk="0">
       <a:defRPr sz="1200">
-        <a:latin typeface="+mn-lt"/>
-        <a:ea typeface="+mn-ea"/>
-        <a:cs typeface="+mn-cs"/>
+        <a:latin typeface="+mj-lt"/>
+        <a:ea typeface="+mj-ea"/>
+        <a:cs typeface="+mj-cs"/>
         <a:sym typeface="Calibri"/>
       </a:defRPr>
     </a:lvl8pPr>
     <a:lvl9pPr indent="1828800" latinLnBrk="0">
       <a:defRPr sz="1200">
-        <a:latin typeface="+mn-lt"/>
-        <a:ea typeface="+mn-ea"/>
-        <a:cs typeface="+mn-cs"/>
+        <a:latin typeface="+mj-lt"/>
+        <a:ea typeface="+mj-ea"/>
+        <a:cs typeface="+mj-cs"/>
         <a:sym typeface="Calibri"/>
       </a:defRPr>
     </a:lvl9pPr>
@@ -780,7 +486,7 @@
 </file>
 
 <file path=ppt/slideLayouts/slideLayout1.xml><?xml version="1.0" encoding="utf-8"?>
-<p:sldLayout xmlns:a="http://schemas.openxmlformats.org/drawingml/2006/main" xmlns:r="http://schemas.openxmlformats.org/officeDocument/2006/relationships" xmlns:p="http://schemas.openxmlformats.org/presentationml/2006/main" type="title">
+<p:sldLayout xmlns:a="http://schemas.openxmlformats.org/drawingml/2006/main" xmlns:r="http://schemas.openxmlformats.org/officeDocument/2006/relationships" xmlns:p="http://schemas.openxmlformats.org/presentationml/2006/main" xmlns:m="http://schemas.openxmlformats.org/officeDocument/2006/math" xmlns:a14="http://schemas.microsoft.com/office/drawing/2010/main" type="title" showMasterSp="1" showMasterPhAnim="1">
   <p:cSld name="Titelfolie">
     <p:spTree>
       <p:nvGrpSpPr>
@@ -799,9 +505,7 @@
       <p:sp>
         <p:nvSpPr>
           <p:cNvPr id="11" name="Titeltext"/>
-          <p:cNvSpPr txBox="1">
-            <a:spLocks noGrp="1"/>
-          </p:cNvSpPr>
+          <p:cNvSpPr txBox="1"/>
           <p:nvPr>
             <p:ph type="title"/>
           </p:nvPr>
@@ -823,6 +527,7 @@
             </a:lvl1pPr>
           </a:lstStyle>
           <a:p>
+            <a:pPr/>
             <a:r>
               <a:t>Titeltext</a:t>
             </a:r>
@@ -832,9 +537,7 @@
       <p:sp>
         <p:nvSpPr>
           <p:cNvPr id="12" name="Textebene 1…"/>
-          <p:cNvSpPr txBox="1">
-            <a:spLocks noGrp="1"/>
-          </p:cNvSpPr>
+          <p:cNvSpPr txBox="1"/>
           <p:nvPr>
             <p:ph type="body" sz="quarter" idx="1"/>
           </p:nvPr>
@@ -842,7 +545,7 @@
         <p:spPr>
           <a:xfrm>
             <a:off x="1524000" y="3602037"/>
-            <a:ext cx="9144000" cy="1655763"/>
+            <a:ext cx="9144000" cy="1655764"/>
           </a:xfrm>
           <a:prstGeom prst="rect">
             <a:avLst/>
@@ -857,25 +560,25 @@
               <a:buNone/>
               <a:defRPr sz="2400"/>
             </a:lvl1pPr>
-            <a:lvl2pPr marL="0" indent="457200" algn="ctr">
+            <a:lvl2pPr marL="0" indent="0" algn="ctr">
               <a:buSzTx/>
               <a:buFontTx/>
               <a:buNone/>
               <a:defRPr sz="2400"/>
             </a:lvl2pPr>
-            <a:lvl3pPr marL="0" indent="914400" algn="ctr">
+            <a:lvl3pPr marL="0" indent="0" algn="ctr">
               <a:buSzTx/>
               <a:buFontTx/>
               <a:buNone/>
               <a:defRPr sz="2400"/>
             </a:lvl3pPr>
-            <a:lvl4pPr marL="0" indent="1371600" algn="ctr">
+            <a:lvl4pPr marL="0" indent="0" algn="ctr">
               <a:buSzTx/>
               <a:buFontTx/>
               <a:buNone/>
               <a:defRPr sz="2400"/>
             </a:lvl4pPr>
-            <a:lvl5pPr marL="0" indent="1828800" algn="ctr">
+            <a:lvl5pPr marL="0" indent="0" algn="ctr">
               <a:buSzTx/>
               <a:buFontTx/>
               <a:buNone/>
@@ -883,6 +586,7 @@
             </a:lvl5pPr>
           </a:lstStyle>
           <a:p>
+            <a:pPr/>
             <a:r>
               <a:t>Textebene 1</a:t>
             </a:r>
@@ -916,9 +620,7 @@
       <p:sp>
         <p:nvSpPr>
           <p:cNvPr id="13" name="Foliennummer"/>
-          <p:cNvSpPr txBox="1">
-            <a:spLocks noGrp="1"/>
-          </p:cNvSpPr>
+          <p:cNvSpPr txBox="1"/>
           <p:nvPr>
             <p:ph type="sldNum" sz="quarter" idx="2"/>
           </p:nvPr>
@@ -932,10 +634,8 @@
           <a:bodyPr/>
           <a:lstStyle/>
           <a:p>
-            <a:fld id="{86CB4B4D-7CA3-9044-876B-883B54F8677D}" type="slidenum">
-              <a:t>‹Nr.›</a:t>
-            </a:fld>
-            <a:endParaRPr/>
+            <a:pPr/>
+            <a:fld id="{86CB4B4D-7CA3-9044-876B-883B54F8677D}" type="slidenum"/>
           </a:p>
         </p:txBody>
       </p:sp>
@@ -944,12 +644,12 @@
   <p:clrMapOvr>
     <a:masterClrMapping/>
   </p:clrMapOvr>
-  <p:transition spd="med"/>
+  <p:transition xmlns:p14="http://schemas.microsoft.com/office/powerpoint/2010/main" spd="med" advClick="1"/>
 </p:sldLayout>
 </file>
 
 <file path=ppt/slideLayouts/slideLayout2.xml><?xml version="1.0" encoding="utf-8"?>
-<p:sldLayout xmlns:a="http://schemas.openxmlformats.org/drawingml/2006/main" xmlns:r="http://schemas.openxmlformats.org/officeDocument/2006/relationships" xmlns:p="http://schemas.openxmlformats.org/presentationml/2006/main" type="tx">
+<p:sldLayout xmlns:a="http://schemas.openxmlformats.org/drawingml/2006/main" xmlns:r="http://schemas.openxmlformats.org/officeDocument/2006/relationships" xmlns:p="http://schemas.openxmlformats.org/presentationml/2006/main" xmlns:m="http://schemas.openxmlformats.org/officeDocument/2006/math" xmlns:a14="http://schemas.microsoft.com/office/drawing/2010/main" type="tx" showMasterSp="1" showMasterPhAnim="1">
   <p:cSld name="Titel und Inhalt">
     <p:spTree>
       <p:nvGrpSpPr>
@@ -968,9 +668,7 @@
       <p:sp>
         <p:nvSpPr>
           <p:cNvPr id="20" name="Titeltext"/>
-          <p:cNvSpPr txBox="1">
-            <a:spLocks noGrp="1"/>
-          </p:cNvSpPr>
+          <p:cNvSpPr txBox="1"/>
           <p:nvPr>
             <p:ph type="title"/>
           </p:nvPr>
@@ -984,6 +682,7 @@
           <a:bodyPr/>
           <a:lstStyle/>
           <a:p>
+            <a:pPr/>
             <a:r>
               <a:t>Titeltext</a:t>
             </a:r>
@@ -993,9 +692,7 @@
       <p:sp>
         <p:nvSpPr>
           <p:cNvPr id="21" name="Textebene 1…"/>
-          <p:cNvSpPr txBox="1">
-            <a:spLocks noGrp="1"/>
-          </p:cNvSpPr>
+          <p:cNvSpPr txBox="1"/>
           <p:nvPr>
             <p:ph type="body" idx="1"/>
           </p:nvPr>
@@ -1009,6 +706,7 @@
           <a:bodyPr/>
           <a:lstStyle/>
           <a:p>
+            <a:pPr/>
             <a:r>
               <a:t>Textebene 1</a:t>
             </a:r>
@@ -1042,9 +740,7 @@
       <p:sp>
         <p:nvSpPr>
           <p:cNvPr id="22" name="Foliennummer"/>
-          <p:cNvSpPr txBox="1">
-            <a:spLocks noGrp="1"/>
-          </p:cNvSpPr>
+          <p:cNvSpPr txBox="1"/>
           <p:nvPr>
             <p:ph type="sldNum" sz="quarter" idx="2"/>
           </p:nvPr>
@@ -1058,10 +754,8 @@
           <a:bodyPr/>
           <a:lstStyle/>
           <a:p>
-            <a:fld id="{86CB4B4D-7CA3-9044-876B-883B54F8677D}" type="slidenum">
-              <a:t>‹Nr.›</a:t>
-            </a:fld>
-            <a:endParaRPr/>
+            <a:pPr/>
+            <a:fld id="{86CB4B4D-7CA3-9044-876B-883B54F8677D}" type="slidenum"/>
           </a:p>
         </p:txBody>
       </p:sp>
@@ -1070,12 +764,12 @@
   <p:clrMapOvr>
     <a:masterClrMapping/>
   </p:clrMapOvr>
-  <p:transition spd="med"/>
+  <p:transition xmlns:p14="http://schemas.microsoft.com/office/powerpoint/2010/main" spd="med" advClick="1"/>
 </p:sldLayout>
 </file>
 
 <file path=ppt/slideLayouts/slideLayout3.xml><?xml version="1.0" encoding="utf-8"?>
-<p:sldLayout xmlns:a="http://schemas.openxmlformats.org/drawingml/2006/main" xmlns:r="http://schemas.openxmlformats.org/officeDocument/2006/relationships" xmlns:p="http://schemas.openxmlformats.org/presentationml/2006/main" type="tx">
+<p:sldLayout xmlns:a="http://schemas.openxmlformats.org/drawingml/2006/main" xmlns:r="http://schemas.openxmlformats.org/officeDocument/2006/relationships" xmlns:p="http://schemas.openxmlformats.org/presentationml/2006/main" xmlns:m="http://schemas.openxmlformats.org/officeDocument/2006/math" xmlns:a14="http://schemas.microsoft.com/office/drawing/2010/main" type="tx" showMasterSp="1" showMasterPhAnim="1">
   <p:cSld name="Abschnitts-&#10;überschrift">
     <p:spTree>
       <p:nvGrpSpPr>
@@ -1094,9 +788,7 @@
       <p:sp>
         <p:nvSpPr>
           <p:cNvPr id="29" name="Titeltext"/>
-          <p:cNvSpPr txBox="1">
-            <a:spLocks noGrp="1"/>
-          </p:cNvSpPr>
+          <p:cNvSpPr txBox="1"/>
           <p:nvPr>
             <p:ph type="title"/>
           </p:nvPr>
@@ -1118,6 +810,7 @@
             </a:lvl1pPr>
           </a:lstStyle>
           <a:p>
+            <a:pPr/>
             <a:r>
               <a:t>Titeltext</a:t>
             </a:r>
@@ -1127,9 +820,7 @@
       <p:sp>
         <p:nvSpPr>
           <p:cNvPr id="30" name="Textebene 1…"/>
-          <p:cNvSpPr txBox="1">
-            <a:spLocks noGrp="1"/>
-          </p:cNvSpPr>
+          <p:cNvSpPr txBox="1"/>
           <p:nvPr>
             <p:ph type="body" sz="quarter" idx="1"/>
           </p:nvPr>
@@ -1137,7 +828,7 @@
         <p:spPr>
           <a:xfrm>
             <a:off x="831850" y="4589462"/>
-            <a:ext cx="10515600" cy="1500188"/>
+            <a:ext cx="10515600" cy="1500189"/>
           </a:xfrm>
           <a:prstGeom prst="rect">
             <a:avLst/>
@@ -1156,7 +847,7 @@
                 </a:solidFill>
               </a:defRPr>
             </a:lvl1pPr>
-            <a:lvl2pPr marL="0" indent="457200">
+            <a:lvl2pPr marL="0" indent="0">
               <a:buSzTx/>
               <a:buFontTx/>
               <a:buNone/>
@@ -1166,7 +857,7 @@
                 </a:solidFill>
               </a:defRPr>
             </a:lvl2pPr>
-            <a:lvl3pPr marL="0" indent="914400">
+            <a:lvl3pPr marL="0" indent="0">
               <a:buSzTx/>
               <a:buFontTx/>
               <a:buNone/>
@@ -1176,7 +867,7 @@
                 </a:solidFill>
               </a:defRPr>
             </a:lvl3pPr>
-            <a:lvl4pPr marL="0" indent="1371600">
+            <a:lvl4pPr marL="0" indent="0">
               <a:buSzTx/>
               <a:buFontTx/>
               <a:buNone/>
@@ -1186,7 +877,7 @@
                 </a:solidFill>
               </a:defRPr>
             </a:lvl4pPr>
-            <a:lvl5pPr marL="0" indent="1828800">
+            <a:lvl5pPr marL="0" indent="0">
               <a:buSzTx/>
               <a:buFontTx/>
               <a:buNone/>
@@ -1198,6 +889,7 @@
             </a:lvl5pPr>
           </a:lstStyle>
           <a:p>
+            <a:pPr/>
             <a:r>
               <a:t>Textebene 1</a:t>
             </a:r>
@@ -1231,9 +923,7 @@
       <p:sp>
         <p:nvSpPr>
           <p:cNvPr id="31" name="Foliennummer"/>
-          <p:cNvSpPr txBox="1">
-            <a:spLocks noGrp="1"/>
-          </p:cNvSpPr>
+          <p:cNvSpPr txBox="1"/>
           <p:nvPr>
             <p:ph type="sldNum" sz="quarter" idx="2"/>
           </p:nvPr>
@@ -1247,10 +937,8 @@
           <a:bodyPr/>
           <a:lstStyle/>
           <a:p>
-            <a:fld id="{86CB4B4D-7CA3-9044-876B-883B54F8677D}" type="slidenum">
-              <a:t>‹Nr.›</a:t>
-            </a:fld>
-            <a:endParaRPr/>
+            <a:pPr/>
+            <a:fld id="{86CB4B4D-7CA3-9044-876B-883B54F8677D}" type="slidenum"/>
           </a:p>
         </p:txBody>
       </p:sp>
@@ -1259,12 +947,12 @@
   <p:clrMapOvr>
     <a:masterClrMapping/>
   </p:clrMapOvr>
-  <p:transition spd="med"/>
+  <p:transition xmlns:p14="http://schemas.microsoft.com/office/powerpoint/2010/main" spd="med" advClick="1"/>
 </p:sldLayout>
 </file>
 
 <file path=ppt/slideLayouts/slideLayout4.xml><?xml version="1.0" encoding="utf-8"?>
-<p:sldLayout xmlns:a="http://schemas.openxmlformats.org/drawingml/2006/main" xmlns:r="http://schemas.openxmlformats.org/officeDocument/2006/relationships" xmlns:p="http://schemas.openxmlformats.org/presentationml/2006/main" type="tx">
+<p:sldLayout xmlns:a="http://schemas.openxmlformats.org/drawingml/2006/main" xmlns:r="http://schemas.openxmlformats.org/officeDocument/2006/relationships" xmlns:p="http://schemas.openxmlformats.org/presentationml/2006/main" xmlns:m="http://schemas.openxmlformats.org/officeDocument/2006/math" xmlns:a14="http://schemas.microsoft.com/office/drawing/2010/main" type="tx" showMasterSp="1" showMasterPhAnim="1">
   <p:cSld name="Zwei Inhalte">
     <p:spTree>
       <p:nvGrpSpPr>
@@ -1283,9 +971,7 @@
       <p:sp>
         <p:nvSpPr>
           <p:cNvPr id="38" name="Titeltext"/>
-          <p:cNvSpPr txBox="1">
-            <a:spLocks noGrp="1"/>
-          </p:cNvSpPr>
+          <p:cNvSpPr txBox="1"/>
           <p:nvPr>
             <p:ph type="title"/>
           </p:nvPr>
@@ -1299,6 +985,7 @@
           <a:bodyPr/>
           <a:lstStyle/>
           <a:p>
+            <a:pPr/>
             <a:r>
               <a:t>Titeltext</a:t>
             </a:r>
@@ -1308,9 +995,7 @@
       <p:sp>
         <p:nvSpPr>
           <p:cNvPr id="39" name="Textebene 1…"/>
-          <p:cNvSpPr txBox="1">
-            <a:spLocks noGrp="1"/>
-          </p:cNvSpPr>
+          <p:cNvSpPr txBox="1"/>
           <p:nvPr>
             <p:ph type="body" sz="half" idx="1"/>
           </p:nvPr>
@@ -1328,6 +1013,7 @@
           <a:bodyPr/>
           <a:lstStyle/>
           <a:p>
+            <a:pPr/>
             <a:r>
               <a:t>Textebene 1</a:t>
             </a:r>
@@ -1361,9 +1047,7 @@
       <p:sp>
         <p:nvSpPr>
           <p:cNvPr id="40" name="Foliennummer"/>
-          <p:cNvSpPr txBox="1">
-            <a:spLocks noGrp="1"/>
-          </p:cNvSpPr>
+          <p:cNvSpPr txBox="1"/>
           <p:nvPr>
             <p:ph type="sldNum" sz="quarter" idx="2"/>
           </p:nvPr>
@@ -1377,10 +1061,8 @@
           <a:bodyPr/>
           <a:lstStyle/>
           <a:p>
-            <a:fld id="{86CB4B4D-7CA3-9044-876B-883B54F8677D}" type="slidenum">
-              <a:t>‹Nr.›</a:t>
-            </a:fld>
-            <a:endParaRPr/>
+            <a:pPr/>
+            <a:fld id="{86CB4B4D-7CA3-9044-876B-883B54F8677D}" type="slidenum"/>
           </a:p>
         </p:txBody>
       </p:sp>
@@ -1389,12 +1071,12 @@
   <p:clrMapOvr>
     <a:masterClrMapping/>
   </p:clrMapOvr>
-  <p:transition spd="med"/>
+  <p:transition xmlns:p14="http://schemas.microsoft.com/office/powerpoint/2010/main" spd="med" advClick="1"/>
 </p:sldLayout>
 </file>
 
 <file path=ppt/slideLayouts/slideLayout5.xml><?xml version="1.0" encoding="utf-8"?>
-<p:sldLayout xmlns:a="http://schemas.openxmlformats.org/drawingml/2006/main" xmlns:r="http://schemas.openxmlformats.org/officeDocument/2006/relationships" xmlns:p="http://schemas.openxmlformats.org/presentationml/2006/main" type="tx">
+<p:sldLayout xmlns:a="http://schemas.openxmlformats.org/drawingml/2006/main" xmlns:r="http://schemas.openxmlformats.org/officeDocument/2006/relationships" xmlns:p="http://schemas.openxmlformats.org/presentationml/2006/main" xmlns:m="http://schemas.openxmlformats.org/officeDocument/2006/math" xmlns:a14="http://schemas.microsoft.com/office/drawing/2010/main" type="tx" showMasterSp="1" showMasterPhAnim="1">
   <p:cSld name="Vergleich">
     <p:spTree>
       <p:nvGrpSpPr>
@@ -1413,9 +1095,7 @@
       <p:sp>
         <p:nvSpPr>
           <p:cNvPr id="47" name="Titeltext"/>
-          <p:cNvSpPr txBox="1">
-            <a:spLocks noGrp="1"/>
-          </p:cNvSpPr>
+          <p:cNvSpPr txBox="1"/>
           <p:nvPr>
             <p:ph type="title"/>
           </p:nvPr>
@@ -1433,6 +1113,7 @@
           <a:bodyPr/>
           <a:lstStyle/>
           <a:p>
+            <a:pPr/>
             <a:r>
               <a:t>Titeltext</a:t>
             </a:r>
@@ -1442,9 +1123,7 @@
       <p:sp>
         <p:nvSpPr>
           <p:cNvPr id="48" name="Textebene 1…"/>
-          <p:cNvSpPr txBox="1">
-            <a:spLocks noGrp="1"/>
-          </p:cNvSpPr>
+          <p:cNvSpPr txBox="1"/>
           <p:nvPr>
             <p:ph type="body" sz="quarter" idx="1"/>
           </p:nvPr>
@@ -1452,7 +1131,7 @@
         <p:spPr>
           <a:xfrm>
             <a:off x="839787" y="1681163"/>
-            <a:ext cx="5157789" cy="823913"/>
+            <a:ext cx="5157790" cy="823914"/>
           </a:xfrm>
           <a:prstGeom prst="rect">
             <a:avLst/>
@@ -1465,34 +1144,35 @@
               <a:buSzTx/>
               <a:buFontTx/>
               <a:buNone/>
-              <a:defRPr sz="2400" b="1"/>
+              <a:defRPr b="1" sz="2400"/>
             </a:lvl1pPr>
-            <a:lvl2pPr marL="0" indent="457200">
+            <a:lvl2pPr marL="0" indent="0">
               <a:buSzTx/>
               <a:buFontTx/>
               <a:buNone/>
-              <a:defRPr sz="2400" b="1"/>
+              <a:defRPr b="1" sz="2400"/>
             </a:lvl2pPr>
-            <a:lvl3pPr marL="0" indent="914400">
+            <a:lvl3pPr marL="0" indent="0">
               <a:buSzTx/>
               <a:buFontTx/>
               <a:buNone/>
-              <a:defRPr sz="2400" b="1"/>
+              <a:defRPr b="1" sz="2400"/>
             </a:lvl3pPr>
-            <a:lvl4pPr marL="0" indent="1371600">
+            <a:lvl4pPr marL="0" indent="0">
               <a:buSzTx/>
               <a:buFontTx/>
               <a:buNone/>
-              <a:defRPr sz="2400" b="1"/>
+              <a:defRPr b="1" sz="2400"/>
             </a:lvl4pPr>
-            <a:lvl5pPr marL="0" indent="1828800">
+            <a:lvl5pPr marL="0" indent="0">
               <a:buSzTx/>
               <a:buFontTx/>
               <a:buNone/>
-              <a:defRPr sz="2400" b="1"/>
+              <a:defRPr b="1" sz="2400"/>
             </a:lvl5pPr>
           </a:lstStyle>
           <a:p>
+            <a:pPr/>
             <a:r>
               <a:t>Textebene 1</a:t>
             </a:r>
@@ -1526,9 +1206,7 @@
       <p:sp>
         <p:nvSpPr>
           <p:cNvPr id="49" name="Textplatzhalter 4"/>
-          <p:cNvSpPr>
-            <a:spLocks noGrp="1"/>
-          </p:cNvSpPr>
+          <p:cNvSpPr/>
           <p:nvPr>
             <p:ph type="body" sz="quarter" idx="13"/>
           </p:nvPr>
@@ -1536,7 +1214,7 @@
         <p:spPr>
           <a:xfrm>
             <a:off x="6172200" y="1681163"/>
-            <a:ext cx="5183188" cy="823913"/>
+            <a:ext cx="5183188" cy="823914"/>
           </a:xfrm>
           <a:prstGeom prst="rect">
             <a:avLst/>
@@ -1546,22 +1224,14 @@
           <a:bodyPr anchor="b"/>
           <a:lstStyle/>
           <a:p>
-            <a:pPr marL="0" indent="0">
-              <a:buSzTx/>
-              <a:buFontTx/>
-              <a:buNone/>
-              <a:defRPr sz="2400" b="1"/>
-            </a:pPr>
-            <a:endParaRPr/>
+            <a:pPr/>
           </a:p>
         </p:txBody>
       </p:sp>
       <p:sp>
         <p:nvSpPr>
           <p:cNvPr id="50" name="Foliennummer"/>
-          <p:cNvSpPr txBox="1">
-            <a:spLocks noGrp="1"/>
-          </p:cNvSpPr>
+          <p:cNvSpPr txBox="1"/>
           <p:nvPr>
             <p:ph type="sldNum" sz="quarter" idx="2"/>
           </p:nvPr>
@@ -1575,10 +1245,8 @@
           <a:bodyPr/>
           <a:lstStyle/>
           <a:p>
-            <a:fld id="{86CB4B4D-7CA3-9044-876B-883B54F8677D}" type="slidenum">
-              <a:t>‹Nr.›</a:t>
-            </a:fld>
-            <a:endParaRPr/>
+            <a:pPr/>
+            <a:fld id="{86CB4B4D-7CA3-9044-876B-883B54F8677D}" type="slidenum"/>
           </a:p>
         </p:txBody>
       </p:sp>
@@ -1587,12 +1255,12 @@
   <p:clrMapOvr>
     <a:masterClrMapping/>
   </p:clrMapOvr>
-  <p:transition spd="med"/>
+  <p:transition xmlns:p14="http://schemas.microsoft.com/office/powerpoint/2010/main" spd="med" advClick="1"/>
 </p:sldLayout>
 </file>
 
 <file path=ppt/slideLayouts/slideLayout6.xml><?xml version="1.0" encoding="utf-8"?>
-<p:sldLayout xmlns:a="http://schemas.openxmlformats.org/drawingml/2006/main" xmlns:r="http://schemas.openxmlformats.org/officeDocument/2006/relationships" xmlns:p="http://schemas.openxmlformats.org/presentationml/2006/main" type="tx">
+<p:sldLayout xmlns:a="http://schemas.openxmlformats.org/drawingml/2006/main" xmlns:r="http://schemas.openxmlformats.org/officeDocument/2006/relationships" xmlns:p="http://schemas.openxmlformats.org/presentationml/2006/main" xmlns:m="http://schemas.openxmlformats.org/officeDocument/2006/math" xmlns:a14="http://schemas.microsoft.com/office/drawing/2010/main" type="tx" showMasterSp="1" showMasterPhAnim="1">
   <p:cSld name="Nur Titel">
     <p:spTree>
       <p:nvGrpSpPr>
@@ -1611,9 +1279,7 @@
       <p:sp>
         <p:nvSpPr>
           <p:cNvPr id="57" name="Titeltext"/>
-          <p:cNvSpPr txBox="1">
-            <a:spLocks noGrp="1"/>
-          </p:cNvSpPr>
+          <p:cNvSpPr txBox="1"/>
           <p:nvPr>
             <p:ph type="title"/>
           </p:nvPr>
@@ -1627,6 +1293,7 @@
           <a:bodyPr/>
           <a:lstStyle/>
           <a:p>
+            <a:pPr/>
             <a:r>
               <a:t>Titeltext</a:t>
             </a:r>
@@ -1636,9 +1303,7 @@
       <p:sp>
         <p:nvSpPr>
           <p:cNvPr id="58" name="Foliennummer"/>
-          <p:cNvSpPr txBox="1">
-            <a:spLocks noGrp="1"/>
-          </p:cNvSpPr>
+          <p:cNvSpPr txBox="1"/>
           <p:nvPr>
             <p:ph type="sldNum" sz="quarter" idx="2"/>
           </p:nvPr>
@@ -1652,10 +1317,8 @@
           <a:bodyPr/>
           <a:lstStyle/>
           <a:p>
-            <a:fld id="{86CB4B4D-7CA3-9044-876B-883B54F8677D}" type="slidenum">
-              <a:t>‹Nr.›</a:t>
-            </a:fld>
-            <a:endParaRPr/>
+            <a:pPr/>
+            <a:fld id="{86CB4B4D-7CA3-9044-876B-883B54F8677D}" type="slidenum"/>
           </a:p>
         </p:txBody>
       </p:sp>
@@ -1664,12 +1327,12 @@
   <p:clrMapOvr>
     <a:masterClrMapping/>
   </p:clrMapOvr>
-  <p:transition spd="med"/>
+  <p:transition xmlns:p14="http://schemas.microsoft.com/office/powerpoint/2010/main" spd="med" advClick="1"/>
 </p:sldLayout>
 </file>
 
 <file path=ppt/slideLayouts/slideLayout7.xml><?xml version="1.0" encoding="utf-8"?>
-<p:sldLayout xmlns:a="http://schemas.openxmlformats.org/drawingml/2006/main" xmlns:r="http://schemas.openxmlformats.org/officeDocument/2006/relationships" xmlns:p="http://schemas.openxmlformats.org/presentationml/2006/main" type="tx">
+<p:sldLayout xmlns:a="http://schemas.openxmlformats.org/drawingml/2006/main" xmlns:r="http://schemas.openxmlformats.org/officeDocument/2006/relationships" xmlns:p="http://schemas.openxmlformats.org/presentationml/2006/main" xmlns:m="http://schemas.openxmlformats.org/officeDocument/2006/math" xmlns:a14="http://schemas.microsoft.com/office/drawing/2010/main" type="tx" showMasterSp="1" showMasterPhAnim="1">
   <p:cSld name="Leer">
     <p:spTree>
       <p:nvGrpSpPr>
@@ -1688,9 +1351,7 @@
       <p:sp>
         <p:nvSpPr>
           <p:cNvPr id="65" name="Foliennummer"/>
-          <p:cNvSpPr txBox="1">
-            <a:spLocks noGrp="1"/>
-          </p:cNvSpPr>
+          <p:cNvSpPr txBox="1"/>
           <p:nvPr>
             <p:ph type="sldNum" sz="quarter" idx="2"/>
           </p:nvPr>
@@ -1704,10 +1365,8 @@
           <a:bodyPr/>
           <a:lstStyle/>
           <a:p>
-            <a:fld id="{86CB4B4D-7CA3-9044-876B-883B54F8677D}" type="slidenum">
-              <a:t>‹Nr.›</a:t>
-            </a:fld>
-            <a:endParaRPr/>
+            <a:pPr/>
+            <a:fld id="{86CB4B4D-7CA3-9044-876B-883B54F8677D}" type="slidenum"/>
           </a:p>
         </p:txBody>
       </p:sp>
@@ -1716,12 +1375,12 @@
   <p:clrMapOvr>
     <a:masterClrMapping/>
   </p:clrMapOvr>
-  <p:transition spd="med"/>
+  <p:transition xmlns:p14="http://schemas.microsoft.com/office/powerpoint/2010/main" spd="med" advClick="1"/>
 </p:sldLayout>
 </file>
 
 <file path=ppt/slideLayouts/slideLayout8.xml><?xml version="1.0" encoding="utf-8"?>
-<p:sldLayout xmlns:a="http://schemas.openxmlformats.org/drawingml/2006/main" xmlns:r="http://schemas.openxmlformats.org/officeDocument/2006/relationships" xmlns:p="http://schemas.openxmlformats.org/presentationml/2006/main" type="tx">
+<p:sldLayout xmlns:a="http://schemas.openxmlformats.org/drawingml/2006/main" xmlns:r="http://schemas.openxmlformats.org/officeDocument/2006/relationships" xmlns:p="http://schemas.openxmlformats.org/presentationml/2006/main" xmlns:m="http://schemas.openxmlformats.org/officeDocument/2006/math" xmlns:a14="http://schemas.microsoft.com/office/drawing/2010/main" type="tx" showMasterSp="1" showMasterPhAnim="1">
   <p:cSld name="Inhalt mit Überschrift">
     <p:spTree>
       <p:nvGrpSpPr>
@@ -1740,9 +1399,7 @@
       <p:sp>
         <p:nvSpPr>
           <p:cNvPr id="72" name="Titeltext"/>
-          <p:cNvSpPr txBox="1">
-            <a:spLocks noGrp="1"/>
-          </p:cNvSpPr>
+          <p:cNvSpPr txBox="1"/>
           <p:nvPr>
             <p:ph type="title"/>
           </p:nvPr>
@@ -1750,7 +1407,7 @@
         <p:spPr>
           <a:xfrm>
             <a:off x="839787" y="457200"/>
-            <a:ext cx="3932239" cy="1600200"/>
+            <a:ext cx="3932240" cy="1600200"/>
           </a:xfrm>
           <a:prstGeom prst="rect">
             <a:avLst/>
@@ -1764,6 +1421,7 @@
             </a:lvl1pPr>
           </a:lstStyle>
           <a:p>
+            <a:pPr/>
             <a:r>
               <a:t>Titeltext</a:t>
             </a:r>
@@ -1773,9 +1431,7 @@
       <p:sp>
         <p:nvSpPr>
           <p:cNvPr id="73" name="Textebene 1…"/>
-          <p:cNvSpPr txBox="1">
-            <a:spLocks noGrp="1"/>
-          </p:cNvSpPr>
+          <p:cNvSpPr txBox="1"/>
           <p:nvPr>
             <p:ph type="body" sz="half" idx="1"/>
           </p:nvPr>
@@ -1783,7 +1439,7 @@
         <p:spPr>
           <a:xfrm>
             <a:off x="5183187" y="987425"/>
-            <a:ext cx="6172201" cy="4873625"/>
+            <a:ext cx="6172202" cy="4873625"/>
           </a:xfrm>
           <a:prstGeom prst="rect">
             <a:avLst/>
@@ -1809,6 +1465,7 @@
             </a:lvl5pPr>
           </a:lstStyle>
           <a:p>
+            <a:pPr/>
             <a:r>
               <a:t>Textebene 1</a:t>
             </a:r>
@@ -1842,17 +1499,15 @@
       <p:sp>
         <p:nvSpPr>
           <p:cNvPr id="74" name="Textplatzhalter 3"/>
-          <p:cNvSpPr>
-            <a:spLocks noGrp="1"/>
-          </p:cNvSpPr>
+          <p:cNvSpPr/>
           <p:nvPr>
             <p:ph type="body" sz="quarter" idx="13"/>
           </p:nvPr>
         </p:nvSpPr>
         <p:spPr>
           <a:xfrm>
-            <a:off x="839787" y="2057400"/>
-            <a:ext cx="3932239" cy="3811588"/>
+            <a:off x="839786" y="2057400"/>
+            <a:ext cx="3932241" cy="3811588"/>
           </a:xfrm>
           <a:prstGeom prst="rect">
             <a:avLst/>
@@ -1862,22 +1517,14 @@
           <a:bodyPr/>
           <a:lstStyle/>
           <a:p>
-            <a:pPr marL="0" indent="0">
-              <a:buSzTx/>
-              <a:buFontTx/>
-              <a:buNone/>
-              <a:defRPr sz="1600"/>
-            </a:pPr>
-            <a:endParaRPr/>
+            <a:pPr/>
           </a:p>
         </p:txBody>
       </p:sp>
       <p:sp>
         <p:nvSpPr>
           <p:cNvPr id="75" name="Foliennummer"/>
-          <p:cNvSpPr txBox="1">
-            <a:spLocks noGrp="1"/>
-          </p:cNvSpPr>
+          <p:cNvSpPr txBox="1"/>
           <p:nvPr>
             <p:ph type="sldNum" sz="quarter" idx="2"/>
           </p:nvPr>
@@ -1891,10 +1538,8 @@
           <a:bodyPr/>
           <a:lstStyle/>
           <a:p>
-            <a:fld id="{86CB4B4D-7CA3-9044-876B-883B54F8677D}" type="slidenum">
-              <a:t>‹Nr.›</a:t>
-            </a:fld>
-            <a:endParaRPr/>
+            <a:pPr/>
+            <a:fld id="{86CB4B4D-7CA3-9044-876B-883B54F8677D}" type="slidenum"/>
           </a:p>
         </p:txBody>
       </p:sp>
@@ -1903,12 +1548,12 @@
   <p:clrMapOvr>
     <a:masterClrMapping/>
   </p:clrMapOvr>
-  <p:transition spd="med"/>
+  <p:transition xmlns:p14="http://schemas.microsoft.com/office/powerpoint/2010/main" spd="med" advClick="1"/>
 </p:sldLayout>
 </file>
 
 <file path=ppt/slideLayouts/slideLayout9.xml><?xml version="1.0" encoding="utf-8"?>
-<p:sldLayout xmlns:a="http://schemas.openxmlformats.org/drawingml/2006/main" xmlns:r="http://schemas.openxmlformats.org/officeDocument/2006/relationships" xmlns:p="http://schemas.openxmlformats.org/presentationml/2006/main" type="tx">
+<p:sldLayout xmlns:a="http://schemas.openxmlformats.org/drawingml/2006/main" xmlns:r="http://schemas.openxmlformats.org/officeDocument/2006/relationships" xmlns:p="http://schemas.openxmlformats.org/presentationml/2006/main" xmlns:m="http://schemas.openxmlformats.org/officeDocument/2006/math" xmlns:a14="http://schemas.microsoft.com/office/drawing/2010/main" type="tx" showMasterSp="1" showMasterPhAnim="1">
   <p:cSld name="Bild mit Überschrift">
     <p:spTree>
       <p:nvGrpSpPr>
@@ -1927,9 +1572,7 @@
       <p:sp>
         <p:nvSpPr>
           <p:cNvPr id="82" name="Titeltext"/>
-          <p:cNvSpPr txBox="1">
-            <a:spLocks noGrp="1"/>
-          </p:cNvSpPr>
+          <p:cNvSpPr txBox="1"/>
           <p:nvPr>
             <p:ph type="title"/>
           </p:nvPr>
@@ -1937,7 +1580,7 @@
         <p:spPr>
           <a:xfrm>
             <a:off x="839787" y="457200"/>
-            <a:ext cx="3932239" cy="1600200"/>
+            <a:ext cx="3932240" cy="1600200"/>
           </a:xfrm>
           <a:prstGeom prst="rect">
             <a:avLst/>
@@ -1951,6 +1594,7 @@
             </a:lvl1pPr>
           </a:lstStyle>
           <a:p>
+            <a:pPr/>
             <a:r>
               <a:t>Titeltext</a:t>
             </a:r>
@@ -1960,9 +1604,7 @@
       <p:sp>
         <p:nvSpPr>
           <p:cNvPr id="83" name="Bildplatzhalter 2"/>
-          <p:cNvSpPr>
-            <a:spLocks noGrp="1"/>
-          </p:cNvSpPr>
+          <p:cNvSpPr/>
           <p:nvPr>
             <p:ph type="pic" sz="half" idx="13"/>
           </p:nvPr>
@@ -1970,28 +1612,26 @@
         <p:spPr>
           <a:xfrm>
             <a:off x="5183187" y="987425"/>
-            <a:ext cx="6172201" cy="4873625"/>
+            <a:ext cx="6172202" cy="4873625"/>
           </a:xfrm>
           <a:prstGeom prst="rect">
             <a:avLst/>
           </a:prstGeom>
         </p:spPr>
         <p:txBody>
-          <a:bodyPr lIns="91439" rIns="91439">
+          <a:bodyPr lIns="91439" tIns="45719" rIns="91439" bIns="45719">
             <a:noAutofit/>
           </a:bodyPr>
           <a:lstStyle/>
           <a:p>
-            <a:endParaRPr/>
+            <a:pPr/>
           </a:p>
         </p:txBody>
       </p:sp>
       <p:sp>
         <p:nvSpPr>
           <p:cNvPr id="84" name="Textebene 1…"/>
-          <p:cNvSpPr txBox="1">
-            <a:spLocks noGrp="1"/>
-          </p:cNvSpPr>
+          <p:cNvSpPr txBox="1"/>
           <p:nvPr>
             <p:ph type="body" sz="quarter" idx="1"/>
           </p:nvPr>
@@ -1999,7 +1639,7 @@
         <p:spPr>
           <a:xfrm>
             <a:off x="839787" y="2057400"/>
-            <a:ext cx="3932239" cy="3811588"/>
+            <a:ext cx="3932240" cy="3811588"/>
           </a:xfrm>
           <a:prstGeom prst="rect">
             <a:avLst/>
@@ -2014,25 +1654,25 @@
               <a:buNone/>
               <a:defRPr sz="1600"/>
             </a:lvl1pPr>
-            <a:lvl2pPr marL="0" indent="457200">
+            <a:lvl2pPr marL="0" indent="0">
               <a:buSzTx/>
               <a:buFontTx/>
               <a:buNone/>
               <a:defRPr sz="1600"/>
             </a:lvl2pPr>
-            <a:lvl3pPr marL="0" indent="914400">
+            <a:lvl3pPr marL="0" indent="0">
               <a:buSzTx/>
               <a:buFontTx/>
               <a:buNone/>
               <a:defRPr sz="1600"/>
             </a:lvl3pPr>
-            <a:lvl4pPr marL="0" indent="1371600">
+            <a:lvl4pPr marL="0" indent="0">
               <a:buSzTx/>
               <a:buFontTx/>
               <a:buNone/>
               <a:defRPr sz="1600"/>
             </a:lvl4pPr>
-            <a:lvl5pPr marL="0" indent="1828800">
+            <a:lvl5pPr marL="0" indent="0">
               <a:buSzTx/>
               <a:buFontTx/>
               <a:buNone/>
@@ -2040,6 +1680,7 @@
             </a:lvl5pPr>
           </a:lstStyle>
           <a:p>
+            <a:pPr/>
             <a:r>
               <a:t>Textebene 1</a:t>
             </a:r>
@@ -2073,9 +1714,7 @@
       <p:sp>
         <p:nvSpPr>
           <p:cNvPr id="85" name="Foliennummer"/>
-          <p:cNvSpPr txBox="1">
-            <a:spLocks noGrp="1"/>
-          </p:cNvSpPr>
+          <p:cNvSpPr txBox="1"/>
           <p:nvPr>
             <p:ph type="sldNum" sz="quarter" idx="2"/>
           </p:nvPr>
@@ -2089,10 +1728,8 @@
           <a:bodyPr/>
           <a:lstStyle/>
           <a:p>
-            <a:fld id="{86CB4B4D-7CA3-9044-876B-883B54F8677D}" type="slidenum">
-              <a:t>‹Nr.›</a:t>
-            </a:fld>
-            <a:endParaRPr/>
+            <a:pPr/>
+            <a:fld id="{86CB4B4D-7CA3-9044-876B-883B54F8677D}" type="slidenum"/>
           </a:p>
         </p:txBody>
       </p:sp>
@@ -2101,19 +1738,18 @@
   <p:clrMapOvr>
     <a:masterClrMapping/>
   </p:clrMapOvr>
-  <p:transition spd="med"/>
+  <p:transition xmlns:p14="http://schemas.microsoft.com/office/powerpoint/2010/main" spd="med" advClick="1"/>
 </p:sldLayout>
 </file>
 
 <file path=ppt/slideMasters/slideMaster1.xml><?xml version="1.0" encoding="utf-8"?>
-<p:sldMaster xmlns:a="http://schemas.openxmlformats.org/drawingml/2006/main" xmlns:r="http://schemas.openxmlformats.org/officeDocument/2006/relationships" xmlns:p="http://schemas.openxmlformats.org/presentationml/2006/main">
+<p:sldMaster xmlns:a="http://schemas.openxmlformats.org/drawingml/2006/main" xmlns:r="http://schemas.openxmlformats.org/officeDocument/2006/relationships" xmlns:p="http://schemas.openxmlformats.org/presentationml/2006/main" xmlns:m="http://schemas.openxmlformats.org/officeDocument/2006/math" xmlns:a14="http://schemas.microsoft.com/office/drawing/2010/main">
   <p:cSld>
     <p:bg>
       <p:bgPr>
         <a:solidFill>
           <a:srgbClr val="FFFFFF"/>
         </a:solidFill>
-        <a:effectLst/>
       </p:bgPr>
     </p:bg>
     <p:spTree>
@@ -2130,84 +1766,10 @@
           <a:chExt cx="0" cy="0"/>
         </a:xfrm>
       </p:grpSpPr>
-      <p:graphicFrame>
-        <p:nvGraphicFramePr>
-          <p:cNvPr id="5" name="Objekt 4" hidden="1">
-            <a:extLst>
-              <a:ext uri="{FF2B5EF4-FFF2-40B4-BE49-F238E27FC236}">
-                <a16:creationId xmlns:a16="http://schemas.microsoft.com/office/drawing/2014/main" id="{650EF0E1-701A-4223-A3DE-3B7DF93EC1D5}"/>
-              </a:ext>
-            </a:extLst>
-          </p:cNvPr>
-          <p:cNvGraphicFramePr>
-            <a:graphicFrameLocks noChangeAspect="1"/>
-          </p:cNvGraphicFramePr>
-          <p:nvPr userDrawn="1">
-            <p:custDataLst>
-              <p:tags r:id="rId12"/>
-            </p:custDataLst>
-            <p:extLst>
-              <p:ext uri="{D42A27DB-BD31-4B8C-83A1-F6EECF244321}">
-                <p14:modId xmlns:p14="http://schemas.microsoft.com/office/powerpoint/2010/main" val="720451696"/>
-              </p:ext>
-            </p:extLst>
-          </p:nvPr>
-        </p:nvGraphicFramePr>
-        <p:xfrm>
-          <a:off x="1588" y="1588"/>
-          <a:ext cx="1588" cy="1588"/>
-        </p:xfrm>
-        <a:graphic>
-          <a:graphicData uri="http://schemas.openxmlformats.org/presentationml/2006/ole">
-            <mc:AlternateContent xmlns:mc="http://schemas.openxmlformats.org/markup-compatibility/2006">
-              <mc:Choice xmlns:v="urn:schemas-microsoft-com:vml" Requires="v">
-                <p:oleObj spid="_x0000_s1026" name="think-cell Folie" r:id="rId13" imgW="499" imgH="499" progId="TCLayout.ActiveDocument.1">
-                  <p:embed/>
-                </p:oleObj>
-              </mc:Choice>
-              <mc:Fallback>
-                <p:oleObj name="think-cell Folie" r:id="rId13" imgW="499" imgH="499" progId="TCLayout.ActiveDocument.1">
-                  <p:embed/>
-                  <p:pic>
-                    <p:nvPicPr>
-                      <p:cNvPr id="5" name="Objekt 4" hidden="1">
-                        <a:extLst>
-                          <a:ext uri="{FF2B5EF4-FFF2-40B4-BE49-F238E27FC236}">
-                            <a16:creationId xmlns:a16="http://schemas.microsoft.com/office/drawing/2014/main" id="{650EF0E1-701A-4223-A3DE-3B7DF93EC1D5}"/>
-                          </a:ext>
-                        </a:extLst>
-                      </p:cNvPr>
-                      <p:cNvPicPr/>
-                      <p:nvPr/>
-                    </p:nvPicPr>
-                    <p:blipFill>
-                      <a:blip r:embed="rId14"/>
-                      <a:stretch>
-                        <a:fillRect/>
-                      </a:stretch>
-                    </p:blipFill>
-                    <p:spPr>
-                      <a:xfrm>
-                        <a:off x="1588" y="1588"/>
-                        <a:ext cx="1588" cy="1588"/>
-                      </a:xfrm>
-                      <a:prstGeom prst="rect">
-                        <a:avLst/>
-                      </a:prstGeom>
-                    </p:spPr>
-                  </p:pic>
-                </p:oleObj>
-              </mc:Fallback>
-            </mc:AlternateContent>
-          </a:graphicData>
-        </a:graphic>
-      </p:graphicFrame>
       <p:sp>
         <p:nvSpPr>
           <p:cNvPr id="2" name="Titeltext"/>
-          <p:cNvSpPr txBox="1">
-            <a:spLocks noGrp="1"/>
-          </p:cNvSpPr>
+          <p:cNvSpPr txBox="1"/>
           <p:nvPr>
             <p:ph type="title"/>
           </p:nvPr>
@@ -2225,16 +1787,17 @@
           </a:ln>
           <a:extLst>
             <a:ext uri="{C572A759-6A51-4108-AA02-DFA0A04FC94B}">
-              <ma14:wrappingTextBoxFlag xmlns="" xmlns:m="http://schemas.openxmlformats.org/officeDocument/2006/math" xmlns:a14="http://schemas.microsoft.com/office/drawing/2010/main" xmlns:ma14="http://schemas.microsoft.com/office/mac/drawingml/2011/main" val="1"/>
+              <ma14:wrappingTextBoxFlag xmlns:ma14="http://schemas.microsoft.com/office/mac/drawingml/2011/main" val="1"/>
             </a:ext>
           </a:extLst>
         </p:spPr>
         <p:txBody>
-          <a:bodyPr lIns="45719" rIns="45719" anchor="ctr">
-            <a:normAutofit/>
+          <a:bodyPr lIns="45718" tIns="45718" rIns="45718" bIns="45718" anchor="ctr">
+            <a:normAutofit fontScale="100000" lnSpcReduction="0"/>
           </a:bodyPr>
           <a:lstStyle/>
           <a:p>
+            <a:pPr/>
             <a:r>
               <a:t>Titeltext</a:t>
             </a:r>
@@ -2244,9 +1807,7 @@
       <p:sp>
         <p:nvSpPr>
           <p:cNvPr id="3" name="Textebene 1…"/>
-          <p:cNvSpPr txBox="1">
-            <a:spLocks noGrp="1"/>
-          </p:cNvSpPr>
+          <p:cNvSpPr txBox="1"/>
           <p:nvPr>
             <p:ph type="body" idx="1"/>
           </p:nvPr>
@@ -2264,16 +1825,17 @@
           </a:ln>
           <a:extLst>
             <a:ext uri="{C572A759-6A51-4108-AA02-DFA0A04FC94B}">
-              <ma14:wrappingTextBoxFlag xmlns="" xmlns:m="http://schemas.openxmlformats.org/officeDocument/2006/math" xmlns:a14="http://schemas.microsoft.com/office/drawing/2010/main" xmlns:ma14="http://schemas.microsoft.com/office/mac/drawingml/2011/main" val="1"/>
+              <ma14:wrappingTextBoxFlag xmlns:ma14="http://schemas.microsoft.com/office/mac/drawingml/2011/main" val="1"/>
             </a:ext>
           </a:extLst>
         </p:spPr>
         <p:txBody>
-          <a:bodyPr lIns="45719" rIns="45719">
-            <a:normAutofit/>
+          <a:bodyPr lIns="45718" tIns="45718" rIns="45718" bIns="45718">
+            <a:normAutofit fontScale="100000" lnSpcReduction="0"/>
           </a:bodyPr>
           <a:lstStyle/>
           <a:p>
+            <a:pPr/>
             <a:r>
               <a:t>Textebene 1</a:t>
             </a:r>
@@ -2307,17 +1869,15 @@
       <p:sp>
         <p:nvSpPr>
           <p:cNvPr id="4" name="Foliennummer"/>
-          <p:cNvSpPr txBox="1">
-            <a:spLocks noGrp="1"/>
-          </p:cNvSpPr>
+          <p:cNvSpPr txBox="1"/>
           <p:nvPr>
             <p:ph type="sldNum" sz="quarter" idx="2"/>
           </p:nvPr>
         </p:nvSpPr>
         <p:spPr>
           <a:xfrm>
-            <a:off x="11095176" y="6404292"/>
-            <a:ext cx="258624" cy="269241"/>
+            <a:off x="11089820" y="6404293"/>
+            <a:ext cx="263981" cy="269239"/>
           </a:xfrm>
           <a:prstGeom prst="rect">
             <a:avLst/>
@@ -2327,7 +1887,7 @@
           </a:ln>
         </p:spPr>
         <p:txBody>
-          <a:bodyPr wrap="none" lIns="45719" rIns="45719" anchor="ctr">
+          <a:bodyPr wrap="none" lIns="45718" tIns="45718" rIns="45718" bIns="45718" anchor="ctr">
             <a:spAutoFit/>
           </a:bodyPr>
           <a:lstStyle>
@@ -2340,10 +1900,8 @@
             </a:lvl1pPr>
           </a:lstStyle>
           <a:p>
-            <a:fld id="{86CB4B4D-7CA3-9044-876B-883B54F8677D}" type="slidenum">
-              <a:t>‹Nr.›</a:t>
-            </a:fld>
-            <a:endParaRPr/>
+            <a:pPr/>
+            <a:fld id="{86CB4B4D-7CA3-9044-876B-883B54F8677D}" type="slidenum"/>
           </a:p>
         </p:txBody>
       </p:sp>
@@ -2351,17 +1909,17 @@
   </p:cSld>
   <p:clrMap bg1="lt1" tx1="dk1" bg2="lt2" tx2="dk2" accent1="accent1" accent2="accent2" accent3="accent3" accent4="accent4" accent5="accent5" accent6="accent6" hlink="hlink" folHlink="folHlink"/>
   <p:sldLayoutIdLst>
-    <p:sldLayoutId id="2147483649" r:id="rId1"/>
-    <p:sldLayoutId id="2147483650" r:id="rId2"/>
-    <p:sldLayoutId id="2147483651" r:id="rId3"/>
-    <p:sldLayoutId id="2147483652" r:id="rId4"/>
-    <p:sldLayoutId id="2147483653" r:id="rId5"/>
-    <p:sldLayoutId id="2147483654" r:id="rId6"/>
-    <p:sldLayoutId id="2147483655" r:id="rId7"/>
-    <p:sldLayoutId id="2147483656" r:id="rId8"/>
-    <p:sldLayoutId id="2147483657" r:id="rId9"/>
+    <p:sldLayoutId id="2147483649" r:id="rId2"/>
+    <p:sldLayoutId id="2147483650" r:id="rId3"/>
+    <p:sldLayoutId id="2147483651" r:id="rId4"/>
+    <p:sldLayoutId id="2147483652" r:id="rId5"/>
+    <p:sldLayoutId id="2147483653" r:id="rId6"/>
+    <p:sldLayoutId id="2147483654" r:id="rId7"/>
+    <p:sldLayoutId id="2147483655" r:id="rId8"/>
+    <p:sldLayoutId id="2147483656" r:id="rId9"/>
+    <p:sldLayoutId id="2147483657" r:id="rId10"/>
   </p:sldLayoutIdLst>
-  <p:transition spd="med"/>
+  <p:transition xmlns:p14="http://schemas.microsoft.com/office/powerpoint/2010/main" spd="med" advClick="1"/>
   <p:txStyles>
     <p:titleStyle>
       <a:lvl1pPr marL="0" marR="0" indent="0" algn="l" defTabSz="914400" rtl="0" latinLnBrk="0">
@@ -2379,14 +1937,17 @@
         <a:buFontTx/>
         <a:buNone/>
         <a:tabLst/>
-        <a:defRPr sz="4400" b="0" i="0" u="none" strike="noStrike" cap="none" spc="0" baseline="0">
+        <a:defRPr b="0" baseline="0" cap="none" i="0" spc="0" strike="noStrike" sz="4400" u="none">
+          <a:ln>
+            <a:noFill/>
+          </a:ln>
           <a:solidFill>
             <a:srgbClr val="000000"/>
           </a:solidFill>
           <a:uFillTx/>
-          <a:latin typeface="+mn-lt"/>
-          <a:ea typeface="+mn-ea"/>
-          <a:cs typeface="+mn-cs"/>
+          <a:latin typeface="+mj-lt"/>
+          <a:ea typeface="+mj-ea"/>
+          <a:cs typeface="+mj-cs"/>
           <a:sym typeface="Calibri"/>
         </a:defRPr>
       </a:lvl1pPr>
@@ -2405,14 +1966,17 @@
         <a:buFontTx/>
         <a:buNone/>
         <a:tabLst/>
-        <a:defRPr sz="4400" b="0" i="0" u="none" strike="noStrike" cap="none" spc="0" baseline="0">
+        <a:defRPr b="0" baseline="0" cap="none" i="0" spc="0" strike="noStrike" sz="4400" u="none">
+          <a:ln>
+            <a:noFill/>
+          </a:ln>
           <a:solidFill>
             <a:srgbClr val="000000"/>
           </a:solidFill>
           <a:uFillTx/>
-          <a:latin typeface="+mn-lt"/>
-          <a:ea typeface="+mn-ea"/>
-          <a:cs typeface="+mn-cs"/>
+          <a:latin typeface="+mj-lt"/>
+          <a:ea typeface="+mj-ea"/>
+          <a:cs typeface="+mj-cs"/>
           <a:sym typeface="Calibri"/>
         </a:defRPr>
       </a:lvl2pPr>
@@ -2431,14 +1995,17 @@
         <a:buFontTx/>
         <a:buNone/>
         <a:tabLst/>
-        <a:defRPr sz="4400" b="0" i="0" u="none" strike="noStrike" cap="none" spc="0" baseline="0">
+        <a:defRPr b="0" baseline="0" cap="none" i="0" spc="0" strike="noStrike" sz="4400" u="none">
+          <a:ln>
+            <a:noFill/>
+          </a:ln>
           <a:solidFill>
             <a:srgbClr val="000000"/>
           </a:solidFill>
           <a:uFillTx/>
-          <a:latin typeface="+mn-lt"/>
-          <a:ea typeface="+mn-ea"/>
-          <a:cs typeface="+mn-cs"/>
+          <a:latin typeface="+mj-lt"/>
+          <a:ea typeface="+mj-ea"/>
+          <a:cs typeface="+mj-cs"/>
           <a:sym typeface="Calibri"/>
         </a:defRPr>
       </a:lvl3pPr>
@@ -2457,14 +2024,17 @@
         <a:buFontTx/>
         <a:buNone/>
         <a:tabLst/>
-        <a:defRPr sz="4400" b="0" i="0" u="none" strike="noStrike" cap="none" spc="0" baseline="0">
+        <a:defRPr b="0" baseline="0" cap="none" i="0" spc="0" strike="noStrike" sz="4400" u="none">
+          <a:ln>
+            <a:noFill/>
+          </a:ln>
           <a:solidFill>
             <a:srgbClr val="000000"/>
           </a:solidFill>
           <a:uFillTx/>
-          <a:latin typeface="+mn-lt"/>
-          <a:ea typeface="+mn-ea"/>
-          <a:cs typeface="+mn-cs"/>
+          <a:latin typeface="+mj-lt"/>
+          <a:ea typeface="+mj-ea"/>
+          <a:cs typeface="+mj-cs"/>
           <a:sym typeface="Calibri"/>
         </a:defRPr>
       </a:lvl4pPr>
@@ -2483,14 +2053,17 @@
         <a:buFontTx/>
         <a:buNone/>
         <a:tabLst/>
-        <a:defRPr sz="4400" b="0" i="0" u="none" strike="noStrike" cap="none" spc="0" baseline="0">
+        <a:defRPr b="0" baseline="0" cap="none" i="0" spc="0" strike="noStrike" sz="4400" u="none">
+          <a:ln>
+            <a:noFill/>
+          </a:ln>
           <a:solidFill>
             <a:srgbClr val="000000"/>
           </a:solidFill>
           <a:uFillTx/>
-          <a:latin typeface="+mn-lt"/>
-          <a:ea typeface="+mn-ea"/>
-          <a:cs typeface="+mn-cs"/>
+          <a:latin typeface="+mj-lt"/>
+          <a:ea typeface="+mj-ea"/>
+          <a:cs typeface="+mj-cs"/>
           <a:sym typeface="Calibri"/>
         </a:defRPr>
       </a:lvl5pPr>
@@ -2509,14 +2082,17 @@
         <a:buFontTx/>
         <a:buNone/>
         <a:tabLst/>
-        <a:defRPr sz="4400" b="0" i="0" u="none" strike="noStrike" cap="none" spc="0" baseline="0">
+        <a:defRPr b="0" baseline="0" cap="none" i="0" spc="0" strike="noStrike" sz="4400" u="none">
+          <a:ln>
+            <a:noFill/>
+          </a:ln>
           <a:solidFill>
             <a:srgbClr val="000000"/>
           </a:solidFill>
           <a:uFillTx/>
-          <a:latin typeface="+mn-lt"/>
-          <a:ea typeface="+mn-ea"/>
-          <a:cs typeface="+mn-cs"/>
+          <a:latin typeface="+mj-lt"/>
+          <a:ea typeface="+mj-ea"/>
+          <a:cs typeface="+mj-cs"/>
           <a:sym typeface="Calibri"/>
         </a:defRPr>
       </a:lvl6pPr>
@@ -2535,14 +2111,17 @@
         <a:buFontTx/>
         <a:buNone/>
         <a:tabLst/>
-        <a:defRPr sz="4400" b="0" i="0" u="none" strike="noStrike" cap="none" spc="0" baseline="0">
+        <a:defRPr b="0" baseline="0" cap="none" i="0" spc="0" strike="noStrike" sz="4400" u="none">
+          <a:ln>
+            <a:noFill/>
+          </a:ln>
           <a:solidFill>
             <a:srgbClr val="000000"/>
           </a:solidFill>
           <a:uFillTx/>
-          <a:latin typeface="+mn-lt"/>
-          <a:ea typeface="+mn-ea"/>
-          <a:cs typeface="+mn-cs"/>
+          <a:latin typeface="+mj-lt"/>
+          <a:ea typeface="+mj-ea"/>
+          <a:cs typeface="+mj-cs"/>
           <a:sym typeface="Calibri"/>
         </a:defRPr>
       </a:lvl7pPr>
@@ -2561,14 +2140,17 @@
         <a:buFontTx/>
         <a:buNone/>
         <a:tabLst/>
-        <a:defRPr sz="4400" b="0" i="0" u="none" strike="noStrike" cap="none" spc="0" baseline="0">
+        <a:defRPr b="0" baseline="0" cap="none" i="0" spc="0" strike="noStrike" sz="4400" u="none">
+          <a:ln>
+            <a:noFill/>
+          </a:ln>
           <a:solidFill>
             <a:srgbClr val="000000"/>
           </a:solidFill>
           <a:uFillTx/>
-          <a:latin typeface="+mn-lt"/>
-          <a:ea typeface="+mn-ea"/>
-          <a:cs typeface="+mn-cs"/>
+          <a:latin typeface="+mj-lt"/>
+          <a:ea typeface="+mj-ea"/>
+          <a:cs typeface="+mj-cs"/>
           <a:sym typeface="Calibri"/>
         </a:defRPr>
       </a:lvl8pPr>
@@ -2587,14 +2169,17 @@
         <a:buFontTx/>
         <a:buNone/>
         <a:tabLst/>
-        <a:defRPr sz="4400" b="0" i="0" u="none" strike="noStrike" cap="none" spc="0" baseline="0">
+        <a:defRPr b="0" baseline="0" cap="none" i="0" spc="0" strike="noStrike" sz="4400" u="none">
+          <a:ln>
+            <a:noFill/>
+          </a:ln>
           <a:solidFill>
             <a:srgbClr val="000000"/>
           </a:solidFill>
           <a:uFillTx/>
-          <a:latin typeface="+mn-lt"/>
-          <a:ea typeface="+mn-ea"/>
-          <a:cs typeface="+mn-cs"/>
+          <a:latin typeface="+mj-lt"/>
+          <a:ea typeface="+mj-ea"/>
+          <a:cs typeface="+mj-cs"/>
           <a:sym typeface="Calibri"/>
         </a:defRPr>
       </a:lvl9pPr>
@@ -2615,14 +2200,17 @@
         <a:buFont typeface="Arial"/>
         <a:buChar char="•"/>
         <a:tabLst/>
-        <a:defRPr sz="2800" b="0" i="0" u="none" strike="noStrike" cap="none" spc="0" baseline="0">
+        <a:defRPr b="0" baseline="0" cap="none" i="0" spc="0" strike="noStrike" sz="2800" u="none">
+          <a:ln>
+            <a:noFill/>
+          </a:ln>
           <a:solidFill>
             <a:srgbClr val="000000"/>
           </a:solidFill>
           <a:uFillTx/>
-          <a:latin typeface="+mn-lt"/>
-          <a:ea typeface="+mn-ea"/>
-          <a:cs typeface="+mn-cs"/>
+          <a:latin typeface="+mj-lt"/>
+          <a:ea typeface="+mj-ea"/>
+          <a:cs typeface="+mj-cs"/>
           <a:sym typeface="Calibri"/>
         </a:defRPr>
       </a:lvl1pPr>
@@ -2641,18 +2229,21 @@
         <a:buFont typeface="Arial"/>
         <a:buChar char="•"/>
         <a:tabLst/>
-        <a:defRPr sz="2800" b="0" i="0" u="none" strike="noStrike" cap="none" spc="0" baseline="0">
+        <a:defRPr b="0" baseline="0" cap="none" i="0" spc="0" strike="noStrike" sz="2800" u="none">
+          <a:ln>
+            <a:noFill/>
+          </a:ln>
           <a:solidFill>
             <a:srgbClr val="000000"/>
           </a:solidFill>
           <a:uFillTx/>
-          <a:latin typeface="+mn-lt"/>
-          <a:ea typeface="+mn-ea"/>
-          <a:cs typeface="+mn-cs"/>
+          <a:latin typeface="+mj-lt"/>
+          <a:ea typeface="+mj-ea"/>
+          <a:cs typeface="+mj-cs"/>
           <a:sym typeface="Calibri"/>
         </a:defRPr>
       </a:lvl2pPr>
-      <a:lvl3pPr marL="1234439" marR="0" indent="-320039" algn="l" defTabSz="914400" rtl="0" latinLnBrk="0">
+      <a:lvl3pPr marL="1234438" marR="0" indent="-320038" algn="l" defTabSz="914400" rtl="0" latinLnBrk="0">
         <a:lnSpc>
           <a:spcPct val="90000"/>
         </a:lnSpc>
@@ -2667,14 +2258,17 @@
         <a:buFont typeface="Arial"/>
         <a:buChar char="•"/>
         <a:tabLst/>
-        <a:defRPr sz="2800" b="0" i="0" u="none" strike="noStrike" cap="none" spc="0" baseline="0">
+        <a:defRPr b="0" baseline="0" cap="none" i="0" spc="0" strike="noStrike" sz="2800" u="none">
+          <a:ln>
+            <a:noFill/>
+          </a:ln>
           <a:solidFill>
             <a:srgbClr val="000000"/>
           </a:solidFill>
           <a:uFillTx/>
-          <a:latin typeface="+mn-lt"/>
-          <a:ea typeface="+mn-ea"/>
-          <a:cs typeface="+mn-cs"/>
+          <a:latin typeface="+mj-lt"/>
+          <a:ea typeface="+mj-ea"/>
+          <a:cs typeface="+mj-cs"/>
           <a:sym typeface="Calibri"/>
         </a:defRPr>
       </a:lvl3pPr>
@@ -2693,14 +2287,17 @@
         <a:buFont typeface="Arial"/>
         <a:buChar char="•"/>
         <a:tabLst/>
-        <a:defRPr sz="2800" b="0" i="0" u="none" strike="noStrike" cap="none" spc="0" baseline="0">
+        <a:defRPr b="0" baseline="0" cap="none" i="0" spc="0" strike="noStrike" sz="2800" u="none">
+          <a:ln>
+            <a:noFill/>
+          </a:ln>
           <a:solidFill>
             <a:srgbClr val="000000"/>
           </a:solidFill>
           <a:uFillTx/>
-          <a:latin typeface="+mn-lt"/>
-          <a:ea typeface="+mn-ea"/>
-          <a:cs typeface="+mn-cs"/>
+          <a:latin typeface="+mj-lt"/>
+          <a:ea typeface="+mj-ea"/>
+          <a:cs typeface="+mj-cs"/>
           <a:sym typeface="Calibri"/>
         </a:defRPr>
       </a:lvl4pPr>
@@ -2719,14 +2316,17 @@
         <a:buFont typeface="Arial"/>
         <a:buChar char="•"/>
         <a:tabLst/>
-        <a:defRPr sz="2800" b="0" i="0" u="none" strike="noStrike" cap="none" spc="0" baseline="0">
+        <a:defRPr b="0" baseline="0" cap="none" i="0" spc="0" strike="noStrike" sz="2800" u="none">
+          <a:ln>
+            <a:noFill/>
+          </a:ln>
           <a:solidFill>
             <a:srgbClr val="000000"/>
           </a:solidFill>
           <a:uFillTx/>
-          <a:latin typeface="+mn-lt"/>
-          <a:ea typeface="+mn-ea"/>
-          <a:cs typeface="+mn-cs"/>
+          <a:latin typeface="+mj-lt"/>
+          <a:ea typeface="+mj-ea"/>
+          <a:cs typeface="+mj-cs"/>
           <a:sym typeface="Calibri"/>
         </a:defRPr>
       </a:lvl5pPr>
@@ -2745,14 +2345,17 @@
         <a:buFont typeface="Arial"/>
         <a:buChar char="•"/>
         <a:tabLst/>
-        <a:defRPr sz="2800" b="0" i="0" u="none" strike="noStrike" cap="none" spc="0" baseline="0">
+        <a:defRPr b="0" baseline="0" cap="none" i="0" spc="0" strike="noStrike" sz="2800" u="none">
+          <a:ln>
+            <a:noFill/>
+          </a:ln>
           <a:solidFill>
             <a:srgbClr val="000000"/>
           </a:solidFill>
           <a:uFillTx/>
-          <a:latin typeface="+mn-lt"/>
-          <a:ea typeface="+mn-ea"/>
-          <a:cs typeface="+mn-cs"/>
+          <a:latin typeface="+mj-lt"/>
+          <a:ea typeface="+mj-ea"/>
+          <a:cs typeface="+mj-cs"/>
           <a:sym typeface="Calibri"/>
         </a:defRPr>
       </a:lvl6pPr>
@@ -2771,14 +2374,17 @@
         <a:buFont typeface="Arial"/>
         <a:buChar char="•"/>
         <a:tabLst/>
-        <a:defRPr sz="2800" b="0" i="0" u="none" strike="noStrike" cap="none" spc="0" baseline="0">
+        <a:defRPr b="0" baseline="0" cap="none" i="0" spc="0" strike="noStrike" sz="2800" u="none">
+          <a:ln>
+            <a:noFill/>
+          </a:ln>
           <a:solidFill>
             <a:srgbClr val="000000"/>
           </a:solidFill>
           <a:uFillTx/>
-          <a:latin typeface="+mn-lt"/>
-          <a:ea typeface="+mn-ea"/>
-          <a:cs typeface="+mn-cs"/>
+          <a:latin typeface="+mj-lt"/>
+          <a:ea typeface="+mj-ea"/>
+          <a:cs typeface="+mj-cs"/>
           <a:sym typeface="Calibri"/>
         </a:defRPr>
       </a:lvl7pPr>
@@ -2797,14 +2403,17 @@
         <a:buFont typeface="Arial"/>
         <a:buChar char="•"/>
         <a:tabLst/>
-        <a:defRPr sz="2800" b="0" i="0" u="none" strike="noStrike" cap="none" spc="0" baseline="0">
+        <a:defRPr b="0" baseline="0" cap="none" i="0" spc="0" strike="noStrike" sz="2800" u="none">
+          <a:ln>
+            <a:noFill/>
+          </a:ln>
           <a:solidFill>
             <a:srgbClr val="000000"/>
           </a:solidFill>
           <a:uFillTx/>
-          <a:latin typeface="+mn-lt"/>
-          <a:ea typeface="+mn-ea"/>
-          <a:cs typeface="+mn-cs"/>
+          <a:latin typeface="+mj-lt"/>
+          <a:ea typeface="+mj-ea"/>
+          <a:cs typeface="+mj-cs"/>
           <a:sym typeface="Calibri"/>
         </a:defRPr>
       </a:lvl8pPr>
@@ -2823,14 +2432,17 @@
         <a:buFont typeface="Arial"/>
         <a:buChar char="•"/>
         <a:tabLst/>
-        <a:defRPr sz="2800" b="0" i="0" u="none" strike="noStrike" cap="none" spc="0" baseline="0">
+        <a:defRPr b="0" baseline="0" cap="none" i="0" spc="0" strike="noStrike" sz="2800" u="none">
+          <a:ln>
+            <a:noFill/>
+          </a:ln>
           <a:solidFill>
             <a:srgbClr val="000000"/>
           </a:solidFill>
           <a:uFillTx/>
-          <a:latin typeface="+mn-lt"/>
-          <a:ea typeface="+mn-ea"/>
-          <a:cs typeface="+mn-cs"/>
+          <a:latin typeface="+mj-lt"/>
+          <a:ea typeface="+mj-ea"/>
+          <a:cs typeface="+mj-cs"/>
           <a:sym typeface="Calibri"/>
         </a:defRPr>
       </a:lvl9pPr>
@@ -2851,7 +2463,10 @@
         <a:buFontTx/>
         <a:buNone/>
         <a:tabLst/>
-        <a:defRPr sz="1200" b="0" i="0" u="none" strike="noStrike" cap="none" spc="0" baseline="0">
+        <a:defRPr b="0" baseline="0" cap="none" i="0" spc="0" strike="noStrike" sz="1200" u="none">
+          <a:ln>
+            <a:noFill/>
+          </a:ln>
           <a:solidFill>
             <a:schemeClr val="tx1"/>
           </a:solidFill>
@@ -2862,7 +2477,7 @@
           <a:sym typeface="Calibri"/>
         </a:defRPr>
       </a:lvl1pPr>
-      <a:lvl2pPr marL="0" marR="0" indent="457200" algn="r" defTabSz="914400" rtl="0" latinLnBrk="0">
+      <a:lvl2pPr marL="0" marR="0" indent="0" algn="r" defTabSz="914400" rtl="0" latinLnBrk="0">
         <a:lnSpc>
           <a:spcPct val="100000"/>
         </a:lnSpc>
@@ -2877,7 +2492,10 @@
         <a:buFontTx/>
         <a:buNone/>
         <a:tabLst/>
-        <a:defRPr sz="1200" b="0" i="0" u="none" strike="noStrike" cap="none" spc="0" baseline="0">
+        <a:defRPr b="0" baseline="0" cap="none" i="0" spc="0" strike="noStrike" sz="1200" u="none">
+          <a:ln>
+            <a:noFill/>
+          </a:ln>
           <a:solidFill>
             <a:schemeClr val="tx1"/>
           </a:solidFill>
@@ -2888,7 +2506,7 @@
           <a:sym typeface="Calibri"/>
         </a:defRPr>
       </a:lvl2pPr>
-      <a:lvl3pPr marL="0" marR="0" indent="914400" algn="r" defTabSz="914400" rtl="0" latinLnBrk="0">
+      <a:lvl3pPr marL="0" marR="0" indent="0" algn="r" defTabSz="914400" rtl="0" latinLnBrk="0">
         <a:lnSpc>
           <a:spcPct val="100000"/>
         </a:lnSpc>
@@ -2903,7 +2521,10 @@
         <a:buFontTx/>
         <a:buNone/>
         <a:tabLst/>
-        <a:defRPr sz="1200" b="0" i="0" u="none" strike="noStrike" cap="none" spc="0" baseline="0">
+        <a:defRPr b="0" baseline="0" cap="none" i="0" spc="0" strike="noStrike" sz="1200" u="none">
+          <a:ln>
+            <a:noFill/>
+          </a:ln>
           <a:solidFill>
             <a:schemeClr val="tx1"/>
           </a:solidFill>
@@ -2914,7 +2535,7 @@
           <a:sym typeface="Calibri"/>
         </a:defRPr>
       </a:lvl3pPr>
-      <a:lvl4pPr marL="0" marR="0" indent="1371600" algn="r" defTabSz="914400" rtl="0" latinLnBrk="0">
+      <a:lvl4pPr marL="0" marR="0" indent="0" algn="r" defTabSz="914400" rtl="0" latinLnBrk="0">
         <a:lnSpc>
           <a:spcPct val="100000"/>
         </a:lnSpc>
@@ -2929,7 +2550,10 @@
         <a:buFontTx/>
         <a:buNone/>
         <a:tabLst/>
-        <a:defRPr sz="1200" b="0" i="0" u="none" strike="noStrike" cap="none" spc="0" baseline="0">
+        <a:defRPr b="0" baseline="0" cap="none" i="0" spc="0" strike="noStrike" sz="1200" u="none">
+          <a:ln>
+            <a:noFill/>
+          </a:ln>
           <a:solidFill>
             <a:schemeClr val="tx1"/>
           </a:solidFill>
@@ -2940,7 +2564,7 @@
           <a:sym typeface="Calibri"/>
         </a:defRPr>
       </a:lvl4pPr>
-      <a:lvl5pPr marL="0" marR="0" indent="1828800" algn="r" defTabSz="914400" rtl="0" latinLnBrk="0">
+      <a:lvl5pPr marL="0" marR="0" indent="0" algn="r" defTabSz="914400" rtl="0" latinLnBrk="0">
         <a:lnSpc>
           <a:spcPct val="100000"/>
         </a:lnSpc>
@@ -2955,7 +2579,10 @@
         <a:buFontTx/>
         <a:buNone/>
         <a:tabLst/>
-        <a:defRPr sz="1200" b="0" i="0" u="none" strike="noStrike" cap="none" spc="0" baseline="0">
+        <a:defRPr b="0" baseline="0" cap="none" i="0" spc="0" strike="noStrike" sz="1200" u="none">
+          <a:ln>
+            <a:noFill/>
+          </a:ln>
           <a:solidFill>
             <a:schemeClr val="tx1"/>
           </a:solidFill>
@@ -2966,7 +2593,7 @@
           <a:sym typeface="Calibri"/>
         </a:defRPr>
       </a:lvl5pPr>
-      <a:lvl6pPr marL="0" marR="0" indent="2286000" algn="r" defTabSz="914400" rtl="0" latinLnBrk="0">
+      <a:lvl6pPr marL="0" marR="0" indent="0" algn="r" defTabSz="914400" rtl="0" latinLnBrk="0">
         <a:lnSpc>
           <a:spcPct val="100000"/>
         </a:lnSpc>
@@ -2981,7 +2608,10 @@
         <a:buFontTx/>
         <a:buNone/>
         <a:tabLst/>
-        <a:defRPr sz="1200" b="0" i="0" u="none" strike="noStrike" cap="none" spc="0" baseline="0">
+        <a:defRPr b="0" baseline="0" cap="none" i="0" spc="0" strike="noStrike" sz="1200" u="none">
+          <a:ln>
+            <a:noFill/>
+          </a:ln>
           <a:solidFill>
             <a:schemeClr val="tx1"/>
           </a:solidFill>
@@ -2992,7 +2622,7 @@
           <a:sym typeface="Calibri"/>
         </a:defRPr>
       </a:lvl6pPr>
-      <a:lvl7pPr marL="0" marR="0" indent="2743200" algn="r" defTabSz="914400" rtl="0" latinLnBrk="0">
+      <a:lvl7pPr marL="0" marR="0" indent="0" algn="r" defTabSz="914400" rtl="0" latinLnBrk="0">
         <a:lnSpc>
           <a:spcPct val="100000"/>
         </a:lnSpc>
@@ -3007,7 +2637,10 @@
         <a:buFontTx/>
         <a:buNone/>
         <a:tabLst/>
-        <a:defRPr sz="1200" b="0" i="0" u="none" strike="noStrike" cap="none" spc="0" baseline="0">
+        <a:defRPr b="0" baseline="0" cap="none" i="0" spc="0" strike="noStrike" sz="1200" u="none">
+          <a:ln>
+            <a:noFill/>
+          </a:ln>
           <a:solidFill>
             <a:schemeClr val="tx1"/>
           </a:solidFill>
@@ -3018,7 +2651,7 @@
           <a:sym typeface="Calibri"/>
         </a:defRPr>
       </a:lvl7pPr>
-      <a:lvl8pPr marL="0" marR="0" indent="3200400" algn="r" defTabSz="914400" rtl="0" latinLnBrk="0">
+      <a:lvl8pPr marL="0" marR="0" indent="0" algn="r" defTabSz="914400" rtl="0" latinLnBrk="0">
         <a:lnSpc>
           <a:spcPct val="100000"/>
         </a:lnSpc>
@@ -3033,7 +2666,10 @@
         <a:buFontTx/>
         <a:buNone/>
         <a:tabLst/>
-        <a:defRPr sz="1200" b="0" i="0" u="none" strike="noStrike" cap="none" spc="0" baseline="0">
+        <a:defRPr b="0" baseline="0" cap="none" i="0" spc="0" strike="noStrike" sz="1200" u="none">
+          <a:ln>
+            <a:noFill/>
+          </a:ln>
           <a:solidFill>
             <a:schemeClr val="tx1"/>
           </a:solidFill>
@@ -3044,7 +2680,7 @@
           <a:sym typeface="Calibri"/>
         </a:defRPr>
       </a:lvl8pPr>
-      <a:lvl9pPr marL="0" marR="0" indent="3657600" algn="r" defTabSz="914400" rtl="0" latinLnBrk="0">
+      <a:lvl9pPr marL="0" marR="0" indent="0" algn="r" defTabSz="914400" rtl="0" latinLnBrk="0">
         <a:lnSpc>
           <a:spcPct val="100000"/>
         </a:lnSpc>
@@ -3059,7 +2695,10 @@
         <a:buFontTx/>
         <a:buNone/>
         <a:tabLst/>
-        <a:defRPr sz="1200" b="0" i="0" u="none" strike="noStrike" cap="none" spc="0" baseline="0">
+        <a:defRPr b="0" baseline="0" cap="none" i="0" spc="0" strike="noStrike" sz="1200" u="none">
+          <a:ln>
+            <a:noFill/>
+          </a:ln>
           <a:solidFill>
             <a:schemeClr val="tx1"/>
           </a:solidFill>
@@ -3076,205 +2715,7 @@
 </file>
 
 <file path=ppt/slides/slide1.xml><?xml version="1.0" encoding="utf-8"?>
-<p:sld xmlns:a="http://schemas.openxmlformats.org/drawingml/2006/main" xmlns:r="http://schemas.openxmlformats.org/officeDocument/2006/relationships" xmlns:p="http://schemas.openxmlformats.org/presentationml/2006/main">
-  <p:cSld>
-    <p:spTree>
-      <p:nvGrpSpPr>
-        <p:cNvPr id="1" name=""/>
-        <p:cNvGrpSpPr/>
-        <p:nvPr/>
-      </p:nvGrpSpPr>
-      <p:grpSpPr>
-        <a:xfrm>
-          <a:off x="0" y="0"/>
-          <a:ext cx="0" cy="0"/>
-          <a:chOff x="0" y="0"/>
-          <a:chExt cx="0" cy="0"/>
-        </a:xfrm>
-      </p:grpSpPr>
-      <p:graphicFrame>
-        <p:nvGraphicFramePr>
-          <p:cNvPr id="2" name="Objekt 1" hidden="1">
-            <a:extLst>
-              <a:ext uri="{FF2B5EF4-FFF2-40B4-BE49-F238E27FC236}">
-                <a16:creationId xmlns:a16="http://schemas.microsoft.com/office/drawing/2014/main" id="{57BF75AA-42D6-4753-8317-1EB6F22B938B}"/>
-              </a:ext>
-            </a:extLst>
-          </p:cNvPr>
-          <p:cNvGraphicFramePr>
-            <a:graphicFrameLocks noChangeAspect="1"/>
-          </p:cNvGraphicFramePr>
-          <p:nvPr>
-            <p:custDataLst>
-              <p:tags r:id="rId2"/>
-            </p:custDataLst>
-            <p:extLst>
-              <p:ext uri="{D42A27DB-BD31-4B8C-83A1-F6EECF244321}">
-                <p14:modId xmlns:p14="http://schemas.microsoft.com/office/powerpoint/2010/main" val="1954721024"/>
-              </p:ext>
-            </p:extLst>
-          </p:nvPr>
-        </p:nvGraphicFramePr>
-        <p:xfrm>
-          <a:off x="1588" y="1588"/>
-          <a:ext cx="1588" cy="1588"/>
-        </p:xfrm>
-        <a:graphic>
-          <a:graphicData uri="http://schemas.openxmlformats.org/presentationml/2006/ole">
-            <mc:AlternateContent xmlns:mc="http://schemas.openxmlformats.org/markup-compatibility/2006">
-              <mc:Choice xmlns:v="urn:schemas-microsoft-com:vml" Requires="v">
-                <p:oleObj spid="_x0000_s2050" name="think-cell Folie" r:id="rId4" imgW="499" imgH="499" progId="TCLayout.ActiveDocument.1">
-                  <p:embed/>
-                </p:oleObj>
-              </mc:Choice>
-              <mc:Fallback>
-                <p:oleObj name="think-cell Folie" r:id="rId4" imgW="499" imgH="499" progId="TCLayout.ActiveDocument.1">
-                  <p:embed/>
-                  <p:pic>
-                    <p:nvPicPr>
-                      <p:cNvPr id="2" name="Objekt 1" hidden="1">
-                        <a:extLst>
-                          <a:ext uri="{FF2B5EF4-FFF2-40B4-BE49-F238E27FC236}">
-                            <a16:creationId xmlns:a16="http://schemas.microsoft.com/office/drawing/2014/main" id="{57BF75AA-42D6-4753-8317-1EB6F22B938B}"/>
-                          </a:ext>
-                        </a:extLst>
-                      </p:cNvPr>
-                      <p:cNvPicPr/>
-                      <p:nvPr/>
-                    </p:nvPicPr>
-                    <p:blipFill>
-                      <a:blip r:embed="rId5"/>
-                      <a:stretch>
-                        <a:fillRect/>
-                      </a:stretch>
-                    </p:blipFill>
-                    <p:spPr>
-                      <a:xfrm>
-                        <a:off x="1588" y="1588"/>
-                        <a:ext cx="1588" cy="1588"/>
-                      </a:xfrm>
-                      <a:prstGeom prst="rect">
-                        <a:avLst/>
-                      </a:prstGeom>
-                    </p:spPr>
-                  </p:pic>
-                </p:oleObj>
-              </mc:Fallback>
-            </mc:AlternateContent>
-          </a:graphicData>
-        </a:graphic>
-      </p:graphicFrame>
-      <p:sp>
-        <p:nvSpPr>
-          <p:cNvPr id="94" name="Titel 1"/>
-          <p:cNvSpPr txBox="1">
-            <a:spLocks noGrp="1"/>
-          </p:cNvSpPr>
-          <p:nvPr>
-            <p:ph type="ctrTitle"/>
-          </p:nvPr>
-        </p:nvSpPr>
-        <p:spPr>
-          <a:xfrm>
-            <a:off x="1324698" y="1122362"/>
-            <a:ext cx="9343302" cy="2387601"/>
-          </a:xfrm>
-          <a:prstGeom prst="rect">
-            <a:avLst/>
-          </a:prstGeom>
-        </p:spPr>
-        <p:txBody>
-          <a:bodyPr/>
-          <a:lstStyle>
-            <a:lvl1pPr defTabSz="758951">
-              <a:defRPr sz="7968" b="1">
-                <a:solidFill>
-                  <a:srgbClr val="FF0000"/>
-                </a:solidFill>
-                <a:latin typeface="72 Black"/>
-                <a:ea typeface="72 Black"/>
-                <a:cs typeface="72 Black"/>
-                <a:sym typeface="72 Black"/>
-              </a:defRPr>
-            </a:lvl1pPr>
-          </a:lstStyle>
-          <a:p>
-            <a:r>
-              <a:rPr lang="de-DE" dirty="0"/>
-              <a:t>Alert</a:t>
-            </a:r>
-            <a:endParaRPr dirty="0"/>
-          </a:p>
-        </p:txBody>
-      </p:sp>
-      <p:sp>
-        <p:nvSpPr>
-          <p:cNvPr id="95" name="Untertitel 2"/>
-          <p:cNvSpPr txBox="1">
-            <a:spLocks noGrp="1"/>
-          </p:cNvSpPr>
-          <p:nvPr>
-            <p:ph type="subTitle" sz="half" idx="1"/>
-          </p:nvPr>
-        </p:nvSpPr>
-        <p:spPr>
-          <a:xfrm>
-            <a:off x="1523999" y="3602037"/>
-            <a:ext cx="9144001" cy="2785316"/>
-          </a:xfrm>
-          <a:prstGeom prst="rect">
-            <a:avLst/>
-          </a:prstGeom>
-        </p:spPr>
-        <p:txBody>
-          <a:bodyPr/>
-          <a:lstStyle/>
-          <a:p>
-            <a:r>
-              <a:rPr dirty="0"/>
-              <a:t>The warning app </a:t>
-            </a:r>
-          </a:p>
-          <a:p>
-            <a:endParaRPr dirty="0"/>
-          </a:p>
-          <a:p>
-            <a:r>
-              <a:rPr dirty="0"/>
-              <a:t>by </a:t>
-            </a:r>
-          </a:p>
-          <a:p>
-            <a:r>
-              <a:rPr dirty="0"/>
-              <a:t>Julia</a:t>
-            </a:r>
-          </a:p>
-          <a:p>
-            <a:r>
-              <a:rPr dirty="0"/>
-              <a:t>Markus</a:t>
-            </a:r>
-          </a:p>
-          <a:p>
-            <a:r>
-              <a:rPr dirty="0"/>
-              <a:t>Peter</a:t>
-            </a:r>
-          </a:p>
-        </p:txBody>
-      </p:sp>
-    </p:spTree>
-  </p:cSld>
-  <p:clrMapOvr>
-    <a:masterClrMapping/>
-  </p:clrMapOvr>
-  <p:transition spd="med"/>
-</p:sld>
-</file>
-
-<file path=ppt/slides/slide10.xml><?xml version="1.0" encoding="utf-8"?>
-<p:sld xmlns:a="http://schemas.openxmlformats.org/drawingml/2006/main" xmlns:r="http://schemas.openxmlformats.org/officeDocument/2006/relationships" xmlns:p="http://schemas.openxmlformats.org/presentationml/2006/main">
+<p:sld xmlns:a="http://schemas.openxmlformats.org/drawingml/2006/main" xmlns:r="http://schemas.openxmlformats.org/officeDocument/2006/relationships" xmlns:p="http://schemas.openxmlformats.org/presentationml/2006/main" xmlns:m="http://schemas.openxmlformats.org/officeDocument/2006/math" xmlns:a14="http://schemas.microsoft.com/office/drawing/2010/main" showMasterSp="1" showMasterPhAnim="1">
   <p:cSld>
     <p:spTree>
       <p:nvGrpSpPr>
@@ -3292,15 +2733,138 @@
       </p:grpSpPr>
       <p:sp>
         <p:nvSpPr>
-          <p:cNvPr id="140" name="Titel 1"/>
-          <p:cNvSpPr txBox="1">
-            <a:spLocks noGrp="1"/>
-          </p:cNvSpPr>
+          <p:cNvPr id="94" name="Titel 1"/>
+          <p:cNvSpPr txBox="1"/>
+          <p:nvPr>
+            <p:ph type="ctrTitle"/>
+          </p:nvPr>
+        </p:nvSpPr>
+        <p:spPr>
+          <a:xfrm>
+            <a:off x="1324698" y="1122362"/>
+            <a:ext cx="9343302" cy="2387601"/>
+          </a:xfrm>
+          <a:prstGeom prst="rect">
+            <a:avLst/>
+          </a:prstGeom>
+        </p:spPr>
+        <p:txBody>
+          <a:bodyPr/>
+          <a:lstStyle>
+            <a:lvl1pPr defTabSz="758951">
+              <a:defRPr b="1" sz="7900">
+                <a:solidFill>
+                  <a:srgbClr val="FF0000"/>
+                </a:solidFill>
+                <a:latin typeface="72 Black"/>
+                <a:ea typeface="72 Black"/>
+                <a:cs typeface="72 Black"/>
+                <a:sym typeface="72 Black"/>
+              </a:defRPr>
+            </a:lvl1pPr>
+          </a:lstStyle>
+          <a:p>
+            <a:pPr/>
+            <a:r>
+              <a:t>Alert</a:t>
+            </a:r>
+          </a:p>
+        </p:txBody>
+      </p:sp>
+      <p:sp>
+        <p:nvSpPr>
+          <p:cNvPr id="95" name="Untertitel 2"/>
+          <p:cNvSpPr txBox="1"/>
+          <p:nvPr>
+            <p:ph type="subTitle" sz="half" idx="1"/>
+          </p:nvPr>
+        </p:nvSpPr>
+        <p:spPr>
+          <a:xfrm>
+            <a:off x="1523999" y="3602037"/>
+            <a:ext cx="9144001" cy="2785317"/>
+          </a:xfrm>
+          <a:prstGeom prst="rect">
+            <a:avLst/>
+          </a:prstGeom>
+        </p:spPr>
+        <p:txBody>
+          <a:bodyPr/>
+          <a:lstStyle/>
+          <a:p>
+            <a:pPr/>
+            <a:r>
+              <a:t>The warning app </a:t>
+            </a:r>
+          </a:p>
+          <a:p>
+            <a:pPr/>
+          </a:p>
+          <a:p>
+            <a:pPr/>
+            <a:r>
+              <a:t>by </a:t>
+            </a:r>
+          </a:p>
+          <a:p>
+            <a:pPr/>
+            <a:r>
+              <a:t>Julia</a:t>
+            </a:r>
+          </a:p>
+          <a:p>
+            <a:pPr/>
+            <a:r>
+              <a:t>Markus</a:t>
+            </a:r>
+          </a:p>
+          <a:p>
+            <a:pPr/>
+            <a:r>
+              <a:t>Peter</a:t>
+            </a:r>
+          </a:p>
+        </p:txBody>
+      </p:sp>
+    </p:spTree>
+  </p:cSld>
+  <p:clrMapOvr>
+    <a:masterClrMapping/>
+  </p:clrMapOvr>
+  <p:transition xmlns:p14="http://schemas.microsoft.com/office/powerpoint/2010/main" spd="med" advClick="1"/>
+</p:sld>
+</file>
+
+<file path=ppt/slides/slide10.xml><?xml version="1.0" encoding="utf-8"?>
+<p:sld xmlns:a="http://schemas.openxmlformats.org/drawingml/2006/main" xmlns:r="http://schemas.openxmlformats.org/officeDocument/2006/relationships" xmlns:p="http://schemas.openxmlformats.org/presentationml/2006/main" xmlns:m="http://schemas.openxmlformats.org/officeDocument/2006/math" xmlns:a14="http://schemas.microsoft.com/office/drawing/2010/main" showMasterSp="1" showMasterPhAnim="1">
+  <p:cSld>
+    <p:spTree>
+      <p:nvGrpSpPr>
+        <p:cNvPr id="1" name=""/>
+        <p:cNvGrpSpPr/>
+        <p:nvPr/>
+      </p:nvGrpSpPr>
+      <p:grpSpPr>
+        <a:xfrm>
+          <a:off x="0" y="0"/>
+          <a:ext cx="0" cy="0"/>
+          <a:chOff x="0" y="0"/>
+          <a:chExt cx="0" cy="0"/>
+        </a:xfrm>
+      </p:grpSpPr>
+      <p:sp>
+        <p:nvSpPr>
+          <p:cNvPr id="126" name="Titel 1"/>
+          <p:cNvSpPr txBox="1"/>
           <p:nvPr>
             <p:ph type="title"/>
           </p:nvPr>
         </p:nvSpPr>
         <p:spPr>
+          <a:xfrm>
+            <a:off x="838200" y="365125"/>
+            <a:ext cx="10515600" cy="1325563"/>
+          </a:xfrm>
           <a:prstGeom prst="rect">
             <a:avLst/>
           </a:prstGeom>
@@ -3309,22 +2873,109 @@
           <a:bodyPr/>
           <a:lstStyle/>
           <a:p>
-            <a:r>
-              <a:t>Finde in Stadtliste</a:t>
+            <a:pPr/>
+            <a:r>
+              <a:t>Workbench</a:t>
             </a:r>
           </a:p>
         </p:txBody>
       </p:sp>
       <p:sp>
         <p:nvSpPr>
-          <p:cNvPr id="141" name="https://www.mithrilandmages.com/utilities/CityBrowse.php"/>
+          <p:cNvPr id="127" name="Inhaltsplatzhalter 2"/>
+          <p:cNvSpPr txBox="1"/>
+          <p:nvPr>
+            <p:ph type="body" idx="1"/>
+          </p:nvPr>
+        </p:nvSpPr>
+        <p:spPr>
+          <a:xfrm>
+            <a:off x="838200" y="1825625"/>
+            <a:ext cx="10515600" cy="4351338"/>
+          </a:xfrm>
+          <a:prstGeom prst="rect">
+            <a:avLst/>
+          </a:prstGeom>
+        </p:spPr>
+        <p:txBody>
+          <a:bodyPr/>
+          <a:lstStyle/>
+          <a:p>
+            <a:pPr/>
+            <a:r>
+              <a:t>Day 4:   df['location_clean']</a:t>
+            </a:r>
+          </a:p>
+        </p:txBody>
+      </p:sp>
+      <p:pic>
+        <p:nvPicPr>
+          <p:cNvPr id="128" name="Bildschirmfoto 2020-10-08 um 22.12.02.png" descr="Bildschirmfoto 2020-10-08 um 22.12.02.png"/>
+          <p:cNvPicPr>
+            <a:picLocks noChangeAspect="1"/>
+          </p:cNvPicPr>
+          <p:nvPr/>
+        </p:nvPicPr>
+        <p:blipFill>
+          <a:blip r:embed="rId2">
+            <a:extLst/>
+          </a:blip>
+          <a:stretch>
+            <a:fillRect/>
+          </a:stretch>
+        </p:blipFill>
+        <p:spPr>
+          <a:xfrm>
+            <a:off x="6104246" y="-2"/>
+            <a:ext cx="3913586" cy="6858002"/>
+          </a:xfrm>
+          <a:prstGeom prst="rect">
+            <a:avLst/>
+          </a:prstGeom>
+          <a:ln w="12700">
+            <a:miter lim="400000"/>
+          </a:ln>
+        </p:spPr>
+      </p:pic>
+      <p:pic>
+        <p:nvPicPr>
+          <p:cNvPr id="129" name="Bildschirmfoto 2020-10-08 um 22.22.10.png" descr="Bildschirmfoto 2020-10-08 um 22.22.10.png"/>
+          <p:cNvPicPr>
+            <a:picLocks noChangeAspect="1"/>
+          </p:cNvPicPr>
+          <p:nvPr/>
+        </p:nvPicPr>
+        <p:blipFill>
+          <a:blip r:embed="rId3">
+            <a:extLst/>
+          </a:blip>
+          <a:stretch>
+            <a:fillRect/>
+          </a:stretch>
+        </p:blipFill>
+        <p:spPr>
+          <a:xfrm>
+            <a:off x="807148" y="2541783"/>
+            <a:ext cx="5163679" cy="3693116"/>
+          </a:xfrm>
+          <a:prstGeom prst="rect">
+            <a:avLst/>
+          </a:prstGeom>
+          <a:ln w="12700">
+            <a:miter lim="400000"/>
+          </a:ln>
+        </p:spPr>
+      </p:pic>
+      <p:sp>
+        <p:nvSpPr>
+          <p:cNvPr id="130" name="No Value"/>
           <p:cNvSpPr txBox="1"/>
           <p:nvPr/>
         </p:nvSpPr>
         <p:spPr>
           <a:xfrm>
-            <a:off x="845526" y="1469371"/>
-            <a:ext cx="5695800" cy="370841"/>
+            <a:off x="1169082" y="5552042"/>
+            <a:ext cx="500071" cy="218439"/>
           </a:xfrm>
           <a:prstGeom prst="rect">
             <a:avLst/>
@@ -3334,32 +2985,120 @@
           </a:ln>
           <a:extLst>
             <a:ext uri="{C572A759-6A51-4108-AA02-DFA0A04FC94B}">
-              <ma14:wrappingTextBoxFlag xmlns="" xmlns:m="http://schemas.openxmlformats.org/officeDocument/2006/math" xmlns:a14="http://schemas.microsoft.com/office/drawing/2010/main" xmlns:ma14="http://schemas.microsoft.com/office/mac/drawingml/2011/main" val="1"/>
+              <ma14:wrappingTextBoxFlag xmlns:ma14="http://schemas.microsoft.com/office/mac/drawingml/2011/main" val="1"/>
             </a:ext>
           </a:extLst>
         </p:spPr>
         <p:txBody>
-          <a:bodyPr wrap="none" lIns="45719" rIns="45719">
+          <a:bodyPr wrap="none" lIns="45718" tIns="45718" rIns="45718" bIns="45718">
             <a:spAutoFit/>
           </a:bodyPr>
+          <a:lstStyle>
+            <a:lvl1pPr>
+              <a:defRPr sz="800"/>
+            </a:lvl1pPr>
+          </a:lstStyle>
+          <a:p>
+            <a:pPr/>
+            <a:r>
+              <a:t>No Value</a:t>
+            </a:r>
+          </a:p>
+        </p:txBody>
+      </p:sp>
+    </p:spTree>
+  </p:cSld>
+  <p:clrMapOvr>
+    <a:masterClrMapping/>
+  </p:clrMapOvr>
+  <p:transition xmlns:p14="http://schemas.microsoft.com/office/powerpoint/2010/main" spd="med" advClick="1"/>
+</p:sld>
+</file>
+
+<file path=ppt/slides/slide11.xml><?xml version="1.0" encoding="utf-8"?>
+<p:sld xmlns:a="http://schemas.openxmlformats.org/drawingml/2006/main" xmlns:r="http://schemas.openxmlformats.org/officeDocument/2006/relationships" xmlns:p="http://schemas.openxmlformats.org/presentationml/2006/main" xmlns:m="http://schemas.openxmlformats.org/officeDocument/2006/math" xmlns:a14="http://schemas.microsoft.com/office/drawing/2010/main" showMasterSp="1" showMasterPhAnim="1">
+  <p:cSld>
+    <p:spTree>
+      <p:nvGrpSpPr>
+        <p:cNvPr id="1" name=""/>
+        <p:cNvGrpSpPr/>
+        <p:nvPr/>
+      </p:nvGrpSpPr>
+      <p:grpSpPr>
+        <a:xfrm>
+          <a:off x="0" y="0"/>
+          <a:ext cx="0" cy="0"/>
+          <a:chOff x="0" y="0"/>
+          <a:chExt cx="0" cy="0"/>
+        </a:xfrm>
+      </p:grpSpPr>
+      <p:pic>
+        <p:nvPicPr>
+          <p:cNvPr id="132" name="Bildschirmfoto 2020-10-08 um 22.25.11.png" descr="Bildschirmfoto 2020-10-08 um 22.25.11.png"/>
+          <p:cNvPicPr>
+            <a:picLocks noChangeAspect="1"/>
+          </p:cNvPicPr>
+          <p:nvPr/>
+        </p:nvPicPr>
+        <p:blipFill>
+          <a:blip r:embed="rId2">
+            <a:extLst/>
+          </a:blip>
+          <a:stretch>
+            <a:fillRect/>
+          </a:stretch>
+        </p:blipFill>
+        <p:spPr>
+          <a:xfrm>
+            <a:off x="676657" y="1317318"/>
+            <a:ext cx="6633864" cy="4959678"/>
+          </a:xfrm>
+          <a:prstGeom prst="rect">
+            <a:avLst/>
+          </a:prstGeom>
+          <a:ln w="12700">
+            <a:miter lim="400000"/>
+          </a:ln>
+        </p:spPr>
+      </p:pic>
+      <p:sp>
+        <p:nvSpPr>
+          <p:cNvPr id="133" name="Titel 1"/>
+          <p:cNvSpPr txBox="1"/>
+          <p:nvPr>
+            <p:ph type="title"/>
+          </p:nvPr>
+        </p:nvSpPr>
+        <p:spPr>
+          <a:xfrm>
+            <a:off x="838200" y="365125"/>
+            <a:ext cx="10515600" cy="1325563"/>
+          </a:xfrm>
+          <a:prstGeom prst="rect">
+            <a:avLst/>
+          </a:prstGeom>
+        </p:spPr>
+        <p:txBody>
+          <a:bodyPr/>
           <a:lstStyle/>
           <a:p>
-            <a:r>
-              <a:t>https://www.mithrilandmages.com/utilities/CityBrowse.php</a:t>
+            <a:pPr/>
+            <a:r>
+              <a:t>Workbench</a:t>
             </a:r>
           </a:p>
         </p:txBody>
       </p:sp>
       <p:sp>
         <p:nvSpPr>
-          <p:cNvPr id="142" name="if string is in cities_list: location_list.append()"/>
+          <p:cNvPr id="134" name="doc_loc =df['location_clean'].apply( lambda satz: nlp(satz) )"/>
           <p:cNvSpPr txBox="1"/>
           <p:nvPr/>
         </p:nvSpPr>
         <p:spPr>
           <a:xfrm>
-            <a:off x="22244" y="6300487"/>
-            <a:ext cx="5563417" cy="535941"/>
+            <a:off x="-4953" y="6311900"/>
+            <a:ext cx="6740906" cy="3155971"/>
           </a:xfrm>
           <a:prstGeom prst="rect">
             <a:avLst/>
@@ -3369,12 +3108,12 @@
           </a:ln>
           <a:extLst>
             <a:ext uri="{C572A759-6A51-4108-AA02-DFA0A04FC94B}">
-              <ma14:wrappingTextBoxFlag xmlns="" xmlns:m="http://schemas.openxmlformats.org/officeDocument/2006/math" xmlns:a14="http://schemas.microsoft.com/office/drawing/2010/main" xmlns:ma14="http://schemas.microsoft.com/office/mac/drawingml/2011/main" val="1"/>
+              <ma14:wrappingTextBoxFlag xmlns:ma14="http://schemas.microsoft.com/office/mac/drawingml/2011/main" val="1"/>
             </a:ext>
           </a:extLst>
         </p:spPr>
         <p:txBody>
-          <a:bodyPr wrap="none" lIns="45719" rIns="45719">
+          <a:bodyPr wrap="none" lIns="45718" tIns="45718" rIns="45718" bIns="45718">
             <a:spAutoFit/>
           </a:bodyPr>
           <a:lstStyle/>
@@ -3384,21 +3123,569 @@
                 <a:spcPts val="3500"/>
               </a:lnSpc>
               <a:defRPr sz="1400">
-                <a:latin typeface="Menlo Regular"/>
-                <a:ea typeface="Menlo Regular"/>
-                <a:cs typeface="Menlo Regular"/>
-                <a:sym typeface="Menlo Regular"/>
+                <a:latin typeface="Menlo"/>
+                <a:ea typeface="Menlo"/>
+                <a:cs typeface="Menlo"/>
+                <a:sym typeface="Menlo"/>
               </a:defRPr>
             </a:pPr>
             <a:r>
+              <a:t>doc_loc =df[</a:t>
+            </a:r>
+            <a:r>
               <a:rPr>
+                <a:solidFill>
+                  <a:srgbClr val="A31515"/>
+                </a:solidFill>
+              </a:rPr>
+              <a:t>'location_clean'</a:t>
+            </a:r>
+            <a:r>
+              <a:t>].apply( </a:t>
+            </a:r>
+            <a:r>
+              <a:rPr>
+                <a:solidFill>
+                  <a:srgbClr val="0000FF"/>
+                </a:solidFill>
+              </a:rPr>
+              <a:t>lambda</a:t>
+            </a:r>
+            <a:r>
+              <a:t> satz: nlp(satz) )</a:t>
+            </a:r>
+          </a:p>
+          <a:p>
+            <a:pPr defTabSz="457200">
+              <a:lnSpc>
+                <a:spcPts val="3500"/>
+              </a:lnSpc>
+              <a:defRPr sz="1400">
+                <a:solidFill>
+                  <a:srgbClr val="008000"/>
+                </a:solidFill>
+                <a:latin typeface="Menlo"/>
+                <a:ea typeface="Menlo"/>
+                <a:cs typeface="Menlo"/>
+                <a:sym typeface="Menlo"/>
+              </a:defRPr>
+            </a:pPr>
+          </a:p>
+          <a:p>
+            <a:pPr defTabSz="457200">
+              <a:lnSpc>
+                <a:spcPts val="3500"/>
+              </a:lnSpc>
+              <a:defRPr sz="1400">
+                <a:solidFill>
+                  <a:srgbClr val="008000"/>
+                </a:solidFill>
+                <a:latin typeface="Menlo"/>
+                <a:ea typeface="Menlo"/>
+                <a:cs typeface="Menlo"/>
+                <a:sym typeface="Menlo"/>
+              </a:defRPr>
+            </a:pPr>
+          </a:p>
+          <a:p>
+            <a:pPr defTabSz="457200">
+              <a:lnSpc>
+                <a:spcPts val="3500"/>
+              </a:lnSpc>
+              <a:defRPr sz="1400">
+                <a:solidFill>
+                  <a:srgbClr val="008000"/>
+                </a:solidFill>
+                <a:latin typeface="Menlo"/>
+                <a:ea typeface="Menlo"/>
+                <a:cs typeface="Menlo"/>
+                <a:sym typeface="Menlo"/>
+              </a:defRPr>
+            </a:pPr>
+          </a:p>
+          <a:p>
+            <a:pPr defTabSz="457200">
+              <a:lnSpc>
+                <a:spcPts val="3500"/>
+              </a:lnSpc>
+              <a:defRPr sz="1400">
+                <a:latin typeface="Menlo"/>
+                <a:ea typeface="Menlo"/>
+                <a:cs typeface="Menlo"/>
+                <a:sym typeface="Menlo"/>
+              </a:defRPr>
+            </a:pPr>
+          </a:p>
+          <a:p>
+            <a:pPr defTabSz="457200">
+              <a:lnSpc>
+                <a:spcPts val="3500"/>
+              </a:lnSpc>
+              <a:defRPr sz="1400">
+                <a:latin typeface="Menlo"/>
+                <a:ea typeface="Menlo"/>
+                <a:cs typeface="Menlo"/>
+                <a:sym typeface="Menlo"/>
+              </a:defRPr>
+            </a:pPr>
+          </a:p>
+        </p:txBody>
+      </p:sp>
+      <p:pic>
+        <p:nvPicPr>
+          <p:cNvPr id="135" name="Bildschirmfoto 2020-10-08 um 22.38.22.png" descr="Bildschirmfoto 2020-10-08 um 22.38.22.png"/>
+          <p:cNvPicPr>
+            <a:picLocks noChangeAspect="1"/>
+          </p:cNvPicPr>
+          <p:nvPr/>
+        </p:nvPicPr>
+        <p:blipFill>
+          <a:blip r:embed="rId3">
+            <a:extLst/>
+          </a:blip>
+          <a:stretch>
+            <a:fillRect/>
+          </a:stretch>
+        </p:blipFill>
+        <p:spPr>
+          <a:xfrm>
+            <a:off x="5984631" y="609598"/>
+            <a:ext cx="6197603" cy="5638803"/>
+          </a:xfrm>
+          <a:prstGeom prst="rect">
+            <a:avLst/>
+          </a:prstGeom>
+          <a:ln w="12700">
+            <a:miter lim="400000"/>
+          </a:ln>
+        </p:spPr>
+      </p:pic>
+    </p:spTree>
+  </p:cSld>
+  <p:clrMapOvr>
+    <a:masterClrMapping/>
+  </p:clrMapOvr>
+  <p:transition xmlns:p14="http://schemas.microsoft.com/office/powerpoint/2010/main" spd="med" advClick="1"/>
+</p:sld>
+</file>
+
+<file path=ppt/slides/slide12.xml><?xml version="1.0" encoding="utf-8"?>
+<p:sld xmlns:a="http://schemas.openxmlformats.org/drawingml/2006/main" xmlns:r="http://schemas.openxmlformats.org/officeDocument/2006/relationships" xmlns:p="http://schemas.openxmlformats.org/presentationml/2006/main" xmlns:m="http://schemas.openxmlformats.org/officeDocument/2006/math" xmlns:a14="http://schemas.microsoft.com/office/drawing/2010/main" showMasterSp="1" showMasterPhAnim="1">
+  <p:cSld>
+    <p:spTree>
+      <p:nvGrpSpPr>
+        <p:cNvPr id="1" name=""/>
+        <p:cNvGrpSpPr/>
+        <p:nvPr/>
+      </p:nvGrpSpPr>
+      <p:grpSpPr>
+        <a:xfrm>
+          <a:off x="0" y="0"/>
+          <a:ext cx="0" cy="0"/>
+          <a:chOff x="0" y="0"/>
+          <a:chExt cx="0" cy="0"/>
+        </a:xfrm>
+      </p:grpSpPr>
+      <p:sp>
+        <p:nvSpPr>
+          <p:cNvPr id="137" name="Titel 1"/>
+          <p:cNvSpPr txBox="1"/>
+          <p:nvPr>
+            <p:ph type="title"/>
+          </p:nvPr>
+        </p:nvSpPr>
+        <p:spPr>
+          <a:xfrm>
+            <a:off x="838200" y="365125"/>
+            <a:ext cx="10515600" cy="1325563"/>
+          </a:xfrm>
+          <a:prstGeom prst="rect">
+            <a:avLst/>
+          </a:prstGeom>
+        </p:spPr>
+        <p:txBody>
+          <a:bodyPr/>
+          <a:lstStyle/>
+          <a:p>
+            <a:pPr/>
+            <a:r>
+              <a:t>Finde den Fehler</a:t>
+            </a:r>
+          </a:p>
+        </p:txBody>
+      </p:sp>
+      <p:sp>
+        <p:nvSpPr>
+          <p:cNvPr id="138" name="displacy.render(doc_loc, style=&quot;ent&quot;, jupyter=True)"/>
+          <p:cNvSpPr txBox="1"/>
+          <p:nvPr/>
+        </p:nvSpPr>
+        <p:spPr>
+          <a:xfrm>
+            <a:off x="-4953" y="6311900"/>
+            <a:ext cx="5670460" cy="3155971"/>
+          </a:xfrm>
+          <a:prstGeom prst="rect">
+            <a:avLst/>
+          </a:prstGeom>
+          <a:ln w="12700">
+            <a:miter lim="400000"/>
+          </a:ln>
+          <a:extLst>
+            <a:ext uri="{C572A759-6A51-4108-AA02-DFA0A04FC94B}">
+              <ma14:wrappingTextBoxFlag xmlns:ma14="http://schemas.microsoft.com/office/mac/drawingml/2011/main" val="1"/>
+            </a:ext>
+          </a:extLst>
+        </p:spPr>
+        <p:txBody>
+          <a:bodyPr wrap="none" lIns="45718" tIns="45718" rIns="45718" bIns="45718">
+            <a:spAutoFit/>
+          </a:bodyPr>
+          <a:lstStyle/>
+          <a:p>
+            <a:pPr defTabSz="457200">
+              <a:lnSpc>
+                <a:spcPts val="3500"/>
+              </a:lnSpc>
+              <a:defRPr sz="1400">
+                <a:latin typeface="Menlo"/>
+                <a:ea typeface="Menlo"/>
+                <a:cs typeface="Menlo"/>
+                <a:sym typeface="Menlo"/>
+              </a:defRPr>
+            </a:pPr>
+            <a:r>
+              <a:t>displacy.render(doc_loc, style=</a:t>
+            </a:r>
+            <a:r>
+              <a:rPr>
+                <a:solidFill>
+                  <a:srgbClr val="A31515"/>
+                </a:solidFill>
+              </a:rPr>
+              <a:t>"ent"</a:t>
+            </a:r>
+            <a:r>
+              <a:t>, jupyter=</a:t>
+            </a:r>
+            <a:r>
+              <a:rPr>
+                <a:solidFill>
+                  <a:srgbClr val="0000FF"/>
+                </a:solidFill>
+              </a:rPr>
+              <a:t>True</a:t>
+            </a:r>
+            <a:r>
+              <a:t>)</a:t>
+            </a:r>
+          </a:p>
+          <a:p>
+            <a:pPr defTabSz="457200">
+              <a:lnSpc>
+                <a:spcPts val="3500"/>
+              </a:lnSpc>
+              <a:defRPr sz="1400">
+                <a:solidFill>
+                  <a:srgbClr val="008000"/>
+                </a:solidFill>
+                <a:latin typeface="Menlo"/>
+                <a:ea typeface="Menlo"/>
+                <a:cs typeface="Menlo"/>
+                <a:sym typeface="Menlo"/>
+              </a:defRPr>
+            </a:pPr>
+          </a:p>
+          <a:p>
+            <a:pPr defTabSz="457200">
+              <a:lnSpc>
+                <a:spcPts val="3500"/>
+              </a:lnSpc>
+              <a:defRPr sz="1400">
+                <a:solidFill>
+                  <a:srgbClr val="008000"/>
+                </a:solidFill>
+                <a:latin typeface="Menlo"/>
+                <a:ea typeface="Menlo"/>
+                <a:cs typeface="Menlo"/>
+                <a:sym typeface="Menlo"/>
+              </a:defRPr>
+            </a:pPr>
+          </a:p>
+          <a:p>
+            <a:pPr defTabSz="457200">
+              <a:lnSpc>
+                <a:spcPts val="3500"/>
+              </a:lnSpc>
+              <a:defRPr sz="1400">
+                <a:solidFill>
+                  <a:srgbClr val="008000"/>
+                </a:solidFill>
+                <a:latin typeface="Menlo"/>
+                <a:ea typeface="Menlo"/>
+                <a:cs typeface="Menlo"/>
+                <a:sym typeface="Menlo"/>
+              </a:defRPr>
+            </a:pPr>
+          </a:p>
+          <a:p>
+            <a:pPr defTabSz="457200">
+              <a:lnSpc>
+                <a:spcPts val="3500"/>
+              </a:lnSpc>
+              <a:defRPr sz="1400">
+                <a:latin typeface="Menlo"/>
+                <a:ea typeface="Menlo"/>
+                <a:cs typeface="Menlo"/>
+                <a:sym typeface="Menlo"/>
+              </a:defRPr>
+            </a:pPr>
+          </a:p>
+          <a:p>
+            <a:pPr defTabSz="457200">
+              <a:lnSpc>
+                <a:spcPts val="3500"/>
+              </a:lnSpc>
+              <a:defRPr sz="1400">
+                <a:latin typeface="Menlo"/>
+                <a:ea typeface="Menlo"/>
+                <a:cs typeface="Menlo"/>
+                <a:sym typeface="Menlo"/>
+              </a:defRPr>
+            </a:pPr>
+          </a:p>
+        </p:txBody>
+      </p:sp>
+      <p:pic>
+        <p:nvPicPr>
+          <p:cNvPr id="139" name="Bildschirmfoto 2020-10-08 um 22.38.22.png" descr="Bildschirmfoto 2020-10-08 um 22.38.22.png"/>
+          <p:cNvPicPr>
+            <a:picLocks noChangeAspect="1"/>
+          </p:cNvPicPr>
+          <p:nvPr/>
+        </p:nvPicPr>
+        <p:blipFill>
+          <a:blip r:embed="rId2">
+            <a:extLst/>
+          </a:blip>
+          <a:stretch>
+            <a:fillRect/>
+          </a:stretch>
+        </p:blipFill>
+        <p:spPr>
+          <a:xfrm>
+            <a:off x="5984631" y="609600"/>
+            <a:ext cx="6197603" cy="5638800"/>
+          </a:xfrm>
+          <a:prstGeom prst="rect">
+            <a:avLst/>
+          </a:prstGeom>
+          <a:ln w="12700">
+            <a:miter lim="400000"/>
+          </a:ln>
+        </p:spPr>
+      </p:pic>
+      <p:pic>
+        <p:nvPicPr>
+          <p:cNvPr id="140" name="Bildschirmfoto 2020-10-08 um 22.40.22.png" descr="Bildschirmfoto 2020-10-08 um 22.40.22.png"/>
+          <p:cNvPicPr>
+            <a:picLocks noChangeAspect="1"/>
+          </p:cNvPicPr>
+          <p:nvPr/>
+        </p:nvPicPr>
+        <p:blipFill>
+          <a:blip r:embed="rId3">
+            <a:extLst/>
+          </a:blip>
+          <a:srcRect l="0" t="6577" r="0" b="8666"/>
+          <a:stretch>
+            <a:fillRect/>
+          </a:stretch>
+        </p:blipFill>
+        <p:spPr>
+          <a:xfrm>
+            <a:off x="8329382" y="5953"/>
+            <a:ext cx="3879493" cy="6845904"/>
+          </a:xfrm>
+          <a:prstGeom prst="rect">
+            <a:avLst/>
+          </a:prstGeom>
+          <a:ln w="12700">
+            <a:miter lim="400000"/>
+          </a:ln>
+        </p:spPr>
+      </p:pic>
+      <p:pic>
+        <p:nvPicPr>
+          <p:cNvPr id="141" name="Bildschirmfoto 2020-10-08 um 22.56.04.png" descr="Bildschirmfoto 2020-10-08 um 22.56.04.png"/>
+          <p:cNvPicPr>
+            <a:picLocks noChangeAspect="1"/>
+          </p:cNvPicPr>
+          <p:nvPr/>
+        </p:nvPicPr>
+        <p:blipFill>
+          <a:blip r:embed="rId4">
+            <a:extLst/>
+          </a:blip>
+          <a:stretch>
+            <a:fillRect/>
+          </a:stretch>
+        </p:blipFill>
+        <p:spPr>
+          <a:xfrm>
+            <a:off x="704332" y="1517650"/>
+            <a:ext cx="3810003" cy="3822702"/>
+          </a:xfrm>
+          <a:prstGeom prst="rect">
+            <a:avLst/>
+          </a:prstGeom>
+          <a:ln w="12700">
+            <a:miter lim="400000"/>
+          </a:ln>
+        </p:spPr>
+      </p:pic>
+    </p:spTree>
+  </p:cSld>
+  <p:clrMapOvr>
+    <a:masterClrMapping/>
+  </p:clrMapOvr>
+  <p:transition xmlns:p14="http://schemas.microsoft.com/office/powerpoint/2010/main" spd="med" advClick="1"/>
+</p:sld>
+</file>
+
+<file path=ppt/slides/slide13.xml><?xml version="1.0" encoding="utf-8"?>
+<p:sld xmlns:a="http://schemas.openxmlformats.org/drawingml/2006/main" xmlns:r="http://schemas.openxmlformats.org/officeDocument/2006/relationships" xmlns:p="http://schemas.openxmlformats.org/presentationml/2006/main" xmlns:m="http://schemas.openxmlformats.org/officeDocument/2006/math" xmlns:a14="http://schemas.microsoft.com/office/drawing/2010/main" showMasterSp="1" showMasterPhAnim="1">
+  <p:cSld>
+    <p:spTree>
+      <p:nvGrpSpPr>
+        <p:cNvPr id="1" name=""/>
+        <p:cNvGrpSpPr/>
+        <p:nvPr/>
+      </p:nvGrpSpPr>
+      <p:grpSpPr>
+        <a:xfrm>
+          <a:off x="0" y="0"/>
+          <a:ext cx="0" cy="0"/>
+          <a:chOff x="0" y="0"/>
+          <a:chExt cx="0" cy="0"/>
+        </a:xfrm>
+      </p:grpSpPr>
+      <p:sp>
+        <p:nvSpPr>
+          <p:cNvPr id="143" name="Titel 1"/>
+          <p:cNvSpPr txBox="1"/>
+          <p:nvPr>
+            <p:ph type="title"/>
+          </p:nvPr>
+        </p:nvSpPr>
+        <p:spPr>
+          <a:xfrm>
+            <a:off x="838200" y="365125"/>
+            <a:ext cx="10515600" cy="1325563"/>
+          </a:xfrm>
+          <a:prstGeom prst="rect">
+            <a:avLst/>
+          </a:prstGeom>
+        </p:spPr>
+        <p:txBody>
+          <a:bodyPr/>
+          <a:lstStyle/>
+          <a:p>
+            <a:pPr/>
+            <a:r>
+              <a:t>Finde in Stadtliste</a:t>
+            </a:r>
+          </a:p>
+        </p:txBody>
+      </p:sp>
+      <p:sp>
+        <p:nvSpPr>
+          <p:cNvPr id="144" name="https://www.mithrilandmages.com/utilities/CityBrowse.php"/>
+          <p:cNvSpPr txBox="1"/>
+          <p:nvPr/>
+        </p:nvSpPr>
+        <p:spPr>
+          <a:xfrm>
+            <a:off x="845526" y="1469370"/>
+            <a:ext cx="6362845" cy="358139"/>
+          </a:xfrm>
+          <a:prstGeom prst="rect">
+            <a:avLst/>
+          </a:prstGeom>
+          <a:ln w="12700">
+            <a:miter lim="400000"/>
+          </a:ln>
+          <a:extLst>
+            <a:ext uri="{C572A759-6A51-4108-AA02-DFA0A04FC94B}">
+              <ma14:wrappingTextBoxFlag xmlns:ma14="http://schemas.microsoft.com/office/mac/drawingml/2011/main" val="1"/>
+            </a:ext>
+          </a:extLst>
+        </p:spPr>
+        <p:txBody>
+          <a:bodyPr wrap="none" lIns="45718" tIns="45718" rIns="45718" bIns="45718">
+            <a:spAutoFit/>
+          </a:bodyPr>
+          <a:lstStyle/>
+          <a:p>
+            <a:pPr/>
+            <a:r>
+              <a:t>https://www.mithrilandmages.com/utilities/CityBrowse.php</a:t>
+            </a:r>
+          </a:p>
+        </p:txBody>
+      </p:sp>
+      <p:sp>
+        <p:nvSpPr>
+          <p:cNvPr id="145" name="if string is in cities_list: location_list.append()"/>
+          <p:cNvSpPr txBox="1"/>
+          <p:nvPr/>
+        </p:nvSpPr>
+        <p:spPr>
+          <a:xfrm>
+            <a:off x="22243" y="6300487"/>
+            <a:ext cx="5563416" cy="488971"/>
+          </a:xfrm>
+          <a:prstGeom prst="rect">
+            <a:avLst/>
+          </a:prstGeom>
+          <a:ln w="12700">
+            <a:miter lim="400000"/>
+          </a:ln>
+          <a:extLst>
+            <a:ext uri="{C572A759-6A51-4108-AA02-DFA0A04FC94B}">
+              <ma14:wrappingTextBoxFlag xmlns:ma14="http://schemas.microsoft.com/office/mac/drawingml/2011/main" val="1"/>
+            </a:ext>
+          </a:extLst>
+        </p:spPr>
+        <p:txBody>
+          <a:bodyPr wrap="none" lIns="45718" tIns="45718" rIns="45718" bIns="45718">
+            <a:spAutoFit/>
+          </a:bodyPr>
+          <a:lstStyle/>
+          <a:p>
+            <a:pPr defTabSz="457200">
+              <a:lnSpc>
+                <a:spcPts val="3500"/>
+              </a:lnSpc>
+              <a:defRPr sz="1400">
                 <a:solidFill>
                   <a:srgbClr val="AF00DB"/>
                 </a:solidFill>
+                <a:latin typeface="Menlo"/>
+                <a:ea typeface="Menlo"/>
+                <a:cs typeface="Menlo"/>
+                <a:sym typeface="Menlo"/>
+              </a:defRPr>
+            </a:pPr>
+            <a:r>
+              <a:t>if</a:t>
+            </a:r>
+            <a:r>
+              <a:rPr>
+                <a:solidFill>
+                  <a:srgbClr val="000000"/>
+                </a:solidFill>
               </a:rPr>
-              <a:t>if</a:t>
-            </a:r>
-            <a:r>
               <a:t> string </a:t>
             </a:r>
             <a:r>
@@ -3410,6 +3697,11 @@
               <a:t>is</a:t>
             </a:r>
             <a:r>
+              <a:rPr>
+                <a:solidFill>
+                  <a:srgbClr val="000000"/>
+                </a:solidFill>
+              </a:rPr>
               <a:t> </a:t>
             </a:r>
             <a:r>
@@ -3421,6 +3713,11 @@
               <a:t>in</a:t>
             </a:r>
             <a:r>
+              <a:rPr>
+                <a:solidFill>
+                  <a:srgbClr val="000000"/>
+                </a:solidFill>
+              </a:rPr>
               <a:t> cities_list: location_list.append()</a:t>
             </a:r>
           </a:p>
@@ -3428,14 +3725,16 @@
       </p:sp>
       <p:pic>
         <p:nvPicPr>
-          <p:cNvPr id="143" name="Bildschirmfoto 2020-10-08 um 23.14.34.png" descr="Bildschirmfoto 2020-10-08 um 23.14.34.png"/>
+          <p:cNvPr id="146" name="Bildschirmfoto 2020-10-08 um 23.14.34.png" descr="Bildschirmfoto 2020-10-08 um 23.14.34.png"/>
           <p:cNvPicPr>
             <a:picLocks noChangeAspect="1"/>
           </p:cNvPicPr>
           <p:nvPr/>
         </p:nvPicPr>
         <p:blipFill>
-          <a:blip r:embed="rId2"/>
+          <a:blip r:embed="rId2">
+            <a:extLst/>
+          </a:blip>
           <a:stretch>
             <a:fillRect/>
           </a:stretch>
@@ -3443,7 +3742,7 @@
         <p:spPr>
           <a:xfrm>
             <a:off x="8453314" y="46345"/>
-            <a:ext cx="2469412" cy="6765310"/>
+            <a:ext cx="2469413" cy="6765311"/>
           </a:xfrm>
           <a:prstGeom prst="rect">
             <a:avLst/>
@@ -3455,35 +3754,23 @@
       </p:pic>
       <p:graphicFrame>
         <p:nvGraphicFramePr>
-          <p:cNvPr id="144" name="Tabelle"/>
+          <p:cNvPr id="147" name="Tabelle"/>
           <p:cNvGraphicFramePr/>
           <p:nvPr/>
         </p:nvGraphicFramePr>
         <p:xfrm>
           <a:off x="903393" y="2240265"/>
-          <a:ext cx="5231518" cy="3510645"/>
+          <a:ext cx="5231518" cy="3510646"/>
         </p:xfrm>
-        <a:graphic>
+        <a:graphic xmlns:a="http://schemas.openxmlformats.org/drawingml/2006/main">
           <a:graphicData uri="http://schemas.openxmlformats.org/drawingml/2006/table">
             <a:tbl>
-              <a:tblPr firstRow="1" firstCol="1" bandRow="1">
+              <a:tblPr firstCol="1" firstRow="1" lastCol="0" lastRow="0" bandCol="0" bandRow="1" rtl="0">
                 <a:tableStyleId>{4C3C2611-4C71-4FC5-86AE-919BDF0F9419}</a:tableStyleId>
               </a:tblPr>
               <a:tblGrid>
-                <a:gridCol w="4459309">
-                  <a:extLst>
-                    <a:ext uri="{9D8B030D-6E8A-4147-A177-3AD203B41FA5}">
-                      <a16:colId xmlns:a16="http://schemas.microsoft.com/office/drawing/2014/main" val="20000"/>
-                    </a:ext>
-                  </a:extLst>
-                </a:gridCol>
-                <a:gridCol w="772209">
-                  <a:extLst>
-                    <a:ext uri="{9D8B030D-6E8A-4147-A177-3AD203B41FA5}">
-                      <a16:colId xmlns:a16="http://schemas.microsoft.com/office/drawing/2014/main" val="20001"/>
-                    </a:ext>
-                  </a:extLst>
-                </a:gridCol>
+                <a:gridCol w="4459309"/>
+                <a:gridCol w="772209"/>
               </a:tblGrid>
               <a:tr h="702129">
                 <a:tc>
@@ -3495,7 +3782,7 @@
                         <a:lnSpc>
                           <a:spcPct val="90000"/>
                         </a:lnSpc>
-                        <a:defRPr sz="1800" b="0">
+                        <a:defRPr b="0" sz="1800">
                           <a:solidFill>
                             <a:srgbClr val="000000"/>
                           </a:solidFill>
@@ -3511,7 +3798,7 @@
                       </a:r>
                     </a:p>
                   </a:txBody>
-                  <a:tcPr marL="0" marR="0" marT="0" marB="0" horzOverflow="overflow"/>
+                  <a:tcPr marL="0" marR="0" marT="0" marB="0" anchor="t" anchorCtr="0" horzOverflow="overflow"/>
                 </a:tc>
                 <a:tc>
                   <a:txBody>
@@ -3521,16 +3808,10 @@
                       <a:pPr algn="l">
                         <a:defRPr sz="1800"/>
                       </a:pPr>
-                      <a:endParaRPr/>
                     </a:p>
                   </a:txBody>
-                  <a:tcPr marL="0" marR="0" marT="0" marB="0" horzOverflow="overflow"/>
+                  <a:tcPr marL="0" marR="0" marT="0" marB="0" anchor="t" anchorCtr="0" horzOverflow="overflow"/>
                 </a:tc>
-                <a:extLst>
-                  <a:ext uri="{0D108BD9-81ED-4DB2-BD59-A6C34878D82A}">
-                    <a16:rowId xmlns:a16="http://schemas.microsoft.com/office/drawing/2014/main" val="10000"/>
-                  </a:ext>
-                </a:extLst>
               </a:tr>
               <a:tr h="702129">
                 <a:tc>
@@ -3541,10 +3822,9 @@
                       <a:pPr algn="l">
                         <a:defRPr sz="1800"/>
                       </a:pPr>
-                      <a:endParaRPr/>
                     </a:p>
                   </a:txBody>
-                  <a:tcPr marL="0" marR="0" marT="0" marB="0" horzOverflow="overflow"/>
+                  <a:tcPr marL="0" marR="0" marT="0" marB="0" anchor="t" anchorCtr="0" horzOverflow="overflow"/>
                 </a:tc>
                 <a:tc>
                   <a:txBody>
@@ -3554,16 +3834,10 @@
                       <a:pPr algn="l">
                         <a:defRPr sz="1800"/>
                       </a:pPr>
-                      <a:endParaRPr/>
                     </a:p>
                   </a:txBody>
-                  <a:tcPr marL="0" marR="0" marT="0" marB="0" horzOverflow="overflow"/>
+                  <a:tcPr marL="0" marR="0" marT="0" marB="0" anchor="t" anchorCtr="0" horzOverflow="overflow"/>
                 </a:tc>
-                <a:extLst>
-                  <a:ext uri="{0D108BD9-81ED-4DB2-BD59-A6C34878D82A}">
-                    <a16:rowId xmlns:a16="http://schemas.microsoft.com/office/drawing/2014/main" val="10001"/>
-                  </a:ext>
-                </a:extLst>
               </a:tr>
               <a:tr h="702129">
                 <a:tc>
@@ -3574,10 +3848,9 @@
                       <a:pPr algn="l">
                         <a:defRPr sz="1800"/>
                       </a:pPr>
-                      <a:endParaRPr/>
                     </a:p>
                   </a:txBody>
-                  <a:tcPr marL="0" marR="0" marT="0" marB="0" horzOverflow="overflow"/>
+                  <a:tcPr marL="0" marR="0" marT="0" marB="0" anchor="t" anchorCtr="0" horzOverflow="overflow"/>
                 </a:tc>
                 <a:tc>
                   <a:txBody>
@@ -3587,16 +3860,10 @@
                       <a:pPr algn="l">
                         <a:defRPr sz="1800"/>
                       </a:pPr>
-                      <a:endParaRPr/>
                     </a:p>
                   </a:txBody>
-                  <a:tcPr marL="0" marR="0" marT="0" marB="0" horzOverflow="overflow"/>
+                  <a:tcPr marL="0" marR="0" marT="0" marB="0" anchor="t" anchorCtr="0" horzOverflow="overflow"/>
                 </a:tc>
-                <a:extLst>
-                  <a:ext uri="{0D108BD9-81ED-4DB2-BD59-A6C34878D82A}">
-                    <a16:rowId xmlns:a16="http://schemas.microsoft.com/office/drawing/2014/main" val="10002"/>
-                  </a:ext>
-                </a:extLst>
               </a:tr>
               <a:tr h="702129">
                 <a:tc>
@@ -3607,10 +3874,9 @@
                       <a:pPr algn="l">
                         <a:defRPr sz="1800"/>
                       </a:pPr>
-                      <a:endParaRPr/>
                     </a:p>
                   </a:txBody>
-                  <a:tcPr marL="0" marR="0" marT="0" marB="0" horzOverflow="overflow"/>
+                  <a:tcPr marL="0" marR="0" marT="0" marB="0" anchor="t" anchorCtr="0" horzOverflow="overflow"/>
                 </a:tc>
                 <a:tc>
                   <a:txBody>
@@ -3620,16 +3886,10 @@
                       <a:pPr algn="l">
                         <a:defRPr sz="1800"/>
                       </a:pPr>
-                      <a:endParaRPr/>
                     </a:p>
                   </a:txBody>
-                  <a:tcPr marL="0" marR="0" marT="0" marB="0" horzOverflow="overflow"/>
+                  <a:tcPr marL="0" marR="0" marT="0" marB="0" anchor="t" anchorCtr="0" horzOverflow="overflow"/>
                 </a:tc>
-                <a:extLst>
-                  <a:ext uri="{0D108BD9-81ED-4DB2-BD59-A6C34878D82A}">
-                    <a16:rowId xmlns:a16="http://schemas.microsoft.com/office/drawing/2014/main" val="10003"/>
-                  </a:ext>
-                </a:extLst>
               </a:tr>
               <a:tr h="702129">
                 <a:tc>
@@ -3640,10 +3900,9 @@
                       <a:pPr algn="l">
                         <a:defRPr sz="1800"/>
                       </a:pPr>
-                      <a:endParaRPr/>
                     </a:p>
                   </a:txBody>
-                  <a:tcPr marL="0" marR="0" marT="0" marB="0" horzOverflow="overflow"/>
+                  <a:tcPr marL="0" marR="0" marT="0" marB="0" anchor="t" anchorCtr="0" horzOverflow="overflow"/>
                 </a:tc>
                 <a:tc>
                   <a:txBody>
@@ -3653,16 +3912,10 @@
                       <a:pPr algn="l">
                         <a:defRPr sz="1800"/>
                       </a:pPr>
-                      <a:endParaRPr/>
                     </a:p>
                   </a:txBody>
-                  <a:tcPr marL="0" marR="0" marT="0" marB="0" horzOverflow="overflow"/>
+                  <a:tcPr marL="0" marR="0" marT="0" marB="0" anchor="t" anchorCtr="0" horzOverflow="overflow"/>
                 </a:tc>
-                <a:extLst>
-                  <a:ext uri="{0D108BD9-81ED-4DB2-BD59-A6C34878D82A}">
-                    <a16:rowId xmlns:a16="http://schemas.microsoft.com/office/drawing/2014/main" val="10004"/>
-                  </a:ext>
-                </a:extLst>
               </a:tr>
             </a:tbl>
           </a:graphicData>
@@ -3670,14 +3923,14 @@
       </p:graphicFrame>
       <p:sp>
         <p:nvSpPr>
-          <p:cNvPr id="145" name="Original Data:"/>
+          <p:cNvPr id="148" name="Original Data:"/>
           <p:cNvSpPr txBox="1"/>
           <p:nvPr/>
         </p:nvSpPr>
         <p:spPr>
           <a:xfrm>
-            <a:off x="2563075" y="3243580"/>
-            <a:ext cx="1597904" cy="307341"/>
+            <a:off x="2563074" y="3243579"/>
+            <a:ext cx="1597903" cy="460315"/>
           </a:xfrm>
           <a:prstGeom prst="rect">
             <a:avLst/>
@@ -3687,12 +3940,12 @@
           </a:ln>
           <a:extLst>
             <a:ext uri="{C572A759-6A51-4108-AA02-DFA0A04FC94B}">
-              <ma14:wrappingTextBoxFlag xmlns="" xmlns:m="http://schemas.openxmlformats.org/officeDocument/2006/math" xmlns:a14="http://schemas.microsoft.com/office/drawing/2010/main" xmlns:ma14="http://schemas.microsoft.com/office/mac/drawingml/2011/main" val="1"/>
+              <ma14:wrappingTextBoxFlag xmlns:ma14="http://schemas.microsoft.com/office/mac/drawingml/2011/main" val="1"/>
             </a:ext>
           </a:extLst>
         </p:spPr>
         <p:txBody>
-          <a:bodyPr wrap="none" lIns="45719" rIns="45719">
+          <a:bodyPr wrap="none" lIns="45718" tIns="45718" rIns="45718" bIns="45718">
             <a:spAutoFit/>
           </a:bodyPr>
           <a:lstStyle>
@@ -3712,6 +3965,7 @@
             </a:lvl1pPr>
           </a:lstStyle>
           <a:p>
+            <a:pPr/>
             <a:r>
               <a:t>Original Data:</a:t>
             </a:r>
@@ -3720,14 +3974,14 @@
       </p:sp>
       <p:sp>
         <p:nvSpPr>
-          <p:cNvPr id="146" name="5080"/>
+          <p:cNvPr id="149" name="5080"/>
           <p:cNvSpPr txBox="1"/>
           <p:nvPr/>
         </p:nvSpPr>
         <p:spPr>
           <a:xfrm>
-            <a:off x="5503977" y="3243580"/>
-            <a:ext cx="530930" cy="307341"/>
+            <a:off x="5503976" y="3243579"/>
+            <a:ext cx="530929" cy="460315"/>
           </a:xfrm>
           <a:prstGeom prst="rect">
             <a:avLst/>
@@ -3737,12 +3991,12 @@
           </a:ln>
           <a:extLst>
             <a:ext uri="{C572A759-6A51-4108-AA02-DFA0A04FC94B}">
-              <ma14:wrappingTextBoxFlag xmlns="" xmlns:m="http://schemas.openxmlformats.org/officeDocument/2006/math" xmlns:a14="http://schemas.microsoft.com/office/drawing/2010/main" xmlns:ma14="http://schemas.microsoft.com/office/mac/drawingml/2011/main" val="1"/>
+              <ma14:wrappingTextBoxFlag xmlns:ma14="http://schemas.microsoft.com/office/mac/drawingml/2011/main" val="1"/>
             </a:ext>
           </a:extLst>
         </p:spPr>
         <p:txBody>
-          <a:bodyPr wrap="none" lIns="45719" rIns="45719">
+          <a:bodyPr wrap="none" lIns="45718" tIns="45718" rIns="45718" bIns="45718">
             <a:spAutoFit/>
           </a:bodyPr>
           <a:lstStyle>
@@ -3762,6 +4016,7 @@
             </a:lvl1pPr>
           </a:lstStyle>
           <a:p>
+            <a:pPr/>
             <a:r>
               <a:t>5080</a:t>
             </a:r>
@@ -3770,14 +4025,14 @@
       </p:sp>
       <p:sp>
         <p:nvSpPr>
-          <p:cNvPr id="147" name="Number of locations with True Alert (1)"/>
+          <p:cNvPr id="150" name="Number of locations with True Alert (1)"/>
           <p:cNvSpPr txBox="1"/>
           <p:nvPr/>
         </p:nvSpPr>
         <p:spPr>
           <a:xfrm>
-            <a:off x="1063026" y="3917305"/>
-            <a:ext cx="4265338" cy="307341"/>
+            <a:off x="1063025" y="3917305"/>
+            <a:ext cx="4265337" cy="460314"/>
           </a:xfrm>
           <a:prstGeom prst="rect">
             <a:avLst/>
@@ -3787,12 +4042,12 @@
           </a:ln>
           <a:extLst>
             <a:ext uri="{C572A759-6A51-4108-AA02-DFA0A04FC94B}">
-              <ma14:wrappingTextBoxFlag xmlns="" xmlns:m="http://schemas.openxmlformats.org/officeDocument/2006/math" xmlns:a14="http://schemas.microsoft.com/office/drawing/2010/main" xmlns:ma14="http://schemas.microsoft.com/office/mac/drawingml/2011/main" val="1"/>
+              <ma14:wrappingTextBoxFlag xmlns:ma14="http://schemas.microsoft.com/office/mac/drawingml/2011/main" val="1"/>
             </a:ext>
           </a:extLst>
         </p:spPr>
         <p:txBody>
-          <a:bodyPr wrap="none" lIns="45719" rIns="45719">
+          <a:bodyPr wrap="none" lIns="45718" tIns="45718" rIns="45718" bIns="45718">
             <a:spAutoFit/>
           </a:bodyPr>
           <a:lstStyle>
@@ -3812,6 +4067,7 @@
             </a:lvl1pPr>
           </a:lstStyle>
           <a:p>
+            <a:pPr/>
             <a:r>
               <a:t>Number of locations with True Alert (1)</a:t>
             </a:r>
@@ -3820,14 +4076,14 @@
       </p:sp>
       <p:sp>
         <p:nvSpPr>
-          <p:cNvPr id="148" name="Number of locations with False Alert (0)"/>
+          <p:cNvPr id="151" name="Number of locations with False Alert (0)"/>
           <p:cNvSpPr txBox="1"/>
           <p:nvPr/>
         </p:nvSpPr>
         <p:spPr>
           <a:xfrm>
-            <a:off x="880308" y="4589779"/>
-            <a:ext cx="4372035" cy="307341"/>
+            <a:off x="880307" y="4589779"/>
+            <a:ext cx="4372034" cy="460314"/>
           </a:xfrm>
           <a:prstGeom prst="rect">
             <a:avLst/>
@@ -3837,12 +4093,12 @@
           </a:ln>
           <a:extLst>
             <a:ext uri="{C572A759-6A51-4108-AA02-DFA0A04FC94B}">
-              <ma14:wrappingTextBoxFlag xmlns="" xmlns:m="http://schemas.openxmlformats.org/officeDocument/2006/math" xmlns:a14="http://schemas.microsoft.com/office/drawing/2010/main" xmlns:ma14="http://schemas.microsoft.com/office/mac/drawingml/2011/main" val="1"/>
+              <ma14:wrappingTextBoxFlag xmlns:ma14="http://schemas.microsoft.com/office/mac/drawingml/2011/main" val="1"/>
             </a:ext>
           </a:extLst>
         </p:spPr>
         <p:txBody>
-          <a:bodyPr wrap="none" lIns="45719" rIns="45719">
+          <a:bodyPr wrap="none" lIns="45718" tIns="45718" rIns="45718" bIns="45718">
             <a:spAutoFit/>
           </a:bodyPr>
           <a:lstStyle>
@@ -3862,6 +4118,7 @@
             </a:lvl1pPr>
           </a:lstStyle>
           <a:p>
+            <a:pPr/>
             <a:r>
               <a:t>Number of locations with False Alert (0)</a:t>
             </a:r>
@@ -3870,14 +4127,14 @@
       </p:sp>
       <p:sp>
         <p:nvSpPr>
-          <p:cNvPr id="149" name="1328"/>
+          <p:cNvPr id="152" name="1328"/>
           <p:cNvSpPr txBox="1"/>
           <p:nvPr/>
         </p:nvSpPr>
         <p:spPr>
           <a:xfrm>
-            <a:off x="5503977" y="3841917"/>
-            <a:ext cx="530930" cy="307341"/>
+            <a:off x="5503976" y="3841917"/>
+            <a:ext cx="530929" cy="460314"/>
           </a:xfrm>
           <a:prstGeom prst="rect">
             <a:avLst/>
@@ -3887,12 +4144,12 @@
           </a:ln>
           <a:extLst>
             <a:ext uri="{C572A759-6A51-4108-AA02-DFA0A04FC94B}">
-              <ma14:wrappingTextBoxFlag xmlns="" xmlns:m="http://schemas.openxmlformats.org/officeDocument/2006/math" xmlns:a14="http://schemas.microsoft.com/office/drawing/2010/main" xmlns:ma14="http://schemas.microsoft.com/office/mac/drawingml/2011/main" val="1"/>
+              <ma14:wrappingTextBoxFlag xmlns:ma14="http://schemas.microsoft.com/office/mac/drawingml/2011/main" val="1"/>
             </a:ext>
           </a:extLst>
         </p:spPr>
         <p:txBody>
-          <a:bodyPr wrap="none" lIns="45719" rIns="45719">
+          <a:bodyPr wrap="none" lIns="45718" tIns="45718" rIns="45718" bIns="45718">
             <a:spAutoFit/>
           </a:bodyPr>
           <a:lstStyle>
@@ -3912,6 +4169,7 @@
             </a:lvl1pPr>
           </a:lstStyle>
           <a:p>
+            <a:pPr/>
             <a:r>
               <a:t>1328</a:t>
             </a:r>
@@ -3920,14 +4178,14 @@
       </p:sp>
       <p:sp>
         <p:nvSpPr>
-          <p:cNvPr id="150" name="2895"/>
+          <p:cNvPr id="153" name="2895"/>
           <p:cNvSpPr txBox="1"/>
           <p:nvPr/>
         </p:nvSpPr>
         <p:spPr>
           <a:xfrm>
-            <a:off x="5503977" y="5337641"/>
-            <a:ext cx="530930" cy="307341"/>
+            <a:off x="5503976" y="5337640"/>
+            <a:ext cx="530929" cy="460315"/>
           </a:xfrm>
           <a:prstGeom prst="rect">
             <a:avLst/>
@@ -3937,12 +4195,12 @@
           </a:ln>
           <a:extLst>
             <a:ext uri="{C572A759-6A51-4108-AA02-DFA0A04FC94B}">
-              <ma14:wrappingTextBoxFlag xmlns="" xmlns:m="http://schemas.openxmlformats.org/officeDocument/2006/math" xmlns:a14="http://schemas.microsoft.com/office/drawing/2010/main" xmlns:ma14="http://schemas.microsoft.com/office/mac/drawingml/2011/main" val="1"/>
+              <ma14:wrappingTextBoxFlag xmlns:ma14="http://schemas.microsoft.com/office/mac/drawingml/2011/main" val="1"/>
             </a:ext>
           </a:extLst>
         </p:spPr>
         <p:txBody>
-          <a:bodyPr wrap="none" lIns="45719" rIns="45719">
+          <a:bodyPr wrap="none" lIns="45718" tIns="45718" rIns="45718" bIns="45718">
             <a:spAutoFit/>
           </a:bodyPr>
           <a:lstStyle>
@@ -3962,6 +4220,7 @@
             </a:lvl1pPr>
           </a:lstStyle>
           <a:p>
+            <a:pPr/>
             <a:r>
               <a:t>2895</a:t>
             </a:r>
@@ -3970,14 +4229,14 @@
       </p:sp>
       <p:sp>
         <p:nvSpPr>
-          <p:cNvPr id="151" name="1898"/>
+          <p:cNvPr id="154" name="1898"/>
           <p:cNvSpPr txBox="1"/>
           <p:nvPr/>
         </p:nvSpPr>
         <p:spPr>
           <a:xfrm>
-            <a:off x="5503977" y="4589779"/>
-            <a:ext cx="530930" cy="307341"/>
+            <a:off x="5503976" y="4589779"/>
+            <a:ext cx="530929" cy="460314"/>
           </a:xfrm>
           <a:prstGeom prst="rect">
             <a:avLst/>
@@ -3987,12 +4246,12 @@
           </a:ln>
           <a:extLst>
             <a:ext uri="{C572A759-6A51-4108-AA02-DFA0A04FC94B}">
-              <ma14:wrappingTextBoxFlag xmlns="" xmlns:m="http://schemas.openxmlformats.org/officeDocument/2006/math" xmlns:a14="http://schemas.microsoft.com/office/drawing/2010/main" xmlns:ma14="http://schemas.microsoft.com/office/mac/drawingml/2011/main" val="1"/>
+              <ma14:wrappingTextBoxFlag xmlns:ma14="http://schemas.microsoft.com/office/mac/drawingml/2011/main" val="1"/>
             </a:ext>
           </a:extLst>
         </p:spPr>
         <p:txBody>
-          <a:bodyPr wrap="none" lIns="45719" rIns="45719">
+          <a:bodyPr wrap="none" lIns="45718" tIns="45718" rIns="45718" bIns="45718">
             <a:spAutoFit/>
           </a:bodyPr>
           <a:lstStyle>
@@ -4012,6 +4271,7 @@
             </a:lvl1pPr>
           </a:lstStyle>
           <a:p>
+            <a:pPr/>
             <a:r>
               <a:t>1898</a:t>
             </a:r>
@@ -4020,14 +4280,14 @@
       </p:sp>
       <p:sp>
         <p:nvSpPr>
-          <p:cNvPr id="152" name="All data with a locations"/>
+          <p:cNvPr id="155" name="All data with a locations"/>
           <p:cNvSpPr txBox="1"/>
           <p:nvPr/>
         </p:nvSpPr>
         <p:spPr>
           <a:xfrm>
-            <a:off x="1680538" y="5262253"/>
-            <a:ext cx="2771575" cy="307341"/>
+            <a:off x="1680537" y="5262252"/>
+            <a:ext cx="2771574" cy="460315"/>
           </a:xfrm>
           <a:prstGeom prst="rect">
             <a:avLst/>
@@ -4037,12 +4297,12 @@
           </a:ln>
           <a:extLst>
             <a:ext uri="{C572A759-6A51-4108-AA02-DFA0A04FC94B}">
-              <ma14:wrappingTextBoxFlag xmlns="" xmlns:m="http://schemas.openxmlformats.org/officeDocument/2006/math" xmlns:a14="http://schemas.microsoft.com/office/drawing/2010/main" xmlns:ma14="http://schemas.microsoft.com/office/mac/drawingml/2011/main" val="1"/>
+              <ma14:wrappingTextBoxFlag xmlns:ma14="http://schemas.microsoft.com/office/mac/drawingml/2011/main" val="1"/>
             </a:ext>
           </a:extLst>
         </p:spPr>
         <p:txBody>
-          <a:bodyPr wrap="none" lIns="45719" rIns="45719">
+          <a:bodyPr wrap="none" lIns="45718" tIns="45718" rIns="45718" bIns="45718">
             <a:spAutoFit/>
           </a:bodyPr>
           <a:lstStyle>
@@ -4062,6 +4322,7 @@
             </a:lvl1pPr>
           </a:lstStyle>
           <a:p>
+            <a:pPr/>
             <a:r>
               <a:t>All data with a locations</a:t>
             </a:r>
@@ -4073,12 +4334,12 @@
   <p:clrMapOvr>
     <a:masterClrMapping/>
   </p:clrMapOvr>
-  <p:transition spd="med"/>
+  <p:transition xmlns:p14="http://schemas.microsoft.com/office/powerpoint/2010/main" spd="med" advClick="1"/>
 </p:sld>
 </file>
 
-<file path=ppt/slides/slide11.xml><?xml version="1.0" encoding="utf-8"?>
-<p:sld xmlns:a="http://schemas.openxmlformats.org/drawingml/2006/main" xmlns:r="http://schemas.openxmlformats.org/officeDocument/2006/relationships" xmlns:p="http://schemas.openxmlformats.org/presentationml/2006/main">
+<file path=ppt/slides/slide14.xml><?xml version="1.0" encoding="utf-8"?>
+<p:sld xmlns:a="http://schemas.openxmlformats.org/drawingml/2006/main" xmlns:r="http://schemas.openxmlformats.org/officeDocument/2006/relationships" xmlns:p="http://schemas.openxmlformats.org/presentationml/2006/main" xmlns:m="http://schemas.openxmlformats.org/officeDocument/2006/math" xmlns:a14="http://schemas.microsoft.com/office/drawing/2010/main" showMasterSp="1" showMasterPhAnim="1">
   <p:cSld>
     <p:spTree>
       <p:nvGrpSpPr>
@@ -4096,15 +4357,17 @@
       </p:grpSpPr>
       <p:sp>
         <p:nvSpPr>
-          <p:cNvPr id="154" name="Titel 1"/>
-          <p:cNvSpPr txBox="1">
-            <a:spLocks noGrp="1"/>
-          </p:cNvSpPr>
+          <p:cNvPr id="157" name="Titel 1"/>
+          <p:cNvSpPr txBox="1"/>
           <p:nvPr>
             <p:ph type="title"/>
           </p:nvPr>
         </p:nvSpPr>
         <p:spPr>
+          <a:xfrm>
+            <a:off x="838200" y="365125"/>
+            <a:ext cx="10515600" cy="1325563"/>
+          </a:xfrm>
           <a:prstGeom prst="rect">
             <a:avLst/>
           </a:prstGeom>
@@ -4113,6 +4376,7 @@
           <a:bodyPr/>
           <a:lstStyle/>
           <a:p>
+            <a:pPr/>
             <a:r>
               <a:t>Führt zu sauberen Listen - only</a:t>
             </a:r>
@@ -4121,22 +4385,24 @@
       </p:sp>
       <p:pic>
         <p:nvPicPr>
-          <p:cNvPr id="155" name="Bildschirmfoto 2020-10-08 um 23.29.31.png" descr="Bildschirmfoto 2020-10-08 um 23.29.31.png"/>
+          <p:cNvPr id="158" name="Bildschirmfoto 2020-10-08 um 23.29.31.png" descr="Bildschirmfoto 2020-10-08 um 23.29.31.png"/>
           <p:cNvPicPr>
             <a:picLocks noChangeAspect="1"/>
           </p:cNvPicPr>
           <p:nvPr/>
         </p:nvPicPr>
         <p:blipFill>
-          <a:blip r:embed="rId2"/>
+          <a:blip r:embed="rId2">
+            <a:extLst/>
+          </a:blip>
           <a:stretch>
             <a:fillRect/>
           </a:stretch>
         </p:blipFill>
         <p:spPr>
           <a:xfrm>
-            <a:off x="439253" y="1479440"/>
-            <a:ext cx="7210981" cy="5010355"/>
+            <a:off x="439252" y="1479440"/>
+            <a:ext cx="7210982" cy="5010356"/>
           </a:xfrm>
           <a:prstGeom prst="rect">
             <a:avLst/>
@@ -4148,22 +4414,24 @@
       </p:pic>
       <p:pic>
         <p:nvPicPr>
-          <p:cNvPr id="156" name="Bildschirmfoto 2020-10-08 um 23.30.49.png" descr="Bildschirmfoto 2020-10-08 um 23.30.49.png"/>
+          <p:cNvPr id="159" name="Bildschirmfoto 2020-10-08 um 23.30.49.png" descr="Bildschirmfoto 2020-10-08 um 23.30.49.png"/>
           <p:cNvPicPr>
             <a:picLocks noChangeAspect="1"/>
           </p:cNvPicPr>
           <p:nvPr/>
         </p:nvPicPr>
         <p:blipFill>
-          <a:blip r:embed="rId3"/>
+          <a:blip r:embed="rId3">
+            <a:extLst/>
+          </a:blip>
           <a:stretch>
             <a:fillRect/>
           </a:stretch>
         </p:blipFill>
         <p:spPr>
           <a:xfrm>
-            <a:off x="8026083" y="1373342"/>
-            <a:ext cx="4103432" cy="5222550"/>
+            <a:off x="8026082" y="1373342"/>
+            <a:ext cx="4103434" cy="5222550"/>
           </a:xfrm>
           <a:prstGeom prst="rect">
             <a:avLst/>
@@ -4178,12 +4446,12 @@
   <p:clrMapOvr>
     <a:masterClrMapping/>
   </p:clrMapOvr>
-  <p:transition spd="med"/>
+  <p:transition xmlns:p14="http://schemas.microsoft.com/office/powerpoint/2010/main" spd="med" advClick="1"/>
 </p:sld>
 </file>
 
-<file path=ppt/slides/slide12.xml><?xml version="1.0" encoding="utf-8"?>
-<p:sld xmlns:a="http://schemas.openxmlformats.org/drawingml/2006/main" xmlns:r="http://schemas.openxmlformats.org/officeDocument/2006/relationships" xmlns:p="http://schemas.openxmlformats.org/presentationml/2006/main">
+<file path=ppt/slides/slide15.xml><?xml version="1.0" encoding="utf-8"?>
+<p:sld xmlns:a="http://schemas.openxmlformats.org/drawingml/2006/main" xmlns:r="http://schemas.openxmlformats.org/officeDocument/2006/relationships" xmlns:p="http://schemas.openxmlformats.org/presentationml/2006/main" xmlns:m="http://schemas.openxmlformats.org/officeDocument/2006/math" xmlns:a14="http://schemas.microsoft.com/office/drawing/2010/main" showMasterSp="1" showMasterPhAnim="1">
   <p:cSld>
     <p:spTree>
       <p:nvGrpSpPr>
@@ -4201,15 +4469,17 @@
       </p:grpSpPr>
       <p:sp>
         <p:nvSpPr>
-          <p:cNvPr id="158" name="Eins - sortiert"/>
-          <p:cNvSpPr txBox="1">
-            <a:spLocks noGrp="1"/>
-          </p:cNvSpPr>
+          <p:cNvPr id="161" name="Eins - sortiert"/>
+          <p:cNvSpPr txBox="1"/>
           <p:nvPr>
             <p:ph type="title"/>
           </p:nvPr>
         </p:nvSpPr>
         <p:spPr>
+          <a:xfrm>
+            <a:off x="838200" y="365125"/>
+            <a:ext cx="10515600" cy="1325563"/>
+          </a:xfrm>
           <a:prstGeom prst="rect">
             <a:avLst/>
           </a:prstGeom>
@@ -4218,6 +4488,7 @@
           <a:bodyPr/>
           <a:lstStyle/>
           <a:p>
+            <a:pPr/>
             <a:r>
               <a:t>Eins - sortiert</a:t>
             </a:r>
@@ -4226,22 +4497,24 @@
       </p:sp>
       <p:pic>
         <p:nvPicPr>
-          <p:cNvPr id="159" name="Bildschirmfoto 2020-10-08 um 23.34.05.png" descr="Bildschirmfoto 2020-10-08 um 23.34.05.png"/>
+          <p:cNvPr id="162" name="Bildschirmfoto 2020-10-08 um 23.34.05.png" descr="Bildschirmfoto 2020-10-08 um 23.34.05.png"/>
           <p:cNvPicPr>
             <a:picLocks noChangeAspect="1"/>
           </p:cNvPicPr>
           <p:nvPr/>
         </p:nvPicPr>
         <p:blipFill>
-          <a:blip r:embed="rId2"/>
+          <a:blip r:embed="rId2">
+            <a:extLst/>
+          </a:blip>
           <a:stretch>
             <a:fillRect/>
           </a:stretch>
         </p:blipFill>
         <p:spPr>
           <a:xfrm>
-            <a:off x="7978496" y="1984119"/>
-            <a:ext cx="3274393" cy="1940965"/>
+            <a:off x="7978495" y="1984119"/>
+            <a:ext cx="3274395" cy="1940966"/>
           </a:xfrm>
           <a:prstGeom prst="rect">
             <a:avLst/>
@@ -4253,22 +4526,24 @@
       </p:pic>
       <p:pic>
         <p:nvPicPr>
-          <p:cNvPr id="160" name="Bildschirmfoto 2020-10-08 um 23.35.22.png" descr="Bildschirmfoto 2020-10-08 um 23.35.22.png"/>
+          <p:cNvPr id="163" name="Bildschirmfoto 2020-10-08 um 23.35.22.png" descr="Bildschirmfoto 2020-10-08 um 23.35.22.png"/>
           <p:cNvPicPr>
             <a:picLocks noChangeAspect="1"/>
           </p:cNvPicPr>
           <p:nvPr/>
         </p:nvPicPr>
         <p:blipFill>
-          <a:blip r:embed="rId3"/>
+          <a:blip r:embed="rId3">
+            <a:extLst/>
+          </a:blip>
           <a:stretch>
             <a:fillRect/>
           </a:stretch>
         </p:blipFill>
         <p:spPr>
           <a:xfrm>
-            <a:off x="7989545" y="4287999"/>
-            <a:ext cx="3369515" cy="1940965"/>
+            <a:off x="7989544" y="4287999"/>
+            <a:ext cx="3369516" cy="1940966"/>
           </a:xfrm>
           <a:prstGeom prst="rect">
             <a:avLst/>
@@ -4280,22 +4555,24 @@
       </p:pic>
       <p:pic>
         <p:nvPicPr>
-          <p:cNvPr id="161" name="Bildschirmfoto 2020-10-08 um 23.39.41.png" descr="Bildschirmfoto 2020-10-08 um 23.39.41.png"/>
+          <p:cNvPr id="164" name="Bildschirmfoto 2020-10-08 um 23.39.41.png" descr="Bildschirmfoto 2020-10-08 um 23.39.41.png"/>
           <p:cNvPicPr>
             <a:picLocks noChangeAspect="1"/>
           </p:cNvPicPr>
           <p:nvPr/>
         </p:nvPicPr>
         <p:blipFill>
-          <a:blip r:embed="rId4"/>
+          <a:blip r:embed="rId4">
+            <a:extLst/>
+          </a:blip>
           <a:stretch>
             <a:fillRect/>
           </a:stretch>
         </p:blipFill>
         <p:spPr>
           <a:xfrm>
-            <a:off x="637683" y="1761071"/>
-            <a:ext cx="5257281" cy="3537479"/>
+            <a:off x="637683" y="1761070"/>
+            <a:ext cx="5257282" cy="3537481"/>
           </a:xfrm>
           <a:prstGeom prst="rect">
             <a:avLst/>
@@ -4307,14 +4584,14 @@
       </p:pic>
       <p:sp>
         <p:nvSpPr>
-          <p:cNvPr id="162" name="0. No Value (79/100)…"/>
+          <p:cNvPr id="165" name="0. No Value (79/100)…"/>
           <p:cNvSpPr txBox="1"/>
           <p:nvPr/>
         </p:nvSpPr>
         <p:spPr>
           <a:xfrm>
             <a:off x="849038" y="5368933"/>
-            <a:ext cx="5167235" cy="1090890"/>
+            <a:ext cx="5167235" cy="1958339"/>
           </a:xfrm>
           <a:prstGeom prst="rect">
             <a:avLst/>
@@ -4324,14 +4601,17 @@
           </a:ln>
           <a:extLst>
             <a:ext uri="{C572A759-6A51-4108-AA02-DFA0A04FC94B}">
-              <ma14:wrappingTextBoxFlag xmlns="" xmlns:m="http://schemas.openxmlformats.org/officeDocument/2006/math" xmlns:a14="http://schemas.microsoft.com/office/drawing/2010/main" xmlns:ma14="http://schemas.microsoft.com/office/mac/drawingml/2011/main" val="1"/>
+              <ma14:wrappingTextBoxFlag xmlns:ma14="http://schemas.microsoft.com/office/mac/drawingml/2011/main" val="1"/>
             </a:ext>
           </a:extLst>
         </p:spPr>
         <p:txBody>
-          <a:bodyPr lIns="45719" rIns="45719" numCol="2" spcCol="258361"/>
+          <a:bodyPr lIns="45718" tIns="45718" rIns="45718" bIns="45718" numCol="2" spcCol="258360">
+            <a:spAutoFit/>
+          </a:bodyPr>
           <a:lstStyle/>
           <a:p>
+            <a:pPr/>
             <a:r>
               <a:t>0. No Value (79/100)</a:t>
             </a:r>
@@ -4339,7 +4619,7 @@
           <a:p>
             <a:pPr marL="240631" indent="-240631">
               <a:buSzPct val="100000"/>
-              <a:buAutoNum type="arabicPeriod"/>
+              <a:buAutoNum type="arabicPeriod" startAt="1"/>
             </a:pPr>
             <a:r>
               <a:t>USA (67/38)</a:t>
@@ -4348,7 +4628,7 @@
           <a:p>
             <a:pPr marL="240631" indent="-240631">
               <a:buSzPct val="100000"/>
-              <a:buAutoNum type="arabicPeriod"/>
+              <a:buAutoNum type="arabicPeriod" startAt="1"/>
             </a:pPr>
             <a:r>
               <a:t>Nigeria (28/8)</a:t>
@@ -4357,7 +4637,7 @@
           <a:p>
             <a:pPr marL="240631" indent="-240631">
               <a:buSzPct val="100000"/>
-              <a:buAutoNum type="arabicPeriod"/>
+              <a:buAutoNum type="arabicPeriod" startAt="1"/>
             </a:pPr>
             <a:r>
               <a:t>United States (27/23)</a:t>
@@ -4366,7 +4646,7 @@
           <a:p>
             <a:pPr marL="240631" indent="-240631">
               <a:buSzPct val="100000"/>
-              <a:buAutoNum type="arabicPeriod"/>
+              <a:buAutoNum type="arabicPeriod" startAt="1"/>
             </a:pPr>
             <a:r>
               <a:t>india (22/6)</a:t>
@@ -4375,7 +4655,7 @@
           <a:p>
             <a:pPr marL="240631" indent="-240631">
               <a:buSzPct val="100000"/>
-              <a:buAutoNum type="arabicPeriod"/>
+              <a:buAutoNum type="arabicPeriod" startAt="1"/>
             </a:pPr>
             <a:r>
               <a:t>new York (19/60)</a:t>
@@ -4385,14 +4665,14 @@
       </p:sp>
       <p:sp>
         <p:nvSpPr>
-          <p:cNvPr id="163" name="Daumen hoch"/>
+          <p:cNvPr id="166" name="Daumen hoch"/>
           <p:cNvSpPr/>
           <p:nvPr/>
         </p:nvSpPr>
         <p:spPr>
           <a:xfrm>
-            <a:off x="10127887" y="354316"/>
-            <a:ext cx="1209119" cy="1325536"/>
+            <a:off x="10127876" y="354315"/>
+            <a:ext cx="1209131" cy="1325538"/>
           </a:xfrm>
           <a:custGeom>
             <a:avLst/>
@@ -4414,7 +4694,7 @@
             </a:cxnLst>
             <a:rect l="0" t="0" r="r" b="b"/>
             <a:pathLst>
-              <a:path w="21030" h="21599" extrusionOk="0">
+              <a:path w="21030" h="21599" fill="norm" stroke="1" extrusionOk="0">
                 <a:moveTo>
                   <a:pt x="8533" y="0"/>
                 </a:moveTo>
@@ -4516,10 +4796,10 @@
           </a:ln>
         </p:spPr>
         <p:txBody>
-          <a:bodyPr lIns="45719" rIns="45719" anchor="ctr"/>
+          <a:bodyPr lIns="45718" tIns="45718" rIns="45718" bIns="45718" anchor="ctr"/>
           <a:lstStyle/>
           <a:p>
-            <a:endParaRPr/>
+            <a:pPr/>
           </a:p>
         </p:txBody>
       </p:sp>
@@ -4528,12 +4808,12 @@
   <p:clrMapOvr>
     <a:masterClrMapping/>
   </p:clrMapOvr>
-  <p:transition spd="med"/>
+  <p:transition xmlns:p14="http://schemas.microsoft.com/office/powerpoint/2010/main" spd="med" advClick="1"/>
 </p:sld>
 </file>
 
-<file path=ppt/slides/slide13.xml><?xml version="1.0" encoding="utf-8"?>
-<p:sld xmlns:a="http://schemas.openxmlformats.org/drawingml/2006/main" xmlns:r="http://schemas.openxmlformats.org/officeDocument/2006/relationships" xmlns:p="http://schemas.openxmlformats.org/presentationml/2006/main">
+<file path=ppt/slides/slide16.xml><?xml version="1.0" encoding="utf-8"?>
+<p:sld xmlns:a="http://schemas.openxmlformats.org/drawingml/2006/main" xmlns:r="http://schemas.openxmlformats.org/officeDocument/2006/relationships" xmlns:p="http://schemas.openxmlformats.org/presentationml/2006/main" xmlns:m="http://schemas.openxmlformats.org/officeDocument/2006/math" xmlns:a14="http://schemas.microsoft.com/office/drawing/2010/main" showMasterSp="1" showMasterPhAnim="1">
   <p:cSld>
     <p:spTree>
       <p:nvGrpSpPr>
@@ -4551,15 +4831,17 @@
       </p:grpSpPr>
       <p:sp>
         <p:nvSpPr>
-          <p:cNvPr id="165" name="Prediction"/>
-          <p:cNvSpPr txBox="1">
-            <a:spLocks noGrp="1"/>
-          </p:cNvSpPr>
+          <p:cNvPr id="168" name="Prediction"/>
+          <p:cNvSpPr txBox="1"/>
           <p:nvPr>
             <p:ph type="title"/>
           </p:nvPr>
         </p:nvSpPr>
         <p:spPr>
+          <a:xfrm>
+            <a:off x="838200" y="365125"/>
+            <a:ext cx="10515600" cy="1325563"/>
+          </a:xfrm>
           <a:prstGeom prst="rect">
             <a:avLst/>
           </a:prstGeom>
@@ -4568,6 +4850,7 @@
           <a:bodyPr/>
           <a:lstStyle/>
           <a:p>
+            <a:pPr/>
             <a:r>
               <a:t>Prediction</a:t>
             </a:r>
@@ -4576,14 +4859,16 @@
       </p:sp>
       <p:pic>
         <p:nvPicPr>
-          <p:cNvPr id="166" name="Bildschirmfoto 2020-10-08 um 23.57.15.png" descr="Bildschirmfoto 2020-10-08 um 23.57.15.png"/>
+          <p:cNvPr id="169" name="Bildschirmfoto 2020-10-08 um 23.57.15.png" descr="Bildschirmfoto 2020-10-08 um 23.57.15.png"/>
           <p:cNvPicPr>
             <a:picLocks noChangeAspect="1"/>
           </p:cNvPicPr>
           <p:nvPr/>
         </p:nvPicPr>
         <p:blipFill>
-          <a:blip r:embed="rId2"/>
+          <a:blip r:embed="rId2">
+            <a:extLst/>
+          </a:blip>
           <a:stretch>
             <a:fillRect/>
           </a:stretch>
@@ -4591,7 +4876,7 @@
         <p:spPr>
           <a:xfrm>
             <a:off x="624169" y="1663700"/>
-            <a:ext cx="3987801" cy="3530601"/>
+            <a:ext cx="3987802" cy="3530602"/>
           </a:xfrm>
           <a:prstGeom prst="rect">
             <a:avLst/>
@@ -4603,14 +4888,14 @@
       </p:pic>
       <p:sp>
         <p:nvSpPr>
-          <p:cNvPr id="167" name="Daumen hoch"/>
+          <p:cNvPr id="170" name="Daumen hoch"/>
           <p:cNvSpPr/>
           <p:nvPr/>
         </p:nvSpPr>
         <p:spPr>
-          <a:xfrm rot="10800000" flipH="1">
-            <a:off x="10127887" y="354316"/>
-            <a:ext cx="1209119" cy="1325536"/>
+          <a:xfrm flipH="1" rot="10800000">
+            <a:off x="10127876" y="354316"/>
+            <a:ext cx="1209131" cy="1325537"/>
           </a:xfrm>
           <a:custGeom>
             <a:avLst/>
@@ -4632,7 +4917,7 @@
             </a:cxnLst>
             <a:rect l="0" t="0" r="r" b="b"/>
             <a:pathLst>
-              <a:path w="21030" h="21599" extrusionOk="0">
+              <a:path w="21030" h="21599" fill="norm" stroke="1" extrusionOk="0">
                 <a:moveTo>
                   <a:pt x="8533" y="0"/>
                 </a:moveTo>
@@ -4734,23 +5019,23 @@
           </a:ln>
         </p:spPr>
         <p:txBody>
-          <a:bodyPr lIns="45719" rIns="45719" anchor="ctr"/>
+          <a:bodyPr lIns="45718" tIns="45718" rIns="45718" bIns="45718" anchor="ctr"/>
           <a:lstStyle/>
           <a:p>
-            <a:endParaRPr/>
+            <a:pPr/>
           </a:p>
         </p:txBody>
       </p:sp>
       <p:sp>
         <p:nvSpPr>
-          <p:cNvPr id="168" name="Cross_val_Score von 0.5898960911623681…"/>
+          <p:cNvPr id="171" name="Cross_val_Score von 0.5898960911623681…"/>
           <p:cNvSpPr txBox="1"/>
           <p:nvPr/>
         </p:nvSpPr>
         <p:spPr>
           <a:xfrm>
-            <a:off x="5009728" y="2332781"/>
-            <a:ext cx="6098640" cy="1666241"/>
+            <a:off x="5009727" y="2332781"/>
+            <a:ext cx="6205683" cy="2597171"/>
           </a:xfrm>
           <a:prstGeom prst="rect">
             <a:avLst/>
@@ -4760,12 +5045,12 @@
           </a:ln>
           <a:extLst>
             <a:ext uri="{C572A759-6A51-4108-AA02-DFA0A04FC94B}">
-              <ma14:wrappingTextBoxFlag xmlns="" xmlns:m="http://schemas.openxmlformats.org/officeDocument/2006/math" xmlns:a14="http://schemas.microsoft.com/office/drawing/2010/main" xmlns:ma14="http://schemas.microsoft.com/office/mac/drawingml/2011/main" val="1"/>
+              <ma14:wrappingTextBoxFlag xmlns:ma14="http://schemas.microsoft.com/office/mac/drawingml/2011/main" val="1"/>
             </a:ext>
           </a:extLst>
         </p:spPr>
         <p:txBody>
-          <a:bodyPr wrap="none" lIns="45719" rIns="45719">
+          <a:bodyPr wrap="none" lIns="45718" tIns="45718" rIns="45718" bIns="45718">
             <a:spAutoFit/>
           </a:bodyPr>
           <a:lstStyle/>
@@ -4822,7 +5107,6 @@
                 <a:sym typeface="Courier"/>
               </a:defRPr>
             </a:pPr>
-            <a:endParaRPr/>
           </a:p>
           <a:p>
             <a:pPr defTabSz="457200">
@@ -4830,10 +5114,10 @@
                 <a:spcPts val="3500"/>
               </a:lnSpc>
               <a:defRPr sz="1400">
-                <a:latin typeface="Menlo Regular"/>
-                <a:ea typeface="Menlo Regular"/>
-                <a:cs typeface="Menlo Regular"/>
-                <a:sym typeface="Menlo Regular"/>
+                <a:latin typeface="Menlo"/>
+                <a:ea typeface="Menlo"/>
+                <a:cs typeface="Menlo"/>
+                <a:sym typeface="Menlo"/>
               </a:defRPr>
             </a:pPr>
             <a:r>
@@ -4857,10 +5141,10 @@
                 <a:spcPts val="3500"/>
               </a:lnSpc>
               <a:defRPr sz="1400">
-                <a:latin typeface="Menlo Regular"/>
-                <a:ea typeface="Menlo Regular"/>
-                <a:cs typeface="Menlo Regular"/>
-                <a:sym typeface="Menlo Regular"/>
+                <a:latin typeface="Menlo"/>
+                <a:ea typeface="Menlo"/>
+                <a:cs typeface="Menlo"/>
+                <a:sym typeface="Menlo"/>
               </a:defRPr>
             </a:pPr>
             <a:r>
@@ -4888,20 +5172,6 @@
             <a:r>
               <a:t>))</a:t>
             </a:r>
-          </a:p>
-          <a:p>
-            <a:pPr defTabSz="457200">
-              <a:lnSpc>
-                <a:spcPts val="3500"/>
-              </a:lnSpc>
-              <a:defRPr sz="1400">
-                <a:latin typeface="Menlo Regular"/>
-                <a:ea typeface="Menlo Regular"/>
-                <a:cs typeface="Menlo Regular"/>
-                <a:sym typeface="Menlo Regular"/>
-              </a:defRPr>
-            </a:pPr>
-            <a:endParaRPr/>
           </a:p>
         </p:txBody>
       </p:sp>
@@ -4910,12 +5180,12 @@
   <p:clrMapOvr>
     <a:masterClrMapping/>
   </p:clrMapOvr>
-  <p:transition spd="med"/>
+  <p:transition xmlns:p14="http://schemas.microsoft.com/office/powerpoint/2010/main" spd="med" advClick="1"/>
 </p:sld>
 </file>
 
-<file path=ppt/slides/slide14.xml><?xml version="1.0" encoding="utf-8"?>
-<p:sld xmlns:a="http://schemas.openxmlformats.org/drawingml/2006/main" xmlns:r="http://schemas.openxmlformats.org/officeDocument/2006/relationships" xmlns:p="http://schemas.openxmlformats.org/presentationml/2006/main">
+<file path=ppt/slides/slide17.xml><?xml version="1.0" encoding="utf-8"?>
+<p:sld xmlns:a="http://schemas.openxmlformats.org/drawingml/2006/main" xmlns:r="http://schemas.openxmlformats.org/officeDocument/2006/relationships" xmlns:p="http://schemas.openxmlformats.org/presentationml/2006/main" xmlns:m="http://schemas.openxmlformats.org/officeDocument/2006/math" xmlns:a14="http://schemas.microsoft.com/office/drawing/2010/main" showMasterSp="1" showMasterPhAnim="1">
   <p:cSld>
     <p:spTree>
       <p:nvGrpSpPr>
@@ -4933,19 +5203,13 @@
       </p:grpSpPr>
       <p:sp>
         <p:nvSpPr>
-          <p:cNvPr id="170" name="Titel 1"/>
-          <p:cNvSpPr txBox="1">
-            <a:spLocks noGrp="1"/>
-          </p:cNvSpPr>
+          <p:cNvPr id="173" name="Titel 1"/>
+          <p:cNvSpPr txBox="1"/>
           <p:nvPr>
             <p:ph type="title"/>
           </p:nvPr>
         </p:nvSpPr>
         <p:spPr>
-          <a:xfrm>
-            <a:off x="838200" y="365125"/>
-            <a:ext cx="10515600" cy="1325563"/>
-          </a:xfrm>
           <a:prstGeom prst="rect">
             <a:avLst/>
           </a:prstGeom>
@@ -4954,6 +5218,7 @@
           <a:bodyPr/>
           <a:lstStyle/>
           <a:p>
+            <a:pPr/>
             <a:r>
               <a:t>Progress</a:t>
             </a:r>
@@ -4962,18 +5227,16 @@
       </p:sp>
       <p:sp>
         <p:nvSpPr>
-          <p:cNvPr id="171" name="Inhaltsplatzhalter 2"/>
-          <p:cNvSpPr txBox="1">
-            <a:spLocks noGrp="1"/>
-          </p:cNvSpPr>
+          <p:cNvPr id="174" name="Inhaltsplatzhalter 2"/>
+          <p:cNvSpPr txBox="1"/>
           <p:nvPr>
             <p:ph type="body" idx="1"/>
           </p:nvPr>
         </p:nvSpPr>
         <p:spPr>
           <a:xfrm>
-            <a:off x="838200" y="1825625"/>
-            <a:ext cx="10515600" cy="4351338"/>
+            <a:off x="1057645" y="1567520"/>
+            <a:ext cx="10629354" cy="4648918"/>
           </a:xfrm>
           <a:prstGeom prst="rect">
             <a:avLst/>
@@ -4981,37 +5244,32 @@
         </p:spPr>
         <p:txBody>
           <a:bodyPr/>
-          <a:lstStyle/>
-          <a:p>
-            <a:pPr marL="0" indent="0">
+          <a:lstStyle>
+            <a:lvl1pPr marL="0" indent="0">
               <a:buSzTx/>
               <a:buNone/>
-            </a:pPr>
-            <a:r>
-              <a:t>Day 1:				Day 4:</a:t>
-            </a:r>
-          </a:p>
-          <a:p>
-            <a:pPr marL="0" indent="0">
-              <a:buSzTx/>
-              <a:buNone/>
-            </a:pPr>
-            <a:r>
-              <a:t> </a:t>
+            </a:lvl1pPr>
+          </a:lstStyle>
+          <a:p>
+            <a:pPr/>
+            <a:r>
+              <a:t>Day 1:			Day 4:                          Day 5: </a:t>
             </a:r>
           </a:p>
         </p:txBody>
       </p:sp>
       <p:pic>
         <p:nvPicPr>
-          <p:cNvPr id="172" name="Picture 2" descr="Picture 2"/>
+          <p:cNvPr id="175" name="Picture 2" descr="Picture 2"/>
           <p:cNvPicPr>
             <a:picLocks noChangeAspect="1"/>
           </p:cNvPicPr>
           <p:nvPr/>
         </p:nvPicPr>
         <p:blipFill>
-          <a:blip r:embed="rId2"/>
+          <a:blip r:embed="rId2">
+            <a:extLst/>
+          </a:blip>
           <a:stretch>
             <a:fillRect/>
           </a:stretch>
@@ -5019,7 +5277,7 @@
         <p:spPr>
           <a:xfrm>
             <a:off x="670952" y="2735244"/>
-            <a:ext cx="2943226" cy="2647951"/>
+            <a:ext cx="2943226" cy="2647952"/>
           </a:xfrm>
           <a:prstGeom prst="rect">
             <a:avLst/>
@@ -5031,14 +5289,14 @@
       </p:pic>
       <p:sp>
         <p:nvSpPr>
-          <p:cNvPr id="173" name="Rechteck 4"/>
+          <p:cNvPr id="176" name="Rechteck 4"/>
           <p:cNvSpPr txBox="1"/>
           <p:nvPr/>
         </p:nvSpPr>
         <p:spPr>
           <a:xfrm>
-            <a:off x="1072433" y="5681426"/>
-            <a:ext cx="2131514" cy="370841"/>
+            <a:off x="1072432" y="5681426"/>
+            <a:ext cx="2226056" cy="358139"/>
           </a:xfrm>
           <a:prstGeom prst="rect">
             <a:avLst/>
@@ -5048,16 +5306,17 @@
           </a:ln>
           <a:extLst>
             <a:ext uri="{C572A759-6A51-4108-AA02-DFA0A04FC94B}">
-              <ma14:wrappingTextBoxFlag xmlns="" xmlns:m="http://schemas.openxmlformats.org/officeDocument/2006/math" xmlns:a14="http://schemas.microsoft.com/office/drawing/2010/main" xmlns:ma14="http://schemas.microsoft.com/office/mac/drawingml/2011/main" val="1"/>
+              <ma14:wrappingTextBoxFlag xmlns:ma14="http://schemas.microsoft.com/office/mac/drawingml/2011/main" val="1"/>
             </a:ext>
           </a:extLst>
         </p:spPr>
         <p:txBody>
-          <a:bodyPr wrap="none" lIns="45719" rIns="45719">
+          <a:bodyPr wrap="none" lIns="45718" tIns="45718" rIns="45718" bIns="45718">
             <a:spAutoFit/>
           </a:bodyPr>
           <a:lstStyle/>
           <a:p>
+            <a:pPr/>
             <a:r>
               <a:t>0.7898193760262726</a:t>
             </a:r>
@@ -5066,14 +5325,14 @@
       </p:sp>
       <p:sp>
         <p:nvSpPr>
-          <p:cNvPr id="174" name="Textfeld 5"/>
+          <p:cNvPr id="177" name="Textfeld 5"/>
           <p:cNvSpPr txBox="1"/>
           <p:nvPr/>
         </p:nvSpPr>
         <p:spPr>
           <a:xfrm rot="16200000">
-            <a:off x="-1576247" y="3927582"/>
-            <a:ext cx="4127342" cy="370841"/>
+            <a:off x="-1582599" y="3933933"/>
+            <a:ext cx="4127343" cy="358139"/>
           </a:xfrm>
           <a:prstGeom prst="rect">
             <a:avLst/>
@@ -5083,16 +5342,17 @@
           </a:ln>
           <a:extLst>
             <a:ext uri="{C572A759-6A51-4108-AA02-DFA0A04FC94B}">
-              <ma14:wrappingTextBoxFlag xmlns="" xmlns:m="http://schemas.openxmlformats.org/officeDocument/2006/math" xmlns:a14="http://schemas.microsoft.com/office/drawing/2010/main" xmlns:ma14="http://schemas.microsoft.com/office/mac/drawingml/2011/main" val="1"/>
+              <ma14:wrappingTextBoxFlag xmlns:ma14="http://schemas.microsoft.com/office/mac/drawingml/2011/main" val="1"/>
             </a:ext>
           </a:extLst>
         </p:spPr>
         <p:txBody>
-          <a:bodyPr lIns="45719" rIns="45719">
+          <a:bodyPr lIns="45718" tIns="45718" rIns="45718" bIns="45718">
             <a:spAutoFit/>
           </a:bodyPr>
           <a:lstStyle/>
           <a:p>
+            <a:pPr/>
             <a:r>
               <a:t>Score                     Confusion Matrix</a:t>
             </a:r>
@@ -5101,14 +5361,14 @@
       </p:sp>
       <p:sp>
         <p:nvSpPr>
-          <p:cNvPr id="175" name="Textfeld 6"/>
+          <p:cNvPr id="178" name="Textfeld 6"/>
           <p:cNvSpPr txBox="1"/>
           <p:nvPr/>
         </p:nvSpPr>
         <p:spPr>
           <a:xfrm>
             <a:off x="883919" y="2183032"/>
-            <a:ext cx="2631442" cy="370841"/>
+            <a:ext cx="2631443" cy="358139"/>
           </a:xfrm>
           <a:prstGeom prst="rect">
             <a:avLst/>
@@ -5118,16 +5378,17 @@
           </a:ln>
           <a:extLst>
             <a:ext uri="{C572A759-6A51-4108-AA02-DFA0A04FC94B}">
-              <ma14:wrappingTextBoxFlag xmlns="" xmlns:m="http://schemas.openxmlformats.org/officeDocument/2006/math" xmlns:a14="http://schemas.microsoft.com/office/drawing/2010/main" xmlns:ma14="http://schemas.microsoft.com/office/mac/drawingml/2011/main" val="1"/>
+              <ma14:wrappingTextBoxFlag xmlns:ma14="http://schemas.microsoft.com/office/mac/drawingml/2011/main" val="1"/>
             </a:ext>
           </a:extLst>
         </p:spPr>
         <p:txBody>
-          <a:bodyPr lIns="45719" rIns="45719">
+          <a:bodyPr lIns="45718" tIns="45718" rIns="45718" bIns="45718">
             <a:spAutoFit/>
           </a:bodyPr>
           <a:lstStyle/>
           <a:p>
+            <a:pPr/>
             <a:r>
               <a:t>Tfidf + LogReg Classifier</a:t>
             </a:r>
@@ -5136,14 +5397,14 @@
       </p:sp>
       <p:sp>
         <p:nvSpPr>
-          <p:cNvPr id="176" name="Textfeld 9"/>
+          <p:cNvPr id="179" name="Textfeld 9"/>
           <p:cNvSpPr txBox="1"/>
           <p:nvPr/>
         </p:nvSpPr>
         <p:spPr>
           <a:xfrm>
-            <a:off x="4599786" y="2187514"/>
-            <a:ext cx="2631442" cy="650241"/>
+            <a:off x="4498241" y="2122780"/>
+            <a:ext cx="2992429" cy="624839"/>
           </a:xfrm>
           <a:prstGeom prst="rect">
             <a:avLst/>
@@ -5153,21 +5414,23 @@
           </a:ln>
           <a:extLst>
             <a:ext uri="{C572A759-6A51-4108-AA02-DFA0A04FC94B}">
-              <ma14:wrappingTextBoxFlag xmlns="" xmlns:m="http://schemas.openxmlformats.org/officeDocument/2006/math" xmlns:a14="http://schemas.microsoft.com/office/drawing/2010/main" xmlns:ma14="http://schemas.microsoft.com/office/mac/drawingml/2011/main" val="1"/>
+              <ma14:wrappingTextBoxFlag xmlns:ma14="http://schemas.microsoft.com/office/mac/drawingml/2011/main" val="1"/>
             </a:ext>
           </a:extLst>
         </p:spPr>
         <p:txBody>
-          <a:bodyPr lIns="45719" rIns="45719">
+          <a:bodyPr lIns="45718" tIns="45718" rIns="45718" bIns="45718">
             <a:spAutoFit/>
           </a:bodyPr>
           <a:lstStyle/>
           <a:p>
+            <a:pPr/>
             <a:r>
               <a:t>stacking approach:</a:t>
             </a:r>
           </a:p>
           <a:p>
+            <a:pPr/>
             <a:r>
               <a:t>LogReg, KNN, Naive Bayes</a:t>
             </a:r>
@@ -5176,14 +5439,14 @@
       </p:sp>
       <p:sp>
         <p:nvSpPr>
-          <p:cNvPr id="177" name="Rechteck 10"/>
+          <p:cNvPr id="180" name="Rechteck 10"/>
           <p:cNvSpPr txBox="1"/>
           <p:nvPr/>
         </p:nvSpPr>
         <p:spPr>
           <a:xfrm>
             <a:off x="4803738" y="5681426"/>
-            <a:ext cx="2131515" cy="370841"/>
+            <a:ext cx="2226056" cy="358139"/>
           </a:xfrm>
           <a:prstGeom prst="rect">
             <a:avLst/>
@@ -5193,16 +5456,17 @@
           </a:ln>
           <a:extLst>
             <a:ext uri="{C572A759-6A51-4108-AA02-DFA0A04FC94B}">
-              <ma14:wrappingTextBoxFlag xmlns="" xmlns:m="http://schemas.openxmlformats.org/officeDocument/2006/math" xmlns:a14="http://schemas.microsoft.com/office/drawing/2010/main" xmlns:ma14="http://schemas.microsoft.com/office/mac/drawingml/2011/main" val="1"/>
+              <ma14:wrappingTextBoxFlag xmlns:ma14="http://schemas.microsoft.com/office/mac/drawingml/2011/main" val="1"/>
             </a:ext>
           </a:extLst>
         </p:spPr>
         <p:txBody>
-          <a:bodyPr wrap="none" lIns="45719" rIns="45719">
+          <a:bodyPr wrap="none" lIns="45718" tIns="45718" rIns="45718" bIns="45718">
             <a:spAutoFit/>
           </a:bodyPr>
           <a:lstStyle/>
           <a:p>
+            <a:pPr/>
             <a:r>
               <a:t>0.8260013131976363</a:t>
             </a:r>
@@ -5211,14 +5475,16 @@
       </p:sp>
       <p:pic>
         <p:nvPicPr>
-          <p:cNvPr id="178" name="Picture 6" descr="Picture 6"/>
+          <p:cNvPr id="181" name="Picture 6" descr="Picture 6"/>
           <p:cNvPicPr>
             <a:picLocks noChangeAspect="1"/>
           </p:cNvPicPr>
           <p:nvPr/>
         </p:nvPicPr>
         <p:blipFill>
-          <a:blip r:embed="rId3"/>
+          <a:blip r:embed="rId3">
+            <a:extLst/>
+          </a:blip>
           <a:stretch>
             <a:fillRect/>
           </a:stretch>
@@ -5226,7 +5492,7 @@
         <p:spPr>
           <a:xfrm>
             <a:off x="4422683" y="2907363"/>
-            <a:ext cx="2943226" cy="2495551"/>
+            <a:ext cx="2943227" cy="2495552"/>
           </a:xfrm>
           <a:prstGeom prst="rect">
             <a:avLst/>
@@ -5236,17 +5502,206 @@
           </a:ln>
         </p:spPr>
       </p:pic>
+      <p:pic>
+        <p:nvPicPr>
+          <p:cNvPr id="182" name="Bild" descr="Bild"/>
+          <p:cNvPicPr>
+            <a:picLocks noChangeAspect="1"/>
+          </p:cNvPicPr>
+          <p:nvPr/>
+        </p:nvPicPr>
+        <p:blipFill>
+          <a:blip r:embed="rId4">
+            <a:extLst/>
+          </a:blip>
+          <a:stretch>
+            <a:fillRect/>
+          </a:stretch>
+        </p:blipFill>
+        <p:spPr>
+          <a:xfrm>
+            <a:off x="8374733" y="2789027"/>
+            <a:ext cx="2943227" cy="2647952"/>
+          </a:xfrm>
+          <a:prstGeom prst="rect">
+            <a:avLst/>
+          </a:prstGeom>
+          <a:ln w="12700">
+            <a:miter lim="400000"/>
+          </a:ln>
+        </p:spPr>
+      </p:pic>
+      <p:sp>
+        <p:nvSpPr>
+          <p:cNvPr id="183" name="Textfeld 9"/>
+          <p:cNvSpPr txBox="1"/>
+          <p:nvPr/>
+        </p:nvSpPr>
+        <p:spPr>
+          <a:xfrm>
+            <a:off x="8374733" y="2122780"/>
+            <a:ext cx="2992429" cy="624839"/>
+          </a:xfrm>
+          <a:prstGeom prst="rect">
+            <a:avLst/>
+          </a:prstGeom>
+          <a:ln w="12700">
+            <a:miter lim="400000"/>
+          </a:ln>
+          <a:extLst>
+            <a:ext uri="{C572A759-6A51-4108-AA02-DFA0A04FC94B}">
+              <ma14:wrappingTextBoxFlag xmlns:ma14="http://schemas.microsoft.com/office/mac/drawingml/2011/main" val="1"/>
+            </a:ext>
+          </a:extLst>
+        </p:spPr>
+        <p:txBody>
+          <a:bodyPr lIns="45718" tIns="45718" rIns="45718" bIns="45718">
+            <a:spAutoFit/>
+          </a:bodyPr>
+          <a:lstStyle/>
+          <a:p>
+            <a:pPr/>
+            <a:r>
+              <a:t>Naive Bayes including Keywords and Text</a:t>
+            </a:r>
+          </a:p>
+        </p:txBody>
+      </p:sp>
+      <p:sp>
+        <p:nvSpPr>
+          <p:cNvPr id="184" name="Rechteck 10"/>
+          <p:cNvSpPr txBox="1"/>
+          <p:nvPr/>
+        </p:nvSpPr>
+        <p:spPr>
+          <a:xfrm>
+            <a:off x="8733319" y="5627970"/>
+            <a:ext cx="2226056" cy="358139"/>
+          </a:xfrm>
+          <a:prstGeom prst="rect">
+            <a:avLst/>
+          </a:prstGeom>
+          <a:ln w="12700">
+            <a:miter lim="400000"/>
+          </a:ln>
+          <a:extLst>
+            <a:ext uri="{C572A759-6A51-4108-AA02-DFA0A04FC94B}">
+              <ma14:wrappingTextBoxFlag xmlns:ma14="http://schemas.microsoft.com/office/mac/drawingml/2011/main" val="1"/>
+            </a:ext>
+          </a:extLst>
+        </p:spPr>
+        <p:txBody>
+          <a:bodyPr wrap="none" lIns="45718" tIns="45718" rIns="45718" bIns="45718">
+            <a:spAutoFit/>
+          </a:bodyPr>
+          <a:lstStyle/>
+          <a:p>
+            <a:pPr/>
+            <a:r>
+              <a:t>0.8128693368351937</a:t>
+            </a:r>
+          </a:p>
+        </p:txBody>
+      </p:sp>
+      <p:sp>
+        <p:nvSpPr>
+          <p:cNvPr id="185" name="Textfeld 6"/>
+          <p:cNvSpPr txBox="1"/>
+          <p:nvPr/>
+        </p:nvSpPr>
+        <p:spPr>
+          <a:xfrm>
+            <a:off x="5056601" y="6178539"/>
+            <a:ext cx="2631443" cy="358139"/>
+          </a:xfrm>
+          <a:prstGeom prst="rect">
+            <a:avLst/>
+          </a:prstGeom>
+          <a:ln w="12700">
+            <a:miter lim="400000"/>
+          </a:ln>
+          <a:extLst>
+            <a:ext uri="{C572A759-6A51-4108-AA02-DFA0A04FC94B}">
+              <ma14:wrappingTextBoxFlag xmlns:ma14="http://schemas.microsoft.com/office/mac/drawingml/2011/main" val="1"/>
+            </a:ext>
+          </a:extLst>
+        </p:spPr>
+        <p:txBody>
+          <a:bodyPr lIns="45718" tIns="45718" rIns="45718" bIns="45718">
+            <a:spAutoFit/>
+          </a:bodyPr>
+          <a:lstStyle>
+            <a:lvl1pPr>
+              <a:defRPr>
+                <a:solidFill>
+                  <a:schemeClr val="accent2"/>
+                </a:solidFill>
+              </a:defRPr>
+            </a:lvl1pPr>
+          </a:lstStyle>
+          <a:p>
+            <a:pPr/>
+            <a:r>
+              <a:t>highest score</a:t>
+            </a:r>
+          </a:p>
+        </p:txBody>
+      </p:sp>
+      <p:sp>
+        <p:nvSpPr>
+          <p:cNvPr id="186" name="lean model"/>
+          <p:cNvSpPr txBox="1"/>
+          <p:nvPr/>
+        </p:nvSpPr>
+        <p:spPr>
+          <a:xfrm>
+            <a:off x="9337223" y="6129430"/>
+            <a:ext cx="1242005" cy="358139"/>
+          </a:xfrm>
+          <a:prstGeom prst="rect">
+            <a:avLst/>
+          </a:prstGeom>
+          <a:ln w="12700">
+            <a:miter lim="400000"/>
+          </a:ln>
+          <a:extLst>
+            <a:ext uri="{C572A759-6A51-4108-AA02-DFA0A04FC94B}">
+              <ma14:wrappingTextBoxFlag xmlns:ma14="http://schemas.microsoft.com/office/mac/drawingml/2011/main" val="1"/>
+            </a:ext>
+          </a:extLst>
+        </p:spPr>
+        <p:txBody>
+          <a:bodyPr wrap="none" lIns="45718" tIns="45718" rIns="45718" bIns="45718">
+            <a:spAutoFit/>
+          </a:bodyPr>
+          <a:lstStyle>
+            <a:lvl1pPr>
+              <a:defRPr>
+                <a:solidFill>
+                  <a:srgbClr val="FF2600"/>
+                </a:solidFill>
+              </a:defRPr>
+            </a:lvl1pPr>
+          </a:lstStyle>
+          <a:p>
+            <a:pPr/>
+            <a:r>
+              <a:t>lean model</a:t>
+            </a:r>
+          </a:p>
+        </p:txBody>
+      </p:sp>
     </p:spTree>
   </p:cSld>
   <p:clrMapOvr>
     <a:masterClrMapping/>
   </p:clrMapOvr>
-  <p:transition spd="med"/>
+  <p:transition xmlns:p14="http://schemas.microsoft.com/office/powerpoint/2010/main" spd="med" advClick="1"/>
 </p:sld>
 </file>
 
-<file path=ppt/slides/slide15.xml><?xml version="1.0" encoding="utf-8"?>
-<p:sld xmlns:a="http://schemas.openxmlformats.org/drawingml/2006/main" xmlns:r="http://schemas.openxmlformats.org/officeDocument/2006/relationships" xmlns:p="http://schemas.openxmlformats.org/presentationml/2006/main">
+<file path=ppt/slides/slide18.xml><?xml version="1.0" encoding="utf-8"?>
+<p:sld xmlns:a="http://schemas.openxmlformats.org/drawingml/2006/main" xmlns:r="http://schemas.openxmlformats.org/officeDocument/2006/relationships" xmlns:p="http://schemas.openxmlformats.org/presentationml/2006/main" xmlns:m="http://schemas.openxmlformats.org/officeDocument/2006/math" xmlns:a14="http://schemas.microsoft.com/office/drawing/2010/main" showMasterSp="1" showMasterPhAnim="1">
   <p:cSld>
     <p:spTree>
       <p:nvGrpSpPr>
@@ -5264,10 +5719,8 @@
       </p:grpSpPr>
       <p:sp>
         <p:nvSpPr>
-          <p:cNvPr id="180" name="Titel 1"/>
-          <p:cNvSpPr txBox="1">
-            <a:spLocks noGrp="1"/>
-          </p:cNvSpPr>
+          <p:cNvPr id="188" name="Titel 1"/>
+          <p:cNvSpPr txBox="1"/>
           <p:nvPr>
             <p:ph type="title"/>
           </p:nvPr>
@@ -5285,6 +5738,7 @@
           <a:bodyPr/>
           <a:lstStyle/>
           <a:p>
+            <a:pPr/>
             <a:r>
               <a:t>Product</a:t>
             </a:r>
@@ -5293,10 +5747,8 @@
       </p:sp>
       <p:sp>
         <p:nvSpPr>
-          <p:cNvPr id="181" name="Inhaltsplatzhalter 2"/>
-          <p:cNvSpPr txBox="1">
-            <a:spLocks noGrp="1"/>
-          </p:cNvSpPr>
+          <p:cNvPr id="189" name="Inhaltsplatzhalter 2"/>
+          <p:cNvSpPr txBox="1"/>
           <p:nvPr>
             <p:ph type="body" idx="1"/>
           </p:nvPr>
@@ -5314,20 +5766,21 @@
           <a:bodyPr/>
           <a:lstStyle/>
           <a:p>
+            <a:pPr/>
             <a:r>
               <a:t>Warning App: </a:t>
             </a:r>
             <a:r>
               <a:rPr sz="1600" u="sng">
                 <a:solidFill>
-                  <a:srgbClr val="0563C1"/>
+                  <a:srgbClr val="0000FF"/>
                 </a:solidFill>
                 <a:uFill>
                   <a:solidFill>
-                    <a:srgbClr val="0563C1"/>
+                    <a:srgbClr val="0000FF"/>
                   </a:solidFill>
                 </a:uFill>
-                <a:hlinkClick r:id="rId2"/>
+                <a:hlinkClick r:id="rId2" invalidUrl="" action="" tgtFrame="" tooltip="" history="1" highlightClick="0" endSnd="0"/>
               </a:rPr>
               <a:t>https://x.thunkable.com/copy/57989626327f283cca1815d081083498</a:t>
             </a:r>
@@ -5339,12 +5792,12 @@
   <p:clrMapOvr>
     <a:masterClrMapping/>
   </p:clrMapOvr>
-  <p:transition spd="med"/>
+  <p:transition xmlns:p14="http://schemas.microsoft.com/office/powerpoint/2010/main" spd="med" advClick="1"/>
 </p:sld>
 </file>
 
-<file path=ppt/slides/slide16.xml><?xml version="1.0" encoding="utf-8"?>
-<p:sld xmlns:a="http://schemas.openxmlformats.org/drawingml/2006/main" xmlns:r="http://schemas.openxmlformats.org/officeDocument/2006/relationships" xmlns:p="http://schemas.openxmlformats.org/presentationml/2006/main">
+<file path=ppt/slides/slide19.xml><?xml version="1.0" encoding="utf-8"?>
+<p:sld xmlns:a="http://schemas.openxmlformats.org/drawingml/2006/main" xmlns:r="http://schemas.openxmlformats.org/officeDocument/2006/relationships" xmlns:p="http://schemas.openxmlformats.org/presentationml/2006/main" xmlns:m="http://schemas.openxmlformats.org/officeDocument/2006/math" xmlns:a14="http://schemas.microsoft.com/office/drawing/2010/main" showMasterSp="1" showMasterPhAnim="1">
   <p:cSld>
     <p:spTree>
       <p:nvGrpSpPr>
@@ -5362,10 +5815,8 @@
       </p:grpSpPr>
       <p:sp>
         <p:nvSpPr>
-          <p:cNvPr id="183" name="Titel 1"/>
-          <p:cNvSpPr txBox="1">
-            <a:spLocks noGrp="1"/>
-          </p:cNvSpPr>
+          <p:cNvPr id="191" name="Titel 1"/>
+          <p:cNvSpPr txBox="1"/>
           <p:nvPr>
             <p:ph type="title"/>
           </p:nvPr>
@@ -5383,6 +5834,7 @@
           <a:bodyPr/>
           <a:lstStyle/>
           <a:p>
+            <a:pPr/>
             <a:r>
               <a:t>Backup</a:t>
             </a:r>
@@ -5391,10 +5843,8 @@
       </p:sp>
       <p:sp>
         <p:nvSpPr>
-          <p:cNvPr id="184" name="Inhaltsplatzhalter 2"/>
-          <p:cNvSpPr txBox="1">
-            <a:spLocks noGrp="1"/>
-          </p:cNvSpPr>
+          <p:cNvPr id="192" name="Inhaltsplatzhalter 2"/>
+          <p:cNvSpPr txBox="1"/>
           <p:nvPr>
             <p:ph type="body" idx="1"/>
           </p:nvPr>
@@ -5412,7 +5862,7 @@
           <a:bodyPr/>
           <a:lstStyle/>
           <a:p>
-            <a:endParaRPr/>
+            <a:pPr/>
           </a:p>
         </p:txBody>
       </p:sp>
@@ -5421,609 +5871,12 @@
   <p:clrMapOvr>
     <a:masterClrMapping/>
   </p:clrMapOvr>
-  <p:transition spd="med"/>
-</p:sld>
-</file>
-
-<file path=ppt/slides/slide17.xml><?xml version="1.0" encoding="utf-8"?>
-<p:sld xmlns:a="http://schemas.openxmlformats.org/drawingml/2006/main" xmlns:r="http://schemas.openxmlformats.org/officeDocument/2006/relationships" xmlns:p="http://schemas.openxmlformats.org/presentationml/2006/main">
-  <p:cSld>
-    <p:spTree>
-      <p:nvGrpSpPr>
-        <p:cNvPr id="1" name=""/>
-        <p:cNvGrpSpPr/>
-        <p:nvPr/>
-      </p:nvGrpSpPr>
-      <p:grpSpPr>
-        <a:xfrm>
-          <a:off x="0" y="0"/>
-          <a:ext cx="0" cy="0"/>
-          <a:chOff x="0" y="0"/>
-          <a:chExt cx="0" cy="0"/>
-        </a:xfrm>
-      </p:grpSpPr>
-      <p:sp>
-        <p:nvSpPr>
-          <p:cNvPr id="186" name="Titel 1"/>
-          <p:cNvSpPr txBox="1">
-            <a:spLocks noGrp="1"/>
-          </p:cNvSpPr>
-          <p:nvPr>
-            <p:ph type="title"/>
-          </p:nvPr>
-        </p:nvSpPr>
-        <p:spPr>
-          <a:xfrm>
-            <a:off x="838200" y="365125"/>
-            <a:ext cx="10515600" cy="1325563"/>
-          </a:xfrm>
-          <a:prstGeom prst="rect">
-            <a:avLst/>
-          </a:prstGeom>
-        </p:spPr>
-        <p:txBody>
-          <a:bodyPr/>
-          <a:lstStyle/>
-          <a:p>
-            <a:r>
-              <a:t>Useful graphs</a:t>
-            </a:r>
-          </a:p>
-        </p:txBody>
-      </p:sp>
-      <p:pic>
-        <p:nvPicPr>
-          <p:cNvPr id="187" name="Picture 2" descr="Picture 2"/>
-          <p:cNvPicPr>
-            <a:picLocks noChangeAspect="1"/>
-          </p:cNvPicPr>
-          <p:nvPr/>
-        </p:nvPicPr>
-        <p:blipFill>
-          <a:blip r:embed="rId2"/>
-          <a:stretch>
-            <a:fillRect/>
-          </a:stretch>
-        </p:blipFill>
-        <p:spPr>
-          <a:xfrm>
-            <a:off x="838200" y="4179887"/>
-            <a:ext cx="6370321" cy="2544811"/>
-          </a:xfrm>
-          <a:prstGeom prst="rect">
-            <a:avLst/>
-          </a:prstGeom>
-          <a:ln w="12700">
-            <a:miter lim="400000"/>
-          </a:ln>
-        </p:spPr>
-      </p:pic>
-      <p:pic>
-        <p:nvPicPr>
-          <p:cNvPr id="188" name="Picture 4" descr="Picture 4"/>
-          <p:cNvPicPr>
-            <a:picLocks noChangeAspect="1"/>
-          </p:cNvPicPr>
-          <p:nvPr/>
-        </p:nvPicPr>
-        <p:blipFill>
-          <a:blip r:embed="rId3"/>
-          <a:stretch>
-            <a:fillRect/>
-          </a:stretch>
-        </p:blipFill>
-        <p:spPr>
-          <a:xfrm>
-            <a:off x="838200" y="1473199"/>
-            <a:ext cx="3571875" cy="2409826"/>
-          </a:xfrm>
-          <a:prstGeom prst="rect">
-            <a:avLst/>
-          </a:prstGeom>
-          <a:ln w="12700">
-            <a:miter lim="400000"/>
-          </a:ln>
-        </p:spPr>
-      </p:pic>
-    </p:spTree>
-  </p:cSld>
-  <p:clrMapOvr>
-    <a:masterClrMapping/>
-  </p:clrMapOvr>
-  <p:transition spd="med"/>
-</p:sld>
-</file>
-
-<file path=ppt/slides/slide18.xml><?xml version="1.0" encoding="utf-8"?>
-<p:sld xmlns:a="http://schemas.openxmlformats.org/drawingml/2006/main" xmlns:r="http://schemas.openxmlformats.org/officeDocument/2006/relationships" xmlns:p="http://schemas.openxmlformats.org/presentationml/2006/main">
-  <p:cSld>
-    <p:spTree>
-      <p:nvGrpSpPr>
-        <p:cNvPr id="1" name=""/>
-        <p:cNvGrpSpPr/>
-        <p:nvPr/>
-      </p:nvGrpSpPr>
-      <p:grpSpPr>
-        <a:xfrm>
-          <a:off x="0" y="0"/>
-          <a:ext cx="0" cy="0"/>
-          <a:chOff x="0" y="0"/>
-          <a:chExt cx="0" cy="0"/>
-        </a:xfrm>
-      </p:grpSpPr>
-      <p:sp>
-        <p:nvSpPr>
-          <p:cNvPr id="190" name="Titel 1"/>
-          <p:cNvSpPr txBox="1">
-            <a:spLocks noGrp="1"/>
-          </p:cNvSpPr>
-          <p:nvPr>
-            <p:ph type="title"/>
-          </p:nvPr>
-        </p:nvSpPr>
-        <p:spPr>
-          <a:xfrm>
-            <a:off x="838200" y="365125"/>
-            <a:ext cx="10515600" cy="1325563"/>
-          </a:xfrm>
-          <a:prstGeom prst="rect">
-            <a:avLst/>
-          </a:prstGeom>
-        </p:spPr>
-        <p:txBody>
-          <a:bodyPr/>
-          <a:lstStyle/>
-          <a:p>
-            <a:r>
-              <a:t>Used techniques</a:t>
-            </a:r>
-          </a:p>
-        </p:txBody>
-      </p:sp>
-      <p:sp>
-        <p:nvSpPr>
-          <p:cNvPr id="191" name="Inhaltsplatzhalter 2"/>
-          <p:cNvSpPr txBox="1">
-            <a:spLocks noGrp="1"/>
-          </p:cNvSpPr>
-          <p:nvPr>
-            <p:ph type="body" idx="1"/>
-          </p:nvPr>
-        </p:nvSpPr>
-        <p:spPr>
-          <a:xfrm>
-            <a:off x="838200" y="1825625"/>
-            <a:ext cx="10515600" cy="4351338"/>
-          </a:xfrm>
-          <a:prstGeom prst="rect">
-            <a:avLst/>
-          </a:prstGeom>
-        </p:spPr>
-        <p:txBody>
-          <a:bodyPr/>
-          <a:lstStyle/>
-          <a:p>
-            <a:pPr marL="221742" indent="-221742" defTabSz="886968">
-              <a:lnSpc>
-                <a:spcPct val="81000"/>
-              </a:lnSpc>
-              <a:spcBef>
-                <a:spcPts val="900"/>
-              </a:spcBef>
-              <a:defRPr sz="2425"/>
-            </a:pPr>
-            <a:r>
-              <a:t>Data wrangling</a:t>
-            </a:r>
-          </a:p>
-          <a:p>
-            <a:pPr marL="665226" lvl="1" indent="-221742" defTabSz="886968">
-              <a:lnSpc>
-                <a:spcPct val="81000"/>
-              </a:lnSpc>
-              <a:spcBef>
-                <a:spcPts val="400"/>
-              </a:spcBef>
-              <a:defRPr sz="2134"/>
-            </a:pPr>
-            <a:r>
-              <a:t>regex</a:t>
-            </a:r>
-          </a:p>
-          <a:p>
-            <a:pPr marL="665226" lvl="1" indent="-221742" defTabSz="886968">
-              <a:lnSpc>
-                <a:spcPct val="81000"/>
-              </a:lnSpc>
-              <a:spcBef>
-                <a:spcPts val="400"/>
-              </a:spcBef>
-              <a:defRPr sz="2134"/>
-            </a:pPr>
-            <a:r>
-              <a:t>replace by dict</a:t>
-            </a:r>
-          </a:p>
-          <a:p>
-            <a:pPr marL="665226" lvl="1" indent="-221742" defTabSz="886968">
-              <a:lnSpc>
-                <a:spcPct val="81000"/>
-              </a:lnSpc>
-              <a:spcBef>
-                <a:spcPts val="400"/>
-              </a:spcBef>
-              <a:defRPr sz="2134"/>
-            </a:pPr>
-            <a:r>
-              <a:t>POS / NER</a:t>
-            </a:r>
-          </a:p>
-          <a:p>
-            <a:pPr marL="221742" indent="-221742" defTabSz="886968">
-              <a:lnSpc>
-                <a:spcPct val="81000"/>
-              </a:lnSpc>
-              <a:spcBef>
-                <a:spcPts val="900"/>
-              </a:spcBef>
-              <a:defRPr sz="2425"/>
-            </a:pPr>
-            <a:r>
-              <a:t>ML</a:t>
-            </a:r>
-          </a:p>
-          <a:p>
-            <a:pPr marL="665226" lvl="1" indent="-221742" defTabSz="886968">
-              <a:lnSpc>
-                <a:spcPct val="81000"/>
-              </a:lnSpc>
-              <a:spcBef>
-                <a:spcPts val="400"/>
-              </a:spcBef>
-              <a:defRPr sz="2134"/>
-            </a:pPr>
-            <a:r>
-              <a:t>pipeline</a:t>
-            </a:r>
-          </a:p>
-          <a:p>
-            <a:pPr marL="665226" lvl="1" indent="-221742" defTabSz="886968">
-              <a:lnSpc>
-                <a:spcPct val="81000"/>
-              </a:lnSpc>
-              <a:spcBef>
-                <a:spcPts val="400"/>
-              </a:spcBef>
-              <a:defRPr sz="2134"/>
-            </a:pPr>
-            <a:r>
-              <a:t>Tfidf</a:t>
-            </a:r>
-          </a:p>
-          <a:p>
-            <a:pPr marL="665226" lvl="1" indent="-221742" defTabSz="886968">
-              <a:lnSpc>
-                <a:spcPct val="81000"/>
-              </a:lnSpc>
-              <a:spcBef>
-                <a:spcPts val="400"/>
-              </a:spcBef>
-              <a:defRPr sz="2134"/>
-            </a:pPr>
-            <a:r>
-              <a:t>CountVectorizer</a:t>
-            </a:r>
-          </a:p>
-          <a:p>
-            <a:pPr marL="665226" lvl="1" indent="-221742" defTabSz="886968">
-              <a:lnSpc>
-                <a:spcPct val="81000"/>
-              </a:lnSpc>
-              <a:spcBef>
-                <a:spcPts val="400"/>
-              </a:spcBef>
-              <a:defRPr sz="2134"/>
-            </a:pPr>
-            <a:r>
-              <a:t>XGBClassifier</a:t>
-            </a:r>
-          </a:p>
-          <a:p>
-            <a:pPr marL="665226" lvl="1" indent="-221742" defTabSz="886968">
-              <a:lnSpc>
-                <a:spcPct val="81000"/>
-              </a:lnSpc>
-              <a:spcBef>
-                <a:spcPts val="400"/>
-              </a:spcBef>
-              <a:defRPr sz="2134"/>
-            </a:pPr>
-            <a:r>
-              <a:t>stacking</a:t>
-            </a:r>
-          </a:p>
-          <a:p>
-            <a:pPr marL="221742" indent="-221742" defTabSz="886968">
-              <a:lnSpc>
-                <a:spcPct val="81000"/>
-              </a:lnSpc>
-              <a:spcBef>
-                <a:spcPts val="900"/>
-              </a:spcBef>
-              <a:defRPr sz="2425"/>
-            </a:pPr>
-            <a:r>
-              <a:t>App</a:t>
-            </a:r>
-          </a:p>
-          <a:p>
-            <a:pPr marL="665226" lvl="1" indent="-221742" defTabSz="886968">
-              <a:lnSpc>
-                <a:spcPct val="81000"/>
-              </a:lnSpc>
-              <a:spcBef>
-                <a:spcPts val="400"/>
-              </a:spcBef>
-              <a:defRPr sz="2134"/>
-            </a:pPr>
-            <a:r>
-              <a:t>thunkable</a:t>
-            </a:r>
-          </a:p>
-        </p:txBody>
-      </p:sp>
-    </p:spTree>
-  </p:cSld>
-  <p:clrMapOvr>
-    <a:masterClrMapping/>
-  </p:clrMapOvr>
-  <p:transition spd="med"/>
-</p:sld>
-</file>
-
-<file path=ppt/slides/slide19.xml><?xml version="1.0" encoding="utf-8"?>
-<p:sld xmlns:a="http://schemas.openxmlformats.org/drawingml/2006/main" xmlns:r="http://schemas.openxmlformats.org/officeDocument/2006/relationships" xmlns:p="http://schemas.openxmlformats.org/presentationml/2006/main">
-  <p:cSld>
-    <p:spTree>
-      <p:nvGrpSpPr>
-        <p:cNvPr id="1" name=""/>
-        <p:cNvGrpSpPr/>
-        <p:nvPr/>
-      </p:nvGrpSpPr>
-      <p:grpSpPr>
-        <a:xfrm>
-          <a:off x="0" y="0"/>
-          <a:ext cx="0" cy="0"/>
-          <a:chOff x="0" y="0"/>
-          <a:chExt cx="0" cy="0"/>
-        </a:xfrm>
-      </p:grpSpPr>
-      <p:sp>
-        <p:nvSpPr>
-          <p:cNvPr id="121" name="Titel 1"/>
-          <p:cNvSpPr txBox="1">
-            <a:spLocks noGrp="1"/>
-          </p:cNvSpPr>
-          <p:nvPr>
-            <p:ph type="title"/>
-          </p:nvPr>
-        </p:nvSpPr>
-        <p:spPr>
-          <a:prstGeom prst="rect">
-            <a:avLst/>
-          </a:prstGeom>
-        </p:spPr>
-        <p:txBody>
-          <a:bodyPr/>
-          <a:lstStyle/>
-          <a:p>
-            <a:r>
-              <a:t>Workbench</a:t>
-            </a:r>
-          </a:p>
-        </p:txBody>
-      </p:sp>
-      <p:sp>
-        <p:nvSpPr>
-          <p:cNvPr id="122" name="# cleaning: df.replace(&quot;[^a-zA-Z' ]“).split().lower().re.findall().stopwords."/>
-          <p:cNvSpPr txBox="1"/>
-          <p:nvPr/>
-        </p:nvSpPr>
-        <p:spPr>
-          <a:xfrm>
-            <a:off x="-4952" y="6311900"/>
-            <a:ext cx="8346577" cy="1983740"/>
-          </a:xfrm>
-          <a:prstGeom prst="rect">
-            <a:avLst/>
-          </a:prstGeom>
-          <a:ln w="12700">
-            <a:miter lim="400000"/>
-          </a:ln>
-          <a:extLst>
-            <a:ext uri="{C572A759-6A51-4108-AA02-DFA0A04FC94B}">
-              <ma14:wrappingTextBoxFlag xmlns="" xmlns:m="http://schemas.openxmlformats.org/officeDocument/2006/math" xmlns:a14="http://schemas.microsoft.com/office/drawing/2010/main" xmlns:ma14="http://schemas.microsoft.com/office/mac/drawingml/2011/main" val="1"/>
-            </a:ext>
-          </a:extLst>
-        </p:spPr>
-        <p:txBody>
-          <a:bodyPr wrap="none" lIns="45719" rIns="45719">
-            <a:spAutoFit/>
-          </a:bodyPr>
-          <a:lstStyle/>
-          <a:p>
-            <a:pPr defTabSz="457200">
-              <a:lnSpc>
-                <a:spcPts val="3500"/>
-              </a:lnSpc>
-              <a:defRPr sz="1400">
-                <a:solidFill>
-                  <a:srgbClr val="008000"/>
-                </a:solidFill>
-                <a:latin typeface="Menlo Regular"/>
-                <a:ea typeface="Menlo Regular"/>
-                <a:cs typeface="Menlo Regular"/>
-                <a:sym typeface="Menlo Regular"/>
-              </a:defRPr>
-            </a:pPr>
-            <a:r>
-              <a:t># cleaning: df.replace("[^a-zA-Z' ]“).split().lower().re.findall().stopwords.</a:t>
-            </a:r>
-          </a:p>
-          <a:p>
-            <a:pPr defTabSz="457200">
-              <a:lnSpc>
-                <a:spcPts val="3500"/>
-              </a:lnSpc>
-              <a:defRPr sz="1400">
-                <a:solidFill>
-                  <a:srgbClr val="008000"/>
-                </a:solidFill>
-                <a:latin typeface="Menlo Regular"/>
-                <a:ea typeface="Menlo Regular"/>
-                <a:cs typeface="Menlo Regular"/>
-                <a:sym typeface="Menlo Regular"/>
-              </a:defRPr>
-            </a:pPr>
-            <a:endParaRPr/>
-          </a:p>
-          <a:p>
-            <a:pPr defTabSz="457200">
-              <a:lnSpc>
-                <a:spcPts val="3500"/>
-              </a:lnSpc>
-              <a:defRPr sz="1400">
-                <a:solidFill>
-                  <a:srgbClr val="008000"/>
-                </a:solidFill>
-                <a:latin typeface="Menlo Regular"/>
-                <a:ea typeface="Menlo Regular"/>
-                <a:cs typeface="Menlo Regular"/>
-                <a:sym typeface="Menlo Regular"/>
-              </a:defRPr>
-            </a:pPr>
-            <a:endParaRPr/>
-          </a:p>
-          <a:p>
-            <a:pPr defTabSz="457200">
-              <a:lnSpc>
-                <a:spcPts val="3500"/>
-              </a:lnSpc>
-              <a:defRPr sz="1400">
-                <a:solidFill>
-                  <a:srgbClr val="008000"/>
-                </a:solidFill>
-                <a:latin typeface="Menlo Regular"/>
-                <a:ea typeface="Menlo Regular"/>
-                <a:cs typeface="Menlo Regular"/>
-                <a:sym typeface="Menlo Regular"/>
-              </a:defRPr>
-            </a:pPr>
-            <a:endParaRPr/>
-          </a:p>
-          <a:p>
-            <a:pPr defTabSz="457200">
-              <a:lnSpc>
-                <a:spcPts val="3500"/>
-              </a:lnSpc>
-              <a:defRPr sz="1400">
-                <a:solidFill>
-                  <a:srgbClr val="008000"/>
-                </a:solidFill>
-                <a:latin typeface="Menlo Regular"/>
-                <a:ea typeface="Menlo Regular"/>
-                <a:cs typeface="Menlo Regular"/>
-                <a:sym typeface="Menlo Regular"/>
-              </a:defRPr>
-            </a:pPr>
-            <a:endParaRPr>
-              <a:solidFill>
-                <a:srgbClr val="000000"/>
-              </a:solidFill>
-            </a:endParaRPr>
-          </a:p>
-          <a:p>
-            <a:pPr defTabSz="457200">
-              <a:lnSpc>
-                <a:spcPts val="3500"/>
-              </a:lnSpc>
-              <a:defRPr sz="1400">
-                <a:solidFill>
-                  <a:srgbClr val="008000"/>
-                </a:solidFill>
-                <a:latin typeface="Menlo Regular"/>
-                <a:ea typeface="Menlo Regular"/>
-                <a:cs typeface="Menlo Regular"/>
-                <a:sym typeface="Menlo Regular"/>
-              </a:defRPr>
-            </a:pPr>
-            <a:endParaRPr>
-              <a:solidFill>
-                <a:srgbClr val="000000"/>
-              </a:solidFill>
-            </a:endParaRPr>
-          </a:p>
-          <a:p>
-            <a:pPr defTabSz="457200">
-              <a:lnSpc>
-                <a:spcPts val="3500"/>
-              </a:lnSpc>
-              <a:defRPr sz="1400">
-                <a:solidFill>
-                  <a:srgbClr val="008000"/>
-                </a:solidFill>
-                <a:latin typeface="Menlo Regular"/>
-                <a:ea typeface="Menlo Regular"/>
-                <a:cs typeface="Menlo Regular"/>
-                <a:sym typeface="Menlo Regular"/>
-              </a:defRPr>
-            </a:pPr>
-            <a:endParaRPr>
-              <a:solidFill>
-                <a:srgbClr val="000000"/>
-              </a:solidFill>
-            </a:endParaRPr>
-          </a:p>
-        </p:txBody>
-      </p:sp>
-      <p:pic>
-        <p:nvPicPr>
-          <p:cNvPr id="123" name="Bildschirmfoto 2020-10-08 um 22.25.11.png" descr="Bildschirmfoto 2020-10-08 um 22.25.11.png"/>
-          <p:cNvPicPr>
-            <a:picLocks noChangeAspect="1"/>
-          </p:cNvPicPr>
-          <p:nvPr/>
-        </p:nvPicPr>
-        <p:blipFill>
-          <a:blip r:embed="rId2"/>
-          <a:stretch>
-            <a:fillRect/>
-          </a:stretch>
-        </p:blipFill>
-        <p:spPr>
-          <a:xfrm>
-            <a:off x="1271016" y="1317318"/>
-            <a:ext cx="10515601" cy="4959677"/>
-          </a:xfrm>
-          <a:prstGeom prst="rect">
-            <a:avLst/>
-          </a:prstGeom>
-          <a:ln w="12700">
-            <a:miter lim="400000"/>
-          </a:ln>
-        </p:spPr>
-      </p:pic>
-    </p:spTree>
-  </p:cSld>
-  <p:clrMapOvr>
-    <a:masterClrMapping/>
-  </p:clrMapOvr>
-  <p:transition spd="med"/>
+  <p:transition xmlns:p14="http://schemas.microsoft.com/office/powerpoint/2010/main" spd="med" advClick="1"/>
 </p:sld>
 </file>
 
 <file path=ppt/slides/slide2.xml><?xml version="1.0" encoding="utf-8"?>
-<p:sld xmlns:a="http://schemas.openxmlformats.org/drawingml/2006/main" xmlns:r="http://schemas.openxmlformats.org/officeDocument/2006/relationships" xmlns:p="http://schemas.openxmlformats.org/presentationml/2006/main">
+<p:sld xmlns:a="http://schemas.openxmlformats.org/drawingml/2006/main" xmlns:r="http://schemas.openxmlformats.org/officeDocument/2006/relationships" xmlns:p="http://schemas.openxmlformats.org/presentationml/2006/main" xmlns:m="http://schemas.openxmlformats.org/officeDocument/2006/math" xmlns:a14="http://schemas.microsoft.com/office/drawing/2010/main" showMasterSp="1" showMasterPhAnim="1">
   <p:cSld>
     <p:spTree>
       <p:nvGrpSpPr>
@@ -6042,9 +5895,7 @@
       <p:sp>
         <p:nvSpPr>
           <p:cNvPr id="97" name="Titel 1"/>
-          <p:cNvSpPr txBox="1">
-            <a:spLocks noGrp="1"/>
-          </p:cNvSpPr>
+          <p:cNvSpPr txBox="1"/>
           <p:nvPr>
             <p:ph type="title"/>
           </p:nvPr>
@@ -6062,6 +5913,7 @@
           <a:bodyPr/>
           <a:lstStyle/>
           <a:p>
+            <a:pPr/>
             <a:r>
               <a:t>Task</a:t>
             </a:r>
@@ -6071,17 +5923,15 @@
       <p:sp>
         <p:nvSpPr>
           <p:cNvPr id="98" name="Inhaltsplatzhalter 2"/>
-          <p:cNvSpPr txBox="1">
-            <a:spLocks noGrp="1"/>
-          </p:cNvSpPr>
+          <p:cNvSpPr txBox="1"/>
           <p:nvPr>
             <p:ph type="body" sz="half" idx="1"/>
           </p:nvPr>
         </p:nvSpPr>
         <p:spPr>
           <a:xfrm>
-            <a:off x="838200" y="1825625"/>
-            <a:ext cx="5633390" cy="4351338"/>
+            <a:off x="838199" y="1825625"/>
+            <a:ext cx="5633392" cy="4351338"/>
           </a:xfrm>
           <a:prstGeom prst="rect">
             <a:avLst/>
@@ -6096,6 +5946,7 @@
             </a:lvl1pPr>
           </a:lstStyle>
           <a:p>
+            <a:pPr/>
             <a:r>
               <a:t>Build a model which is capable of correctly classify tweets as either disaster tweets or false alerts</a:t>
             </a:r>
@@ -6111,15 +5962,17 @@
           <p:nvPr/>
         </p:nvPicPr>
         <p:blipFill>
-          <a:blip r:embed="rId2"/>
+          <a:blip r:embed="rId2">
+            <a:extLst/>
+          </a:blip>
           <a:stretch>
             <a:fillRect/>
           </a:stretch>
         </p:blipFill>
         <p:spPr>
           <a:xfrm>
-            <a:off x="6810493" y="926930"/>
-            <a:ext cx="3828672" cy="5004140"/>
+            <a:off x="6810492" y="926929"/>
+            <a:ext cx="3828673" cy="5004141"/>
           </a:xfrm>
           <a:prstGeom prst="rect">
             <a:avLst/>
@@ -6134,12 +5987,574 @@
   <p:clrMapOvr>
     <a:masterClrMapping/>
   </p:clrMapOvr>
-  <p:transition spd="med"/>
+  <p:transition xmlns:p14="http://schemas.microsoft.com/office/powerpoint/2010/main" spd="med" advClick="1"/>
+</p:sld>
+</file>
+
+<file path=ppt/slides/slide20.xml><?xml version="1.0" encoding="utf-8"?>
+<p:sld xmlns:a="http://schemas.openxmlformats.org/drawingml/2006/main" xmlns:r="http://schemas.openxmlformats.org/officeDocument/2006/relationships" xmlns:p="http://schemas.openxmlformats.org/presentationml/2006/main" xmlns:m="http://schemas.openxmlformats.org/officeDocument/2006/math" xmlns:a14="http://schemas.microsoft.com/office/drawing/2010/main" showMasterSp="1" showMasterPhAnim="1">
+  <p:cSld>
+    <p:spTree>
+      <p:nvGrpSpPr>
+        <p:cNvPr id="1" name=""/>
+        <p:cNvGrpSpPr/>
+        <p:nvPr/>
+      </p:nvGrpSpPr>
+      <p:grpSpPr>
+        <a:xfrm>
+          <a:off x="0" y="0"/>
+          <a:ext cx="0" cy="0"/>
+          <a:chOff x="0" y="0"/>
+          <a:chExt cx="0" cy="0"/>
+        </a:xfrm>
+      </p:grpSpPr>
+      <p:sp>
+        <p:nvSpPr>
+          <p:cNvPr id="194" name="Titel 1"/>
+          <p:cNvSpPr txBox="1"/>
+          <p:nvPr>
+            <p:ph type="title"/>
+          </p:nvPr>
+        </p:nvSpPr>
+        <p:spPr>
+          <a:xfrm>
+            <a:off x="838200" y="365125"/>
+            <a:ext cx="10515600" cy="1325563"/>
+          </a:xfrm>
+          <a:prstGeom prst="rect">
+            <a:avLst/>
+          </a:prstGeom>
+        </p:spPr>
+        <p:txBody>
+          <a:bodyPr/>
+          <a:lstStyle/>
+          <a:p>
+            <a:pPr/>
+            <a:r>
+              <a:t>Useful graphs</a:t>
+            </a:r>
+          </a:p>
+        </p:txBody>
+      </p:sp>
+      <p:pic>
+        <p:nvPicPr>
+          <p:cNvPr id="195" name="Picture 2" descr="Picture 2"/>
+          <p:cNvPicPr>
+            <a:picLocks noChangeAspect="1"/>
+          </p:cNvPicPr>
+          <p:nvPr/>
+        </p:nvPicPr>
+        <p:blipFill>
+          <a:blip r:embed="rId2">
+            <a:extLst/>
+          </a:blip>
+          <a:stretch>
+            <a:fillRect/>
+          </a:stretch>
+        </p:blipFill>
+        <p:spPr>
+          <a:xfrm>
+            <a:off x="838200" y="4179887"/>
+            <a:ext cx="6370321" cy="2544812"/>
+          </a:xfrm>
+          <a:prstGeom prst="rect">
+            <a:avLst/>
+          </a:prstGeom>
+          <a:ln w="12700">
+            <a:miter lim="400000"/>
+          </a:ln>
+        </p:spPr>
+      </p:pic>
+      <p:pic>
+        <p:nvPicPr>
+          <p:cNvPr id="196" name="Picture 4" descr="Picture 4"/>
+          <p:cNvPicPr>
+            <a:picLocks noChangeAspect="1"/>
+          </p:cNvPicPr>
+          <p:nvPr/>
+        </p:nvPicPr>
+        <p:blipFill>
+          <a:blip r:embed="rId3">
+            <a:extLst/>
+          </a:blip>
+          <a:stretch>
+            <a:fillRect/>
+          </a:stretch>
+        </p:blipFill>
+        <p:spPr>
+          <a:xfrm>
+            <a:off x="838200" y="1473199"/>
+            <a:ext cx="3571875" cy="2409826"/>
+          </a:xfrm>
+          <a:prstGeom prst="rect">
+            <a:avLst/>
+          </a:prstGeom>
+          <a:ln w="12700">
+            <a:miter lim="400000"/>
+          </a:ln>
+        </p:spPr>
+      </p:pic>
+    </p:spTree>
+  </p:cSld>
+  <p:clrMapOvr>
+    <a:masterClrMapping/>
+  </p:clrMapOvr>
+  <p:transition xmlns:p14="http://schemas.microsoft.com/office/powerpoint/2010/main" spd="med" advClick="1"/>
+</p:sld>
+</file>
+
+<file path=ppt/slides/slide21.xml><?xml version="1.0" encoding="utf-8"?>
+<p:sld xmlns:a="http://schemas.openxmlformats.org/drawingml/2006/main" xmlns:r="http://schemas.openxmlformats.org/officeDocument/2006/relationships" xmlns:p="http://schemas.openxmlformats.org/presentationml/2006/main" xmlns:m="http://schemas.openxmlformats.org/officeDocument/2006/math" xmlns:a14="http://schemas.microsoft.com/office/drawing/2010/main" showMasterSp="1" showMasterPhAnim="1">
+  <p:cSld>
+    <p:spTree>
+      <p:nvGrpSpPr>
+        <p:cNvPr id="1" name=""/>
+        <p:cNvGrpSpPr/>
+        <p:nvPr/>
+      </p:nvGrpSpPr>
+      <p:grpSpPr>
+        <a:xfrm>
+          <a:off x="0" y="0"/>
+          <a:ext cx="0" cy="0"/>
+          <a:chOff x="0" y="0"/>
+          <a:chExt cx="0" cy="0"/>
+        </a:xfrm>
+      </p:grpSpPr>
+      <p:sp>
+        <p:nvSpPr>
+          <p:cNvPr id="198" name="Titel 1"/>
+          <p:cNvSpPr txBox="1"/>
+          <p:nvPr>
+            <p:ph type="title"/>
+          </p:nvPr>
+        </p:nvSpPr>
+        <p:spPr>
+          <a:xfrm>
+            <a:off x="838200" y="365125"/>
+            <a:ext cx="10515600" cy="1325563"/>
+          </a:xfrm>
+          <a:prstGeom prst="rect">
+            <a:avLst/>
+          </a:prstGeom>
+        </p:spPr>
+        <p:txBody>
+          <a:bodyPr/>
+          <a:lstStyle/>
+          <a:p>
+            <a:pPr/>
+            <a:r>
+              <a:t>Used techniques</a:t>
+            </a:r>
+          </a:p>
+        </p:txBody>
+      </p:sp>
+      <p:sp>
+        <p:nvSpPr>
+          <p:cNvPr id="199" name="Inhaltsplatzhalter 2"/>
+          <p:cNvSpPr txBox="1"/>
+          <p:nvPr>
+            <p:ph type="body" idx="1"/>
+          </p:nvPr>
+        </p:nvSpPr>
+        <p:spPr>
+          <a:xfrm>
+            <a:off x="838200" y="1825625"/>
+            <a:ext cx="10515600" cy="4351338"/>
+          </a:xfrm>
+          <a:prstGeom prst="rect">
+            <a:avLst/>
+          </a:prstGeom>
+        </p:spPr>
+        <p:txBody>
+          <a:bodyPr/>
+          <a:lstStyle/>
+          <a:p>
+            <a:pPr marL="221741" indent="-221741" defTabSz="886967">
+              <a:lnSpc>
+                <a:spcPct val="81000"/>
+              </a:lnSpc>
+              <a:spcBef>
+                <a:spcPts val="900"/>
+              </a:spcBef>
+              <a:defRPr sz="2400"/>
+            </a:pPr>
+            <a:r>
+              <a:t>Data wrangling</a:t>
+            </a:r>
+          </a:p>
+          <a:p>
+            <a:pPr lvl="1" marL="665226" indent="-221741" defTabSz="886967">
+              <a:lnSpc>
+                <a:spcPct val="81000"/>
+              </a:lnSpc>
+              <a:spcBef>
+                <a:spcPts val="400"/>
+              </a:spcBef>
+              <a:defRPr sz="2100"/>
+            </a:pPr>
+            <a:r>
+              <a:t>regex</a:t>
+            </a:r>
+          </a:p>
+          <a:p>
+            <a:pPr lvl="1" marL="665226" indent="-221741" defTabSz="886967">
+              <a:lnSpc>
+                <a:spcPct val="81000"/>
+              </a:lnSpc>
+              <a:spcBef>
+                <a:spcPts val="400"/>
+              </a:spcBef>
+              <a:defRPr sz="2100"/>
+            </a:pPr>
+            <a:r>
+              <a:t>replace by dict</a:t>
+            </a:r>
+          </a:p>
+          <a:p>
+            <a:pPr lvl="1" marL="665226" indent="-221741" defTabSz="886967">
+              <a:lnSpc>
+                <a:spcPct val="81000"/>
+              </a:lnSpc>
+              <a:spcBef>
+                <a:spcPts val="400"/>
+              </a:spcBef>
+              <a:defRPr sz="2100"/>
+            </a:pPr>
+            <a:r>
+              <a:t>POS / NER</a:t>
+            </a:r>
+          </a:p>
+          <a:p>
+            <a:pPr marL="221741" indent="-221741" defTabSz="886967">
+              <a:lnSpc>
+                <a:spcPct val="81000"/>
+              </a:lnSpc>
+              <a:spcBef>
+                <a:spcPts val="900"/>
+              </a:spcBef>
+              <a:defRPr sz="2400"/>
+            </a:pPr>
+            <a:r>
+              <a:t>ML</a:t>
+            </a:r>
+          </a:p>
+          <a:p>
+            <a:pPr lvl="1" marL="665226" indent="-221741" defTabSz="886967">
+              <a:lnSpc>
+                <a:spcPct val="81000"/>
+              </a:lnSpc>
+              <a:spcBef>
+                <a:spcPts val="400"/>
+              </a:spcBef>
+              <a:defRPr sz="2100"/>
+            </a:pPr>
+            <a:r>
+              <a:t>pipeline</a:t>
+            </a:r>
+          </a:p>
+          <a:p>
+            <a:pPr lvl="1" marL="665226" indent="-221741" defTabSz="886967">
+              <a:lnSpc>
+                <a:spcPct val="81000"/>
+              </a:lnSpc>
+              <a:spcBef>
+                <a:spcPts val="400"/>
+              </a:spcBef>
+              <a:defRPr sz="2100"/>
+            </a:pPr>
+            <a:r>
+              <a:t>Tfidf</a:t>
+            </a:r>
+          </a:p>
+          <a:p>
+            <a:pPr lvl="1" marL="665226" indent="-221741" defTabSz="886967">
+              <a:lnSpc>
+                <a:spcPct val="81000"/>
+              </a:lnSpc>
+              <a:spcBef>
+                <a:spcPts val="400"/>
+              </a:spcBef>
+              <a:defRPr sz="2100"/>
+            </a:pPr>
+            <a:r>
+              <a:t>CountVectorizer</a:t>
+            </a:r>
+          </a:p>
+          <a:p>
+            <a:pPr lvl="1" marL="665226" indent="-221741" defTabSz="886967">
+              <a:lnSpc>
+                <a:spcPct val="81000"/>
+              </a:lnSpc>
+              <a:spcBef>
+                <a:spcPts val="400"/>
+              </a:spcBef>
+              <a:defRPr sz="2100"/>
+            </a:pPr>
+            <a:r>
+              <a:t>XGBClassifier</a:t>
+            </a:r>
+          </a:p>
+          <a:p>
+            <a:pPr lvl="1" marL="665226" indent="-221741" defTabSz="886967">
+              <a:lnSpc>
+                <a:spcPct val="81000"/>
+              </a:lnSpc>
+              <a:spcBef>
+                <a:spcPts val="400"/>
+              </a:spcBef>
+              <a:defRPr sz="2100"/>
+            </a:pPr>
+            <a:r>
+              <a:t>stacking</a:t>
+            </a:r>
+          </a:p>
+          <a:p>
+            <a:pPr marL="221741" indent="-221741" defTabSz="886967">
+              <a:lnSpc>
+                <a:spcPct val="81000"/>
+              </a:lnSpc>
+              <a:spcBef>
+                <a:spcPts val="900"/>
+              </a:spcBef>
+              <a:defRPr sz="2400"/>
+            </a:pPr>
+            <a:r>
+              <a:t>App</a:t>
+            </a:r>
+          </a:p>
+          <a:p>
+            <a:pPr lvl="1" marL="665226" indent="-221741" defTabSz="886967">
+              <a:lnSpc>
+                <a:spcPct val="81000"/>
+              </a:lnSpc>
+              <a:spcBef>
+                <a:spcPts val="400"/>
+              </a:spcBef>
+              <a:defRPr sz="2100"/>
+            </a:pPr>
+            <a:r>
+              <a:t>thunkable</a:t>
+            </a:r>
+          </a:p>
+        </p:txBody>
+      </p:sp>
+    </p:spTree>
+  </p:cSld>
+  <p:clrMapOvr>
+    <a:masterClrMapping/>
+  </p:clrMapOvr>
+  <p:transition xmlns:p14="http://schemas.microsoft.com/office/powerpoint/2010/main" spd="med" advClick="1"/>
+</p:sld>
+</file>
+
+<file path=ppt/slides/slide22.xml><?xml version="1.0" encoding="utf-8"?>
+<p:sld xmlns:a="http://schemas.openxmlformats.org/drawingml/2006/main" xmlns:r="http://schemas.openxmlformats.org/officeDocument/2006/relationships" xmlns:p="http://schemas.openxmlformats.org/presentationml/2006/main" xmlns:m="http://schemas.openxmlformats.org/officeDocument/2006/math" xmlns:a14="http://schemas.microsoft.com/office/drawing/2010/main" showMasterSp="1" showMasterPhAnim="1">
+  <p:cSld>
+    <p:spTree>
+      <p:nvGrpSpPr>
+        <p:cNvPr id="1" name=""/>
+        <p:cNvGrpSpPr/>
+        <p:nvPr/>
+      </p:nvGrpSpPr>
+      <p:grpSpPr>
+        <a:xfrm>
+          <a:off x="0" y="0"/>
+          <a:ext cx="0" cy="0"/>
+          <a:chOff x="0" y="0"/>
+          <a:chExt cx="0" cy="0"/>
+        </a:xfrm>
+      </p:grpSpPr>
+      <p:sp>
+        <p:nvSpPr>
+          <p:cNvPr id="201" name="Titel 1"/>
+          <p:cNvSpPr txBox="1"/>
+          <p:nvPr>
+            <p:ph type="title"/>
+          </p:nvPr>
+        </p:nvSpPr>
+        <p:spPr>
+          <a:xfrm>
+            <a:off x="838200" y="365125"/>
+            <a:ext cx="10515600" cy="1325563"/>
+          </a:xfrm>
+          <a:prstGeom prst="rect">
+            <a:avLst/>
+          </a:prstGeom>
+        </p:spPr>
+        <p:txBody>
+          <a:bodyPr/>
+          <a:lstStyle/>
+          <a:p>
+            <a:pPr/>
+            <a:r>
+              <a:t>Workbench</a:t>
+            </a:r>
+          </a:p>
+        </p:txBody>
+      </p:sp>
+      <p:sp>
+        <p:nvSpPr>
+          <p:cNvPr id="202" name="# cleaning: df.replace(&quot;[^a-zA-Z' ]“).split().lower().re.findall().stopwords."/>
+          <p:cNvSpPr txBox="1"/>
+          <p:nvPr/>
+        </p:nvSpPr>
+        <p:spPr>
+          <a:xfrm>
+            <a:off x="-4953" y="6311900"/>
+            <a:ext cx="8453620" cy="3155971"/>
+          </a:xfrm>
+          <a:prstGeom prst="rect">
+            <a:avLst/>
+          </a:prstGeom>
+          <a:ln w="12700">
+            <a:miter lim="400000"/>
+          </a:ln>
+          <a:extLst>
+            <a:ext uri="{C572A759-6A51-4108-AA02-DFA0A04FC94B}">
+              <ma14:wrappingTextBoxFlag xmlns:ma14="http://schemas.microsoft.com/office/mac/drawingml/2011/main" val="1"/>
+            </a:ext>
+          </a:extLst>
+        </p:spPr>
+        <p:txBody>
+          <a:bodyPr wrap="none" lIns="45718" tIns="45718" rIns="45718" bIns="45718">
+            <a:spAutoFit/>
+          </a:bodyPr>
+          <a:lstStyle/>
+          <a:p>
+            <a:pPr defTabSz="457200">
+              <a:lnSpc>
+                <a:spcPts val="3500"/>
+              </a:lnSpc>
+              <a:defRPr sz="1400">
+                <a:solidFill>
+                  <a:srgbClr val="008000"/>
+                </a:solidFill>
+                <a:latin typeface="Menlo"/>
+                <a:ea typeface="Menlo"/>
+                <a:cs typeface="Menlo"/>
+                <a:sym typeface="Menlo"/>
+              </a:defRPr>
+            </a:pPr>
+            <a:r>
+              <a:t># cleaning: df.replace("[^a-zA-Z' ]“).split().lower().re.findall().stopwords.</a:t>
+            </a:r>
+          </a:p>
+          <a:p>
+            <a:pPr defTabSz="457200">
+              <a:lnSpc>
+                <a:spcPts val="3500"/>
+              </a:lnSpc>
+              <a:defRPr sz="1400">
+                <a:solidFill>
+                  <a:srgbClr val="008000"/>
+                </a:solidFill>
+                <a:latin typeface="Menlo"/>
+                <a:ea typeface="Menlo"/>
+                <a:cs typeface="Menlo"/>
+                <a:sym typeface="Menlo"/>
+              </a:defRPr>
+            </a:pPr>
+          </a:p>
+          <a:p>
+            <a:pPr defTabSz="457200">
+              <a:lnSpc>
+                <a:spcPts val="3500"/>
+              </a:lnSpc>
+              <a:defRPr sz="1400">
+                <a:solidFill>
+                  <a:srgbClr val="008000"/>
+                </a:solidFill>
+                <a:latin typeface="Menlo"/>
+                <a:ea typeface="Menlo"/>
+                <a:cs typeface="Menlo"/>
+                <a:sym typeface="Menlo"/>
+              </a:defRPr>
+            </a:pPr>
+          </a:p>
+          <a:p>
+            <a:pPr defTabSz="457200">
+              <a:lnSpc>
+                <a:spcPts val="3500"/>
+              </a:lnSpc>
+              <a:defRPr sz="1400">
+                <a:solidFill>
+                  <a:srgbClr val="008000"/>
+                </a:solidFill>
+                <a:latin typeface="Menlo"/>
+                <a:ea typeface="Menlo"/>
+                <a:cs typeface="Menlo"/>
+                <a:sym typeface="Menlo"/>
+              </a:defRPr>
+            </a:pPr>
+          </a:p>
+          <a:p>
+            <a:pPr defTabSz="457200">
+              <a:lnSpc>
+                <a:spcPts val="3500"/>
+              </a:lnSpc>
+              <a:defRPr sz="1400">
+                <a:latin typeface="Menlo"/>
+                <a:ea typeface="Menlo"/>
+                <a:cs typeface="Menlo"/>
+                <a:sym typeface="Menlo"/>
+              </a:defRPr>
+            </a:pPr>
+          </a:p>
+          <a:p>
+            <a:pPr defTabSz="457200">
+              <a:lnSpc>
+                <a:spcPts val="3500"/>
+              </a:lnSpc>
+              <a:defRPr sz="1400">
+                <a:latin typeface="Menlo"/>
+                <a:ea typeface="Menlo"/>
+                <a:cs typeface="Menlo"/>
+                <a:sym typeface="Menlo"/>
+              </a:defRPr>
+            </a:pPr>
+          </a:p>
+        </p:txBody>
+      </p:sp>
+      <p:pic>
+        <p:nvPicPr>
+          <p:cNvPr id="203" name="Bildschirmfoto 2020-10-08 um 22.25.11.png" descr="Bildschirmfoto 2020-10-08 um 22.25.11.png"/>
+          <p:cNvPicPr>
+            <a:picLocks noChangeAspect="1"/>
+          </p:cNvPicPr>
+          <p:nvPr/>
+        </p:nvPicPr>
+        <p:blipFill>
+          <a:blip r:embed="rId2">
+            <a:extLst/>
+          </a:blip>
+          <a:stretch>
+            <a:fillRect/>
+          </a:stretch>
+        </p:blipFill>
+        <p:spPr>
+          <a:xfrm>
+            <a:off x="1271016" y="1317318"/>
+            <a:ext cx="10515601" cy="4959678"/>
+          </a:xfrm>
+          <a:prstGeom prst="rect">
+            <a:avLst/>
+          </a:prstGeom>
+          <a:ln w="12700">
+            <a:miter lim="400000"/>
+          </a:ln>
+        </p:spPr>
+      </p:pic>
+    </p:spTree>
+  </p:cSld>
+  <p:clrMapOvr>
+    <a:masterClrMapping/>
+  </p:clrMapOvr>
+  <p:transition xmlns:p14="http://schemas.microsoft.com/office/powerpoint/2010/main" spd="med" advClick="1"/>
 </p:sld>
 </file>
 
 <file path=ppt/slides/slide3.xml><?xml version="1.0" encoding="utf-8"?>
-<p:sld xmlns:a="http://schemas.openxmlformats.org/drawingml/2006/main" xmlns:r="http://schemas.openxmlformats.org/officeDocument/2006/relationships" xmlns:p="http://schemas.openxmlformats.org/presentationml/2006/main">
+<p:sld xmlns:a="http://schemas.openxmlformats.org/drawingml/2006/main" xmlns:r="http://schemas.openxmlformats.org/officeDocument/2006/relationships" xmlns:p="http://schemas.openxmlformats.org/presentationml/2006/main" xmlns:m="http://schemas.openxmlformats.org/officeDocument/2006/math" xmlns:a14="http://schemas.microsoft.com/office/drawing/2010/main" showMasterSp="1" showMasterPhAnim="1">
   <p:cSld>
     <p:spTree>
       <p:nvGrpSpPr>
@@ -6158,9 +6573,7 @@
       <p:sp>
         <p:nvSpPr>
           <p:cNvPr id="101" name="Titel 1"/>
-          <p:cNvSpPr txBox="1">
-            <a:spLocks noGrp="1"/>
-          </p:cNvSpPr>
+          <p:cNvSpPr txBox="1"/>
           <p:nvPr>
             <p:ph type="title"/>
           </p:nvPr>
@@ -6178,6 +6591,7 @@
           <a:bodyPr/>
           <a:lstStyle/>
           <a:p>
+            <a:pPr/>
             <a:r>
               <a:t>Strategy</a:t>
             </a:r>
@@ -6187,9 +6601,7 @@
       <p:sp>
         <p:nvSpPr>
           <p:cNvPr id="102" name="Inhaltsplatzhalter 2"/>
-          <p:cNvSpPr txBox="1">
-            <a:spLocks noGrp="1"/>
-          </p:cNvSpPr>
+          <p:cNvSpPr txBox="1"/>
           <p:nvPr>
             <p:ph type="body" idx="1"/>
           </p:nvPr>
@@ -6207,26 +6619,31 @@
           <a:bodyPr/>
           <a:lstStyle/>
           <a:p>
+            <a:pPr/>
             <a:r>
               <a:t>data exploration</a:t>
             </a:r>
           </a:p>
           <a:p>
+            <a:pPr/>
             <a:r>
               <a:t>clean keywords</a:t>
             </a:r>
           </a:p>
           <a:p>
+            <a:pPr/>
             <a:r>
               <a:t>transform text via NLP techniques</a:t>
             </a:r>
           </a:p>
           <a:p>
+            <a:pPr/>
             <a:r>
               <a:t>perform different ML approaches to find best differentiator model</a:t>
             </a:r>
           </a:p>
           <a:p>
+            <a:pPr/>
             <a:r>
               <a:t>build app using a ML pipeline to predict alert situations</a:t>
             </a:r>
@@ -6238,12 +6655,12 @@
   <p:clrMapOvr>
     <a:masterClrMapping/>
   </p:clrMapOvr>
-  <p:transition spd="med"/>
+  <p:transition xmlns:p14="http://schemas.microsoft.com/office/powerpoint/2010/main" spd="med" advClick="1"/>
 </p:sld>
 </file>
 
 <file path=ppt/slides/slide4.xml><?xml version="1.0" encoding="utf-8"?>
-<p:sld xmlns:a="http://schemas.openxmlformats.org/drawingml/2006/main" xmlns:r="http://schemas.openxmlformats.org/officeDocument/2006/relationships" xmlns:p="http://schemas.openxmlformats.org/presentationml/2006/main">
+<p:sld xmlns:a="http://schemas.openxmlformats.org/drawingml/2006/main" xmlns:r="http://schemas.openxmlformats.org/officeDocument/2006/relationships" xmlns:p="http://schemas.openxmlformats.org/presentationml/2006/main" xmlns:m="http://schemas.openxmlformats.org/officeDocument/2006/math" xmlns:a14="http://schemas.microsoft.com/office/drawing/2010/main" showMasterSp="1" showMasterPhAnim="1">
   <p:cSld>
     <p:spTree>
       <p:nvGrpSpPr>
@@ -6262,9 +6679,7 @@
       <p:sp>
         <p:nvSpPr>
           <p:cNvPr id="104" name="Titel 1"/>
-          <p:cNvSpPr txBox="1">
-            <a:spLocks noGrp="1"/>
-          </p:cNvSpPr>
+          <p:cNvSpPr txBox="1"/>
           <p:nvPr>
             <p:ph type="title"/>
           </p:nvPr>
@@ -6282,6 +6697,7 @@
           <a:bodyPr/>
           <a:lstStyle/>
           <a:p>
+            <a:pPr/>
             <a:r>
               <a:t>Workbench</a:t>
             </a:r>
@@ -6291,9 +6707,7 @@
       <p:sp>
         <p:nvSpPr>
           <p:cNvPr id="105" name="Inhaltsplatzhalter 2"/>
-          <p:cNvSpPr txBox="1">
-            <a:spLocks noGrp="1"/>
-          </p:cNvSpPr>
+          <p:cNvSpPr txBox="1"/>
           <p:nvPr>
             <p:ph type="body" idx="1"/>
           </p:nvPr>
@@ -6311,12 +6725,13 @@
           <a:bodyPr/>
           <a:lstStyle/>
           <a:p>
+            <a:pPr/>
             <a:r>
               <a:t>Day 1: </a:t>
             </a:r>
           </a:p>
           <a:p>
-            <a:pPr marL="685800" lvl="1" indent="-228600">
+            <a:pPr lvl="1" marL="685800" indent="-228600">
               <a:spcBef>
                 <a:spcPts val="500"/>
               </a:spcBef>
@@ -6327,7 +6742,7 @@
             </a:r>
           </a:p>
           <a:p>
-            <a:pPr marL="685800" lvl="1" indent="-228600">
+            <a:pPr lvl="1" marL="685800" indent="-228600">
               <a:spcBef>
                 <a:spcPts val="500"/>
               </a:spcBef>
@@ -6338,7 +6753,7 @@
             </a:r>
           </a:p>
           <a:p>
-            <a:pPr marL="685800" lvl="1" indent="-228600">
+            <a:pPr lvl="1" marL="685800" indent="-228600">
               <a:spcBef>
                 <a:spcPts val="500"/>
               </a:spcBef>
@@ -6349,7 +6764,7 @@
             </a:r>
           </a:p>
           <a:p>
-            <a:pPr marL="685800" lvl="1" indent="-228600">
+            <a:pPr lvl="1" marL="685800" indent="-228600">
               <a:spcBef>
                 <a:spcPts val="500"/>
               </a:spcBef>
@@ -6363,49 +6778,31 @@
       </p:sp>
       <p:pic>
         <p:nvPicPr>
-          <p:cNvPr id="1028" name="Picture 4">
-            <a:extLst>
-              <a:ext uri="{FF2B5EF4-FFF2-40B4-BE49-F238E27FC236}">
-                <a16:creationId xmlns:a16="http://schemas.microsoft.com/office/drawing/2014/main" id="{6FD41E5C-9E5F-4AEE-B529-59BB4371FC39}"/>
-              </a:ext>
-            </a:extLst>
-          </p:cNvPr>
+          <p:cNvPr id="106" name="Picture 4" descr="Picture 4"/>
           <p:cNvPicPr>
-            <a:picLocks noChangeAspect="1" noChangeArrowheads="1"/>
+            <a:picLocks noChangeAspect="1"/>
           </p:cNvPicPr>
           <p:nvPr/>
         </p:nvPicPr>
         <p:blipFill>
           <a:blip r:embed="rId2">
-            <a:extLst>
-              <a:ext uri="{28A0092B-C50C-407E-A947-70E740481C1C}">
-                <a14:useLocalDpi xmlns:a14="http://schemas.microsoft.com/office/drawing/2010/main" val="0"/>
-              </a:ext>
-            </a:extLst>
+            <a:extLst/>
           </a:blip>
-          <a:srcRect/>
           <a:stretch>
             <a:fillRect/>
           </a:stretch>
         </p:blipFill>
-        <p:spPr bwMode="auto">
-          <a:xfrm>
-            <a:off x="6788781" y="2893512"/>
-            <a:ext cx="4633748" cy="2788215"/>
-          </a:xfrm>
-          <a:prstGeom prst="rect">
-            <a:avLst/>
-          </a:prstGeom>
-          <a:noFill/>
-          <a:extLst>
-            <a:ext uri="{909E8E84-426E-40DD-AFC4-6F175D3DCCD1}">
-              <a14:hiddenFill xmlns:a14="http://schemas.microsoft.com/office/drawing/2010/main">
-                <a:solidFill>
-                  <a:srgbClr val="FFFFFF"/>
-                </a:solidFill>
-              </a14:hiddenFill>
-            </a:ext>
-          </a:extLst>
+        <p:spPr>
+          <a:xfrm>
+            <a:off x="6788780" y="2893511"/>
+            <a:ext cx="4633750" cy="2788217"/>
+          </a:xfrm>
+          <a:prstGeom prst="rect">
+            <a:avLst/>
+          </a:prstGeom>
+          <a:ln w="12700">
+            <a:miter lim="400000"/>
+          </a:ln>
         </p:spPr>
       </p:pic>
     </p:spTree>
@@ -6413,12 +6810,12 @@
   <p:clrMapOvr>
     <a:masterClrMapping/>
   </p:clrMapOvr>
-  <p:transition spd="med"/>
+  <p:transition xmlns:p14="http://schemas.microsoft.com/office/powerpoint/2010/main" spd="med" advClick="1"/>
 </p:sld>
 </file>
 
 <file path=ppt/slides/slide5.xml><?xml version="1.0" encoding="utf-8"?>
-<p:sld xmlns:a="http://schemas.openxmlformats.org/drawingml/2006/main" xmlns:r="http://schemas.openxmlformats.org/officeDocument/2006/relationships" xmlns:p="http://schemas.openxmlformats.org/presentationml/2006/main">
+<p:sld xmlns:a="http://schemas.openxmlformats.org/drawingml/2006/main" xmlns:r="http://schemas.openxmlformats.org/officeDocument/2006/relationships" xmlns:p="http://schemas.openxmlformats.org/presentationml/2006/main" xmlns:m="http://schemas.openxmlformats.org/officeDocument/2006/math" xmlns:a14="http://schemas.microsoft.com/office/drawing/2010/main" showMasterSp="1" showMasterPhAnim="1">
   <p:cSld>
     <p:spTree>
       <p:nvGrpSpPr>
@@ -6437,9 +6834,7 @@
       <p:sp>
         <p:nvSpPr>
           <p:cNvPr id="108" name="Titel 1"/>
-          <p:cNvSpPr txBox="1">
-            <a:spLocks noGrp="1"/>
-          </p:cNvSpPr>
+          <p:cNvSpPr txBox="1"/>
           <p:nvPr>
             <p:ph type="title"/>
           </p:nvPr>
@@ -6457,6 +6852,7 @@
           <a:bodyPr/>
           <a:lstStyle/>
           <a:p>
+            <a:pPr/>
             <a:r>
               <a:t>Workbench</a:t>
             </a:r>
@@ -6466,11 +6862,9 @@
       <p:sp>
         <p:nvSpPr>
           <p:cNvPr id="109" name="Inhaltsplatzhalter 2"/>
-          <p:cNvSpPr txBox="1">
-            <a:spLocks noGrp="1"/>
-          </p:cNvSpPr>
+          <p:cNvSpPr txBox="1"/>
           <p:nvPr>
-            <p:ph type="body" idx="1"/>
+            <p:ph type="body" sz="half" idx="1"/>
           </p:nvPr>
         </p:nvSpPr>
         <p:spPr>
@@ -6486,64 +6880,43 @@
           <a:bodyPr/>
           <a:lstStyle/>
           <a:p>
-            <a:r>
-              <a:rPr dirty="0"/>
+            <a:pPr/>
+            <a:r>
               <a:t>Day 2:</a:t>
             </a:r>
           </a:p>
           <a:p>
-            <a:pPr marL="685800" lvl="1" indent="-228600">
+            <a:pPr lvl="1" marL="685800" indent="-228600">
               <a:spcBef>
                 <a:spcPts val="500"/>
               </a:spcBef>
               <a:defRPr sz="2400"/>
             </a:pPr>
             <a:r>
-              <a:rPr dirty="0"/>
               <a:t>find best pipe to predict real and false alerts (individual)</a:t>
             </a:r>
           </a:p>
           <a:p>
-            <a:pPr marL="685800" lvl="1" indent="-228600">
+            <a:pPr lvl="1" marL="685800" indent="-228600">
               <a:spcBef>
                 <a:spcPts val="500"/>
               </a:spcBef>
               <a:defRPr sz="2400"/>
             </a:pPr>
             <a:r>
-              <a:rPr dirty="0"/>
               <a:t>visualize keyword distribution depending on alert state (individual)</a:t>
             </a:r>
           </a:p>
           <a:p>
-            <a:pPr marL="685800" lvl="1" indent="-228600">
+            <a:pPr lvl="1" marL="685800" indent="-228600">
               <a:spcBef>
                 <a:spcPts val="500"/>
               </a:spcBef>
               <a:defRPr sz="2400"/>
             </a:pPr>
             <a:r>
-              <a:rPr dirty="0"/>
               <a:t>programming warning app for users (individual) </a:t>
             </a:r>
-          </a:p>
-          <a:p>
-            <a:pPr marL="685800" lvl="1" indent="-228600">
-              <a:spcBef>
-                <a:spcPts val="500"/>
-              </a:spcBef>
-              <a:defRPr sz="2400"/>
-            </a:pPr>
-            <a:endParaRPr dirty="0"/>
-          </a:p>
-          <a:p>
-            <a:pPr marL="685800" lvl="1" indent="-228600">
-              <a:spcBef>
-                <a:spcPts val="500"/>
-              </a:spcBef>
-              <a:defRPr sz="2400"/>
-            </a:pPr>
-            <a:endParaRPr dirty="0"/>
           </a:p>
         </p:txBody>
       </p:sp>
@@ -6556,7 +6929,9 @@
           <p:nvPr/>
         </p:nvPicPr>
         <p:blipFill>
-          <a:blip r:embed="rId2"/>
+          <a:blip r:embed="rId2">
+            <a:extLst/>
+          </a:blip>
           <a:stretch>
             <a:fillRect/>
           </a:stretch>
@@ -6579,12 +6954,12 @@
   <p:clrMapOvr>
     <a:masterClrMapping/>
   </p:clrMapOvr>
-  <p:transition spd="med"/>
+  <p:transition xmlns:p14="http://schemas.microsoft.com/office/powerpoint/2010/main" spd="med" advClick="1"/>
 </p:sld>
 </file>
 
 <file path=ppt/slides/slide6.xml><?xml version="1.0" encoding="utf-8"?>
-<p:sld xmlns:a="http://schemas.openxmlformats.org/drawingml/2006/main" xmlns:r="http://schemas.openxmlformats.org/officeDocument/2006/relationships" xmlns:p="http://schemas.openxmlformats.org/presentationml/2006/main">
+<p:sld xmlns:a="http://schemas.openxmlformats.org/drawingml/2006/main" xmlns:r="http://schemas.openxmlformats.org/officeDocument/2006/relationships" xmlns:p="http://schemas.openxmlformats.org/presentationml/2006/main" xmlns:m="http://schemas.openxmlformats.org/officeDocument/2006/math" xmlns:a14="http://schemas.microsoft.com/office/drawing/2010/main" showMasterSp="1" showMasterPhAnim="1">
   <p:cSld>
     <p:spTree>
       <p:nvGrpSpPr>
@@ -6603,18 +6978,12 @@
       <p:sp>
         <p:nvSpPr>
           <p:cNvPr id="112" name="Titel 1"/>
-          <p:cNvSpPr txBox="1">
-            <a:spLocks noGrp="1"/>
-          </p:cNvSpPr>
+          <p:cNvSpPr txBox="1"/>
           <p:nvPr>
             <p:ph type="title"/>
           </p:nvPr>
         </p:nvSpPr>
         <p:spPr>
-          <a:xfrm>
-            <a:off x="838200" y="365125"/>
-            <a:ext cx="10515600" cy="1325563"/>
-          </a:xfrm>
           <a:prstGeom prst="rect">
             <a:avLst/>
           </a:prstGeom>
@@ -6623,6 +6992,7 @@
           <a:bodyPr/>
           <a:lstStyle/>
           <a:p>
+            <a:pPr/>
             <a:r>
               <a:t>Workbench</a:t>
             </a:r>
@@ -6632,18 +7002,12 @@
       <p:sp>
         <p:nvSpPr>
           <p:cNvPr id="113" name="Inhaltsplatzhalter 2"/>
-          <p:cNvSpPr txBox="1">
-            <a:spLocks noGrp="1"/>
-          </p:cNvSpPr>
+          <p:cNvSpPr txBox="1"/>
           <p:nvPr>
             <p:ph type="body" idx="1"/>
           </p:nvPr>
         </p:nvSpPr>
         <p:spPr>
-          <a:xfrm>
-            <a:off x="838200" y="1825625"/>
-            <a:ext cx="10515600" cy="4351338"/>
-          </a:xfrm>
           <a:prstGeom prst="rect">
             <a:avLst/>
           </a:prstGeom>
@@ -6652,115 +7016,90 @@
           <a:bodyPr/>
           <a:lstStyle/>
           <a:p>
-            <a:r>
-              <a:rPr dirty="0"/>
+            <a:pPr/>
+            <a:r>
               <a:t>Day 3: </a:t>
             </a:r>
           </a:p>
           <a:p>
-            <a:pPr marL="685800" lvl="1" indent="-228600">
+            <a:pPr lvl="1" marL="685800" indent="-228600">
               <a:spcBef>
                 <a:spcPts val="500"/>
               </a:spcBef>
               <a:defRPr sz="2400"/>
             </a:pPr>
             <a:r>
-              <a:rPr dirty="0"/>
               <a:t>Git (group)</a:t>
             </a:r>
           </a:p>
           <a:p>
-            <a:pPr marL="685800" lvl="1" indent="-228600">
+            <a:pPr lvl="1" marL="685800" indent="-228600">
               <a:spcBef>
                 <a:spcPts val="500"/>
               </a:spcBef>
               <a:defRPr sz="2400"/>
             </a:pPr>
             <a:r>
-              <a:rPr dirty="0"/>
               <a:t>different NLP and ML techniques ( group)</a:t>
             </a:r>
           </a:p>
           <a:p>
-            <a:pPr marL="685800" lvl="1" indent="-228600">
+            <a:pPr lvl="1" marL="685800" indent="-228600">
               <a:spcBef>
                 <a:spcPts val="500"/>
               </a:spcBef>
               <a:defRPr sz="2400"/>
             </a:pPr>
             <a:r>
-              <a:rPr dirty="0"/>
               <a:t>many different models tested</a:t>
             </a:r>
           </a:p>
           <a:p>
-            <a:pPr marL="685800" lvl="1" indent="-228600">
+            <a:pPr lvl="1" marL="685800" indent="-228600">
               <a:spcBef>
                 <a:spcPts val="500"/>
               </a:spcBef>
               <a:defRPr sz="2400"/>
             </a:pPr>
-            <a:endParaRPr dirty="0"/>
-          </a:p>
-          <a:p>
-            <a:pPr marL="685800" lvl="1" indent="-228600">
-              <a:spcBef>
-                <a:spcPts val="500"/>
-              </a:spcBef>
-              <a:defRPr sz="2400"/>
-            </a:pPr>
-            <a:endParaRPr dirty="0"/>
-          </a:p>
-          <a:p>
-            <a:r>
-              <a:rPr dirty="0"/>
-              <a:t>Markus </a:t>
-            </a:r>
-            <a:r>
-              <a:rPr dirty="0" err="1"/>
-              <a:t>mit</a:t>
-            </a:r>
-            <a:r>
-              <a:rPr dirty="0"/>
-              <a:t> </a:t>
-            </a:r>
-            <a:r>
-              <a:rPr dirty="0" err="1"/>
-              <a:t>großen</a:t>
-            </a:r>
-            <a:r>
-              <a:rPr dirty="0"/>
-              <a:t> </a:t>
-            </a:r>
-            <a:r>
-              <a:rPr dirty="0" err="1"/>
-              <a:t>Tabellen</a:t>
-            </a:r>
-            <a:r>
-              <a:rPr dirty="0"/>
-              <a:t> + </a:t>
-            </a:r>
-            <a:r>
-              <a:rPr dirty="0" err="1"/>
-              <a:t>einer</a:t>
-            </a:r>
-            <a:r>
-              <a:rPr dirty="0"/>
-              <a:t> Live Prediction</a:t>
-            </a:r>
-            <a:r>
-              <a:rPr lang="de-DE" dirty="0"/>
-              <a:t> im </a:t>
-            </a:r>
-            <a:r>
-              <a:rPr lang="de-DE" dirty="0" err="1"/>
-              <a:t>colab</a:t>
-            </a:r>
-            <a:r>
-              <a:rPr lang="de-DE" dirty="0"/>
-              <a:t>!</a:t>
-            </a:r>
-            <a:endParaRPr dirty="0"/>
+          </a:p>
+          <a:p>
+            <a:pPr marL="195942" indent="-195942"/>
+            <a:r>
+              <a:rPr sz="2400"/>
+              <a:t>NLP: </a:t>
+            </a:r>
+            <a:endParaRPr sz="2400"/>
+          </a:p>
+          <a:p>
+            <a:pPr lvl="1" marL="653142" indent="-195942"/>
+            <a:r>
+              <a:rPr sz="2400"/>
+              <a:t>Cleaning, lemmatising and vectorizing (TFVdif and CountVectorizer)</a:t>
+            </a:r>
+            <a:endParaRPr sz="2400"/>
+          </a:p>
+          <a:p>
+            <a:pPr lvl="1" marL="653142" indent="-195942"/>
+            <a:r>
+              <a:rPr sz="2400"/>
+              <a:t>Tweets text, Keywords and Tweet text + Keywords</a:t>
+            </a:r>
+            <a:endParaRPr sz="2400"/>
+          </a:p>
+          <a:p>
+            <a:pPr marL="195942" indent="-195942"/>
+            <a:r>
+              <a:rPr sz="2400"/>
+              <a:t>ML Models:</a:t>
+            </a:r>
+            <a:endParaRPr sz="2400"/>
+          </a:p>
+          <a:p>
+            <a:pPr lvl="1" marL="653142" indent="-195942"/>
+            <a:r>
+              <a:rPr sz="2400"/>
+              <a:t>all Classifiers we heard about in this course</a:t>
+            </a:r>
           </a:p>
         </p:txBody>
       </p:sp>
@@ -6769,12 +7108,12 @@
   <p:clrMapOvr>
     <a:masterClrMapping/>
   </p:clrMapOvr>
-  <p:transition spd="med"/>
+  <p:transition xmlns:p14="http://schemas.microsoft.com/office/powerpoint/2010/main" spd="med" advClick="1"/>
 </p:sld>
 </file>
 
 <file path=ppt/slides/slide7.xml><?xml version="1.0" encoding="utf-8"?>
-<p:sld xmlns:a="http://schemas.openxmlformats.org/drawingml/2006/main" xmlns:r="http://schemas.openxmlformats.org/officeDocument/2006/relationships" xmlns:p="http://schemas.openxmlformats.org/presentationml/2006/main">
+<p:sld xmlns:a="http://schemas.openxmlformats.org/drawingml/2006/main" xmlns:r="http://schemas.openxmlformats.org/officeDocument/2006/relationships" xmlns:p="http://schemas.openxmlformats.org/presentationml/2006/main" xmlns:m="http://schemas.openxmlformats.org/officeDocument/2006/math" xmlns:a14="http://schemas.microsoft.com/office/drawing/2010/main" showMasterSp="1" showMasterPhAnim="1">
   <p:cSld>
     <p:spTree>
       <p:nvGrpSpPr>
@@ -6793,18 +7132,12 @@
       <p:sp>
         <p:nvSpPr>
           <p:cNvPr id="115" name="Titel 1"/>
-          <p:cNvSpPr txBox="1">
-            <a:spLocks noGrp="1"/>
-          </p:cNvSpPr>
+          <p:cNvSpPr txBox="1"/>
           <p:nvPr>
             <p:ph type="title"/>
           </p:nvPr>
         </p:nvSpPr>
         <p:spPr>
-          <a:xfrm>
-            <a:off x="838200" y="365125"/>
-            <a:ext cx="10515600" cy="1325563"/>
-          </a:xfrm>
           <a:prstGeom prst="rect">
             <a:avLst/>
           </a:prstGeom>
@@ -6813,8 +7146,9 @@
           <a:bodyPr/>
           <a:lstStyle/>
           <a:p>
-            <a:r>
-              <a:t>Workbench</a:t>
+            <a:pPr/>
+            <a:r>
+              <a:t>Models, Scores and huge Matrices</a:t>
             </a:r>
           </a:p>
         </p:txBody>
@@ -6822,17 +7156,15 @@
       <p:sp>
         <p:nvSpPr>
           <p:cNvPr id="116" name="Inhaltsplatzhalter 2"/>
-          <p:cNvSpPr txBox="1">
-            <a:spLocks noGrp="1"/>
-          </p:cNvSpPr>
+          <p:cNvSpPr txBox="1"/>
           <p:nvPr>
             <p:ph type="body" idx="1"/>
           </p:nvPr>
         </p:nvSpPr>
         <p:spPr>
           <a:xfrm>
-            <a:off x="838200" y="1825625"/>
-            <a:ext cx="10515600" cy="4351338"/>
+            <a:off x="392701" y="1752315"/>
+            <a:ext cx="10515601" cy="4351339"/>
           </a:xfrm>
           <a:prstGeom prst="rect">
             <a:avLst/>
@@ -6842,102 +7174,102 @@
           <a:bodyPr/>
           <a:lstStyle/>
           <a:p>
-            <a:r>
-              <a:t>Day 4:   df['location_clean']</a:t>
-            </a:r>
-          </a:p>
-        </p:txBody>
-      </p:sp>
-      <p:pic>
-        <p:nvPicPr>
-          <p:cNvPr id="117" name="Bildschirmfoto 2020-10-08 um 22.12.02.png" descr="Bildschirmfoto 2020-10-08 um 22.12.02.png"/>
-          <p:cNvPicPr>
-            <a:picLocks noChangeAspect="1"/>
-          </p:cNvPicPr>
-          <p:nvPr/>
-        </p:nvPicPr>
-        <p:blipFill>
-          <a:blip r:embed="rId2"/>
-          <a:stretch>
-            <a:fillRect/>
-          </a:stretch>
-        </p:blipFill>
-        <p:spPr>
-          <a:xfrm>
-            <a:off x="6104246" y="-1"/>
-            <a:ext cx="3913585" cy="6858001"/>
-          </a:xfrm>
-          <a:prstGeom prst="rect">
-            <a:avLst/>
-          </a:prstGeom>
-          <a:ln w="12700">
-            <a:miter lim="400000"/>
-          </a:ln>
-        </p:spPr>
-      </p:pic>
-      <p:pic>
-        <p:nvPicPr>
-          <p:cNvPr id="118" name="Bildschirmfoto 2020-10-08 um 22.22.10.png" descr="Bildschirmfoto 2020-10-08 um 22.22.10.png"/>
-          <p:cNvPicPr>
-            <a:picLocks noChangeAspect="1"/>
-          </p:cNvPicPr>
-          <p:nvPr/>
-        </p:nvPicPr>
-        <p:blipFill>
-          <a:blip r:embed="rId3"/>
-          <a:srcRect/>
-          <a:stretch>
-            <a:fillRect/>
-          </a:stretch>
-        </p:blipFill>
-        <p:spPr>
-          <a:xfrm>
-            <a:off x="807149" y="2541784"/>
-            <a:ext cx="5163677" cy="3693115"/>
-          </a:xfrm>
-          <a:prstGeom prst="rect">
-            <a:avLst/>
-          </a:prstGeom>
-          <a:ln w="12700">
-            <a:miter lim="400000"/>
-          </a:ln>
-        </p:spPr>
-      </p:pic>
-      <p:sp>
-        <p:nvSpPr>
-          <p:cNvPr id="119" name="No Value"/>
-          <p:cNvSpPr txBox="1"/>
-          <p:nvPr/>
-        </p:nvSpPr>
-        <p:spPr>
-          <a:xfrm>
-            <a:off x="1169082" y="5552042"/>
-            <a:ext cx="474177" cy="218441"/>
-          </a:xfrm>
-          <a:prstGeom prst="rect">
-            <a:avLst/>
-          </a:prstGeom>
-          <a:ln w="12700">
-            <a:miter lim="400000"/>
-          </a:ln>
-          <a:extLst>
-            <a:ext uri="{C572A759-6A51-4108-AA02-DFA0A04FC94B}">
-              <ma14:wrappingTextBoxFlag xmlns="" xmlns:m="http://schemas.openxmlformats.org/officeDocument/2006/math" xmlns:a14="http://schemas.microsoft.com/office/drawing/2010/main" xmlns:ma14="http://schemas.microsoft.com/office/mac/drawingml/2011/main" val="1"/>
-            </a:ext>
-          </a:extLst>
-        </p:spPr>
-        <p:txBody>
-          <a:bodyPr wrap="none" lIns="45719" rIns="45719">
-            <a:spAutoFit/>
-          </a:bodyPr>
-          <a:lstStyle>
-            <a:lvl1pPr>
-              <a:defRPr sz="800"/>
-            </a:lvl1pPr>
-          </a:lstStyle>
-          <a:p>
-            <a:r>
-              <a:t>No Value</a:t>
+            <a:pPr lvl="1" marL="685800" indent="-228600">
+              <a:spcBef>
+                <a:spcPts val="500"/>
+              </a:spcBef>
+              <a:defRPr sz="2200"/>
+            </a:pPr>
+            <a:r>
+              <a:t>Logistic Regression /TFIDF Vectorizer                                                      0.81</a:t>
+            </a:r>
+          </a:p>
+          <a:p>
+            <a:pPr lvl="1" marL="685800" indent="-228600">
+              <a:spcBef>
+                <a:spcPts val="500"/>
+              </a:spcBef>
+              <a:defRPr sz="2200"/>
+            </a:pPr>
+            <a:r>
+              <a:t>XGBOOST Classifier /TFIDF Vectorizer                                                     0.73</a:t>
+            </a:r>
+          </a:p>
+          <a:p>
+            <a:pPr lvl="1" marL="685800" indent="-228600">
+              <a:spcBef>
+                <a:spcPts val="500"/>
+              </a:spcBef>
+              <a:defRPr sz="2200"/>
+            </a:pPr>
+            <a:r>
+              <a:t>Gridsearch + XGB /TFIDF Vectorizer                                                        0.75</a:t>
+            </a:r>
+          </a:p>
+          <a:p>
+            <a:pPr lvl="1" marL="685800" indent="-228600">
+              <a:spcBef>
+                <a:spcPts val="500"/>
+              </a:spcBef>
+              <a:defRPr sz="2200"/>
+            </a:pPr>
+            <a:r>
+              <a:t>Decistion Tree /TFIDF Vectorizer                                                            0.75</a:t>
+            </a:r>
+          </a:p>
+          <a:p>
+            <a:pPr lvl="1" marL="685800" indent="-228600">
+              <a:spcBef>
+                <a:spcPts val="500"/>
+              </a:spcBef>
+              <a:defRPr sz="2200"/>
+            </a:pPr>
+            <a:r>
+              <a:t>KNN /TFIDF Vectorizer                                                                           0.68</a:t>
+            </a:r>
+          </a:p>
+          <a:p>
+            <a:pPr lvl="1" marL="685800" indent="-228600">
+              <a:spcBef>
+                <a:spcPts val="500"/>
+              </a:spcBef>
+              <a:defRPr sz="2200"/>
+            </a:pPr>
+            <a:r>
+              <a:t>Naive Bayes /TFIDF Vectorizer                                                                0.82</a:t>
+            </a:r>
+          </a:p>
+          <a:p>
+            <a:pPr lvl="1" marL="685800" indent="-228600">
+              <a:spcBef>
+                <a:spcPts val="500"/>
+              </a:spcBef>
+              <a:defRPr sz="2200"/>
+            </a:pPr>
+            <a:r>
+              <a:t>Voting (Logistic Regresiion and NAIVE BAYES)                                           0.81</a:t>
+            </a:r>
+          </a:p>
+          <a:p>
+            <a:pPr lvl="1" marL="685800" indent="-228600" algn="ctr">
+              <a:spcBef>
+                <a:spcPts val="500"/>
+              </a:spcBef>
+              <a:defRPr sz="2200"/>
+            </a:pPr>
+            <a:r>
+              <a:t>Stacking (LogReg, KNN, Naive Bayes                                                       0.82</a:t>
+            </a:r>
+          </a:p>
+          <a:p>
+            <a:pPr lvl="1" marL="685800" indent="-228600">
+              <a:spcBef>
+                <a:spcPts val="500"/>
+              </a:spcBef>
+              <a:defRPr sz="2200"/>
+            </a:pPr>
+            <a:r>
+              <a:t>Naive Bayes   (HE Keywords + Text in Sparse Matrix)                                0.81</a:t>
             </a:r>
           </a:p>
         </p:txBody>
@@ -6947,377 +7279,12 @@
   <p:clrMapOvr>
     <a:masterClrMapping/>
   </p:clrMapOvr>
-  <p:transition spd="med"/>
+  <p:transition xmlns:p14="http://schemas.microsoft.com/office/powerpoint/2010/main" spd="med" advClick="1"/>
 </p:sld>
 </file>
 
 <file path=ppt/slides/slide8.xml><?xml version="1.0" encoding="utf-8"?>
-<p:sld xmlns:a="http://schemas.openxmlformats.org/drawingml/2006/main" xmlns:r="http://schemas.openxmlformats.org/officeDocument/2006/relationships" xmlns:p="http://schemas.openxmlformats.org/presentationml/2006/main">
-  <p:cSld>
-    <p:spTree>
-      <p:nvGrpSpPr>
-        <p:cNvPr id="1" name=""/>
-        <p:cNvGrpSpPr/>
-        <p:nvPr/>
-      </p:nvGrpSpPr>
-      <p:grpSpPr>
-        <a:xfrm>
-          <a:off x="0" y="0"/>
-          <a:ext cx="0" cy="0"/>
-          <a:chOff x="0" y="0"/>
-          <a:chExt cx="0" cy="0"/>
-        </a:xfrm>
-      </p:grpSpPr>
-      <p:graphicFrame>
-        <p:nvGraphicFramePr>
-          <p:cNvPr id="4" name="Objekt 3" hidden="1">
-            <a:extLst>
-              <a:ext uri="{FF2B5EF4-FFF2-40B4-BE49-F238E27FC236}">
-                <a16:creationId xmlns:a16="http://schemas.microsoft.com/office/drawing/2014/main" id="{7A1D2B31-C9F3-4A8B-853F-10A60A05D20D}"/>
-              </a:ext>
-            </a:extLst>
-          </p:cNvPr>
-          <p:cNvGraphicFramePr>
-            <a:graphicFrameLocks noChangeAspect="1"/>
-          </p:cNvGraphicFramePr>
-          <p:nvPr>
-            <p:custDataLst>
-              <p:tags r:id="rId2"/>
-            </p:custDataLst>
-            <p:extLst>
-              <p:ext uri="{D42A27DB-BD31-4B8C-83A1-F6EECF244321}">
-                <p14:modId xmlns:p14="http://schemas.microsoft.com/office/powerpoint/2010/main" val="832421933"/>
-              </p:ext>
-            </p:extLst>
-          </p:nvPr>
-        </p:nvGraphicFramePr>
-        <p:xfrm>
-          <a:off x="1588" y="1588"/>
-          <a:ext cx="1588" cy="1588"/>
-        </p:xfrm>
-        <a:graphic>
-          <a:graphicData uri="http://schemas.openxmlformats.org/presentationml/2006/ole">
-            <mc:AlternateContent xmlns:mc="http://schemas.openxmlformats.org/markup-compatibility/2006">
-              <mc:Choice xmlns:v="urn:schemas-microsoft-com:vml" Requires="v">
-                <p:oleObj spid="_x0000_s3074" name="think-cell Folie" r:id="rId4" imgW="499" imgH="499" progId="TCLayout.ActiveDocument.1">
-                  <p:embed/>
-                </p:oleObj>
-              </mc:Choice>
-              <mc:Fallback>
-                <p:oleObj name="think-cell Folie" r:id="rId4" imgW="499" imgH="499" progId="TCLayout.ActiveDocument.1">
-                  <p:embed/>
-                  <p:pic>
-                    <p:nvPicPr>
-                      <p:cNvPr id="4" name="Objekt 3" hidden="1">
-                        <a:extLst>
-                          <a:ext uri="{FF2B5EF4-FFF2-40B4-BE49-F238E27FC236}">
-                            <a16:creationId xmlns:a16="http://schemas.microsoft.com/office/drawing/2014/main" id="{7A1D2B31-C9F3-4A8B-853F-10A60A05D20D}"/>
-                          </a:ext>
-                        </a:extLst>
-                      </p:cNvPr>
-                      <p:cNvPicPr/>
-                      <p:nvPr/>
-                    </p:nvPicPr>
-                    <p:blipFill>
-                      <a:blip r:embed="rId5"/>
-                      <a:stretch>
-                        <a:fillRect/>
-                      </a:stretch>
-                    </p:blipFill>
-                    <p:spPr>
-                      <a:xfrm>
-                        <a:off x="1588" y="1588"/>
-                        <a:ext cx="1588" cy="1588"/>
-                      </a:xfrm>
-                      <a:prstGeom prst="rect">
-                        <a:avLst/>
-                      </a:prstGeom>
-                    </p:spPr>
-                  </p:pic>
-                </p:oleObj>
-              </mc:Fallback>
-            </mc:AlternateContent>
-          </a:graphicData>
-        </a:graphic>
-      </p:graphicFrame>
-      <p:pic>
-        <p:nvPicPr>
-          <p:cNvPr id="7" name="Bildschirmfoto 2020-10-08 um 22.25.11.png" descr="Bildschirmfoto 2020-10-08 um 22.25.11.png">
-            <a:extLst>
-              <a:ext uri="{FF2B5EF4-FFF2-40B4-BE49-F238E27FC236}">
-                <a16:creationId xmlns:a16="http://schemas.microsoft.com/office/drawing/2014/main" id="{F6EC72AC-55A5-4151-8359-96791C382B0E}"/>
-              </a:ext>
-            </a:extLst>
-          </p:cNvPr>
-          <p:cNvPicPr>
-            <a:picLocks noChangeAspect="1"/>
-          </p:cNvPicPr>
-          <p:nvPr/>
-        </p:nvPicPr>
-        <p:blipFill>
-          <a:blip r:embed="rId6"/>
-          <a:stretch>
-            <a:fillRect/>
-          </a:stretch>
-        </p:blipFill>
-        <p:spPr>
-          <a:xfrm>
-            <a:off x="676657" y="1317318"/>
-            <a:ext cx="6633863" cy="4959677"/>
-          </a:xfrm>
-          <a:prstGeom prst="rect">
-            <a:avLst/>
-          </a:prstGeom>
-          <a:ln w="12700">
-            <a:miter lim="400000"/>
-          </a:ln>
-        </p:spPr>
-      </p:pic>
-      <p:sp>
-        <p:nvSpPr>
-          <p:cNvPr id="130" name="Titel 1"/>
-          <p:cNvSpPr txBox="1">
-            <a:spLocks noGrp="1"/>
-          </p:cNvSpPr>
-          <p:nvPr>
-            <p:ph type="title"/>
-          </p:nvPr>
-        </p:nvSpPr>
-        <p:spPr>
-          <a:prstGeom prst="rect">
-            <a:avLst/>
-          </a:prstGeom>
-        </p:spPr>
-        <p:txBody>
-          <a:bodyPr/>
-          <a:lstStyle/>
-          <a:p>
-            <a:r>
-              <a:t>Workbench</a:t>
-            </a:r>
-          </a:p>
-        </p:txBody>
-      </p:sp>
-      <p:sp>
-        <p:nvSpPr>
-          <p:cNvPr id="131" name="doc_loc =df['location_clean'].apply( lambda satz: nlp(satz) )"/>
-          <p:cNvSpPr txBox="1"/>
-          <p:nvPr/>
-        </p:nvSpPr>
-        <p:spPr>
-          <a:xfrm>
-            <a:off x="-4952" y="6311900"/>
-            <a:ext cx="6633863" cy="1983740"/>
-          </a:xfrm>
-          <a:prstGeom prst="rect">
-            <a:avLst/>
-          </a:prstGeom>
-          <a:ln w="12700">
-            <a:miter lim="400000"/>
-          </a:ln>
-          <a:extLst>
-            <a:ext uri="{C572A759-6A51-4108-AA02-DFA0A04FC94B}">
-              <ma14:wrappingTextBoxFlag xmlns="" xmlns:m="http://schemas.openxmlformats.org/officeDocument/2006/math" xmlns:a14="http://schemas.microsoft.com/office/drawing/2010/main" xmlns:ma14="http://schemas.microsoft.com/office/mac/drawingml/2011/main" val="1"/>
-            </a:ext>
-          </a:extLst>
-        </p:spPr>
-        <p:txBody>
-          <a:bodyPr wrap="none" lIns="45719" rIns="45719">
-            <a:spAutoFit/>
-          </a:bodyPr>
-          <a:lstStyle/>
-          <a:p>
-            <a:pPr defTabSz="457200">
-              <a:lnSpc>
-                <a:spcPts val="3500"/>
-              </a:lnSpc>
-              <a:defRPr sz="1400">
-                <a:latin typeface="Menlo Regular"/>
-                <a:ea typeface="Menlo Regular"/>
-                <a:cs typeface="Menlo Regular"/>
-                <a:sym typeface="Menlo Regular"/>
-              </a:defRPr>
-            </a:pPr>
-            <a:r>
-              <a:t>doc_loc =df[</a:t>
-            </a:r>
-            <a:r>
-              <a:rPr>
-                <a:solidFill>
-                  <a:srgbClr val="A31515"/>
-                </a:solidFill>
-              </a:rPr>
-              <a:t>'location_clean'</a:t>
-            </a:r>
-            <a:r>
-              <a:t>].apply( </a:t>
-            </a:r>
-            <a:r>
-              <a:rPr>
-                <a:solidFill>
-                  <a:srgbClr val="0000FF"/>
-                </a:solidFill>
-              </a:rPr>
-              <a:t>lambda</a:t>
-            </a:r>
-            <a:r>
-              <a:t> satz: nlp(satz) )</a:t>
-            </a:r>
-          </a:p>
-          <a:p>
-            <a:pPr defTabSz="457200">
-              <a:lnSpc>
-                <a:spcPts val="3500"/>
-              </a:lnSpc>
-              <a:defRPr sz="1400">
-                <a:solidFill>
-                  <a:srgbClr val="008000"/>
-                </a:solidFill>
-                <a:latin typeface="Menlo Regular"/>
-                <a:ea typeface="Menlo Regular"/>
-                <a:cs typeface="Menlo Regular"/>
-                <a:sym typeface="Menlo Regular"/>
-              </a:defRPr>
-            </a:pPr>
-            <a:endParaRPr/>
-          </a:p>
-          <a:p>
-            <a:pPr defTabSz="457200">
-              <a:lnSpc>
-                <a:spcPts val="3500"/>
-              </a:lnSpc>
-              <a:defRPr sz="1400">
-                <a:solidFill>
-                  <a:srgbClr val="008000"/>
-                </a:solidFill>
-                <a:latin typeface="Menlo Regular"/>
-                <a:ea typeface="Menlo Regular"/>
-                <a:cs typeface="Menlo Regular"/>
-                <a:sym typeface="Menlo Regular"/>
-              </a:defRPr>
-            </a:pPr>
-            <a:endParaRPr/>
-          </a:p>
-          <a:p>
-            <a:pPr defTabSz="457200">
-              <a:lnSpc>
-                <a:spcPts val="3500"/>
-              </a:lnSpc>
-              <a:defRPr sz="1400">
-                <a:solidFill>
-                  <a:srgbClr val="008000"/>
-                </a:solidFill>
-                <a:latin typeface="Menlo Regular"/>
-                <a:ea typeface="Menlo Regular"/>
-                <a:cs typeface="Menlo Regular"/>
-                <a:sym typeface="Menlo Regular"/>
-              </a:defRPr>
-            </a:pPr>
-            <a:endParaRPr/>
-          </a:p>
-          <a:p>
-            <a:pPr defTabSz="457200">
-              <a:lnSpc>
-                <a:spcPts val="3500"/>
-              </a:lnSpc>
-              <a:defRPr sz="1400">
-                <a:solidFill>
-                  <a:srgbClr val="008000"/>
-                </a:solidFill>
-                <a:latin typeface="Menlo Regular"/>
-                <a:ea typeface="Menlo Regular"/>
-                <a:cs typeface="Menlo Regular"/>
-                <a:sym typeface="Menlo Regular"/>
-              </a:defRPr>
-            </a:pPr>
-            <a:endParaRPr>
-              <a:solidFill>
-                <a:srgbClr val="000000"/>
-              </a:solidFill>
-            </a:endParaRPr>
-          </a:p>
-          <a:p>
-            <a:pPr defTabSz="457200">
-              <a:lnSpc>
-                <a:spcPts val="3500"/>
-              </a:lnSpc>
-              <a:defRPr sz="1400">
-                <a:solidFill>
-                  <a:srgbClr val="008000"/>
-                </a:solidFill>
-                <a:latin typeface="Menlo Regular"/>
-                <a:ea typeface="Menlo Regular"/>
-                <a:cs typeface="Menlo Regular"/>
-                <a:sym typeface="Menlo Regular"/>
-              </a:defRPr>
-            </a:pPr>
-            <a:endParaRPr>
-              <a:solidFill>
-                <a:srgbClr val="000000"/>
-              </a:solidFill>
-            </a:endParaRPr>
-          </a:p>
-          <a:p>
-            <a:pPr defTabSz="457200">
-              <a:lnSpc>
-                <a:spcPts val="3500"/>
-              </a:lnSpc>
-              <a:defRPr sz="1400">
-                <a:solidFill>
-                  <a:srgbClr val="008000"/>
-                </a:solidFill>
-                <a:latin typeface="Menlo Regular"/>
-                <a:ea typeface="Menlo Regular"/>
-                <a:cs typeface="Menlo Regular"/>
-                <a:sym typeface="Menlo Regular"/>
-              </a:defRPr>
-            </a:pPr>
-            <a:endParaRPr>
-              <a:solidFill>
-                <a:srgbClr val="000000"/>
-              </a:solidFill>
-            </a:endParaRPr>
-          </a:p>
-        </p:txBody>
-      </p:sp>
-      <p:pic>
-        <p:nvPicPr>
-          <p:cNvPr id="132" name="Bildschirmfoto 2020-10-08 um 22.38.22.png" descr="Bildschirmfoto 2020-10-08 um 22.38.22.png"/>
-          <p:cNvPicPr>
-            <a:picLocks noChangeAspect="1"/>
-          </p:cNvPicPr>
-          <p:nvPr/>
-        </p:nvPicPr>
-        <p:blipFill>
-          <a:blip r:embed="rId7"/>
-          <a:stretch>
-            <a:fillRect/>
-          </a:stretch>
-        </p:blipFill>
-        <p:spPr>
-          <a:xfrm>
-            <a:off x="5984632" y="609599"/>
-            <a:ext cx="6197601" cy="5638801"/>
-          </a:xfrm>
-          <a:prstGeom prst="rect">
-            <a:avLst/>
-          </a:prstGeom>
-          <a:ln w="12700">
-            <a:miter lim="400000"/>
-          </a:ln>
-        </p:spPr>
-      </p:pic>
-    </p:spTree>
-  </p:cSld>
-  <p:clrMapOvr>
-    <a:masterClrMapping/>
-  </p:clrMapOvr>
-  <p:transition spd="med"/>
-</p:sld>
-</file>
-
-<file path=ppt/slides/slide9.xml><?xml version="1.0" encoding="utf-8"?>
-<p:sld xmlns:a="http://schemas.openxmlformats.org/drawingml/2006/main" xmlns:r="http://schemas.openxmlformats.org/officeDocument/2006/relationships" xmlns:p="http://schemas.openxmlformats.org/presentationml/2006/main">
+<p:sld xmlns:a="http://schemas.openxmlformats.org/drawingml/2006/main" xmlns:r="http://schemas.openxmlformats.org/officeDocument/2006/relationships" xmlns:p="http://schemas.openxmlformats.org/presentationml/2006/main" xmlns:m="http://schemas.openxmlformats.org/officeDocument/2006/math" xmlns:a14="http://schemas.microsoft.com/office/drawing/2010/main" showMasterSp="1" showMasterPhAnim="1">
   <p:cSld>
     <p:spTree>
       <p:nvGrpSpPr>
@@ -7335,15 +7302,17 @@
       </p:grpSpPr>
       <p:sp>
         <p:nvSpPr>
-          <p:cNvPr id="134" name="Titel 1"/>
-          <p:cNvSpPr txBox="1">
-            <a:spLocks noGrp="1"/>
-          </p:cNvSpPr>
+          <p:cNvPr id="118" name="Titel 1"/>
+          <p:cNvSpPr txBox="1"/>
           <p:nvPr>
             <p:ph type="title"/>
           </p:nvPr>
         </p:nvSpPr>
         <p:spPr>
+          <a:xfrm>
+            <a:off x="528042" y="263618"/>
+            <a:ext cx="10515601" cy="1325564"/>
+          </a:xfrm>
           <a:prstGeom prst="rect">
             <a:avLst/>
           </a:prstGeom>
@@ -7352,212 +7321,63 @@
           <a:bodyPr/>
           <a:lstStyle/>
           <a:p>
-            <a:r>
-              <a:t>Finde den Fehler</a:t>
+            <a:pPr/>
+            <a:r>
+              <a:t>Models, Scores and huge Matrices</a:t>
             </a:r>
           </a:p>
         </p:txBody>
       </p:sp>
       <p:sp>
         <p:nvSpPr>
-          <p:cNvPr id="135" name="displacy.render(doc_loc, style=&quot;ent&quot;, jupyter=True)"/>
+          <p:cNvPr id="119" name="Inhaltsplatzhalter 2"/>
           <p:cNvSpPr txBox="1"/>
-          <p:nvPr/>
+          <p:nvPr>
+            <p:ph type="body" idx="1"/>
+          </p:nvPr>
         </p:nvSpPr>
         <p:spPr>
           <a:xfrm>
-            <a:off x="-4952" y="6311900"/>
-            <a:ext cx="5563417" cy="1983740"/>
-          </a:xfrm>
-          <a:prstGeom prst="rect">
-            <a:avLst/>
-          </a:prstGeom>
-          <a:ln w="12700">
-            <a:miter lim="400000"/>
-          </a:ln>
-          <a:extLst>
-            <a:ext uri="{C572A759-6A51-4108-AA02-DFA0A04FC94B}">
-              <ma14:wrappingTextBoxFlag xmlns="" xmlns:m="http://schemas.openxmlformats.org/officeDocument/2006/math" xmlns:a14="http://schemas.microsoft.com/office/drawing/2010/main" xmlns:ma14="http://schemas.microsoft.com/office/mac/drawingml/2011/main" val="1"/>
-            </a:ext>
-          </a:extLst>
+            <a:off x="432175" y="1673366"/>
+            <a:ext cx="10515601" cy="4351338"/>
+          </a:xfrm>
+          <a:prstGeom prst="rect">
+            <a:avLst/>
+          </a:prstGeom>
         </p:spPr>
         <p:txBody>
-          <a:bodyPr wrap="none" lIns="45719" rIns="45719">
-            <a:spAutoFit/>
-          </a:bodyPr>
+          <a:bodyPr/>
           <a:lstStyle/>
           <a:p>
-            <a:pPr defTabSz="457200">
-              <a:lnSpc>
-                <a:spcPts val="3500"/>
-              </a:lnSpc>
-              <a:defRPr sz="1400">
-                <a:latin typeface="Menlo Regular"/>
-                <a:ea typeface="Menlo Regular"/>
-                <a:cs typeface="Menlo Regular"/>
-                <a:sym typeface="Menlo Regular"/>
-              </a:defRPr>
+            <a:pPr lvl="1" marL="685800" indent="-228600">
+              <a:spcBef>
+                <a:spcPts val="500"/>
+              </a:spcBef>
+              <a:defRPr sz="2200"/>
             </a:pPr>
-            <a:r>
-              <a:t>displacy.render(doc_loc, style=</a:t>
-            </a:r>
-            <a:r>
-              <a:rPr>
-                <a:solidFill>
-                  <a:srgbClr val="A31515"/>
-                </a:solidFill>
-              </a:rPr>
-              <a:t>"ent"</a:t>
-            </a:r>
-            <a:r>
-              <a:t>, jupyter=</a:t>
-            </a:r>
-            <a:r>
-              <a:rPr>
-                <a:solidFill>
-                  <a:srgbClr val="0000FF"/>
-                </a:solidFill>
-              </a:rPr>
-              <a:t>True</a:t>
-            </a:r>
-            <a:r>
-              <a:t>)</a:t>
-            </a:r>
-          </a:p>
-          <a:p>
-            <a:pPr defTabSz="457200">
-              <a:lnSpc>
-                <a:spcPts val="3500"/>
-              </a:lnSpc>
-              <a:defRPr sz="1400">
-                <a:solidFill>
-                  <a:srgbClr val="008000"/>
-                </a:solidFill>
-                <a:latin typeface="Menlo Regular"/>
-                <a:ea typeface="Menlo Regular"/>
-                <a:cs typeface="Menlo Regular"/>
-                <a:sym typeface="Menlo Regular"/>
-              </a:defRPr>
-            </a:pPr>
-            <a:endParaRPr/>
-          </a:p>
-          <a:p>
-            <a:pPr defTabSz="457200">
-              <a:lnSpc>
-                <a:spcPts val="3500"/>
-              </a:lnSpc>
-              <a:defRPr sz="1400">
-                <a:solidFill>
-                  <a:srgbClr val="008000"/>
-                </a:solidFill>
-                <a:latin typeface="Menlo Regular"/>
-                <a:ea typeface="Menlo Regular"/>
-                <a:cs typeface="Menlo Regular"/>
-                <a:sym typeface="Menlo Regular"/>
-              </a:defRPr>
-            </a:pPr>
-            <a:endParaRPr/>
-          </a:p>
-          <a:p>
-            <a:pPr defTabSz="457200">
-              <a:lnSpc>
-                <a:spcPts val="3500"/>
-              </a:lnSpc>
-              <a:defRPr sz="1400">
-                <a:solidFill>
-                  <a:srgbClr val="008000"/>
-                </a:solidFill>
-                <a:latin typeface="Menlo Regular"/>
-                <a:ea typeface="Menlo Regular"/>
-                <a:cs typeface="Menlo Regular"/>
-                <a:sym typeface="Menlo Regular"/>
-              </a:defRPr>
-            </a:pPr>
-            <a:endParaRPr/>
-          </a:p>
-          <a:p>
-            <a:pPr defTabSz="457200">
-              <a:lnSpc>
-                <a:spcPts val="3500"/>
-              </a:lnSpc>
-              <a:defRPr sz="1400">
-                <a:solidFill>
-                  <a:srgbClr val="008000"/>
-                </a:solidFill>
-                <a:latin typeface="Menlo Regular"/>
-                <a:ea typeface="Menlo Regular"/>
-                <a:cs typeface="Menlo Regular"/>
-                <a:sym typeface="Menlo Regular"/>
-              </a:defRPr>
-            </a:pPr>
-            <a:endParaRPr>
-              <a:solidFill>
-                <a:srgbClr val="000000"/>
-              </a:solidFill>
-            </a:endParaRPr>
-          </a:p>
-          <a:p>
-            <a:pPr defTabSz="457200">
-              <a:lnSpc>
-                <a:spcPts val="3500"/>
-              </a:lnSpc>
-              <a:defRPr sz="1400">
-                <a:solidFill>
-                  <a:srgbClr val="008000"/>
-                </a:solidFill>
-                <a:latin typeface="Menlo Regular"/>
-                <a:ea typeface="Menlo Regular"/>
-                <a:cs typeface="Menlo Regular"/>
-                <a:sym typeface="Menlo Regular"/>
-              </a:defRPr>
-            </a:pPr>
-            <a:endParaRPr>
-              <a:solidFill>
-                <a:srgbClr val="000000"/>
-              </a:solidFill>
-            </a:endParaRPr>
-          </a:p>
-          <a:p>
-            <a:pPr defTabSz="457200">
-              <a:lnSpc>
-                <a:spcPts val="3500"/>
-              </a:lnSpc>
-              <a:defRPr sz="1400">
-                <a:solidFill>
-                  <a:srgbClr val="008000"/>
-                </a:solidFill>
-                <a:latin typeface="Menlo Regular"/>
-                <a:ea typeface="Menlo Regular"/>
-                <a:cs typeface="Menlo Regular"/>
-                <a:sym typeface="Menlo Regular"/>
-              </a:defRPr>
-            </a:pPr>
-            <a:endParaRPr>
-              <a:solidFill>
-                <a:srgbClr val="000000"/>
-              </a:solidFill>
-            </a:endParaRPr>
           </a:p>
         </p:txBody>
       </p:sp>
       <p:pic>
         <p:nvPicPr>
-          <p:cNvPr id="136" name="Bildschirmfoto 2020-10-08 um 22.38.22.png" descr="Bildschirmfoto 2020-10-08 um 22.38.22.png"/>
+          <p:cNvPr id="120" name="Bildschirmfoto 2020-10-09 um 09.47.20.png" descr="Bildschirmfoto 2020-10-09 um 09.47.20.png"/>
           <p:cNvPicPr>
             <a:picLocks noChangeAspect="1"/>
           </p:cNvPicPr>
           <p:nvPr/>
         </p:nvPicPr>
         <p:blipFill>
-          <a:blip r:embed="rId2"/>
+          <a:blip r:embed="rId2">
+            <a:extLst/>
+          </a:blip>
           <a:stretch>
             <a:fillRect/>
           </a:stretch>
         </p:blipFill>
         <p:spPr>
           <a:xfrm>
-            <a:off x="5984632" y="609600"/>
-            <a:ext cx="6197601" cy="5638800"/>
+            <a:off x="623251" y="2273726"/>
+            <a:ext cx="10816843" cy="2724670"/>
           </a:xfrm>
           <a:prstGeom prst="rect">
             <a:avLst/>
@@ -7567,52 +7387,110 @@
           </a:ln>
         </p:spPr>
       </p:pic>
+    </p:spTree>
+  </p:cSld>
+  <p:clrMapOvr>
+    <a:masterClrMapping/>
+  </p:clrMapOvr>
+  <p:transition xmlns:p14="http://schemas.microsoft.com/office/powerpoint/2010/main" spd="med" advClick="1"/>
+</p:sld>
+</file>
+
+<file path=ppt/slides/slide9.xml><?xml version="1.0" encoding="utf-8"?>
+<p:sld xmlns:a="http://schemas.openxmlformats.org/drawingml/2006/main" xmlns:r="http://schemas.openxmlformats.org/officeDocument/2006/relationships" xmlns:p="http://schemas.openxmlformats.org/presentationml/2006/main" xmlns:m="http://schemas.openxmlformats.org/officeDocument/2006/math" xmlns:a14="http://schemas.microsoft.com/office/drawing/2010/main" showMasterSp="1" showMasterPhAnim="1">
+  <p:cSld>
+    <p:spTree>
+      <p:nvGrpSpPr>
+        <p:cNvPr id="1" name=""/>
+        <p:cNvGrpSpPr/>
+        <p:nvPr/>
+      </p:nvGrpSpPr>
+      <p:grpSpPr>
+        <a:xfrm>
+          <a:off x="0" y="0"/>
+          <a:ext cx="0" cy="0"/>
+          <a:chOff x="0" y="0"/>
+          <a:chExt cx="0" cy="0"/>
+        </a:xfrm>
+      </p:grpSpPr>
+      <p:sp>
+        <p:nvSpPr>
+          <p:cNvPr id="122" name="Titel 1"/>
+          <p:cNvSpPr txBox="1"/>
+          <p:nvPr>
+            <p:ph type="title"/>
+          </p:nvPr>
+        </p:nvSpPr>
+        <p:spPr>
+          <a:xfrm>
+            <a:off x="680301" y="365125"/>
+            <a:ext cx="10515601" cy="1325563"/>
+          </a:xfrm>
+          <a:prstGeom prst="rect">
+            <a:avLst/>
+          </a:prstGeom>
+        </p:spPr>
+        <p:txBody>
+          <a:bodyPr/>
+          <a:lstStyle/>
+          <a:p>
+            <a:pPr/>
+            <a:r>
+              <a:t>Predict/Classify new Tweets</a:t>
+            </a:r>
+          </a:p>
+        </p:txBody>
+      </p:sp>
+      <p:sp>
+        <p:nvSpPr>
+          <p:cNvPr id="123" name="Inhaltsplatzhalter 2"/>
+          <p:cNvSpPr txBox="1"/>
+          <p:nvPr>
+            <p:ph type="body" idx="1"/>
+          </p:nvPr>
+        </p:nvSpPr>
+        <p:spPr>
+          <a:xfrm>
+            <a:off x="680301" y="1791789"/>
+            <a:ext cx="10515601" cy="4351339"/>
+          </a:xfrm>
+          <a:prstGeom prst="rect">
+            <a:avLst/>
+          </a:prstGeom>
+        </p:spPr>
+        <p:txBody>
+          <a:bodyPr/>
+          <a:lstStyle/>
+          <a:p>
+            <a:pPr lvl="1" marL="685800" indent="-228600">
+              <a:spcBef>
+                <a:spcPts val="500"/>
+              </a:spcBef>
+              <a:defRPr sz="2200"/>
+            </a:pPr>
+          </a:p>
+        </p:txBody>
+      </p:sp>
       <p:pic>
         <p:nvPicPr>
-          <p:cNvPr id="137" name="Bildschirmfoto 2020-10-08 um 22.40.22.png" descr="Bildschirmfoto 2020-10-08 um 22.40.22.png"/>
+          <p:cNvPr id="124" name="Bildschirmfoto 2020-10-09 um 09.40.34.png" descr="Bildschirmfoto 2020-10-09 um 09.40.34.png"/>
           <p:cNvPicPr>
             <a:picLocks noChangeAspect="1"/>
           </p:cNvPicPr>
           <p:nvPr/>
         </p:nvPicPr>
         <p:blipFill>
-          <a:blip r:embed="rId3"/>
-          <a:srcRect t="6577" b="8666"/>
+          <a:blip r:embed="rId2">
+            <a:extLst/>
+          </a:blip>
           <a:stretch>
             <a:fillRect/>
           </a:stretch>
         </p:blipFill>
         <p:spPr>
           <a:xfrm>
-            <a:off x="8329382" y="5953"/>
-            <a:ext cx="3879492" cy="6845904"/>
-          </a:xfrm>
-          <a:prstGeom prst="rect">
-            <a:avLst/>
-          </a:prstGeom>
-          <a:ln w="12700">
-            <a:miter lim="400000"/>
-          </a:ln>
-        </p:spPr>
-      </p:pic>
-      <p:pic>
-        <p:nvPicPr>
-          <p:cNvPr id="138" name="Bildschirmfoto 2020-10-08 um 22.56.04.png" descr="Bildschirmfoto 2020-10-08 um 22.56.04.png"/>
-          <p:cNvPicPr>
-            <a:picLocks noChangeAspect="1"/>
-          </p:cNvPicPr>
-          <p:nvPr/>
-        </p:nvPicPr>
-        <p:blipFill>
-          <a:blip r:embed="rId4"/>
-          <a:stretch>
-            <a:fillRect/>
-          </a:stretch>
-        </p:blipFill>
-        <p:spPr>
-          <a:xfrm>
-            <a:off x="704333" y="1517650"/>
-            <a:ext cx="3810001" cy="3822701"/>
+            <a:off x="2252164" y="1514769"/>
+            <a:ext cx="7122787" cy="4710230"/>
           </a:xfrm>
           <a:prstGeom prst="rect">
             <a:avLst/>
@@ -7627,36 +7505,12 @@
   <p:clrMapOvr>
     <a:masterClrMapping/>
   </p:clrMapOvr>
-  <p:transition spd="med"/>
+  <p:transition xmlns:p14="http://schemas.microsoft.com/office/powerpoint/2010/main" spd="med" advClick="1"/>
 </p:sld>
 </file>
 
-<file path=ppt/tags/tag1.xml><?xml version="1.0" encoding="utf-8"?>
-<p:tagLst xmlns:a="http://schemas.openxmlformats.org/drawingml/2006/main" xmlns:r="http://schemas.openxmlformats.org/officeDocument/2006/relationships" xmlns:p="http://schemas.openxmlformats.org/presentationml/2006/main">
-  <p:tag name="THINKCELLUNDODONOTDELETE" val="0"/>
-</p:tagLst>
-</file>
-
-<file path=ppt/tags/tag2.xml><?xml version="1.0" encoding="utf-8"?>
-<p:tagLst xmlns:a="http://schemas.openxmlformats.org/drawingml/2006/main" xmlns:r="http://schemas.openxmlformats.org/officeDocument/2006/relationships" xmlns:p="http://schemas.openxmlformats.org/presentationml/2006/main">
-  <p:tag name="THINKCELLSHAPEDONOTDELETE" val="thinkcellActiveDocDoNotDelete"/>
-</p:tagLst>
-</file>
-
-<file path=ppt/tags/tag3.xml><?xml version="1.0" encoding="utf-8"?>
-<p:tagLst xmlns:a="http://schemas.openxmlformats.org/drawingml/2006/main" xmlns:r="http://schemas.openxmlformats.org/officeDocument/2006/relationships" xmlns:p="http://schemas.openxmlformats.org/presentationml/2006/main">
-  <p:tag name="THINKCELLSHAPEDONOTDELETE" val="thinkcellActiveDocDoNotDelete"/>
-</p:tagLst>
-</file>
-
-<file path=ppt/tags/tag4.xml><?xml version="1.0" encoding="utf-8"?>
-<p:tagLst xmlns:a="http://schemas.openxmlformats.org/drawingml/2006/main" xmlns:r="http://schemas.openxmlformats.org/officeDocument/2006/relationships" xmlns:p="http://schemas.openxmlformats.org/presentationml/2006/main">
-  <p:tag name="THINKCELLSHAPEDONOTDELETE" val="thinkcellActiveDocDoNotDelete"/>
-</p:tagLst>
-</file>
-
 <file path=ppt/theme/theme1.xml><?xml version="1.0" encoding="utf-8"?>
-<a:theme xmlns:a="http://schemas.openxmlformats.org/drawingml/2006/main" name="Office">
+<a:theme xmlns:a="http://schemas.openxmlformats.org/drawingml/2006/main" xmlns:r="http://schemas.openxmlformats.org/officeDocument/2006/relationships" name="Office">
   <a:themeElements>
     <a:clrScheme name="Office">
       <a:dk1>
@@ -7698,14 +7552,14 @@
     </a:clrScheme>
     <a:fontScheme name="Office">
       <a:majorFont>
+        <a:latin typeface="Calibri"/>
+        <a:ea typeface="Calibri"/>
+        <a:cs typeface="Calibri"/>
+      </a:majorFont>
+      <a:minorFont>
         <a:latin typeface="Helvetica"/>
         <a:ea typeface="Helvetica"/>
         <a:cs typeface="Helvetica"/>
-      </a:majorFont>
-      <a:minorFont>
-        <a:latin typeface="Calibri"/>
-        <a:ea typeface="Calibri"/>
-        <a:cs typeface="Calibri"/>
       </a:minorFont>
     </a:fontScheme>
     <a:fmtScheme name="Office">
@@ -7848,17 +7702,17 @@
         <a:solidFill>
           <a:srgbClr val="FFFFFF"/>
         </a:solidFill>
-        <a:ln w="12700" cap="flat">
+        <a:ln w="25400" cap="flat">
           <a:solidFill>
             <a:schemeClr val="accent1"/>
           </a:solidFill>
           <a:prstDash val="solid"/>
-          <a:miter lim="800000"/>
+          <a:round/>
         </a:ln>
         <a:effectLst/>
         <a:sp3d/>
       </a:spPr>
-      <a:bodyPr rot="0" spcFirstLastPara="1" vertOverflow="overflow" horzOverflow="overflow" vert="horz" wrap="square" lIns="45719" tIns="45719" rIns="45719" bIns="45719" numCol="1" spcCol="38100" rtlCol="0" anchor="ctr">
+      <a:bodyPr rot="0" spcFirstLastPara="1" vertOverflow="overflow" horzOverflow="overflow" vert="horz" wrap="square" lIns="45718" tIns="45718" rIns="45718" bIns="45718" numCol="1" spcCol="38100" rtlCol="0" anchor="ctr" upright="0">
         <a:spAutoFit/>
       </a:bodyPr>
       <a:lstStyle>
@@ -7877,7 +7731,7 @@
           <a:buFontTx/>
           <a:buNone/>
           <a:tabLst/>
-          <a:defRPr kumimoji="0" sz="1800" b="0" i="0" u="none" strike="noStrike" cap="none" spc="0" normalizeH="0" baseline="0">
+          <a:defRPr b="0" baseline="0" cap="none" i="0" spc="0" strike="noStrike" sz="1800" u="none" kumimoji="0" normalizeH="0">
             <a:ln>
               <a:noFill/>
             </a:ln>
@@ -7886,9 +7740,9 @@
             </a:solidFill>
             <a:effectLst/>
             <a:uFillTx/>
-            <a:latin typeface="+mn-lt"/>
-            <a:ea typeface="+mn-ea"/>
-            <a:cs typeface="+mn-cs"/>
+            <a:latin typeface="+mj-lt"/>
+            <a:ea typeface="+mj-ea"/>
+            <a:cs typeface="+mj-cs"/>
             <a:sym typeface="Calibri"/>
           </a:defRPr>
         </a:defPPr>
@@ -7907,7 +7761,7 @@
           <a:buFontTx/>
           <a:buNone/>
           <a:tabLst/>
-          <a:defRPr kumimoji="0" sz="1800" b="0" i="0" u="none" strike="noStrike" cap="none" spc="0" normalizeH="0" baseline="0">
+          <a:defRPr b="0" baseline="0" cap="none" i="0" spc="0" strike="noStrike" sz="1800" u="none" kumimoji="0" normalizeH="0">
             <a:ln>
               <a:noFill/>
             </a:ln>
@@ -7933,7 +7787,7 @@
           <a:buFontTx/>
           <a:buNone/>
           <a:tabLst/>
-          <a:defRPr kumimoji="0" sz="1800" b="0" i="0" u="none" strike="noStrike" cap="none" spc="0" normalizeH="0" baseline="0">
+          <a:defRPr b="0" baseline="0" cap="none" i="0" spc="0" strike="noStrike" sz="1800" u="none" kumimoji="0" normalizeH="0">
             <a:ln>
               <a:noFill/>
             </a:ln>
@@ -7959,7 +7813,7 @@
           <a:buFontTx/>
           <a:buNone/>
           <a:tabLst/>
-          <a:defRPr kumimoji="0" sz="1800" b="0" i="0" u="none" strike="noStrike" cap="none" spc="0" normalizeH="0" baseline="0">
+          <a:defRPr b="0" baseline="0" cap="none" i="0" spc="0" strike="noStrike" sz="1800" u="none" kumimoji="0" normalizeH="0">
             <a:ln>
               <a:noFill/>
             </a:ln>
@@ -7985,7 +7839,7 @@
           <a:buFontTx/>
           <a:buNone/>
           <a:tabLst/>
-          <a:defRPr kumimoji="0" sz="1800" b="0" i="0" u="none" strike="noStrike" cap="none" spc="0" normalizeH="0" baseline="0">
+          <a:defRPr b="0" baseline="0" cap="none" i="0" spc="0" strike="noStrike" sz="1800" u="none" kumimoji="0" normalizeH="0">
             <a:ln>
               <a:noFill/>
             </a:ln>
@@ -8011,7 +7865,7 @@
           <a:buFontTx/>
           <a:buNone/>
           <a:tabLst/>
-          <a:defRPr kumimoji="0" sz="1800" b="0" i="0" u="none" strike="noStrike" cap="none" spc="0" normalizeH="0" baseline="0">
+          <a:defRPr b="0" baseline="0" cap="none" i="0" spc="0" strike="noStrike" sz="1800" u="none" kumimoji="0" normalizeH="0">
             <a:ln>
               <a:noFill/>
             </a:ln>
@@ -8037,7 +7891,7 @@
           <a:buFontTx/>
           <a:buNone/>
           <a:tabLst/>
-          <a:defRPr kumimoji="0" sz="1800" b="0" i="0" u="none" strike="noStrike" cap="none" spc="0" normalizeH="0" baseline="0">
+          <a:defRPr b="0" baseline="0" cap="none" i="0" spc="0" strike="noStrike" sz="1800" u="none" kumimoji="0" normalizeH="0">
             <a:ln>
               <a:noFill/>
             </a:ln>
@@ -8063,7 +7917,7 @@
           <a:buFontTx/>
           <a:buNone/>
           <a:tabLst/>
-          <a:defRPr kumimoji="0" sz="1800" b="0" i="0" u="none" strike="noStrike" cap="none" spc="0" normalizeH="0" baseline="0">
+          <a:defRPr b="0" baseline="0" cap="none" i="0" spc="0" strike="noStrike" sz="1800" u="none" kumimoji="0" normalizeH="0">
             <a:ln>
               <a:noFill/>
             </a:ln>
@@ -8089,7 +7943,7 @@
           <a:buFontTx/>
           <a:buNone/>
           <a:tabLst/>
-          <a:defRPr kumimoji="0" sz="1800" b="0" i="0" u="none" strike="noStrike" cap="none" spc="0" normalizeH="0" baseline="0">
+          <a:defRPr b="0" baseline="0" cap="none" i="0" spc="0" strike="noStrike" sz="1800" u="none" kumimoji="0" normalizeH="0">
             <a:ln>
               <a:noFill/>
             </a:ln>
@@ -8115,7 +7969,7 @@
           <a:buFontTx/>
           <a:buNone/>
           <a:tabLst/>
-          <a:defRPr kumimoji="0" sz="1800" b="0" i="0" u="none" strike="noStrike" cap="none" spc="0" normalizeH="0" baseline="0">
+          <a:defRPr b="0" baseline="0" cap="none" i="0" spc="0" strike="noStrike" sz="1800" u="none" kumimoji="0" normalizeH="0">
             <a:ln>
               <a:noFill/>
             </a:ln>
@@ -8128,32 +7982,26 @@
         </a:lvl9pPr>
       </a:lstStyle>
       <a:style>
-        <a:lnRef idx="0">
-          <a:scrgbClr r="0" g="0" b="0"/>
-        </a:lnRef>
-        <a:fillRef idx="0">
-          <a:scrgbClr r="0" g="0" b="0"/>
-        </a:fillRef>
-        <a:effectRef idx="0">
-          <a:scrgbClr r="0" g="0" b="0"/>
-        </a:effectRef>
+        <a:lnRef idx="0"/>
+        <a:fillRef idx="0"/>
+        <a:effectRef idx="0"/>
         <a:fontRef idx="none"/>
       </a:style>
     </a:spDef>
     <a:lnDef>
       <a:spPr>
         <a:noFill/>
-        <a:ln w="12700" cap="flat">
+        <a:ln w="25400" cap="flat">
           <a:solidFill>
             <a:schemeClr val="accent1"/>
           </a:solidFill>
           <a:prstDash val="solid"/>
-          <a:miter lim="800000"/>
+          <a:round/>
         </a:ln>
         <a:effectLst/>
         <a:sp3d/>
       </a:spPr>
-      <a:bodyPr rot="0" spcFirstLastPara="1" vertOverflow="overflow" horzOverflow="overflow" vert="horz" wrap="square" lIns="91439" tIns="45719" rIns="91439" bIns="45719" numCol="1" spcCol="38100" rtlCol="0" anchor="t">
+      <a:bodyPr rot="0" spcFirstLastPara="1" vertOverflow="overflow" horzOverflow="overflow" vert="horz" wrap="square" lIns="91439" tIns="45719" rIns="91439" bIns="45719" numCol="1" spcCol="38100" rtlCol="0" anchor="t" upright="0">
         <a:noAutofit/>
       </a:bodyPr>
       <a:lstStyle>
@@ -8172,7 +8020,7 @@
           <a:buFontTx/>
           <a:buNone/>
           <a:tabLst/>
-          <a:defRPr kumimoji="0" sz="1800" b="0" i="0" u="none" strike="noStrike" cap="none" spc="0" normalizeH="0" baseline="0">
+          <a:defRPr b="0" baseline="0" cap="none" i="0" spc="0" strike="noStrike" sz="1800" u="none" kumimoji="0" normalizeH="0">
             <a:ln>
               <a:noFill/>
             </a:ln>
@@ -8198,7 +8046,7 @@
           <a:buFontTx/>
           <a:buNone/>
           <a:tabLst/>
-          <a:defRPr kumimoji="0" sz="1800" b="0" i="0" u="none" strike="noStrike" cap="none" spc="0" normalizeH="0" baseline="0">
+          <a:defRPr b="0" baseline="0" cap="none" i="0" spc="0" strike="noStrike" sz="1800" u="none" kumimoji="0" normalizeH="0">
             <a:ln>
               <a:noFill/>
             </a:ln>
@@ -8224,7 +8072,7 @@
           <a:buFontTx/>
           <a:buNone/>
           <a:tabLst/>
-          <a:defRPr kumimoji="0" sz="1800" b="0" i="0" u="none" strike="noStrike" cap="none" spc="0" normalizeH="0" baseline="0">
+          <a:defRPr b="0" baseline="0" cap="none" i="0" spc="0" strike="noStrike" sz="1800" u="none" kumimoji="0" normalizeH="0">
             <a:ln>
               <a:noFill/>
             </a:ln>
@@ -8250,7 +8098,7 @@
           <a:buFontTx/>
           <a:buNone/>
           <a:tabLst/>
-          <a:defRPr kumimoji="0" sz="1800" b="0" i="0" u="none" strike="noStrike" cap="none" spc="0" normalizeH="0" baseline="0">
+          <a:defRPr b="0" baseline="0" cap="none" i="0" spc="0" strike="noStrike" sz="1800" u="none" kumimoji="0" normalizeH="0">
             <a:ln>
               <a:noFill/>
             </a:ln>
@@ -8276,7 +8124,7 @@
           <a:buFontTx/>
           <a:buNone/>
           <a:tabLst/>
-          <a:defRPr kumimoji="0" sz="1800" b="0" i="0" u="none" strike="noStrike" cap="none" spc="0" normalizeH="0" baseline="0">
+          <a:defRPr b="0" baseline="0" cap="none" i="0" spc="0" strike="noStrike" sz="1800" u="none" kumimoji="0" normalizeH="0">
             <a:ln>
               <a:noFill/>
             </a:ln>
@@ -8302,7 +8150,7 @@
           <a:buFontTx/>
           <a:buNone/>
           <a:tabLst/>
-          <a:defRPr kumimoji="0" sz="1800" b="0" i="0" u="none" strike="noStrike" cap="none" spc="0" normalizeH="0" baseline="0">
+          <a:defRPr b="0" baseline="0" cap="none" i="0" spc="0" strike="noStrike" sz="1800" u="none" kumimoji="0" normalizeH="0">
             <a:ln>
               <a:noFill/>
             </a:ln>
@@ -8328,7 +8176,7 @@
           <a:buFontTx/>
           <a:buNone/>
           <a:tabLst/>
-          <a:defRPr kumimoji="0" sz="1800" b="0" i="0" u="none" strike="noStrike" cap="none" spc="0" normalizeH="0" baseline="0">
+          <a:defRPr b="0" baseline="0" cap="none" i="0" spc="0" strike="noStrike" sz="1800" u="none" kumimoji="0" normalizeH="0">
             <a:ln>
               <a:noFill/>
             </a:ln>
@@ -8354,7 +8202,7 @@
           <a:buFontTx/>
           <a:buNone/>
           <a:tabLst/>
-          <a:defRPr kumimoji="0" sz="1800" b="0" i="0" u="none" strike="noStrike" cap="none" spc="0" normalizeH="0" baseline="0">
+          <a:defRPr b="0" baseline="0" cap="none" i="0" spc="0" strike="noStrike" sz="1800" u="none" kumimoji="0" normalizeH="0">
             <a:ln>
               <a:noFill/>
             </a:ln>
@@ -8380,7 +8228,7 @@
           <a:buFontTx/>
           <a:buNone/>
           <a:tabLst/>
-          <a:defRPr kumimoji="0" sz="1800" b="0" i="0" u="none" strike="noStrike" cap="none" spc="0" normalizeH="0" baseline="0">
+          <a:defRPr b="0" baseline="0" cap="none" i="0" spc="0" strike="noStrike" sz="1800" u="none" kumimoji="0" normalizeH="0">
             <a:ln>
               <a:noFill/>
             </a:ln>
@@ -8406,7 +8254,7 @@
           <a:buFontTx/>
           <a:buNone/>
           <a:tabLst/>
-          <a:defRPr kumimoji="0" sz="1800" b="0" i="0" u="none" strike="noStrike" cap="none" spc="0" normalizeH="0" baseline="0">
+          <a:defRPr b="0" baseline="0" cap="none" i="0" spc="0" strike="noStrike" sz="1800" u="none" kumimoji="0" normalizeH="0">
             <a:ln>
               <a:noFill/>
             </a:ln>
@@ -8419,15 +8267,9 @@
         </a:lvl9pPr>
       </a:lstStyle>
       <a:style>
-        <a:lnRef idx="0">
-          <a:scrgbClr r="0" g="0" b="0"/>
-        </a:lnRef>
-        <a:fillRef idx="0">
-          <a:scrgbClr r="0" g="0" b="0"/>
-        </a:fillRef>
-        <a:effectRef idx="0">
-          <a:scrgbClr r="0" g="0" b="0"/>
-        </a:effectRef>
+        <a:lnRef idx="0"/>
+        <a:fillRef idx="0"/>
+        <a:effectRef idx="0"/>
         <a:fontRef idx="none"/>
       </a:style>
     </a:lnDef>
@@ -8441,7 +8283,7 @@
         <a:effectLst/>
         <a:sp3d/>
       </a:spPr>
-      <a:bodyPr rot="0" spcFirstLastPara="1" vertOverflow="overflow" horzOverflow="overflow" vert="horz" wrap="square" lIns="45719" tIns="45719" rIns="45719" bIns="45719" numCol="1" spcCol="38100" rtlCol="0" anchor="t">
+      <a:bodyPr rot="0" spcFirstLastPara="1" vertOverflow="overflow" horzOverflow="overflow" vert="horz" wrap="square" lIns="45718" tIns="45718" rIns="45718" bIns="45718" numCol="1" spcCol="38100" rtlCol="0" anchor="t" upright="0">
         <a:spAutoFit/>
       </a:bodyPr>
       <a:lstStyle>
@@ -8460,7 +8302,7 @@
           <a:buFontTx/>
           <a:buNone/>
           <a:tabLst/>
-          <a:defRPr kumimoji="0" sz="1800" b="0" i="0" u="none" strike="noStrike" cap="none" spc="0" normalizeH="0" baseline="0">
+          <a:defRPr b="0" baseline="0" cap="none" i="0" spc="0" strike="noStrike" sz="1800" u="none" kumimoji="0" normalizeH="0">
             <a:ln>
               <a:noFill/>
             </a:ln>
@@ -8469,9 +8311,9 @@
             </a:solidFill>
             <a:effectLst/>
             <a:uFillTx/>
-            <a:latin typeface="+mn-lt"/>
-            <a:ea typeface="+mn-ea"/>
-            <a:cs typeface="+mn-cs"/>
+            <a:latin typeface="+mj-lt"/>
+            <a:ea typeface="+mj-ea"/>
+            <a:cs typeface="+mj-cs"/>
             <a:sym typeface="Calibri"/>
           </a:defRPr>
         </a:defPPr>
@@ -8490,7 +8332,7 @@
           <a:buFontTx/>
           <a:buNone/>
           <a:tabLst/>
-          <a:defRPr kumimoji="0" sz="1800" b="0" i="0" u="none" strike="noStrike" cap="none" spc="0" normalizeH="0" baseline="0">
+          <a:defRPr b="0" baseline="0" cap="none" i="0" spc="0" strike="noStrike" sz="1800" u="none" kumimoji="0" normalizeH="0">
             <a:ln>
               <a:noFill/>
             </a:ln>
@@ -8516,7 +8358,7 @@
           <a:buFontTx/>
           <a:buNone/>
           <a:tabLst/>
-          <a:defRPr kumimoji="0" sz="1800" b="0" i="0" u="none" strike="noStrike" cap="none" spc="0" normalizeH="0" baseline="0">
+          <a:defRPr b="0" baseline="0" cap="none" i="0" spc="0" strike="noStrike" sz="1800" u="none" kumimoji="0" normalizeH="0">
             <a:ln>
               <a:noFill/>
             </a:ln>
@@ -8542,7 +8384,7 @@
           <a:buFontTx/>
           <a:buNone/>
           <a:tabLst/>
-          <a:defRPr kumimoji="0" sz="1800" b="0" i="0" u="none" strike="noStrike" cap="none" spc="0" normalizeH="0" baseline="0">
+          <a:defRPr b="0" baseline="0" cap="none" i="0" spc="0" strike="noStrike" sz="1800" u="none" kumimoji="0" normalizeH="0">
             <a:ln>
               <a:noFill/>
             </a:ln>
@@ -8568,7 +8410,7 @@
           <a:buFontTx/>
           <a:buNone/>
           <a:tabLst/>
-          <a:defRPr kumimoji="0" sz="1800" b="0" i="0" u="none" strike="noStrike" cap="none" spc="0" normalizeH="0" baseline="0">
+          <a:defRPr b="0" baseline="0" cap="none" i="0" spc="0" strike="noStrike" sz="1800" u="none" kumimoji="0" normalizeH="0">
             <a:ln>
               <a:noFill/>
             </a:ln>
@@ -8594,7 +8436,7 @@
           <a:buFontTx/>
           <a:buNone/>
           <a:tabLst/>
-          <a:defRPr kumimoji="0" sz="1800" b="0" i="0" u="none" strike="noStrike" cap="none" spc="0" normalizeH="0" baseline="0">
+          <a:defRPr b="0" baseline="0" cap="none" i="0" spc="0" strike="noStrike" sz="1800" u="none" kumimoji="0" normalizeH="0">
             <a:ln>
               <a:noFill/>
             </a:ln>
@@ -8620,7 +8462,7 @@
           <a:buFontTx/>
           <a:buNone/>
           <a:tabLst/>
-          <a:defRPr kumimoji="0" sz="1800" b="0" i="0" u="none" strike="noStrike" cap="none" spc="0" normalizeH="0" baseline="0">
+          <a:defRPr b="0" baseline="0" cap="none" i="0" spc="0" strike="noStrike" sz="1800" u="none" kumimoji="0" normalizeH="0">
             <a:ln>
               <a:noFill/>
             </a:ln>
@@ -8646,7 +8488,7 @@
           <a:buFontTx/>
           <a:buNone/>
           <a:tabLst/>
-          <a:defRPr kumimoji="0" sz="1800" b="0" i="0" u="none" strike="noStrike" cap="none" spc="0" normalizeH="0" baseline="0">
+          <a:defRPr b="0" baseline="0" cap="none" i="0" spc="0" strike="noStrike" sz="1800" u="none" kumimoji="0" normalizeH="0">
             <a:ln>
               <a:noFill/>
             </a:ln>
@@ -8672,7 +8514,7 @@
           <a:buFontTx/>
           <a:buNone/>
           <a:tabLst/>
-          <a:defRPr kumimoji="0" sz="1800" b="0" i="0" u="none" strike="noStrike" cap="none" spc="0" normalizeH="0" baseline="0">
+          <a:defRPr b="0" baseline="0" cap="none" i="0" spc="0" strike="noStrike" sz="1800" u="none" kumimoji="0" normalizeH="0">
             <a:ln>
               <a:noFill/>
             </a:ln>
@@ -8698,7 +8540,7 @@
           <a:buFontTx/>
           <a:buNone/>
           <a:tabLst/>
-          <a:defRPr kumimoji="0" sz="1800" b="0" i="0" u="none" strike="noStrike" cap="none" spc="0" normalizeH="0" baseline="0">
+          <a:defRPr b="0" baseline="0" cap="none" i="0" spc="0" strike="noStrike" sz="1800" u="none" kumimoji="0" normalizeH="0">
             <a:ln>
               <a:noFill/>
             </a:ln>
@@ -8711,25 +8553,18 @@
         </a:lvl9pPr>
       </a:lstStyle>
       <a:style>
-        <a:lnRef idx="0">
-          <a:scrgbClr r="0" g="0" b="0"/>
-        </a:lnRef>
-        <a:fillRef idx="0">
-          <a:scrgbClr r="0" g="0" b="0"/>
-        </a:fillRef>
-        <a:effectRef idx="0">
-          <a:scrgbClr r="0" g="0" b="0"/>
-        </a:effectRef>
+        <a:lnRef idx="0"/>
+        <a:fillRef idx="0"/>
+        <a:effectRef idx="0"/>
         <a:fontRef idx="none"/>
       </a:style>
     </a:txDef>
   </a:objectDefaults>
-  <a:extraClrSchemeLst/>
 </a:theme>
 </file>
 
 <file path=ppt/theme/theme2.xml><?xml version="1.0" encoding="utf-8"?>
-<a:theme xmlns:a="http://schemas.openxmlformats.org/drawingml/2006/main" name="Office">
+<a:theme xmlns:a="http://schemas.openxmlformats.org/drawingml/2006/main" xmlns:r="http://schemas.openxmlformats.org/officeDocument/2006/relationships" name="Office">
   <a:themeElements>
     <a:clrScheme name="Office">
       <a:dk1>
@@ -8771,14 +8606,14 @@
     </a:clrScheme>
     <a:fontScheme name="Office">
       <a:majorFont>
+        <a:latin typeface="Calibri"/>
+        <a:ea typeface="Calibri"/>
+        <a:cs typeface="Calibri"/>
+      </a:majorFont>
+      <a:minorFont>
         <a:latin typeface="Helvetica"/>
         <a:ea typeface="Helvetica"/>
         <a:cs typeface="Helvetica"/>
-      </a:majorFont>
-      <a:minorFont>
-        <a:latin typeface="Calibri"/>
-        <a:ea typeface="Calibri"/>
-        <a:cs typeface="Calibri"/>
       </a:minorFont>
     </a:fontScheme>
     <a:fmtScheme name="Office">
@@ -8921,17 +8756,17 @@
         <a:solidFill>
           <a:srgbClr val="FFFFFF"/>
         </a:solidFill>
-        <a:ln w="12700" cap="flat">
+        <a:ln w="25400" cap="flat">
           <a:solidFill>
             <a:schemeClr val="accent1"/>
           </a:solidFill>
           <a:prstDash val="solid"/>
-          <a:miter lim="800000"/>
+          <a:round/>
         </a:ln>
         <a:effectLst/>
         <a:sp3d/>
       </a:spPr>
-      <a:bodyPr rot="0" spcFirstLastPara="1" vertOverflow="overflow" horzOverflow="overflow" vert="horz" wrap="square" lIns="45719" tIns="45719" rIns="45719" bIns="45719" numCol="1" spcCol="38100" rtlCol="0" anchor="ctr">
+      <a:bodyPr rot="0" spcFirstLastPara="1" vertOverflow="overflow" horzOverflow="overflow" vert="horz" wrap="square" lIns="45718" tIns="45718" rIns="45718" bIns="45718" numCol="1" spcCol="38100" rtlCol="0" anchor="ctr" upright="0">
         <a:spAutoFit/>
       </a:bodyPr>
       <a:lstStyle>
@@ -8950,7 +8785,7 @@
           <a:buFontTx/>
           <a:buNone/>
           <a:tabLst/>
-          <a:defRPr kumimoji="0" sz="1800" b="0" i="0" u="none" strike="noStrike" cap="none" spc="0" normalizeH="0" baseline="0">
+          <a:defRPr b="0" baseline="0" cap="none" i="0" spc="0" strike="noStrike" sz="1800" u="none" kumimoji="0" normalizeH="0">
             <a:ln>
               <a:noFill/>
             </a:ln>
@@ -8959,9 +8794,9 @@
             </a:solidFill>
             <a:effectLst/>
             <a:uFillTx/>
-            <a:latin typeface="+mn-lt"/>
-            <a:ea typeface="+mn-ea"/>
-            <a:cs typeface="+mn-cs"/>
+            <a:latin typeface="+mj-lt"/>
+            <a:ea typeface="+mj-ea"/>
+            <a:cs typeface="+mj-cs"/>
             <a:sym typeface="Calibri"/>
           </a:defRPr>
         </a:defPPr>
@@ -8980,7 +8815,7 @@
           <a:buFontTx/>
           <a:buNone/>
           <a:tabLst/>
-          <a:defRPr kumimoji="0" sz="1800" b="0" i="0" u="none" strike="noStrike" cap="none" spc="0" normalizeH="0" baseline="0">
+          <a:defRPr b="0" baseline="0" cap="none" i="0" spc="0" strike="noStrike" sz="1800" u="none" kumimoji="0" normalizeH="0">
             <a:ln>
               <a:noFill/>
             </a:ln>
@@ -9006,7 +8841,7 @@
           <a:buFontTx/>
           <a:buNone/>
           <a:tabLst/>
-          <a:defRPr kumimoji="0" sz="1800" b="0" i="0" u="none" strike="noStrike" cap="none" spc="0" normalizeH="0" baseline="0">
+          <a:defRPr b="0" baseline="0" cap="none" i="0" spc="0" strike="noStrike" sz="1800" u="none" kumimoji="0" normalizeH="0">
             <a:ln>
               <a:noFill/>
             </a:ln>
@@ -9032,7 +8867,7 @@
           <a:buFontTx/>
           <a:buNone/>
           <a:tabLst/>
-          <a:defRPr kumimoji="0" sz="1800" b="0" i="0" u="none" strike="noStrike" cap="none" spc="0" normalizeH="0" baseline="0">
+          <a:defRPr b="0" baseline="0" cap="none" i="0" spc="0" strike="noStrike" sz="1800" u="none" kumimoji="0" normalizeH="0">
             <a:ln>
               <a:noFill/>
             </a:ln>
@@ -9058,7 +8893,7 @@
           <a:buFontTx/>
           <a:buNone/>
           <a:tabLst/>
-          <a:defRPr kumimoji="0" sz="1800" b="0" i="0" u="none" strike="noStrike" cap="none" spc="0" normalizeH="0" baseline="0">
+          <a:defRPr b="0" baseline="0" cap="none" i="0" spc="0" strike="noStrike" sz="1800" u="none" kumimoji="0" normalizeH="0">
             <a:ln>
               <a:noFill/>
             </a:ln>
@@ -9084,7 +8919,7 @@
           <a:buFontTx/>
           <a:buNone/>
           <a:tabLst/>
-          <a:defRPr kumimoji="0" sz="1800" b="0" i="0" u="none" strike="noStrike" cap="none" spc="0" normalizeH="0" baseline="0">
+          <a:defRPr b="0" baseline="0" cap="none" i="0" spc="0" strike="noStrike" sz="1800" u="none" kumimoji="0" normalizeH="0">
             <a:ln>
               <a:noFill/>
             </a:ln>
@@ -9110,7 +8945,7 @@
           <a:buFontTx/>
           <a:buNone/>
           <a:tabLst/>
-          <a:defRPr kumimoji="0" sz="1800" b="0" i="0" u="none" strike="noStrike" cap="none" spc="0" normalizeH="0" baseline="0">
+          <a:defRPr b="0" baseline="0" cap="none" i="0" spc="0" strike="noStrike" sz="1800" u="none" kumimoji="0" normalizeH="0">
             <a:ln>
               <a:noFill/>
             </a:ln>
@@ -9136,7 +8971,7 @@
           <a:buFontTx/>
           <a:buNone/>
           <a:tabLst/>
-          <a:defRPr kumimoji="0" sz="1800" b="0" i="0" u="none" strike="noStrike" cap="none" spc="0" normalizeH="0" baseline="0">
+          <a:defRPr b="0" baseline="0" cap="none" i="0" spc="0" strike="noStrike" sz="1800" u="none" kumimoji="0" normalizeH="0">
             <a:ln>
               <a:noFill/>
             </a:ln>
@@ -9162,7 +8997,7 @@
           <a:buFontTx/>
           <a:buNone/>
           <a:tabLst/>
-          <a:defRPr kumimoji="0" sz="1800" b="0" i="0" u="none" strike="noStrike" cap="none" spc="0" normalizeH="0" baseline="0">
+          <a:defRPr b="0" baseline="0" cap="none" i="0" spc="0" strike="noStrike" sz="1800" u="none" kumimoji="0" normalizeH="0">
             <a:ln>
               <a:noFill/>
             </a:ln>
@@ -9188,7 +9023,7 @@
           <a:buFontTx/>
           <a:buNone/>
           <a:tabLst/>
-          <a:defRPr kumimoji="0" sz="1800" b="0" i="0" u="none" strike="noStrike" cap="none" spc="0" normalizeH="0" baseline="0">
+          <a:defRPr b="0" baseline="0" cap="none" i="0" spc="0" strike="noStrike" sz="1800" u="none" kumimoji="0" normalizeH="0">
             <a:ln>
               <a:noFill/>
             </a:ln>
@@ -9201,32 +9036,26 @@
         </a:lvl9pPr>
       </a:lstStyle>
       <a:style>
-        <a:lnRef idx="0">
-          <a:scrgbClr r="0" g="0" b="0"/>
-        </a:lnRef>
-        <a:fillRef idx="0">
-          <a:scrgbClr r="0" g="0" b="0"/>
-        </a:fillRef>
-        <a:effectRef idx="0">
-          <a:scrgbClr r="0" g="0" b="0"/>
-        </a:effectRef>
+        <a:lnRef idx="0"/>
+        <a:fillRef idx="0"/>
+        <a:effectRef idx="0"/>
         <a:fontRef idx="none"/>
       </a:style>
     </a:spDef>
     <a:lnDef>
       <a:spPr>
         <a:noFill/>
-        <a:ln w="12700" cap="flat">
+        <a:ln w="25400" cap="flat">
           <a:solidFill>
             <a:schemeClr val="accent1"/>
           </a:solidFill>
           <a:prstDash val="solid"/>
-          <a:miter lim="800000"/>
+          <a:round/>
         </a:ln>
         <a:effectLst/>
         <a:sp3d/>
       </a:spPr>
-      <a:bodyPr rot="0" spcFirstLastPara="1" vertOverflow="overflow" horzOverflow="overflow" vert="horz" wrap="square" lIns="91439" tIns="45719" rIns="91439" bIns="45719" numCol="1" spcCol="38100" rtlCol="0" anchor="t">
+      <a:bodyPr rot="0" spcFirstLastPara="1" vertOverflow="overflow" horzOverflow="overflow" vert="horz" wrap="square" lIns="91439" tIns="45719" rIns="91439" bIns="45719" numCol="1" spcCol="38100" rtlCol="0" anchor="t" upright="0">
         <a:noAutofit/>
       </a:bodyPr>
       <a:lstStyle>
@@ -9245,7 +9074,7 @@
           <a:buFontTx/>
           <a:buNone/>
           <a:tabLst/>
-          <a:defRPr kumimoji="0" sz="1800" b="0" i="0" u="none" strike="noStrike" cap="none" spc="0" normalizeH="0" baseline="0">
+          <a:defRPr b="0" baseline="0" cap="none" i="0" spc="0" strike="noStrike" sz="1800" u="none" kumimoji="0" normalizeH="0">
             <a:ln>
               <a:noFill/>
             </a:ln>
@@ -9271,7 +9100,7 @@
           <a:buFontTx/>
           <a:buNone/>
           <a:tabLst/>
-          <a:defRPr kumimoji="0" sz="1800" b="0" i="0" u="none" strike="noStrike" cap="none" spc="0" normalizeH="0" baseline="0">
+          <a:defRPr b="0" baseline="0" cap="none" i="0" spc="0" strike="noStrike" sz="1800" u="none" kumimoji="0" normalizeH="0">
             <a:ln>
               <a:noFill/>
             </a:ln>
@@ -9297,7 +9126,7 @@
           <a:buFontTx/>
           <a:buNone/>
           <a:tabLst/>
-          <a:defRPr kumimoji="0" sz="1800" b="0" i="0" u="none" strike="noStrike" cap="none" spc="0" normalizeH="0" baseline="0">
+          <a:defRPr b="0" baseline="0" cap="none" i="0" spc="0" strike="noStrike" sz="1800" u="none" kumimoji="0" normalizeH="0">
             <a:ln>
               <a:noFill/>
             </a:ln>
@@ -9323,7 +9152,7 @@
           <a:buFontTx/>
           <a:buNone/>
           <a:tabLst/>
-          <a:defRPr kumimoji="0" sz="1800" b="0" i="0" u="none" strike="noStrike" cap="none" spc="0" normalizeH="0" baseline="0">
+          <a:defRPr b="0" baseline="0" cap="none" i="0" spc="0" strike="noStrike" sz="1800" u="none" kumimoji="0" normalizeH="0">
             <a:ln>
               <a:noFill/>
             </a:ln>
@@ -9349,7 +9178,7 @@
           <a:buFontTx/>
           <a:buNone/>
           <a:tabLst/>
-          <a:defRPr kumimoji="0" sz="1800" b="0" i="0" u="none" strike="noStrike" cap="none" spc="0" normalizeH="0" baseline="0">
+          <a:defRPr b="0" baseline="0" cap="none" i="0" spc="0" strike="noStrike" sz="1800" u="none" kumimoji="0" normalizeH="0">
             <a:ln>
               <a:noFill/>
             </a:ln>
@@ -9375,7 +9204,7 @@
           <a:buFontTx/>
           <a:buNone/>
           <a:tabLst/>
-          <a:defRPr kumimoji="0" sz="1800" b="0" i="0" u="none" strike="noStrike" cap="none" spc="0" normalizeH="0" baseline="0">
+          <a:defRPr b="0" baseline="0" cap="none" i="0" spc="0" strike="noStrike" sz="1800" u="none" kumimoji="0" normalizeH="0">
             <a:ln>
               <a:noFill/>
             </a:ln>
@@ -9401,7 +9230,7 @@
           <a:buFontTx/>
           <a:buNone/>
           <a:tabLst/>
-          <a:defRPr kumimoji="0" sz="1800" b="0" i="0" u="none" strike="noStrike" cap="none" spc="0" normalizeH="0" baseline="0">
+          <a:defRPr b="0" baseline="0" cap="none" i="0" spc="0" strike="noStrike" sz="1800" u="none" kumimoji="0" normalizeH="0">
             <a:ln>
               <a:noFill/>
             </a:ln>
@@ -9427,7 +9256,7 @@
           <a:buFontTx/>
           <a:buNone/>
           <a:tabLst/>
-          <a:defRPr kumimoji="0" sz="1800" b="0" i="0" u="none" strike="noStrike" cap="none" spc="0" normalizeH="0" baseline="0">
+          <a:defRPr b="0" baseline="0" cap="none" i="0" spc="0" strike="noStrike" sz="1800" u="none" kumimoji="0" normalizeH="0">
             <a:ln>
               <a:noFill/>
             </a:ln>
@@ -9453,7 +9282,7 @@
           <a:buFontTx/>
           <a:buNone/>
           <a:tabLst/>
-          <a:defRPr kumimoji="0" sz="1800" b="0" i="0" u="none" strike="noStrike" cap="none" spc="0" normalizeH="0" baseline="0">
+          <a:defRPr b="0" baseline="0" cap="none" i="0" spc="0" strike="noStrike" sz="1800" u="none" kumimoji="0" normalizeH="0">
             <a:ln>
               <a:noFill/>
             </a:ln>
@@ -9479,7 +9308,7 @@
           <a:buFontTx/>
           <a:buNone/>
           <a:tabLst/>
-          <a:defRPr kumimoji="0" sz="1800" b="0" i="0" u="none" strike="noStrike" cap="none" spc="0" normalizeH="0" baseline="0">
+          <a:defRPr b="0" baseline="0" cap="none" i="0" spc="0" strike="noStrike" sz="1800" u="none" kumimoji="0" normalizeH="0">
             <a:ln>
               <a:noFill/>
             </a:ln>
@@ -9492,15 +9321,9 @@
         </a:lvl9pPr>
       </a:lstStyle>
       <a:style>
-        <a:lnRef idx="0">
-          <a:scrgbClr r="0" g="0" b="0"/>
-        </a:lnRef>
-        <a:fillRef idx="0">
-          <a:scrgbClr r="0" g="0" b="0"/>
-        </a:fillRef>
-        <a:effectRef idx="0">
-          <a:scrgbClr r="0" g="0" b="0"/>
-        </a:effectRef>
+        <a:lnRef idx="0"/>
+        <a:fillRef idx="0"/>
+        <a:effectRef idx="0"/>
         <a:fontRef idx="none"/>
       </a:style>
     </a:lnDef>
@@ -9514,7 +9337,7 @@
         <a:effectLst/>
         <a:sp3d/>
       </a:spPr>
-      <a:bodyPr rot="0" spcFirstLastPara="1" vertOverflow="overflow" horzOverflow="overflow" vert="horz" wrap="square" lIns="45719" tIns="45719" rIns="45719" bIns="45719" numCol="1" spcCol="38100" rtlCol="0" anchor="t">
+      <a:bodyPr rot="0" spcFirstLastPara="1" vertOverflow="overflow" horzOverflow="overflow" vert="horz" wrap="square" lIns="45718" tIns="45718" rIns="45718" bIns="45718" numCol="1" spcCol="38100" rtlCol="0" anchor="t" upright="0">
         <a:spAutoFit/>
       </a:bodyPr>
       <a:lstStyle>
@@ -9533,7 +9356,7 @@
           <a:buFontTx/>
           <a:buNone/>
           <a:tabLst/>
-          <a:defRPr kumimoji="0" sz="1800" b="0" i="0" u="none" strike="noStrike" cap="none" spc="0" normalizeH="0" baseline="0">
+          <a:defRPr b="0" baseline="0" cap="none" i="0" spc="0" strike="noStrike" sz="1800" u="none" kumimoji="0" normalizeH="0">
             <a:ln>
               <a:noFill/>
             </a:ln>
@@ -9542,9 +9365,9 @@
             </a:solidFill>
             <a:effectLst/>
             <a:uFillTx/>
-            <a:latin typeface="+mn-lt"/>
-            <a:ea typeface="+mn-ea"/>
-            <a:cs typeface="+mn-cs"/>
+            <a:latin typeface="+mj-lt"/>
+            <a:ea typeface="+mj-ea"/>
+            <a:cs typeface="+mj-cs"/>
             <a:sym typeface="Calibri"/>
           </a:defRPr>
         </a:defPPr>
@@ -9563,7 +9386,7 @@
           <a:buFontTx/>
           <a:buNone/>
           <a:tabLst/>
-          <a:defRPr kumimoji="0" sz="1800" b="0" i="0" u="none" strike="noStrike" cap="none" spc="0" normalizeH="0" baseline="0">
+          <a:defRPr b="0" baseline="0" cap="none" i="0" spc="0" strike="noStrike" sz="1800" u="none" kumimoji="0" normalizeH="0">
             <a:ln>
               <a:noFill/>
             </a:ln>
@@ -9589,7 +9412,7 @@
           <a:buFontTx/>
           <a:buNone/>
           <a:tabLst/>
-          <a:defRPr kumimoji="0" sz="1800" b="0" i="0" u="none" strike="noStrike" cap="none" spc="0" normalizeH="0" baseline="0">
+          <a:defRPr b="0" baseline="0" cap="none" i="0" spc="0" strike="noStrike" sz="1800" u="none" kumimoji="0" normalizeH="0">
             <a:ln>
               <a:noFill/>
             </a:ln>
@@ -9615,7 +9438,7 @@
           <a:buFontTx/>
           <a:buNone/>
           <a:tabLst/>
-          <a:defRPr kumimoji="0" sz="1800" b="0" i="0" u="none" strike="noStrike" cap="none" spc="0" normalizeH="0" baseline="0">
+          <a:defRPr b="0" baseline="0" cap="none" i="0" spc="0" strike="noStrike" sz="1800" u="none" kumimoji="0" normalizeH="0">
             <a:ln>
               <a:noFill/>
             </a:ln>
@@ -9641,7 +9464,7 @@
           <a:buFontTx/>
           <a:buNone/>
           <a:tabLst/>
-          <a:defRPr kumimoji="0" sz="1800" b="0" i="0" u="none" strike="noStrike" cap="none" spc="0" normalizeH="0" baseline="0">
+          <a:defRPr b="0" baseline="0" cap="none" i="0" spc="0" strike="noStrike" sz="1800" u="none" kumimoji="0" normalizeH="0">
             <a:ln>
               <a:noFill/>
             </a:ln>
@@ -9667,7 +9490,7 @@
           <a:buFontTx/>
           <a:buNone/>
           <a:tabLst/>
-          <a:defRPr kumimoji="0" sz="1800" b="0" i="0" u="none" strike="noStrike" cap="none" spc="0" normalizeH="0" baseline="0">
+          <a:defRPr b="0" baseline="0" cap="none" i="0" spc="0" strike="noStrike" sz="1800" u="none" kumimoji="0" normalizeH="0">
             <a:ln>
               <a:noFill/>
             </a:ln>
@@ -9693,7 +9516,7 @@
           <a:buFontTx/>
           <a:buNone/>
           <a:tabLst/>
-          <a:defRPr kumimoji="0" sz="1800" b="0" i="0" u="none" strike="noStrike" cap="none" spc="0" normalizeH="0" baseline="0">
+          <a:defRPr b="0" baseline="0" cap="none" i="0" spc="0" strike="noStrike" sz="1800" u="none" kumimoji="0" normalizeH="0">
             <a:ln>
               <a:noFill/>
             </a:ln>
@@ -9719,7 +9542,7 @@
           <a:buFontTx/>
           <a:buNone/>
           <a:tabLst/>
-          <a:defRPr kumimoji="0" sz="1800" b="0" i="0" u="none" strike="noStrike" cap="none" spc="0" normalizeH="0" baseline="0">
+          <a:defRPr b="0" baseline="0" cap="none" i="0" spc="0" strike="noStrike" sz="1800" u="none" kumimoji="0" normalizeH="0">
             <a:ln>
               <a:noFill/>
             </a:ln>
@@ -9745,7 +9568,7 @@
           <a:buFontTx/>
           <a:buNone/>
           <a:tabLst/>
-          <a:defRPr kumimoji="0" sz="1800" b="0" i="0" u="none" strike="noStrike" cap="none" spc="0" normalizeH="0" baseline="0">
+          <a:defRPr b="0" baseline="0" cap="none" i="0" spc="0" strike="noStrike" sz="1800" u="none" kumimoji="0" normalizeH="0">
             <a:ln>
               <a:noFill/>
             </a:ln>
@@ -9771,7 +9594,7 @@
           <a:buFontTx/>
           <a:buNone/>
           <a:tabLst/>
-          <a:defRPr kumimoji="0" sz="1800" b="0" i="0" u="none" strike="noStrike" cap="none" spc="0" normalizeH="0" baseline="0">
+          <a:defRPr b="0" baseline="0" cap="none" i="0" spc="0" strike="noStrike" sz="1800" u="none" kumimoji="0" normalizeH="0">
             <a:ln>
               <a:noFill/>
             </a:ln>
@@ -9784,279 +9607,12 @@
         </a:lvl9pPr>
       </a:lstStyle>
       <a:style>
-        <a:lnRef idx="0">
-          <a:scrgbClr r="0" g="0" b="0"/>
-        </a:lnRef>
-        <a:fillRef idx="0">
-          <a:scrgbClr r="0" g="0" b="0"/>
-        </a:fillRef>
-        <a:effectRef idx="0">
-          <a:scrgbClr r="0" g="0" b="0"/>
-        </a:effectRef>
+        <a:lnRef idx="0"/>
+        <a:fillRef idx="0"/>
+        <a:effectRef idx="0"/>
         <a:fontRef idx="none"/>
       </a:style>
     </a:txDef>
   </a:objectDefaults>
-  <a:extraClrSchemeLst/>
 </a:theme>
-</file>
-
-<file path=customXml/item1.xml><?xml version="1.0" encoding="utf-8"?>
-<p:properties xmlns:p="http://schemas.microsoft.com/office/2006/metadata/properties" xmlns:xsi="http://www.w3.org/2001/XMLSchema-instance" xmlns:pc="http://schemas.microsoft.com/office/infopath/2007/PartnerControls">
-  <documentManagement/>
-</p:properties>
-</file>
-
-<file path=customXml/item2.xml><?xml version="1.0" encoding="utf-8"?>
-<?mso-contentType ?>
-<FormTemplates xmlns="http://schemas.microsoft.com/sharepoint/v3/contenttype/forms">
-  <Display>DocumentLibraryForm</Display>
-  <Edit>DocumentLibraryForm</Edit>
-  <New>DocumentLibraryForm</New>
-</FormTemplates>
-</file>
-
-<file path=customXml/item3.xml><?xml version="1.0" encoding="utf-8"?>
-<ct:contentTypeSchema xmlns:ct="http://schemas.microsoft.com/office/2006/metadata/contentType" xmlns:ma="http://schemas.microsoft.com/office/2006/metadata/properties/metaAttributes" ct:_="" ma:_="" ma:contentTypeName="Dokument" ma:contentTypeID="0x010100836DE33932D0F24E842C157F715B2E5B" ma:contentTypeVersion="11" ma:contentTypeDescription="Ein neues Dokument erstellen." ma:contentTypeScope="" ma:versionID="0ea148e3290cae58b3d07c829d945fc7">
-  <xsd:schema xmlns:xsd="http://www.w3.org/2001/XMLSchema" xmlns:xs="http://www.w3.org/2001/XMLSchema" xmlns:p="http://schemas.microsoft.com/office/2006/metadata/properties" xmlns:ns3="1d38b0a5-d74c-4591-80fb-34595252c191" xmlns:ns4="6675a1e4-0069-481f-b17b-d0695efb8776" targetNamespace="http://schemas.microsoft.com/office/2006/metadata/properties" ma:root="true" ma:fieldsID="d6e3cbd67c96037582d40ca955ae4e20" ns3:_="" ns4:_="">
-    <xsd:import namespace="1d38b0a5-d74c-4591-80fb-34595252c191"/>
-    <xsd:import namespace="6675a1e4-0069-481f-b17b-d0695efb8776"/>
-    <xsd:element name="properties">
-      <xsd:complexType>
-        <xsd:sequence>
-          <xsd:element name="documentManagement">
-            <xsd:complexType>
-              <xsd:all>
-                <xsd:element ref="ns3:MediaServiceMetadata" minOccurs="0"/>
-                <xsd:element ref="ns3:MediaServiceFastMetadata" minOccurs="0"/>
-                <xsd:element ref="ns3:MediaServiceDateTaken" minOccurs="0"/>
-                <xsd:element ref="ns3:MediaServiceAutoTags" minOccurs="0"/>
-                <xsd:element ref="ns4:SharedWithUsers" minOccurs="0"/>
-                <xsd:element ref="ns4:SharedWithDetails" minOccurs="0"/>
-                <xsd:element ref="ns4:SharingHintHash" minOccurs="0"/>
-                <xsd:element ref="ns3:MediaServiceLocation" minOccurs="0"/>
-                <xsd:element ref="ns3:MediaServiceOCR" minOccurs="0"/>
-                <xsd:element ref="ns3:MediaServiceEventHashCode" minOccurs="0"/>
-                <xsd:element ref="ns3:MediaServiceGenerationTime" minOccurs="0"/>
-              </xsd:all>
-            </xsd:complexType>
-          </xsd:element>
-        </xsd:sequence>
-      </xsd:complexType>
-    </xsd:element>
-  </xsd:schema>
-  <xsd:schema xmlns:xsd="http://www.w3.org/2001/XMLSchema" xmlns:xs="http://www.w3.org/2001/XMLSchema" xmlns:dms="http://schemas.microsoft.com/office/2006/documentManagement/types" xmlns:pc="http://schemas.microsoft.com/office/infopath/2007/PartnerControls" targetNamespace="1d38b0a5-d74c-4591-80fb-34595252c191" elementFormDefault="qualified">
-    <xsd:import namespace="http://schemas.microsoft.com/office/2006/documentManagement/types"/>
-    <xsd:import namespace="http://schemas.microsoft.com/office/infopath/2007/PartnerControls"/>
-    <xsd:element name="MediaServiceMetadata" ma:index="8" nillable="true" ma:displayName="MediaServiceMetadata" ma:description="" ma:hidden="true" ma:internalName="MediaServiceMetadata" ma:readOnly="true">
-      <xsd:simpleType>
-        <xsd:restriction base="dms:Note"/>
-      </xsd:simpleType>
-    </xsd:element>
-    <xsd:element name="MediaServiceFastMetadata" ma:index="9" nillable="true" ma:displayName="MediaServiceFastMetadata" ma:description="" ma:hidden="true" ma:internalName="MediaServiceFastMetadata" ma:readOnly="true">
-      <xsd:simpleType>
-        <xsd:restriction base="dms:Note"/>
-      </xsd:simpleType>
-    </xsd:element>
-    <xsd:element name="MediaServiceDateTaken" ma:index="10" nillable="true" ma:displayName="MediaServiceDateTaken" ma:description="" ma:hidden="true" ma:internalName="MediaServiceDateTaken" ma:readOnly="true">
-      <xsd:simpleType>
-        <xsd:restriction base="dms:Text"/>
-      </xsd:simpleType>
-    </xsd:element>
-    <xsd:element name="MediaServiceAutoTags" ma:index="11" nillable="true" ma:displayName="MediaServiceAutoTags" ma:description="" ma:internalName="MediaServiceAutoTags" ma:readOnly="true">
-      <xsd:simpleType>
-        <xsd:restriction base="dms:Text"/>
-      </xsd:simpleType>
-    </xsd:element>
-    <xsd:element name="MediaServiceLocation" ma:index="15" nillable="true" ma:displayName="MediaServiceLocation" ma:description="" ma:internalName="MediaServiceLocation" ma:readOnly="true">
-      <xsd:simpleType>
-        <xsd:restriction base="dms:Text"/>
-      </xsd:simpleType>
-    </xsd:element>
-    <xsd:element name="MediaServiceOCR" ma:index="16" nillable="true" ma:displayName="MediaServiceOCR" ma:internalName="MediaServiceOCR" ma:readOnly="true">
-      <xsd:simpleType>
-        <xsd:restriction base="dms:Note">
-          <xsd:maxLength value="255"/>
-        </xsd:restriction>
-      </xsd:simpleType>
-    </xsd:element>
-    <xsd:element name="MediaServiceEventHashCode" ma:index="17" nillable="true" ma:displayName="MediaServiceEventHashCode" ma:hidden="true" ma:internalName="MediaServiceEventHashCode" ma:readOnly="true">
-      <xsd:simpleType>
-        <xsd:restriction base="dms:Text"/>
-      </xsd:simpleType>
-    </xsd:element>
-    <xsd:element name="MediaServiceGenerationTime" ma:index="18" nillable="true" ma:displayName="MediaServiceGenerationTime" ma:hidden="true" ma:internalName="MediaServiceGenerationTime" ma:readOnly="true">
-      <xsd:simpleType>
-        <xsd:restriction base="dms:Text"/>
-      </xsd:simpleType>
-    </xsd:element>
-  </xsd:schema>
-  <xsd:schema xmlns:xsd="http://www.w3.org/2001/XMLSchema" xmlns:xs="http://www.w3.org/2001/XMLSchema" xmlns:dms="http://schemas.microsoft.com/office/2006/documentManagement/types" xmlns:pc="http://schemas.microsoft.com/office/infopath/2007/PartnerControls" targetNamespace="6675a1e4-0069-481f-b17b-d0695efb8776" elementFormDefault="qualified">
-    <xsd:import namespace="http://schemas.microsoft.com/office/2006/documentManagement/types"/>
-    <xsd:import namespace="http://schemas.microsoft.com/office/infopath/2007/PartnerControls"/>
-    <xsd:element name="SharedWithUsers" ma:index="12" nillable="true" ma:displayName="Freigegeben für" ma:description="" ma:internalName="SharedWithUsers" ma:readOnly="true">
-      <xsd:complexType>
-        <xsd:complexContent>
-          <xsd:extension base="dms:UserMulti">
-            <xsd:sequence>
-              <xsd:element name="UserInfo" minOccurs="0" maxOccurs="unbounded">
-                <xsd:complexType>
-                  <xsd:sequence>
-                    <xsd:element name="DisplayName" type="xsd:string" minOccurs="0"/>
-                    <xsd:element name="AccountId" type="dms:UserId" minOccurs="0" nillable="true"/>
-                    <xsd:element name="AccountType" type="xsd:string" minOccurs="0"/>
-                  </xsd:sequence>
-                </xsd:complexType>
-              </xsd:element>
-            </xsd:sequence>
-          </xsd:extension>
-        </xsd:complexContent>
-      </xsd:complexType>
-    </xsd:element>
-    <xsd:element name="SharedWithDetails" ma:index="13" nillable="true" ma:displayName="Freigegeben für - Details" ma:description="" ma:internalName="SharedWithDetails" ma:readOnly="true">
-      <xsd:simpleType>
-        <xsd:restriction base="dms:Note">
-          <xsd:maxLength value="255"/>
-        </xsd:restriction>
-      </xsd:simpleType>
-    </xsd:element>
-    <xsd:element name="SharingHintHash" ma:index="14" nillable="true" ma:displayName="Freigabehinweishash" ma:description="" ma:hidden="true" ma:internalName="SharingHintHash" ma:readOnly="true">
-      <xsd:simpleType>
-        <xsd:restriction base="dms:Text"/>
-      </xsd:simpleType>
-    </xsd:element>
-  </xsd:schema>
-  <xsd:schema xmlns="http://schemas.openxmlformats.org/package/2006/metadata/core-properties" xmlns:xsd="http://www.w3.org/2001/XMLSchema" xmlns:xsi="http://www.w3.org/2001/XMLSchema-instance" xmlns:dc="http://purl.org/dc/elements/1.1/" xmlns:dcterms="http://purl.org/dc/terms/" xmlns:odoc="http://schemas.microsoft.com/internal/obd" targetNamespace="http://schemas.openxmlformats.org/package/2006/metadata/core-properties" elementFormDefault="qualified" attributeFormDefault="unqualified" blockDefault="#all">
-    <xsd:import namespace="http://purl.org/dc/elements/1.1/" schemaLocation="http://dublincore.org/schemas/xmls/qdc/2003/04/02/dc.xsd"/>
-    <xsd:import namespace="http://purl.org/dc/terms/" schemaLocation="http://dublincore.org/schemas/xmls/qdc/2003/04/02/dcterms.xsd"/>
-    <xsd:element name="coreProperties" type="CT_coreProperties"/>
-    <xsd:complexType name="CT_coreProperties">
-      <xsd:all>
-        <xsd:element ref="dc:creator" minOccurs="0" maxOccurs="1"/>
-        <xsd:element ref="dcterms:created" minOccurs="0" maxOccurs="1"/>
-        <xsd:element ref="dc:identifier" minOccurs="0" maxOccurs="1"/>
-        <xsd:element name="contentType" minOccurs="0" maxOccurs="1" type="xsd:string" ma:index="0" ma:displayName="Inhaltstyp"/>
-        <xsd:element ref="dc:title" minOccurs="0" maxOccurs="1" ma:index="4" ma:displayName="Titel"/>
-        <xsd:element ref="dc:subject" minOccurs="0" maxOccurs="1"/>
-        <xsd:element ref="dc:description" minOccurs="0" maxOccurs="1"/>
-        <xsd:element name="keywords" minOccurs="0" maxOccurs="1" type="xsd:string"/>
-        <xsd:element ref="dc:language" minOccurs="0" maxOccurs="1"/>
-        <xsd:element name="category" minOccurs="0" maxOccurs="1" type="xsd:string"/>
-        <xsd:element name="version" minOccurs="0" maxOccurs="1" type="xsd:string"/>
-        <xsd:element name="revision" minOccurs="0" maxOccurs="1" type="xsd:string">
-          <xsd:annotation>
-            <xsd:documentation>
-                        This value indicates the number of saves or revisions. The application is responsible for updating this value after each revision.
-                    </xsd:documentation>
-          </xsd:annotation>
-        </xsd:element>
-        <xsd:element name="lastModifiedBy" minOccurs="0" maxOccurs="1" type="xsd:string"/>
-        <xsd:element ref="dcterms:modified" minOccurs="0" maxOccurs="1"/>
-        <xsd:element name="contentStatus" minOccurs="0" maxOccurs="1" type="xsd:string"/>
-      </xsd:all>
-    </xsd:complexType>
-  </xsd:schema>
-  <xs:schema xmlns:pc="http://schemas.microsoft.com/office/infopath/2007/PartnerControls" xmlns:xs="http://www.w3.org/2001/XMLSchema" targetNamespace="http://schemas.microsoft.com/office/infopath/2007/PartnerControls" elementFormDefault="qualified" attributeFormDefault="unqualified">
-    <xs:element name="Person">
-      <xs:complexType>
-        <xs:sequence>
-          <xs:element ref="pc:DisplayName" minOccurs="0"/>
-          <xs:element ref="pc:AccountId" minOccurs="0"/>
-          <xs:element ref="pc:AccountType" minOccurs="0"/>
-        </xs:sequence>
-      </xs:complexType>
-    </xs:element>
-    <xs:element name="DisplayName" type="xs:string"/>
-    <xs:element name="AccountId" type="xs:string"/>
-    <xs:element name="AccountType" type="xs:string"/>
-    <xs:element name="BDCAssociatedEntity">
-      <xs:complexType>
-        <xs:sequence>
-          <xs:element ref="pc:BDCEntity" minOccurs="0" maxOccurs="unbounded"/>
-        </xs:sequence>
-        <xs:attribute ref="pc:EntityNamespace"/>
-        <xs:attribute ref="pc:EntityName"/>
-        <xs:attribute ref="pc:SystemInstanceName"/>
-        <xs:attribute ref="pc:AssociationName"/>
-      </xs:complexType>
-    </xs:element>
-    <xs:attribute name="EntityNamespace" type="xs:string"/>
-    <xs:attribute name="EntityName" type="xs:string"/>
-    <xs:attribute name="SystemInstanceName" type="xs:string"/>
-    <xs:attribute name="AssociationName" type="xs:string"/>
-    <xs:element name="BDCEntity">
-      <xs:complexType>
-        <xs:sequence>
-          <xs:element ref="pc:EntityDisplayName" minOccurs="0"/>
-          <xs:element ref="pc:EntityInstanceReference" minOccurs="0"/>
-          <xs:element ref="pc:EntityId1" minOccurs="0"/>
-          <xs:element ref="pc:EntityId2" minOccurs="0"/>
-          <xs:element ref="pc:EntityId3" minOccurs="0"/>
-          <xs:element ref="pc:EntityId4" minOccurs="0"/>
-          <xs:element ref="pc:EntityId5" minOccurs="0"/>
-        </xs:sequence>
-      </xs:complexType>
-    </xs:element>
-    <xs:element name="EntityDisplayName" type="xs:string"/>
-    <xs:element name="EntityInstanceReference" type="xs:string"/>
-    <xs:element name="EntityId1" type="xs:string"/>
-    <xs:element name="EntityId2" type="xs:string"/>
-    <xs:element name="EntityId3" type="xs:string"/>
-    <xs:element name="EntityId4" type="xs:string"/>
-    <xs:element name="EntityId5" type="xs:string"/>
-    <xs:element name="Terms">
-      <xs:complexType>
-        <xs:sequence>
-          <xs:element ref="pc:TermInfo" minOccurs="0" maxOccurs="unbounded"/>
-        </xs:sequence>
-      </xs:complexType>
-    </xs:element>
-    <xs:element name="TermInfo">
-      <xs:complexType>
-        <xs:sequence>
-          <xs:element ref="pc:TermName" minOccurs="0"/>
-          <xs:element ref="pc:TermId" minOccurs="0"/>
-        </xs:sequence>
-      </xs:complexType>
-    </xs:element>
-    <xs:element name="TermName" type="xs:string"/>
-    <xs:element name="TermId" type="xs:string"/>
-  </xs:schema>
-</ct:contentTypeSchema>
-</file>
-
-<file path=customXml/itemProps1.xml><?xml version="1.0" encoding="utf-8"?>
-<ds:datastoreItem xmlns:ds="http://schemas.openxmlformats.org/officeDocument/2006/customXml" ds:itemID="{FEE74C38-843A-48FA-BF0A-181E651591D1}">
-  <ds:schemaRefs>
-    <ds:schemaRef ds:uri="http://schemas.microsoft.com/office/2006/metadata/properties"/>
-    <ds:schemaRef ds:uri="http://schemas.microsoft.com/office/infopath/2007/PartnerControls"/>
-  </ds:schemaRefs>
-</ds:datastoreItem>
-</file>
-
-<file path=customXml/itemProps2.xml><?xml version="1.0" encoding="utf-8"?>
-<ds:datastoreItem xmlns:ds="http://schemas.openxmlformats.org/officeDocument/2006/customXml" ds:itemID="{61B2E154-4871-41CB-8D94-240291C5BBB4}">
-  <ds:schemaRefs>
-    <ds:schemaRef ds:uri="http://schemas.microsoft.com/sharepoint/v3/contenttype/forms"/>
-  </ds:schemaRefs>
-</ds:datastoreItem>
-</file>
-
-<file path=customXml/itemProps3.xml><?xml version="1.0" encoding="utf-8"?>
-<ds:datastoreItem xmlns:ds="http://schemas.openxmlformats.org/officeDocument/2006/customXml" ds:itemID="{A2D8CB35-6A4B-4783-9E90-2407BE9F9B09}">
-  <ds:schemaRefs>
-    <ds:schemaRef ds:uri="http://schemas.microsoft.com/office/2006/metadata/contentType"/>
-    <ds:schemaRef ds:uri="http://schemas.microsoft.com/office/2006/metadata/properties/metaAttributes"/>
-    <ds:schemaRef ds:uri="http://www.w3.org/2001/XMLSchema"/>
-    <ds:schemaRef ds:uri="http://schemas.microsoft.com/office/2006/metadata/properties"/>
-    <ds:schemaRef ds:uri="1d38b0a5-d74c-4591-80fb-34595252c191"/>
-    <ds:schemaRef ds:uri="6675a1e4-0069-481f-b17b-d0695efb8776"/>
-    <ds:schemaRef ds:uri="http://schemas.microsoft.com/office/2006/documentManagement/types"/>
-    <ds:schemaRef ds:uri="http://schemas.microsoft.com/office/infopath/2007/PartnerControls"/>
-    <ds:schemaRef ds:uri="http://schemas.openxmlformats.org/package/2006/metadata/core-properties"/>
-    <ds:schemaRef ds:uri="http://purl.org/dc/elements/1.1/"/>
-    <ds:schemaRef ds:uri="http://purl.org/dc/terms/"/>
-    <ds:schemaRef ds:uri="http://schemas.microsoft.com/internal/obd"/>
-  </ds:schemaRefs>
-</ds:datastoreItem>
 </file>
--- a/Presentation Fire.pptx
+++ b/Presentation Fire.pptx
@@ -1,35 +1,35 @@
 
 <file path=ppt/presentation.xml><?xml version="1.0" encoding="utf-8"?>
-<p:presentation xmlns:a="http://schemas.openxmlformats.org/drawingml/2006/main" xmlns:r="http://schemas.openxmlformats.org/officeDocument/2006/relationships" xmlns:p="http://schemas.openxmlformats.org/presentationml/2006/main" xmlns:m="http://schemas.openxmlformats.org/officeDocument/2006/math" xmlns:a14="http://schemas.microsoft.com/office/drawing/2010/main">
+<p:presentation xmlns:a="http://schemas.openxmlformats.org/drawingml/2006/main" xmlns:r="http://schemas.openxmlformats.org/officeDocument/2006/relationships" xmlns:p="http://schemas.openxmlformats.org/presentationml/2006/main">
   <p:sldMasterIdLst>
-    <p:sldMasterId id="2147483648" r:id="rId5"/>
+    <p:sldMasterId id="2147483648" r:id="rId4"/>
   </p:sldMasterIdLst>
   <p:notesMasterIdLst>
-    <p:notesMasterId r:id="rId7"/>
+    <p:notesMasterId r:id="rId27"/>
   </p:notesMasterIdLst>
   <p:sldIdLst>
-    <p:sldId id="256" r:id="rId8"/>
-    <p:sldId id="257" r:id="rId9"/>
-    <p:sldId id="258" r:id="rId10"/>
-    <p:sldId id="259" r:id="rId11"/>
-    <p:sldId id="260" r:id="rId12"/>
-    <p:sldId id="261" r:id="rId13"/>
-    <p:sldId id="262" r:id="rId14"/>
-    <p:sldId id="263" r:id="rId15"/>
-    <p:sldId id="264" r:id="rId16"/>
-    <p:sldId id="265" r:id="rId17"/>
-    <p:sldId id="266" r:id="rId18"/>
-    <p:sldId id="267" r:id="rId19"/>
-    <p:sldId id="268" r:id="rId20"/>
-    <p:sldId id="269" r:id="rId21"/>
-    <p:sldId id="270" r:id="rId22"/>
-    <p:sldId id="271" r:id="rId23"/>
-    <p:sldId id="272" r:id="rId24"/>
-    <p:sldId id="273" r:id="rId25"/>
-    <p:sldId id="274" r:id="rId26"/>
-    <p:sldId id="275" r:id="rId27"/>
-    <p:sldId id="276" r:id="rId28"/>
-    <p:sldId id="277" r:id="rId29"/>
+    <p:sldId id="256" r:id="rId5"/>
+    <p:sldId id="257" r:id="rId6"/>
+    <p:sldId id="258" r:id="rId7"/>
+    <p:sldId id="259" r:id="rId8"/>
+    <p:sldId id="260" r:id="rId9"/>
+    <p:sldId id="261" r:id="rId10"/>
+    <p:sldId id="262" r:id="rId11"/>
+    <p:sldId id="263" r:id="rId12"/>
+    <p:sldId id="264" r:id="rId13"/>
+    <p:sldId id="265" r:id="rId14"/>
+    <p:sldId id="266" r:id="rId15"/>
+    <p:sldId id="267" r:id="rId16"/>
+    <p:sldId id="268" r:id="rId17"/>
+    <p:sldId id="269" r:id="rId18"/>
+    <p:sldId id="270" r:id="rId19"/>
+    <p:sldId id="271" r:id="rId20"/>
+    <p:sldId id="272" r:id="rId21"/>
+    <p:sldId id="273" r:id="rId22"/>
+    <p:sldId id="274" r:id="rId23"/>
+    <p:sldId id="275" r:id="rId24"/>
+    <p:sldId id="276" r:id="rId25"/>
+    <p:sldId id="277" r:id="rId26"/>
   </p:sldIdLst>
   <p:sldSz cx="12192000" cy="6858000"/>
   <p:notesSz cx="6858000" cy="9144000"/>
@@ -49,7 +49,7 @@
       <a:buFontTx/>
       <a:buNone/>
       <a:tabLst/>
-      <a:defRPr b="0" baseline="0" cap="none" i="0" spc="0" strike="noStrike" sz="1800" u="none" kumimoji="0" normalizeH="0">
+      <a:defRPr kumimoji="0" sz="1800" b="0" i="0" u="none" strike="noStrike" cap="none" spc="0" normalizeH="0" baseline="0">
         <a:ln>
           <a:noFill/>
         </a:ln>
@@ -75,7 +75,7 @@
       <a:buFontTx/>
       <a:buNone/>
       <a:tabLst/>
-      <a:defRPr b="0" baseline="0" cap="none" i="0" spc="0" strike="noStrike" sz="1800" u="none" kumimoji="0" normalizeH="0">
+      <a:defRPr kumimoji="0" sz="1800" b="0" i="0" u="none" strike="noStrike" cap="none" spc="0" normalizeH="0" baseline="0">
         <a:ln>
           <a:noFill/>
         </a:ln>
@@ -105,7 +105,7 @@
       <a:buFontTx/>
       <a:buNone/>
       <a:tabLst/>
-      <a:defRPr b="0" baseline="0" cap="none" i="0" spc="0" strike="noStrike" sz="1800" u="none" kumimoji="0" normalizeH="0">
+      <a:defRPr kumimoji="0" sz="1800" b="0" i="0" u="none" strike="noStrike" cap="none" spc="0" normalizeH="0" baseline="0">
         <a:ln>
           <a:noFill/>
         </a:ln>
@@ -135,7 +135,7 @@
       <a:buFontTx/>
       <a:buNone/>
       <a:tabLst/>
-      <a:defRPr b="0" baseline="0" cap="none" i="0" spc="0" strike="noStrike" sz="1800" u="none" kumimoji="0" normalizeH="0">
+      <a:defRPr kumimoji="0" sz="1800" b="0" i="0" u="none" strike="noStrike" cap="none" spc="0" normalizeH="0" baseline="0">
         <a:ln>
           <a:noFill/>
         </a:ln>
@@ -165,7 +165,7 @@
       <a:buFontTx/>
       <a:buNone/>
       <a:tabLst/>
-      <a:defRPr b="0" baseline="0" cap="none" i="0" spc="0" strike="noStrike" sz="1800" u="none" kumimoji="0" normalizeH="0">
+      <a:defRPr kumimoji="0" sz="1800" b="0" i="0" u="none" strike="noStrike" cap="none" spc="0" normalizeH="0" baseline="0">
         <a:ln>
           <a:noFill/>
         </a:ln>
@@ -195,7 +195,7 @@
       <a:buFontTx/>
       <a:buNone/>
       <a:tabLst/>
-      <a:defRPr b="0" baseline="0" cap="none" i="0" spc="0" strike="noStrike" sz="1800" u="none" kumimoji="0" normalizeH="0">
+      <a:defRPr kumimoji="0" sz="1800" b="0" i="0" u="none" strike="noStrike" cap="none" spc="0" normalizeH="0" baseline="0">
         <a:ln>
           <a:noFill/>
         </a:ln>
@@ -225,7 +225,7 @@
       <a:buFontTx/>
       <a:buNone/>
       <a:tabLst/>
-      <a:defRPr b="0" baseline="0" cap="none" i="0" spc="0" strike="noStrike" sz="1800" u="none" kumimoji="0" normalizeH="0">
+      <a:defRPr kumimoji="0" sz="1800" b="0" i="0" u="none" strike="noStrike" cap="none" spc="0" normalizeH="0" baseline="0">
         <a:ln>
           <a:noFill/>
         </a:ln>
@@ -255,7 +255,7 @@
       <a:buFontTx/>
       <a:buNone/>
       <a:tabLst/>
-      <a:defRPr b="0" baseline="0" cap="none" i="0" spc="0" strike="noStrike" sz="1800" u="none" kumimoji="0" normalizeH="0">
+      <a:defRPr kumimoji="0" sz="1800" b="0" i="0" u="none" strike="noStrike" cap="none" spc="0" normalizeH="0" baseline="0">
         <a:ln>
           <a:noFill/>
         </a:ln>
@@ -285,7 +285,7 @@
       <a:buFontTx/>
       <a:buNone/>
       <a:tabLst/>
-      <a:defRPr b="0" baseline="0" cap="none" i="0" spc="0" strike="noStrike" sz="1800" u="none" kumimoji="0" normalizeH="0">
+      <a:defRPr kumimoji="0" sz="1800" b="0" i="0" u="none" strike="noStrike" cap="none" spc="0" normalizeH="0" baseline="0">
         <a:ln>
           <a:noFill/>
         </a:ln>
@@ -315,7 +315,7 @@
       <a:buFontTx/>
       <a:buNone/>
       <a:tabLst/>
-      <a:defRPr b="0" baseline="0" cap="none" i="0" spc="0" strike="noStrike" sz="1800" u="none" kumimoji="0" normalizeH="0">
+      <a:defRPr kumimoji="0" sz="1800" b="0" i="0" u="none" strike="noStrike" cap="none" spc="0" normalizeH="0" baseline="0">
         <a:ln>
           <a:noFill/>
         </a:ln>
@@ -334,13 +334,14 @@
 </p:presentation>
 </file>
 
-<file path=ppt/commentAuthors.xml><?xml version="1.0" encoding="utf-8"?>
-<p:cmAuthorLst xmlns:a="http://schemas.openxmlformats.org/drawingml/2006/main" xmlns:r="http://schemas.openxmlformats.org/officeDocument/2006/relationships" xmlns:p="http://schemas.openxmlformats.org/presentationml/2006/main" xmlns:m="http://schemas.openxmlformats.org/officeDocument/2006/math" xmlns:a14="http://schemas.microsoft.com/office/drawing/2010/main"/>
-</file>
-
 <file path=ppt/notesMasters/notesMaster1.xml><?xml version="1.0" encoding="utf-8"?>
-<p:notesMaster xmlns:a="http://schemas.openxmlformats.org/drawingml/2006/main" xmlns:r="http://schemas.openxmlformats.org/officeDocument/2006/relationships" xmlns:p="http://schemas.openxmlformats.org/presentationml/2006/main" xmlns:m="http://schemas.openxmlformats.org/officeDocument/2006/math" xmlns:a14="http://schemas.microsoft.com/office/drawing/2010/main">
+<p:notesMaster xmlns:a="http://schemas.openxmlformats.org/drawingml/2006/main" xmlns:r="http://schemas.openxmlformats.org/officeDocument/2006/relationships" xmlns:p="http://schemas.openxmlformats.org/presentationml/2006/main">
   <p:cSld>
+    <p:bg>
+      <p:bgRef idx="1001">
+        <a:schemeClr val="bg1"/>
+      </p:bgRef>
+    </p:bg>
     <p:spTree>
       <p:nvGrpSpPr>
         <p:cNvPr id="1" name=""/>
@@ -358,7 +359,9 @@
       <p:sp>
         <p:nvSpPr>
           <p:cNvPr id="91" name="Shape 91"/>
-          <p:cNvSpPr/>
+          <p:cNvSpPr>
+            <a:spLocks noGrp="1" noRot="1" noChangeAspect="1"/>
+          </p:cNvSpPr>
           <p:nvPr>
             <p:ph type="sldImg"/>
           </p:nvPr>
@@ -376,14 +379,16 @@
           <a:bodyPr/>
           <a:lstStyle/>
           <a:p>
-            <a:pPr/>
+            <a:endParaRPr/>
           </a:p>
         </p:txBody>
       </p:sp>
       <p:sp>
         <p:nvSpPr>
           <p:cNvPr id="92" name="Shape 92"/>
-          <p:cNvSpPr/>
+          <p:cNvSpPr>
+            <a:spLocks noGrp="1"/>
+          </p:cNvSpPr>
           <p:nvPr>
             <p:ph type="body" sz="quarter" idx="1"/>
           </p:nvPr>
@@ -401,7 +406,7 @@
           <a:bodyPr/>
           <a:lstStyle/>
           <a:p>
-            <a:pPr/>
+            <a:endParaRPr/>
           </a:p>
         </p:txBody>
       </p:sp>
@@ -486,7 +491,7 @@
 </file>
 
 <file path=ppt/slideLayouts/slideLayout1.xml><?xml version="1.0" encoding="utf-8"?>
-<p:sldLayout xmlns:a="http://schemas.openxmlformats.org/drawingml/2006/main" xmlns:r="http://schemas.openxmlformats.org/officeDocument/2006/relationships" xmlns:p="http://schemas.openxmlformats.org/presentationml/2006/main" xmlns:m="http://schemas.openxmlformats.org/officeDocument/2006/math" xmlns:a14="http://schemas.microsoft.com/office/drawing/2010/main" type="title" showMasterSp="1" showMasterPhAnim="1">
+<p:sldLayout xmlns:a="http://schemas.openxmlformats.org/drawingml/2006/main" xmlns:r="http://schemas.openxmlformats.org/officeDocument/2006/relationships" xmlns:p="http://schemas.openxmlformats.org/presentationml/2006/main" type="title">
   <p:cSld name="Titelfolie">
     <p:spTree>
       <p:nvGrpSpPr>
@@ -505,7 +510,9 @@
       <p:sp>
         <p:nvSpPr>
           <p:cNvPr id="11" name="Titeltext"/>
-          <p:cNvSpPr txBox="1"/>
+          <p:cNvSpPr txBox="1">
+            <a:spLocks noGrp="1"/>
+          </p:cNvSpPr>
           <p:nvPr>
             <p:ph type="title"/>
           </p:nvPr>
@@ -527,7 +534,6 @@
             </a:lvl1pPr>
           </a:lstStyle>
           <a:p>
-            <a:pPr/>
             <a:r>
               <a:t>Titeltext</a:t>
             </a:r>
@@ -537,7 +543,9 @@
       <p:sp>
         <p:nvSpPr>
           <p:cNvPr id="12" name="Textebene 1…"/>
-          <p:cNvSpPr txBox="1"/>
+          <p:cNvSpPr txBox="1">
+            <a:spLocks noGrp="1"/>
+          </p:cNvSpPr>
           <p:nvPr>
             <p:ph type="body" sz="quarter" idx="1"/>
           </p:nvPr>
@@ -586,7 +594,6 @@
             </a:lvl5pPr>
           </a:lstStyle>
           <a:p>
-            <a:pPr/>
             <a:r>
               <a:t>Textebene 1</a:t>
             </a:r>
@@ -620,7 +627,9 @@
       <p:sp>
         <p:nvSpPr>
           <p:cNvPr id="13" name="Foliennummer"/>
-          <p:cNvSpPr txBox="1"/>
+          <p:cNvSpPr txBox="1">
+            <a:spLocks noGrp="1"/>
+          </p:cNvSpPr>
           <p:nvPr>
             <p:ph type="sldNum" sz="quarter" idx="2"/>
           </p:nvPr>
@@ -634,8 +643,10 @@
           <a:bodyPr/>
           <a:lstStyle/>
           <a:p>
-            <a:pPr/>
-            <a:fld id="{86CB4B4D-7CA3-9044-876B-883B54F8677D}" type="slidenum"/>
+            <a:fld id="{86CB4B4D-7CA3-9044-876B-883B54F8677D}" type="slidenum">
+              <a:t>‹Nr.›</a:t>
+            </a:fld>
+            <a:endParaRPr/>
           </a:p>
         </p:txBody>
       </p:sp>
@@ -644,12 +655,12 @@
   <p:clrMapOvr>
     <a:masterClrMapping/>
   </p:clrMapOvr>
-  <p:transition xmlns:p14="http://schemas.microsoft.com/office/powerpoint/2010/main" spd="med" advClick="1"/>
+  <p:transition spd="med"/>
 </p:sldLayout>
 </file>
 
 <file path=ppt/slideLayouts/slideLayout2.xml><?xml version="1.0" encoding="utf-8"?>
-<p:sldLayout xmlns:a="http://schemas.openxmlformats.org/drawingml/2006/main" xmlns:r="http://schemas.openxmlformats.org/officeDocument/2006/relationships" xmlns:p="http://schemas.openxmlformats.org/presentationml/2006/main" xmlns:m="http://schemas.openxmlformats.org/officeDocument/2006/math" xmlns:a14="http://schemas.microsoft.com/office/drawing/2010/main" type="tx" showMasterSp="1" showMasterPhAnim="1">
+<p:sldLayout xmlns:a="http://schemas.openxmlformats.org/drawingml/2006/main" xmlns:r="http://schemas.openxmlformats.org/officeDocument/2006/relationships" xmlns:p="http://schemas.openxmlformats.org/presentationml/2006/main" type="tx">
   <p:cSld name="Titel und Inhalt">
     <p:spTree>
       <p:nvGrpSpPr>
@@ -668,7 +679,9 @@
       <p:sp>
         <p:nvSpPr>
           <p:cNvPr id="20" name="Titeltext"/>
-          <p:cNvSpPr txBox="1"/>
+          <p:cNvSpPr txBox="1">
+            <a:spLocks noGrp="1"/>
+          </p:cNvSpPr>
           <p:nvPr>
             <p:ph type="title"/>
           </p:nvPr>
@@ -682,7 +695,6 @@
           <a:bodyPr/>
           <a:lstStyle/>
           <a:p>
-            <a:pPr/>
             <a:r>
               <a:t>Titeltext</a:t>
             </a:r>
@@ -692,7 +704,9 @@
       <p:sp>
         <p:nvSpPr>
           <p:cNvPr id="21" name="Textebene 1…"/>
-          <p:cNvSpPr txBox="1"/>
+          <p:cNvSpPr txBox="1">
+            <a:spLocks noGrp="1"/>
+          </p:cNvSpPr>
           <p:nvPr>
             <p:ph type="body" idx="1"/>
           </p:nvPr>
@@ -706,7 +720,6 @@
           <a:bodyPr/>
           <a:lstStyle/>
           <a:p>
-            <a:pPr/>
             <a:r>
               <a:t>Textebene 1</a:t>
             </a:r>
@@ -740,7 +753,9 @@
       <p:sp>
         <p:nvSpPr>
           <p:cNvPr id="22" name="Foliennummer"/>
-          <p:cNvSpPr txBox="1"/>
+          <p:cNvSpPr txBox="1">
+            <a:spLocks noGrp="1"/>
+          </p:cNvSpPr>
           <p:nvPr>
             <p:ph type="sldNum" sz="quarter" idx="2"/>
           </p:nvPr>
@@ -754,8 +769,10 @@
           <a:bodyPr/>
           <a:lstStyle/>
           <a:p>
-            <a:pPr/>
-            <a:fld id="{86CB4B4D-7CA3-9044-876B-883B54F8677D}" type="slidenum"/>
+            <a:fld id="{86CB4B4D-7CA3-9044-876B-883B54F8677D}" type="slidenum">
+              <a:t>‹Nr.›</a:t>
+            </a:fld>
+            <a:endParaRPr/>
           </a:p>
         </p:txBody>
       </p:sp>
@@ -764,12 +781,12 @@
   <p:clrMapOvr>
     <a:masterClrMapping/>
   </p:clrMapOvr>
-  <p:transition xmlns:p14="http://schemas.microsoft.com/office/powerpoint/2010/main" spd="med" advClick="1"/>
+  <p:transition spd="med"/>
 </p:sldLayout>
 </file>
 
 <file path=ppt/slideLayouts/slideLayout3.xml><?xml version="1.0" encoding="utf-8"?>
-<p:sldLayout xmlns:a="http://schemas.openxmlformats.org/drawingml/2006/main" xmlns:r="http://schemas.openxmlformats.org/officeDocument/2006/relationships" xmlns:p="http://schemas.openxmlformats.org/presentationml/2006/main" xmlns:m="http://schemas.openxmlformats.org/officeDocument/2006/math" xmlns:a14="http://schemas.microsoft.com/office/drawing/2010/main" type="tx" showMasterSp="1" showMasterPhAnim="1">
+<p:sldLayout xmlns:a="http://schemas.openxmlformats.org/drawingml/2006/main" xmlns:r="http://schemas.openxmlformats.org/officeDocument/2006/relationships" xmlns:p="http://schemas.openxmlformats.org/presentationml/2006/main" type="tx">
   <p:cSld name="Abschnitts-&#10;überschrift">
     <p:spTree>
       <p:nvGrpSpPr>
@@ -788,7 +805,9 @@
       <p:sp>
         <p:nvSpPr>
           <p:cNvPr id="29" name="Titeltext"/>
-          <p:cNvSpPr txBox="1"/>
+          <p:cNvSpPr txBox="1">
+            <a:spLocks noGrp="1"/>
+          </p:cNvSpPr>
           <p:nvPr>
             <p:ph type="title"/>
           </p:nvPr>
@@ -810,7 +829,6 @@
             </a:lvl1pPr>
           </a:lstStyle>
           <a:p>
-            <a:pPr/>
             <a:r>
               <a:t>Titeltext</a:t>
             </a:r>
@@ -820,7 +838,9 @@
       <p:sp>
         <p:nvSpPr>
           <p:cNvPr id="30" name="Textebene 1…"/>
-          <p:cNvSpPr txBox="1"/>
+          <p:cNvSpPr txBox="1">
+            <a:spLocks noGrp="1"/>
+          </p:cNvSpPr>
           <p:nvPr>
             <p:ph type="body" sz="quarter" idx="1"/>
           </p:nvPr>
@@ -889,7 +909,6 @@
             </a:lvl5pPr>
           </a:lstStyle>
           <a:p>
-            <a:pPr/>
             <a:r>
               <a:t>Textebene 1</a:t>
             </a:r>
@@ -923,7 +942,9 @@
       <p:sp>
         <p:nvSpPr>
           <p:cNvPr id="31" name="Foliennummer"/>
-          <p:cNvSpPr txBox="1"/>
+          <p:cNvSpPr txBox="1">
+            <a:spLocks noGrp="1"/>
+          </p:cNvSpPr>
           <p:nvPr>
             <p:ph type="sldNum" sz="quarter" idx="2"/>
           </p:nvPr>
@@ -937,8 +958,10 @@
           <a:bodyPr/>
           <a:lstStyle/>
           <a:p>
-            <a:pPr/>
-            <a:fld id="{86CB4B4D-7CA3-9044-876B-883B54F8677D}" type="slidenum"/>
+            <a:fld id="{86CB4B4D-7CA3-9044-876B-883B54F8677D}" type="slidenum">
+              <a:t>‹Nr.›</a:t>
+            </a:fld>
+            <a:endParaRPr/>
           </a:p>
         </p:txBody>
       </p:sp>
@@ -947,12 +970,12 @@
   <p:clrMapOvr>
     <a:masterClrMapping/>
   </p:clrMapOvr>
-  <p:transition xmlns:p14="http://schemas.microsoft.com/office/powerpoint/2010/main" spd="med" advClick="1"/>
+  <p:transition spd="med"/>
 </p:sldLayout>
 </file>
 
 <file path=ppt/slideLayouts/slideLayout4.xml><?xml version="1.0" encoding="utf-8"?>
-<p:sldLayout xmlns:a="http://schemas.openxmlformats.org/drawingml/2006/main" xmlns:r="http://schemas.openxmlformats.org/officeDocument/2006/relationships" xmlns:p="http://schemas.openxmlformats.org/presentationml/2006/main" xmlns:m="http://schemas.openxmlformats.org/officeDocument/2006/math" xmlns:a14="http://schemas.microsoft.com/office/drawing/2010/main" type="tx" showMasterSp="1" showMasterPhAnim="1">
+<p:sldLayout xmlns:a="http://schemas.openxmlformats.org/drawingml/2006/main" xmlns:r="http://schemas.openxmlformats.org/officeDocument/2006/relationships" xmlns:p="http://schemas.openxmlformats.org/presentationml/2006/main" type="tx">
   <p:cSld name="Zwei Inhalte">
     <p:spTree>
       <p:nvGrpSpPr>
@@ -971,7 +994,9 @@
       <p:sp>
         <p:nvSpPr>
           <p:cNvPr id="38" name="Titeltext"/>
-          <p:cNvSpPr txBox="1"/>
+          <p:cNvSpPr txBox="1">
+            <a:spLocks noGrp="1"/>
+          </p:cNvSpPr>
           <p:nvPr>
             <p:ph type="title"/>
           </p:nvPr>
@@ -985,7 +1010,6 @@
           <a:bodyPr/>
           <a:lstStyle/>
           <a:p>
-            <a:pPr/>
             <a:r>
               <a:t>Titeltext</a:t>
             </a:r>
@@ -995,7 +1019,9 @@
       <p:sp>
         <p:nvSpPr>
           <p:cNvPr id="39" name="Textebene 1…"/>
-          <p:cNvSpPr txBox="1"/>
+          <p:cNvSpPr txBox="1">
+            <a:spLocks noGrp="1"/>
+          </p:cNvSpPr>
           <p:nvPr>
             <p:ph type="body" sz="half" idx="1"/>
           </p:nvPr>
@@ -1013,7 +1039,6 @@
           <a:bodyPr/>
           <a:lstStyle/>
           <a:p>
-            <a:pPr/>
             <a:r>
               <a:t>Textebene 1</a:t>
             </a:r>
@@ -1047,7 +1072,9 @@
       <p:sp>
         <p:nvSpPr>
           <p:cNvPr id="40" name="Foliennummer"/>
-          <p:cNvSpPr txBox="1"/>
+          <p:cNvSpPr txBox="1">
+            <a:spLocks noGrp="1"/>
+          </p:cNvSpPr>
           <p:nvPr>
             <p:ph type="sldNum" sz="quarter" idx="2"/>
           </p:nvPr>
@@ -1061,8 +1088,10 @@
           <a:bodyPr/>
           <a:lstStyle/>
           <a:p>
-            <a:pPr/>
-            <a:fld id="{86CB4B4D-7CA3-9044-876B-883B54F8677D}" type="slidenum"/>
+            <a:fld id="{86CB4B4D-7CA3-9044-876B-883B54F8677D}" type="slidenum">
+              <a:t>‹Nr.›</a:t>
+            </a:fld>
+            <a:endParaRPr/>
           </a:p>
         </p:txBody>
       </p:sp>
@@ -1071,12 +1100,12 @@
   <p:clrMapOvr>
     <a:masterClrMapping/>
   </p:clrMapOvr>
-  <p:transition xmlns:p14="http://schemas.microsoft.com/office/powerpoint/2010/main" spd="med" advClick="1"/>
+  <p:transition spd="med"/>
 </p:sldLayout>
 </file>
 
 <file path=ppt/slideLayouts/slideLayout5.xml><?xml version="1.0" encoding="utf-8"?>
-<p:sldLayout xmlns:a="http://schemas.openxmlformats.org/drawingml/2006/main" xmlns:r="http://schemas.openxmlformats.org/officeDocument/2006/relationships" xmlns:p="http://schemas.openxmlformats.org/presentationml/2006/main" xmlns:m="http://schemas.openxmlformats.org/officeDocument/2006/math" xmlns:a14="http://schemas.microsoft.com/office/drawing/2010/main" type="tx" showMasterSp="1" showMasterPhAnim="1">
+<p:sldLayout xmlns:a="http://schemas.openxmlformats.org/drawingml/2006/main" xmlns:r="http://schemas.openxmlformats.org/officeDocument/2006/relationships" xmlns:p="http://schemas.openxmlformats.org/presentationml/2006/main" type="tx">
   <p:cSld name="Vergleich">
     <p:spTree>
       <p:nvGrpSpPr>
@@ -1095,7 +1124,9 @@
       <p:sp>
         <p:nvSpPr>
           <p:cNvPr id="47" name="Titeltext"/>
-          <p:cNvSpPr txBox="1"/>
+          <p:cNvSpPr txBox="1">
+            <a:spLocks noGrp="1"/>
+          </p:cNvSpPr>
           <p:nvPr>
             <p:ph type="title"/>
           </p:nvPr>
@@ -1113,7 +1144,6 @@
           <a:bodyPr/>
           <a:lstStyle/>
           <a:p>
-            <a:pPr/>
             <a:r>
               <a:t>Titeltext</a:t>
             </a:r>
@@ -1123,7 +1153,9 @@
       <p:sp>
         <p:nvSpPr>
           <p:cNvPr id="48" name="Textebene 1…"/>
-          <p:cNvSpPr txBox="1"/>
+          <p:cNvSpPr txBox="1">
+            <a:spLocks noGrp="1"/>
+          </p:cNvSpPr>
           <p:nvPr>
             <p:ph type="body" sz="quarter" idx="1"/>
           </p:nvPr>
@@ -1144,35 +1176,34 @@
               <a:buSzTx/>
               <a:buFontTx/>
               <a:buNone/>
-              <a:defRPr b="1" sz="2400"/>
+              <a:defRPr sz="2400" b="1"/>
             </a:lvl1pPr>
             <a:lvl2pPr marL="0" indent="0">
               <a:buSzTx/>
               <a:buFontTx/>
               <a:buNone/>
-              <a:defRPr b="1" sz="2400"/>
+              <a:defRPr sz="2400" b="1"/>
             </a:lvl2pPr>
             <a:lvl3pPr marL="0" indent="0">
               <a:buSzTx/>
               <a:buFontTx/>
               <a:buNone/>
-              <a:defRPr b="1" sz="2400"/>
+              <a:defRPr sz="2400" b="1"/>
             </a:lvl3pPr>
             <a:lvl4pPr marL="0" indent="0">
               <a:buSzTx/>
               <a:buFontTx/>
               <a:buNone/>
-              <a:defRPr b="1" sz="2400"/>
+              <a:defRPr sz="2400" b="1"/>
             </a:lvl4pPr>
             <a:lvl5pPr marL="0" indent="0">
               <a:buSzTx/>
               <a:buFontTx/>
               <a:buNone/>
-              <a:defRPr b="1" sz="2400"/>
+              <a:defRPr sz="2400" b="1"/>
             </a:lvl5pPr>
           </a:lstStyle>
           <a:p>
-            <a:pPr/>
             <a:r>
               <a:t>Textebene 1</a:t>
             </a:r>
@@ -1206,7 +1237,9 @@
       <p:sp>
         <p:nvSpPr>
           <p:cNvPr id="49" name="Textplatzhalter 4"/>
-          <p:cNvSpPr/>
+          <p:cNvSpPr>
+            <a:spLocks noGrp="1"/>
+          </p:cNvSpPr>
           <p:nvPr>
             <p:ph type="body" sz="quarter" idx="13"/>
           </p:nvPr>
@@ -1224,14 +1257,16 @@
           <a:bodyPr anchor="b"/>
           <a:lstStyle/>
           <a:p>
-            <a:pPr/>
+            <a:endParaRPr/>
           </a:p>
         </p:txBody>
       </p:sp>
       <p:sp>
         <p:nvSpPr>
           <p:cNvPr id="50" name="Foliennummer"/>
-          <p:cNvSpPr txBox="1"/>
+          <p:cNvSpPr txBox="1">
+            <a:spLocks noGrp="1"/>
+          </p:cNvSpPr>
           <p:nvPr>
             <p:ph type="sldNum" sz="quarter" idx="2"/>
           </p:nvPr>
@@ -1245,8 +1280,10 @@
           <a:bodyPr/>
           <a:lstStyle/>
           <a:p>
-            <a:pPr/>
-            <a:fld id="{86CB4B4D-7CA3-9044-876B-883B54F8677D}" type="slidenum"/>
+            <a:fld id="{86CB4B4D-7CA3-9044-876B-883B54F8677D}" type="slidenum">
+              <a:t>‹Nr.›</a:t>
+            </a:fld>
+            <a:endParaRPr/>
           </a:p>
         </p:txBody>
       </p:sp>
@@ -1255,12 +1292,12 @@
   <p:clrMapOvr>
     <a:masterClrMapping/>
   </p:clrMapOvr>
-  <p:transition xmlns:p14="http://schemas.microsoft.com/office/powerpoint/2010/main" spd="med" advClick="1"/>
+  <p:transition spd="med"/>
 </p:sldLayout>
 </file>
 
 <file path=ppt/slideLayouts/slideLayout6.xml><?xml version="1.0" encoding="utf-8"?>
-<p:sldLayout xmlns:a="http://schemas.openxmlformats.org/drawingml/2006/main" xmlns:r="http://schemas.openxmlformats.org/officeDocument/2006/relationships" xmlns:p="http://schemas.openxmlformats.org/presentationml/2006/main" xmlns:m="http://schemas.openxmlformats.org/officeDocument/2006/math" xmlns:a14="http://schemas.microsoft.com/office/drawing/2010/main" type="tx" showMasterSp="1" showMasterPhAnim="1">
+<p:sldLayout xmlns:a="http://schemas.openxmlformats.org/drawingml/2006/main" xmlns:r="http://schemas.openxmlformats.org/officeDocument/2006/relationships" xmlns:p="http://schemas.openxmlformats.org/presentationml/2006/main" type="tx">
   <p:cSld name="Nur Titel">
     <p:spTree>
       <p:nvGrpSpPr>
@@ -1279,7 +1316,9 @@
       <p:sp>
         <p:nvSpPr>
           <p:cNvPr id="57" name="Titeltext"/>
-          <p:cNvSpPr txBox="1"/>
+          <p:cNvSpPr txBox="1">
+            <a:spLocks noGrp="1"/>
+          </p:cNvSpPr>
           <p:nvPr>
             <p:ph type="title"/>
           </p:nvPr>
@@ -1293,7 +1332,6 @@
           <a:bodyPr/>
           <a:lstStyle/>
           <a:p>
-            <a:pPr/>
             <a:r>
               <a:t>Titeltext</a:t>
             </a:r>
@@ -1303,7 +1341,9 @@
       <p:sp>
         <p:nvSpPr>
           <p:cNvPr id="58" name="Foliennummer"/>
-          <p:cNvSpPr txBox="1"/>
+          <p:cNvSpPr txBox="1">
+            <a:spLocks noGrp="1"/>
+          </p:cNvSpPr>
           <p:nvPr>
             <p:ph type="sldNum" sz="quarter" idx="2"/>
           </p:nvPr>
@@ -1317,8 +1357,10 @@
           <a:bodyPr/>
           <a:lstStyle/>
           <a:p>
-            <a:pPr/>
-            <a:fld id="{86CB4B4D-7CA3-9044-876B-883B54F8677D}" type="slidenum"/>
+            <a:fld id="{86CB4B4D-7CA3-9044-876B-883B54F8677D}" type="slidenum">
+              <a:t>‹Nr.›</a:t>
+            </a:fld>
+            <a:endParaRPr/>
           </a:p>
         </p:txBody>
       </p:sp>
@@ -1327,12 +1369,12 @@
   <p:clrMapOvr>
     <a:masterClrMapping/>
   </p:clrMapOvr>
-  <p:transition xmlns:p14="http://schemas.microsoft.com/office/powerpoint/2010/main" spd="med" advClick="1"/>
+  <p:transition spd="med"/>
 </p:sldLayout>
 </file>
 
 <file path=ppt/slideLayouts/slideLayout7.xml><?xml version="1.0" encoding="utf-8"?>
-<p:sldLayout xmlns:a="http://schemas.openxmlformats.org/drawingml/2006/main" xmlns:r="http://schemas.openxmlformats.org/officeDocument/2006/relationships" xmlns:p="http://schemas.openxmlformats.org/presentationml/2006/main" xmlns:m="http://schemas.openxmlformats.org/officeDocument/2006/math" xmlns:a14="http://schemas.microsoft.com/office/drawing/2010/main" type="tx" showMasterSp="1" showMasterPhAnim="1">
+<p:sldLayout xmlns:a="http://schemas.openxmlformats.org/drawingml/2006/main" xmlns:r="http://schemas.openxmlformats.org/officeDocument/2006/relationships" xmlns:p="http://schemas.openxmlformats.org/presentationml/2006/main" type="tx">
   <p:cSld name="Leer">
     <p:spTree>
       <p:nvGrpSpPr>
@@ -1351,7 +1393,9 @@
       <p:sp>
         <p:nvSpPr>
           <p:cNvPr id="65" name="Foliennummer"/>
-          <p:cNvSpPr txBox="1"/>
+          <p:cNvSpPr txBox="1">
+            <a:spLocks noGrp="1"/>
+          </p:cNvSpPr>
           <p:nvPr>
             <p:ph type="sldNum" sz="quarter" idx="2"/>
           </p:nvPr>
@@ -1365,8 +1409,10 @@
           <a:bodyPr/>
           <a:lstStyle/>
           <a:p>
-            <a:pPr/>
-            <a:fld id="{86CB4B4D-7CA3-9044-876B-883B54F8677D}" type="slidenum"/>
+            <a:fld id="{86CB4B4D-7CA3-9044-876B-883B54F8677D}" type="slidenum">
+              <a:t>‹Nr.›</a:t>
+            </a:fld>
+            <a:endParaRPr/>
           </a:p>
         </p:txBody>
       </p:sp>
@@ -1375,12 +1421,12 @@
   <p:clrMapOvr>
     <a:masterClrMapping/>
   </p:clrMapOvr>
-  <p:transition xmlns:p14="http://schemas.microsoft.com/office/powerpoint/2010/main" spd="med" advClick="1"/>
+  <p:transition spd="med"/>
 </p:sldLayout>
 </file>
 
 <file path=ppt/slideLayouts/slideLayout8.xml><?xml version="1.0" encoding="utf-8"?>
-<p:sldLayout xmlns:a="http://schemas.openxmlformats.org/drawingml/2006/main" xmlns:r="http://schemas.openxmlformats.org/officeDocument/2006/relationships" xmlns:p="http://schemas.openxmlformats.org/presentationml/2006/main" xmlns:m="http://schemas.openxmlformats.org/officeDocument/2006/math" xmlns:a14="http://schemas.microsoft.com/office/drawing/2010/main" type="tx" showMasterSp="1" showMasterPhAnim="1">
+<p:sldLayout xmlns:a="http://schemas.openxmlformats.org/drawingml/2006/main" xmlns:r="http://schemas.openxmlformats.org/officeDocument/2006/relationships" xmlns:p="http://schemas.openxmlformats.org/presentationml/2006/main" type="tx">
   <p:cSld name="Inhalt mit Überschrift">
     <p:spTree>
       <p:nvGrpSpPr>
@@ -1399,7 +1445,9 @@
       <p:sp>
         <p:nvSpPr>
           <p:cNvPr id="72" name="Titeltext"/>
-          <p:cNvSpPr txBox="1"/>
+          <p:cNvSpPr txBox="1">
+            <a:spLocks noGrp="1"/>
+          </p:cNvSpPr>
           <p:nvPr>
             <p:ph type="title"/>
           </p:nvPr>
@@ -1421,7 +1469,6 @@
             </a:lvl1pPr>
           </a:lstStyle>
           <a:p>
-            <a:pPr/>
             <a:r>
               <a:t>Titeltext</a:t>
             </a:r>
@@ -1431,7 +1478,9 @@
       <p:sp>
         <p:nvSpPr>
           <p:cNvPr id="73" name="Textebene 1…"/>
-          <p:cNvSpPr txBox="1"/>
+          <p:cNvSpPr txBox="1">
+            <a:spLocks noGrp="1"/>
+          </p:cNvSpPr>
           <p:nvPr>
             <p:ph type="body" sz="half" idx="1"/>
           </p:nvPr>
@@ -1465,7 +1514,6 @@
             </a:lvl5pPr>
           </a:lstStyle>
           <a:p>
-            <a:pPr/>
             <a:r>
               <a:t>Textebene 1</a:t>
             </a:r>
@@ -1499,7 +1547,9 @@
       <p:sp>
         <p:nvSpPr>
           <p:cNvPr id="74" name="Textplatzhalter 3"/>
-          <p:cNvSpPr/>
+          <p:cNvSpPr>
+            <a:spLocks noGrp="1"/>
+          </p:cNvSpPr>
           <p:nvPr>
             <p:ph type="body" sz="quarter" idx="13"/>
           </p:nvPr>
@@ -1517,14 +1567,16 @@
           <a:bodyPr/>
           <a:lstStyle/>
           <a:p>
-            <a:pPr/>
+            <a:endParaRPr/>
           </a:p>
         </p:txBody>
       </p:sp>
       <p:sp>
         <p:nvSpPr>
           <p:cNvPr id="75" name="Foliennummer"/>
-          <p:cNvSpPr txBox="1"/>
+          <p:cNvSpPr txBox="1">
+            <a:spLocks noGrp="1"/>
+          </p:cNvSpPr>
           <p:nvPr>
             <p:ph type="sldNum" sz="quarter" idx="2"/>
           </p:nvPr>
@@ -1538,8 +1590,10 @@
           <a:bodyPr/>
           <a:lstStyle/>
           <a:p>
-            <a:pPr/>
-            <a:fld id="{86CB4B4D-7CA3-9044-876B-883B54F8677D}" type="slidenum"/>
+            <a:fld id="{86CB4B4D-7CA3-9044-876B-883B54F8677D}" type="slidenum">
+              <a:t>‹Nr.›</a:t>
+            </a:fld>
+            <a:endParaRPr/>
           </a:p>
         </p:txBody>
       </p:sp>
@@ -1548,12 +1602,12 @@
   <p:clrMapOvr>
     <a:masterClrMapping/>
   </p:clrMapOvr>
-  <p:transition xmlns:p14="http://schemas.microsoft.com/office/powerpoint/2010/main" spd="med" advClick="1"/>
+  <p:transition spd="med"/>
 </p:sldLayout>
 </file>
 
 <file path=ppt/slideLayouts/slideLayout9.xml><?xml version="1.0" encoding="utf-8"?>
-<p:sldLayout xmlns:a="http://schemas.openxmlformats.org/drawingml/2006/main" xmlns:r="http://schemas.openxmlformats.org/officeDocument/2006/relationships" xmlns:p="http://schemas.openxmlformats.org/presentationml/2006/main" xmlns:m="http://schemas.openxmlformats.org/officeDocument/2006/math" xmlns:a14="http://schemas.microsoft.com/office/drawing/2010/main" type="tx" showMasterSp="1" showMasterPhAnim="1">
+<p:sldLayout xmlns:a="http://schemas.openxmlformats.org/drawingml/2006/main" xmlns:r="http://schemas.openxmlformats.org/officeDocument/2006/relationships" xmlns:p="http://schemas.openxmlformats.org/presentationml/2006/main" type="tx">
   <p:cSld name="Bild mit Überschrift">
     <p:spTree>
       <p:nvGrpSpPr>
@@ -1572,7 +1626,9 @@
       <p:sp>
         <p:nvSpPr>
           <p:cNvPr id="82" name="Titeltext"/>
-          <p:cNvSpPr txBox="1"/>
+          <p:cNvSpPr txBox="1">
+            <a:spLocks noGrp="1"/>
+          </p:cNvSpPr>
           <p:nvPr>
             <p:ph type="title"/>
           </p:nvPr>
@@ -1594,7 +1650,6 @@
             </a:lvl1pPr>
           </a:lstStyle>
           <a:p>
-            <a:pPr/>
             <a:r>
               <a:t>Titeltext</a:t>
             </a:r>
@@ -1604,7 +1659,9 @@
       <p:sp>
         <p:nvSpPr>
           <p:cNvPr id="83" name="Bildplatzhalter 2"/>
-          <p:cNvSpPr/>
+          <p:cNvSpPr>
+            <a:spLocks noGrp="1"/>
+          </p:cNvSpPr>
           <p:nvPr>
             <p:ph type="pic" sz="half" idx="13"/>
           </p:nvPr>
@@ -1624,14 +1681,16 @@
           </a:bodyPr>
           <a:lstStyle/>
           <a:p>
-            <a:pPr/>
+            <a:endParaRPr/>
           </a:p>
         </p:txBody>
       </p:sp>
       <p:sp>
         <p:nvSpPr>
           <p:cNvPr id="84" name="Textebene 1…"/>
-          <p:cNvSpPr txBox="1"/>
+          <p:cNvSpPr txBox="1">
+            <a:spLocks noGrp="1"/>
+          </p:cNvSpPr>
           <p:nvPr>
             <p:ph type="body" sz="quarter" idx="1"/>
           </p:nvPr>
@@ -1680,7 +1739,6 @@
             </a:lvl5pPr>
           </a:lstStyle>
           <a:p>
-            <a:pPr/>
             <a:r>
               <a:t>Textebene 1</a:t>
             </a:r>
@@ -1714,7 +1772,9 @@
       <p:sp>
         <p:nvSpPr>
           <p:cNvPr id="85" name="Foliennummer"/>
-          <p:cNvSpPr txBox="1"/>
+          <p:cNvSpPr txBox="1">
+            <a:spLocks noGrp="1"/>
+          </p:cNvSpPr>
           <p:nvPr>
             <p:ph type="sldNum" sz="quarter" idx="2"/>
           </p:nvPr>
@@ -1728,8 +1788,10 @@
           <a:bodyPr/>
           <a:lstStyle/>
           <a:p>
-            <a:pPr/>
-            <a:fld id="{86CB4B4D-7CA3-9044-876B-883B54F8677D}" type="slidenum"/>
+            <a:fld id="{86CB4B4D-7CA3-9044-876B-883B54F8677D}" type="slidenum">
+              <a:t>‹Nr.›</a:t>
+            </a:fld>
+            <a:endParaRPr/>
           </a:p>
         </p:txBody>
       </p:sp>
@@ -1738,18 +1800,19 @@
   <p:clrMapOvr>
     <a:masterClrMapping/>
   </p:clrMapOvr>
-  <p:transition xmlns:p14="http://schemas.microsoft.com/office/powerpoint/2010/main" spd="med" advClick="1"/>
+  <p:transition spd="med"/>
 </p:sldLayout>
 </file>
 
 <file path=ppt/slideMasters/slideMaster1.xml><?xml version="1.0" encoding="utf-8"?>
-<p:sldMaster xmlns:a="http://schemas.openxmlformats.org/drawingml/2006/main" xmlns:r="http://schemas.openxmlformats.org/officeDocument/2006/relationships" xmlns:p="http://schemas.openxmlformats.org/presentationml/2006/main" xmlns:m="http://schemas.openxmlformats.org/officeDocument/2006/math" xmlns:a14="http://schemas.microsoft.com/office/drawing/2010/main">
+<p:sldMaster xmlns:a="http://schemas.openxmlformats.org/drawingml/2006/main" xmlns:r="http://schemas.openxmlformats.org/officeDocument/2006/relationships" xmlns:p="http://schemas.openxmlformats.org/presentationml/2006/main">
   <p:cSld>
     <p:bg>
       <p:bgPr>
         <a:solidFill>
           <a:srgbClr val="FFFFFF"/>
         </a:solidFill>
+        <a:effectLst/>
       </p:bgPr>
     </p:bg>
     <p:spTree>
@@ -1769,7 +1832,9 @@
       <p:sp>
         <p:nvSpPr>
           <p:cNvPr id="2" name="Titeltext"/>
-          <p:cNvSpPr txBox="1"/>
+          <p:cNvSpPr txBox="1">
+            <a:spLocks noGrp="1"/>
+          </p:cNvSpPr>
           <p:nvPr>
             <p:ph type="title"/>
           </p:nvPr>
@@ -1787,17 +1852,16 @@
           </a:ln>
           <a:extLst>
             <a:ext uri="{C572A759-6A51-4108-AA02-DFA0A04FC94B}">
-              <ma14:wrappingTextBoxFlag xmlns:ma14="http://schemas.microsoft.com/office/mac/drawingml/2011/main" val="1"/>
+              <ma14:wrappingTextBoxFlag xmlns:ma14="http://schemas.microsoft.com/office/mac/drawingml/2011/main" xmlns:a14="http://schemas.microsoft.com/office/drawing/2010/main" xmlns:m="http://schemas.openxmlformats.org/officeDocument/2006/math" xmlns="" val="1"/>
             </a:ext>
           </a:extLst>
         </p:spPr>
         <p:txBody>
           <a:bodyPr lIns="45718" tIns="45718" rIns="45718" bIns="45718" anchor="ctr">
-            <a:normAutofit fontScale="100000" lnSpcReduction="0"/>
+            <a:normAutofit/>
           </a:bodyPr>
           <a:lstStyle/>
           <a:p>
-            <a:pPr/>
             <a:r>
               <a:t>Titeltext</a:t>
             </a:r>
@@ -1807,7 +1871,9 @@
       <p:sp>
         <p:nvSpPr>
           <p:cNvPr id="3" name="Textebene 1…"/>
-          <p:cNvSpPr txBox="1"/>
+          <p:cNvSpPr txBox="1">
+            <a:spLocks noGrp="1"/>
+          </p:cNvSpPr>
           <p:nvPr>
             <p:ph type="body" idx="1"/>
           </p:nvPr>
@@ -1825,17 +1891,16 @@
           </a:ln>
           <a:extLst>
             <a:ext uri="{C572A759-6A51-4108-AA02-DFA0A04FC94B}">
-              <ma14:wrappingTextBoxFlag xmlns:ma14="http://schemas.microsoft.com/office/mac/drawingml/2011/main" val="1"/>
+              <ma14:wrappingTextBoxFlag xmlns:ma14="http://schemas.microsoft.com/office/mac/drawingml/2011/main" xmlns:a14="http://schemas.microsoft.com/office/drawing/2010/main" xmlns:m="http://schemas.openxmlformats.org/officeDocument/2006/math" xmlns="" val="1"/>
             </a:ext>
           </a:extLst>
         </p:spPr>
         <p:txBody>
           <a:bodyPr lIns="45718" tIns="45718" rIns="45718" bIns="45718">
-            <a:normAutofit fontScale="100000" lnSpcReduction="0"/>
+            <a:normAutofit/>
           </a:bodyPr>
           <a:lstStyle/>
           <a:p>
-            <a:pPr/>
             <a:r>
               <a:t>Textebene 1</a:t>
             </a:r>
@@ -1869,7 +1934,9 @@
       <p:sp>
         <p:nvSpPr>
           <p:cNvPr id="4" name="Foliennummer"/>
-          <p:cNvSpPr txBox="1"/>
+          <p:cNvSpPr txBox="1">
+            <a:spLocks noGrp="1"/>
+          </p:cNvSpPr>
           <p:nvPr>
             <p:ph type="sldNum" sz="quarter" idx="2"/>
           </p:nvPr>
@@ -1900,8 +1967,10 @@
             </a:lvl1pPr>
           </a:lstStyle>
           <a:p>
-            <a:pPr/>
-            <a:fld id="{86CB4B4D-7CA3-9044-876B-883B54F8677D}" type="slidenum"/>
+            <a:fld id="{86CB4B4D-7CA3-9044-876B-883B54F8677D}" type="slidenum">
+              <a:t>‹Nr.›</a:t>
+            </a:fld>
+            <a:endParaRPr/>
           </a:p>
         </p:txBody>
       </p:sp>
@@ -1909,17 +1978,17 @@
   </p:cSld>
   <p:clrMap bg1="lt1" tx1="dk1" bg2="lt2" tx2="dk2" accent1="accent1" accent2="accent2" accent3="accent3" accent4="accent4" accent5="accent5" accent6="accent6" hlink="hlink" folHlink="folHlink"/>
   <p:sldLayoutIdLst>
-    <p:sldLayoutId id="2147483649" r:id="rId2"/>
-    <p:sldLayoutId id="2147483650" r:id="rId3"/>
-    <p:sldLayoutId id="2147483651" r:id="rId4"/>
-    <p:sldLayoutId id="2147483652" r:id="rId5"/>
-    <p:sldLayoutId id="2147483653" r:id="rId6"/>
-    <p:sldLayoutId id="2147483654" r:id="rId7"/>
-    <p:sldLayoutId id="2147483655" r:id="rId8"/>
-    <p:sldLayoutId id="2147483656" r:id="rId9"/>
-    <p:sldLayoutId id="2147483657" r:id="rId10"/>
+    <p:sldLayoutId id="2147483649" r:id="rId1"/>
+    <p:sldLayoutId id="2147483650" r:id="rId2"/>
+    <p:sldLayoutId id="2147483651" r:id="rId3"/>
+    <p:sldLayoutId id="2147483652" r:id="rId4"/>
+    <p:sldLayoutId id="2147483653" r:id="rId5"/>
+    <p:sldLayoutId id="2147483654" r:id="rId6"/>
+    <p:sldLayoutId id="2147483655" r:id="rId7"/>
+    <p:sldLayoutId id="2147483656" r:id="rId8"/>
+    <p:sldLayoutId id="2147483657" r:id="rId9"/>
   </p:sldLayoutIdLst>
-  <p:transition xmlns:p14="http://schemas.microsoft.com/office/powerpoint/2010/main" spd="med" advClick="1"/>
+  <p:transition spd="med"/>
   <p:txStyles>
     <p:titleStyle>
       <a:lvl1pPr marL="0" marR="0" indent="0" algn="l" defTabSz="914400" rtl="0" latinLnBrk="0">
@@ -1937,7 +2006,7 @@
         <a:buFontTx/>
         <a:buNone/>
         <a:tabLst/>
-        <a:defRPr b="0" baseline="0" cap="none" i="0" spc="0" strike="noStrike" sz="4400" u="none">
+        <a:defRPr sz="4400" b="0" i="0" u="none" strike="noStrike" cap="none" spc="0" baseline="0">
           <a:ln>
             <a:noFill/>
           </a:ln>
@@ -1966,7 +2035,7 @@
         <a:buFontTx/>
         <a:buNone/>
         <a:tabLst/>
-        <a:defRPr b="0" baseline="0" cap="none" i="0" spc="0" strike="noStrike" sz="4400" u="none">
+        <a:defRPr sz="4400" b="0" i="0" u="none" strike="noStrike" cap="none" spc="0" baseline="0">
           <a:ln>
             <a:noFill/>
           </a:ln>
@@ -1995,7 +2064,7 @@
         <a:buFontTx/>
         <a:buNone/>
         <a:tabLst/>
-        <a:defRPr b="0" baseline="0" cap="none" i="0" spc="0" strike="noStrike" sz="4400" u="none">
+        <a:defRPr sz="4400" b="0" i="0" u="none" strike="noStrike" cap="none" spc="0" baseline="0">
           <a:ln>
             <a:noFill/>
           </a:ln>
@@ -2024,7 +2093,7 @@
         <a:buFontTx/>
         <a:buNone/>
         <a:tabLst/>
-        <a:defRPr b="0" baseline="0" cap="none" i="0" spc="0" strike="noStrike" sz="4400" u="none">
+        <a:defRPr sz="4400" b="0" i="0" u="none" strike="noStrike" cap="none" spc="0" baseline="0">
           <a:ln>
             <a:noFill/>
           </a:ln>
@@ -2053,7 +2122,7 @@
         <a:buFontTx/>
         <a:buNone/>
         <a:tabLst/>
-        <a:defRPr b="0" baseline="0" cap="none" i="0" spc="0" strike="noStrike" sz="4400" u="none">
+        <a:defRPr sz="4400" b="0" i="0" u="none" strike="noStrike" cap="none" spc="0" baseline="0">
           <a:ln>
             <a:noFill/>
           </a:ln>
@@ -2082,7 +2151,7 @@
         <a:buFontTx/>
         <a:buNone/>
         <a:tabLst/>
-        <a:defRPr b="0" baseline="0" cap="none" i="0" spc="0" strike="noStrike" sz="4400" u="none">
+        <a:defRPr sz="4400" b="0" i="0" u="none" strike="noStrike" cap="none" spc="0" baseline="0">
           <a:ln>
             <a:noFill/>
           </a:ln>
@@ -2111,7 +2180,7 @@
         <a:buFontTx/>
         <a:buNone/>
         <a:tabLst/>
-        <a:defRPr b="0" baseline="0" cap="none" i="0" spc="0" strike="noStrike" sz="4400" u="none">
+        <a:defRPr sz="4400" b="0" i="0" u="none" strike="noStrike" cap="none" spc="0" baseline="0">
           <a:ln>
             <a:noFill/>
           </a:ln>
@@ -2140,7 +2209,7 @@
         <a:buFontTx/>
         <a:buNone/>
         <a:tabLst/>
-        <a:defRPr b="0" baseline="0" cap="none" i="0" spc="0" strike="noStrike" sz="4400" u="none">
+        <a:defRPr sz="4400" b="0" i="0" u="none" strike="noStrike" cap="none" spc="0" baseline="0">
           <a:ln>
             <a:noFill/>
           </a:ln>
@@ -2169,7 +2238,7 @@
         <a:buFontTx/>
         <a:buNone/>
         <a:tabLst/>
-        <a:defRPr b="0" baseline="0" cap="none" i="0" spc="0" strike="noStrike" sz="4400" u="none">
+        <a:defRPr sz="4400" b="0" i="0" u="none" strike="noStrike" cap="none" spc="0" baseline="0">
           <a:ln>
             <a:noFill/>
           </a:ln>
@@ -2200,7 +2269,7 @@
         <a:buFont typeface="Arial"/>
         <a:buChar char="•"/>
         <a:tabLst/>
-        <a:defRPr b="0" baseline="0" cap="none" i="0" spc="0" strike="noStrike" sz="2800" u="none">
+        <a:defRPr sz="2800" b="0" i="0" u="none" strike="noStrike" cap="none" spc="0" baseline="0">
           <a:ln>
             <a:noFill/>
           </a:ln>
@@ -2229,7 +2298,7 @@
         <a:buFont typeface="Arial"/>
         <a:buChar char="•"/>
         <a:tabLst/>
-        <a:defRPr b="0" baseline="0" cap="none" i="0" spc="0" strike="noStrike" sz="2800" u="none">
+        <a:defRPr sz="2800" b="0" i="0" u="none" strike="noStrike" cap="none" spc="0" baseline="0">
           <a:ln>
             <a:noFill/>
           </a:ln>
@@ -2258,7 +2327,7 @@
         <a:buFont typeface="Arial"/>
         <a:buChar char="•"/>
         <a:tabLst/>
-        <a:defRPr b="0" baseline="0" cap="none" i="0" spc="0" strike="noStrike" sz="2800" u="none">
+        <a:defRPr sz="2800" b="0" i="0" u="none" strike="noStrike" cap="none" spc="0" baseline="0">
           <a:ln>
             <a:noFill/>
           </a:ln>
@@ -2287,7 +2356,7 @@
         <a:buFont typeface="Arial"/>
         <a:buChar char="•"/>
         <a:tabLst/>
-        <a:defRPr b="0" baseline="0" cap="none" i="0" spc="0" strike="noStrike" sz="2800" u="none">
+        <a:defRPr sz="2800" b="0" i="0" u="none" strike="noStrike" cap="none" spc="0" baseline="0">
           <a:ln>
             <a:noFill/>
           </a:ln>
@@ -2316,7 +2385,7 @@
         <a:buFont typeface="Arial"/>
         <a:buChar char="•"/>
         <a:tabLst/>
-        <a:defRPr b="0" baseline="0" cap="none" i="0" spc="0" strike="noStrike" sz="2800" u="none">
+        <a:defRPr sz="2800" b="0" i="0" u="none" strike="noStrike" cap="none" spc="0" baseline="0">
           <a:ln>
             <a:noFill/>
           </a:ln>
@@ -2345,7 +2414,7 @@
         <a:buFont typeface="Arial"/>
         <a:buChar char="•"/>
         <a:tabLst/>
-        <a:defRPr b="0" baseline="0" cap="none" i="0" spc="0" strike="noStrike" sz="2800" u="none">
+        <a:defRPr sz="2800" b="0" i="0" u="none" strike="noStrike" cap="none" spc="0" baseline="0">
           <a:ln>
             <a:noFill/>
           </a:ln>
@@ -2374,7 +2443,7 @@
         <a:buFont typeface="Arial"/>
         <a:buChar char="•"/>
         <a:tabLst/>
-        <a:defRPr b="0" baseline="0" cap="none" i="0" spc="0" strike="noStrike" sz="2800" u="none">
+        <a:defRPr sz="2800" b="0" i="0" u="none" strike="noStrike" cap="none" spc="0" baseline="0">
           <a:ln>
             <a:noFill/>
           </a:ln>
@@ -2403,7 +2472,7 @@
         <a:buFont typeface="Arial"/>
         <a:buChar char="•"/>
         <a:tabLst/>
-        <a:defRPr b="0" baseline="0" cap="none" i="0" spc="0" strike="noStrike" sz="2800" u="none">
+        <a:defRPr sz="2800" b="0" i="0" u="none" strike="noStrike" cap="none" spc="0" baseline="0">
           <a:ln>
             <a:noFill/>
           </a:ln>
@@ -2432,7 +2501,7 @@
         <a:buFont typeface="Arial"/>
         <a:buChar char="•"/>
         <a:tabLst/>
-        <a:defRPr b="0" baseline="0" cap="none" i="0" spc="0" strike="noStrike" sz="2800" u="none">
+        <a:defRPr sz="2800" b="0" i="0" u="none" strike="noStrike" cap="none" spc="0" baseline="0">
           <a:ln>
             <a:noFill/>
           </a:ln>
@@ -2463,7 +2532,7 @@
         <a:buFontTx/>
         <a:buNone/>
         <a:tabLst/>
-        <a:defRPr b="0" baseline="0" cap="none" i="0" spc="0" strike="noStrike" sz="1200" u="none">
+        <a:defRPr sz="1200" b="0" i="0" u="none" strike="noStrike" cap="none" spc="0" baseline="0">
           <a:ln>
             <a:noFill/>
           </a:ln>
@@ -2492,7 +2561,7 @@
         <a:buFontTx/>
         <a:buNone/>
         <a:tabLst/>
-        <a:defRPr b="0" baseline="0" cap="none" i="0" spc="0" strike="noStrike" sz="1200" u="none">
+        <a:defRPr sz="1200" b="0" i="0" u="none" strike="noStrike" cap="none" spc="0" baseline="0">
           <a:ln>
             <a:noFill/>
           </a:ln>
@@ -2521,7 +2590,7 @@
         <a:buFontTx/>
         <a:buNone/>
         <a:tabLst/>
-        <a:defRPr b="0" baseline="0" cap="none" i="0" spc="0" strike="noStrike" sz="1200" u="none">
+        <a:defRPr sz="1200" b="0" i="0" u="none" strike="noStrike" cap="none" spc="0" baseline="0">
           <a:ln>
             <a:noFill/>
           </a:ln>
@@ -2550,7 +2619,7 @@
         <a:buFontTx/>
         <a:buNone/>
         <a:tabLst/>
-        <a:defRPr b="0" baseline="0" cap="none" i="0" spc="0" strike="noStrike" sz="1200" u="none">
+        <a:defRPr sz="1200" b="0" i="0" u="none" strike="noStrike" cap="none" spc="0" baseline="0">
           <a:ln>
             <a:noFill/>
           </a:ln>
@@ -2579,7 +2648,7 @@
         <a:buFontTx/>
         <a:buNone/>
         <a:tabLst/>
-        <a:defRPr b="0" baseline="0" cap="none" i="0" spc="0" strike="noStrike" sz="1200" u="none">
+        <a:defRPr sz="1200" b="0" i="0" u="none" strike="noStrike" cap="none" spc="0" baseline="0">
           <a:ln>
             <a:noFill/>
           </a:ln>
@@ -2608,7 +2677,7 @@
         <a:buFontTx/>
         <a:buNone/>
         <a:tabLst/>
-        <a:defRPr b="0" baseline="0" cap="none" i="0" spc="0" strike="noStrike" sz="1200" u="none">
+        <a:defRPr sz="1200" b="0" i="0" u="none" strike="noStrike" cap="none" spc="0" baseline="0">
           <a:ln>
             <a:noFill/>
           </a:ln>
@@ -2637,7 +2706,7 @@
         <a:buFontTx/>
         <a:buNone/>
         <a:tabLst/>
-        <a:defRPr b="0" baseline="0" cap="none" i="0" spc="0" strike="noStrike" sz="1200" u="none">
+        <a:defRPr sz="1200" b="0" i="0" u="none" strike="noStrike" cap="none" spc="0" baseline="0">
           <a:ln>
             <a:noFill/>
           </a:ln>
@@ -2666,7 +2735,7 @@
         <a:buFontTx/>
         <a:buNone/>
         <a:tabLst/>
-        <a:defRPr b="0" baseline="0" cap="none" i="0" spc="0" strike="noStrike" sz="1200" u="none">
+        <a:defRPr sz="1200" b="0" i="0" u="none" strike="noStrike" cap="none" spc="0" baseline="0">
           <a:ln>
             <a:noFill/>
           </a:ln>
@@ -2695,7 +2764,7 @@
         <a:buFontTx/>
         <a:buNone/>
         <a:tabLst/>
-        <a:defRPr b="0" baseline="0" cap="none" i="0" spc="0" strike="noStrike" sz="1200" u="none">
+        <a:defRPr sz="1200" b="0" i="0" u="none" strike="noStrike" cap="none" spc="0" baseline="0">
           <a:ln>
             <a:noFill/>
           </a:ln>
@@ -2715,7 +2784,7 @@
 </file>
 
 <file path=ppt/slides/slide1.xml><?xml version="1.0" encoding="utf-8"?>
-<p:sld xmlns:a="http://schemas.openxmlformats.org/drawingml/2006/main" xmlns:r="http://schemas.openxmlformats.org/officeDocument/2006/relationships" xmlns:p="http://schemas.openxmlformats.org/presentationml/2006/main" xmlns:m="http://schemas.openxmlformats.org/officeDocument/2006/math" xmlns:a14="http://schemas.microsoft.com/office/drawing/2010/main" showMasterSp="1" showMasterPhAnim="1">
+<p:sld xmlns:a="http://schemas.openxmlformats.org/drawingml/2006/main" xmlns:r="http://schemas.openxmlformats.org/officeDocument/2006/relationships" xmlns:p="http://schemas.openxmlformats.org/presentationml/2006/main">
   <p:cSld>
     <p:spTree>
       <p:nvGrpSpPr>
@@ -2734,7 +2803,9 @@
       <p:sp>
         <p:nvSpPr>
           <p:cNvPr id="94" name="Titel 1"/>
-          <p:cNvSpPr txBox="1"/>
+          <p:cNvSpPr txBox="1">
+            <a:spLocks noGrp="1"/>
+          </p:cNvSpPr>
           <p:nvPr>
             <p:ph type="ctrTitle"/>
           </p:nvPr>
@@ -2752,7 +2823,7 @@
           <a:bodyPr/>
           <a:lstStyle>
             <a:lvl1pPr defTabSz="758951">
-              <a:defRPr b="1" sz="7900">
+              <a:defRPr sz="7900" b="1">
                 <a:solidFill>
                   <a:srgbClr val="FF0000"/>
                 </a:solidFill>
@@ -2764,7 +2835,6 @@
             </a:lvl1pPr>
           </a:lstStyle>
           <a:p>
-            <a:pPr/>
             <a:r>
               <a:t>Alert</a:t>
             </a:r>
@@ -2774,7 +2844,9 @@
       <p:sp>
         <p:nvSpPr>
           <p:cNvPr id="95" name="Untertitel 2"/>
-          <p:cNvSpPr txBox="1"/>
+          <p:cNvSpPr txBox="1">
+            <a:spLocks noGrp="1"/>
+          </p:cNvSpPr>
           <p:nvPr>
             <p:ph type="subTitle" sz="half" idx="1"/>
           </p:nvPr>
@@ -2792,34 +2864,29 @@
           <a:bodyPr/>
           <a:lstStyle/>
           <a:p>
-            <a:pPr/>
             <a:r>
               <a:t>The warning app </a:t>
             </a:r>
           </a:p>
           <a:p>
-            <a:pPr/>
-          </a:p>
-          <a:p>
-            <a:pPr/>
+            <a:endParaRPr/>
+          </a:p>
+          <a:p>
             <a:r>
               <a:t>by </a:t>
             </a:r>
           </a:p>
           <a:p>
-            <a:pPr/>
             <a:r>
               <a:t>Julia</a:t>
             </a:r>
           </a:p>
           <a:p>
-            <a:pPr/>
             <a:r>
               <a:t>Markus</a:t>
             </a:r>
           </a:p>
           <a:p>
-            <a:pPr/>
             <a:r>
               <a:t>Peter</a:t>
             </a:r>
@@ -2831,12 +2898,12 @@
   <p:clrMapOvr>
     <a:masterClrMapping/>
   </p:clrMapOvr>
-  <p:transition xmlns:p14="http://schemas.microsoft.com/office/powerpoint/2010/main" spd="med" advClick="1"/>
+  <p:transition spd="med"/>
 </p:sld>
 </file>
 
 <file path=ppt/slides/slide10.xml><?xml version="1.0" encoding="utf-8"?>
-<p:sld xmlns:a="http://schemas.openxmlformats.org/drawingml/2006/main" xmlns:r="http://schemas.openxmlformats.org/officeDocument/2006/relationships" xmlns:p="http://schemas.openxmlformats.org/presentationml/2006/main" xmlns:m="http://schemas.openxmlformats.org/officeDocument/2006/math" xmlns:a14="http://schemas.microsoft.com/office/drawing/2010/main" showMasterSp="1" showMasterPhAnim="1">
+<p:sld xmlns:a="http://schemas.openxmlformats.org/drawingml/2006/main" xmlns:r="http://schemas.openxmlformats.org/officeDocument/2006/relationships" xmlns:p="http://schemas.openxmlformats.org/presentationml/2006/main">
   <p:cSld>
     <p:spTree>
       <p:nvGrpSpPr>
@@ -2855,7 +2922,9 @@
       <p:sp>
         <p:nvSpPr>
           <p:cNvPr id="126" name="Titel 1"/>
-          <p:cNvSpPr txBox="1"/>
+          <p:cNvSpPr txBox="1">
+            <a:spLocks noGrp="1"/>
+          </p:cNvSpPr>
           <p:nvPr>
             <p:ph type="title"/>
           </p:nvPr>
@@ -2873,7 +2942,6 @@
           <a:bodyPr/>
           <a:lstStyle/>
           <a:p>
-            <a:pPr/>
             <a:r>
               <a:t>Workbench</a:t>
             </a:r>
@@ -2883,7 +2951,9 @@
       <p:sp>
         <p:nvSpPr>
           <p:cNvPr id="127" name="Inhaltsplatzhalter 2"/>
-          <p:cNvSpPr txBox="1"/>
+          <p:cNvSpPr txBox="1">
+            <a:spLocks noGrp="1"/>
+          </p:cNvSpPr>
           <p:nvPr>
             <p:ph type="body" idx="1"/>
           </p:nvPr>
@@ -2901,7 +2971,6 @@
           <a:bodyPr/>
           <a:lstStyle/>
           <a:p>
-            <a:pPr/>
             <a:r>
               <a:t>Day 4:   df['location_clean']</a:t>
             </a:r>
@@ -2917,9 +2986,7 @@
           <p:nvPr/>
         </p:nvPicPr>
         <p:blipFill>
-          <a:blip r:embed="rId2">
-            <a:extLst/>
-          </a:blip>
+          <a:blip r:embed="rId2"/>
           <a:stretch>
             <a:fillRect/>
           </a:stretch>
@@ -2946,9 +3013,7 @@
           <p:nvPr/>
         </p:nvPicPr>
         <p:blipFill>
-          <a:blip r:embed="rId3">
-            <a:extLst/>
-          </a:blip>
+          <a:blip r:embed="rId3"/>
           <a:stretch>
             <a:fillRect/>
           </a:stretch>
@@ -2985,7 +3050,7 @@
           </a:ln>
           <a:extLst>
             <a:ext uri="{C572A759-6A51-4108-AA02-DFA0A04FC94B}">
-              <ma14:wrappingTextBoxFlag xmlns:ma14="http://schemas.microsoft.com/office/mac/drawingml/2011/main" val="1"/>
+              <ma14:wrappingTextBoxFlag xmlns:ma14="http://schemas.microsoft.com/office/mac/drawingml/2011/main" xmlns:a14="http://schemas.microsoft.com/office/drawing/2010/main" xmlns:m="http://schemas.openxmlformats.org/officeDocument/2006/math" xmlns="" val="1"/>
             </a:ext>
           </a:extLst>
         </p:spPr>
@@ -2999,7 +3064,6 @@
             </a:lvl1pPr>
           </a:lstStyle>
           <a:p>
-            <a:pPr/>
             <a:r>
               <a:t>No Value</a:t>
             </a:r>
@@ -3011,12 +3075,12 @@
   <p:clrMapOvr>
     <a:masterClrMapping/>
   </p:clrMapOvr>
-  <p:transition xmlns:p14="http://schemas.microsoft.com/office/powerpoint/2010/main" spd="med" advClick="1"/>
+  <p:transition spd="med"/>
 </p:sld>
 </file>
 
 <file path=ppt/slides/slide11.xml><?xml version="1.0" encoding="utf-8"?>
-<p:sld xmlns:a="http://schemas.openxmlformats.org/drawingml/2006/main" xmlns:r="http://schemas.openxmlformats.org/officeDocument/2006/relationships" xmlns:p="http://schemas.openxmlformats.org/presentationml/2006/main" xmlns:m="http://schemas.openxmlformats.org/officeDocument/2006/math" xmlns:a14="http://schemas.microsoft.com/office/drawing/2010/main" showMasterSp="1" showMasterPhAnim="1">
+<p:sld xmlns:a="http://schemas.openxmlformats.org/drawingml/2006/main" xmlns:r="http://schemas.openxmlformats.org/officeDocument/2006/relationships" xmlns:p="http://schemas.openxmlformats.org/presentationml/2006/main">
   <p:cSld>
     <p:spTree>
       <p:nvGrpSpPr>
@@ -3041,9 +3105,7 @@
           <p:nvPr/>
         </p:nvPicPr>
         <p:blipFill>
-          <a:blip r:embed="rId2">
-            <a:extLst/>
-          </a:blip>
+          <a:blip r:embed="rId2"/>
           <a:stretch>
             <a:fillRect/>
           </a:stretch>
@@ -3064,7 +3126,9 @@
       <p:sp>
         <p:nvSpPr>
           <p:cNvPr id="133" name="Titel 1"/>
-          <p:cNvSpPr txBox="1"/>
+          <p:cNvSpPr txBox="1">
+            <a:spLocks noGrp="1"/>
+          </p:cNvSpPr>
           <p:nvPr>
             <p:ph type="title"/>
           </p:nvPr>
@@ -3082,7 +3146,6 @@
           <a:bodyPr/>
           <a:lstStyle/>
           <a:p>
-            <a:pPr/>
             <a:r>
               <a:t>Workbench</a:t>
             </a:r>
@@ -3098,7 +3161,7 @@
         <p:spPr>
           <a:xfrm>
             <a:off x="-4953" y="6311900"/>
-            <a:ext cx="6740906" cy="3155971"/>
+            <a:ext cx="4418834" cy="476345"/>
           </a:xfrm>
           <a:prstGeom prst="rect">
             <a:avLst/>
@@ -3108,7 +3171,7 @@
           </a:ln>
           <a:extLst>
             <a:ext uri="{C572A759-6A51-4108-AA02-DFA0A04FC94B}">
-              <ma14:wrappingTextBoxFlag xmlns:ma14="http://schemas.microsoft.com/office/mac/drawingml/2011/main" val="1"/>
+              <ma14:wrappingTextBoxFlag xmlns:ma14="http://schemas.microsoft.com/office/mac/drawingml/2011/main" xmlns:a14="http://schemas.microsoft.com/office/drawing/2010/main" xmlns:m="http://schemas.openxmlformats.org/officeDocument/2006/math" xmlns="" val="1"/>
             </a:ext>
           </a:extLst>
         </p:spPr>
@@ -3130,21 +3193,43 @@
               </a:defRPr>
             </a:pPr>
             <a:r>
-              <a:t>doc_loc =df[</a:t>
-            </a:r>
-            <a:r>
-              <a:rPr>
+              <a:rPr dirty="0" err="1"/>
+              <a:t>doc_loc</a:t>
+            </a:r>
+            <a:r>
+              <a:rPr dirty="0"/>
+              <a:t> =df[</a:t>
+            </a:r>
+            <a:r>
+              <a:rPr dirty="0">
                 <a:solidFill>
                   <a:srgbClr val="A31515"/>
                 </a:solidFill>
               </a:rPr>
-              <a:t>'location_clean'</a:t>
-            </a:r>
-            <a:r>
+              <a:t>'</a:t>
+            </a:r>
+            <a:r>
+              <a:rPr dirty="0" err="1">
+                <a:solidFill>
+                  <a:srgbClr val="A31515"/>
+                </a:solidFill>
+              </a:rPr>
+              <a:t>location_clean</a:t>
+            </a:r>
+            <a:r>
+              <a:rPr dirty="0">
+                <a:solidFill>
+                  <a:srgbClr val="A31515"/>
+                </a:solidFill>
+              </a:rPr>
+              <a:t>'</a:t>
+            </a:r>
+            <a:r>
+              <a:rPr dirty="0"/>
               <a:t>].apply( </a:t>
             </a:r>
             <a:r>
-              <a:rPr>
+              <a:rPr dirty="0">
                 <a:solidFill>
                   <a:srgbClr val="0000FF"/>
                 </a:solidFill>
@@ -3152,82 +3237,33 @@
               <a:t>lambda</a:t>
             </a:r>
             <a:r>
-              <a:t> satz: nlp(satz) )</a:t>
-            </a:r>
-          </a:p>
-          <a:p>
-            <a:pPr defTabSz="457200">
-              <a:lnSpc>
-                <a:spcPts val="3500"/>
-              </a:lnSpc>
-              <a:defRPr sz="1400">
-                <a:solidFill>
-                  <a:srgbClr val="008000"/>
-                </a:solidFill>
-                <a:latin typeface="Menlo"/>
-                <a:ea typeface="Menlo"/>
-                <a:cs typeface="Menlo"/>
-                <a:sym typeface="Menlo"/>
-              </a:defRPr>
-            </a:pPr>
-          </a:p>
-          <a:p>
-            <a:pPr defTabSz="457200">
-              <a:lnSpc>
-                <a:spcPts val="3500"/>
-              </a:lnSpc>
-              <a:defRPr sz="1400">
-                <a:solidFill>
-                  <a:srgbClr val="008000"/>
-                </a:solidFill>
-                <a:latin typeface="Menlo"/>
-                <a:ea typeface="Menlo"/>
-                <a:cs typeface="Menlo"/>
-                <a:sym typeface="Menlo"/>
-              </a:defRPr>
-            </a:pPr>
-          </a:p>
-          <a:p>
-            <a:pPr defTabSz="457200">
-              <a:lnSpc>
-                <a:spcPts val="3500"/>
-              </a:lnSpc>
-              <a:defRPr sz="1400">
-                <a:solidFill>
-                  <a:srgbClr val="008000"/>
-                </a:solidFill>
-                <a:latin typeface="Menlo"/>
-                <a:ea typeface="Menlo"/>
-                <a:cs typeface="Menlo"/>
-                <a:sym typeface="Menlo"/>
-              </a:defRPr>
-            </a:pPr>
-          </a:p>
-          <a:p>
-            <a:pPr defTabSz="457200">
-              <a:lnSpc>
-                <a:spcPts val="3500"/>
-              </a:lnSpc>
-              <a:defRPr sz="1400">
-                <a:latin typeface="Menlo"/>
-                <a:ea typeface="Menlo"/>
-                <a:cs typeface="Menlo"/>
-                <a:sym typeface="Menlo"/>
-              </a:defRPr>
-            </a:pPr>
-          </a:p>
-          <a:p>
-            <a:pPr defTabSz="457200">
-              <a:lnSpc>
-                <a:spcPts val="3500"/>
-              </a:lnSpc>
-              <a:defRPr sz="1400">
-                <a:latin typeface="Menlo"/>
-                <a:ea typeface="Menlo"/>
-                <a:cs typeface="Menlo"/>
-                <a:sym typeface="Menlo"/>
-              </a:defRPr>
-            </a:pPr>
+              <a:rPr dirty="0"/>
+              <a:t> </a:t>
+            </a:r>
+            <a:r>
+              <a:rPr dirty="0" err="1"/>
+              <a:t>satz</a:t>
+            </a:r>
+            <a:r>
+              <a:rPr dirty="0"/>
+              <a:t>: </a:t>
+            </a:r>
+            <a:r>
+              <a:rPr dirty="0" err="1"/>
+              <a:t>nlp</a:t>
+            </a:r>
+            <a:r>
+              <a:rPr dirty="0"/>
+              <a:t>(</a:t>
+            </a:r>
+            <a:r>
+              <a:rPr dirty="0" err="1"/>
+              <a:t>satz</a:t>
+            </a:r>
+            <a:r>
+              <a:rPr dirty="0"/>
+              <a:t>) )</a:t>
+            </a:r>
           </a:p>
         </p:txBody>
       </p:sp>
@@ -3240,9 +3276,7 @@
           <p:nvPr/>
         </p:nvPicPr>
         <p:blipFill>
-          <a:blip r:embed="rId3">
-            <a:extLst/>
-          </a:blip>
+          <a:blip r:embed="rId3"/>
           <a:stretch>
             <a:fillRect/>
           </a:stretch>
@@ -3265,12 +3299,12 @@
   <p:clrMapOvr>
     <a:masterClrMapping/>
   </p:clrMapOvr>
-  <p:transition xmlns:p14="http://schemas.microsoft.com/office/powerpoint/2010/main" spd="med" advClick="1"/>
+  <p:transition spd="med"/>
 </p:sld>
 </file>
 
 <file path=ppt/slides/slide12.xml><?xml version="1.0" encoding="utf-8"?>
-<p:sld xmlns:a="http://schemas.openxmlformats.org/drawingml/2006/main" xmlns:r="http://schemas.openxmlformats.org/officeDocument/2006/relationships" xmlns:p="http://schemas.openxmlformats.org/presentationml/2006/main" xmlns:m="http://schemas.openxmlformats.org/officeDocument/2006/math" xmlns:a14="http://schemas.microsoft.com/office/drawing/2010/main" showMasterSp="1" showMasterPhAnim="1">
+<p:sld xmlns:a="http://schemas.openxmlformats.org/drawingml/2006/main" xmlns:r="http://schemas.openxmlformats.org/officeDocument/2006/relationships" xmlns:p="http://schemas.openxmlformats.org/presentationml/2006/main">
   <p:cSld>
     <p:spTree>
       <p:nvGrpSpPr>
@@ -3289,7 +3323,9 @@
       <p:sp>
         <p:nvSpPr>
           <p:cNvPr id="137" name="Titel 1"/>
-          <p:cNvSpPr txBox="1"/>
+          <p:cNvSpPr txBox="1">
+            <a:spLocks noGrp="1"/>
+          </p:cNvSpPr>
           <p:nvPr>
             <p:ph type="title"/>
           </p:nvPr>
@@ -3307,7 +3343,6 @@
           <a:bodyPr/>
           <a:lstStyle/>
           <a:p>
-            <a:pPr/>
             <a:r>
               <a:t>Finde den Fehler</a:t>
             </a:r>
@@ -3323,7 +3358,7 @@
         <p:spPr>
           <a:xfrm>
             <a:off x="-4953" y="6311900"/>
-            <a:ext cx="5670460" cy="3155971"/>
+            <a:ext cx="3838547" cy="476345"/>
           </a:xfrm>
           <a:prstGeom prst="rect">
             <a:avLst/>
@@ -3333,7 +3368,7 @@
           </a:ln>
           <a:extLst>
             <a:ext uri="{C572A759-6A51-4108-AA02-DFA0A04FC94B}">
-              <ma14:wrappingTextBoxFlag xmlns:ma14="http://schemas.microsoft.com/office/mac/drawingml/2011/main" val="1"/>
+              <ma14:wrappingTextBoxFlag xmlns:ma14="http://schemas.microsoft.com/office/mac/drawingml/2011/main" xmlns:a14="http://schemas.microsoft.com/office/drawing/2010/main" xmlns:m="http://schemas.openxmlformats.org/officeDocument/2006/math" xmlns="" val="1"/>
             </a:ext>
           </a:extLst>
         </p:spPr>
@@ -3355,21 +3390,59 @@
               </a:defRPr>
             </a:pPr>
             <a:r>
-              <a:t>displacy.render(doc_loc, style=</a:t>
-            </a:r>
-            <a:r>
-              <a:rPr>
+              <a:rPr dirty="0" err="1"/>
+              <a:t>displacy.render</a:t>
+            </a:r>
+            <a:r>
+              <a:rPr dirty="0"/>
+              <a:t>(</a:t>
+            </a:r>
+            <a:r>
+              <a:rPr dirty="0" err="1"/>
+              <a:t>doc_loc</a:t>
+            </a:r>
+            <a:r>
+              <a:rPr dirty="0"/>
+              <a:t>, style=</a:t>
+            </a:r>
+            <a:r>
+              <a:rPr dirty="0">
                 <a:solidFill>
                   <a:srgbClr val="A31515"/>
                 </a:solidFill>
               </a:rPr>
-              <a:t>"ent"</a:t>
-            </a:r>
-            <a:r>
-              <a:t>, jupyter=</a:t>
-            </a:r>
-            <a:r>
-              <a:rPr>
+              <a:t>"</a:t>
+            </a:r>
+            <a:r>
+              <a:rPr dirty="0" err="1">
+                <a:solidFill>
+                  <a:srgbClr val="A31515"/>
+                </a:solidFill>
+              </a:rPr>
+              <a:t>ent</a:t>
+            </a:r>
+            <a:r>
+              <a:rPr dirty="0">
+                <a:solidFill>
+                  <a:srgbClr val="A31515"/>
+                </a:solidFill>
+              </a:rPr>
+              <a:t>"</a:t>
+            </a:r>
+            <a:r>
+              <a:rPr dirty="0"/>
+              <a:t>, </a:t>
+            </a:r>
+            <a:r>
+              <a:rPr dirty="0" err="1"/>
+              <a:t>jupyter</a:t>
+            </a:r>
+            <a:r>
+              <a:rPr dirty="0"/>
+              <a:t>=</a:t>
+            </a:r>
+            <a:r>
+              <a:rPr dirty="0">
                 <a:solidFill>
                   <a:srgbClr val="0000FF"/>
                 </a:solidFill>
@@ -3377,82 +3450,9 @@
               <a:t>True</a:t>
             </a:r>
             <a:r>
+              <a:rPr dirty="0"/>
               <a:t>)</a:t>
             </a:r>
-          </a:p>
-          <a:p>
-            <a:pPr defTabSz="457200">
-              <a:lnSpc>
-                <a:spcPts val="3500"/>
-              </a:lnSpc>
-              <a:defRPr sz="1400">
-                <a:solidFill>
-                  <a:srgbClr val="008000"/>
-                </a:solidFill>
-                <a:latin typeface="Menlo"/>
-                <a:ea typeface="Menlo"/>
-                <a:cs typeface="Menlo"/>
-                <a:sym typeface="Menlo"/>
-              </a:defRPr>
-            </a:pPr>
-          </a:p>
-          <a:p>
-            <a:pPr defTabSz="457200">
-              <a:lnSpc>
-                <a:spcPts val="3500"/>
-              </a:lnSpc>
-              <a:defRPr sz="1400">
-                <a:solidFill>
-                  <a:srgbClr val="008000"/>
-                </a:solidFill>
-                <a:latin typeface="Menlo"/>
-                <a:ea typeface="Menlo"/>
-                <a:cs typeface="Menlo"/>
-                <a:sym typeface="Menlo"/>
-              </a:defRPr>
-            </a:pPr>
-          </a:p>
-          <a:p>
-            <a:pPr defTabSz="457200">
-              <a:lnSpc>
-                <a:spcPts val="3500"/>
-              </a:lnSpc>
-              <a:defRPr sz="1400">
-                <a:solidFill>
-                  <a:srgbClr val="008000"/>
-                </a:solidFill>
-                <a:latin typeface="Menlo"/>
-                <a:ea typeface="Menlo"/>
-                <a:cs typeface="Menlo"/>
-                <a:sym typeface="Menlo"/>
-              </a:defRPr>
-            </a:pPr>
-          </a:p>
-          <a:p>
-            <a:pPr defTabSz="457200">
-              <a:lnSpc>
-                <a:spcPts val="3500"/>
-              </a:lnSpc>
-              <a:defRPr sz="1400">
-                <a:latin typeface="Menlo"/>
-                <a:ea typeface="Menlo"/>
-                <a:cs typeface="Menlo"/>
-                <a:sym typeface="Menlo"/>
-              </a:defRPr>
-            </a:pPr>
-          </a:p>
-          <a:p>
-            <a:pPr defTabSz="457200">
-              <a:lnSpc>
-                <a:spcPts val="3500"/>
-              </a:lnSpc>
-              <a:defRPr sz="1400">
-                <a:latin typeface="Menlo"/>
-                <a:ea typeface="Menlo"/>
-                <a:cs typeface="Menlo"/>
-                <a:sym typeface="Menlo"/>
-              </a:defRPr>
-            </a:pPr>
           </a:p>
         </p:txBody>
       </p:sp>
@@ -3465,9 +3465,7 @@
           <p:nvPr/>
         </p:nvPicPr>
         <p:blipFill>
-          <a:blip r:embed="rId2">
-            <a:extLst/>
-          </a:blip>
+          <a:blip r:embed="rId2"/>
           <a:stretch>
             <a:fillRect/>
           </a:stretch>
@@ -3494,10 +3492,8 @@
           <p:nvPr/>
         </p:nvPicPr>
         <p:blipFill>
-          <a:blip r:embed="rId3">
-            <a:extLst/>
-          </a:blip>
-          <a:srcRect l="0" t="6577" r="0" b="8666"/>
+          <a:blip r:embed="rId3"/>
+          <a:srcRect t="6577" b="8666"/>
           <a:stretch>
             <a:fillRect/>
           </a:stretch>
@@ -3524,9 +3520,7 @@
           <p:nvPr/>
         </p:nvPicPr>
         <p:blipFill>
-          <a:blip r:embed="rId4">
-            <a:extLst/>
-          </a:blip>
+          <a:blip r:embed="rId4"/>
           <a:stretch>
             <a:fillRect/>
           </a:stretch>
@@ -3549,12 +3543,12 @@
   <p:clrMapOvr>
     <a:masterClrMapping/>
   </p:clrMapOvr>
-  <p:transition xmlns:p14="http://schemas.microsoft.com/office/powerpoint/2010/main" spd="med" advClick="1"/>
+  <p:transition spd="med"/>
 </p:sld>
 </file>
 
 <file path=ppt/slides/slide13.xml><?xml version="1.0" encoding="utf-8"?>
-<p:sld xmlns:a="http://schemas.openxmlformats.org/drawingml/2006/main" xmlns:r="http://schemas.openxmlformats.org/officeDocument/2006/relationships" xmlns:p="http://schemas.openxmlformats.org/presentationml/2006/main" xmlns:m="http://schemas.openxmlformats.org/officeDocument/2006/math" xmlns:a14="http://schemas.microsoft.com/office/drawing/2010/main" showMasterSp="1" showMasterPhAnim="1">
+<p:sld xmlns:a="http://schemas.openxmlformats.org/drawingml/2006/main" xmlns:r="http://schemas.openxmlformats.org/officeDocument/2006/relationships" xmlns:p="http://schemas.openxmlformats.org/presentationml/2006/main">
   <p:cSld>
     <p:spTree>
       <p:nvGrpSpPr>
@@ -3573,7 +3567,9 @@
       <p:sp>
         <p:nvSpPr>
           <p:cNvPr id="143" name="Titel 1"/>
-          <p:cNvSpPr txBox="1"/>
+          <p:cNvSpPr txBox="1">
+            <a:spLocks noGrp="1"/>
+          </p:cNvSpPr>
           <p:nvPr>
             <p:ph type="title"/>
           </p:nvPr>
@@ -3591,7 +3587,6 @@
           <a:bodyPr/>
           <a:lstStyle/>
           <a:p>
-            <a:pPr/>
             <a:r>
               <a:t>Finde in Stadtliste</a:t>
             </a:r>
@@ -3617,7 +3612,7 @@
           </a:ln>
           <a:extLst>
             <a:ext uri="{C572A759-6A51-4108-AA02-DFA0A04FC94B}">
-              <ma14:wrappingTextBoxFlag xmlns:ma14="http://schemas.microsoft.com/office/mac/drawingml/2011/main" val="1"/>
+              <ma14:wrappingTextBoxFlag xmlns:ma14="http://schemas.microsoft.com/office/mac/drawingml/2011/main" xmlns:a14="http://schemas.microsoft.com/office/drawing/2010/main" xmlns:m="http://schemas.openxmlformats.org/officeDocument/2006/math" xmlns="" val="1"/>
             </a:ext>
           </a:extLst>
         </p:spPr>
@@ -3627,7 +3622,6 @@
           </a:bodyPr>
           <a:lstStyle/>
           <a:p>
-            <a:pPr/>
             <a:r>
               <a:t>https://www.mithrilandmages.com/utilities/CityBrowse.php</a:t>
             </a:r>
@@ -3653,7 +3647,7 @@
           </a:ln>
           <a:extLst>
             <a:ext uri="{C572A759-6A51-4108-AA02-DFA0A04FC94B}">
-              <ma14:wrappingTextBoxFlag xmlns:ma14="http://schemas.microsoft.com/office/mac/drawingml/2011/main" val="1"/>
+              <ma14:wrappingTextBoxFlag xmlns:ma14="http://schemas.microsoft.com/office/mac/drawingml/2011/main" xmlns:a14="http://schemas.microsoft.com/office/drawing/2010/main" xmlns:m="http://schemas.openxmlformats.org/officeDocument/2006/math" xmlns="" val="1"/>
             </a:ext>
           </a:extLst>
         </p:spPr>
@@ -3732,9 +3726,7 @@
           <p:nvPr/>
         </p:nvPicPr>
         <p:blipFill>
-          <a:blip r:embed="rId2">
-            <a:extLst/>
-          </a:blip>
+          <a:blip r:embed="rId2"/>
           <a:stretch>
             <a:fillRect/>
           </a:stretch>
@@ -3760,17 +3752,29 @@
         </p:nvGraphicFramePr>
         <p:xfrm>
           <a:off x="903393" y="2240265"/>
-          <a:ext cx="5231518" cy="3510646"/>
+          <a:ext cx="5231518" cy="3510645"/>
         </p:xfrm>
-        <a:graphic xmlns:a="http://schemas.openxmlformats.org/drawingml/2006/main">
+        <a:graphic>
           <a:graphicData uri="http://schemas.openxmlformats.org/drawingml/2006/table">
             <a:tbl>
-              <a:tblPr firstCol="1" firstRow="1" lastCol="0" lastRow="0" bandCol="0" bandRow="1" rtl="0">
+              <a:tblPr firstRow="1" firstCol="1" bandRow="1">
                 <a:tableStyleId>{4C3C2611-4C71-4FC5-86AE-919BDF0F9419}</a:tableStyleId>
               </a:tblPr>
               <a:tblGrid>
-                <a:gridCol w="4459309"/>
-                <a:gridCol w="772209"/>
+                <a:gridCol w="4459309">
+                  <a:extLst>
+                    <a:ext uri="{9D8B030D-6E8A-4147-A177-3AD203B41FA5}">
+                      <a16:colId xmlns:a16="http://schemas.microsoft.com/office/drawing/2014/main" val="20000"/>
+                    </a:ext>
+                  </a:extLst>
+                </a:gridCol>
+                <a:gridCol w="772209">
+                  <a:extLst>
+                    <a:ext uri="{9D8B030D-6E8A-4147-A177-3AD203B41FA5}">
+                      <a16:colId xmlns:a16="http://schemas.microsoft.com/office/drawing/2014/main" val="20001"/>
+                    </a:ext>
+                  </a:extLst>
+                </a:gridCol>
               </a:tblGrid>
               <a:tr h="702129">
                 <a:tc>
@@ -3782,7 +3786,7 @@
                         <a:lnSpc>
                           <a:spcPct val="90000"/>
                         </a:lnSpc>
-                        <a:defRPr b="0" sz="1800">
+                        <a:defRPr sz="1800" b="0">
                           <a:solidFill>
                             <a:srgbClr val="000000"/>
                           </a:solidFill>
@@ -3798,7 +3802,7 @@
                       </a:r>
                     </a:p>
                   </a:txBody>
-                  <a:tcPr marL="0" marR="0" marT="0" marB="0" anchor="t" anchorCtr="0" horzOverflow="overflow"/>
+                  <a:tcPr marL="0" marR="0" marT="0" marB="0" horzOverflow="overflow"/>
                 </a:tc>
                 <a:tc>
                   <a:txBody>
@@ -3808,10 +3812,16 @@
                       <a:pPr algn="l">
                         <a:defRPr sz="1800"/>
                       </a:pPr>
+                      <a:endParaRPr/>
                     </a:p>
                   </a:txBody>
-                  <a:tcPr marL="0" marR="0" marT="0" marB="0" anchor="t" anchorCtr="0" horzOverflow="overflow"/>
+                  <a:tcPr marL="0" marR="0" marT="0" marB="0" horzOverflow="overflow"/>
                 </a:tc>
+                <a:extLst>
+                  <a:ext uri="{0D108BD9-81ED-4DB2-BD59-A6C34878D82A}">
+                    <a16:rowId xmlns:a16="http://schemas.microsoft.com/office/drawing/2014/main" val="10000"/>
+                  </a:ext>
+                </a:extLst>
               </a:tr>
               <a:tr h="702129">
                 <a:tc>
@@ -3822,9 +3832,10 @@
                       <a:pPr algn="l">
                         <a:defRPr sz="1800"/>
                       </a:pPr>
+                      <a:endParaRPr/>
                     </a:p>
                   </a:txBody>
-                  <a:tcPr marL="0" marR="0" marT="0" marB="0" anchor="t" anchorCtr="0" horzOverflow="overflow"/>
+                  <a:tcPr marL="0" marR="0" marT="0" marB="0" horzOverflow="overflow"/>
                 </a:tc>
                 <a:tc>
                   <a:txBody>
@@ -3834,10 +3845,16 @@
                       <a:pPr algn="l">
                         <a:defRPr sz="1800"/>
                       </a:pPr>
+                      <a:endParaRPr/>
                     </a:p>
                   </a:txBody>
-                  <a:tcPr marL="0" marR="0" marT="0" marB="0" anchor="t" anchorCtr="0" horzOverflow="overflow"/>
+                  <a:tcPr marL="0" marR="0" marT="0" marB="0" horzOverflow="overflow"/>
                 </a:tc>
+                <a:extLst>
+                  <a:ext uri="{0D108BD9-81ED-4DB2-BD59-A6C34878D82A}">
+                    <a16:rowId xmlns:a16="http://schemas.microsoft.com/office/drawing/2014/main" val="10001"/>
+                  </a:ext>
+                </a:extLst>
               </a:tr>
               <a:tr h="702129">
                 <a:tc>
@@ -3848,9 +3865,10 @@
                       <a:pPr algn="l">
                         <a:defRPr sz="1800"/>
                       </a:pPr>
+                      <a:endParaRPr/>
                     </a:p>
                   </a:txBody>
-                  <a:tcPr marL="0" marR="0" marT="0" marB="0" anchor="t" anchorCtr="0" horzOverflow="overflow"/>
+                  <a:tcPr marL="0" marR="0" marT="0" marB="0" horzOverflow="overflow"/>
                 </a:tc>
                 <a:tc>
                   <a:txBody>
@@ -3860,10 +3878,16 @@
                       <a:pPr algn="l">
                         <a:defRPr sz="1800"/>
                       </a:pPr>
+                      <a:endParaRPr/>
                     </a:p>
                   </a:txBody>
-                  <a:tcPr marL="0" marR="0" marT="0" marB="0" anchor="t" anchorCtr="0" horzOverflow="overflow"/>
+                  <a:tcPr marL="0" marR="0" marT="0" marB="0" horzOverflow="overflow"/>
                 </a:tc>
+                <a:extLst>
+                  <a:ext uri="{0D108BD9-81ED-4DB2-BD59-A6C34878D82A}">
+                    <a16:rowId xmlns:a16="http://schemas.microsoft.com/office/drawing/2014/main" val="10002"/>
+                  </a:ext>
+                </a:extLst>
               </a:tr>
               <a:tr h="702129">
                 <a:tc>
@@ -3874,9 +3898,10 @@
                       <a:pPr algn="l">
                         <a:defRPr sz="1800"/>
                       </a:pPr>
+                      <a:endParaRPr/>
                     </a:p>
                   </a:txBody>
-                  <a:tcPr marL="0" marR="0" marT="0" marB="0" anchor="t" anchorCtr="0" horzOverflow="overflow"/>
+                  <a:tcPr marL="0" marR="0" marT="0" marB="0" horzOverflow="overflow"/>
                 </a:tc>
                 <a:tc>
                   <a:txBody>
@@ -3886,10 +3911,16 @@
                       <a:pPr algn="l">
                         <a:defRPr sz="1800"/>
                       </a:pPr>
+                      <a:endParaRPr/>
                     </a:p>
                   </a:txBody>
-                  <a:tcPr marL="0" marR="0" marT="0" marB="0" anchor="t" anchorCtr="0" horzOverflow="overflow"/>
+                  <a:tcPr marL="0" marR="0" marT="0" marB="0" horzOverflow="overflow"/>
                 </a:tc>
+                <a:extLst>
+                  <a:ext uri="{0D108BD9-81ED-4DB2-BD59-A6C34878D82A}">
+                    <a16:rowId xmlns:a16="http://schemas.microsoft.com/office/drawing/2014/main" val="10003"/>
+                  </a:ext>
+                </a:extLst>
               </a:tr>
               <a:tr h="702129">
                 <a:tc>
@@ -3900,9 +3931,10 @@
                       <a:pPr algn="l">
                         <a:defRPr sz="1800"/>
                       </a:pPr>
+                      <a:endParaRPr/>
                     </a:p>
                   </a:txBody>
-                  <a:tcPr marL="0" marR="0" marT="0" marB="0" anchor="t" anchorCtr="0" horzOverflow="overflow"/>
+                  <a:tcPr marL="0" marR="0" marT="0" marB="0" horzOverflow="overflow"/>
                 </a:tc>
                 <a:tc>
                   <a:txBody>
@@ -3912,10 +3944,16 @@
                       <a:pPr algn="l">
                         <a:defRPr sz="1800"/>
                       </a:pPr>
+                      <a:endParaRPr/>
                     </a:p>
                   </a:txBody>
-                  <a:tcPr marL="0" marR="0" marT="0" marB="0" anchor="t" anchorCtr="0" horzOverflow="overflow"/>
+                  <a:tcPr marL="0" marR="0" marT="0" marB="0" horzOverflow="overflow"/>
                 </a:tc>
+                <a:extLst>
+                  <a:ext uri="{0D108BD9-81ED-4DB2-BD59-A6C34878D82A}">
+                    <a16:rowId xmlns:a16="http://schemas.microsoft.com/office/drawing/2014/main" val="10004"/>
+                  </a:ext>
+                </a:extLst>
               </a:tr>
             </a:tbl>
           </a:graphicData>
@@ -3940,7 +3978,7 @@
           </a:ln>
           <a:extLst>
             <a:ext uri="{C572A759-6A51-4108-AA02-DFA0A04FC94B}">
-              <ma14:wrappingTextBoxFlag xmlns:ma14="http://schemas.microsoft.com/office/mac/drawingml/2011/main" val="1"/>
+              <ma14:wrappingTextBoxFlag xmlns:ma14="http://schemas.microsoft.com/office/mac/drawingml/2011/main" xmlns:a14="http://schemas.microsoft.com/office/drawing/2010/main" xmlns:m="http://schemas.openxmlformats.org/officeDocument/2006/math" xmlns="" val="1"/>
             </a:ext>
           </a:extLst>
         </p:spPr>
@@ -3965,7 +4003,6 @@
             </a:lvl1pPr>
           </a:lstStyle>
           <a:p>
-            <a:pPr/>
             <a:r>
               <a:t>Original Data:</a:t>
             </a:r>
@@ -3991,7 +4028,7 @@
           </a:ln>
           <a:extLst>
             <a:ext uri="{C572A759-6A51-4108-AA02-DFA0A04FC94B}">
-              <ma14:wrappingTextBoxFlag xmlns:ma14="http://schemas.microsoft.com/office/mac/drawingml/2011/main" val="1"/>
+              <ma14:wrappingTextBoxFlag xmlns:ma14="http://schemas.microsoft.com/office/mac/drawingml/2011/main" xmlns:a14="http://schemas.microsoft.com/office/drawing/2010/main" xmlns:m="http://schemas.openxmlformats.org/officeDocument/2006/math" xmlns="" val="1"/>
             </a:ext>
           </a:extLst>
         </p:spPr>
@@ -4016,7 +4053,6 @@
             </a:lvl1pPr>
           </a:lstStyle>
           <a:p>
-            <a:pPr/>
             <a:r>
               <a:t>5080</a:t>
             </a:r>
@@ -4042,7 +4078,7 @@
           </a:ln>
           <a:extLst>
             <a:ext uri="{C572A759-6A51-4108-AA02-DFA0A04FC94B}">
-              <ma14:wrappingTextBoxFlag xmlns:ma14="http://schemas.microsoft.com/office/mac/drawingml/2011/main" val="1"/>
+              <ma14:wrappingTextBoxFlag xmlns:ma14="http://schemas.microsoft.com/office/mac/drawingml/2011/main" xmlns:a14="http://schemas.microsoft.com/office/drawing/2010/main" xmlns:m="http://schemas.openxmlformats.org/officeDocument/2006/math" xmlns="" val="1"/>
             </a:ext>
           </a:extLst>
         </p:spPr>
@@ -4067,7 +4103,6 @@
             </a:lvl1pPr>
           </a:lstStyle>
           <a:p>
-            <a:pPr/>
             <a:r>
               <a:t>Number of locations with True Alert (1)</a:t>
             </a:r>
@@ -4093,7 +4128,7 @@
           </a:ln>
           <a:extLst>
             <a:ext uri="{C572A759-6A51-4108-AA02-DFA0A04FC94B}">
-              <ma14:wrappingTextBoxFlag xmlns:ma14="http://schemas.microsoft.com/office/mac/drawingml/2011/main" val="1"/>
+              <ma14:wrappingTextBoxFlag xmlns:ma14="http://schemas.microsoft.com/office/mac/drawingml/2011/main" xmlns:a14="http://schemas.microsoft.com/office/drawing/2010/main" xmlns:m="http://schemas.openxmlformats.org/officeDocument/2006/math" xmlns="" val="1"/>
             </a:ext>
           </a:extLst>
         </p:spPr>
@@ -4118,7 +4153,6 @@
             </a:lvl1pPr>
           </a:lstStyle>
           <a:p>
-            <a:pPr/>
             <a:r>
               <a:t>Number of locations with False Alert (0)</a:t>
             </a:r>
@@ -4144,7 +4178,7 @@
           </a:ln>
           <a:extLst>
             <a:ext uri="{C572A759-6A51-4108-AA02-DFA0A04FC94B}">
-              <ma14:wrappingTextBoxFlag xmlns:ma14="http://schemas.microsoft.com/office/mac/drawingml/2011/main" val="1"/>
+              <ma14:wrappingTextBoxFlag xmlns:ma14="http://schemas.microsoft.com/office/mac/drawingml/2011/main" xmlns:a14="http://schemas.microsoft.com/office/drawing/2010/main" xmlns:m="http://schemas.openxmlformats.org/officeDocument/2006/math" xmlns="" val="1"/>
             </a:ext>
           </a:extLst>
         </p:spPr>
@@ -4169,7 +4203,6 @@
             </a:lvl1pPr>
           </a:lstStyle>
           <a:p>
-            <a:pPr/>
             <a:r>
               <a:t>1328</a:t>
             </a:r>
@@ -4195,7 +4228,7 @@
           </a:ln>
           <a:extLst>
             <a:ext uri="{C572A759-6A51-4108-AA02-DFA0A04FC94B}">
-              <ma14:wrappingTextBoxFlag xmlns:ma14="http://schemas.microsoft.com/office/mac/drawingml/2011/main" val="1"/>
+              <ma14:wrappingTextBoxFlag xmlns:ma14="http://schemas.microsoft.com/office/mac/drawingml/2011/main" xmlns:a14="http://schemas.microsoft.com/office/drawing/2010/main" xmlns:m="http://schemas.openxmlformats.org/officeDocument/2006/math" xmlns="" val="1"/>
             </a:ext>
           </a:extLst>
         </p:spPr>
@@ -4220,7 +4253,6 @@
             </a:lvl1pPr>
           </a:lstStyle>
           <a:p>
-            <a:pPr/>
             <a:r>
               <a:t>2895</a:t>
             </a:r>
@@ -4246,7 +4278,7 @@
           </a:ln>
           <a:extLst>
             <a:ext uri="{C572A759-6A51-4108-AA02-DFA0A04FC94B}">
-              <ma14:wrappingTextBoxFlag xmlns:ma14="http://schemas.microsoft.com/office/mac/drawingml/2011/main" val="1"/>
+              <ma14:wrappingTextBoxFlag xmlns:ma14="http://schemas.microsoft.com/office/mac/drawingml/2011/main" xmlns:a14="http://schemas.microsoft.com/office/drawing/2010/main" xmlns:m="http://schemas.openxmlformats.org/officeDocument/2006/math" xmlns="" val="1"/>
             </a:ext>
           </a:extLst>
         </p:spPr>
@@ -4271,7 +4303,6 @@
             </a:lvl1pPr>
           </a:lstStyle>
           <a:p>
-            <a:pPr/>
             <a:r>
               <a:t>1898</a:t>
             </a:r>
@@ -4297,7 +4328,7 @@
           </a:ln>
           <a:extLst>
             <a:ext uri="{C572A759-6A51-4108-AA02-DFA0A04FC94B}">
-              <ma14:wrappingTextBoxFlag xmlns:ma14="http://schemas.microsoft.com/office/mac/drawingml/2011/main" val="1"/>
+              <ma14:wrappingTextBoxFlag xmlns:ma14="http://schemas.microsoft.com/office/mac/drawingml/2011/main" xmlns:a14="http://schemas.microsoft.com/office/drawing/2010/main" xmlns:m="http://schemas.openxmlformats.org/officeDocument/2006/math" xmlns="" val="1"/>
             </a:ext>
           </a:extLst>
         </p:spPr>
@@ -4322,7 +4353,6 @@
             </a:lvl1pPr>
           </a:lstStyle>
           <a:p>
-            <a:pPr/>
             <a:r>
               <a:t>All data with a locations</a:t>
             </a:r>
@@ -4334,12 +4364,12 @@
   <p:clrMapOvr>
     <a:masterClrMapping/>
   </p:clrMapOvr>
-  <p:transition xmlns:p14="http://schemas.microsoft.com/office/powerpoint/2010/main" spd="med" advClick="1"/>
+  <p:transition spd="med"/>
 </p:sld>
 </file>
 
 <file path=ppt/slides/slide14.xml><?xml version="1.0" encoding="utf-8"?>
-<p:sld xmlns:a="http://schemas.openxmlformats.org/drawingml/2006/main" xmlns:r="http://schemas.openxmlformats.org/officeDocument/2006/relationships" xmlns:p="http://schemas.openxmlformats.org/presentationml/2006/main" xmlns:m="http://schemas.openxmlformats.org/officeDocument/2006/math" xmlns:a14="http://schemas.microsoft.com/office/drawing/2010/main" showMasterSp="1" showMasterPhAnim="1">
+<p:sld xmlns:a="http://schemas.openxmlformats.org/drawingml/2006/main" xmlns:r="http://schemas.openxmlformats.org/officeDocument/2006/relationships" xmlns:p="http://schemas.openxmlformats.org/presentationml/2006/main">
   <p:cSld>
     <p:spTree>
       <p:nvGrpSpPr>
@@ -4358,7 +4388,9 @@
       <p:sp>
         <p:nvSpPr>
           <p:cNvPr id="157" name="Titel 1"/>
-          <p:cNvSpPr txBox="1"/>
+          <p:cNvSpPr txBox="1">
+            <a:spLocks noGrp="1"/>
+          </p:cNvSpPr>
           <p:nvPr>
             <p:ph type="title"/>
           </p:nvPr>
@@ -4376,7 +4408,6 @@
           <a:bodyPr/>
           <a:lstStyle/>
           <a:p>
-            <a:pPr/>
             <a:r>
               <a:t>Führt zu sauberen Listen - only</a:t>
             </a:r>
@@ -4392,9 +4423,7 @@
           <p:nvPr/>
         </p:nvPicPr>
         <p:blipFill>
-          <a:blip r:embed="rId2">
-            <a:extLst/>
-          </a:blip>
+          <a:blip r:embed="rId2"/>
           <a:stretch>
             <a:fillRect/>
           </a:stretch>
@@ -4421,9 +4450,7 @@
           <p:nvPr/>
         </p:nvPicPr>
         <p:blipFill>
-          <a:blip r:embed="rId3">
-            <a:extLst/>
-          </a:blip>
+          <a:blip r:embed="rId3"/>
           <a:stretch>
             <a:fillRect/>
           </a:stretch>
@@ -4446,12 +4473,12 @@
   <p:clrMapOvr>
     <a:masterClrMapping/>
   </p:clrMapOvr>
-  <p:transition xmlns:p14="http://schemas.microsoft.com/office/powerpoint/2010/main" spd="med" advClick="1"/>
+  <p:transition spd="med"/>
 </p:sld>
 </file>
 
 <file path=ppt/slides/slide15.xml><?xml version="1.0" encoding="utf-8"?>
-<p:sld xmlns:a="http://schemas.openxmlformats.org/drawingml/2006/main" xmlns:r="http://schemas.openxmlformats.org/officeDocument/2006/relationships" xmlns:p="http://schemas.openxmlformats.org/presentationml/2006/main" xmlns:m="http://schemas.openxmlformats.org/officeDocument/2006/math" xmlns:a14="http://schemas.microsoft.com/office/drawing/2010/main" showMasterSp="1" showMasterPhAnim="1">
+<p:sld xmlns:a="http://schemas.openxmlformats.org/drawingml/2006/main" xmlns:r="http://schemas.openxmlformats.org/officeDocument/2006/relationships" xmlns:p="http://schemas.openxmlformats.org/presentationml/2006/main">
   <p:cSld>
     <p:spTree>
       <p:nvGrpSpPr>
@@ -4470,7 +4497,9 @@
       <p:sp>
         <p:nvSpPr>
           <p:cNvPr id="161" name="Eins - sortiert"/>
-          <p:cNvSpPr txBox="1"/>
+          <p:cNvSpPr txBox="1">
+            <a:spLocks noGrp="1"/>
+          </p:cNvSpPr>
           <p:nvPr>
             <p:ph type="title"/>
           </p:nvPr>
@@ -4488,7 +4517,6 @@
           <a:bodyPr/>
           <a:lstStyle/>
           <a:p>
-            <a:pPr/>
             <a:r>
               <a:t>Eins - sortiert</a:t>
             </a:r>
@@ -4504,9 +4532,7 @@
           <p:nvPr/>
         </p:nvPicPr>
         <p:blipFill>
-          <a:blip r:embed="rId2">
-            <a:extLst/>
-          </a:blip>
+          <a:blip r:embed="rId2"/>
           <a:stretch>
             <a:fillRect/>
           </a:stretch>
@@ -4533,9 +4559,7 @@
           <p:nvPr/>
         </p:nvPicPr>
         <p:blipFill>
-          <a:blip r:embed="rId3">
-            <a:extLst/>
-          </a:blip>
+          <a:blip r:embed="rId3"/>
           <a:stretch>
             <a:fillRect/>
           </a:stretch>
@@ -4562,16 +4586,14 @@
           <p:nvPr/>
         </p:nvPicPr>
         <p:blipFill>
-          <a:blip r:embed="rId4">
-            <a:extLst/>
-          </a:blip>
+          <a:blip r:embed="rId4"/>
           <a:stretch>
             <a:fillRect/>
           </a:stretch>
         </p:blipFill>
         <p:spPr>
           <a:xfrm>
-            <a:off x="637683" y="1761070"/>
+            <a:off x="637683" y="1637500"/>
             <a:ext cx="5257282" cy="3537481"/>
           </a:xfrm>
           <a:prstGeom prst="rect">
@@ -4590,8 +4612,8 @@
         </p:nvSpPr>
         <p:spPr>
           <a:xfrm>
-            <a:off x="849038" y="5368933"/>
-            <a:ext cx="5167235" cy="1958339"/>
+            <a:off x="849038" y="5097081"/>
+            <a:ext cx="5167235" cy="1754322"/>
           </a:xfrm>
           <a:prstGeom prst="rect">
             <a:avLst/>
@@ -4601,7 +4623,7 @@
           </a:ln>
           <a:extLst>
             <a:ext uri="{C572A759-6A51-4108-AA02-DFA0A04FC94B}">
-              <ma14:wrappingTextBoxFlag xmlns:ma14="http://schemas.microsoft.com/office/mac/drawingml/2011/main" val="1"/>
+              <ma14:wrappingTextBoxFlag xmlns:ma14="http://schemas.microsoft.com/office/mac/drawingml/2011/main" xmlns:a14="http://schemas.microsoft.com/office/drawing/2010/main" xmlns:m="http://schemas.openxmlformats.org/officeDocument/2006/math" xmlns="" val="1"/>
             </a:ext>
           </a:extLst>
         </p:spPr>
@@ -4611,54 +4633,75 @@
           </a:bodyPr>
           <a:lstStyle/>
           <a:p>
-            <a:pPr/>
-            <a:r>
+            <a:r>
+              <a:rPr dirty="0"/>
               <a:t>0. No Value (79/100)</a:t>
             </a:r>
           </a:p>
           <a:p>
             <a:pPr marL="240631" indent="-240631">
               <a:buSzPct val="100000"/>
-              <a:buAutoNum type="arabicPeriod" startAt="1"/>
+              <a:buAutoNum type="arabicPeriod"/>
             </a:pPr>
             <a:r>
+              <a:rPr dirty="0"/>
               <a:t>USA (67/38)</a:t>
             </a:r>
           </a:p>
           <a:p>
             <a:pPr marL="240631" indent="-240631">
               <a:buSzPct val="100000"/>
-              <a:buAutoNum type="arabicPeriod" startAt="1"/>
+              <a:buAutoNum type="arabicPeriod"/>
             </a:pPr>
             <a:r>
+              <a:rPr dirty="0"/>
               <a:t>Nigeria (28/8)</a:t>
             </a:r>
           </a:p>
           <a:p>
             <a:pPr marL="240631" indent="-240631">
               <a:buSzPct val="100000"/>
-              <a:buAutoNum type="arabicPeriod" startAt="1"/>
+              <a:buAutoNum type="arabicPeriod"/>
             </a:pPr>
             <a:r>
+              <a:rPr dirty="0"/>
               <a:t>United States (27/23)</a:t>
             </a:r>
           </a:p>
           <a:p>
             <a:pPr marL="240631" indent="-240631">
               <a:buSzPct val="100000"/>
-              <a:buAutoNum type="arabicPeriod" startAt="1"/>
+              <a:buAutoNum type="arabicPeriod"/>
             </a:pPr>
             <a:r>
-              <a:t>india (22/6)</a:t>
+              <a:rPr lang="de-DE" dirty="0"/>
+              <a:t>I</a:t>
+            </a:r>
+            <a:r>
+              <a:rPr dirty="0" err="1"/>
+              <a:t>ndia</a:t>
+            </a:r>
+            <a:r>
+              <a:rPr dirty="0"/>
+              <a:t> (22/6)</a:t>
             </a:r>
           </a:p>
           <a:p>
             <a:pPr marL="240631" indent="-240631">
               <a:buSzPct val="100000"/>
-              <a:buAutoNum type="arabicPeriod" startAt="1"/>
+              <a:buAutoNum type="arabicPeriod"/>
             </a:pPr>
             <a:r>
-              <a:t>new York (19/60)</a:t>
+              <a:rPr lang="de-DE" dirty="0"/>
+              <a:t>N</a:t>
+            </a:r>
+            <a:r>
+              <a:rPr dirty="0" err="1"/>
+              <a:t>ew</a:t>
+            </a:r>
+            <a:r>
+              <a:rPr dirty="0"/>
+              <a:t> York (19/60)</a:t>
             </a:r>
           </a:p>
         </p:txBody>
@@ -4694,7 +4737,7 @@
             </a:cxnLst>
             <a:rect l="0" t="0" r="r" b="b"/>
             <a:pathLst>
-              <a:path w="21030" h="21599" fill="norm" stroke="1" extrusionOk="0">
+              <a:path w="21030" h="21599" extrusionOk="0">
                 <a:moveTo>
                   <a:pt x="8533" y="0"/>
                 </a:moveTo>
@@ -4799,7 +4842,7 @@
           <a:bodyPr lIns="45718" tIns="45718" rIns="45718" bIns="45718" anchor="ctr"/>
           <a:lstStyle/>
           <a:p>
-            <a:pPr/>
+            <a:endParaRPr/>
           </a:p>
         </p:txBody>
       </p:sp>
@@ -4808,12 +4851,12 @@
   <p:clrMapOvr>
     <a:masterClrMapping/>
   </p:clrMapOvr>
-  <p:transition xmlns:p14="http://schemas.microsoft.com/office/powerpoint/2010/main" spd="med" advClick="1"/>
+  <p:transition spd="med"/>
 </p:sld>
 </file>
 
 <file path=ppt/slides/slide16.xml><?xml version="1.0" encoding="utf-8"?>
-<p:sld xmlns:a="http://schemas.openxmlformats.org/drawingml/2006/main" xmlns:r="http://schemas.openxmlformats.org/officeDocument/2006/relationships" xmlns:p="http://schemas.openxmlformats.org/presentationml/2006/main" xmlns:m="http://schemas.openxmlformats.org/officeDocument/2006/math" xmlns:a14="http://schemas.microsoft.com/office/drawing/2010/main" showMasterSp="1" showMasterPhAnim="1">
+<p:sld xmlns:a="http://schemas.openxmlformats.org/drawingml/2006/main" xmlns:r="http://schemas.openxmlformats.org/officeDocument/2006/relationships" xmlns:p="http://schemas.openxmlformats.org/presentationml/2006/main">
   <p:cSld>
     <p:spTree>
       <p:nvGrpSpPr>
@@ -4832,7 +4875,9 @@
       <p:sp>
         <p:nvSpPr>
           <p:cNvPr id="168" name="Prediction"/>
-          <p:cNvSpPr txBox="1"/>
+          <p:cNvSpPr txBox="1">
+            <a:spLocks noGrp="1"/>
+          </p:cNvSpPr>
           <p:nvPr>
             <p:ph type="title"/>
           </p:nvPr>
@@ -4850,7 +4895,6 @@
           <a:bodyPr/>
           <a:lstStyle/>
           <a:p>
-            <a:pPr/>
             <a:r>
               <a:t>Prediction</a:t>
             </a:r>
@@ -4866,9 +4910,7 @@
           <p:nvPr/>
         </p:nvPicPr>
         <p:blipFill>
-          <a:blip r:embed="rId2">
-            <a:extLst/>
-          </a:blip>
+          <a:blip r:embed="rId2"/>
           <a:stretch>
             <a:fillRect/>
           </a:stretch>
@@ -4893,7 +4935,7 @@
           <p:nvPr/>
         </p:nvSpPr>
         <p:spPr>
-          <a:xfrm flipH="1" rot="10800000">
+          <a:xfrm rot="10800000" flipH="1">
             <a:off x="10127876" y="354316"/>
             <a:ext cx="1209131" cy="1325537"/>
           </a:xfrm>
@@ -4917,7 +4959,7 @@
             </a:cxnLst>
             <a:rect l="0" t="0" r="r" b="b"/>
             <a:pathLst>
-              <a:path w="21030" h="21599" fill="norm" stroke="1" extrusionOk="0">
+              <a:path w="21030" h="21599" extrusionOk="0">
                 <a:moveTo>
                   <a:pt x="8533" y="0"/>
                 </a:moveTo>
@@ -5022,7 +5064,7 @@
           <a:bodyPr lIns="45718" tIns="45718" rIns="45718" bIns="45718" anchor="ctr"/>
           <a:lstStyle/>
           <a:p>
-            <a:pPr/>
+            <a:endParaRPr/>
           </a:p>
         </p:txBody>
       </p:sp>
@@ -5045,7 +5087,7 @@
           </a:ln>
           <a:extLst>
             <a:ext uri="{C572A759-6A51-4108-AA02-DFA0A04FC94B}">
-              <ma14:wrappingTextBoxFlag xmlns:ma14="http://schemas.microsoft.com/office/mac/drawingml/2011/main" val="1"/>
+              <ma14:wrappingTextBoxFlag xmlns:ma14="http://schemas.microsoft.com/office/mac/drawingml/2011/main" xmlns:a14="http://schemas.microsoft.com/office/drawing/2010/main" xmlns:m="http://schemas.openxmlformats.org/officeDocument/2006/math" xmlns="" val="1"/>
             </a:ext>
           </a:extLst>
         </p:spPr>
@@ -5107,6 +5149,7 @@
                 <a:sym typeface="Courier"/>
               </a:defRPr>
             </a:pPr>
+            <a:endParaRPr/>
           </a:p>
           <a:p>
             <a:pPr defTabSz="457200">
@@ -5180,12 +5223,12 @@
   <p:clrMapOvr>
     <a:masterClrMapping/>
   </p:clrMapOvr>
-  <p:transition xmlns:p14="http://schemas.microsoft.com/office/powerpoint/2010/main" spd="med" advClick="1"/>
+  <p:transition spd="med"/>
 </p:sld>
 </file>
 
 <file path=ppt/slides/slide17.xml><?xml version="1.0" encoding="utf-8"?>
-<p:sld xmlns:a="http://schemas.openxmlformats.org/drawingml/2006/main" xmlns:r="http://schemas.openxmlformats.org/officeDocument/2006/relationships" xmlns:p="http://schemas.openxmlformats.org/presentationml/2006/main" xmlns:m="http://schemas.openxmlformats.org/officeDocument/2006/math" xmlns:a14="http://schemas.microsoft.com/office/drawing/2010/main" showMasterSp="1" showMasterPhAnim="1">
+<p:sld xmlns:a="http://schemas.openxmlformats.org/drawingml/2006/main" xmlns:r="http://schemas.openxmlformats.org/officeDocument/2006/relationships" xmlns:p="http://schemas.openxmlformats.org/presentationml/2006/main">
   <p:cSld>
     <p:spTree>
       <p:nvGrpSpPr>
@@ -5204,7 +5247,9 @@
       <p:sp>
         <p:nvSpPr>
           <p:cNvPr id="173" name="Titel 1"/>
-          <p:cNvSpPr txBox="1"/>
+          <p:cNvSpPr txBox="1">
+            <a:spLocks noGrp="1"/>
+          </p:cNvSpPr>
           <p:nvPr>
             <p:ph type="title"/>
           </p:nvPr>
@@ -5218,7 +5263,6 @@
           <a:bodyPr/>
           <a:lstStyle/>
           <a:p>
-            <a:pPr/>
             <a:r>
               <a:t>Progress</a:t>
             </a:r>
@@ -5228,7 +5272,9 @@
       <p:sp>
         <p:nvSpPr>
           <p:cNvPr id="174" name="Inhaltsplatzhalter 2"/>
-          <p:cNvSpPr txBox="1"/>
+          <p:cNvSpPr txBox="1">
+            <a:spLocks noGrp="1"/>
+          </p:cNvSpPr>
           <p:nvPr>
             <p:ph type="body" idx="1"/>
           </p:nvPr>
@@ -5251,7 +5297,6 @@
             </a:lvl1pPr>
           </a:lstStyle>
           <a:p>
-            <a:pPr/>
             <a:r>
               <a:t>Day 1:			Day 4:                          Day 5: </a:t>
             </a:r>
@@ -5267,9 +5312,7 @@
           <p:nvPr/>
         </p:nvPicPr>
         <p:blipFill>
-          <a:blip r:embed="rId2">
-            <a:extLst/>
-          </a:blip>
+          <a:blip r:embed="rId2"/>
           <a:stretch>
             <a:fillRect/>
           </a:stretch>
@@ -5306,7 +5349,7 @@
           </a:ln>
           <a:extLst>
             <a:ext uri="{C572A759-6A51-4108-AA02-DFA0A04FC94B}">
-              <ma14:wrappingTextBoxFlag xmlns:ma14="http://schemas.microsoft.com/office/mac/drawingml/2011/main" val="1"/>
+              <ma14:wrappingTextBoxFlag xmlns:ma14="http://schemas.microsoft.com/office/mac/drawingml/2011/main" xmlns:a14="http://schemas.microsoft.com/office/drawing/2010/main" xmlns:m="http://schemas.openxmlformats.org/officeDocument/2006/math" xmlns="" val="1"/>
             </a:ext>
           </a:extLst>
         </p:spPr>
@@ -5316,7 +5359,6 @@
           </a:bodyPr>
           <a:lstStyle/>
           <a:p>
-            <a:pPr/>
             <a:r>
               <a:t>0.7898193760262726</a:t>
             </a:r>
@@ -5342,7 +5384,7 @@
           </a:ln>
           <a:extLst>
             <a:ext uri="{C572A759-6A51-4108-AA02-DFA0A04FC94B}">
-              <ma14:wrappingTextBoxFlag xmlns:ma14="http://schemas.microsoft.com/office/mac/drawingml/2011/main" val="1"/>
+              <ma14:wrappingTextBoxFlag xmlns:ma14="http://schemas.microsoft.com/office/mac/drawingml/2011/main" xmlns:a14="http://schemas.microsoft.com/office/drawing/2010/main" xmlns:m="http://schemas.openxmlformats.org/officeDocument/2006/math" xmlns="" val="1"/>
             </a:ext>
           </a:extLst>
         </p:spPr>
@@ -5352,7 +5394,6 @@
           </a:bodyPr>
           <a:lstStyle/>
           <a:p>
-            <a:pPr/>
             <a:r>
               <a:t>Score                     Confusion Matrix</a:t>
             </a:r>
@@ -5378,7 +5419,7 @@
           </a:ln>
           <a:extLst>
             <a:ext uri="{C572A759-6A51-4108-AA02-DFA0A04FC94B}">
-              <ma14:wrappingTextBoxFlag xmlns:ma14="http://schemas.microsoft.com/office/mac/drawingml/2011/main" val="1"/>
+              <ma14:wrappingTextBoxFlag xmlns:ma14="http://schemas.microsoft.com/office/mac/drawingml/2011/main" xmlns:a14="http://schemas.microsoft.com/office/drawing/2010/main" xmlns:m="http://schemas.openxmlformats.org/officeDocument/2006/math" xmlns="" val="1"/>
             </a:ext>
           </a:extLst>
         </p:spPr>
@@ -5388,7 +5429,6 @@
           </a:bodyPr>
           <a:lstStyle/>
           <a:p>
-            <a:pPr/>
             <a:r>
               <a:t>Tfidf + LogReg Classifier</a:t>
             </a:r>
@@ -5414,7 +5454,7 @@
           </a:ln>
           <a:extLst>
             <a:ext uri="{C572A759-6A51-4108-AA02-DFA0A04FC94B}">
-              <ma14:wrappingTextBoxFlag xmlns:ma14="http://schemas.microsoft.com/office/mac/drawingml/2011/main" val="1"/>
+              <ma14:wrappingTextBoxFlag xmlns:ma14="http://schemas.microsoft.com/office/mac/drawingml/2011/main" xmlns:a14="http://schemas.microsoft.com/office/drawing/2010/main" xmlns:m="http://schemas.openxmlformats.org/officeDocument/2006/math" xmlns="" val="1"/>
             </a:ext>
           </a:extLst>
         </p:spPr>
@@ -5424,13 +5464,11 @@
           </a:bodyPr>
           <a:lstStyle/>
           <a:p>
-            <a:pPr/>
             <a:r>
               <a:t>stacking approach:</a:t>
             </a:r>
           </a:p>
           <a:p>
-            <a:pPr/>
             <a:r>
               <a:t>LogReg, KNN, Naive Bayes</a:t>
             </a:r>
@@ -5456,7 +5494,7 @@
           </a:ln>
           <a:extLst>
             <a:ext uri="{C572A759-6A51-4108-AA02-DFA0A04FC94B}">
-              <ma14:wrappingTextBoxFlag xmlns:ma14="http://schemas.microsoft.com/office/mac/drawingml/2011/main" val="1"/>
+              <ma14:wrappingTextBoxFlag xmlns:ma14="http://schemas.microsoft.com/office/mac/drawingml/2011/main" xmlns:a14="http://schemas.microsoft.com/office/drawing/2010/main" xmlns:m="http://schemas.openxmlformats.org/officeDocument/2006/math" xmlns="" val="1"/>
             </a:ext>
           </a:extLst>
         </p:spPr>
@@ -5466,7 +5504,6 @@
           </a:bodyPr>
           <a:lstStyle/>
           <a:p>
-            <a:pPr/>
             <a:r>
               <a:t>0.8260013131976363</a:t>
             </a:r>
@@ -5482,9 +5519,7 @@
           <p:nvPr/>
         </p:nvPicPr>
         <p:blipFill>
-          <a:blip r:embed="rId3">
-            <a:extLst/>
-          </a:blip>
+          <a:blip r:embed="rId3"/>
           <a:stretch>
             <a:fillRect/>
           </a:stretch>
@@ -5511,9 +5546,7 @@
           <p:nvPr/>
         </p:nvPicPr>
         <p:blipFill>
-          <a:blip r:embed="rId4">
-            <a:extLst/>
-          </a:blip>
+          <a:blip r:embed="rId4"/>
           <a:stretch>
             <a:fillRect/>
           </a:stretch>
@@ -5550,7 +5583,7 @@
           </a:ln>
           <a:extLst>
             <a:ext uri="{C572A759-6A51-4108-AA02-DFA0A04FC94B}">
-              <ma14:wrappingTextBoxFlag xmlns:ma14="http://schemas.microsoft.com/office/mac/drawingml/2011/main" val="1"/>
+              <ma14:wrappingTextBoxFlag xmlns:ma14="http://schemas.microsoft.com/office/mac/drawingml/2011/main" xmlns:a14="http://schemas.microsoft.com/office/drawing/2010/main" xmlns:m="http://schemas.openxmlformats.org/officeDocument/2006/math" xmlns="" val="1"/>
             </a:ext>
           </a:extLst>
         </p:spPr>
@@ -5560,7 +5593,6 @@
           </a:bodyPr>
           <a:lstStyle/>
           <a:p>
-            <a:pPr/>
             <a:r>
               <a:t>Naive Bayes including Keywords and Text</a:t>
             </a:r>
@@ -5586,7 +5618,7 @@
           </a:ln>
           <a:extLst>
             <a:ext uri="{C572A759-6A51-4108-AA02-DFA0A04FC94B}">
-              <ma14:wrappingTextBoxFlag xmlns:ma14="http://schemas.microsoft.com/office/mac/drawingml/2011/main" val="1"/>
+              <ma14:wrappingTextBoxFlag xmlns:ma14="http://schemas.microsoft.com/office/mac/drawingml/2011/main" xmlns:a14="http://schemas.microsoft.com/office/drawing/2010/main" xmlns:m="http://schemas.openxmlformats.org/officeDocument/2006/math" xmlns="" val="1"/>
             </a:ext>
           </a:extLst>
         </p:spPr>
@@ -5596,7 +5628,6 @@
           </a:bodyPr>
           <a:lstStyle/>
           <a:p>
-            <a:pPr/>
             <a:r>
               <a:t>0.8128693368351937</a:t>
             </a:r>
@@ -5622,7 +5653,7 @@
           </a:ln>
           <a:extLst>
             <a:ext uri="{C572A759-6A51-4108-AA02-DFA0A04FC94B}">
-              <ma14:wrappingTextBoxFlag xmlns:ma14="http://schemas.microsoft.com/office/mac/drawingml/2011/main" val="1"/>
+              <ma14:wrappingTextBoxFlag xmlns:ma14="http://schemas.microsoft.com/office/mac/drawingml/2011/main" xmlns:a14="http://schemas.microsoft.com/office/drawing/2010/main" xmlns:m="http://schemas.openxmlformats.org/officeDocument/2006/math" xmlns="" val="1"/>
             </a:ext>
           </a:extLst>
         </p:spPr>
@@ -5640,7 +5671,6 @@
             </a:lvl1pPr>
           </a:lstStyle>
           <a:p>
-            <a:pPr/>
             <a:r>
               <a:t>highest score</a:t>
             </a:r>
@@ -5666,7 +5696,7 @@
           </a:ln>
           <a:extLst>
             <a:ext uri="{C572A759-6A51-4108-AA02-DFA0A04FC94B}">
-              <ma14:wrappingTextBoxFlag xmlns:ma14="http://schemas.microsoft.com/office/mac/drawingml/2011/main" val="1"/>
+              <ma14:wrappingTextBoxFlag xmlns:ma14="http://schemas.microsoft.com/office/mac/drawingml/2011/main" xmlns:a14="http://schemas.microsoft.com/office/drawing/2010/main" xmlns:m="http://schemas.openxmlformats.org/officeDocument/2006/math" xmlns="" val="1"/>
             </a:ext>
           </a:extLst>
         </p:spPr>
@@ -5684,7 +5714,6 @@
             </a:lvl1pPr>
           </a:lstStyle>
           <a:p>
-            <a:pPr/>
             <a:r>
               <a:t>lean model</a:t>
             </a:r>
@@ -5696,12 +5725,12 @@
   <p:clrMapOvr>
     <a:masterClrMapping/>
   </p:clrMapOvr>
-  <p:transition xmlns:p14="http://schemas.microsoft.com/office/powerpoint/2010/main" spd="med" advClick="1"/>
+  <p:transition spd="med"/>
 </p:sld>
 </file>
 
 <file path=ppt/slides/slide18.xml><?xml version="1.0" encoding="utf-8"?>
-<p:sld xmlns:a="http://schemas.openxmlformats.org/drawingml/2006/main" xmlns:r="http://schemas.openxmlformats.org/officeDocument/2006/relationships" xmlns:p="http://schemas.openxmlformats.org/presentationml/2006/main" xmlns:m="http://schemas.openxmlformats.org/officeDocument/2006/math" xmlns:a14="http://schemas.microsoft.com/office/drawing/2010/main" showMasterSp="1" showMasterPhAnim="1">
+<p:sld xmlns:a="http://schemas.openxmlformats.org/drawingml/2006/main" xmlns:r="http://schemas.openxmlformats.org/officeDocument/2006/relationships" xmlns:p="http://schemas.openxmlformats.org/presentationml/2006/main">
   <p:cSld>
     <p:spTree>
       <p:nvGrpSpPr>
@@ -5720,7 +5749,9 @@
       <p:sp>
         <p:nvSpPr>
           <p:cNvPr id="188" name="Titel 1"/>
-          <p:cNvSpPr txBox="1"/>
+          <p:cNvSpPr txBox="1">
+            <a:spLocks noGrp="1"/>
+          </p:cNvSpPr>
           <p:nvPr>
             <p:ph type="title"/>
           </p:nvPr>
@@ -5738,7 +5769,6 @@
           <a:bodyPr/>
           <a:lstStyle/>
           <a:p>
-            <a:pPr/>
             <a:r>
               <a:t>Product</a:t>
             </a:r>
@@ -5748,7 +5778,9 @@
       <p:sp>
         <p:nvSpPr>
           <p:cNvPr id="189" name="Inhaltsplatzhalter 2"/>
-          <p:cNvSpPr txBox="1"/>
+          <p:cNvSpPr txBox="1">
+            <a:spLocks noGrp="1"/>
+          </p:cNvSpPr>
           <p:nvPr>
             <p:ph type="body" idx="1"/>
           </p:nvPr>
@@ -5766,7 +5798,6 @@
           <a:bodyPr/>
           <a:lstStyle/>
           <a:p>
-            <a:pPr/>
             <a:r>
               <a:t>Warning App: </a:t>
             </a:r>
@@ -5780,7 +5811,7 @@
                     <a:srgbClr val="0000FF"/>
                   </a:solidFill>
                 </a:uFill>
-                <a:hlinkClick r:id="rId2" invalidUrl="" action="" tgtFrame="" tooltip="" history="1" highlightClick="0" endSnd="0"/>
+                <a:hlinkClick r:id="rId2"/>
               </a:rPr>
               <a:t>https://x.thunkable.com/copy/57989626327f283cca1815d081083498</a:t>
             </a:r>
@@ -5792,12 +5823,12 @@
   <p:clrMapOvr>
     <a:masterClrMapping/>
   </p:clrMapOvr>
-  <p:transition xmlns:p14="http://schemas.microsoft.com/office/powerpoint/2010/main" spd="med" advClick="1"/>
+  <p:transition spd="med"/>
 </p:sld>
 </file>
 
 <file path=ppt/slides/slide19.xml><?xml version="1.0" encoding="utf-8"?>
-<p:sld xmlns:a="http://schemas.openxmlformats.org/drawingml/2006/main" xmlns:r="http://schemas.openxmlformats.org/officeDocument/2006/relationships" xmlns:p="http://schemas.openxmlformats.org/presentationml/2006/main" xmlns:m="http://schemas.openxmlformats.org/officeDocument/2006/math" xmlns:a14="http://schemas.microsoft.com/office/drawing/2010/main" showMasterSp="1" showMasterPhAnim="1">
+<p:sld xmlns:a="http://schemas.openxmlformats.org/drawingml/2006/main" xmlns:r="http://schemas.openxmlformats.org/officeDocument/2006/relationships" xmlns:p="http://schemas.openxmlformats.org/presentationml/2006/main">
   <p:cSld>
     <p:spTree>
       <p:nvGrpSpPr>
@@ -5816,7 +5847,9 @@
       <p:sp>
         <p:nvSpPr>
           <p:cNvPr id="191" name="Titel 1"/>
-          <p:cNvSpPr txBox="1"/>
+          <p:cNvSpPr txBox="1">
+            <a:spLocks noGrp="1"/>
+          </p:cNvSpPr>
           <p:nvPr>
             <p:ph type="title"/>
           </p:nvPr>
@@ -5834,7 +5867,6 @@
           <a:bodyPr/>
           <a:lstStyle/>
           <a:p>
-            <a:pPr/>
             <a:r>
               <a:t>Backup</a:t>
             </a:r>
@@ -5844,7 +5876,9 @@
       <p:sp>
         <p:nvSpPr>
           <p:cNvPr id="192" name="Inhaltsplatzhalter 2"/>
-          <p:cNvSpPr txBox="1"/>
+          <p:cNvSpPr txBox="1">
+            <a:spLocks noGrp="1"/>
+          </p:cNvSpPr>
           <p:nvPr>
             <p:ph type="body" idx="1"/>
           </p:nvPr>
@@ -5862,7 +5896,7 @@
           <a:bodyPr/>
           <a:lstStyle/>
           <a:p>
-            <a:pPr/>
+            <a:endParaRPr/>
           </a:p>
         </p:txBody>
       </p:sp>
@@ -5871,12 +5905,12 @@
   <p:clrMapOvr>
     <a:masterClrMapping/>
   </p:clrMapOvr>
-  <p:transition xmlns:p14="http://schemas.microsoft.com/office/powerpoint/2010/main" spd="med" advClick="1"/>
+  <p:transition spd="med"/>
 </p:sld>
 </file>
 
 <file path=ppt/slides/slide2.xml><?xml version="1.0" encoding="utf-8"?>
-<p:sld xmlns:a="http://schemas.openxmlformats.org/drawingml/2006/main" xmlns:r="http://schemas.openxmlformats.org/officeDocument/2006/relationships" xmlns:p="http://schemas.openxmlformats.org/presentationml/2006/main" xmlns:m="http://schemas.openxmlformats.org/officeDocument/2006/math" xmlns:a14="http://schemas.microsoft.com/office/drawing/2010/main" showMasterSp="1" showMasterPhAnim="1">
+<p:sld xmlns:a="http://schemas.openxmlformats.org/drawingml/2006/main" xmlns:r="http://schemas.openxmlformats.org/officeDocument/2006/relationships" xmlns:p="http://schemas.openxmlformats.org/presentationml/2006/main">
   <p:cSld>
     <p:spTree>
       <p:nvGrpSpPr>
@@ -5895,7 +5929,9 @@
       <p:sp>
         <p:nvSpPr>
           <p:cNvPr id="97" name="Titel 1"/>
-          <p:cNvSpPr txBox="1"/>
+          <p:cNvSpPr txBox="1">
+            <a:spLocks noGrp="1"/>
+          </p:cNvSpPr>
           <p:nvPr>
             <p:ph type="title"/>
           </p:nvPr>
@@ -5913,7 +5949,6 @@
           <a:bodyPr/>
           <a:lstStyle/>
           <a:p>
-            <a:pPr/>
             <a:r>
               <a:t>Task</a:t>
             </a:r>
@@ -5923,7 +5958,9 @@
       <p:sp>
         <p:nvSpPr>
           <p:cNvPr id="98" name="Inhaltsplatzhalter 2"/>
-          <p:cNvSpPr txBox="1"/>
+          <p:cNvSpPr txBox="1">
+            <a:spLocks noGrp="1"/>
+          </p:cNvSpPr>
           <p:nvPr>
             <p:ph type="body" sz="half" idx="1"/>
           </p:nvPr>
@@ -5946,7 +5983,6 @@
             </a:lvl1pPr>
           </a:lstStyle>
           <a:p>
-            <a:pPr/>
             <a:r>
               <a:t>Build a model which is capable of correctly classify tweets as either disaster tweets or false alerts</a:t>
             </a:r>
@@ -5962,9 +5998,7 @@
           <p:nvPr/>
         </p:nvPicPr>
         <p:blipFill>
-          <a:blip r:embed="rId2">
-            <a:extLst/>
-          </a:blip>
+          <a:blip r:embed="rId2"/>
           <a:stretch>
             <a:fillRect/>
           </a:stretch>
@@ -5987,12 +6021,12 @@
   <p:clrMapOvr>
     <a:masterClrMapping/>
   </p:clrMapOvr>
-  <p:transition xmlns:p14="http://schemas.microsoft.com/office/powerpoint/2010/main" spd="med" advClick="1"/>
+  <p:transition spd="med"/>
 </p:sld>
 </file>
 
 <file path=ppt/slides/slide20.xml><?xml version="1.0" encoding="utf-8"?>
-<p:sld xmlns:a="http://schemas.openxmlformats.org/drawingml/2006/main" xmlns:r="http://schemas.openxmlformats.org/officeDocument/2006/relationships" xmlns:p="http://schemas.openxmlformats.org/presentationml/2006/main" xmlns:m="http://schemas.openxmlformats.org/officeDocument/2006/math" xmlns:a14="http://schemas.microsoft.com/office/drawing/2010/main" showMasterSp="1" showMasterPhAnim="1">
+<p:sld xmlns:a="http://schemas.openxmlformats.org/drawingml/2006/main" xmlns:r="http://schemas.openxmlformats.org/officeDocument/2006/relationships" xmlns:p="http://schemas.openxmlformats.org/presentationml/2006/main">
   <p:cSld>
     <p:spTree>
       <p:nvGrpSpPr>
@@ -6011,7 +6045,9 @@
       <p:sp>
         <p:nvSpPr>
           <p:cNvPr id="194" name="Titel 1"/>
-          <p:cNvSpPr txBox="1"/>
+          <p:cNvSpPr txBox="1">
+            <a:spLocks noGrp="1"/>
+          </p:cNvSpPr>
           <p:nvPr>
             <p:ph type="title"/>
           </p:nvPr>
@@ -6029,7 +6065,6 @@
           <a:bodyPr/>
           <a:lstStyle/>
           <a:p>
-            <a:pPr/>
             <a:r>
               <a:t>Useful graphs</a:t>
             </a:r>
@@ -6045,9 +6080,7 @@
           <p:nvPr/>
         </p:nvPicPr>
         <p:blipFill>
-          <a:blip r:embed="rId2">
-            <a:extLst/>
-          </a:blip>
+          <a:blip r:embed="rId2"/>
           <a:stretch>
             <a:fillRect/>
           </a:stretch>
@@ -6074,9 +6107,7 @@
           <p:nvPr/>
         </p:nvPicPr>
         <p:blipFill>
-          <a:blip r:embed="rId3">
-            <a:extLst/>
-          </a:blip>
+          <a:blip r:embed="rId3"/>
           <a:stretch>
             <a:fillRect/>
           </a:stretch>
@@ -6099,12 +6130,12 @@
   <p:clrMapOvr>
     <a:masterClrMapping/>
   </p:clrMapOvr>
-  <p:transition xmlns:p14="http://schemas.microsoft.com/office/powerpoint/2010/main" spd="med" advClick="1"/>
+  <p:transition spd="med"/>
 </p:sld>
 </file>
 
 <file path=ppt/slides/slide21.xml><?xml version="1.0" encoding="utf-8"?>
-<p:sld xmlns:a="http://schemas.openxmlformats.org/drawingml/2006/main" xmlns:r="http://schemas.openxmlformats.org/officeDocument/2006/relationships" xmlns:p="http://schemas.openxmlformats.org/presentationml/2006/main" xmlns:m="http://schemas.openxmlformats.org/officeDocument/2006/math" xmlns:a14="http://schemas.microsoft.com/office/drawing/2010/main" showMasterSp="1" showMasterPhAnim="1">
+<p:sld xmlns:a="http://schemas.openxmlformats.org/drawingml/2006/main" xmlns:r="http://schemas.openxmlformats.org/officeDocument/2006/relationships" xmlns:p="http://schemas.openxmlformats.org/presentationml/2006/main">
   <p:cSld>
     <p:spTree>
       <p:nvGrpSpPr>
@@ -6123,7 +6154,9 @@
       <p:sp>
         <p:nvSpPr>
           <p:cNvPr id="198" name="Titel 1"/>
-          <p:cNvSpPr txBox="1"/>
+          <p:cNvSpPr txBox="1">
+            <a:spLocks noGrp="1"/>
+          </p:cNvSpPr>
           <p:nvPr>
             <p:ph type="title"/>
           </p:nvPr>
@@ -6141,7 +6174,6 @@
           <a:bodyPr/>
           <a:lstStyle/>
           <a:p>
-            <a:pPr/>
             <a:r>
               <a:t>Used techniques</a:t>
             </a:r>
@@ -6151,7 +6183,9 @@
       <p:sp>
         <p:nvSpPr>
           <p:cNvPr id="199" name="Inhaltsplatzhalter 2"/>
-          <p:cNvSpPr txBox="1"/>
+          <p:cNvSpPr txBox="1">
+            <a:spLocks noGrp="1"/>
+          </p:cNvSpPr>
           <p:nvPr>
             <p:ph type="body" idx="1"/>
           </p:nvPr>
@@ -6183,7 +6217,7 @@
             </a:r>
           </a:p>
           <a:p>
-            <a:pPr lvl="1" marL="665226" indent="-221741" defTabSz="886967">
+            <a:pPr marL="665226" lvl="1" indent="-221741" defTabSz="886967">
               <a:lnSpc>
                 <a:spcPct val="81000"/>
               </a:lnSpc>
@@ -6197,7 +6231,7 @@
             </a:r>
           </a:p>
           <a:p>
-            <a:pPr lvl="1" marL="665226" indent="-221741" defTabSz="886967">
+            <a:pPr marL="665226" lvl="1" indent="-221741" defTabSz="886967">
               <a:lnSpc>
                 <a:spcPct val="81000"/>
               </a:lnSpc>
@@ -6211,7 +6245,7 @@
             </a:r>
           </a:p>
           <a:p>
-            <a:pPr lvl="1" marL="665226" indent="-221741" defTabSz="886967">
+            <a:pPr marL="665226" lvl="1" indent="-221741" defTabSz="886967">
               <a:lnSpc>
                 <a:spcPct val="81000"/>
               </a:lnSpc>
@@ -6239,7 +6273,7 @@
             </a:r>
           </a:p>
           <a:p>
-            <a:pPr lvl="1" marL="665226" indent="-221741" defTabSz="886967">
+            <a:pPr marL="665226" lvl="1" indent="-221741" defTabSz="886967">
               <a:lnSpc>
                 <a:spcPct val="81000"/>
               </a:lnSpc>
@@ -6253,7 +6287,7 @@
             </a:r>
           </a:p>
           <a:p>
-            <a:pPr lvl="1" marL="665226" indent="-221741" defTabSz="886967">
+            <a:pPr marL="665226" lvl="1" indent="-221741" defTabSz="886967">
               <a:lnSpc>
                 <a:spcPct val="81000"/>
               </a:lnSpc>
@@ -6267,7 +6301,7 @@
             </a:r>
           </a:p>
           <a:p>
-            <a:pPr lvl="1" marL="665226" indent="-221741" defTabSz="886967">
+            <a:pPr marL="665226" lvl="1" indent="-221741" defTabSz="886967">
               <a:lnSpc>
                 <a:spcPct val="81000"/>
               </a:lnSpc>
@@ -6281,7 +6315,7 @@
             </a:r>
           </a:p>
           <a:p>
-            <a:pPr lvl="1" marL="665226" indent="-221741" defTabSz="886967">
+            <a:pPr marL="665226" lvl="1" indent="-221741" defTabSz="886967">
               <a:lnSpc>
                 <a:spcPct val="81000"/>
               </a:lnSpc>
@@ -6295,7 +6329,7 @@
             </a:r>
           </a:p>
           <a:p>
-            <a:pPr lvl="1" marL="665226" indent="-221741" defTabSz="886967">
+            <a:pPr marL="665226" lvl="1" indent="-221741" defTabSz="886967">
               <a:lnSpc>
                 <a:spcPct val="81000"/>
               </a:lnSpc>
@@ -6323,7 +6357,7 @@
             </a:r>
           </a:p>
           <a:p>
-            <a:pPr lvl="1" marL="665226" indent="-221741" defTabSz="886967">
+            <a:pPr marL="665226" lvl="1" indent="-221741" defTabSz="886967">
               <a:lnSpc>
                 <a:spcPct val="81000"/>
               </a:lnSpc>
@@ -6343,12 +6377,12 @@
   <p:clrMapOvr>
     <a:masterClrMapping/>
   </p:clrMapOvr>
-  <p:transition xmlns:p14="http://schemas.microsoft.com/office/powerpoint/2010/main" spd="med" advClick="1"/>
+  <p:transition spd="med"/>
 </p:sld>
 </file>
 
 <file path=ppt/slides/slide22.xml><?xml version="1.0" encoding="utf-8"?>
-<p:sld xmlns:a="http://schemas.openxmlformats.org/drawingml/2006/main" xmlns:r="http://schemas.openxmlformats.org/officeDocument/2006/relationships" xmlns:p="http://schemas.openxmlformats.org/presentationml/2006/main" xmlns:m="http://schemas.openxmlformats.org/officeDocument/2006/math" xmlns:a14="http://schemas.microsoft.com/office/drawing/2010/main" showMasterSp="1" showMasterPhAnim="1">
+<p:sld xmlns:a="http://schemas.openxmlformats.org/drawingml/2006/main" xmlns:r="http://schemas.openxmlformats.org/officeDocument/2006/relationships" xmlns:p="http://schemas.openxmlformats.org/presentationml/2006/main">
   <p:cSld>
     <p:spTree>
       <p:nvGrpSpPr>
@@ -6367,7 +6401,9 @@
       <p:sp>
         <p:nvSpPr>
           <p:cNvPr id="201" name="Titel 1"/>
-          <p:cNvSpPr txBox="1"/>
+          <p:cNvSpPr txBox="1">
+            <a:spLocks noGrp="1"/>
+          </p:cNvSpPr>
           <p:nvPr>
             <p:ph type="title"/>
           </p:nvPr>
@@ -6385,7 +6421,6 @@
           <a:bodyPr/>
           <a:lstStyle/>
           <a:p>
-            <a:pPr/>
             <a:r>
               <a:t>Workbench</a:t>
             </a:r>
@@ -6411,7 +6446,7 @@
           </a:ln>
           <a:extLst>
             <a:ext uri="{C572A759-6A51-4108-AA02-DFA0A04FC94B}">
-              <ma14:wrappingTextBoxFlag xmlns:ma14="http://schemas.microsoft.com/office/mac/drawingml/2011/main" val="1"/>
+              <ma14:wrappingTextBoxFlag xmlns:ma14="http://schemas.microsoft.com/office/mac/drawingml/2011/main" xmlns:a14="http://schemas.microsoft.com/office/drawing/2010/main" xmlns:m="http://schemas.openxmlformats.org/officeDocument/2006/math" xmlns="" val="1"/>
             </a:ext>
           </a:extLst>
         </p:spPr>
@@ -6454,6 +6489,7 @@
                 <a:sym typeface="Menlo"/>
               </a:defRPr>
             </a:pPr>
+            <a:endParaRPr/>
           </a:p>
           <a:p>
             <a:pPr defTabSz="457200">
@@ -6470,6 +6506,7 @@
                 <a:sym typeface="Menlo"/>
               </a:defRPr>
             </a:pPr>
+            <a:endParaRPr/>
           </a:p>
           <a:p>
             <a:pPr defTabSz="457200">
@@ -6486,6 +6523,7 @@
                 <a:sym typeface="Menlo"/>
               </a:defRPr>
             </a:pPr>
+            <a:endParaRPr/>
           </a:p>
           <a:p>
             <a:pPr defTabSz="457200">
@@ -6499,6 +6537,7 @@
                 <a:sym typeface="Menlo"/>
               </a:defRPr>
             </a:pPr>
+            <a:endParaRPr/>
           </a:p>
           <a:p>
             <a:pPr defTabSz="457200">
@@ -6512,6 +6551,7 @@
                 <a:sym typeface="Menlo"/>
               </a:defRPr>
             </a:pPr>
+            <a:endParaRPr/>
           </a:p>
         </p:txBody>
       </p:sp>
@@ -6524,9 +6564,7 @@
           <p:nvPr/>
         </p:nvPicPr>
         <p:blipFill>
-          <a:blip r:embed="rId2">
-            <a:extLst/>
-          </a:blip>
+          <a:blip r:embed="rId2"/>
           <a:stretch>
             <a:fillRect/>
           </a:stretch>
@@ -6549,12 +6587,12 @@
   <p:clrMapOvr>
     <a:masterClrMapping/>
   </p:clrMapOvr>
-  <p:transition xmlns:p14="http://schemas.microsoft.com/office/powerpoint/2010/main" spd="med" advClick="1"/>
+  <p:transition spd="med"/>
 </p:sld>
 </file>
 
 <file path=ppt/slides/slide3.xml><?xml version="1.0" encoding="utf-8"?>
-<p:sld xmlns:a="http://schemas.openxmlformats.org/drawingml/2006/main" xmlns:r="http://schemas.openxmlformats.org/officeDocument/2006/relationships" xmlns:p="http://schemas.openxmlformats.org/presentationml/2006/main" xmlns:m="http://schemas.openxmlformats.org/officeDocument/2006/math" xmlns:a14="http://schemas.microsoft.com/office/drawing/2010/main" showMasterSp="1" showMasterPhAnim="1">
+<p:sld xmlns:a="http://schemas.openxmlformats.org/drawingml/2006/main" xmlns:r="http://schemas.openxmlformats.org/officeDocument/2006/relationships" xmlns:p="http://schemas.openxmlformats.org/presentationml/2006/main">
   <p:cSld>
     <p:spTree>
       <p:nvGrpSpPr>
@@ -6573,7 +6611,9 @@
       <p:sp>
         <p:nvSpPr>
           <p:cNvPr id="101" name="Titel 1"/>
-          <p:cNvSpPr txBox="1"/>
+          <p:cNvSpPr txBox="1">
+            <a:spLocks noGrp="1"/>
+          </p:cNvSpPr>
           <p:nvPr>
             <p:ph type="title"/>
           </p:nvPr>
@@ -6591,7 +6631,6 @@
           <a:bodyPr/>
           <a:lstStyle/>
           <a:p>
-            <a:pPr/>
             <a:r>
               <a:t>Strategy</a:t>
             </a:r>
@@ -6601,7 +6640,9 @@
       <p:sp>
         <p:nvSpPr>
           <p:cNvPr id="102" name="Inhaltsplatzhalter 2"/>
-          <p:cNvSpPr txBox="1"/>
+          <p:cNvSpPr txBox="1">
+            <a:spLocks noGrp="1"/>
+          </p:cNvSpPr>
           <p:nvPr>
             <p:ph type="body" idx="1"/>
           </p:nvPr>
@@ -6619,31 +6660,26 @@
           <a:bodyPr/>
           <a:lstStyle/>
           <a:p>
-            <a:pPr/>
             <a:r>
               <a:t>data exploration</a:t>
             </a:r>
           </a:p>
           <a:p>
-            <a:pPr/>
             <a:r>
               <a:t>clean keywords</a:t>
             </a:r>
           </a:p>
           <a:p>
-            <a:pPr/>
             <a:r>
               <a:t>transform text via NLP techniques</a:t>
             </a:r>
           </a:p>
           <a:p>
-            <a:pPr/>
             <a:r>
               <a:t>perform different ML approaches to find best differentiator model</a:t>
             </a:r>
           </a:p>
           <a:p>
-            <a:pPr/>
             <a:r>
               <a:t>build app using a ML pipeline to predict alert situations</a:t>
             </a:r>
@@ -6655,12 +6691,12 @@
   <p:clrMapOvr>
     <a:masterClrMapping/>
   </p:clrMapOvr>
-  <p:transition xmlns:p14="http://schemas.microsoft.com/office/powerpoint/2010/main" spd="med" advClick="1"/>
+  <p:transition spd="med"/>
 </p:sld>
 </file>
 
 <file path=ppt/slides/slide4.xml><?xml version="1.0" encoding="utf-8"?>
-<p:sld xmlns:a="http://schemas.openxmlformats.org/drawingml/2006/main" xmlns:r="http://schemas.openxmlformats.org/officeDocument/2006/relationships" xmlns:p="http://schemas.openxmlformats.org/presentationml/2006/main" xmlns:m="http://schemas.openxmlformats.org/officeDocument/2006/math" xmlns:a14="http://schemas.microsoft.com/office/drawing/2010/main" showMasterSp="1" showMasterPhAnim="1">
+<p:sld xmlns:a="http://schemas.openxmlformats.org/drawingml/2006/main" xmlns:r="http://schemas.openxmlformats.org/officeDocument/2006/relationships" xmlns:p="http://schemas.openxmlformats.org/presentationml/2006/main">
   <p:cSld>
     <p:spTree>
       <p:nvGrpSpPr>
@@ -6679,7 +6715,9 @@
       <p:sp>
         <p:nvSpPr>
           <p:cNvPr id="104" name="Titel 1"/>
-          <p:cNvSpPr txBox="1"/>
+          <p:cNvSpPr txBox="1">
+            <a:spLocks noGrp="1"/>
+          </p:cNvSpPr>
           <p:nvPr>
             <p:ph type="title"/>
           </p:nvPr>
@@ -6697,7 +6735,6 @@
           <a:bodyPr/>
           <a:lstStyle/>
           <a:p>
-            <a:pPr/>
             <a:r>
               <a:t>Workbench</a:t>
             </a:r>
@@ -6707,7 +6744,9 @@
       <p:sp>
         <p:nvSpPr>
           <p:cNvPr id="105" name="Inhaltsplatzhalter 2"/>
-          <p:cNvSpPr txBox="1"/>
+          <p:cNvSpPr txBox="1">
+            <a:spLocks noGrp="1"/>
+          </p:cNvSpPr>
           <p:nvPr>
             <p:ph type="body" idx="1"/>
           </p:nvPr>
@@ -6725,13 +6764,12 @@
           <a:bodyPr/>
           <a:lstStyle/>
           <a:p>
-            <a:pPr/>
             <a:r>
               <a:t>Day 1: </a:t>
             </a:r>
           </a:p>
           <a:p>
-            <a:pPr lvl="1" marL="685800" indent="-228600">
+            <a:pPr marL="685800" lvl="1" indent="-228600">
               <a:spcBef>
                 <a:spcPts val="500"/>
               </a:spcBef>
@@ -6742,7 +6780,7 @@
             </a:r>
           </a:p>
           <a:p>
-            <a:pPr lvl="1" marL="685800" indent="-228600">
+            <a:pPr marL="685800" lvl="1" indent="-228600">
               <a:spcBef>
                 <a:spcPts val="500"/>
               </a:spcBef>
@@ -6753,7 +6791,7 @@
             </a:r>
           </a:p>
           <a:p>
-            <a:pPr lvl="1" marL="685800" indent="-228600">
+            <a:pPr marL="685800" lvl="1" indent="-228600">
               <a:spcBef>
                 <a:spcPts val="500"/>
               </a:spcBef>
@@ -6764,7 +6802,7 @@
             </a:r>
           </a:p>
           <a:p>
-            <a:pPr lvl="1" marL="685800" indent="-228600">
+            <a:pPr marL="685800" lvl="1" indent="-228600">
               <a:spcBef>
                 <a:spcPts val="500"/>
               </a:spcBef>
@@ -6785,9 +6823,7 @@
           <p:nvPr/>
         </p:nvPicPr>
         <p:blipFill>
-          <a:blip r:embed="rId2">
-            <a:extLst/>
-          </a:blip>
+          <a:blip r:embed="rId2"/>
           <a:stretch>
             <a:fillRect/>
           </a:stretch>
@@ -6810,12 +6846,12 @@
   <p:clrMapOvr>
     <a:masterClrMapping/>
   </p:clrMapOvr>
-  <p:transition xmlns:p14="http://schemas.microsoft.com/office/powerpoint/2010/main" spd="med" advClick="1"/>
+  <p:transition spd="med"/>
 </p:sld>
 </file>
 
 <file path=ppt/slides/slide5.xml><?xml version="1.0" encoding="utf-8"?>
-<p:sld xmlns:a="http://schemas.openxmlformats.org/drawingml/2006/main" xmlns:r="http://schemas.openxmlformats.org/officeDocument/2006/relationships" xmlns:p="http://schemas.openxmlformats.org/presentationml/2006/main" xmlns:m="http://schemas.openxmlformats.org/officeDocument/2006/math" xmlns:a14="http://schemas.microsoft.com/office/drawing/2010/main" showMasterSp="1" showMasterPhAnim="1">
+<p:sld xmlns:a="http://schemas.openxmlformats.org/drawingml/2006/main" xmlns:r="http://schemas.openxmlformats.org/officeDocument/2006/relationships" xmlns:p="http://schemas.openxmlformats.org/presentationml/2006/main">
   <p:cSld>
     <p:spTree>
       <p:nvGrpSpPr>
@@ -6834,7 +6870,9 @@
       <p:sp>
         <p:nvSpPr>
           <p:cNvPr id="108" name="Titel 1"/>
-          <p:cNvSpPr txBox="1"/>
+          <p:cNvSpPr txBox="1">
+            <a:spLocks noGrp="1"/>
+          </p:cNvSpPr>
           <p:nvPr>
             <p:ph type="title"/>
           </p:nvPr>
@@ -6852,7 +6890,6 @@
           <a:bodyPr/>
           <a:lstStyle/>
           <a:p>
-            <a:pPr/>
             <a:r>
               <a:t>Workbench</a:t>
             </a:r>
@@ -6862,7 +6899,9 @@
       <p:sp>
         <p:nvSpPr>
           <p:cNvPr id="109" name="Inhaltsplatzhalter 2"/>
-          <p:cNvSpPr txBox="1"/>
+          <p:cNvSpPr txBox="1">
+            <a:spLocks noGrp="1"/>
+          </p:cNvSpPr>
           <p:nvPr>
             <p:ph type="body" sz="half" idx="1"/>
           </p:nvPr>
@@ -6880,13 +6919,12 @@
           <a:bodyPr/>
           <a:lstStyle/>
           <a:p>
-            <a:pPr/>
             <a:r>
               <a:t>Day 2:</a:t>
             </a:r>
           </a:p>
           <a:p>
-            <a:pPr lvl="1" marL="685800" indent="-228600">
+            <a:pPr marL="685800" lvl="1" indent="-228600">
               <a:spcBef>
                 <a:spcPts val="500"/>
               </a:spcBef>
@@ -6897,7 +6935,7 @@
             </a:r>
           </a:p>
           <a:p>
-            <a:pPr lvl="1" marL="685800" indent="-228600">
+            <a:pPr marL="685800" lvl="1" indent="-228600">
               <a:spcBef>
                 <a:spcPts val="500"/>
               </a:spcBef>
@@ -6908,7 +6946,7 @@
             </a:r>
           </a:p>
           <a:p>
-            <a:pPr lvl="1" marL="685800" indent="-228600">
+            <a:pPr marL="685800" lvl="1" indent="-228600">
               <a:spcBef>
                 <a:spcPts val="500"/>
               </a:spcBef>
@@ -6929,9 +6967,7 @@
           <p:nvPr/>
         </p:nvPicPr>
         <p:blipFill>
-          <a:blip r:embed="rId2">
-            <a:extLst/>
-          </a:blip>
+          <a:blip r:embed="rId2"/>
           <a:stretch>
             <a:fillRect/>
           </a:stretch>
@@ -6954,12 +6990,12 @@
   <p:clrMapOvr>
     <a:masterClrMapping/>
   </p:clrMapOvr>
-  <p:transition xmlns:p14="http://schemas.microsoft.com/office/powerpoint/2010/main" spd="med" advClick="1"/>
+  <p:transition spd="med"/>
 </p:sld>
 </file>
 
 <file path=ppt/slides/slide6.xml><?xml version="1.0" encoding="utf-8"?>
-<p:sld xmlns:a="http://schemas.openxmlformats.org/drawingml/2006/main" xmlns:r="http://schemas.openxmlformats.org/officeDocument/2006/relationships" xmlns:p="http://schemas.openxmlformats.org/presentationml/2006/main" xmlns:m="http://schemas.openxmlformats.org/officeDocument/2006/math" xmlns:a14="http://schemas.microsoft.com/office/drawing/2010/main" showMasterSp="1" showMasterPhAnim="1">
+<p:sld xmlns:a="http://schemas.openxmlformats.org/drawingml/2006/main" xmlns:r="http://schemas.openxmlformats.org/officeDocument/2006/relationships" xmlns:p="http://schemas.openxmlformats.org/presentationml/2006/main">
   <p:cSld>
     <p:spTree>
       <p:nvGrpSpPr>
@@ -6978,7 +7014,9 @@
       <p:sp>
         <p:nvSpPr>
           <p:cNvPr id="112" name="Titel 1"/>
-          <p:cNvSpPr txBox="1"/>
+          <p:cNvSpPr txBox="1">
+            <a:spLocks noGrp="1"/>
+          </p:cNvSpPr>
           <p:nvPr>
             <p:ph type="title"/>
           </p:nvPr>
@@ -6992,7 +7030,6 @@
           <a:bodyPr/>
           <a:lstStyle/>
           <a:p>
-            <a:pPr/>
             <a:r>
               <a:t>Workbench</a:t>
             </a:r>
@@ -7002,7 +7039,9 @@
       <p:sp>
         <p:nvSpPr>
           <p:cNvPr id="113" name="Inhaltsplatzhalter 2"/>
-          <p:cNvSpPr txBox="1"/>
+          <p:cNvSpPr txBox="1">
+            <a:spLocks noGrp="1"/>
+          </p:cNvSpPr>
           <p:nvPr>
             <p:ph type="body" idx="1"/>
           </p:nvPr>
@@ -7016,13 +7055,12 @@
           <a:bodyPr/>
           <a:lstStyle/>
           <a:p>
-            <a:pPr/>
             <a:r>
               <a:t>Day 3: </a:t>
             </a:r>
           </a:p>
           <a:p>
-            <a:pPr lvl="1" marL="685800" indent="-228600">
+            <a:pPr marL="685800" lvl="1" indent="-228600">
               <a:spcBef>
                 <a:spcPts val="500"/>
               </a:spcBef>
@@ -7033,7 +7071,7 @@
             </a:r>
           </a:p>
           <a:p>
-            <a:pPr lvl="1" marL="685800" indent="-228600">
+            <a:pPr marL="685800" lvl="1" indent="-228600">
               <a:spcBef>
                 <a:spcPts val="500"/>
               </a:spcBef>
@@ -7044,7 +7082,7 @@
             </a:r>
           </a:p>
           <a:p>
-            <a:pPr lvl="1" marL="685800" indent="-228600">
+            <a:pPr marL="685800" lvl="1" indent="-228600">
               <a:spcBef>
                 <a:spcPts val="500"/>
               </a:spcBef>
@@ -7055,12 +7093,13 @@
             </a:r>
           </a:p>
           <a:p>
-            <a:pPr lvl="1" marL="685800" indent="-228600">
+            <a:pPr marL="685800" lvl="1" indent="-228600">
               <a:spcBef>
                 <a:spcPts val="500"/>
               </a:spcBef>
               <a:defRPr sz="2400"/>
             </a:pPr>
+            <a:endParaRPr/>
           </a:p>
           <a:p>
             <a:pPr marL="195942" indent="-195942"/>
@@ -7068,23 +7107,20 @@
               <a:rPr sz="2400"/>
               <a:t>NLP: </a:t>
             </a:r>
-            <a:endParaRPr sz="2400"/>
-          </a:p>
-          <a:p>
-            <a:pPr lvl="1" marL="653142" indent="-195942"/>
+          </a:p>
+          <a:p>
+            <a:pPr marL="653142" lvl="1" indent="-195942"/>
             <a:r>
               <a:rPr sz="2400"/>
               <a:t>Cleaning, lemmatising and vectorizing (TFVdif and CountVectorizer)</a:t>
             </a:r>
-            <a:endParaRPr sz="2400"/>
-          </a:p>
-          <a:p>
-            <a:pPr lvl="1" marL="653142" indent="-195942"/>
+          </a:p>
+          <a:p>
+            <a:pPr marL="653142" lvl="1" indent="-195942"/>
             <a:r>
               <a:rPr sz="2400"/>
               <a:t>Tweets text, Keywords and Tweet text + Keywords</a:t>
             </a:r>
-            <a:endParaRPr sz="2400"/>
           </a:p>
           <a:p>
             <a:pPr marL="195942" indent="-195942"/>
@@ -7092,10 +7128,9 @@
               <a:rPr sz="2400"/>
               <a:t>ML Models:</a:t>
             </a:r>
-            <a:endParaRPr sz="2400"/>
-          </a:p>
-          <a:p>
-            <a:pPr lvl="1" marL="653142" indent="-195942"/>
+          </a:p>
+          <a:p>
+            <a:pPr marL="653142" lvl="1" indent="-195942"/>
             <a:r>
               <a:rPr sz="2400"/>
               <a:t>all Classifiers we heard about in this course</a:t>
@@ -7108,12 +7143,12 @@
   <p:clrMapOvr>
     <a:masterClrMapping/>
   </p:clrMapOvr>
-  <p:transition xmlns:p14="http://schemas.microsoft.com/office/powerpoint/2010/main" spd="med" advClick="1"/>
+  <p:transition spd="med"/>
 </p:sld>
 </file>
 
 <file path=ppt/slides/slide7.xml><?xml version="1.0" encoding="utf-8"?>
-<p:sld xmlns:a="http://schemas.openxmlformats.org/drawingml/2006/main" xmlns:r="http://schemas.openxmlformats.org/officeDocument/2006/relationships" xmlns:p="http://schemas.openxmlformats.org/presentationml/2006/main" xmlns:m="http://schemas.openxmlformats.org/officeDocument/2006/math" xmlns:a14="http://schemas.microsoft.com/office/drawing/2010/main" showMasterSp="1" showMasterPhAnim="1">
+<p:sld xmlns:a="http://schemas.openxmlformats.org/drawingml/2006/main" xmlns:r="http://schemas.openxmlformats.org/officeDocument/2006/relationships" xmlns:p="http://schemas.openxmlformats.org/presentationml/2006/main">
   <p:cSld>
     <p:spTree>
       <p:nvGrpSpPr>
@@ -7132,7 +7167,9 @@
       <p:sp>
         <p:nvSpPr>
           <p:cNvPr id="115" name="Titel 1"/>
-          <p:cNvSpPr txBox="1"/>
+          <p:cNvSpPr txBox="1">
+            <a:spLocks noGrp="1"/>
+          </p:cNvSpPr>
           <p:nvPr>
             <p:ph type="title"/>
           </p:nvPr>
@@ -7146,7 +7183,6 @@
           <a:bodyPr/>
           <a:lstStyle/>
           <a:p>
-            <a:pPr/>
             <a:r>
               <a:t>Models, Scores and huge Matrices</a:t>
             </a:r>
@@ -7156,7 +7192,9 @@
       <p:sp>
         <p:nvSpPr>
           <p:cNvPr id="116" name="Inhaltsplatzhalter 2"/>
-          <p:cNvSpPr txBox="1"/>
+          <p:cNvSpPr txBox="1">
+            <a:spLocks noGrp="1"/>
+          </p:cNvSpPr>
           <p:nvPr>
             <p:ph type="body" idx="1"/>
           </p:nvPr>
@@ -7174,102 +7212,280 @@
           <a:bodyPr/>
           <a:lstStyle/>
           <a:p>
-            <a:pPr lvl="1" marL="685800" indent="-228600">
+            <a:pPr marL="685800" lvl="1" indent="-228600">
               <a:spcBef>
                 <a:spcPts val="500"/>
               </a:spcBef>
               <a:defRPr sz="2200"/>
             </a:pPr>
             <a:r>
-              <a:t>Logistic Regression /TFIDF Vectorizer                                                      0.81</a:t>
-            </a:r>
-          </a:p>
-          <a:p>
-            <a:pPr lvl="1" marL="685800" indent="-228600">
+              <a:rPr dirty="0"/>
+              <a:t>Logistic Regression /</a:t>
+            </a:r>
+            <a:r>
+              <a:rPr dirty="0" err="1"/>
+              <a:t>TFIDF</a:t>
+            </a:r>
+            <a:r>
+              <a:rPr dirty="0"/>
+              <a:t> Vectorizer</a:t>
+            </a:r>
+            <a:r>
+              <a:rPr lang="de-DE" dirty="0"/>
+              <a:t>				</a:t>
+            </a:r>
+            <a:r>
+              <a:rPr dirty="0"/>
+              <a:t>0.81</a:t>
+            </a:r>
+          </a:p>
+          <a:p>
+            <a:pPr marL="685800" lvl="1" indent="-228600">
               <a:spcBef>
                 <a:spcPts val="500"/>
               </a:spcBef>
               <a:defRPr sz="2200"/>
             </a:pPr>
             <a:r>
-              <a:t>XGBOOST Classifier /TFIDF Vectorizer                                                     0.73</a:t>
-            </a:r>
-          </a:p>
-          <a:p>
-            <a:pPr lvl="1" marL="685800" indent="-228600">
+              <a:rPr dirty="0" err="1"/>
+              <a:t>XGBOOST</a:t>
+            </a:r>
+            <a:r>
+              <a:rPr dirty="0"/>
+              <a:t> Classifier /</a:t>
+            </a:r>
+            <a:r>
+              <a:rPr dirty="0" err="1"/>
+              <a:t>TFIDF</a:t>
+            </a:r>
+            <a:r>
+              <a:rPr dirty="0"/>
+              <a:t> Vectorizer                              </a:t>
+            </a:r>
+            <a:r>
+              <a:rPr lang="de-DE" dirty="0"/>
+              <a:t>		</a:t>
+            </a:r>
+            <a:r>
+              <a:rPr dirty="0"/>
+              <a:t>0.73</a:t>
+            </a:r>
+          </a:p>
+          <a:p>
+            <a:pPr marL="685800" lvl="1" indent="-228600">
               <a:spcBef>
                 <a:spcPts val="500"/>
               </a:spcBef>
               <a:defRPr sz="2200"/>
             </a:pPr>
             <a:r>
-              <a:t>Gridsearch + XGB /TFIDF Vectorizer                                                        0.75</a:t>
-            </a:r>
-          </a:p>
-          <a:p>
-            <a:pPr lvl="1" marL="685800" indent="-228600">
+              <a:rPr dirty="0" err="1"/>
+              <a:t>Gridsearch</a:t>
+            </a:r>
+            <a:r>
+              <a:rPr dirty="0"/>
+              <a:t> + </a:t>
+            </a:r>
+            <a:r>
+              <a:rPr dirty="0" err="1"/>
+              <a:t>XGB</a:t>
+            </a:r>
+            <a:r>
+              <a:rPr dirty="0"/>
+              <a:t> /</a:t>
+            </a:r>
+            <a:r>
+              <a:rPr dirty="0" err="1"/>
+              <a:t>TFIDF</a:t>
+            </a:r>
+            <a:r>
+              <a:rPr dirty="0"/>
+              <a:t> Vectorizer                                              </a:t>
+            </a:r>
+            <a:r>
+              <a:rPr lang="de-DE" dirty="0"/>
+              <a:t>	</a:t>
+            </a:r>
+            <a:r>
+              <a:rPr dirty="0"/>
+              <a:t>0.75</a:t>
+            </a:r>
+          </a:p>
+          <a:p>
+            <a:pPr marL="685800" lvl="1" indent="-228600">
               <a:spcBef>
                 <a:spcPts val="500"/>
               </a:spcBef>
               <a:defRPr sz="2200"/>
             </a:pPr>
             <a:r>
-              <a:t>Decistion Tree /TFIDF Vectorizer                                                            0.75</a:t>
-            </a:r>
-          </a:p>
-          <a:p>
-            <a:pPr lvl="1" marL="685800" indent="-228600">
+              <a:rPr dirty="0" err="1"/>
+              <a:t>Decistion</a:t>
+            </a:r>
+            <a:r>
+              <a:rPr dirty="0"/>
+              <a:t> Tree /</a:t>
+            </a:r>
+            <a:r>
+              <a:rPr dirty="0" err="1"/>
+              <a:t>TFIDF</a:t>
+            </a:r>
+            <a:r>
+              <a:rPr dirty="0"/>
+              <a:t> Vectorizer                                                      </a:t>
+            </a:r>
+            <a:r>
+              <a:rPr lang="de-DE" dirty="0"/>
+              <a:t>	</a:t>
+            </a:r>
+            <a:r>
+              <a:rPr dirty="0"/>
+              <a:t>0.75</a:t>
+            </a:r>
+          </a:p>
+          <a:p>
+            <a:pPr marL="685800" lvl="1" indent="-228600">
               <a:spcBef>
                 <a:spcPts val="500"/>
               </a:spcBef>
               <a:defRPr sz="2200"/>
             </a:pPr>
             <a:r>
-              <a:t>KNN /TFIDF Vectorizer                                                                           0.68</a:t>
-            </a:r>
-          </a:p>
-          <a:p>
-            <a:pPr lvl="1" marL="685800" indent="-228600">
+              <a:rPr dirty="0" err="1"/>
+              <a:t>KNN</a:t>
+            </a:r>
+            <a:r>
+              <a:rPr dirty="0"/>
+              <a:t> /</a:t>
+            </a:r>
+            <a:r>
+              <a:rPr dirty="0" err="1"/>
+              <a:t>TFIDF</a:t>
+            </a:r>
+            <a:r>
+              <a:rPr dirty="0"/>
+              <a:t> Vectorizer                                                                     </a:t>
+            </a:r>
+            <a:r>
+              <a:rPr lang="de-DE" dirty="0"/>
+              <a:t>	</a:t>
+            </a:r>
+            <a:r>
+              <a:rPr dirty="0"/>
+              <a:t>0.68</a:t>
+            </a:r>
+          </a:p>
+          <a:p>
+            <a:pPr marL="685800" lvl="1" indent="-228600">
               <a:spcBef>
                 <a:spcPts val="500"/>
               </a:spcBef>
               <a:defRPr sz="2200"/>
             </a:pPr>
             <a:r>
-              <a:t>Naive Bayes /TFIDF Vectorizer                                                                0.82</a:t>
-            </a:r>
-          </a:p>
-          <a:p>
-            <a:pPr lvl="1" marL="685800" indent="-228600">
+              <a:rPr dirty="0"/>
+              <a:t>Naive Bayes /</a:t>
+            </a:r>
+            <a:r>
+              <a:rPr dirty="0" err="1"/>
+              <a:t>TFIDF</a:t>
+            </a:r>
+            <a:r>
+              <a:rPr dirty="0"/>
+              <a:t> Vectorizer                                                          </a:t>
+            </a:r>
+            <a:r>
+              <a:rPr lang="de-DE" dirty="0"/>
+              <a:t>	</a:t>
+            </a:r>
+            <a:r>
+              <a:rPr dirty="0"/>
+              <a:t>0.82</a:t>
+            </a:r>
+          </a:p>
+          <a:p>
+            <a:pPr marL="685800" lvl="1" indent="-228600">
               <a:spcBef>
                 <a:spcPts val="500"/>
               </a:spcBef>
               <a:defRPr sz="2200"/>
             </a:pPr>
             <a:r>
-              <a:t>Voting (Logistic Regresiion and NAIVE BAYES)                                           0.81</a:t>
-            </a:r>
-          </a:p>
-          <a:p>
-            <a:pPr lvl="1" marL="685800" indent="-228600" algn="ctr">
+              <a:rPr dirty="0"/>
+              <a:t>Voting (Logistic </a:t>
+            </a:r>
+            <a:r>
+              <a:rPr dirty="0" err="1"/>
+              <a:t>Regresiion</a:t>
+            </a:r>
+            <a:r>
+              <a:rPr dirty="0"/>
+              <a:t> and NAIVE BAYES)                          </a:t>
+            </a:r>
+            <a:r>
+              <a:rPr lang="de-DE" dirty="0"/>
+              <a:t>	</a:t>
+            </a:r>
+            <a:r>
+              <a:rPr dirty="0"/>
+              <a:t>0.81</a:t>
+            </a:r>
+            <a:endParaRPr lang="de-DE" dirty="0"/>
+          </a:p>
+          <a:p>
+            <a:pPr marL="685800" lvl="1" indent="-228600">
               <a:spcBef>
                 <a:spcPts val="500"/>
               </a:spcBef>
               <a:defRPr sz="2200"/>
             </a:pPr>
             <a:r>
-              <a:t>Stacking (LogReg, KNN, Naive Bayes                                                       0.82</a:t>
-            </a:r>
-          </a:p>
-          <a:p>
-            <a:pPr lvl="1" marL="685800" indent="-228600">
+              <a:rPr dirty="0"/>
+              <a:t>Stacking (</a:t>
+            </a:r>
+            <a:r>
+              <a:rPr dirty="0" err="1"/>
+              <a:t>LogReg</a:t>
+            </a:r>
+            <a:r>
+              <a:rPr dirty="0"/>
+              <a:t>, </a:t>
+            </a:r>
+            <a:r>
+              <a:rPr dirty="0" err="1"/>
+              <a:t>KNN</a:t>
+            </a:r>
+            <a:r>
+              <a:rPr dirty="0"/>
+              <a:t>, Naive Bayes     </a:t>
+            </a:r>
+            <a:r>
+              <a:rPr lang="de-DE" dirty="0"/>
+              <a:t>				</a:t>
+            </a:r>
+            <a:r>
+              <a:rPr dirty="0"/>
+              <a:t>0.82</a:t>
+            </a:r>
+          </a:p>
+          <a:p>
+            <a:pPr marL="685800" lvl="1" indent="-228600">
               <a:spcBef>
                 <a:spcPts val="500"/>
               </a:spcBef>
               <a:defRPr sz="2200"/>
             </a:pPr>
             <a:r>
-              <a:t>Naive Bayes   (HE Keywords + Text in Sparse Matrix)                                0.81</a:t>
+              <a:rPr dirty="0"/>
+              <a:t>Naive Bayes   (HE Keywords + Text in Sparse Matrix)        </a:t>
+            </a:r>
+            <a:r>
+              <a:rPr lang="de-DE" dirty="0"/>
+              <a:t>		</a:t>
+            </a:r>
+            <a:r>
+              <a:rPr dirty="0"/>
+              <a:t>0.81</a:t>
             </a:r>
           </a:p>
         </p:txBody>
@@ -7279,12 +7495,12 @@
   <p:clrMapOvr>
     <a:masterClrMapping/>
   </p:clrMapOvr>
-  <p:transition xmlns:p14="http://schemas.microsoft.com/office/powerpoint/2010/main" spd="med" advClick="1"/>
+  <p:transition spd="med"/>
 </p:sld>
 </file>
 
 <file path=ppt/slides/slide8.xml><?xml version="1.0" encoding="utf-8"?>
-<p:sld xmlns:a="http://schemas.openxmlformats.org/drawingml/2006/main" xmlns:r="http://schemas.openxmlformats.org/officeDocument/2006/relationships" xmlns:p="http://schemas.openxmlformats.org/presentationml/2006/main" xmlns:m="http://schemas.openxmlformats.org/officeDocument/2006/math" xmlns:a14="http://schemas.microsoft.com/office/drawing/2010/main" showMasterSp="1" showMasterPhAnim="1">
+<p:sld xmlns:a="http://schemas.openxmlformats.org/drawingml/2006/main" xmlns:r="http://schemas.openxmlformats.org/officeDocument/2006/relationships" xmlns:p="http://schemas.openxmlformats.org/presentationml/2006/main">
   <p:cSld>
     <p:spTree>
       <p:nvGrpSpPr>
@@ -7303,7 +7519,9 @@
       <p:sp>
         <p:nvSpPr>
           <p:cNvPr id="118" name="Titel 1"/>
-          <p:cNvSpPr txBox="1"/>
+          <p:cNvSpPr txBox="1">
+            <a:spLocks noGrp="1"/>
+          </p:cNvSpPr>
           <p:nvPr>
             <p:ph type="title"/>
           </p:nvPr>
@@ -7321,7 +7539,6 @@
           <a:bodyPr/>
           <a:lstStyle/>
           <a:p>
-            <a:pPr/>
             <a:r>
               <a:t>Models, Scores and huge Matrices</a:t>
             </a:r>
@@ -7331,7 +7548,9 @@
       <p:sp>
         <p:nvSpPr>
           <p:cNvPr id="119" name="Inhaltsplatzhalter 2"/>
-          <p:cNvSpPr txBox="1"/>
+          <p:cNvSpPr txBox="1">
+            <a:spLocks noGrp="1"/>
+          </p:cNvSpPr>
           <p:nvPr>
             <p:ph type="body" idx="1"/>
           </p:nvPr>
@@ -7349,12 +7568,13 @@
           <a:bodyPr/>
           <a:lstStyle/>
           <a:p>
-            <a:pPr lvl="1" marL="685800" indent="-228600">
+            <a:pPr marL="685800" lvl="1" indent="-228600">
               <a:spcBef>
                 <a:spcPts val="500"/>
               </a:spcBef>
               <a:defRPr sz="2200"/>
             </a:pPr>
+            <a:endParaRPr/>
           </a:p>
         </p:txBody>
       </p:sp>
@@ -7367,9 +7587,7 @@
           <p:nvPr/>
         </p:nvPicPr>
         <p:blipFill>
-          <a:blip r:embed="rId2">
-            <a:extLst/>
-          </a:blip>
+          <a:blip r:embed="rId2"/>
           <a:stretch>
             <a:fillRect/>
           </a:stretch>
@@ -7392,12 +7610,12 @@
   <p:clrMapOvr>
     <a:masterClrMapping/>
   </p:clrMapOvr>
-  <p:transition xmlns:p14="http://schemas.microsoft.com/office/powerpoint/2010/main" spd="med" advClick="1"/>
+  <p:transition spd="med"/>
 </p:sld>
 </file>
 
 <file path=ppt/slides/slide9.xml><?xml version="1.0" encoding="utf-8"?>
-<p:sld xmlns:a="http://schemas.openxmlformats.org/drawingml/2006/main" xmlns:r="http://schemas.openxmlformats.org/officeDocument/2006/relationships" xmlns:p="http://schemas.openxmlformats.org/presentationml/2006/main" xmlns:m="http://schemas.openxmlformats.org/officeDocument/2006/math" xmlns:a14="http://schemas.microsoft.com/office/drawing/2010/main" showMasterSp="1" showMasterPhAnim="1">
+<p:sld xmlns:a="http://schemas.openxmlformats.org/drawingml/2006/main" xmlns:r="http://schemas.openxmlformats.org/officeDocument/2006/relationships" xmlns:p="http://schemas.openxmlformats.org/presentationml/2006/main">
   <p:cSld>
     <p:spTree>
       <p:nvGrpSpPr>
@@ -7416,7 +7634,9 @@
       <p:sp>
         <p:nvSpPr>
           <p:cNvPr id="122" name="Titel 1"/>
-          <p:cNvSpPr txBox="1"/>
+          <p:cNvSpPr txBox="1">
+            <a:spLocks noGrp="1"/>
+          </p:cNvSpPr>
           <p:nvPr>
             <p:ph type="title"/>
           </p:nvPr>
@@ -7434,40 +7654,9 @@
           <a:bodyPr/>
           <a:lstStyle/>
           <a:p>
-            <a:pPr/>
             <a:r>
               <a:t>Predict/Classify new Tweets</a:t>
             </a:r>
-          </a:p>
-        </p:txBody>
-      </p:sp>
-      <p:sp>
-        <p:nvSpPr>
-          <p:cNvPr id="123" name="Inhaltsplatzhalter 2"/>
-          <p:cNvSpPr txBox="1"/>
-          <p:nvPr>
-            <p:ph type="body" idx="1"/>
-          </p:nvPr>
-        </p:nvSpPr>
-        <p:spPr>
-          <a:xfrm>
-            <a:off x="680301" y="1791789"/>
-            <a:ext cx="10515601" cy="4351339"/>
-          </a:xfrm>
-          <a:prstGeom prst="rect">
-            <a:avLst/>
-          </a:prstGeom>
-        </p:spPr>
-        <p:txBody>
-          <a:bodyPr/>
-          <a:lstStyle/>
-          <a:p>
-            <a:pPr lvl="1" marL="685800" indent="-228600">
-              <a:spcBef>
-                <a:spcPts val="500"/>
-              </a:spcBef>
-              <a:defRPr sz="2200"/>
-            </a:pPr>
           </a:p>
         </p:txBody>
       </p:sp>
@@ -7480,16 +7669,14 @@
           <p:nvPr/>
         </p:nvPicPr>
         <p:blipFill>
-          <a:blip r:embed="rId2">
-            <a:extLst/>
-          </a:blip>
+          <a:blip r:embed="rId2"/>
           <a:stretch>
             <a:fillRect/>
           </a:stretch>
         </p:blipFill>
         <p:spPr>
           <a:xfrm>
-            <a:off x="2252164" y="1514769"/>
+            <a:off x="802302" y="1514769"/>
             <a:ext cx="7122787" cy="4710230"/>
           </a:xfrm>
           <a:prstGeom prst="rect">
@@ -7500,17 +7687,107 @@
           </a:ln>
         </p:spPr>
       </p:pic>
+      <p:sp>
+        <p:nvSpPr>
+          <p:cNvPr id="2" name="Flussdiagramm: Alternativer Prozess 1">
+            <a:extLst>
+              <a:ext uri="{FF2B5EF4-FFF2-40B4-BE49-F238E27FC236}">
+                <a16:creationId xmlns:a16="http://schemas.microsoft.com/office/drawing/2014/main" id="{FCD3BB7E-5A9A-4028-8DEE-91F7D518B64C}"/>
+              </a:ext>
+            </a:extLst>
+          </p:cNvPr>
+          <p:cNvSpPr/>
+          <p:nvPr/>
+        </p:nvSpPr>
+        <p:spPr>
+          <a:xfrm>
+            <a:off x="8501449" y="5154403"/>
+            <a:ext cx="3097427" cy="886473"/>
+          </a:xfrm>
+          <a:prstGeom prst="flowChartAlternateProcess">
+            <a:avLst/>
+          </a:prstGeom>
+          <a:solidFill>
+            <a:schemeClr val="accent5">
+              <a:lumMod val="60000"/>
+              <a:lumOff val="40000"/>
+            </a:schemeClr>
+          </a:solidFill>
+          <a:ln w="25400" cap="flat">
+            <a:solidFill>
+              <a:schemeClr val="accent1"/>
+            </a:solidFill>
+            <a:prstDash val="solid"/>
+            <a:round/>
+          </a:ln>
+          <a:effectLst/>
+          <a:sp3d/>
+        </p:spPr>
+        <p:style>
+          <a:lnRef idx="0">
+            <a:scrgbClr r="0" g="0" b="0"/>
+          </a:lnRef>
+          <a:fillRef idx="0">
+            <a:scrgbClr r="0" g="0" b="0"/>
+          </a:fillRef>
+          <a:effectRef idx="0">
+            <a:scrgbClr r="0" g="0" b="0"/>
+          </a:effectRef>
+          <a:fontRef idx="none"/>
+        </p:style>
+        <p:txBody>
+          <a:bodyPr rot="0" spcFirstLastPara="1" vertOverflow="overflow" horzOverflow="overflow" vert="horz" wrap="none" lIns="864000" tIns="45718" rIns="45718" bIns="45718" numCol="1" spcCol="38100" rtlCol="0" anchor="ctr">
+            <a:noAutofit/>
+          </a:bodyPr>
+          <a:lstStyle/>
+          <a:p>
+            <a:pPr marL="0" marR="0" indent="0" algn="l" defTabSz="914400" rtl="0" fontAlgn="auto" latinLnBrk="0" hangingPunct="0">
+              <a:lnSpc>
+                <a:spcPct val="100000"/>
+              </a:lnSpc>
+              <a:spcBef>
+                <a:spcPts val="0"/>
+              </a:spcBef>
+              <a:spcAft>
+                <a:spcPts val="0"/>
+              </a:spcAft>
+              <a:buClrTx/>
+              <a:buSzTx/>
+              <a:buFontTx/>
+              <a:buNone/>
+              <a:tabLst/>
+            </a:pPr>
+            <a:r>
+              <a:rPr kumimoji="0" lang="de-DE" sz="1800" b="0" i="0" u="none" strike="noStrike" cap="none" spc="0" normalizeH="0" baseline="0" dirty="0">
+                <a:ln>
+                  <a:noFill/>
+                </a:ln>
+                <a:solidFill>
+                  <a:srgbClr val="000000"/>
+                </a:solidFill>
+                <a:effectLst/>
+                <a:uFillTx/>
+                <a:latin typeface="+mj-lt"/>
+                <a:ea typeface="+mj-ea"/>
+                <a:cs typeface="+mj-cs"/>
+                <a:sym typeface="Calibri"/>
+              </a:rPr>
+              <a:t>Life Demo</a:t>
+            </a:r>
+          </a:p>
+        </p:txBody>
+      </p:sp>
     </p:spTree>
   </p:cSld>
   <p:clrMapOvr>
     <a:masterClrMapping/>
   </p:clrMapOvr>
-  <p:transition xmlns:p14="http://schemas.microsoft.com/office/powerpoint/2010/main" spd="med" advClick="1"/>
+  <p:transition spd="med"/>
 </p:sld>
 </file>
 
 <file path=ppt/theme/theme1.xml><?xml version="1.0" encoding="utf-8"?>
-<a:theme xmlns:a="http://schemas.openxmlformats.org/drawingml/2006/main" xmlns:r="http://schemas.openxmlformats.org/officeDocument/2006/relationships" name="Office">
+<a:theme xmlns:a="http://schemas.openxmlformats.org/drawingml/2006/main" name="Office">
   <a:themeElements>
     <a:clrScheme name="Office">
       <a:dk1>
@@ -7712,7 +7989,7 @@
         <a:effectLst/>
         <a:sp3d/>
       </a:spPr>
-      <a:bodyPr rot="0" spcFirstLastPara="1" vertOverflow="overflow" horzOverflow="overflow" vert="horz" wrap="square" lIns="45718" tIns="45718" rIns="45718" bIns="45718" numCol="1" spcCol="38100" rtlCol="0" anchor="ctr" upright="0">
+      <a:bodyPr rot="0" spcFirstLastPara="1" vertOverflow="overflow" horzOverflow="overflow" vert="horz" wrap="square" lIns="45718" tIns="45718" rIns="45718" bIns="45718" numCol="1" spcCol="38100" rtlCol="0" anchor="ctr">
         <a:spAutoFit/>
       </a:bodyPr>
       <a:lstStyle>
@@ -7731,7 +8008,7 @@
           <a:buFontTx/>
           <a:buNone/>
           <a:tabLst/>
-          <a:defRPr b="0" baseline="0" cap="none" i="0" spc="0" strike="noStrike" sz="1800" u="none" kumimoji="0" normalizeH="0">
+          <a:defRPr kumimoji="0" sz="1800" b="0" i="0" u="none" strike="noStrike" cap="none" spc="0" normalizeH="0" baseline="0">
             <a:ln>
               <a:noFill/>
             </a:ln>
@@ -7761,7 +8038,7 @@
           <a:buFontTx/>
           <a:buNone/>
           <a:tabLst/>
-          <a:defRPr b="0" baseline="0" cap="none" i="0" spc="0" strike="noStrike" sz="1800" u="none" kumimoji="0" normalizeH="0">
+          <a:defRPr kumimoji="0" sz="1800" b="0" i="0" u="none" strike="noStrike" cap="none" spc="0" normalizeH="0" baseline="0">
             <a:ln>
               <a:noFill/>
             </a:ln>
@@ -7787,7 +8064,7 @@
           <a:buFontTx/>
           <a:buNone/>
           <a:tabLst/>
-          <a:defRPr b="0" baseline="0" cap="none" i="0" spc="0" strike="noStrike" sz="1800" u="none" kumimoji="0" normalizeH="0">
+          <a:defRPr kumimoji="0" sz="1800" b="0" i="0" u="none" strike="noStrike" cap="none" spc="0" normalizeH="0" baseline="0">
             <a:ln>
               <a:noFill/>
             </a:ln>
@@ -7813,7 +8090,7 @@
           <a:buFontTx/>
           <a:buNone/>
           <a:tabLst/>
-          <a:defRPr b="0" baseline="0" cap="none" i="0" spc="0" strike="noStrike" sz="1800" u="none" kumimoji="0" normalizeH="0">
+          <a:defRPr kumimoji="0" sz="1800" b="0" i="0" u="none" strike="noStrike" cap="none" spc="0" normalizeH="0" baseline="0">
             <a:ln>
               <a:noFill/>
             </a:ln>
@@ -7839,7 +8116,7 @@
           <a:buFontTx/>
           <a:buNone/>
           <a:tabLst/>
-          <a:defRPr b="0" baseline="0" cap="none" i="0" spc="0" strike="noStrike" sz="1800" u="none" kumimoji="0" normalizeH="0">
+          <a:defRPr kumimoji="0" sz="1800" b="0" i="0" u="none" strike="noStrike" cap="none" spc="0" normalizeH="0" baseline="0">
             <a:ln>
               <a:noFill/>
             </a:ln>
@@ -7865,7 +8142,7 @@
           <a:buFontTx/>
           <a:buNone/>
           <a:tabLst/>
-          <a:defRPr b="0" baseline="0" cap="none" i="0" spc="0" strike="noStrike" sz="1800" u="none" kumimoji="0" normalizeH="0">
+          <a:defRPr kumimoji="0" sz="1800" b="0" i="0" u="none" strike="noStrike" cap="none" spc="0" normalizeH="0" baseline="0">
             <a:ln>
               <a:noFill/>
             </a:ln>
@@ -7891,7 +8168,7 @@
           <a:buFontTx/>
           <a:buNone/>
           <a:tabLst/>
-          <a:defRPr b="0" baseline="0" cap="none" i="0" spc="0" strike="noStrike" sz="1800" u="none" kumimoji="0" normalizeH="0">
+          <a:defRPr kumimoji="0" sz="1800" b="0" i="0" u="none" strike="noStrike" cap="none" spc="0" normalizeH="0" baseline="0">
             <a:ln>
               <a:noFill/>
             </a:ln>
@@ -7917,7 +8194,7 @@
           <a:buFontTx/>
           <a:buNone/>
           <a:tabLst/>
-          <a:defRPr b="0" baseline="0" cap="none" i="0" spc="0" strike="noStrike" sz="1800" u="none" kumimoji="0" normalizeH="0">
+          <a:defRPr kumimoji="0" sz="1800" b="0" i="0" u="none" strike="noStrike" cap="none" spc="0" normalizeH="0" baseline="0">
             <a:ln>
               <a:noFill/>
             </a:ln>
@@ -7943,7 +8220,7 @@
           <a:buFontTx/>
           <a:buNone/>
           <a:tabLst/>
-          <a:defRPr b="0" baseline="0" cap="none" i="0" spc="0" strike="noStrike" sz="1800" u="none" kumimoji="0" normalizeH="0">
+          <a:defRPr kumimoji="0" sz="1800" b="0" i="0" u="none" strike="noStrike" cap="none" spc="0" normalizeH="0" baseline="0">
             <a:ln>
               <a:noFill/>
             </a:ln>
@@ -7969,7 +8246,7 @@
           <a:buFontTx/>
           <a:buNone/>
           <a:tabLst/>
-          <a:defRPr b="0" baseline="0" cap="none" i="0" spc="0" strike="noStrike" sz="1800" u="none" kumimoji="0" normalizeH="0">
+          <a:defRPr kumimoji="0" sz="1800" b="0" i="0" u="none" strike="noStrike" cap="none" spc="0" normalizeH="0" baseline="0">
             <a:ln>
               <a:noFill/>
             </a:ln>
@@ -7982,9 +8259,15 @@
         </a:lvl9pPr>
       </a:lstStyle>
       <a:style>
-        <a:lnRef idx="0"/>
-        <a:fillRef idx="0"/>
-        <a:effectRef idx="0"/>
+        <a:lnRef idx="0">
+          <a:scrgbClr r="0" g="0" b="0"/>
+        </a:lnRef>
+        <a:fillRef idx="0">
+          <a:scrgbClr r="0" g="0" b="0"/>
+        </a:fillRef>
+        <a:effectRef idx="0">
+          <a:scrgbClr r="0" g="0" b="0"/>
+        </a:effectRef>
         <a:fontRef idx="none"/>
       </a:style>
     </a:spDef>
@@ -8001,7 +8284,7 @@
         <a:effectLst/>
         <a:sp3d/>
       </a:spPr>
-      <a:bodyPr rot="0" spcFirstLastPara="1" vertOverflow="overflow" horzOverflow="overflow" vert="horz" wrap="square" lIns="91439" tIns="45719" rIns="91439" bIns="45719" numCol="1" spcCol="38100" rtlCol="0" anchor="t" upright="0">
+      <a:bodyPr rot="0" spcFirstLastPara="1" vertOverflow="overflow" horzOverflow="overflow" vert="horz" wrap="square" lIns="91439" tIns="45719" rIns="91439" bIns="45719" numCol="1" spcCol="38100" rtlCol="0" anchor="t">
         <a:noAutofit/>
       </a:bodyPr>
       <a:lstStyle>
@@ -8020,7 +8303,7 @@
           <a:buFontTx/>
           <a:buNone/>
           <a:tabLst/>
-          <a:defRPr b="0" baseline="0" cap="none" i="0" spc="0" strike="noStrike" sz="1800" u="none" kumimoji="0" normalizeH="0">
+          <a:defRPr kumimoji="0" sz="1800" b="0" i="0" u="none" strike="noStrike" cap="none" spc="0" normalizeH="0" baseline="0">
             <a:ln>
               <a:noFill/>
             </a:ln>
@@ -8046,7 +8329,7 @@
           <a:buFontTx/>
           <a:buNone/>
           <a:tabLst/>
-          <a:defRPr b="0" baseline="0" cap="none" i="0" spc="0" strike="noStrike" sz="1800" u="none" kumimoji="0" normalizeH="0">
+          <a:defRPr kumimoji="0" sz="1800" b="0" i="0" u="none" strike="noStrike" cap="none" spc="0" normalizeH="0" baseline="0">
             <a:ln>
               <a:noFill/>
             </a:ln>
@@ -8072,7 +8355,7 @@
           <a:buFontTx/>
           <a:buNone/>
           <a:tabLst/>
-          <a:defRPr b="0" baseline="0" cap="none" i="0" spc="0" strike="noStrike" sz="1800" u="none" kumimoji="0" normalizeH="0">
+          <a:defRPr kumimoji="0" sz="1800" b="0" i="0" u="none" strike="noStrike" cap="none" spc="0" normalizeH="0" baseline="0">
             <a:ln>
               <a:noFill/>
             </a:ln>
@@ -8098,7 +8381,7 @@
           <a:buFontTx/>
           <a:buNone/>
           <a:tabLst/>
-          <a:defRPr b="0" baseline="0" cap="none" i="0" spc="0" strike="noStrike" sz="1800" u="none" kumimoji="0" normalizeH="0">
+          <a:defRPr kumimoji="0" sz="1800" b="0" i="0" u="none" strike="noStrike" cap="none" spc="0" normalizeH="0" baseline="0">
             <a:ln>
               <a:noFill/>
             </a:ln>
@@ -8124,7 +8407,7 @@
           <a:buFontTx/>
           <a:buNone/>
           <a:tabLst/>
-          <a:defRPr b="0" baseline="0" cap="none" i="0" spc="0" strike="noStrike" sz="1800" u="none" kumimoji="0" normalizeH="0">
+          <a:defRPr kumimoji="0" sz="1800" b="0" i="0" u="none" strike="noStrike" cap="none" spc="0" normalizeH="0" baseline="0">
             <a:ln>
               <a:noFill/>
             </a:ln>
@@ -8150,7 +8433,7 @@
           <a:buFontTx/>
           <a:buNone/>
           <a:tabLst/>
-          <a:defRPr b="0" baseline="0" cap="none" i="0" spc="0" strike="noStrike" sz="1800" u="none" kumimoji="0" normalizeH="0">
+          <a:defRPr kumimoji="0" sz="1800" b="0" i="0" u="none" strike="noStrike" cap="none" spc="0" normalizeH="0" baseline="0">
             <a:ln>
               <a:noFill/>
             </a:ln>
@@ -8176,7 +8459,7 @@
           <a:buFontTx/>
           <a:buNone/>
           <a:tabLst/>
-          <a:defRPr b="0" baseline="0" cap="none" i="0" spc="0" strike="noStrike" sz="1800" u="none" kumimoji="0" normalizeH="0">
+          <a:defRPr kumimoji="0" sz="1800" b="0" i="0" u="none" strike="noStrike" cap="none" spc="0" normalizeH="0" baseline="0">
             <a:ln>
               <a:noFill/>
             </a:ln>
@@ -8202,7 +8485,7 @@
           <a:buFontTx/>
           <a:buNone/>
           <a:tabLst/>
-          <a:defRPr b="0" baseline="0" cap="none" i="0" spc="0" strike="noStrike" sz="1800" u="none" kumimoji="0" normalizeH="0">
+          <a:defRPr kumimoji="0" sz="1800" b="0" i="0" u="none" strike="noStrike" cap="none" spc="0" normalizeH="0" baseline="0">
             <a:ln>
               <a:noFill/>
             </a:ln>
@@ -8228,7 +8511,7 @@
           <a:buFontTx/>
           <a:buNone/>
           <a:tabLst/>
-          <a:defRPr b="0" baseline="0" cap="none" i="0" spc="0" strike="noStrike" sz="1800" u="none" kumimoji="0" normalizeH="0">
+          <a:defRPr kumimoji="0" sz="1800" b="0" i="0" u="none" strike="noStrike" cap="none" spc="0" normalizeH="0" baseline="0">
             <a:ln>
               <a:noFill/>
             </a:ln>
@@ -8254,7 +8537,7 @@
           <a:buFontTx/>
           <a:buNone/>
           <a:tabLst/>
-          <a:defRPr b="0" baseline="0" cap="none" i="0" spc="0" strike="noStrike" sz="1800" u="none" kumimoji="0" normalizeH="0">
+          <a:defRPr kumimoji="0" sz="1800" b="0" i="0" u="none" strike="noStrike" cap="none" spc="0" normalizeH="0" baseline="0">
             <a:ln>
               <a:noFill/>
             </a:ln>
@@ -8267,9 +8550,15 @@
         </a:lvl9pPr>
       </a:lstStyle>
       <a:style>
-        <a:lnRef idx="0"/>
-        <a:fillRef idx="0"/>
-        <a:effectRef idx="0"/>
+        <a:lnRef idx="0">
+          <a:scrgbClr r="0" g="0" b="0"/>
+        </a:lnRef>
+        <a:fillRef idx="0">
+          <a:scrgbClr r="0" g="0" b="0"/>
+        </a:fillRef>
+        <a:effectRef idx="0">
+          <a:scrgbClr r="0" g="0" b="0"/>
+        </a:effectRef>
         <a:fontRef idx="none"/>
       </a:style>
     </a:lnDef>
@@ -8283,7 +8572,7 @@
         <a:effectLst/>
         <a:sp3d/>
       </a:spPr>
-      <a:bodyPr rot="0" spcFirstLastPara="1" vertOverflow="overflow" horzOverflow="overflow" vert="horz" wrap="square" lIns="45718" tIns="45718" rIns="45718" bIns="45718" numCol="1" spcCol="38100" rtlCol="0" anchor="t" upright="0">
+      <a:bodyPr rot="0" spcFirstLastPara="1" vertOverflow="overflow" horzOverflow="overflow" vert="horz" wrap="square" lIns="45718" tIns="45718" rIns="45718" bIns="45718" numCol="1" spcCol="38100" rtlCol="0" anchor="t">
         <a:spAutoFit/>
       </a:bodyPr>
       <a:lstStyle>
@@ -8302,7 +8591,7 @@
           <a:buFontTx/>
           <a:buNone/>
           <a:tabLst/>
-          <a:defRPr b="0" baseline="0" cap="none" i="0" spc="0" strike="noStrike" sz="1800" u="none" kumimoji="0" normalizeH="0">
+          <a:defRPr kumimoji="0" sz="1800" b="0" i="0" u="none" strike="noStrike" cap="none" spc="0" normalizeH="0" baseline="0">
             <a:ln>
               <a:noFill/>
             </a:ln>
@@ -8332,7 +8621,7 @@
           <a:buFontTx/>
           <a:buNone/>
           <a:tabLst/>
-          <a:defRPr b="0" baseline="0" cap="none" i="0" spc="0" strike="noStrike" sz="1800" u="none" kumimoji="0" normalizeH="0">
+          <a:defRPr kumimoji="0" sz="1800" b="0" i="0" u="none" strike="noStrike" cap="none" spc="0" normalizeH="0" baseline="0">
             <a:ln>
               <a:noFill/>
             </a:ln>
@@ -8358,7 +8647,7 @@
           <a:buFontTx/>
           <a:buNone/>
           <a:tabLst/>
-          <a:defRPr b="0" baseline="0" cap="none" i="0" spc="0" strike="noStrike" sz="1800" u="none" kumimoji="0" normalizeH="0">
+          <a:defRPr kumimoji="0" sz="1800" b="0" i="0" u="none" strike="noStrike" cap="none" spc="0" normalizeH="0" baseline="0">
             <a:ln>
               <a:noFill/>
             </a:ln>
@@ -8384,7 +8673,7 @@
           <a:buFontTx/>
           <a:buNone/>
           <a:tabLst/>
-          <a:defRPr b="0" baseline="0" cap="none" i="0" spc="0" strike="noStrike" sz="1800" u="none" kumimoji="0" normalizeH="0">
+          <a:defRPr kumimoji="0" sz="1800" b="0" i="0" u="none" strike="noStrike" cap="none" spc="0" normalizeH="0" baseline="0">
             <a:ln>
               <a:noFill/>
             </a:ln>
@@ -8410,7 +8699,7 @@
           <a:buFontTx/>
           <a:buNone/>
           <a:tabLst/>
-          <a:defRPr b="0" baseline="0" cap="none" i="0" spc="0" strike="noStrike" sz="1800" u="none" kumimoji="0" normalizeH="0">
+          <a:defRPr kumimoji="0" sz="1800" b="0" i="0" u="none" strike="noStrike" cap="none" spc="0" normalizeH="0" baseline="0">
             <a:ln>
               <a:noFill/>
             </a:ln>
@@ -8436,7 +8725,7 @@
           <a:buFontTx/>
           <a:buNone/>
           <a:tabLst/>
-          <a:defRPr b="0" baseline="0" cap="none" i="0" spc="0" strike="noStrike" sz="1800" u="none" kumimoji="0" normalizeH="0">
+          <a:defRPr kumimoji="0" sz="1800" b="0" i="0" u="none" strike="noStrike" cap="none" spc="0" normalizeH="0" baseline="0">
             <a:ln>
               <a:noFill/>
             </a:ln>
@@ -8462,7 +8751,7 @@
           <a:buFontTx/>
           <a:buNone/>
           <a:tabLst/>
-          <a:defRPr b="0" baseline="0" cap="none" i="0" spc="0" strike="noStrike" sz="1800" u="none" kumimoji="0" normalizeH="0">
+          <a:defRPr kumimoji="0" sz="1800" b="0" i="0" u="none" strike="noStrike" cap="none" spc="0" normalizeH="0" baseline="0">
             <a:ln>
               <a:noFill/>
             </a:ln>
@@ -8488,7 +8777,7 @@
           <a:buFontTx/>
           <a:buNone/>
           <a:tabLst/>
-          <a:defRPr b="0" baseline="0" cap="none" i="0" spc="0" strike="noStrike" sz="1800" u="none" kumimoji="0" normalizeH="0">
+          <a:defRPr kumimoji="0" sz="1800" b="0" i="0" u="none" strike="noStrike" cap="none" spc="0" normalizeH="0" baseline="0">
             <a:ln>
               <a:noFill/>
             </a:ln>
@@ -8514,7 +8803,7 @@
           <a:buFontTx/>
           <a:buNone/>
           <a:tabLst/>
-          <a:defRPr b="0" baseline="0" cap="none" i="0" spc="0" strike="noStrike" sz="1800" u="none" kumimoji="0" normalizeH="0">
+          <a:defRPr kumimoji="0" sz="1800" b="0" i="0" u="none" strike="noStrike" cap="none" spc="0" normalizeH="0" baseline="0">
             <a:ln>
               <a:noFill/>
             </a:ln>
@@ -8540,7 +8829,7 @@
           <a:buFontTx/>
           <a:buNone/>
           <a:tabLst/>
-          <a:defRPr b="0" baseline="0" cap="none" i="0" spc="0" strike="noStrike" sz="1800" u="none" kumimoji="0" normalizeH="0">
+          <a:defRPr kumimoji="0" sz="1800" b="0" i="0" u="none" strike="noStrike" cap="none" spc="0" normalizeH="0" baseline="0">
             <a:ln>
               <a:noFill/>
             </a:ln>
@@ -8553,18 +8842,25 @@
         </a:lvl9pPr>
       </a:lstStyle>
       <a:style>
-        <a:lnRef idx="0"/>
-        <a:fillRef idx="0"/>
-        <a:effectRef idx="0"/>
+        <a:lnRef idx="0">
+          <a:scrgbClr r="0" g="0" b="0"/>
+        </a:lnRef>
+        <a:fillRef idx="0">
+          <a:scrgbClr r="0" g="0" b="0"/>
+        </a:fillRef>
+        <a:effectRef idx="0">
+          <a:scrgbClr r="0" g="0" b="0"/>
+        </a:effectRef>
         <a:fontRef idx="none"/>
       </a:style>
     </a:txDef>
   </a:objectDefaults>
+  <a:extraClrSchemeLst/>
 </a:theme>
 </file>
 
 <file path=ppt/theme/theme2.xml><?xml version="1.0" encoding="utf-8"?>
-<a:theme xmlns:a="http://schemas.openxmlformats.org/drawingml/2006/main" xmlns:r="http://schemas.openxmlformats.org/officeDocument/2006/relationships" name="Office">
+<a:theme xmlns:a="http://schemas.openxmlformats.org/drawingml/2006/main" name="Office">
   <a:themeElements>
     <a:clrScheme name="Office">
       <a:dk1>
@@ -8766,7 +9062,7 @@
         <a:effectLst/>
         <a:sp3d/>
       </a:spPr>
-      <a:bodyPr rot="0" spcFirstLastPara="1" vertOverflow="overflow" horzOverflow="overflow" vert="horz" wrap="square" lIns="45718" tIns="45718" rIns="45718" bIns="45718" numCol="1" spcCol="38100" rtlCol="0" anchor="ctr" upright="0">
+      <a:bodyPr rot="0" spcFirstLastPara="1" vertOverflow="overflow" horzOverflow="overflow" vert="horz" wrap="square" lIns="45718" tIns="45718" rIns="45718" bIns="45718" numCol="1" spcCol="38100" rtlCol="0" anchor="ctr">
         <a:spAutoFit/>
       </a:bodyPr>
       <a:lstStyle>
@@ -8785,7 +9081,7 @@
           <a:buFontTx/>
           <a:buNone/>
           <a:tabLst/>
-          <a:defRPr b="0" baseline="0" cap="none" i="0" spc="0" strike="noStrike" sz="1800" u="none" kumimoji="0" normalizeH="0">
+          <a:defRPr kumimoji="0" sz="1800" b="0" i="0" u="none" strike="noStrike" cap="none" spc="0" normalizeH="0" baseline="0">
             <a:ln>
               <a:noFill/>
             </a:ln>
@@ -8815,7 +9111,7 @@
           <a:buFontTx/>
           <a:buNone/>
           <a:tabLst/>
-          <a:defRPr b="0" baseline="0" cap="none" i="0" spc="0" strike="noStrike" sz="1800" u="none" kumimoji="0" normalizeH="0">
+          <a:defRPr kumimoji="0" sz="1800" b="0" i="0" u="none" strike="noStrike" cap="none" spc="0" normalizeH="0" baseline="0">
             <a:ln>
               <a:noFill/>
             </a:ln>
@@ -8841,7 +9137,7 @@
           <a:buFontTx/>
           <a:buNone/>
           <a:tabLst/>
-          <a:defRPr b="0" baseline="0" cap="none" i="0" spc="0" strike="noStrike" sz="1800" u="none" kumimoji="0" normalizeH="0">
+          <a:defRPr kumimoji="0" sz="1800" b="0" i="0" u="none" strike="noStrike" cap="none" spc="0" normalizeH="0" baseline="0">
             <a:ln>
               <a:noFill/>
             </a:ln>
@@ -8867,7 +9163,7 @@
           <a:buFontTx/>
           <a:buNone/>
           <a:tabLst/>
-          <a:defRPr b="0" baseline="0" cap="none" i="0" spc="0" strike="noStrike" sz="1800" u="none" kumimoji="0" normalizeH="0">
+          <a:defRPr kumimoji="0" sz="1800" b="0" i="0" u="none" strike="noStrike" cap="none" spc="0" normalizeH="0" baseline="0">
             <a:ln>
               <a:noFill/>
             </a:ln>
@@ -8893,7 +9189,7 @@
           <a:buFontTx/>
           <a:buNone/>
           <a:tabLst/>
-          <a:defRPr b="0" baseline="0" cap="none" i="0" spc="0" strike="noStrike" sz="1800" u="none" kumimoji="0" normalizeH="0">
+          <a:defRPr kumimoji="0" sz="1800" b="0" i="0" u="none" strike="noStrike" cap="none" spc="0" normalizeH="0" baseline="0">
             <a:ln>
               <a:noFill/>
             </a:ln>
@@ -8919,7 +9215,7 @@
           <a:buFontTx/>
           <a:buNone/>
           <a:tabLst/>
-          <a:defRPr b="0" baseline="0" cap="none" i="0" spc="0" strike="noStrike" sz="1800" u="none" kumimoji="0" normalizeH="0">
+          <a:defRPr kumimoji="0" sz="1800" b="0" i="0" u="none" strike="noStrike" cap="none" spc="0" normalizeH="0" baseline="0">
             <a:ln>
               <a:noFill/>
             </a:ln>
@@ -8945,7 +9241,7 @@
           <a:buFontTx/>
           <a:buNone/>
           <a:tabLst/>
-          <a:defRPr b="0" baseline="0" cap="none" i="0" spc="0" strike="noStrike" sz="1800" u="none" kumimoji="0" normalizeH="0">
+          <a:defRPr kumimoji="0" sz="1800" b="0" i="0" u="none" strike="noStrike" cap="none" spc="0" normalizeH="0" baseline="0">
             <a:ln>
               <a:noFill/>
             </a:ln>
@@ -8971,7 +9267,7 @@
           <a:buFontTx/>
           <a:buNone/>
           <a:tabLst/>
-          <a:defRPr b="0" baseline="0" cap="none" i="0" spc="0" strike="noStrike" sz="1800" u="none" kumimoji="0" normalizeH="0">
+          <a:defRPr kumimoji="0" sz="1800" b="0" i="0" u="none" strike="noStrike" cap="none" spc="0" normalizeH="0" baseline="0">
             <a:ln>
               <a:noFill/>
             </a:ln>
@@ -8997,7 +9293,7 @@
           <a:buFontTx/>
           <a:buNone/>
           <a:tabLst/>
-          <a:defRPr b="0" baseline="0" cap="none" i="0" spc="0" strike="noStrike" sz="1800" u="none" kumimoji="0" normalizeH="0">
+          <a:defRPr kumimoji="0" sz="1800" b="0" i="0" u="none" strike="noStrike" cap="none" spc="0" normalizeH="0" baseline="0">
             <a:ln>
               <a:noFill/>
             </a:ln>
@@ -9023,7 +9319,7 @@
           <a:buFontTx/>
           <a:buNone/>
           <a:tabLst/>
-          <a:defRPr b="0" baseline="0" cap="none" i="0" spc="0" strike="noStrike" sz="1800" u="none" kumimoji="0" normalizeH="0">
+          <a:defRPr kumimoji="0" sz="1800" b="0" i="0" u="none" strike="noStrike" cap="none" spc="0" normalizeH="0" baseline="0">
             <a:ln>
               <a:noFill/>
             </a:ln>
@@ -9036,9 +9332,15 @@
         </a:lvl9pPr>
       </a:lstStyle>
       <a:style>
-        <a:lnRef idx="0"/>
-        <a:fillRef idx="0"/>
-        <a:effectRef idx="0"/>
+        <a:lnRef idx="0">
+          <a:scrgbClr r="0" g="0" b="0"/>
+        </a:lnRef>
+        <a:fillRef idx="0">
+          <a:scrgbClr r="0" g="0" b="0"/>
+        </a:fillRef>
+        <a:effectRef idx="0">
+          <a:scrgbClr r="0" g="0" b="0"/>
+        </a:effectRef>
         <a:fontRef idx="none"/>
       </a:style>
     </a:spDef>
@@ -9055,7 +9357,7 @@
         <a:effectLst/>
         <a:sp3d/>
       </a:spPr>
-      <a:bodyPr rot="0" spcFirstLastPara="1" vertOverflow="overflow" horzOverflow="overflow" vert="horz" wrap="square" lIns="91439" tIns="45719" rIns="91439" bIns="45719" numCol="1" spcCol="38100" rtlCol="0" anchor="t" upright="0">
+      <a:bodyPr rot="0" spcFirstLastPara="1" vertOverflow="overflow" horzOverflow="overflow" vert="horz" wrap="square" lIns="91439" tIns="45719" rIns="91439" bIns="45719" numCol="1" spcCol="38100" rtlCol="0" anchor="t">
         <a:noAutofit/>
       </a:bodyPr>
       <a:lstStyle>
@@ -9074,7 +9376,7 @@
           <a:buFontTx/>
           <a:buNone/>
           <a:tabLst/>
-          <a:defRPr b="0" baseline="0" cap="none" i="0" spc="0" strike="noStrike" sz="1800" u="none" kumimoji="0" normalizeH="0">
+          <a:defRPr kumimoji="0" sz="1800" b="0" i="0" u="none" strike="noStrike" cap="none" spc="0" normalizeH="0" baseline="0">
             <a:ln>
               <a:noFill/>
             </a:ln>
@@ -9100,7 +9402,7 @@
           <a:buFontTx/>
           <a:buNone/>
           <a:tabLst/>
-          <a:defRPr b="0" baseline="0" cap="none" i="0" spc="0" strike="noStrike" sz="1800" u="none" kumimoji="0" normalizeH="0">
+          <a:defRPr kumimoji="0" sz="1800" b="0" i="0" u="none" strike="noStrike" cap="none" spc="0" normalizeH="0" baseline="0">
             <a:ln>
               <a:noFill/>
             </a:ln>
@@ -9126,7 +9428,7 @@
           <a:buFontTx/>
           <a:buNone/>
           <a:tabLst/>
-          <a:defRPr b="0" baseline="0" cap="none" i="0" spc="0" strike="noStrike" sz="1800" u="none" kumimoji="0" normalizeH="0">
+          <a:defRPr kumimoji="0" sz="1800" b="0" i="0" u="none" strike="noStrike" cap="none" spc="0" normalizeH="0" baseline="0">
             <a:ln>
               <a:noFill/>
             </a:ln>
@@ -9152,7 +9454,7 @@
           <a:buFontTx/>
           <a:buNone/>
           <a:tabLst/>
-          <a:defRPr b="0" baseline="0" cap="none" i="0" spc="0" strike="noStrike" sz="1800" u="none" kumimoji="0" normalizeH="0">
+          <a:defRPr kumimoji="0" sz="1800" b="0" i="0" u="none" strike="noStrike" cap="none" spc="0" normalizeH="0" baseline="0">
             <a:ln>
               <a:noFill/>
             </a:ln>
@@ -9178,7 +9480,7 @@
           <a:buFontTx/>
           <a:buNone/>
           <a:tabLst/>
-          <a:defRPr b="0" baseline="0" cap="none" i="0" spc="0" strike="noStrike" sz="1800" u="none" kumimoji="0" normalizeH="0">
+          <a:defRPr kumimoji="0" sz="1800" b="0" i="0" u="none" strike="noStrike" cap="none" spc="0" normalizeH="0" baseline="0">
             <a:ln>
               <a:noFill/>
             </a:ln>
@@ -9204,7 +9506,7 @@
           <a:buFontTx/>
           <a:buNone/>
           <a:tabLst/>
-          <a:defRPr b="0" baseline="0" cap="none" i="0" spc="0" strike="noStrike" sz="1800" u="none" kumimoji="0" normalizeH="0">
+          <a:defRPr kumimoji="0" sz="1800" b="0" i="0" u="none" strike="noStrike" cap="none" spc="0" normalizeH="0" baseline="0">
             <a:ln>
               <a:noFill/>
             </a:ln>
@@ -9230,7 +9532,7 @@
           <a:buFontTx/>
           <a:buNone/>
           <a:tabLst/>
-          <a:defRPr b="0" baseline="0" cap="none" i="0" spc="0" strike="noStrike" sz="1800" u="none" kumimoji="0" normalizeH="0">
+          <a:defRPr kumimoji="0" sz="1800" b="0" i="0" u="none" strike="noStrike" cap="none" spc="0" normalizeH="0" baseline="0">
             <a:ln>
               <a:noFill/>
             </a:ln>
@@ -9256,7 +9558,7 @@
           <a:buFontTx/>
           <a:buNone/>
           <a:tabLst/>
-          <a:defRPr b="0" baseline="0" cap="none" i="0" spc="0" strike="noStrike" sz="1800" u="none" kumimoji="0" normalizeH="0">
+          <a:defRPr kumimoji="0" sz="1800" b="0" i="0" u="none" strike="noStrike" cap="none" spc="0" normalizeH="0" baseline="0">
             <a:ln>
               <a:noFill/>
             </a:ln>
@@ -9282,7 +9584,7 @@
           <a:buFontTx/>
           <a:buNone/>
           <a:tabLst/>
-          <a:defRPr b="0" baseline="0" cap="none" i="0" spc="0" strike="noStrike" sz="1800" u="none" kumimoji="0" normalizeH="0">
+          <a:defRPr kumimoji="0" sz="1800" b="0" i="0" u="none" strike="noStrike" cap="none" spc="0" normalizeH="0" baseline="0">
             <a:ln>
               <a:noFill/>
             </a:ln>
@@ -9308,7 +9610,7 @@
           <a:buFontTx/>
           <a:buNone/>
           <a:tabLst/>
-          <a:defRPr b="0" baseline="0" cap="none" i="0" spc="0" strike="noStrike" sz="1800" u="none" kumimoji="0" normalizeH="0">
+          <a:defRPr kumimoji="0" sz="1800" b="0" i="0" u="none" strike="noStrike" cap="none" spc="0" normalizeH="0" baseline="0">
             <a:ln>
               <a:noFill/>
             </a:ln>
@@ -9321,9 +9623,15 @@
         </a:lvl9pPr>
       </a:lstStyle>
       <a:style>
-        <a:lnRef idx="0"/>
-        <a:fillRef idx="0"/>
-        <a:effectRef idx="0"/>
+        <a:lnRef idx="0">
+          <a:scrgbClr r="0" g="0" b="0"/>
+        </a:lnRef>
+        <a:fillRef idx="0">
+          <a:scrgbClr r="0" g="0" b="0"/>
+        </a:fillRef>
+        <a:effectRef idx="0">
+          <a:scrgbClr r="0" g="0" b="0"/>
+        </a:effectRef>
         <a:fontRef idx="none"/>
       </a:style>
     </a:lnDef>
@@ -9337,7 +9645,7 @@
         <a:effectLst/>
         <a:sp3d/>
       </a:spPr>
-      <a:bodyPr rot="0" spcFirstLastPara="1" vertOverflow="overflow" horzOverflow="overflow" vert="horz" wrap="square" lIns="45718" tIns="45718" rIns="45718" bIns="45718" numCol="1" spcCol="38100" rtlCol="0" anchor="t" upright="0">
+      <a:bodyPr rot="0" spcFirstLastPara="1" vertOverflow="overflow" horzOverflow="overflow" vert="horz" wrap="square" lIns="45718" tIns="45718" rIns="45718" bIns="45718" numCol="1" spcCol="38100" rtlCol="0" anchor="t">
         <a:spAutoFit/>
       </a:bodyPr>
       <a:lstStyle>
@@ -9356,7 +9664,7 @@
           <a:buFontTx/>
           <a:buNone/>
           <a:tabLst/>
-          <a:defRPr b="0" baseline="0" cap="none" i="0" spc="0" strike="noStrike" sz="1800" u="none" kumimoji="0" normalizeH="0">
+          <a:defRPr kumimoji="0" sz="1800" b="0" i="0" u="none" strike="noStrike" cap="none" spc="0" normalizeH="0" baseline="0">
             <a:ln>
               <a:noFill/>
             </a:ln>
@@ -9386,7 +9694,7 @@
           <a:buFontTx/>
           <a:buNone/>
           <a:tabLst/>
-          <a:defRPr b="0" baseline="0" cap="none" i="0" spc="0" strike="noStrike" sz="1800" u="none" kumimoji="0" normalizeH="0">
+          <a:defRPr kumimoji="0" sz="1800" b="0" i="0" u="none" strike="noStrike" cap="none" spc="0" normalizeH="0" baseline="0">
             <a:ln>
               <a:noFill/>
             </a:ln>
@@ -9412,7 +9720,7 @@
           <a:buFontTx/>
           <a:buNone/>
           <a:tabLst/>
-          <a:defRPr b="0" baseline="0" cap="none" i="0" spc="0" strike="noStrike" sz="1800" u="none" kumimoji="0" normalizeH="0">
+          <a:defRPr kumimoji="0" sz="1800" b="0" i="0" u="none" strike="noStrike" cap="none" spc="0" normalizeH="0" baseline="0">
             <a:ln>
               <a:noFill/>
             </a:ln>
@@ -9438,7 +9746,7 @@
           <a:buFontTx/>
           <a:buNone/>
           <a:tabLst/>
-          <a:defRPr b="0" baseline="0" cap="none" i="0" spc="0" strike="noStrike" sz="1800" u="none" kumimoji="0" normalizeH="0">
+          <a:defRPr kumimoji="0" sz="1800" b="0" i="0" u="none" strike="noStrike" cap="none" spc="0" normalizeH="0" baseline="0">
             <a:ln>
               <a:noFill/>
             </a:ln>
@@ -9464,7 +9772,7 @@
           <a:buFontTx/>
           <a:buNone/>
           <a:tabLst/>
-          <a:defRPr b="0" baseline="0" cap="none" i="0" spc="0" strike="noStrike" sz="1800" u="none" kumimoji="0" normalizeH="0">
+          <a:defRPr kumimoji="0" sz="1800" b="0" i="0" u="none" strike="noStrike" cap="none" spc="0" normalizeH="0" baseline="0">
             <a:ln>
               <a:noFill/>
             </a:ln>
@@ -9490,7 +9798,7 @@
           <a:buFontTx/>
           <a:buNone/>
           <a:tabLst/>
-          <a:defRPr b="0" baseline="0" cap="none" i="0" spc="0" strike="noStrike" sz="1800" u="none" kumimoji="0" normalizeH="0">
+          <a:defRPr kumimoji="0" sz="1800" b="0" i="0" u="none" strike="noStrike" cap="none" spc="0" normalizeH="0" baseline="0">
             <a:ln>
               <a:noFill/>
             </a:ln>
@@ -9516,7 +9824,7 @@
           <a:buFontTx/>
           <a:buNone/>
           <a:tabLst/>
-          <a:defRPr b="0" baseline="0" cap="none" i="0" spc="0" strike="noStrike" sz="1800" u="none" kumimoji="0" normalizeH="0">
+          <a:defRPr kumimoji="0" sz="1800" b="0" i="0" u="none" strike="noStrike" cap="none" spc="0" normalizeH="0" baseline="0">
             <a:ln>
               <a:noFill/>
             </a:ln>
@@ -9542,7 +9850,7 @@
           <a:buFontTx/>
           <a:buNone/>
           <a:tabLst/>
-          <a:defRPr b="0" baseline="0" cap="none" i="0" spc="0" strike="noStrike" sz="1800" u="none" kumimoji="0" normalizeH="0">
+          <a:defRPr kumimoji="0" sz="1800" b="0" i="0" u="none" strike="noStrike" cap="none" spc="0" normalizeH="0" baseline="0">
             <a:ln>
               <a:noFill/>
             </a:ln>
@@ -9568,7 +9876,7 @@
           <a:buFontTx/>
           <a:buNone/>
           <a:tabLst/>
-          <a:defRPr b="0" baseline="0" cap="none" i="0" spc="0" strike="noStrike" sz="1800" u="none" kumimoji="0" normalizeH="0">
+          <a:defRPr kumimoji="0" sz="1800" b="0" i="0" u="none" strike="noStrike" cap="none" spc="0" normalizeH="0" baseline="0">
             <a:ln>
               <a:noFill/>
             </a:ln>
@@ -9594,7 +9902,7 @@
           <a:buFontTx/>
           <a:buNone/>
           <a:tabLst/>
-          <a:defRPr b="0" baseline="0" cap="none" i="0" spc="0" strike="noStrike" sz="1800" u="none" kumimoji="0" normalizeH="0">
+          <a:defRPr kumimoji="0" sz="1800" b="0" i="0" u="none" strike="noStrike" cap="none" spc="0" normalizeH="0" baseline="0">
             <a:ln>
               <a:noFill/>
             </a:ln>
@@ -9607,12 +9915,279 @@
         </a:lvl9pPr>
       </a:lstStyle>
       <a:style>
-        <a:lnRef idx="0"/>
-        <a:fillRef idx="0"/>
-        <a:effectRef idx="0"/>
+        <a:lnRef idx="0">
+          <a:scrgbClr r="0" g="0" b="0"/>
+        </a:lnRef>
+        <a:fillRef idx="0">
+          <a:scrgbClr r="0" g="0" b="0"/>
+        </a:fillRef>
+        <a:effectRef idx="0">
+          <a:scrgbClr r="0" g="0" b="0"/>
+        </a:effectRef>
         <a:fontRef idx="none"/>
       </a:style>
     </a:txDef>
   </a:objectDefaults>
+  <a:extraClrSchemeLst/>
 </a:theme>
+</file>
+
+<file path=customXml/item1.xml><?xml version="1.0" encoding="utf-8"?>
+<ct:contentTypeSchema xmlns:ct="http://schemas.microsoft.com/office/2006/metadata/contentType" xmlns:ma="http://schemas.microsoft.com/office/2006/metadata/properties/metaAttributes" ct:_="" ma:_="" ma:contentTypeName="Dokument" ma:contentTypeID="0x010100836DE33932D0F24E842C157F715B2E5B" ma:contentTypeVersion="11" ma:contentTypeDescription="Ein neues Dokument erstellen." ma:contentTypeScope="" ma:versionID="0ea148e3290cae58b3d07c829d945fc7">
+  <xsd:schema xmlns:xsd="http://www.w3.org/2001/XMLSchema" xmlns:xs="http://www.w3.org/2001/XMLSchema" xmlns:p="http://schemas.microsoft.com/office/2006/metadata/properties" xmlns:ns3="1d38b0a5-d74c-4591-80fb-34595252c191" xmlns:ns4="6675a1e4-0069-481f-b17b-d0695efb8776" targetNamespace="http://schemas.microsoft.com/office/2006/metadata/properties" ma:root="true" ma:fieldsID="d6e3cbd67c96037582d40ca955ae4e20" ns3:_="" ns4:_="">
+    <xsd:import namespace="1d38b0a5-d74c-4591-80fb-34595252c191"/>
+    <xsd:import namespace="6675a1e4-0069-481f-b17b-d0695efb8776"/>
+    <xsd:element name="properties">
+      <xsd:complexType>
+        <xsd:sequence>
+          <xsd:element name="documentManagement">
+            <xsd:complexType>
+              <xsd:all>
+                <xsd:element ref="ns3:MediaServiceMetadata" minOccurs="0"/>
+                <xsd:element ref="ns3:MediaServiceFastMetadata" minOccurs="0"/>
+                <xsd:element ref="ns3:MediaServiceDateTaken" minOccurs="0"/>
+                <xsd:element ref="ns3:MediaServiceAutoTags" minOccurs="0"/>
+                <xsd:element ref="ns4:SharedWithUsers" minOccurs="0"/>
+                <xsd:element ref="ns4:SharedWithDetails" minOccurs="0"/>
+                <xsd:element ref="ns4:SharingHintHash" minOccurs="0"/>
+                <xsd:element ref="ns3:MediaServiceLocation" minOccurs="0"/>
+                <xsd:element ref="ns3:MediaServiceOCR" minOccurs="0"/>
+                <xsd:element ref="ns3:MediaServiceEventHashCode" minOccurs="0"/>
+                <xsd:element ref="ns3:MediaServiceGenerationTime" minOccurs="0"/>
+              </xsd:all>
+            </xsd:complexType>
+          </xsd:element>
+        </xsd:sequence>
+      </xsd:complexType>
+    </xsd:element>
+  </xsd:schema>
+  <xsd:schema xmlns:xsd="http://www.w3.org/2001/XMLSchema" xmlns:xs="http://www.w3.org/2001/XMLSchema" xmlns:dms="http://schemas.microsoft.com/office/2006/documentManagement/types" xmlns:pc="http://schemas.microsoft.com/office/infopath/2007/PartnerControls" targetNamespace="1d38b0a5-d74c-4591-80fb-34595252c191" elementFormDefault="qualified">
+    <xsd:import namespace="http://schemas.microsoft.com/office/2006/documentManagement/types"/>
+    <xsd:import namespace="http://schemas.microsoft.com/office/infopath/2007/PartnerControls"/>
+    <xsd:element name="MediaServiceMetadata" ma:index="8" nillable="true" ma:displayName="MediaServiceMetadata" ma:description="" ma:hidden="true" ma:internalName="MediaServiceMetadata" ma:readOnly="true">
+      <xsd:simpleType>
+        <xsd:restriction base="dms:Note"/>
+      </xsd:simpleType>
+    </xsd:element>
+    <xsd:element name="MediaServiceFastMetadata" ma:index="9" nillable="true" ma:displayName="MediaServiceFastMetadata" ma:description="" ma:hidden="true" ma:internalName="MediaServiceFastMetadata" ma:readOnly="true">
+      <xsd:simpleType>
+        <xsd:restriction base="dms:Note"/>
+      </xsd:simpleType>
+    </xsd:element>
+    <xsd:element name="MediaServiceDateTaken" ma:index="10" nillable="true" ma:displayName="MediaServiceDateTaken" ma:description="" ma:hidden="true" ma:internalName="MediaServiceDateTaken" ma:readOnly="true">
+      <xsd:simpleType>
+        <xsd:restriction base="dms:Text"/>
+      </xsd:simpleType>
+    </xsd:element>
+    <xsd:element name="MediaServiceAutoTags" ma:index="11" nillable="true" ma:displayName="MediaServiceAutoTags" ma:description="" ma:internalName="MediaServiceAutoTags" ma:readOnly="true">
+      <xsd:simpleType>
+        <xsd:restriction base="dms:Text"/>
+      </xsd:simpleType>
+    </xsd:element>
+    <xsd:element name="MediaServiceLocation" ma:index="15" nillable="true" ma:displayName="MediaServiceLocation" ma:description="" ma:internalName="MediaServiceLocation" ma:readOnly="true">
+      <xsd:simpleType>
+        <xsd:restriction base="dms:Text"/>
+      </xsd:simpleType>
+    </xsd:element>
+    <xsd:element name="MediaServiceOCR" ma:index="16" nillable="true" ma:displayName="MediaServiceOCR" ma:internalName="MediaServiceOCR" ma:readOnly="true">
+      <xsd:simpleType>
+        <xsd:restriction base="dms:Note">
+          <xsd:maxLength value="255"/>
+        </xsd:restriction>
+      </xsd:simpleType>
+    </xsd:element>
+    <xsd:element name="MediaServiceEventHashCode" ma:index="17" nillable="true" ma:displayName="MediaServiceEventHashCode" ma:hidden="true" ma:internalName="MediaServiceEventHashCode" ma:readOnly="true">
+      <xsd:simpleType>
+        <xsd:restriction base="dms:Text"/>
+      </xsd:simpleType>
+    </xsd:element>
+    <xsd:element name="MediaServiceGenerationTime" ma:index="18" nillable="true" ma:displayName="MediaServiceGenerationTime" ma:hidden="true" ma:internalName="MediaServiceGenerationTime" ma:readOnly="true">
+      <xsd:simpleType>
+        <xsd:restriction base="dms:Text"/>
+      </xsd:simpleType>
+    </xsd:element>
+  </xsd:schema>
+  <xsd:schema xmlns:xsd="http://www.w3.org/2001/XMLSchema" xmlns:xs="http://www.w3.org/2001/XMLSchema" xmlns:dms="http://schemas.microsoft.com/office/2006/documentManagement/types" xmlns:pc="http://schemas.microsoft.com/office/infopath/2007/PartnerControls" targetNamespace="6675a1e4-0069-481f-b17b-d0695efb8776" elementFormDefault="qualified">
+    <xsd:import namespace="http://schemas.microsoft.com/office/2006/documentManagement/types"/>
+    <xsd:import namespace="http://schemas.microsoft.com/office/infopath/2007/PartnerControls"/>
+    <xsd:element name="SharedWithUsers" ma:index="12" nillable="true" ma:displayName="Freigegeben für" ma:description="" ma:internalName="SharedWithUsers" ma:readOnly="true">
+      <xsd:complexType>
+        <xsd:complexContent>
+          <xsd:extension base="dms:UserMulti">
+            <xsd:sequence>
+              <xsd:element name="UserInfo" minOccurs="0" maxOccurs="unbounded">
+                <xsd:complexType>
+                  <xsd:sequence>
+                    <xsd:element name="DisplayName" type="xsd:string" minOccurs="0"/>
+                    <xsd:element name="AccountId" type="dms:UserId" minOccurs="0" nillable="true"/>
+                    <xsd:element name="AccountType" type="xsd:string" minOccurs="0"/>
+                  </xsd:sequence>
+                </xsd:complexType>
+              </xsd:element>
+            </xsd:sequence>
+          </xsd:extension>
+        </xsd:complexContent>
+      </xsd:complexType>
+    </xsd:element>
+    <xsd:element name="SharedWithDetails" ma:index="13" nillable="true" ma:displayName="Freigegeben für - Details" ma:description="" ma:internalName="SharedWithDetails" ma:readOnly="true">
+      <xsd:simpleType>
+        <xsd:restriction base="dms:Note">
+          <xsd:maxLength value="255"/>
+        </xsd:restriction>
+      </xsd:simpleType>
+    </xsd:element>
+    <xsd:element name="SharingHintHash" ma:index="14" nillable="true" ma:displayName="Freigabehinweishash" ma:description="" ma:hidden="true" ma:internalName="SharingHintHash" ma:readOnly="true">
+      <xsd:simpleType>
+        <xsd:restriction base="dms:Text"/>
+      </xsd:simpleType>
+    </xsd:element>
+  </xsd:schema>
+  <xsd:schema xmlns="http://schemas.openxmlformats.org/package/2006/metadata/core-properties" xmlns:xsd="http://www.w3.org/2001/XMLSchema" xmlns:xsi="http://www.w3.org/2001/XMLSchema-instance" xmlns:dc="http://purl.org/dc/elements/1.1/" xmlns:dcterms="http://purl.org/dc/terms/" xmlns:odoc="http://schemas.microsoft.com/internal/obd" targetNamespace="http://schemas.openxmlformats.org/package/2006/metadata/core-properties" elementFormDefault="qualified" attributeFormDefault="unqualified" blockDefault="#all">
+    <xsd:import namespace="http://purl.org/dc/elements/1.1/" schemaLocation="http://dublincore.org/schemas/xmls/qdc/2003/04/02/dc.xsd"/>
+    <xsd:import namespace="http://purl.org/dc/terms/" schemaLocation="http://dublincore.org/schemas/xmls/qdc/2003/04/02/dcterms.xsd"/>
+    <xsd:element name="coreProperties" type="CT_coreProperties"/>
+    <xsd:complexType name="CT_coreProperties">
+      <xsd:all>
+        <xsd:element ref="dc:creator" minOccurs="0" maxOccurs="1"/>
+        <xsd:element ref="dcterms:created" minOccurs="0" maxOccurs="1"/>
+        <xsd:element ref="dc:identifier" minOccurs="0" maxOccurs="1"/>
+        <xsd:element name="contentType" minOccurs="0" maxOccurs="1" type="xsd:string" ma:index="0" ma:displayName="Inhaltstyp"/>
+        <xsd:element ref="dc:title" minOccurs="0" maxOccurs="1" ma:index="4" ma:displayName="Titel"/>
+        <xsd:element ref="dc:subject" minOccurs="0" maxOccurs="1"/>
+        <xsd:element ref="dc:description" minOccurs="0" maxOccurs="1"/>
+        <xsd:element name="keywords" minOccurs="0" maxOccurs="1" type="xsd:string"/>
+        <xsd:element ref="dc:language" minOccurs="0" maxOccurs="1"/>
+        <xsd:element name="category" minOccurs="0" maxOccurs="1" type="xsd:string"/>
+        <xsd:element name="version" minOccurs="0" maxOccurs="1" type="xsd:string"/>
+        <xsd:element name="revision" minOccurs="0" maxOccurs="1" type="xsd:string">
+          <xsd:annotation>
+            <xsd:documentation>
+                        This value indicates the number of saves or revisions. The application is responsible for updating this value after each revision.
+                    </xsd:documentation>
+          </xsd:annotation>
+        </xsd:element>
+        <xsd:element name="lastModifiedBy" minOccurs="0" maxOccurs="1" type="xsd:string"/>
+        <xsd:element ref="dcterms:modified" minOccurs="0" maxOccurs="1"/>
+        <xsd:element name="contentStatus" minOccurs="0" maxOccurs="1" type="xsd:string"/>
+      </xsd:all>
+    </xsd:complexType>
+  </xsd:schema>
+  <xs:schema xmlns:pc="http://schemas.microsoft.com/office/infopath/2007/PartnerControls" xmlns:xs="http://www.w3.org/2001/XMLSchema" targetNamespace="http://schemas.microsoft.com/office/infopath/2007/PartnerControls" elementFormDefault="qualified" attributeFormDefault="unqualified">
+    <xs:element name="Person">
+      <xs:complexType>
+        <xs:sequence>
+          <xs:element ref="pc:DisplayName" minOccurs="0"/>
+          <xs:element ref="pc:AccountId" minOccurs="0"/>
+          <xs:element ref="pc:AccountType" minOccurs="0"/>
+        </xs:sequence>
+      </xs:complexType>
+    </xs:element>
+    <xs:element name="DisplayName" type="xs:string"/>
+    <xs:element name="AccountId" type="xs:string"/>
+    <xs:element name="AccountType" type="xs:string"/>
+    <xs:element name="BDCAssociatedEntity">
+      <xs:complexType>
+        <xs:sequence>
+          <xs:element ref="pc:BDCEntity" minOccurs="0" maxOccurs="unbounded"/>
+        </xs:sequence>
+        <xs:attribute ref="pc:EntityNamespace"/>
+        <xs:attribute ref="pc:EntityName"/>
+        <xs:attribute ref="pc:SystemInstanceName"/>
+        <xs:attribute ref="pc:AssociationName"/>
+      </xs:complexType>
+    </xs:element>
+    <xs:attribute name="EntityNamespace" type="xs:string"/>
+    <xs:attribute name="EntityName" type="xs:string"/>
+    <xs:attribute name="SystemInstanceName" type="xs:string"/>
+    <xs:attribute name="AssociationName" type="xs:string"/>
+    <xs:element name="BDCEntity">
+      <xs:complexType>
+        <xs:sequence>
+          <xs:element ref="pc:EntityDisplayName" minOccurs="0"/>
+          <xs:element ref="pc:EntityInstanceReference" minOccurs="0"/>
+          <xs:element ref="pc:EntityId1" minOccurs="0"/>
+          <xs:element ref="pc:EntityId2" minOccurs="0"/>
+          <xs:element ref="pc:EntityId3" minOccurs="0"/>
+          <xs:element ref="pc:EntityId4" minOccurs="0"/>
+          <xs:element ref="pc:EntityId5" minOccurs="0"/>
+        </xs:sequence>
+      </xs:complexType>
+    </xs:element>
+    <xs:element name="EntityDisplayName" type="xs:string"/>
+    <xs:element name="EntityInstanceReference" type="xs:string"/>
+    <xs:element name="EntityId1" type="xs:string"/>
+    <xs:element name="EntityId2" type="xs:string"/>
+    <xs:element name="EntityId3" type="xs:string"/>
+    <xs:element name="EntityId4" type="xs:string"/>
+    <xs:element name="EntityId5" type="xs:string"/>
+    <xs:element name="Terms">
+      <xs:complexType>
+        <xs:sequence>
+          <xs:element ref="pc:TermInfo" minOccurs="0" maxOccurs="unbounded"/>
+        </xs:sequence>
+      </xs:complexType>
+    </xs:element>
+    <xs:element name="TermInfo">
+      <xs:complexType>
+        <xs:sequence>
+          <xs:element ref="pc:TermName" minOccurs="0"/>
+          <xs:element ref="pc:TermId" minOccurs="0"/>
+        </xs:sequence>
+      </xs:complexType>
+    </xs:element>
+    <xs:element name="TermName" type="xs:string"/>
+    <xs:element name="TermId" type="xs:string"/>
+  </xs:schema>
+</ct:contentTypeSchema>
+</file>
+
+<file path=customXml/item2.xml><?xml version="1.0" encoding="utf-8"?>
+<?mso-contentType ?>
+<FormTemplates xmlns="http://schemas.microsoft.com/sharepoint/v3/contenttype/forms">
+  <Display>DocumentLibraryForm</Display>
+  <Edit>DocumentLibraryForm</Edit>
+  <New>DocumentLibraryForm</New>
+</FormTemplates>
+</file>
+
+<file path=customXml/item3.xml><?xml version="1.0" encoding="utf-8"?>
+<p:properties xmlns:p="http://schemas.microsoft.com/office/2006/metadata/properties" xmlns:xsi="http://www.w3.org/2001/XMLSchema-instance" xmlns:pc="http://schemas.microsoft.com/office/infopath/2007/PartnerControls">
+  <documentManagement/>
+</p:properties>
+</file>
+
+<file path=customXml/itemProps1.xml><?xml version="1.0" encoding="utf-8"?>
+<ds:datastoreItem xmlns:ds="http://schemas.openxmlformats.org/officeDocument/2006/customXml" ds:itemID="{A83441F2-0C4F-4D30-9220-AB5C2059D640}">
+  <ds:schemaRefs>
+    <ds:schemaRef ds:uri="http://schemas.microsoft.com/office/2006/metadata/contentType"/>
+    <ds:schemaRef ds:uri="http://schemas.microsoft.com/office/2006/metadata/properties/metaAttributes"/>
+    <ds:schemaRef ds:uri="http://www.w3.org/2001/XMLSchema"/>
+    <ds:schemaRef ds:uri="http://schemas.microsoft.com/office/2006/metadata/properties"/>
+    <ds:schemaRef ds:uri="1d38b0a5-d74c-4591-80fb-34595252c191"/>
+    <ds:schemaRef ds:uri="6675a1e4-0069-481f-b17b-d0695efb8776"/>
+    <ds:schemaRef ds:uri="http://schemas.microsoft.com/office/2006/documentManagement/types"/>
+    <ds:schemaRef ds:uri="http://schemas.microsoft.com/office/infopath/2007/PartnerControls"/>
+    <ds:schemaRef ds:uri="http://schemas.openxmlformats.org/package/2006/metadata/core-properties"/>
+    <ds:schemaRef ds:uri="http://purl.org/dc/elements/1.1/"/>
+    <ds:schemaRef ds:uri="http://purl.org/dc/terms/"/>
+    <ds:schemaRef ds:uri="http://schemas.microsoft.com/internal/obd"/>
+  </ds:schemaRefs>
+</ds:datastoreItem>
+</file>
+
+<file path=customXml/itemProps2.xml><?xml version="1.0" encoding="utf-8"?>
+<ds:datastoreItem xmlns:ds="http://schemas.openxmlformats.org/officeDocument/2006/customXml" ds:itemID="{EE7125DD-C209-47D2-9997-DC1117F753D3}">
+  <ds:schemaRefs>
+    <ds:schemaRef ds:uri="http://schemas.microsoft.com/sharepoint/v3/contenttype/forms"/>
+  </ds:schemaRefs>
+</ds:datastoreItem>
+</file>
+
+<file path=customXml/itemProps3.xml><?xml version="1.0" encoding="utf-8"?>
+<ds:datastoreItem xmlns:ds="http://schemas.openxmlformats.org/officeDocument/2006/customXml" ds:itemID="{9D203E35-29A3-4C37-A27B-52B028595276}">
+  <ds:schemaRefs>
+    <ds:schemaRef ds:uri="http://schemas.microsoft.com/office/2006/metadata/properties"/>
+    <ds:schemaRef ds:uri="http://schemas.microsoft.com/office/infopath/2007/PartnerControls"/>
+  </ds:schemaRefs>
+</ds:datastoreItem>
 </file>
--- a/Presentation Fire.pptx
+++ b/Presentation Fire.pptx
@@ -33,6 +33,9 @@
   </p:sldIdLst>
   <p:sldSz cx="12192000" cy="6858000"/>
   <p:notesSz cx="6858000" cy="9144000"/>
+  <p:custDataLst>
+    <p:tags r:id="rId28"/>
+  </p:custDataLst>
   <p:defaultTextStyle>
     <a:defPPr marL="0" marR="0" indent="0" algn="l" defTabSz="914400" rtl="0" fontAlgn="auto" latinLnBrk="1" hangingPunct="0">
       <a:lnSpc>
@@ -331,7 +334,144 @@
       </a:defRPr>
     </a:lvl9pPr>
   </p:defaultTextStyle>
+  <p:extLst>
+    <p:ext uri="{EFAFB233-063F-42B5-8137-9DF3F51BA10A}">
+      <p15:sldGuideLst xmlns:p15="http://schemas.microsoft.com/office/powerpoint/2012/main"/>
+    </p:ext>
+  </p:extLst>
 </p:presentation>
+</file>
+
+<file path=ppt/revisionInfo.xml><?xml version="1.0" encoding="utf-8"?>
+<p1510:revInfo xmlns:a="http://schemas.openxmlformats.org/drawingml/2006/main" xmlns:r="http://schemas.openxmlformats.org/officeDocument/2006/relationships" xmlns:p1510="http://schemas.microsoft.com/office/powerpoint/2015/10/main">
+  <p1510:revLst>
+    <p1510:client id="{9B660D38-EBA3-4A8F-91BE-712CB13B699A}" v="55" dt="2020-10-09T09:41:02.017"/>
+  </p1510:revLst>
+</p1510:revInfo>
+</file>
+
+<file path=ppt/changesInfos/changesInfo1.xml><?xml version="1.0" encoding="utf-8"?>
+<pc:chgInfo xmlns:a="http://schemas.openxmlformats.org/drawingml/2006/main" xmlns:r="http://schemas.openxmlformats.org/officeDocument/2006/relationships" xmlns:ac="http://schemas.microsoft.com/office/drawing/2013/main/command" xmlns:pc="http://schemas.microsoft.com/office/powerpoint/2013/main/command">
+  <pc:docChgLst>
+    <pc:chgData name="Eckert, Peter" userId="04e50364-1ac6-468d-8340-c574f3737480" providerId="ADAL" clId="{9B660D38-EBA3-4A8F-91BE-712CB13B699A}"/>
+    <pc:docChg chg="undo custSel modSld modMainMaster">
+      <pc:chgData name="Eckert, Peter" userId="04e50364-1ac6-468d-8340-c574f3737480" providerId="ADAL" clId="{9B660D38-EBA3-4A8F-91BE-712CB13B699A}" dt="2020-10-09T09:42:37.785" v="164" actId="1038"/>
+      <pc:docMkLst>
+        <pc:docMk/>
+      </pc:docMkLst>
+      <pc:sldChg chg="addSp modSp">
+        <pc:chgData name="Eckert, Peter" userId="04e50364-1ac6-468d-8340-c574f3737480" providerId="ADAL" clId="{9B660D38-EBA3-4A8F-91BE-712CB13B699A}" dt="2020-10-09T09:42:37.785" v="164" actId="1038"/>
+        <pc:sldMkLst>
+          <pc:docMk/>
+          <pc:sldMk cId="0" sldId="272"/>
+        </pc:sldMkLst>
+        <pc:spChg chg="mod">
+          <ac:chgData name="Eckert, Peter" userId="04e50364-1ac6-468d-8340-c574f3737480" providerId="ADAL" clId="{9B660D38-EBA3-4A8F-91BE-712CB13B699A}" dt="2020-10-09T09:39:56.425" v="132" actId="14100"/>
+          <ac:spMkLst>
+            <pc:docMk/>
+            <pc:sldMk cId="0" sldId="272"/>
+            <ac:spMk id="173" creationId="{00000000-0000-0000-0000-000000000000}"/>
+          </ac:spMkLst>
+        </pc:spChg>
+        <pc:spChg chg="mod">
+          <ac:chgData name="Eckert, Peter" userId="04e50364-1ac6-468d-8340-c574f3737480" providerId="ADAL" clId="{9B660D38-EBA3-4A8F-91BE-712CB13B699A}" dt="2020-10-09T09:42:30.017" v="145" actId="20577"/>
+          <ac:spMkLst>
+            <pc:docMk/>
+            <pc:sldMk cId="0" sldId="272"/>
+            <ac:spMk id="174" creationId="{00000000-0000-0000-0000-000000000000}"/>
+          </ac:spMkLst>
+        </pc:spChg>
+        <pc:spChg chg="mod">
+          <ac:chgData name="Eckert, Peter" userId="04e50364-1ac6-468d-8340-c574f3737480" providerId="ADAL" clId="{9B660D38-EBA3-4A8F-91BE-712CB13B699A}" dt="2020-10-09T09:42:14.520" v="143" actId="1076"/>
+          <ac:spMkLst>
+            <pc:docMk/>
+            <pc:sldMk cId="0" sldId="272"/>
+            <ac:spMk id="179" creationId="{00000000-0000-0000-0000-000000000000}"/>
+          </ac:spMkLst>
+        </pc:spChg>
+        <pc:spChg chg="mod">
+          <ac:chgData name="Eckert, Peter" userId="04e50364-1ac6-468d-8340-c574f3737480" providerId="ADAL" clId="{9B660D38-EBA3-4A8F-91BE-712CB13B699A}" dt="2020-10-09T09:42:14.520" v="143" actId="1076"/>
+          <ac:spMkLst>
+            <pc:docMk/>
+            <pc:sldMk cId="0" sldId="272"/>
+            <ac:spMk id="180" creationId="{00000000-0000-0000-0000-000000000000}"/>
+          </ac:spMkLst>
+        </pc:spChg>
+        <pc:spChg chg="mod">
+          <ac:chgData name="Eckert, Peter" userId="04e50364-1ac6-468d-8340-c574f3737480" providerId="ADAL" clId="{9B660D38-EBA3-4A8F-91BE-712CB13B699A}" dt="2020-10-09T09:42:37.785" v="164" actId="1038"/>
+          <ac:spMkLst>
+            <pc:docMk/>
+            <pc:sldMk cId="0" sldId="272"/>
+            <ac:spMk id="183" creationId="{00000000-0000-0000-0000-000000000000}"/>
+          </ac:spMkLst>
+        </pc:spChg>
+        <pc:spChg chg="mod">
+          <ac:chgData name="Eckert, Peter" userId="04e50364-1ac6-468d-8340-c574f3737480" providerId="ADAL" clId="{9B660D38-EBA3-4A8F-91BE-712CB13B699A}" dt="2020-10-09T09:42:06.957" v="142" actId="1076"/>
+          <ac:spMkLst>
+            <pc:docMk/>
+            <pc:sldMk cId="0" sldId="272"/>
+            <ac:spMk id="184" creationId="{00000000-0000-0000-0000-000000000000}"/>
+          </ac:spMkLst>
+        </pc:spChg>
+        <pc:spChg chg="mod">
+          <ac:chgData name="Eckert, Peter" userId="04e50364-1ac6-468d-8340-c574f3737480" providerId="ADAL" clId="{9B660D38-EBA3-4A8F-91BE-712CB13B699A}" dt="2020-10-09T09:42:23.240" v="144" actId="1076"/>
+          <ac:spMkLst>
+            <pc:docMk/>
+            <pc:sldMk cId="0" sldId="272"/>
+            <ac:spMk id="185" creationId="{00000000-0000-0000-0000-000000000000}"/>
+          </ac:spMkLst>
+        </pc:spChg>
+        <pc:spChg chg="mod">
+          <ac:chgData name="Eckert, Peter" userId="04e50364-1ac6-468d-8340-c574f3737480" providerId="ADAL" clId="{9B660D38-EBA3-4A8F-91BE-712CB13B699A}" dt="2020-10-09T09:42:06.957" v="142" actId="1076"/>
+          <ac:spMkLst>
+            <pc:docMk/>
+            <pc:sldMk cId="0" sldId="272"/>
+            <ac:spMk id="186" creationId="{00000000-0000-0000-0000-000000000000}"/>
+          </ac:spMkLst>
+        </pc:spChg>
+        <pc:graphicFrameChg chg="add mod ord modVis">
+          <ac:chgData name="Eckert, Peter" userId="04e50364-1ac6-468d-8340-c574f3737480" providerId="ADAL" clId="{9B660D38-EBA3-4A8F-91BE-712CB13B699A}" dt="2020-10-09T09:41:02.017" v="134"/>
+          <ac:graphicFrameMkLst>
+            <pc:docMk/>
+            <pc:sldMk cId="0" sldId="272"/>
+            <ac:graphicFrameMk id="2" creationId="{F5A6E135-D1E4-4E5C-B4C7-7DA587B18A2F}"/>
+          </ac:graphicFrameMkLst>
+        </pc:graphicFrameChg>
+        <pc:picChg chg="mod">
+          <ac:chgData name="Eckert, Peter" userId="04e50364-1ac6-468d-8340-c574f3737480" providerId="ADAL" clId="{9B660D38-EBA3-4A8F-91BE-712CB13B699A}" dt="2020-10-09T09:42:14.520" v="143" actId="1076"/>
+          <ac:picMkLst>
+            <pc:docMk/>
+            <pc:sldMk cId="0" sldId="272"/>
+            <ac:picMk id="181" creationId="{00000000-0000-0000-0000-000000000000}"/>
+          </ac:picMkLst>
+        </pc:picChg>
+        <pc:picChg chg="mod">
+          <ac:chgData name="Eckert, Peter" userId="04e50364-1ac6-468d-8340-c574f3737480" providerId="ADAL" clId="{9B660D38-EBA3-4A8F-91BE-712CB13B699A}" dt="2020-10-09T09:42:06.957" v="142" actId="1076"/>
+          <ac:picMkLst>
+            <pc:docMk/>
+            <pc:sldMk cId="0" sldId="272"/>
+            <ac:picMk id="182" creationId="{00000000-0000-0000-0000-000000000000}"/>
+          </ac:picMkLst>
+        </pc:picChg>
+      </pc:sldChg>
+      <pc:sldMasterChg chg="addSp modSp">
+        <pc:chgData name="Eckert, Peter" userId="04e50364-1ac6-468d-8340-c574f3737480" providerId="ADAL" clId="{9B660D38-EBA3-4A8F-91BE-712CB13B699A}" dt="2020-10-09T09:38:45.225" v="15"/>
+        <pc:sldMasterMkLst>
+          <pc:docMk/>
+          <pc:sldMasterMk cId="0" sldId="2147483648"/>
+        </pc:sldMasterMkLst>
+        <pc:graphicFrameChg chg="add mod ord modVis">
+          <ac:chgData name="Eckert, Peter" userId="04e50364-1ac6-468d-8340-c574f3737480" providerId="ADAL" clId="{9B660D38-EBA3-4A8F-91BE-712CB13B699A}" dt="2020-10-09T09:38:45.225" v="15"/>
+          <ac:graphicFrameMkLst>
+            <pc:docMk/>
+            <pc:sldMasterMk cId="0" sldId="2147483648"/>
+            <ac:graphicFrameMk id="5" creationId="{1CFE1136-BEA7-4680-8283-76C36E306DEF}"/>
+          </ac:graphicFrameMkLst>
+        </pc:graphicFrameChg>
+      </pc:sldMasterChg>
+    </pc:docChg>
+  </pc:docChgLst>
+</pc:chgInfo>
 </file>
 
 <file path=ppt/notesMasters/notesMaster1.xml><?xml version="1.0" encoding="utf-8"?>
@@ -1829,6 +1969,78 @@
           <a:chExt cx="0" cy="0"/>
         </a:xfrm>
       </p:grpSpPr>
+      <p:graphicFrame>
+        <p:nvGraphicFramePr>
+          <p:cNvPr id="5" name="Objekt 4" hidden="1">
+            <a:extLst>
+              <a:ext uri="{FF2B5EF4-FFF2-40B4-BE49-F238E27FC236}">
+                <a16:creationId xmlns:a16="http://schemas.microsoft.com/office/drawing/2014/main" id="{1CFE1136-BEA7-4680-8283-76C36E306DEF}"/>
+              </a:ext>
+            </a:extLst>
+          </p:cNvPr>
+          <p:cNvGraphicFramePr>
+            <a:graphicFrameLocks noChangeAspect="1"/>
+          </p:cNvGraphicFramePr>
+          <p:nvPr userDrawn="1">
+            <p:custDataLst>
+              <p:tags r:id="rId12"/>
+            </p:custDataLst>
+            <p:extLst>
+              <p:ext uri="{D42A27DB-BD31-4B8C-83A1-F6EECF244321}">
+                <p14:modId xmlns:p14="http://schemas.microsoft.com/office/powerpoint/2010/main" val="1824630446"/>
+              </p:ext>
+            </p:extLst>
+          </p:nvPr>
+        </p:nvGraphicFramePr>
+        <p:xfrm>
+          <a:off x="1588" y="1588"/>
+          <a:ext cx="1588" cy="1588"/>
+        </p:xfrm>
+        <a:graphic>
+          <a:graphicData uri="http://schemas.openxmlformats.org/presentationml/2006/ole">
+            <mc:AlternateContent xmlns:mc="http://schemas.openxmlformats.org/markup-compatibility/2006">
+              <mc:Choice xmlns:v="urn:schemas-microsoft-com:vml" Requires="v">
+                <p:oleObj spid="_x0000_s1026" name="think-cell Folie" r:id="rId13" imgW="499" imgH="499" progId="TCLayout.ActiveDocument.1">
+                  <p:embed/>
+                </p:oleObj>
+              </mc:Choice>
+              <mc:Fallback>
+                <p:oleObj name="think-cell Folie" r:id="rId13" imgW="499" imgH="499" progId="TCLayout.ActiveDocument.1">
+                  <p:embed/>
+                  <p:pic>
+                    <p:nvPicPr>
+                      <p:cNvPr id="5" name="Objekt 4" hidden="1">
+                        <a:extLst>
+                          <a:ext uri="{FF2B5EF4-FFF2-40B4-BE49-F238E27FC236}">
+                            <a16:creationId xmlns:a16="http://schemas.microsoft.com/office/drawing/2014/main" id="{1CFE1136-BEA7-4680-8283-76C36E306DEF}"/>
+                          </a:ext>
+                        </a:extLst>
+                      </p:cNvPr>
+                      <p:cNvPicPr/>
+                      <p:nvPr/>
+                    </p:nvPicPr>
+                    <p:blipFill>
+                      <a:blip r:embed="rId14"/>
+                      <a:stretch>
+                        <a:fillRect/>
+                      </a:stretch>
+                    </p:blipFill>
+                    <p:spPr>
+                      <a:xfrm>
+                        <a:off x="1588" y="1588"/>
+                        <a:ext cx="1588" cy="1588"/>
+                      </a:xfrm>
+                      <a:prstGeom prst="rect">
+                        <a:avLst/>
+                      </a:prstGeom>
+                    </p:spPr>
+                  </p:pic>
+                </p:oleObj>
+              </mc:Fallback>
+            </mc:AlternateContent>
+          </a:graphicData>
+        </a:graphic>
+      </p:graphicFrame>
       <p:sp>
         <p:nvSpPr>
           <p:cNvPr id="2" name="Titeltext"/>
@@ -1852,7 +2064,7 @@
           </a:ln>
           <a:extLst>
             <a:ext uri="{C572A759-6A51-4108-AA02-DFA0A04FC94B}">
-              <ma14:wrappingTextBoxFlag xmlns:ma14="http://schemas.microsoft.com/office/mac/drawingml/2011/main" xmlns:a14="http://schemas.microsoft.com/office/drawing/2010/main" xmlns:m="http://schemas.openxmlformats.org/officeDocument/2006/math" xmlns="" val="1"/>
+              <ma14:wrappingTextBoxFlag xmlns="" xmlns:m="http://schemas.openxmlformats.org/officeDocument/2006/math" xmlns:a14="http://schemas.microsoft.com/office/drawing/2010/main" xmlns:ma14="http://schemas.microsoft.com/office/mac/drawingml/2011/main" val="1"/>
             </a:ext>
           </a:extLst>
         </p:spPr>
@@ -1891,7 +2103,7 @@
           </a:ln>
           <a:extLst>
             <a:ext uri="{C572A759-6A51-4108-AA02-DFA0A04FC94B}">
-              <ma14:wrappingTextBoxFlag xmlns:ma14="http://schemas.microsoft.com/office/mac/drawingml/2011/main" xmlns:a14="http://schemas.microsoft.com/office/drawing/2010/main" xmlns:m="http://schemas.openxmlformats.org/officeDocument/2006/math" xmlns="" val="1"/>
+              <ma14:wrappingTextBoxFlag xmlns="" xmlns:m="http://schemas.openxmlformats.org/officeDocument/2006/math" xmlns:a14="http://schemas.microsoft.com/office/drawing/2010/main" xmlns:ma14="http://schemas.microsoft.com/office/mac/drawingml/2011/main" val="1"/>
             </a:ext>
           </a:extLst>
         </p:spPr>
@@ -3050,7 +3262,7 @@
           </a:ln>
           <a:extLst>
             <a:ext uri="{C572A759-6A51-4108-AA02-DFA0A04FC94B}">
-              <ma14:wrappingTextBoxFlag xmlns:ma14="http://schemas.microsoft.com/office/mac/drawingml/2011/main" xmlns:a14="http://schemas.microsoft.com/office/drawing/2010/main" xmlns:m="http://schemas.openxmlformats.org/officeDocument/2006/math" xmlns="" val="1"/>
+              <ma14:wrappingTextBoxFlag xmlns="" xmlns:m="http://schemas.openxmlformats.org/officeDocument/2006/math" xmlns:a14="http://schemas.microsoft.com/office/drawing/2010/main" xmlns:ma14="http://schemas.microsoft.com/office/mac/drawingml/2011/main" val="1"/>
             </a:ext>
           </a:extLst>
         </p:spPr>
@@ -3171,7 +3383,7 @@
           </a:ln>
           <a:extLst>
             <a:ext uri="{C572A759-6A51-4108-AA02-DFA0A04FC94B}">
-              <ma14:wrappingTextBoxFlag xmlns:ma14="http://schemas.microsoft.com/office/mac/drawingml/2011/main" xmlns:a14="http://schemas.microsoft.com/office/drawing/2010/main" xmlns:m="http://schemas.openxmlformats.org/officeDocument/2006/math" xmlns="" val="1"/>
+              <ma14:wrappingTextBoxFlag xmlns="" xmlns:m="http://schemas.openxmlformats.org/officeDocument/2006/math" xmlns:a14="http://schemas.microsoft.com/office/drawing/2010/main" xmlns:ma14="http://schemas.microsoft.com/office/mac/drawingml/2011/main" val="1"/>
             </a:ext>
           </a:extLst>
         </p:spPr>
@@ -3368,7 +3580,7 @@
           </a:ln>
           <a:extLst>
             <a:ext uri="{C572A759-6A51-4108-AA02-DFA0A04FC94B}">
-              <ma14:wrappingTextBoxFlag xmlns:ma14="http://schemas.microsoft.com/office/mac/drawingml/2011/main" xmlns:a14="http://schemas.microsoft.com/office/drawing/2010/main" xmlns:m="http://schemas.openxmlformats.org/officeDocument/2006/math" xmlns="" val="1"/>
+              <ma14:wrappingTextBoxFlag xmlns="" xmlns:m="http://schemas.openxmlformats.org/officeDocument/2006/math" xmlns:a14="http://schemas.microsoft.com/office/drawing/2010/main" xmlns:ma14="http://schemas.microsoft.com/office/mac/drawingml/2011/main" val="1"/>
             </a:ext>
           </a:extLst>
         </p:spPr>
@@ -3612,7 +3824,7 @@
           </a:ln>
           <a:extLst>
             <a:ext uri="{C572A759-6A51-4108-AA02-DFA0A04FC94B}">
-              <ma14:wrappingTextBoxFlag xmlns:ma14="http://schemas.microsoft.com/office/mac/drawingml/2011/main" xmlns:a14="http://schemas.microsoft.com/office/drawing/2010/main" xmlns:m="http://schemas.openxmlformats.org/officeDocument/2006/math" xmlns="" val="1"/>
+              <ma14:wrappingTextBoxFlag xmlns="" xmlns:m="http://schemas.openxmlformats.org/officeDocument/2006/math" xmlns:a14="http://schemas.microsoft.com/office/drawing/2010/main" xmlns:ma14="http://schemas.microsoft.com/office/mac/drawingml/2011/main" val="1"/>
             </a:ext>
           </a:extLst>
         </p:spPr>
@@ -3647,7 +3859,7 @@
           </a:ln>
           <a:extLst>
             <a:ext uri="{C572A759-6A51-4108-AA02-DFA0A04FC94B}">
-              <ma14:wrappingTextBoxFlag xmlns:ma14="http://schemas.microsoft.com/office/mac/drawingml/2011/main" xmlns:a14="http://schemas.microsoft.com/office/drawing/2010/main" xmlns:m="http://schemas.openxmlformats.org/officeDocument/2006/math" xmlns="" val="1"/>
+              <ma14:wrappingTextBoxFlag xmlns="" xmlns:m="http://schemas.openxmlformats.org/officeDocument/2006/math" xmlns:a14="http://schemas.microsoft.com/office/drawing/2010/main" xmlns:ma14="http://schemas.microsoft.com/office/mac/drawingml/2011/main" val="1"/>
             </a:ext>
           </a:extLst>
         </p:spPr>
@@ -3978,7 +4190,7 @@
           </a:ln>
           <a:extLst>
             <a:ext uri="{C572A759-6A51-4108-AA02-DFA0A04FC94B}">
-              <ma14:wrappingTextBoxFlag xmlns:ma14="http://schemas.microsoft.com/office/mac/drawingml/2011/main" xmlns:a14="http://schemas.microsoft.com/office/drawing/2010/main" xmlns:m="http://schemas.openxmlformats.org/officeDocument/2006/math" xmlns="" val="1"/>
+              <ma14:wrappingTextBoxFlag xmlns="" xmlns:m="http://schemas.openxmlformats.org/officeDocument/2006/math" xmlns:a14="http://schemas.microsoft.com/office/drawing/2010/main" xmlns:ma14="http://schemas.microsoft.com/office/mac/drawingml/2011/main" val="1"/>
             </a:ext>
           </a:extLst>
         </p:spPr>
@@ -4028,7 +4240,7 @@
           </a:ln>
           <a:extLst>
             <a:ext uri="{C572A759-6A51-4108-AA02-DFA0A04FC94B}">
-              <ma14:wrappingTextBoxFlag xmlns:ma14="http://schemas.microsoft.com/office/mac/drawingml/2011/main" xmlns:a14="http://schemas.microsoft.com/office/drawing/2010/main" xmlns:m="http://schemas.openxmlformats.org/officeDocument/2006/math" xmlns="" val="1"/>
+              <ma14:wrappingTextBoxFlag xmlns="" xmlns:m="http://schemas.openxmlformats.org/officeDocument/2006/math" xmlns:a14="http://schemas.microsoft.com/office/drawing/2010/main" xmlns:ma14="http://schemas.microsoft.com/office/mac/drawingml/2011/main" val="1"/>
             </a:ext>
           </a:extLst>
         </p:spPr>
@@ -4078,7 +4290,7 @@
           </a:ln>
           <a:extLst>
             <a:ext uri="{C572A759-6A51-4108-AA02-DFA0A04FC94B}">
-              <ma14:wrappingTextBoxFlag xmlns:ma14="http://schemas.microsoft.com/office/mac/drawingml/2011/main" xmlns:a14="http://schemas.microsoft.com/office/drawing/2010/main" xmlns:m="http://schemas.openxmlformats.org/officeDocument/2006/math" xmlns="" val="1"/>
+              <ma14:wrappingTextBoxFlag xmlns="" xmlns:m="http://schemas.openxmlformats.org/officeDocument/2006/math" xmlns:a14="http://schemas.microsoft.com/office/drawing/2010/main" xmlns:ma14="http://schemas.microsoft.com/office/mac/drawingml/2011/main" val="1"/>
             </a:ext>
           </a:extLst>
         </p:spPr>
@@ -4128,7 +4340,7 @@
           </a:ln>
           <a:extLst>
             <a:ext uri="{C572A759-6A51-4108-AA02-DFA0A04FC94B}">
-              <ma14:wrappingTextBoxFlag xmlns:ma14="http://schemas.microsoft.com/office/mac/drawingml/2011/main" xmlns:a14="http://schemas.microsoft.com/office/drawing/2010/main" xmlns:m="http://schemas.openxmlformats.org/officeDocument/2006/math" xmlns="" val="1"/>
+              <ma14:wrappingTextBoxFlag xmlns="" xmlns:m="http://schemas.openxmlformats.org/officeDocument/2006/math" xmlns:a14="http://schemas.microsoft.com/office/drawing/2010/main" xmlns:ma14="http://schemas.microsoft.com/office/mac/drawingml/2011/main" val="1"/>
             </a:ext>
           </a:extLst>
         </p:spPr>
@@ -4178,7 +4390,7 @@
           </a:ln>
           <a:extLst>
             <a:ext uri="{C572A759-6A51-4108-AA02-DFA0A04FC94B}">
-              <ma14:wrappingTextBoxFlag xmlns:ma14="http://schemas.microsoft.com/office/mac/drawingml/2011/main" xmlns:a14="http://schemas.microsoft.com/office/drawing/2010/main" xmlns:m="http://schemas.openxmlformats.org/officeDocument/2006/math" xmlns="" val="1"/>
+              <ma14:wrappingTextBoxFlag xmlns="" xmlns:m="http://schemas.openxmlformats.org/officeDocument/2006/math" xmlns:a14="http://schemas.microsoft.com/office/drawing/2010/main" xmlns:ma14="http://schemas.microsoft.com/office/mac/drawingml/2011/main" val="1"/>
             </a:ext>
           </a:extLst>
         </p:spPr>
@@ -4228,7 +4440,7 @@
           </a:ln>
           <a:extLst>
             <a:ext uri="{C572A759-6A51-4108-AA02-DFA0A04FC94B}">
-              <ma14:wrappingTextBoxFlag xmlns:ma14="http://schemas.microsoft.com/office/mac/drawingml/2011/main" xmlns:a14="http://schemas.microsoft.com/office/drawing/2010/main" xmlns:m="http://schemas.openxmlformats.org/officeDocument/2006/math" xmlns="" val="1"/>
+              <ma14:wrappingTextBoxFlag xmlns="" xmlns:m="http://schemas.openxmlformats.org/officeDocument/2006/math" xmlns:a14="http://schemas.microsoft.com/office/drawing/2010/main" xmlns:ma14="http://schemas.microsoft.com/office/mac/drawingml/2011/main" val="1"/>
             </a:ext>
           </a:extLst>
         </p:spPr>
@@ -4278,7 +4490,7 @@
           </a:ln>
           <a:extLst>
             <a:ext uri="{C572A759-6A51-4108-AA02-DFA0A04FC94B}">
-              <ma14:wrappingTextBoxFlag xmlns:ma14="http://schemas.microsoft.com/office/mac/drawingml/2011/main" xmlns:a14="http://schemas.microsoft.com/office/drawing/2010/main" xmlns:m="http://schemas.openxmlformats.org/officeDocument/2006/math" xmlns="" val="1"/>
+              <ma14:wrappingTextBoxFlag xmlns="" xmlns:m="http://schemas.openxmlformats.org/officeDocument/2006/math" xmlns:a14="http://schemas.microsoft.com/office/drawing/2010/main" xmlns:ma14="http://schemas.microsoft.com/office/mac/drawingml/2011/main" val="1"/>
             </a:ext>
           </a:extLst>
         </p:spPr>
@@ -4328,7 +4540,7 @@
           </a:ln>
           <a:extLst>
             <a:ext uri="{C572A759-6A51-4108-AA02-DFA0A04FC94B}">
-              <ma14:wrappingTextBoxFlag xmlns:ma14="http://schemas.microsoft.com/office/mac/drawingml/2011/main" xmlns:a14="http://schemas.microsoft.com/office/drawing/2010/main" xmlns:m="http://schemas.openxmlformats.org/officeDocument/2006/math" xmlns="" val="1"/>
+              <ma14:wrappingTextBoxFlag xmlns="" xmlns:m="http://schemas.openxmlformats.org/officeDocument/2006/math" xmlns:a14="http://schemas.microsoft.com/office/drawing/2010/main" xmlns:ma14="http://schemas.microsoft.com/office/mac/drawingml/2011/main" val="1"/>
             </a:ext>
           </a:extLst>
         </p:spPr>
@@ -4623,7 +4835,7 @@
           </a:ln>
           <a:extLst>
             <a:ext uri="{C572A759-6A51-4108-AA02-DFA0A04FC94B}">
-              <ma14:wrappingTextBoxFlag xmlns:ma14="http://schemas.microsoft.com/office/mac/drawingml/2011/main" xmlns:a14="http://schemas.microsoft.com/office/drawing/2010/main" xmlns:m="http://schemas.openxmlformats.org/officeDocument/2006/math" xmlns="" val="1"/>
+              <ma14:wrappingTextBoxFlag xmlns="" xmlns:m="http://schemas.openxmlformats.org/officeDocument/2006/math" xmlns:a14="http://schemas.microsoft.com/office/drawing/2010/main" xmlns:ma14="http://schemas.microsoft.com/office/mac/drawingml/2011/main" val="1"/>
             </a:ext>
           </a:extLst>
         </p:spPr>
@@ -5087,7 +5299,7 @@
           </a:ln>
           <a:extLst>
             <a:ext uri="{C572A759-6A51-4108-AA02-DFA0A04FC94B}">
-              <ma14:wrappingTextBoxFlag xmlns:ma14="http://schemas.microsoft.com/office/mac/drawingml/2011/main" xmlns:a14="http://schemas.microsoft.com/office/drawing/2010/main" xmlns:m="http://schemas.openxmlformats.org/officeDocument/2006/math" xmlns="" val="1"/>
+              <ma14:wrappingTextBoxFlag xmlns="" xmlns:m="http://schemas.openxmlformats.org/officeDocument/2006/math" xmlns:a14="http://schemas.microsoft.com/office/drawing/2010/main" xmlns:ma14="http://schemas.microsoft.com/office/mac/drawingml/2011/main" val="1"/>
             </a:ext>
           </a:extLst>
         </p:spPr>
@@ -5244,6 +5456,78 @@
           <a:chExt cx="0" cy="0"/>
         </a:xfrm>
       </p:grpSpPr>
+      <p:graphicFrame>
+        <p:nvGraphicFramePr>
+          <p:cNvPr id="2" name="Objekt 1" hidden="1">
+            <a:extLst>
+              <a:ext uri="{FF2B5EF4-FFF2-40B4-BE49-F238E27FC236}">
+                <a16:creationId xmlns:a16="http://schemas.microsoft.com/office/drawing/2014/main" id="{F5A6E135-D1E4-4E5C-B4C7-7DA587B18A2F}"/>
+              </a:ext>
+            </a:extLst>
+          </p:cNvPr>
+          <p:cNvGraphicFramePr>
+            <a:graphicFrameLocks noChangeAspect="1"/>
+          </p:cNvGraphicFramePr>
+          <p:nvPr>
+            <p:custDataLst>
+              <p:tags r:id="rId2"/>
+            </p:custDataLst>
+            <p:extLst>
+              <p:ext uri="{D42A27DB-BD31-4B8C-83A1-F6EECF244321}">
+                <p14:modId xmlns:p14="http://schemas.microsoft.com/office/powerpoint/2010/main" val="3973780380"/>
+              </p:ext>
+            </p:extLst>
+          </p:nvPr>
+        </p:nvGraphicFramePr>
+        <p:xfrm>
+          <a:off x="1588" y="1588"/>
+          <a:ext cx="1588" cy="1588"/>
+        </p:xfrm>
+        <a:graphic>
+          <a:graphicData uri="http://schemas.openxmlformats.org/presentationml/2006/ole">
+            <mc:AlternateContent xmlns:mc="http://schemas.openxmlformats.org/markup-compatibility/2006">
+              <mc:Choice xmlns:v="urn:schemas-microsoft-com:vml" Requires="v">
+                <p:oleObj spid="_x0000_s2050" name="think-cell Folie" r:id="rId4" imgW="499" imgH="499" progId="TCLayout.ActiveDocument.1">
+                  <p:embed/>
+                </p:oleObj>
+              </mc:Choice>
+              <mc:Fallback>
+                <p:oleObj name="think-cell Folie" r:id="rId4" imgW="499" imgH="499" progId="TCLayout.ActiveDocument.1">
+                  <p:embed/>
+                  <p:pic>
+                    <p:nvPicPr>
+                      <p:cNvPr id="2" name="Objekt 1" hidden="1">
+                        <a:extLst>
+                          <a:ext uri="{FF2B5EF4-FFF2-40B4-BE49-F238E27FC236}">
+                            <a16:creationId xmlns:a16="http://schemas.microsoft.com/office/drawing/2014/main" id="{F5A6E135-D1E4-4E5C-B4C7-7DA587B18A2F}"/>
+                          </a:ext>
+                        </a:extLst>
+                      </p:cNvPr>
+                      <p:cNvPicPr/>
+                      <p:nvPr/>
+                    </p:nvPicPr>
+                    <p:blipFill>
+                      <a:blip r:embed="rId5"/>
+                      <a:stretch>
+                        <a:fillRect/>
+                      </a:stretch>
+                    </p:blipFill>
+                    <p:spPr>
+                      <a:xfrm>
+                        <a:off x="1588" y="1588"/>
+                        <a:ext cx="1588" cy="1588"/>
+                      </a:xfrm>
+                      <a:prstGeom prst="rect">
+                        <a:avLst/>
+                      </a:prstGeom>
+                    </p:spPr>
+                  </p:pic>
+                </p:oleObj>
+              </mc:Fallback>
+            </mc:AlternateContent>
+          </a:graphicData>
+        </a:graphic>
+      </p:graphicFrame>
       <p:sp>
         <p:nvSpPr>
           <p:cNvPr id="173" name="Titel 1"/>
@@ -5255,6 +5539,10 @@
           </p:nvPr>
         </p:nvSpPr>
         <p:spPr>
+          <a:xfrm>
+            <a:off x="838200" y="365125"/>
+            <a:ext cx="11238470" cy="1325563"/>
+          </a:xfrm>
           <a:prstGeom prst="rect">
             <a:avLst/>
           </a:prstGeom>
@@ -5264,8 +5552,38 @@
           <a:lstStyle/>
           <a:p>
             <a:r>
+              <a:rPr dirty="0"/>
               <a:t>Progress</a:t>
             </a:r>
+            <a:r>
+              <a:rPr lang="de-DE" dirty="0"/>
+              <a:t> </a:t>
+            </a:r>
+            <a:r>
+              <a:rPr lang="de-DE" dirty="0" err="1"/>
+              <a:t>of</a:t>
+            </a:r>
+            <a:r>
+              <a:rPr lang="de-DE" dirty="0"/>
+              <a:t> tweet </a:t>
+            </a:r>
+            <a:r>
+              <a:rPr lang="de-DE" dirty="0" err="1"/>
+              <a:t>classification</a:t>
+            </a:r>
+            <a:r>
+              <a:rPr lang="de-DE" dirty="0"/>
+              <a:t> (score </a:t>
+            </a:r>
+            <a:r>
+              <a:rPr lang="de-DE" dirty="0" err="1"/>
+              <a:t>increase</a:t>
+            </a:r>
+            <a:r>
+              <a:rPr lang="de-DE" dirty="0"/>
+              <a:t>)</a:t>
+            </a:r>
+            <a:endParaRPr dirty="0"/>
           </a:p>
         </p:txBody>
       </p:sp>
@@ -5298,7 +5616,32 @@
           </a:lstStyle>
           <a:p>
             <a:r>
-              <a:t>Day 1:			Day 4:                          Day 5: </a:t>
+              <a:rPr dirty="0"/>
+              <a:t>Day 1:			</a:t>
+            </a:r>
+            <a:r>
+              <a:rPr lang="de-DE" dirty="0"/>
+              <a:t>	</a:t>
+            </a:r>
+            <a:r>
+              <a:rPr dirty="0"/>
+              <a:t>Day </a:t>
+            </a:r>
+            <a:r>
+              <a:rPr lang="de-DE" dirty="0"/>
+              <a:t>3</a:t>
+            </a:r>
+            <a:r>
+              <a:rPr dirty="0"/>
+              <a:t>:                          Day </a:t>
+            </a:r>
+            <a:r>
+              <a:rPr lang="de-DE" dirty="0"/>
+              <a:t>4</a:t>
+            </a:r>
+            <a:r>
+              <a:rPr dirty="0"/>
+              <a:t>: </a:t>
             </a:r>
           </a:p>
         </p:txBody>
@@ -5312,7 +5655,7 @@
           <p:nvPr/>
         </p:nvPicPr>
         <p:blipFill>
-          <a:blip r:embed="rId2"/>
+          <a:blip r:embed="rId6"/>
           <a:stretch>
             <a:fillRect/>
           </a:stretch>
@@ -5349,7 +5692,7 @@
           </a:ln>
           <a:extLst>
             <a:ext uri="{C572A759-6A51-4108-AA02-DFA0A04FC94B}">
-              <ma14:wrappingTextBoxFlag xmlns:ma14="http://schemas.microsoft.com/office/mac/drawingml/2011/main" xmlns:a14="http://schemas.microsoft.com/office/drawing/2010/main" xmlns:m="http://schemas.openxmlformats.org/officeDocument/2006/math" xmlns="" val="1"/>
+              <ma14:wrappingTextBoxFlag xmlns="" xmlns:m="http://schemas.openxmlformats.org/officeDocument/2006/math" xmlns:a14="http://schemas.microsoft.com/office/drawing/2010/main" xmlns:ma14="http://schemas.microsoft.com/office/mac/drawingml/2011/main" val="1"/>
             </a:ext>
           </a:extLst>
         </p:spPr>
@@ -5384,7 +5727,7 @@
           </a:ln>
           <a:extLst>
             <a:ext uri="{C572A759-6A51-4108-AA02-DFA0A04FC94B}">
-              <ma14:wrappingTextBoxFlag xmlns:ma14="http://schemas.microsoft.com/office/mac/drawingml/2011/main" xmlns:a14="http://schemas.microsoft.com/office/drawing/2010/main" xmlns:m="http://schemas.openxmlformats.org/officeDocument/2006/math" xmlns="" val="1"/>
+              <ma14:wrappingTextBoxFlag xmlns="" xmlns:m="http://schemas.openxmlformats.org/officeDocument/2006/math" xmlns:a14="http://schemas.microsoft.com/office/drawing/2010/main" xmlns:ma14="http://schemas.microsoft.com/office/mac/drawingml/2011/main" val="1"/>
             </a:ext>
           </a:extLst>
         </p:spPr>
@@ -5419,7 +5762,7 @@
           </a:ln>
           <a:extLst>
             <a:ext uri="{C572A759-6A51-4108-AA02-DFA0A04FC94B}">
-              <ma14:wrappingTextBoxFlag xmlns:ma14="http://schemas.microsoft.com/office/mac/drawingml/2011/main" xmlns:a14="http://schemas.microsoft.com/office/drawing/2010/main" xmlns:m="http://schemas.openxmlformats.org/officeDocument/2006/math" xmlns="" val="1"/>
+              <ma14:wrappingTextBoxFlag xmlns="" xmlns:m="http://schemas.openxmlformats.org/officeDocument/2006/math" xmlns:a14="http://schemas.microsoft.com/office/drawing/2010/main" xmlns:ma14="http://schemas.microsoft.com/office/mac/drawingml/2011/main" val="1"/>
             </a:ext>
           </a:extLst>
         </p:spPr>
@@ -5443,7 +5786,7 @@
         </p:nvSpPr>
         <p:spPr>
           <a:xfrm>
-            <a:off x="4498241" y="2122780"/>
+            <a:off x="7589907" y="2153094"/>
             <a:ext cx="2992429" cy="624839"/>
           </a:xfrm>
           <a:prstGeom prst="rect">
@@ -5454,7 +5797,7 @@
           </a:ln>
           <a:extLst>
             <a:ext uri="{C572A759-6A51-4108-AA02-DFA0A04FC94B}">
-              <ma14:wrappingTextBoxFlag xmlns:ma14="http://schemas.microsoft.com/office/mac/drawingml/2011/main" xmlns:a14="http://schemas.microsoft.com/office/drawing/2010/main" xmlns:m="http://schemas.openxmlformats.org/officeDocument/2006/math" xmlns="" val="1"/>
+              <ma14:wrappingTextBoxFlag xmlns="" xmlns:m="http://schemas.openxmlformats.org/officeDocument/2006/math" xmlns:a14="http://schemas.microsoft.com/office/drawing/2010/main" xmlns:ma14="http://schemas.microsoft.com/office/mac/drawingml/2011/main" val="1"/>
             </a:ext>
           </a:extLst>
         </p:spPr>
@@ -5483,7 +5826,7 @@
         </p:nvSpPr>
         <p:spPr>
           <a:xfrm>
-            <a:off x="4803738" y="5681426"/>
+            <a:off x="7895404" y="5711740"/>
             <a:ext cx="2226056" cy="358139"/>
           </a:xfrm>
           <a:prstGeom prst="rect">
@@ -5494,7 +5837,7 @@
           </a:ln>
           <a:extLst>
             <a:ext uri="{C572A759-6A51-4108-AA02-DFA0A04FC94B}">
-              <ma14:wrappingTextBoxFlag xmlns:ma14="http://schemas.microsoft.com/office/mac/drawingml/2011/main" xmlns:a14="http://schemas.microsoft.com/office/drawing/2010/main" xmlns:m="http://schemas.openxmlformats.org/officeDocument/2006/math" xmlns="" val="1"/>
+              <ma14:wrappingTextBoxFlag xmlns="" xmlns:m="http://schemas.openxmlformats.org/officeDocument/2006/math" xmlns:a14="http://schemas.microsoft.com/office/drawing/2010/main" xmlns:ma14="http://schemas.microsoft.com/office/mac/drawingml/2011/main" val="1"/>
             </a:ext>
           </a:extLst>
         </p:spPr>
@@ -5505,6 +5848,7 @@
           <a:lstStyle/>
           <a:p>
             <a:r>
+              <a:rPr dirty="0"/>
               <a:t>0.8260013131976363</a:t>
             </a:r>
           </a:p>
@@ -5519,14 +5863,14 @@
           <p:nvPr/>
         </p:nvPicPr>
         <p:blipFill>
-          <a:blip r:embed="rId3"/>
+          <a:blip r:embed="rId7"/>
           <a:stretch>
             <a:fillRect/>
           </a:stretch>
         </p:blipFill>
         <p:spPr>
           <a:xfrm>
-            <a:off x="4422683" y="2907363"/>
+            <a:off x="7514349" y="2937677"/>
             <a:ext cx="2943227" cy="2495552"/>
           </a:xfrm>
           <a:prstGeom prst="rect">
@@ -5546,14 +5890,14 @@
           <p:nvPr/>
         </p:nvPicPr>
         <p:blipFill>
-          <a:blip r:embed="rId4"/>
+          <a:blip r:embed="rId8"/>
           <a:stretch>
             <a:fillRect/>
           </a:stretch>
         </p:blipFill>
         <p:spPr>
           <a:xfrm>
-            <a:off x="8374733" y="2789027"/>
+            <a:off x="4018641" y="2730040"/>
             <a:ext cx="2943227" cy="2647952"/>
           </a:xfrm>
           <a:prstGeom prst="rect">
@@ -5572,7 +5916,7 @@
         </p:nvSpPr>
         <p:spPr>
           <a:xfrm>
-            <a:off x="8374733" y="2122780"/>
+            <a:off x="4175163" y="2063793"/>
             <a:ext cx="2992429" cy="624839"/>
           </a:xfrm>
           <a:prstGeom prst="rect">
@@ -5583,7 +5927,7 @@
           </a:ln>
           <a:extLst>
             <a:ext uri="{C572A759-6A51-4108-AA02-DFA0A04FC94B}">
-              <ma14:wrappingTextBoxFlag xmlns:ma14="http://schemas.microsoft.com/office/mac/drawingml/2011/main" xmlns:a14="http://schemas.microsoft.com/office/drawing/2010/main" xmlns:m="http://schemas.openxmlformats.org/officeDocument/2006/math" xmlns="" val="1"/>
+              <ma14:wrappingTextBoxFlag xmlns="" xmlns:m="http://schemas.openxmlformats.org/officeDocument/2006/math" xmlns:a14="http://schemas.microsoft.com/office/drawing/2010/main" xmlns:ma14="http://schemas.microsoft.com/office/mac/drawingml/2011/main" val="1"/>
             </a:ext>
           </a:extLst>
         </p:spPr>
@@ -5594,6 +5938,7 @@
           <a:lstStyle/>
           <a:p>
             <a:r>
+              <a:rPr dirty="0"/>
               <a:t>Naive Bayes including Keywords and Text</a:t>
             </a:r>
           </a:p>
@@ -5607,7 +5952,7 @@
         </p:nvSpPr>
         <p:spPr>
           <a:xfrm>
-            <a:off x="8733319" y="5627970"/>
+            <a:off x="4377227" y="5568983"/>
             <a:ext cx="2226056" cy="358139"/>
           </a:xfrm>
           <a:prstGeom prst="rect">
@@ -5618,7 +5963,7 @@
           </a:ln>
           <a:extLst>
             <a:ext uri="{C572A759-6A51-4108-AA02-DFA0A04FC94B}">
-              <ma14:wrappingTextBoxFlag xmlns:ma14="http://schemas.microsoft.com/office/mac/drawingml/2011/main" xmlns:a14="http://schemas.microsoft.com/office/drawing/2010/main" xmlns:m="http://schemas.openxmlformats.org/officeDocument/2006/math" xmlns="" val="1"/>
+              <ma14:wrappingTextBoxFlag xmlns="" xmlns:m="http://schemas.openxmlformats.org/officeDocument/2006/math" xmlns:a14="http://schemas.microsoft.com/office/drawing/2010/main" xmlns:ma14="http://schemas.microsoft.com/office/mac/drawingml/2011/main" val="1"/>
             </a:ext>
           </a:extLst>
         </p:spPr>
@@ -5642,7 +5987,7 @@
         </p:nvSpPr>
         <p:spPr>
           <a:xfrm>
-            <a:off x="5056601" y="6178539"/>
+            <a:off x="8141071" y="6069879"/>
             <a:ext cx="2631443" cy="358139"/>
           </a:xfrm>
           <a:prstGeom prst="rect">
@@ -5653,7 +5998,7 @@
           </a:ln>
           <a:extLst>
             <a:ext uri="{C572A759-6A51-4108-AA02-DFA0A04FC94B}">
-              <ma14:wrappingTextBoxFlag xmlns:ma14="http://schemas.microsoft.com/office/mac/drawingml/2011/main" xmlns:a14="http://schemas.microsoft.com/office/drawing/2010/main" xmlns:m="http://schemas.openxmlformats.org/officeDocument/2006/math" xmlns="" val="1"/>
+              <ma14:wrappingTextBoxFlag xmlns="" xmlns:m="http://schemas.openxmlformats.org/officeDocument/2006/math" xmlns:a14="http://schemas.microsoft.com/office/drawing/2010/main" xmlns:ma14="http://schemas.microsoft.com/office/mac/drawingml/2011/main" val="1"/>
             </a:ext>
           </a:extLst>
         </p:spPr>
@@ -5672,6 +6017,7 @@
           </a:lstStyle>
           <a:p>
             <a:r>
+              <a:rPr dirty="0"/>
               <a:t>highest score</a:t>
             </a:r>
           </a:p>
@@ -5685,7 +6031,7 @@
         </p:nvSpPr>
         <p:spPr>
           <a:xfrm>
-            <a:off x="9337223" y="6129430"/>
+            <a:off x="4981131" y="6070443"/>
             <a:ext cx="1242005" cy="358139"/>
           </a:xfrm>
           <a:prstGeom prst="rect">
@@ -5696,7 +6042,7 @@
           </a:ln>
           <a:extLst>
             <a:ext uri="{C572A759-6A51-4108-AA02-DFA0A04FC94B}">
-              <ma14:wrappingTextBoxFlag xmlns:ma14="http://schemas.microsoft.com/office/mac/drawingml/2011/main" xmlns:a14="http://schemas.microsoft.com/office/drawing/2010/main" xmlns:m="http://schemas.openxmlformats.org/officeDocument/2006/math" xmlns="" val="1"/>
+              <ma14:wrappingTextBoxFlag xmlns="" xmlns:m="http://schemas.openxmlformats.org/officeDocument/2006/math" xmlns:a14="http://schemas.microsoft.com/office/drawing/2010/main" xmlns:ma14="http://schemas.microsoft.com/office/mac/drawingml/2011/main" val="1"/>
             </a:ext>
           </a:extLst>
         </p:spPr>
@@ -6446,7 +6792,7 @@
           </a:ln>
           <a:extLst>
             <a:ext uri="{C572A759-6A51-4108-AA02-DFA0A04FC94B}">
-              <ma14:wrappingTextBoxFlag xmlns:ma14="http://schemas.microsoft.com/office/mac/drawingml/2011/main" xmlns:a14="http://schemas.microsoft.com/office/drawing/2010/main" xmlns:m="http://schemas.openxmlformats.org/officeDocument/2006/math" xmlns="" val="1"/>
+              <ma14:wrappingTextBoxFlag xmlns="" xmlns:m="http://schemas.openxmlformats.org/officeDocument/2006/math" xmlns:a14="http://schemas.microsoft.com/office/drawing/2010/main" xmlns:ma14="http://schemas.microsoft.com/office/mac/drawingml/2011/main" val="1"/>
             </a:ext>
           </a:extLst>
         </p:spPr>
@@ -7784,6 +8130,24 @@
   </p:clrMapOvr>
   <p:transition spd="med"/>
 </p:sld>
+</file>
+
+<file path=ppt/tags/tag1.xml><?xml version="1.0" encoding="utf-8"?>
+<p:tagLst xmlns:a="http://schemas.openxmlformats.org/drawingml/2006/main" xmlns:r="http://schemas.openxmlformats.org/officeDocument/2006/relationships" xmlns:p="http://schemas.openxmlformats.org/presentationml/2006/main">
+  <p:tag name="THINKCELLUNDODONOTDELETE" val="0"/>
+</p:tagLst>
+</file>
+
+<file path=ppt/tags/tag2.xml><?xml version="1.0" encoding="utf-8"?>
+<p:tagLst xmlns:a="http://schemas.openxmlformats.org/drawingml/2006/main" xmlns:r="http://schemas.openxmlformats.org/officeDocument/2006/relationships" xmlns:p="http://schemas.openxmlformats.org/presentationml/2006/main">
+  <p:tag name="THINKCELLSHAPEDONOTDELETE" val="thinkcellActiveDocDoNotDelete"/>
+</p:tagLst>
+</file>
+
+<file path=ppt/tags/tag3.xml><?xml version="1.0" encoding="utf-8"?>
+<p:tagLst xmlns:a="http://schemas.openxmlformats.org/drawingml/2006/main" xmlns:r="http://schemas.openxmlformats.org/officeDocument/2006/relationships" xmlns:p="http://schemas.openxmlformats.org/presentationml/2006/main">
+  <p:tag name="THINKCELLSHAPEDONOTDELETE" val="thinkcellActiveDocDoNotDelete"/>
+</p:tagLst>
 </file>
 
 <file path=ppt/theme/theme1.xml><?xml version="1.0" encoding="utf-8"?>
@@ -9933,6 +10297,21 @@
 </file>
 
 <file path=customXml/item1.xml><?xml version="1.0" encoding="utf-8"?>
+<p:properties xmlns:p="http://schemas.microsoft.com/office/2006/metadata/properties" xmlns:xsi="http://www.w3.org/2001/XMLSchema-instance" xmlns:pc="http://schemas.microsoft.com/office/infopath/2007/PartnerControls">
+  <documentManagement/>
+</p:properties>
+</file>
+
+<file path=customXml/item2.xml><?xml version="1.0" encoding="utf-8"?>
+<?mso-contentType ?>
+<FormTemplates xmlns="http://schemas.microsoft.com/sharepoint/v3/contenttype/forms">
+  <Display>DocumentLibraryForm</Display>
+  <Edit>DocumentLibraryForm</Edit>
+  <New>DocumentLibraryForm</New>
+</FormTemplates>
+</file>
+
+<file path=customXml/item3.xml><?xml version="1.0" encoding="utf-8"?>
 <ct:contentTypeSchema xmlns:ct="http://schemas.microsoft.com/office/2006/metadata/contentType" xmlns:ma="http://schemas.microsoft.com/office/2006/metadata/properties/metaAttributes" ct:_="" ma:_="" ma:contentTypeName="Dokument" ma:contentTypeID="0x010100836DE33932D0F24E842C157F715B2E5B" ma:contentTypeVersion="11" ma:contentTypeDescription="Ein neues Dokument erstellen." ma:contentTypeScope="" ma:versionID="0ea148e3290cae58b3d07c829d945fc7">
   <xsd:schema xmlns:xsd="http://www.w3.org/2001/XMLSchema" xmlns:xs="http://www.w3.org/2001/XMLSchema" xmlns:p="http://schemas.microsoft.com/office/2006/metadata/properties" xmlns:ns3="1d38b0a5-d74c-4591-80fb-34595252c191" xmlns:ns4="6675a1e4-0069-481f-b17b-d0695efb8776" targetNamespace="http://schemas.microsoft.com/office/2006/metadata/properties" ma:root="true" ma:fieldsID="d6e3cbd67c96037582d40ca955ae4e20" ns3:_="" ns4:_="">
     <xsd:import namespace="1d38b0a5-d74c-4591-80fb-34595252c191"/>
@@ -10141,22 +10520,24 @@
 </ct:contentTypeSchema>
 </file>
 
-<file path=customXml/item2.xml><?xml version="1.0" encoding="utf-8"?>
-<?mso-contentType ?>
-<FormTemplates xmlns="http://schemas.microsoft.com/sharepoint/v3/contenttype/forms">
-  <Display>DocumentLibraryForm</Display>
-  <Edit>DocumentLibraryForm</Edit>
-  <New>DocumentLibraryForm</New>
-</FormTemplates>
+<file path=customXml/itemProps1.xml><?xml version="1.0" encoding="utf-8"?>
+<ds:datastoreItem xmlns:ds="http://schemas.openxmlformats.org/officeDocument/2006/customXml" ds:itemID="{9D203E35-29A3-4C37-A27B-52B028595276}">
+  <ds:schemaRefs>
+    <ds:schemaRef ds:uri="http://schemas.microsoft.com/office/2006/metadata/properties"/>
+    <ds:schemaRef ds:uri="http://schemas.microsoft.com/office/infopath/2007/PartnerControls"/>
+  </ds:schemaRefs>
+</ds:datastoreItem>
 </file>
 
-<file path=customXml/item3.xml><?xml version="1.0" encoding="utf-8"?>
-<p:properties xmlns:p="http://schemas.microsoft.com/office/2006/metadata/properties" xmlns:xsi="http://www.w3.org/2001/XMLSchema-instance" xmlns:pc="http://schemas.microsoft.com/office/infopath/2007/PartnerControls">
-  <documentManagement/>
-</p:properties>
+<file path=customXml/itemProps2.xml><?xml version="1.0" encoding="utf-8"?>
+<ds:datastoreItem xmlns:ds="http://schemas.openxmlformats.org/officeDocument/2006/customXml" ds:itemID="{EE7125DD-C209-47D2-9997-DC1117F753D3}">
+  <ds:schemaRefs>
+    <ds:schemaRef ds:uri="http://schemas.microsoft.com/sharepoint/v3/contenttype/forms"/>
+  </ds:schemaRefs>
+</ds:datastoreItem>
 </file>
 
-<file path=customXml/itemProps1.xml><?xml version="1.0" encoding="utf-8"?>
+<file path=customXml/itemProps3.xml><?xml version="1.0" encoding="utf-8"?>
 <ds:datastoreItem xmlns:ds="http://schemas.openxmlformats.org/officeDocument/2006/customXml" ds:itemID="{A83441F2-0C4F-4D30-9220-AB5C2059D640}">
   <ds:schemaRefs>
     <ds:schemaRef ds:uri="http://schemas.microsoft.com/office/2006/metadata/contentType"/>
@@ -10173,21 +10554,4 @@
     <ds:schemaRef ds:uri="http://schemas.microsoft.com/internal/obd"/>
   </ds:schemaRefs>
 </ds:datastoreItem>
-</file>
-
-<file path=customXml/itemProps2.xml><?xml version="1.0" encoding="utf-8"?>
-<ds:datastoreItem xmlns:ds="http://schemas.openxmlformats.org/officeDocument/2006/customXml" ds:itemID="{EE7125DD-C209-47D2-9997-DC1117F753D3}">
-  <ds:schemaRefs>
-    <ds:schemaRef ds:uri="http://schemas.microsoft.com/sharepoint/v3/contenttype/forms"/>
-  </ds:schemaRefs>
-</ds:datastoreItem>
-</file>
-
-<file path=customXml/itemProps3.xml><?xml version="1.0" encoding="utf-8"?>
-<ds:datastoreItem xmlns:ds="http://schemas.openxmlformats.org/officeDocument/2006/customXml" ds:itemID="{9D203E35-29A3-4C37-A27B-52B028595276}">
-  <ds:schemaRefs>
-    <ds:schemaRef ds:uri="http://schemas.microsoft.com/office/2006/metadata/properties"/>
-    <ds:schemaRef ds:uri="http://schemas.microsoft.com/office/infopath/2007/PartnerControls"/>
-  </ds:schemaRefs>
-</ds:datastoreItem>
 </file>